--- a/ppt/Git.pptx
+++ b/ppt/Git.pptx
@@ -2,7 +2,7 @@
 <file path=ppt/presentation.xml><?xml version="1.0" encoding="utf-8"?>
 <p:presentation xmlns:a="http://schemas.openxmlformats.org/drawingml/2006/main" xmlns:r="http://schemas.openxmlformats.org/officeDocument/2006/relationships" xmlns:p="http://schemas.openxmlformats.org/presentationml/2006/main" saveSubsetFonts="1">
   <p:sldMasterIdLst>
-    <p:sldMasterId id="2147483648" r:id="rId1"/>
+    <p:sldMasterId id="2147483756" r:id="rId1"/>
   </p:sldMasterIdLst>
   <p:sldIdLst>
     <p:sldId id="256" r:id="rId2"/>
@@ -114,7 +114,7 @@
 </file>
 
 <file path=ppt/slideLayouts/slideLayout1.xml><?xml version="1.0" encoding="utf-8"?>
-<p:sldLayout xmlns:a="http://schemas.openxmlformats.org/drawingml/2006/main" xmlns:r="http://schemas.openxmlformats.org/officeDocument/2006/relationships" xmlns:p="http://schemas.openxmlformats.org/presentationml/2006/main" type="title" preserve="1">
+<p:sldLayout xmlns:a="http://schemas.openxmlformats.org/drawingml/2006/main" xmlns:r="http://schemas.openxmlformats.org/officeDocument/2006/relationships" xmlns:p="http://schemas.openxmlformats.org/presentationml/2006/main" showMasterSp="0" type="title" preserve="1">
   <p:cSld name="标题幻灯片">
     <p:spTree>
       <p:nvGrpSpPr>
@@ -132,35 +132,132 @@
       </p:grpSpPr>
       <p:sp>
         <p:nvSpPr>
-          <p:cNvPr id="2" name="标题 1"/>
-          <p:cNvSpPr>
-            <a:spLocks noGrp="1"/>
-          </p:cNvSpPr>
-          <p:nvPr>
-            <p:ph type="ctrTitle"/>
-          </p:nvPr>
+          <p:cNvPr id="10" name="直角三角形 9"/>
+          <p:cNvSpPr/>
+          <p:nvPr/>
         </p:nvSpPr>
         <p:spPr>
           <a:xfrm>
-            <a:off x="685800" y="2130425"/>
-            <a:ext cx="7772400" cy="1470025"/>
+            <a:off x="-2" y="4664147"/>
+            <a:ext cx="9151089" cy="0"/>
+          </a:xfrm>
+          <a:prstGeom prst="rtTriangle">
+            <a:avLst/>
+          </a:prstGeom>
+          <a:gradFill flip="none" rotWithShape="1">
+            <a:gsLst>
+              <a:gs pos="0">
+                <a:schemeClr val="accent1">
+                  <a:shade val="35000"/>
+                  <a:satMod val="170000"/>
+                  <a:alpha val="100000"/>
+                </a:schemeClr>
+              </a:gs>
+              <a:gs pos="55000">
+                <a:schemeClr val="accent1">
+                  <a:tint val="90000"/>
+                  <a:satMod val="150000"/>
+                  <a:alpha val="100000"/>
+                </a:schemeClr>
+              </a:gs>
+              <a:gs pos="100000">
+                <a:schemeClr val="accent1">
+                  <a:shade val="35000"/>
+                  <a:satMod val="170000"/>
+                  <a:alpha val="100000"/>
+                </a:schemeClr>
+              </a:gs>
+            </a:gsLst>
+            <a:lin ang="3000000" scaled="1"/>
+            <a:tileRect/>
+          </a:gradFill>
+          <a:ln w="12700" cap="rnd" cmpd="thickThin" algn="ctr">
+            <a:noFill/>
+            <a:prstDash val="solid"/>
+          </a:ln>
+          <a:effectLst/>
+        </p:spPr>
+        <p:style>
+          <a:lnRef idx="3">
+            <a:schemeClr val="lt1"/>
+          </a:lnRef>
+          <a:fillRef idx="1">
+            <a:schemeClr val="accent1"/>
+          </a:fillRef>
+          <a:effectRef idx="1">
+            <a:schemeClr val="accent1"/>
+          </a:effectRef>
+          <a:fontRef idx="minor">
+            <a:schemeClr val="lt1"/>
+          </a:fontRef>
+        </p:style>
+        <p:txBody>
+          <a:bodyPr anchor="ctr"/>
+          <a:lstStyle>
+            <a:extLst/>
+          </a:lstStyle>
+          <a:p>
+            <a:pPr algn="ctr" eaLnBrk="1" latinLnBrk="0" hangingPunct="1"/>
+            <a:endParaRPr kumimoji="0" lang="en-US"/>
+          </a:p>
+        </p:txBody>
+      </p:sp>
+      <p:sp>
+        <p:nvSpPr>
+          <p:cNvPr id="9" name="标题 8"/>
+          <p:cNvSpPr>
+            <a:spLocks noGrp="1"/>
+          </p:cNvSpPr>
+          <p:nvPr>
+            <p:ph type="ctrTitle"/>
+          </p:nvPr>
+        </p:nvSpPr>
+        <p:spPr>
+          <a:xfrm>
+            <a:off x="685800" y="1752601"/>
+            <a:ext cx="7772400" cy="1829761"/>
           </a:xfrm>
         </p:spPr>
         <p:txBody>
-          <a:bodyPr/>
-          <a:lstStyle/>
-          <a:p>
-            <a:r>
-              <a:rPr lang="zh-CN" altLang="en-US" smtClean="0"/>
+          <a:bodyPr vert="horz" anchor="b">
+            <a:normAutofit/>
+            <a:scene3d>
+              <a:camera prst="orthographicFront"/>
+              <a:lightRig rig="soft" dir="t"/>
+            </a:scene3d>
+            <a:sp3d prstMaterial="softEdge">
+              <a:bevelT w="25400" h="25400"/>
+            </a:sp3d>
+          </a:bodyPr>
+          <a:lstStyle>
+            <a:lvl1pPr algn="r">
+              <a:defRPr sz="4800" b="1">
+                <a:solidFill>
+                  <a:schemeClr val="tx2"/>
+                </a:solidFill>
+                <a:effectLst>
+                  <a:outerShdw blurRad="31750" dist="25400" dir="5400000" algn="tl" rotWithShape="0">
+                    <a:srgbClr val="000000">
+                      <a:alpha val="25000"/>
+                    </a:srgbClr>
+                  </a:outerShdw>
+                </a:effectLst>
+              </a:defRPr>
+            </a:lvl1pPr>
+            <a:extLst/>
+          </a:lstStyle>
+          <a:p>
+            <a:r>
+              <a:rPr kumimoji="0" lang="zh-CN" altLang="en-US" smtClean="0"/>
               <a:t>单击此处编辑母版标题样式</a:t>
             </a:r>
-            <a:endParaRPr lang="zh-CN" altLang="en-US"/>
-          </a:p>
-        </p:txBody>
-      </p:sp>
-      <p:sp>
-        <p:nvSpPr>
-          <p:cNvPr id="3" name="副标题 2"/>
+            <a:endParaRPr kumimoji="0" lang="en-US"/>
+          </a:p>
+        </p:txBody>
+      </p:sp>
+      <p:sp>
+        <p:nvSpPr>
+          <p:cNvPr id="17" name="副标题 16"/>
           <p:cNvSpPr>
             <a:spLocks noGrp="1"/>
           </p:cNvSpPr>
@@ -170,169 +267,536 @@
         </p:nvSpPr>
         <p:spPr>
           <a:xfrm>
-            <a:off x="1371600" y="3886200"/>
-            <a:ext cx="6400800" cy="1752600"/>
+            <a:off x="685800" y="3611607"/>
+            <a:ext cx="7772400" cy="1199704"/>
           </a:xfrm>
         </p:spPr>
         <p:txBody>
-          <a:bodyPr/>
-          <a:lstStyle>
-            <a:lvl1pPr marL="0" indent="0" algn="ctr">
+          <a:bodyPr lIns="45720" rIns="45720"/>
+          <a:lstStyle>
+            <a:lvl1pPr marL="0" marR="64008" indent="0" algn="r">
               <a:buNone/>
               <a:defRPr>
                 <a:solidFill>
-                  <a:schemeClr val="tx1">
-                    <a:tint val="75000"/>
-                  </a:schemeClr>
+                  <a:schemeClr val="tx2"/>
                 </a:solidFill>
               </a:defRPr>
             </a:lvl1pPr>
             <a:lvl2pPr marL="457200" indent="0" algn="ctr">
               <a:buNone/>
+            </a:lvl2pPr>
+            <a:lvl3pPr marL="914400" indent="0" algn="ctr">
+              <a:buNone/>
+            </a:lvl3pPr>
+            <a:lvl4pPr marL="1371600" indent="0" algn="ctr">
+              <a:buNone/>
+            </a:lvl4pPr>
+            <a:lvl5pPr marL="1828800" indent="0" algn="ctr">
+              <a:buNone/>
+            </a:lvl5pPr>
+            <a:lvl6pPr marL="2286000" indent="0" algn="ctr">
+              <a:buNone/>
+            </a:lvl6pPr>
+            <a:lvl7pPr marL="2743200" indent="0" algn="ctr">
+              <a:buNone/>
+            </a:lvl7pPr>
+            <a:lvl8pPr marL="3200400" indent="0" algn="ctr">
+              <a:buNone/>
+            </a:lvl8pPr>
+            <a:lvl9pPr marL="3657600" indent="0" algn="ctr">
+              <a:buNone/>
+            </a:lvl9pPr>
+            <a:extLst/>
+          </a:lstStyle>
+          <a:p>
+            <a:r>
+              <a:rPr kumimoji="0" lang="zh-CN" altLang="en-US" smtClean="0"/>
+              <a:t>单击此处编辑母版副标题样式</a:t>
+            </a:r>
+            <a:endParaRPr kumimoji="0" lang="en-US"/>
+          </a:p>
+        </p:txBody>
+      </p:sp>
+      <p:grpSp>
+        <p:nvGrpSpPr>
+          <p:cNvPr id="2" name="组合 1"/>
+          <p:cNvGrpSpPr/>
+          <p:nvPr/>
+        </p:nvGrpSpPr>
+        <p:grpSpPr>
+          <a:xfrm>
+            <a:off x="-3765" y="4953000"/>
+            <a:ext cx="9147765" cy="1912088"/>
+            <a:chOff x="-3765" y="4832896"/>
+            <a:chExt cx="9147765" cy="2032192"/>
+          </a:xfrm>
+        </p:grpSpPr>
+        <p:sp>
+          <p:nvSpPr>
+            <p:cNvPr id="7" name="任意多边形 6"/>
+            <p:cNvSpPr>
+              <a:spLocks/>
+            </p:cNvSpPr>
+            <p:nvPr/>
+          </p:nvSpPr>
+          <p:spPr bwMode="auto">
+            <a:xfrm>
+              <a:off x="1687513" y="4832896"/>
+              <a:ext cx="7456487" cy="518816"/>
+            </a:xfrm>
+            <a:custGeom>
+              <a:avLst>
+                <a:gd name="A1" fmla="val 0"/>
+                <a:gd name="A2" fmla="val 0"/>
+                <a:gd name="A3" fmla="val 0"/>
+                <a:gd name="A4" fmla="val 0"/>
+                <a:gd name="A5" fmla="val 0"/>
+                <a:gd name="A6" fmla="val 0"/>
+                <a:gd name="A7" fmla="val 0"/>
+                <a:gd name="A8" fmla="val 0"/>
+              </a:avLst>
+              <a:gdLst/>
+              <a:ahLst/>
+              <a:cxnLst>
+                <a:cxn ang="0">
+                  <a:pos x="4697" y="0"/>
+                </a:cxn>
+                <a:cxn ang="0">
+                  <a:pos x="4697" y="367"/>
+                </a:cxn>
+                <a:cxn ang="0">
+                  <a:pos x="0" y="218"/>
+                </a:cxn>
+                <a:cxn ang="0">
+                  <a:pos x="4697" y="0"/>
+                </a:cxn>
+              </a:cxnLst>
+              <a:rect l="0" t="0" r="0" b="0"/>
+              <a:pathLst>
+                <a:path w="4697" h="367">
+                  <a:moveTo>
+                    <a:pt x="4697" y="0"/>
+                  </a:moveTo>
+                  <a:lnTo>
+                    <a:pt x="4697" y="367"/>
+                  </a:lnTo>
+                  <a:lnTo>
+                    <a:pt x="0" y="218"/>
+                  </a:lnTo>
+                  <a:lnTo>
+                    <a:pt x="4697" y="0"/>
+                  </a:lnTo>
+                  <a:close/>
+                </a:path>
+              </a:pathLst>
+            </a:custGeom>
+            <a:solidFill>
+              <a:schemeClr val="accent1">
+                <a:tint val="65000"/>
+                <a:satMod val="115000"/>
+                <a:alpha val="40000"/>
+              </a:schemeClr>
+            </a:solidFill>
+            <a:ln w="9525" cap="flat" cmpd="sng" algn="ctr">
+              <a:noFill/>
+              <a:prstDash val="solid"/>
+              <a:round/>
+              <a:headEnd type="none" w="med" len="med"/>
+              <a:tailEnd type="none" w="med" len="med"/>
+            </a:ln>
+            <a:effectLst/>
+          </p:spPr>
+          <p:txBody>
+            <a:bodyPr vert="horz" wrap="square" lIns="91440" tIns="45720" rIns="91440" bIns="45720" anchor="t" compatLnSpc="1"/>
+            <a:lstStyle>
+              <a:extLst/>
+            </a:lstStyle>
+            <a:p>
+              <a:endParaRPr kumimoji="0" lang="en-US"/>
+            </a:p>
+          </p:txBody>
+        </p:sp>
+        <p:sp>
+          <p:nvSpPr>
+            <p:cNvPr id="8" name="任意多边形 7"/>
+            <p:cNvSpPr>
+              <a:spLocks/>
+            </p:cNvSpPr>
+            <p:nvPr/>
+          </p:nvSpPr>
+          <p:spPr bwMode="auto">
+            <a:xfrm>
+              <a:off x="35443" y="5135526"/>
+              <a:ext cx="9108557" cy="838200"/>
+            </a:xfrm>
+            <a:custGeom>
+              <a:avLst>
+                <a:gd name="A1" fmla="val 0"/>
+                <a:gd name="A2" fmla="val 0"/>
+                <a:gd name="A3" fmla="val 0"/>
+                <a:gd name="A4" fmla="val 0"/>
+                <a:gd name="A5" fmla="val 0"/>
+                <a:gd name="A6" fmla="val 0"/>
+                <a:gd name="A7" fmla="val 0"/>
+                <a:gd name="A8" fmla="val 0"/>
+              </a:avLst>
+              <a:gdLst/>
+              <a:ahLst/>
+              <a:cxnLst>
+                <a:cxn ang="0">
+                  <a:pos x="0" y="0"/>
+                </a:cxn>
+                <a:cxn ang="0">
+                  <a:pos x="5760" y="0"/>
+                </a:cxn>
+                <a:cxn ang="0">
+                  <a:pos x="5760" y="528"/>
+                </a:cxn>
+                <a:cxn ang="0">
+                  <a:pos x="48" y="0"/>
+                </a:cxn>
+              </a:cxnLst>
+              <a:rect l="0" t="0" r="0" b="0"/>
+              <a:pathLst>
+                <a:path w="5760" h="528">
+                  <a:moveTo>
+                    <a:pt x="0" y="0"/>
+                  </a:moveTo>
+                  <a:lnTo>
+                    <a:pt x="5760" y="0"/>
+                  </a:lnTo>
+                  <a:lnTo>
+                    <a:pt x="5760" y="528"/>
+                  </a:lnTo>
+                  <a:lnTo>
+                    <a:pt x="48" y="0"/>
+                  </a:lnTo>
+                </a:path>
+              </a:pathLst>
+            </a:custGeom>
+            <a:solidFill>
+              <a:srgbClr val="000000">
+                <a:alpha val="100000"/>
+              </a:srgbClr>
+            </a:solidFill>
+            <a:ln w="9525" cap="flat" cmpd="sng" algn="ctr">
+              <a:noFill/>
+              <a:prstDash val="solid"/>
+              <a:round/>
+              <a:headEnd type="none" w="med" len="med"/>
+              <a:tailEnd type="none" w="med" len="med"/>
+            </a:ln>
+            <a:effectLst/>
+          </p:spPr>
+          <p:txBody>
+            <a:bodyPr vert="horz" wrap="square" lIns="91440" tIns="45720" rIns="91440" bIns="45720" anchor="t" compatLnSpc="1"/>
+            <a:lstStyle>
+              <a:extLst/>
+            </a:lstStyle>
+            <a:p>
+              <a:endParaRPr kumimoji="0" lang="en-US"/>
+            </a:p>
+          </p:txBody>
+        </p:sp>
+        <p:sp>
+          <p:nvSpPr>
+            <p:cNvPr id="11" name="任意多边形 10"/>
+            <p:cNvSpPr>
+              <a:spLocks/>
+            </p:cNvSpPr>
+            <p:nvPr/>
+          </p:nvSpPr>
+          <p:spPr bwMode="auto">
+            <a:xfrm>
+              <a:off x="0" y="4883888"/>
+              <a:ext cx="9144000" cy="1981200"/>
+            </a:xfrm>
+            <a:custGeom>
+              <a:avLst>
+                <a:gd name="A1" fmla="val 0"/>
+                <a:gd name="A2" fmla="val 0"/>
+                <a:gd name="A3" fmla="val 0"/>
+                <a:gd name="A4" fmla="val 0"/>
+                <a:gd name="A5" fmla="val 0"/>
+                <a:gd name="A6" fmla="val 0"/>
+                <a:gd name="A7" fmla="val 0"/>
+                <a:gd name="A8" fmla="val 0"/>
+              </a:avLst>
+              <a:gdLst/>
+              <a:ahLst/>
+              <a:cxnLst>
+                <a:cxn ang="0">
+                  <a:pos x="0" y="0"/>
+                </a:cxn>
+                <a:cxn ang="0">
+                  <a:pos x="0" y="1248"/>
+                </a:cxn>
+                <a:cxn ang="0">
+                  <a:pos x="5760" y="1248"/>
+                </a:cxn>
+                <a:cxn ang="0">
+                  <a:pos x="5760" y="528"/>
+                </a:cxn>
+                <a:cxn ang="0">
+                  <a:pos x="0" y="0"/>
+                </a:cxn>
+              </a:cxnLst>
+              <a:rect l="0" t="0" r="0" b="0"/>
+              <a:pathLst>
+                <a:path w="5760" h="1248">
+                  <a:moveTo>
+                    <a:pt x="0" y="0"/>
+                  </a:moveTo>
+                  <a:lnTo>
+                    <a:pt x="0" y="1248"/>
+                  </a:lnTo>
+                  <a:lnTo>
+                    <a:pt x="5760" y="1248"/>
+                  </a:lnTo>
+                  <a:lnTo>
+                    <a:pt x="5760" y="528"/>
+                  </a:lnTo>
+                  <a:lnTo>
+                    <a:pt x="0" y="0"/>
+                  </a:lnTo>
+                  <a:close/>
+                </a:path>
+              </a:pathLst>
+            </a:custGeom>
+            <a:blipFill>
+              <a:blip r:embed="rId2" cstate="print">
+                <a:alphaModFix amt="50000"/>
+              </a:blip>
+              <a:tile tx="0" ty="0" sx="50000" sy="50000" flip="none" algn="t"/>
+            </a:blipFill>
+            <a:ln w="12700" cap="rnd" cmpd="thickThin" algn="ctr">
+              <a:noFill/>
+              <a:prstDash val="solid"/>
+            </a:ln>
+            <a:effectLst>
+              <a:fillOverlay blend="mult">
+                <a:gradFill flip="none" rotWithShape="1">
+                  <a:gsLst>
+                    <a:gs pos="0">
+                      <a:schemeClr val="accent1">
+                        <a:shade val="20000"/>
+                        <a:satMod val="176000"/>
+                        <a:alpha val="100000"/>
+                      </a:schemeClr>
+                    </a:gs>
+                    <a:gs pos="18000">
+                      <a:schemeClr val="accent1">
+                        <a:shade val="48000"/>
+                        <a:satMod val="153000"/>
+                        <a:alpha val="100000"/>
+                      </a:schemeClr>
+                    </a:gs>
+                    <a:gs pos="43000">
+                      <a:schemeClr val="accent1">
+                        <a:tint val="86000"/>
+                        <a:satMod val="149000"/>
+                        <a:alpha val="100000"/>
+                      </a:schemeClr>
+                    </a:gs>
+                    <a:gs pos="45000">
+                      <a:schemeClr val="accent1">
+                        <a:tint val="85000"/>
+                        <a:satMod val="150000"/>
+                        <a:alpha val="100000"/>
+                      </a:schemeClr>
+                    </a:gs>
+                    <a:gs pos="50000">
+                      <a:schemeClr val="accent1">
+                        <a:tint val="86000"/>
+                        <a:satMod val="149000"/>
+                        <a:alpha val="100000"/>
+                      </a:schemeClr>
+                    </a:gs>
+                    <a:gs pos="79000">
+                      <a:schemeClr val="accent1">
+                        <a:shade val="53000"/>
+                        <a:satMod val="150000"/>
+                        <a:alpha val="100000"/>
+                      </a:schemeClr>
+                    </a:gs>
+                    <a:gs pos="100000">
+                      <a:schemeClr val="accent1">
+                        <a:shade val="25000"/>
+                        <a:satMod val="170000"/>
+                        <a:alpha val="100000"/>
+                      </a:schemeClr>
+                    </a:gs>
+                  </a:gsLst>
+                  <a:lin ang="450000" scaled="1"/>
+                  <a:tileRect/>
+                </a:gradFill>
+              </a:fillOverlay>
+            </a:effectLst>
+          </p:spPr>
+          <p:style>
+            <a:lnRef idx="3">
+              <a:schemeClr val="lt1"/>
+            </a:lnRef>
+            <a:fillRef idx="1">
+              <a:schemeClr val="accent1"/>
+            </a:fillRef>
+            <a:effectRef idx="1">
+              <a:schemeClr val="accent1"/>
+            </a:effectRef>
+            <a:fontRef idx="minor">
+              <a:schemeClr val="lt1"/>
+            </a:fontRef>
+          </p:style>
+          <p:txBody>
+            <a:bodyPr vert="horz" wrap="square" lIns="91440" tIns="45720" rIns="91440" bIns="45720" anchor="ctr" compatLnSpc="1"/>
+            <a:lstStyle>
+              <a:extLst/>
+            </a:lstStyle>
+            <a:p>
+              <a:pPr algn="ctr" eaLnBrk="1" latinLnBrk="0" hangingPunct="1"/>
+              <a:endParaRPr kumimoji="0" lang="en-US"/>
+            </a:p>
+          </p:txBody>
+        </p:sp>
+        <p:cxnSp>
+          <p:nvCxnSpPr>
+            <p:cNvPr id="12" name="直接连接符 11"/>
+            <p:cNvCxnSpPr/>
+            <p:nvPr/>
+          </p:nvCxnSpPr>
+          <p:spPr>
+            <a:xfrm>
+              <a:off x="-3765" y="4880373"/>
+              <a:ext cx="9147765" cy="839943"/>
+            </a:xfrm>
+            <a:prstGeom prst="line">
+              <a:avLst/>
+            </a:prstGeom>
+            <a:noFill/>
+            <a:ln w="12065" cap="flat" cmpd="sng" algn="ctr">
+              <a:gradFill>
+                <a:gsLst>
+                  <a:gs pos="45000">
+                    <a:schemeClr val="accent1">
+                      <a:tint val="70000"/>
+                      <a:satMod val="110000"/>
+                    </a:schemeClr>
+                  </a:gs>
+                  <a:gs pos="15000">
+                    <a:schemeClr val="accent1">
+                      <a:shade val="40000"/>
+                      <a:satMod val="110000"/>
+                    </a:schemeClr>
+                  </a:gs>
+                </a:gsLst>
+                <a:lin ang="5400000" scaled="1"/>
+              </a:gradFill>
+              <a:prstDash val="solid"/>
+              <a:miter lim="800000"/>
+            </a:ln>
+            <a:effectLst/>
+          </p:spPr>
+          <p:style>
+            <a:lnRef idx="2">
+              <a:schemeClr val="accent1"/>
+            </a:lnRef>
+            <a:fillRef idx="0">
+              <a:schemeClr val="accent1"/>
+            </a:fillRef>
+            <a:effectRef idx="1">
+              <a:schemeClr val="accent1"/>
+            </a:effectRef>
+            <a:fontRef idx="minor">
+              <a:schemeClr val="tx1"/>
+            </a:fontRef>
+          </p:style>
+        </p:cxnSp>
+      </p:grpSp>
+      <p:sp>
+        <p:nvSpPr>
+          <p:cNvPr id="30" name="日期占位符 29"/>
+          <p:cNvSpPr>
+            <a:spLocks noGrp="1"/>
+          </p:cNvSpPr>
+          <p:nvPr>
+            <p:ph type="dt" sz="half" idx="10"/>
+          </p:nvPr>
+        </p:nvSpPr>
+        <p:spPr/>
+        <p:txBody>
+          <a:bodyPr/>
+          <a:lstStyle>
+            <a:lvl1pPr>
               <a:defRPr>
                 <a:solidFill>
-                  <a:schemeClr val="tx1">
-                    <a:tint val="75000"/>
+                  <a:srgbClr val="FFFFFF"/>
+                </a:solidFill>
+              </a:defRPr>
+            </a:lvl1pPr>
+            <a:extLst/>
+          </a:lstStyle>
+          <a:p>
+            <a:fld id="{552B59B4-7C25-4F23-85F3-407D74B5C84A}" type="datetimeFigureOut">
+              <a:rPr lang="zh-CN" altLang="en-US" smtClean="0"/>
+              <a:t>2012/10/15</a:t>
+            </a:fld>
+            <a:endParaRPr lang="zh-CN" altLang="en-US"/>
+          </a:p>
+        </p:txBody>
+      </p:sp>
+      <p:sp>
+        <p:nvSpPr>
+          <p:cNvPr id="19" name="页脚占位符 18"/>
+          <p:cNvSpPr>
+            <a:spLocks noGrp="1"/>
+          </p:cNvSpPr>
+          <p:nvPr>
+            <p:ph type="ftr" sz="quarter" idx="11"/>
+          </p:nvPr>
+        </p:nvSpPr>
+        <p:spPr/>
+        <p:txBody>
+          <a:bodyPr/>
+          <a:lstStyle>
+            <a:lvl1pPr>
+              <a:defRPr>
+                <a:solidFill>
+                  <a:schemeClr val="accent1">
+                    <a:tint val="20000"/>
                   </a:schemeClr>
                 </a:solidFill>
               </a:defRPr>
-            </a:lvl2pPr>
-            <a:lvl3pPr marL="914400" indent="0" algn="ctr">
-              <a:buNone/>
+            </a:lvl1pPr>
+            <a:extLst/>
+          </a:lstStyle>
+          <a:p>
+            <a:endParaRPr lang="zh-CN" altLang="en-US"/>
+          </a:p>
+        </p:txBody>
+      </p:sp>
+      <p:sp>
+        <p:nvSpPr>
+          <p:cNvPr id="27" name="灯片编号占位符 26"/>
+          <p:cNvSpPr>
+            <a:spLocks noGrp="1"/>
+          </p:cNvSpPr>
+          <p:nvPr>
+            <p:ph type="sldNum" sz="quarter" idx="12"/>
+          </p:nvPr>
+        </p:nvSpPr>
+        <p:spPr/>
+        <p:txBody>
+          <a:bodyPr/>
+          <a:lstStyle>
+            <a:lvl1pPr>
               <a:defRPr>
                 <a:solidFill>
-                  <a:schemeClr val="tx1">
-                    <a:tint val="75000"/>
-                  </a:schemeClr>
+                  <a:srgbClr val="FFFFFF"/>
                 </a:solidFill>
               </a:defRPr>
-            </a:lvl3pPr>
-            <a:lvl4pPr marL="1371600" indent="0" algn="ctr">
-              <a:buNone/>
-              <a:defRPr>
-                <a:solidFill>
-                  <a:schemeClr val="tx1">
-                    <a:tint val="75000"/>
-                  </a:schemeClr>
-                </a:solidFill>
-              </a:defRPr>
-            </a:lvl4pPr>
-            <a:lvl5pPr marL="1828800" indent="0" algn="ctr">
-              <a:buNone/>
-              <a:defRPr>
-                <a:solidFill>
-                  <a:schemeClr val="tx1">
-                    <a:tint val="75000"/>
-                  </a:schemeClr>
-                </a:solidFill>
-              </a:defRPr>
-            </a:lvl5pPr>
-            <a:lvl6pPr marL="2286000" indent="0" algn="ctr">
-              <a:buNone/>
-              <a:defRPr>
-                <a:solidFill>
-                  <a:schemeClr val="tx1">
-                    <a:tint val="75000"/>
-                  </a:schemeClr>
-                </a:solidFill>
-              </a:defRPr>
-            </a:lvl6pPr>
-            <a:lvl7pPr marL="2743200" indent="0" algn="ctr">
-              <a:buNone/>
-              <a:defRPr>
-                <a:solidFill>
-                  <a:schemeClr val="tx1">
-                    <a:tint val="75000"/>
-                  </a:schemeClr>
-                </a:solidFill>
-              </a:defRPr>
-            </a:lvl7pPr>
-            <a:lvl8pPr marL="3200400" indent="0" algn="ctr">
-              <a:buNone/>
-              <a:defRPr>
-                <a:solidFill>
-                  <a:schemeClr val="tx1">
-                    <a:tint val="75000"/>
-                  </a:schemeClr>
-                </a:solidFill>
-              </a:defRPr>
-            </a:lvl8pPr>
-            <a:lvl9pPr marL="3657600" indent="0" algn="ctr">
-              <a:buNone/>
-              <a:defRPr>
-                <a:solidFill>
-                  <a:schemeClr val="tx1">
-                    <a:tint val="75000"/>
-                  </a:schemeClr>
-                </a:solidFill>
-              </a:defRPr>
-            </a:lvl9pPr>
-          </a:lstStyle>
-          <a:p>
-            <a:r>
-              <a:rPr lang="zh-CN" altLang="en-US" smtClean="0"/>
-              <a:t>单击此处编辑母版副标题样式</a:t>
-            </a:r>
-            <a:endParaRPr lang="zh-CN" altLang="en-US"/>
-          </a:p>
-        </p:txBody>
-      </p:sp>
-      <p:sp>
-        <p:nvSpPr>
-          <p:cNvPr id="4" name="日期占位符 3"/>
-          <p:cNvSpPr>
-            <a:spLocks noGrp="1"/>
-          </p:cNvSpPr>
-          <p:nvPr>
-            <p:ph type="dt" sz="half" idx="10"/>
-          </p:nvPr>
-        </p:nvSpPr>
-        <p:spPr/>
-        <p:txBody>
-          <a:bodyPr/>
-          <a:lstStyle/>
-          <a:p>
-            <a:fld id="{552B59B4-7C25-4F23-85F3-407D74B5C84A}" type="datetimeFigureOut">
-              <a:rPr lang="zh-CN" altLang="en-US" smtClean="0"/>
-              <a:t>2012/10/15</a:t>
-            </a:fld>
-            <a:endParaRPr lang="zh-CN" altLang="en-US"/>
-          </a:p>
-        </p:txBody>
-      </p:sp>
-      <p:sp>
-        <p:nvSpPr>
-          <p:cNvPr id="5" name="页脚占位符 4"/>
-          <p:cNvSpPr>
-            <a:spLocks noGrp="1"/>
-          </p:cNvSpPr>
-          <p:nvPr>
-            <p:ph type="ftr" sz="quarter" idx="11"/>
-          </p:nvPr>
-        </p:nvSpPr>
-        <p:spPr/>
-        <p:txBody>
-          <a:bodyPr/>
-          <a:lstStyle/>
-          <a:p>
-            <a:endParaRPr lang="zh-CN" altLang="en-US"/>
-          </a:p>
-        </p:txBody>
-      </p:sp>
-      <p:sp>
-        <p:nvSpPr>
-          <p:cNvPr id="6" name="灯片编号占位符 5"/>
-          <p:cNvSpPr>
-            <a:spLocks noGrp="1"/>
-          </p:cNvSpPr>
-          <p:nvPr>
-            <p:ph type="sldNum" sz="quarter" idx="12"/>
-          </p:nvPr>
-        </p:nvSpPr>
-        <p:spPr/>
-        <p:txBody>
-          <a:bodyPr/>
-          <a:lstStyle/>
+            </a:lvl1pPr>
+            <a:extLst/>
+          </a:lstStyle>
           <a:p>
             <a:fld id="{15E68D27-B9CB-489F-9614-D036756A15FA}" type="slidenum">
               <a:rPr lang="zh-CN" altLang="en-US" smtClean="0"/>
@@ -380,13 +844,15 @@
         <p:spPr/>
         <p:txBody>
           <a:bodyPr/>
-          <a:lstStyle/>
-          <a:p>
-            <a:r>
-              <a:rPr lang="zh-CN" altLang="en-US" smtClean="0"/>
+          <a:lstStyle>
+            <a:extLst/>
+          </a:lstStyle>
+          <a:p>
+            <a:r>
+              <a:rPr kumimoji="0" lang="zh-CN" altLang="en-US" smtClean="0"/>
               <a:t>单击此处编辑母版标题样式</a:t>
             </a:r>
-            <a:endParaRPr lang="zh-CN" altLang="en-US"/>
+            <a:endParaRPr kumimoji="0" lang="en-US"/>
           </a:p>
         </p:txBody>
       </p:sp>
@@ -400,62 +866,71 @@
             <p:ph type="body" orient="vert" idx="1"/>
           </p:nvPr>
         </p:nvSpPr>
+        <p:spPr>
+          <a:xfrm>
+            <a:off x="457200" y="1481329"/>
+            <a:ext cx="8229600" cy="4386071"/>
+          </a:xfrm>
+        </p:spPr>
+        <p:txBody>
+          <a:bodyPr vert="eaVert"/>
+          <a:lstStyle>
+            <a:extLst/>
+          </a:lstStyle>
+          <a:p>
+            <a:pPr lvl="0" eaLnBrk="1" latinLnBrk="0" hangingPunct="1"/>
+            <a:r>
+              <a:rPr lang="zh-CN" altLang="en-US" smtClean="0"/>
+              <a:t>单击此处编辑母版文本样式</a:t>
+            </a:r>
+          </a:p>
+          <a:p>
+            <a:pPr lvl="1" eaLnBrk="1" latinLnBrk="0" hangingPunct="1"/>
+            <a:r>
+              <a:rPr lang="zh-CN" altLang="en-US" smtClean="0"/>
+              <a:t>第二级</a:t>
+            </a:r>
+          </a:p>
+          <a:p>
+            <a:pPr lvl="2" eaLnBrk="1" latinLnBrk="0" hangingPunct="1"/>
+            <a:r>
+              <a:rPr lang="zh-CN" altLang="en-US" smtClean="0"/>
+              <a:t>第三级</a:t>
+            </a:r>
+          </a:p>
+          <a:p>
+            <a:pPr lvl="3" eaLnBrk="1" latinLnBrk="0" hangingPunct="1"/>
+            <a:r>
+              <a:rPr lang="zh-CN" altLang="en-US" smtClean="0"/>
+              <a:t>第四级</a:t>
+            </a:r>
+          </a:p>
+          <a:p>
+            <a:pPr lvl="4" eaLnBrk="1" latinLnBrk="0" hangingPunct="1"/>
+            <a:r>
+              <a:rPr lang="zh-CN" altLang="en-US" smtClean="0"/>
+              <a:t>第五级</a:t>
+            </a:r>
+            <a:endParaRPr kumimoji="0" lang="en-US"/>
+          </a:p>
+        </p:txBody>
+      </p:sp>
+      <p:sp>
+        <p:nvSpPr>
+          <p:cNvPr id="4" name="日期占位符 3"/>
+          <p:cNvSpPr>
+            <a:spLocks noGrp="1"/>
+          </p:cNvSpPr>
+          <p:nvPr>
+            <p:ph type="dt" sz="half" idx="10"/>
+          </p:nvPr>
+        </p:nvSpPr>
         <p:spPr/>
         <p:txBody>
-          <a:bodyPr vert="eaVert"/>
-          <a:lstStyle/>
-          <a:p>
-            <a:pPr lvl="0"/>
-            <a:r>
-              <a:rPr lang="zh-CN" altLang="en-US" smtClean="0"/>
-              <a:t>单击此处编辑母版文本样式</a:t>
-            </a:r>
-          </a:p>
-          <a:p>
-            <a:pPr lvl="1"/>
-            <a:r>
-              <a:rPr lang="zh-CN" altLang="en-US" smtClean="0"/>
-              <a:t>第二级</a:t>
-            </a:r>
-          </a:p>
-          <a:p>
-            <a:pPr lvl="2"/>
-            <a:r>
-              <a:rPr lang="zh-CN" altLang="en-US" smtClean="0"/>
-              <a:t>第三级</a:t>
-            </a:r>
-          </a:p>
-          <a:p>
-            <a:pPr lvl="3"/>
-            <a:r>
-              <a:rPr lang="zh-CN" altLang="en-US" smtClean="0"/>
-              <a:t>第四级</a:t>
-            </a:r>
-          </a:p>
-          <a:p>
-            <a:pPr lvl="4"/>
-            <a:r>
-              <a:rPr lang="zh-CN" altLang="en-US" smtClean="0"/>
-              <a:t>第五级</a:t>
-            </a:r>
-            <a:endParaRPr lang="zh-CN" altLang="en-US"/>
-          </a:p>
-        </p:txBody>
-      </p:sp>
-      <p:sp>
-        <p:nvSpPr>
-          <p:cNvPr id="4" name="日期占位符 3"/>
-          <p:cNvSpPr>
-            <a:spLocks noGrp="1"/>
-          </p:cNvSpPr>
-          <p:nvPr>
-            <p:ph type="dt" sz="half" idx="10"/>
-          </p:nvPr>
-        </p:nvSpPr>
-        <p:spPr/>
-        <p:txBody>
           <a:bodyPr/>
-          <a:lstStyle/>
+          <a:lstStyle>
+            <a:extLst/>
+          </a:lstStyle>
           <a:p>
             <a:fld id="{552B59B4-7C25-4F23-85F3-407D74B5C84A}" type="datetimeFigureOut">
               <a:rPr lang="zh-CN" altLang="en-US" smtClean="0"/>
@@ -478,7 +953,9 @@
         <p:spPr/>
         <p:txBody>
           <a:bodyPr/>
-          <a:lstStyle/>
+          <a:lstStyle>
+            <a:extLst/>
+          </a:lstStyle>
           <a:p>
             <a:endParaRPr lang="zh-CN" altLang="en-US"/>
           </a:p>
@@ -497,7 +974,9 @@
         <p:spPr/>
         <p:txBody>
           <a:bodyPr/>
-          <a:lstStyle/>
+          <a:lstStyle>
+            <a:extLst/>
+          </a:lstStyle>
           <a:p>
             <a:fld id="{15E68D27-B9CB-489F-9614-D036756A15FA}" type="slidenum">
               <a:rPr lang="zh-CN" altLang="en-US" smtClean="0"/>
@@ -544,19 +1023,21 @@
         </p:nvSpPr>
         <p:spPr>
           <a:xfrm>
-            <a:off x="6629400" y="274638"/>
-            <a:ext cx="2057400" cy="5851525"/>
+            <a:off x="6844013" y="274640"/>
+            <a:ext cx="1777470" cy="5592761"/>
           </a:xfrm>
         </p:spPr>
         <p:txBody>
           <a:bodyPr vert="eaVert"/>
-          <a:lstStyle/>
-          <a:p>
-            <a:r>
-              <a:rPr lang="zh-CN" altLang="en-US" smtClean="0"/>
+          <a:lstStyle>
+            <a:extLst/>
+          </a:lstStyle>
+          <a:p>
+            <a:r>
+              <a:rPr kumimoji="0" lang="zh-CN" altLang="en-US" smtClean="0"/>
               <a:t>单击此处编辑母版标题样式</a:t>
             </a:r>
-            <a:endParaRPr lang="zh-CN" altLang="en-US"/>
+            <a:endParaRPr kumimoji="0" lang="en-US"/>
           </a:p>
         </p:txBody>
       </p:sp>
@@ -572,48 +1053,50 @@
         </p:nvSpPr>
         <p:spPr>
           <a:xfrm>
-            <a:off x="457200" y="274638"/>
-            <a:ext cx="6019800" cy="5851525"/>
+            <a:off x="457200" y="274641"/>
+            <a:ext cx="6324600" cy="5592760"/>
           </a:xfrm>
         </p:spPr>
         <p:txBody>
           <a:bodyPr vert="eaVert"/>
-          <a:lstStyle/>
-          <a:p>
-            <a:pPr lvl="0"/>
+          <a:lstStyle>
+            <a:extLst/>
+          </a:lstStyle>
+          <a:p>
+            <a:pPr lvl="0" eaLnBrk="1" latinLnBrk="0" hangingPunct="1"/>
             <a:r>
               <a:rPr lang="zh-CN" altLang="en-US" smtClean="0"/>
               <a:t>单击此处编辑母版文本样式</a:t>
             </a:r>
           </a:p>
           <a:p>
-            <a:pPr lvl="1"/>
+            <a:pPr lvl="1" eaLnBrk="1" latinLnBrk="0" hangingPunct="1"/>
             <a:r>
               <a:rPr lang="zh-CN" altLang="en-US" smtClean="0"/>
               <a:t>第二级</a:t>
             </a:r>
           </a:p>
           <a:p>
-            <a:pPr lvl="2"/>
+            <a:pPr lvl="2" eaLnBrk="1" latinLnBrk="0" hangingPunct="1"/>
             <a:r>
               <a:rPr lang="zh-CN" altLang="en-US" smtClean="0"/>
               <a:t>第三级</a:t>
             </a:r>
           </a:p>
           <a:p>
-            <a:pPr lvl="3"/>
+            <a:pPr lvl="3" eaLnBrk="1" latinLnBrk="0" hangingPunct="1"/>
             <a:r>
               <a:rPr lang="zh-CN" altLang="en-US" smtClean="0"/>
               <a:t>第四级</a:t>
             </a:r>
           </a:p>
           <a:p>
-            <a:pPr lvl="4"/>
+            <a:pPr lvl="4" eaLnBrk="1" latinLnBrk="0" hangingPunct="1"/>
             <a:r>
               <a:rPr lang="zh-CN" altLang="en-US" smtClean="0"/>
               <a:t>第五级</a:t>
             </a:r>
-            <a:endParaRPr lang="zh-CN" altLang="en-US"/>
+            <a:endParaRPr kumimoji="0" lang="en-US"/>
           </a:p>
         </p:txBody>
       </p:sp>
@@ -630,7 +1113,9 @@
         <p:spPr/>
         <p:txBody>
           <a:bodyPr/>
-          <a:lstStyle/>
+          <a:lstStyle>
+            <a:extLst/>
+          </a:lstStyle>
           <a:p>
             <a:fld id="{552B59B4-7C25-4F23-85F3-407D74B5C84A}" type="datetimeFigureOut">
               <a:rPr lang="zh-CN" altLang="en-US" smtClean="0"/>
@@ -653,7 +1138,9 @@
         <p:spPr/>
         <p:txBody>
           <a:bodyPr/>
-          <a:lstStyle/>
+          <a:lstStyle>
+            <a:extLst/>
+          </a:lstStyle>
           <a:p>
             <a:endParaRPr lang="zh-CN" altLang="en-US"/>
           </a:p>
@@ -672,7 +1159,9 @@
         <p:spPr/>
         <p:txBody>
           <a:bodyPr/>
-          <a:lstStyle/>
+          <a:lstStyle>
+            <a:extLst/>
+          </a:lstStyle>
           <a:p>
             <a:fld id="{15E68D27-B9CB-489F-9614-D036756A15FA}" type="slidenum">
               <a:rPr lang="zh-CN" altLang="en-US" smtClean="0"/>
@@ -709,93 +1198,74 @@
       </p:grpSpPr>
       <p:sp>
         <p:nvSpPr>
-          <p:cNvPr id="2" name="标题 1"/>
-          <p:cNvSpPr>
-            <a:spLocks noGrp="1"/>
-          </p:cNvSpPr>
-          <p:nvPr>
-            <p:ph type="title"/>
+          <p:cNvPr id="3" name="内容占位符 2"/>
+          <p:cNvSpPr>
+            <a:spLocks noGrp="1"/>
+          </p:cNvSpPr>
+          <p:nvPr>
+            <p:ph idx="1"/>
           </p:nvPr>
         </p:nvSpPr>
         <p:spPr/>
         <p:txBody>
           <a:bodyPr/>
-          <a:lstStyle/>
-          <a:p>
-            <a:r>
-              <a:rPr lang="zh-CN" altLang="en-US" smtClean="0"/>
-              <a:t>单击此处编辑母版标题样式</a:t>
-            </a:r>
-            <a:endParaRPr lang="zh-CN" altLang="en-US"/>
-          </a:p>
-        </p:txBody>
-      </p:sp>
-      <p:sp>
-        <p:nvSpPr>
-          <p:cNvPr id="3" name="内容占位符 2"/>
-          <p:cNvSpPr>
-            <a:spLocks noGrp="1"/>
-          </p:cNvSpPr>
-          <p:nvPr>
-            <p:ph idx="1"/>
+          <a:lstStyle>
+            <a:extLst/>
+          </a:lstStyle>
+          <a:p>
+            <a:pPr lvl="0" eaLnBrk="1" latinLnBrk="0" hangingPunct="1"/>
+            <a:r>
+              <a:rPr lang="zh-CN" altLang="en-US" smtClean="0"/>
+              <a:t>单击此处编辑母版文本样式</a:t>
+            </a:r>
+          </a:p>
+          <a:p>
+            <a:pPr lvl="1" eaLnBrk="1" latinLnBrk="0" hangingPunct="1"/>
+            <a:r>
+              <a:rPr lang="zh-CN" altLang="en-US" smtClean="0"/>
+              <a:t>第二级</a:t>
+            </a:r>
+          </a:p>
+          <a:p>
+            <a:pPr lvl="2" eaLnBrk="1" latinLnBrk="0" hangingPunct="1"/>
+            <a:r>
+              <a:rPr lang="zh-CN" altLang="en-US" smtClean="0"/>
+              <a:t>第三级</a:t>
+            </a:r>
+          </a:p>
+          <a:p>
+            <a:pPr lvl="3" eaLnBrk="1" latinLnBrk="0" hangingPunct="1"/>
+            <a:r>
+              <a:rPr lang="zh-CN" altLang="en-US" smtClean="0"/>
+              <a:t>第四级</a:t>
+            </a:r>
+          </a:p>
+          <a:p>
+            <a:pPr lvl="4" eaLnBrk="1" latinLnBrk="0" hangingPunct="1"/>
+            <a:r>
+              <a:rPr lang="zh-CN" altLang="en-US" smtClean="0"/>
+              <a:t>第五级</a:t>
+            </a:r>
+            <a:endParaRPr kumimoji="0" lang="en-US"/>
+          </a:p>
+        </p:txBody>
+      </p:sp>
+      <p:sp>
+        <p:nvSpPr>
+          <p:cNvPr id="4" name="日期占位符 3"/>
+          <p:cNvSpPr>
+            <a:spLocks noGrp="1"/>
+          </p:cNvSpPr>
+          <p:nvPr>
+            <p:ph type="dt" sz="half" idx="10"/>
           </p:nvPr>
         </p:nvSpPr>
         <p:spPr/>
         <p:txBody>
           <a:bodyPr/>
-          <a:lstStyle/>
-          <a:p>
-            <a:pPr lvl="0"/>
-            <a:r>
-              <a:rPr lang="zh-CN" altLang="en-US" smtClean="0"/>
-              <a:t>单击此处编辑母版文本样式</a:t>
-            </a:r>
-          </a:p>
-          <a:p>
-            <a:pPr lvl="1"/>
-            <a:r>
-              <a:rPr lang="zh-CN" altLang="en-US" smtClean="0"/>
-              <a:t>第二级</a:t>
-            </a:r>
-          </a:p>
-          <a:p>
-            <a:pPr lvl="2"/>
-            <a:r>
-              <a:rPr lang="zh-CN" altLang="en-US" smtClean="0"/>
-              <a:t>第三级</a:t>
-            </a:r>
-          </a:p>
-          <a:p>
-            <a:pPr lvl="3"/>
-            <a:r>
-              <a:rPr lang="zh-CN" altLang="en-US" smtClean="0"/>
-              <a:t>第四级</a:t>
-            </a:r>
-          </a:p>
-          <a:p>
-            <a:pPr lvl="4"/>
-            <a:r>
-              <a:rPr lang="zh-CN" altLang="en-US" smtClean="0"/>
-              <a:t>第五级</a:t>
-            </a:r>
-            <a:endParaRPr lang="zh-CN" altLang="en-US"/>
-          </a:p>
-        </p:txBody>
-      </p:sp>
-      <p:sp>
-        <p:nvSpPr>
-          <p:cNvPr id="4" name="日期占位符 3"/>
-          <p:cNvSpPr>
-            <a:spLocks noGrp="1"/>
-          </p:cNvSpPr>
-          <p:nvPr>
-            <p:ph type="dt" sz="half" idx="10"/>
-          </p:nvPr>
-        </p:nvSpPr>
-        <p:spPr/>
-        <p:txBody>
-          <a:bodyPr/>
-          <a:lstStyle/>
+          <a:lstStyle>
+            <a:extLst/>
+          </a:lstStyle>
           <a:p>
             <a:fld id="{552B59B4-7C25-4F23-85F3-407D74B5C84A}" type="datetimeFigureOut">
               <a:rPr lang="zh-CN" altLang="en-US" smtClean="0"/>
@@ -818,7 +1288,9 @@
         <p:spPr/>
         <p:txBody>
           <a:bodyPr/>
-          <a:lstStyle/>
+          <a:lstStyle>
+            <a:extLst/>
+          </a:lstStyle>
           <a:p>
             <a:endParaRPr lang="zh-CN" altLang="en-US"/>
           </a:p>
@@ -837,13 +1309,40 @@
         <p:spPr/>
         <p:txBody>
           <a:bodyPr/>
-          <a:lstStyle/>
+          <a:lstStyle>
+            <a:extLst/>
+          </a:lstStyle>
           <a:p>
             <a:fld id="{15E68D27-B9CB-489F-9614-D036756A15FA}" type="slidenum">
               <a:rPr lang="zh-CN" altLang="en-US" smtClean="0"/>
               <a:t>‹#›</a:t>
             </a:fld>
             <a:endParaRPr lang="zh-CN" altLang="en-US"/>
+          </a:p>
+        </p:txBody>
+      </p:sp>
+      <p:sp>
+        <p:nvSpPr>
+          <p:cNvPr id="7" name="标题 6"/>
+          <p:cNvSpPr>
+            <a:spLocks noGrp="1"/>
+          </p:cNvSpPr>
+          <p:nvPr>
+            <p:ph type="title"/>
+          </p:nvPr>
+        </p:nvSpPr>
+        <p:spPr/>
+        <p:txBody>
+          <a:bodyPr rtlCol="0"/>
+          <a:lstStyle>
+            <a:extLst/>
+          </a:lstStyle>
+          <a:p>
+            <a:r>
+              <a:rPr kumimoji="0" lang="zh-CN" altLang="en-US" smtClean="0"/>
+              <a:t>单击此处编辑母版标题样式</a:t>
+            </a:r>
+            <a:endParaRPr kumimoji="0" lang="en-US"/>
           </a:p>
         </p:txBody>
       </p:sp>
@@ -858,6 +1357,11 @@
 <file path=ppt/slideLayouts/slideLayout3.xml><?xml version="1.0" encoding="utf-8"?>
 <p:sldLayout xmlns:a="http://schemas.openxmlformats.org/drawingml/2006/main" xmlns:r="http://schemas.openxmlformats.org/officeDocument/2006/relationships" xmlns:p="http://schemas.openxmlformats.org/presentationml/2006/main" type="secHead" preserve="1">
   <p:cSld name="节标题">
+    <p:bg>
+      <p:bgRef idx="1002">
+        <a:schemeClr val="bg1"/>
+      </p:bgRef>
+    </p:bg>
     <p:spTree>
       <p:nvGrpSpPr>
         <p:cNvPr id="1" name=""/>
@@ -884,23 +1388,42 @@
         </p:nvSpPr>
         <p:spPr>
           <a:xfrm>
-            <a:off x="722313" y="4406900"/>
-            <a:ext cx="7772400" cy="1362075"/>
+            <a:off x="722376" y="1059712"/>
+            <a:ext cx="7772400" cy="1828800"/>
           </a:xfrm>
         </p:spPr>
         <p:txBody>
-          <a:bodyPr anchor="t"/>
-          <a:lstStyle>
-            <a:lvl1pPr algn="l">
-              <a:defRPr sz="4000" b="1" cap="all"/>
+          <a:bodyPr vert="horz" anchor="b">
+            <a:normAutofit/>
+            <a:scene3d>
+              <a:camera prst="orthographicFront"/>
+              <a:lightRig rig="soft" dir="t"/>
+            </a:scene3d>
+            <a:sp3d prstMaterial="softEdge">
+              <a:bevelT w="25400" h="25400"/>
+            </a:sp3d>
+          </a:bodyPr>
+          <a:lstStyle>
+            <a:lvl1pPr algn="r">
+              <a:buNone/>
+              <a:defRPr sz="4800" b="1" cap="none" baseline="0">
+                <a:effectLst>
+                  <a:outerShdw blurRad="31750" dist="25400" dir="5400000" algn="tl" rotWithShape="0">
+                    <a:srgbClr val="000000">
+                      <a:alpha val="25000"/>
+                    </a:srgbClr>
+                  </a:outerShdw>
+                </a:effectLst>
+              </a:defRPr>
             </a:lvl1pPr>
-          </a:lstStyle>
-          <a:p>
-            <a:r>
-              <a:rPr lang="zh-CN" altLang="en-US" smtClean="0"/>
+            <a:extLst/>
+          </a:lstStyle>
+          <a:p>
+            <a:r>
+              <a:rPr kumimoji="0" lang="zh-CN" altLang="en-US" smtClean="0"/>
               <a:t>单击此处编辑母版标题样式</a:t>
             </a:r>
-            <a:endParaRPr lang="zh-CN" altLang="en-US"/>
+            <a:endParaRPr kumimoji="0" lang="en-US"/>
           </a:p>
         </p:txBody>
       </p:sp>
@@ -916,24 +1439,22 @@
         </p:nvSpPr>
         <p:spPr>
           <a:xfrm>
-            <a:off x="722313" y="2906713"/>
-            <a:ext cx="7772400" cy="1500187"/>
+            <a:off x="3922713" y="2931712"/>
+            <a:ext cx="4572000" cy="1454888"/>
           </a:xfrm>
         </p:spPr>
         <p:txBody>
-          <a:bodyPr anchor="b"/>
-          <a:lstStyle>
-            <a:lvl1pPr marL="0" indent="0">
+          <a:bodyPr lIns="91440" rIns="91440" anchor="t"/>
+          <a:lstStyle>
+            <a:lvl1pPr marL="0" indent="0" algn="l">
               <a:buNone/>
-              <a:defRPr sz="2000">
+              <a:defRPr sz="2300">
                 <a:solidFill>
-                  <a:schemeClr val="tx1">
-                    <a:tint val="75000"/>
-                  </a:schemeClr>
+                  <a:schemeClr val="tx1"/>
                 </a:solidFill>
               </a:defRPr>
             </a:lvl1pPr>
-            <a:lvl2pPr marL="457200" indent="0">
+            <a:lvl2pPr>
               <a:buNone/>
               <a:defRPr sz="1800">
                 <a:solidFill>
@@ -943,7 +1464,7 @@
                 </a:solidFill>
               </a:defRPr>
             </a:lvl2pPr>
-            <a:lvl3pPr marL="914400" indent="0">
+            <a:lvl3pPr>
               <a:buNone/>
               <a:defRPr sz="1600">
                 <a:solidFill>
@@ -953,7 +1474,7 @@
                 </a:solidFill>
               </a:defRPr>
             </a:lvl3pPr>
-            <a:lvl4pPr marL="1371600" indent="0">
+            <a:lvl4pPr>
               <a:buNone/>
               <a:defRPr sz="1400">
                 <a:solidFill>
@@ -963,7 +1484,7 @@
                 </a:solidFill>
               </a:defRPr>
             </a:lvl4pPr>
-            <a:lvl5pPr marL="1828800" indent="0">
+            <a:lvl5pPr>
               <a:buNone/>
               <a:defRPr sz="1400">
                 <a:solidFill>
@@ -973,51 +1494,12 @@
                 </a:solidFill>
               </a:defRPr>
             </a:lvl5pPr>
-            <a:lvl6pPr marL="2286000" indent="0">
-              <a:buNone/>
-              <a:defRPr sz="1400">
-                <a:solidFill>
-                  <a:schemeClr val="tx1">
-                    <a:tint val="75000"/>
-                  </a:schemeClr>
-                </a:solidFill>
-              </a:defRPr>
-            </a:lvl6pPr>
-            <a:lvl7pPr marL="2743200" indent="0">
-              <a:buNone/>
-              <a:defRPr sz="1400">
-                <a:solidFill>
-                  <a:schemeClr val="tx1">
-                    <a:tint val="75000"/>
-                  </a:schemeClr>
-                </a:solidFill>
-              </a:defRPr>
-            </a:lvl7pPr>
-            <a:lvl8pPr marL="3200400" indent="0">
-              <a:buNone/>
-              <a:defRPr sz="1400">
-                <a:solidFill>
-                  <a:schemeClr val="tx1">
-                    <a:tint val="75000"/>
-                  </a:schemeClr>
-                </a:solidFill>
-              </a:defRPr>
-            </a:lvl8pPr>
-            <a:lvl9pPr marL="3657600" indent="0">
-              <a:buNone/>
-              <a:defRPr sz="1400">
-                <a:solidFill>
-                  <a:schemeClr val="tx1">
-                    <a:tint val="75000"/>
-                  </a:schemeClr>
-                </a:solidFill>
-              </a:defRPr>
-            </a:lvl9pPr>
-          </a:lstStyle>
-          <a:p>
-            <a:pPr lvl="0"/>
-            <a:r>
-              <a:rPr lang="zh-CN" altLang="en-US" smtClean="0"/>
+            <a:extLst/>
+          </a:lstStyle>
+          <a:p>
+            <a:pPr lvl="0" eaLnBrk="1" latinLnBrk="0" hangingPunct="1"/>
+            <a:r>
+              <a:rPr kumimoji="0" lang="zh-CN" altLang="en-US" smtClean="0"/>
               <a:t>单击此处编辑母版文本样式</a:t>
             </a:r>
           </a:p>
@@ -1036,7 +1518,9 @@
         <p:spPr/>
         <p:txBody>
           <a:bodyPr/>
-          <a:lstStyle/>
+          <a:lstStyle>
+            <a:extLst/>
+          </a:lstStyle>
           <a:p>
             <a:fld id="{552B59B4-7C25-4F23-85F3-407D74B5C84A}" type="datetimeFigureOut">
               <a:rPr lang="zh-CN" altLang="en-US" smtClean="0"/>
@@ -1059,7 +1543,9 @@
         <p:spPr/>
         <p:txBody>
           <a:bodyPr/>
-          <a:lstStyle/>
+          <a:lstStyle>
+            <a:extLst/>
+          </a:lstStyle>
           <a:p>
             <a:endParaRPr lang="zh-CN" altLang="en-US"/>
           </a:p>
@@ -1078,7 +1564,9 @@
         <p:spPr/>
         <p:txBody>
           <a:bodyPr/>
-          <a:lstStyle/>
+          <a:lstStyle>
+            <a:extLst/>
+          </a:lstStyle>
           <a:p>
             <a:fld id="{15E68D27-B9CB-489F-9614-D036756A15FA}" type="slidenum">
               <a:rPr lang="zh-CN" altLang="en-US" smtClean="0"/>
@@ -1088,10 +1576,170 @@
           </a:p>
         </p:txBody>
       </p:sp>
+      <p:sp>
+        <p:nvSpPr>
+          <p:cNvPr id="7" name="燕尾形 6"/>
+          <p:cNvSpPr/>
+          <p:nvPr/>
+        </p:nvSpPr>
+        <p:spPr>
+          <a:xfrm>
+            <a:off x="3636680" y="3005472"/>
+            <a:ext cx="182880" cy="228600"/>
+          </a:xfrm>
+          <a:prstGeom prst="chevron">
+            <a:avLst>
+              <a:gd name="adj" fmla="val 50000"/>
+            </a:avLst>
+          </a:prstGeom>
+          <a:gradFill flip="none" rotWithShape="1">
+            <a:gsLst>
+              <a:gs pos="0">
+                <a:schemeClr val="accent1">
+                  <a:shade val="60000"/>
+                  <a:satMod val="125000"/>
+                </a:schemeClr>
+              </a:gs>
+              <a:gs pos="72000">
+                <a:schemeClr val="accent1">
+                  <a:tint val="90000"/>
+                  <a:satMod val="138000"/>
+                </a:schemeClr>
+              </a:gs>
+              <a:gs pos="100000">
+                <a:schemeClr val="accent1">
+                  <a:tint val="76000"/>
+                  <a:satMod val="136000"/>
+                </a:schemeClr>
+              </a:gs>
+            </a:gsLst>
+            <a:lin ang="16200000" scaled="0"/>
+          </a:gradFill>
+          <a:ln w="3175" cap="rnd" cmpd="sng" algn="ctr">
+            <a:solidFill>
+              <a:schemeClr val="accent1">
+                <a:shade val="50000"/>
+              </a:schemeClr>
+            </a:solidFill>
+            <a:prstDash val="solid"/>
+          </a:ln>
+          <a:effectLst>
+            <a:outerShdw blurRad="50800" dist="25400" dir="5400000">
+              <a:srgbClr val="000000">
+                <a:alpha val="46000"/>
+              </a:srgbClr>
+            </a:outerShdw>
+          </a:effectLst>
+        </p:spPr>
+        <p:style>
+          <a:lnRef idx="1">
+            <a:schemeClr val="accent1"/>
+          </a:lnRef>
+          <a:fillRef idx="3">
+            <a:schemeClr val="accent1"/>
+          </a:fillRef>
+          <a:effectRef idx="2">
+            <a:schemeClr val="accent1"/>
+          </a:effectRef>
+          <a:fontRef idx="minor">
+            <a:schemeClr val="lt1"/>
+          </a:fontRef>
+        </p:style>
+        <p:txBody>
+          <a:bodyPr anchor="ctr"/>
+          <a:lstStyle>
+            <a:extLst/>
+          </a:lstStyle>
+          <a:p>
+            <a:pPr algn="l" eaLnBrk="1" latinLnBrk="0" hangingPunct="1"/>
+            <a:endParaRPr kumimoji="0" lang="en-US"/>
+          </a:p>
+        </p:txBody>
+      </p:sp>
+      <p:sp>
+        <p:nvSpPr>
+          <p:cNvPr id="8" name="燕尾形 7"/>
+          <p:cNvSpPr/>
+          <p:nvPr/>
+        </p:nvSpPr>
+        <p:spPr>
+          <a:xfrm>
+            <a:off x="3450264" y="3005472"/>
+            <a:ext cx="182880" cy="228600"/>
+          </a:xfrm>
+          <a:prstGeom prst="chevron">
+            <a:avLst>
+              <a:gd name="adj" fmla="val 50000"/>
+            </a:avLst>
+          </a:prstGeom>
+          <a:gradFill flip="none" rotWithShape="1">
+            <a:gsLst>
+              <a:gs pos="0">
+                <a:schemeClr val="accent1">
+                  <a:shade val="60000"/>
+                  <a:satMod val="125000"/>
+                </a:schemeClr>
+              </a:gs>
+              <a:gs pos="72000">
+                <a:schemeClr val="accent1">
+                  <a:tint val="90000"/>
+                  <a:satMod val="138000"/>
+                </a:schemeClr>
+              </a:gs>
+              <a:gs pos="100000">
+                <a:schemeClr val="accent1">
+                  <a:tint val="76000"/>
+                  <a:satMod val="136000"/>
+                </a:schemeClr>
+              </a:gs>
+            </a:gsLst>
+            <a:lin ang="16200000" scaled="0"/>
+          </a:gradFill>
+          <a:ln w="3175" cap="rnd" cmpd="sng" algn="ctr">
+            <a:solidFill>
+              <a:schemeClr val="accent1">
+                <a:shade val="50000"/>
+              </a:schemeClr>
+            </a:solidFill>
+            <a:prstDash val="solid"/>
+          </a:ln>
+          <a:effectLst>
+            <a:outerShdw blurRad="50800" dist="25400" dir="5400000">
+              <a:srgbClr val="000000">
+                <a:alpha val="46000"/>
+              </a:srgbClr>
+            </a:outerShdw>
+          </a:effectLst>
+        </p:spPr>
+        <p:style>
+          <a:lnRef idx="1">
+            <a:schemeClr val="accent1"/>
+          </a:lnRef>
+          <a:fillRef idx="3">
+            <a:schemeClr val="accent1"/>
+          </a:fillRef>
+          <a:effectRef idx="2">
+            <a:schemeClr val="accent1"/>
+          </a:effectRef>
+          <a:fontRef idx="minor">
+            <a:schemeClr val="lt1"/>
+          </a:fontRef>
+        </p:style>
+        <p:txBody>
+          <a:bodyPr anchor="ctr"/>
+          <a:lstStyle>
+            <a:extLst/>
+          </a:lstStyle>
+          <a:p>
+            <a:pPr algn="l" eaLnBrk="1" latinLnBrk="0" hangingPunct="1"/>
+            <a:endParaRPr kumimoji="0" lang="en-US"/>
+          </a:p>
+        </p:txBody>
+      </p:sp>
     </p:spTree>
   </p:cSld>
   <p:clrMapOvr>
-    <a:masterClrMapping/>
+    <a:overrideClrMapping bg1="dk1" tx1="lt1" bg2="dk2" tx2="lt2" accent1="accent1" accent2="accent2" accent3="accent3" accent4="accent4" accent5="accent5" accent6="accent6" hlink="hlink" folHlink="folHlink"/>
   </p:clrMapOvr>
 </p:sldLayout>
 </file>
@@ -1099,6 +1747,11 @@
 <file path=ppt/slideLayouts/slideLayout4.xml><?xml version="1.0" encoding="utf-8"?>
 <p:sldLayout xmlns:a="http://schemas.openxmlformats.org/drawingml/2006/main" xmlns:r="http://schemas.openxmlformats.org/officeDocument/2006/relationships" xmlns:p="http://schemas.openxmlformats.org/presentationml/2006/main" type="twoObj" preserve="1">
   <p:cSld name="两栏内容">
+    <p:bg>
+      <p:bgRef idx="1002">
+        <a:schemeClr val="bg1"/>
+      </p:bgRef>
+    </p:bg>
     <p:spTree>
       <p:nvGrpSpPr>
         <p:cNvPr id="1" name=""/>
@@ -1115,29 +1768,6 @@
       </p:grpSpPr>
       <p:sp>
         <p:nvSpPr>
-          <p:cNvPr id="2" name="标题 1"/>
-          <p:cNvSpPr>
-            <a:spLocks noGrp="1"/>
-          </p:cNvSpPr>
-          <p:nvPr>
-            <p:ph type="title"/>
-          </p:nvPr>
-        </p:nvSpPr>
-        <p:spPr/>
-        <p:txBody>
-          <a:bodyPr/>
-          <a:lstStyle/>
-          <a:p>
-            <a:r>
-              <a:rPr lang="zh-CN" altLang="en-US" smtClean="0"/>
-              <a:t>单击此处编辑母版标题样式</a:t>
-            </a:r>
-            <a:endParaRPr lang="zh-CN" altLang="en-US"/>
-          </a:p>
-        </p:txBody>
-      </p:sp>
-      <p:sp>
-        <p:nvSpPr>
           <p:cNvPr id="3" name="内容占位符 2"/>
           <p:cNvSpPr>
             <a:spLocks noGrp="1"/>
@@ -1148,7 +1778,7 @@
         </p:nvSpPr>
         <p:spPr>
           <a:xfrm>
-            <a:off x="457200" y="1600200"/>
+            <a:off x="457200" y="1481328"/>
             <a:ext cx="4038600" cy="4525963"/>
           </a:xfrm>
         </p:spPr>
@@ -1170,54 +1800,43 @@
             <a:lvl5pPr>
               <a:defRPr sz="1800"/>
             </a:lvl5pPr>
-            <a:lvl6pPr>
-              <a:defRPr sz="1800"/>
-            </a:lvl6pPr>
-            <a:lvl7pPr>
-              <a:defRPr sz="1800"/>
-            </a:lvl7pPr>
-            <a:lvl8pPr>
-              <a:defRPr sz="1800"/>
-            </a:lvl8pPr>
-            <a:lvl9pPr>
-              <a:defRPr sz="1800"/>
-            </a:lvl9pPr>
-          </a:lstStyle>
-          <a:p>
-            <a:pPr lvl="0"/>
+            <a:extLst/>
+          </a:lstStyle>
+          <a:p>
+            <a:pPr lvl="0" eaLnBrk="1" latinLnBrk="0" hangingPunct="1"/>
             <a:r>
               <a:rPr lang="zh-CN" altLang="en-US" smtClean="0"/>
               <a:t>单击此处编辑母版文本样式</a:t>
             </a:r>
           </a:p>
           <a:p>
-            <a:pPr lvl="1"/>
+            <a:pPr lvl="1" eaLnBrk="1" latinLnBrk="0" hangingPunct="1"/>
             <a:r>
               <a:rPr lang="zh-CN" altLang="en-US" smtClean="0"/>
               <a:t>第二级</a:t>
             </a:r>
           </a:p>
           <a:p>
-            <a:pPr lvl="2"/>
+            <a:pPr lvl="2" eaLnBrk="1" latinLnBrk="0" hangingPunct="1"/>
             <a:r>
               <a:rPr lang="zh-CN" altLang="en-US" smtClean="0"/>
               <a:t>第三级</a:t>
             </a:r>
           </a:p>
           <a:p>
-            <a:pPr lvl="3"/>
+            <a:pPr lvl="3" eaLnBrk="1" latinLnBrk="0" hangingPunct="1"/>
             <a:r>
               <a:rPr lang="zh-CN" altLang="en-US" smtClean="0"/>
               <a:t>第四级</a:t>
             </a:r>
           </a:p>
           <a:p>
-            <a:pPr lvl="4"/>
+            <a:pPr lvl="4" eaLnBrk="1" latinLnBrk="0" hangingPunct="1"/>
             <a:r>
               <a:rPr lang="zh-CN" altLang="en-US" smtClean="0"/>
               <a:t>第五级</a:t>
             </a:r>
-            <a:endParaRPr lang="zh-CN" altLang="en-US"/>
+            <a:endParaRPr kumimoji="0" lang="en-US"/>
           </a:p>
         </p:txBody>
       </p:sp>
@@ -1233,7 +1852,7 @@
         </p:nvSpPr>
         <p:spPr>
           <a:xfrm>
-            <a:off x="4648200" y="1600200"/>
+            <a:off x="4648200" y="1481328"/>
             <a:ext cx="4038600" cy="4525963"/>
           </a:xfrm>
         </p:spPr>
@@ -1255,54 +1874,43 @@
             <a:lvl5pPr>
               <a:defRPr sz="1800"/>
             </a:lvl5pPr>
-            <a:lvl6pPr>
-              <a:defRPr sz="1800"/>
-            </a:lvl6pPr>
-            <a:lvl7pPr>
-              <a:defRPr sz="1800"/>
-            </a:lvl7pPr>
-            <a:lvl8pPr>
-              <a:defRPr sz="1800"/>
-            </a:lvl8pPr>
-            <a:lvl9pPr>
-              <a:defRPr sz="1800"/>
-            </a:lvl9pPr>
-          </a:lstStyle>
-          <a:p>
-            <a:pPr lvl="0"/>
+            <a:extLst/>
+          </a:lstStyle>
+          <a:p>
+            <a:pPr lvl="0" eaLnBrk="1" latinLnBrk="0" hangingPunct="1"/>
             <a:r>
               <a:rPr lang="zh-CN" altLang="en-US" smtClean="0"/>
               <a:t>单击此处编辑母版文本样式</a:t>
             </a:r>
           </a:p>
           <a:p>
-            <a:pPr lvl="1"/>
+            <a:pPr lvl="1" eaLnBrk="1" latinLnBrk="0" hangingPunct="1"/>
             <a:r>
               <a:rPr lang="zh-CN" altLang="en-US" smtClean="0"/>
               <a:t>第二级</a:t>
             </a:r>
           </a:p>
           <a:p>
-            <a:pPr lvl="2"/>
+            <a:pPr lvl="2" eaLnBrk="1" latinLnBrk="0" hangingPunct="1"/>
             <a:r>
               <a:rPr lang="zh-CN" altLang="en-US" smtClean="0"/>
               <a:t>第三级</a:t>
             </a:r>
           </a:p>
           <a:p>
-            <a:pPr lvl="3"/>
+            <a:pPr lvl="3" eaLnBrk="1" latinLnBrk="0" hangingPunct="1"/>
             <a:r>
               <a:rPr lang="zh-CN" altLang="en-US" smtClean="0"/>
               <a:t>第四级</a:t>
             </a:r>
           </a:p>
           <a:p>
-            <a:pPr lvl="4"/>
+            <a:pPr lvl="4" eaLnBrk="1" latinLnBrk="0" hangingPunct="1"/>
             <a:r>
               <a:rPr lang="zh-CN" altLang="en-US" smtClean="0"/>
               <a:t>第五级</a:t>
             </a:r>
-            <a:endParaRPr lang="zh-CN" altLang="en-US"/>
+            <a:endParaRPr kumimoji="0" lang="en-US"/>
           </a:p>
         </p:txBody>
       </p:sp>
@@ -1319,7 +1927,9 @@
         <p:spPr/>
         <p:txBody>
           <a:bodyPr/>
-          <a:lstStyle/>
+          <a:lstStyle>
+            <a:extLst/>
+          </a:lstStyle>
           <a:p>
             <a:fld id="{552B59B4-7C25-4F23-85F3-407D74B5C84A}" type="datetimeFigureOut">
               <a:rPr lang="zh-CN" altLang="en-US" smtClean="0"/>
@@ -1342,7 +1952,9 @@
         <p:spPr/>
         <p:txBody>
           <a:bodyPr/>
-          <a:lstStyle/>
+          <a:lstStyle>
+            <a:extLst/>
+          </a:lstStyle>
           <a:p>
             <a:endParaRPr lang="zh-CN" altLang="en-US"/>
           </a:p>
@@ -1361,7 +1973,9 @@
         <p:spPr/>
         <p:txBody>
           <a:bodyPr/>
-          <a:lstStyle/>
+          <a:lstStyle>
+            <a:extLst/>
+          </a:lstStyle>
           <a:p>
             <a:fld id="{15E68D27-B9CB-489F-9614-D036756A15FA}" type="slidenum">
               <a:rPr lang="zh-CN" altLang="en-US" smtClean="0"/>
@@ -1371,17 +1985,47 @@
           </a:p>
         </p:txBody>
       </p:sp>
+      <p:sp>
+        <p:nvSpPr>
+          <p:cNvPr id="8" name="标题 7"/>
+          <p:cNvSpPr>
+            <a:spLocks noGrp="1"/>
+          </p:cNvSpPr>
+          <p:nvPr>
+            <p:ph type="title"/>
+          </p:nvPr>
+        </p:nvSpPr>
+        <p:spPr/>
+        <p:txBody>
+          <a:bodyPr rtlCol="0"/>
+          <a:lstStyle>
+            <a:extLst/>
+          </a:lstStyle>
+          <a:p>
+            <a:r>
+              <a:rPr kumimoji="0" lang="zh-CN" altLang="en-US" smtClean="0"/>
+              <a:t>单击此处编辑母版标题样式</a:t>
+            </a:r>
+            <a:endParaRPr kumimoji="0" lang="en-US"/>
+          </a:p>
+        </p:txBody>
+      </p:sp>
     </p:spTree>
   </p:cSld>
   <p:clrMapOvr>
-    <a:masterClrMapping/>
+    <a:overrideClrMapping bg1="dk1" tx1="lt1" bg2="dk2" tx2="lt2" accent1="accent1" accent2="accent2" accent3="accent3" accent4="accent4" accent5="accent5" accent6="accent6" hlink="hlink" folHlink="folHlink"/>
   </p:clrMapOvr>
 </p:sldLayout>
 </file>
 
 <file path=ppt/slideLayouts/slideLayout5.xml><?xml version="1.0" encoding="utf-8"?>
-<p:sldLayout xmlns:a="http://schemas.openxmlformats.org/drawingml/2006/main" xmlns:r="http://schemas.openxmlformats.org/officeDocument/2006/relationships" xmlns:p="http://schemas.openxmlformats.org/presentationml/2006/main" type="twoTxTwoObj" preserve="1">
+<p:sldLayout xmlns:a="http://schemas.openxmlformats.org/drawingml/2006/main" xmlns:r="http://schemas.openxmlformats.org/officeDocument/2006/relationships" xmlns:p="http://schemas.openxmlformats.org/presentationml/2006/main" showMasterSp="0" type="twoTxTwoObj" preserve="1">
   <p:cSld name="比较">
+    <p:bg>
+      <p:bgRef idx="1003">
+        <a:schemeClr val="bg1"/>
+      </p:bgRef>
+    </p:bg>
     <p:spTree>
       <p:nvGrpSpPr>
         <p:cNvPr id="1" name=""/>
@@ -1406,20 +2050,26 @@
             <p:ph type="title"/>
           </p:nvPr>
         </p:nvSpPr>
-        <p:spPr/>
-        <p:txBody>
-          <a:bodyPr/>
+        <p:spPr>
+          <a:xfrm>
+            <a:off x="457200" y="273050"/>
+            <a:ext cx="8229600" cy="1143000"/>
+          </a:xfrm>
+        </p:spPr>
+        <p:txBody>
+          <a:bodyPr anchor="ctr"/>
           <a:lstStyle>
             <a:lvl1pPr>
               <a:defRPr/>
             </a:lvl1pPr>
-          </a:lstStyle>
-          <a:p>
-            <a:r>
-              <a:rPr lang="zh-CN" altLang="en-US" smtClean="0"/>
+            <a:extLst/>
+          </a:lstStyle>
+          <a:p>
+            <a:r>
+              <a:rPr kumimoji="0" lang="zh-CN" altLang="en-US" smtClean="0"/>
               <a:t>单击此处编辑母版标题样式</a:t>
             </a:r>
-            <a:endParaRPr lang="zh-CN" altLang="en-US"/>
+            <a:endParaRPr kumimoji="0" lang="en-US"/>
           </a:p>
         </p:txBody>
       </p:sp>
@@ -1435,54 +2085,115 @@
         </p:nvSpPr>
         <p:spPr>
           <a:xfrm>
-            <a:off x="457200" y="1535113"/>
-            <a:ext cx="4040188" cy="639762"/>
+            <a:off x="457200" y="5410200"/>
+            <a:ext cx="4040188" cy="762000"/>
           </a:xfrm>
+          <a:solidFill>
+            <a:schemeClr val="accent1"/>
+          </a:solidFill>
+          <a:ln w="9652">
+            <a:solidFill>
+              <a:schemeClr val="accent1"/>
+            </a:solidFill>
+            <a:miter lim="800000"/>
+          </a:ln>
         </p:spPr>
         <p:txBody>
-          <a:bodyPr anchor="b"/>
+          <a:bodyPr lIns="182880" anchor="ctr"/>
           <a:lstStyle>
             <a:lvl1pPr marL="0" indent="0">
               <a:buNone/>
-              <a:defRPr sz="2400" b="1"/>
+              <a:defRPr sz="2400" b="0">
+                <a:solidFill>
+                  <a:schemeClr val="bg1"/>
+                </a:solidFill>
+              </a:defRPr>
             </a:lvl1pPr>
-            <a:lvl2pPr marL="457200" indent="0">
+            <a:lvl2pPr>
               <a:buNone/>
               <a:defRPr sz="2000" b="1"/>
             </a:lvl2pPr>
-            <a:lvl3pPr marL="914400" indent="0">
+            <a:lvl3pPr>
               <a:buNone/>
               <a:defRPr sz="1800" b="1"/>
             </a:lvl3pPr>
-            <a:lvl4pPr marL="1371600" indent="0">
+            <a:lvl4pPr>
               <a:buNone/>
               <a:defRPr sz="1600" b="1"/>
             </a:lvl4pPr>
-            <a:lvl5pPr marL="1828800" indent="0">
+            <a:lvl5pPr>
               <a:buNone/>
               <a:defRPr sz="1600" b="1"/>
             </a:lvl5pPr>
-            <a:lvl6pPr marL="2286000" indent="0">
+            <a:extLst/>
+          </a:lstStyle>
+          <a:p>
+            <a:pPr lvl="0" eaLnBrk="1" latinLnBrk="0" hangingPunct="1"/>
+            <a:r>
+              <a:rPr kumimoji="0" lang="zh-CN" altLang="en-US" smtClean="0"/>
+              <a:t>单击此处编辑母版文本样式</a:t>
+            </a:r>
+          </a:p>
+        </p:txBody>
+      </p:sp>
+      <p:sp>
+        <p:nvSpPr>
+          <p:cNvPr id="4" name="文本占位符 3"/>
+          <p:cNvSpPr>
+            <a:spLocks noGrp="1"/>
+          </p:cNvSpPr>
+          <p:nvPr>
+            <p:ph type="body" sz="half" idx="3"/>
+          </p:nvPr>
+        </p:nvSpPr>
+        <p:spPr>
+          <a:xfrm>
+            <a:off x="4645026" y="5410200"/>
+            <a:ext cx="4041775" cy="762000"/>
+          </a:xfrm>
+          <a:solidFill>
+            <a:schemeClr val="accent1"/>
+          </a:solidFill>
+          <a:ln w="9652">
+            <a:solidFill>
+              <a:schemeClr val="accent1"/>
+            </a:solidFill>
+            <a:miter lim="800000"/>
+          </a:ln>
+        </p:spPr>
+        <p:txBody>
+          <a:bodyPr lIns="182880" anchor="ctr"/>
+          <a:lstStyle>
+            <a:lvl1pPr marL="0" indent="0">
+              <a:buNone/>
+              <a:defRPr sz="2400" b="0">
+                <a:solidFill>
+                  <a:schemeClr val="bg1"/>
+                </a:solidFill>
+              </a:defRPr>
+            </a:lvl1pPr>
+            <a:lvl2pPr>
+              <a:buNone/>
+              <a:defRPr sz="2000" b="1"/>
+            </a:lvl2pPr>
+            <a:lvl3pPr>
+              <a:buNone/>
+              <a:defRPr sz="1800" b="1"/>
+            </a:lvl3pPr>
+            <a:lvl4pPr>
               <a:buNone/>
               <a:defRPr sz="1600" b="1"/>
-            </a:lvl6pPr>
-            <a:lvl7pPr marL="2743200" indent="0">
+            </a:lvl4pPr>
+            <a:lvl5pPr>
               <a:buNone/>
               <a:defRPr sz="1600" b="1"/>
-            </a:lvl7pPr>
-            <a:lvl8pPr marL="3200400" indent="0">
-              <a:buNone/>
-              <a:defRPr sz="1600" b="1"/>
-            </a:lvl8pPr>
-            <a:lvl9pPr marL="3657600" indent="0">
-              <a:buNone/>
-              <a:defRPr sz="1600" b="1"/>
-            </a:lvl9pPr>
-          </a:lstStyle>
-          <a:p>
-            <a:pPr lvl="0"/>
-            <a:r>
-              <a:rPr lang="zh-CN" altLang="en-US" smtClean="0"/>
+            </a:lvl5pPr>
+            <a:extLst/>
+          </a:lstStyle>
+          <a:p>
+            <a:pPr lvl="0" eaLnBrk="1" latinLnBrk="0" hangingPunct="1"/>
+            <a:r>
+              <a:rPr kumimoji="0" lang="zh-CN" altLang="en-US" smtClean="0"/>
               <a:t>单击此处编辑母版文本样式</a:t>
             </a:r>
           </a:p>
@@ -1490,19 +2201,24 @@
       </p:sp>
       <p:sp>
         <p:nvSpPr>
-          <p:cNvPr id="4" name="内容占位符 3"/>
-          <p:cNvSpPr>
-            <a:spLocks noGrp="1"/>
-          </p:cNvSpPr>
-          <p:nvPr>
-            <p:ph sz="half" idx="2"/>
+          <p:cNvPr id="5" name="内容占位符 4"/>
+          <p:cNvSpPr>
+            <a:spLocks noGrp="1"/>
+          </p:cNvSpPr>
+          <p:nvPr>
+            <p:ph sz="quarter" idx="2"/>
           </p:nvPr>
         </p:nvSpPr>
         <p:spPr>
           <a:xfrm>
-            <a:off x="457200" y="2174875"/>
-            <a:ext cx="4040188" cy="3951288"/>
+            <a:off x="457200" y="1444294"/>
+            <a:ext cx="4040188" cy="3941763"/>
           </a:xfrm>
+          <a:ln>
+            <a:noFill/>
+            <a:prstDash val="sysDash"/>
+            <a:miter lim="800000"/>
+          </a:ln>
         </p:spPr>
         <p:txBody>
           <a:bodyPr/>
@@ -1522,142 +2238,74 @@
             <a:lvl5pPr>
               <a:defRPr sz="1600"/>
             </a:lvl5pPr>
-            <a:lvl6pPr>
-              <a:defRPr sz="1600"/>
-            </a:lvl6pPr>
-            <a:lvl7pPr>
-              <a:defRPr sz="1600"/>
-            </a:lvl7pPr>
-            <a:lvl8pPr>
-              <a:defRPr sz="1600"/>
-            </a:lvl8pPr>
-            <a:lvl9pPr>
-              <a:defRPr sz="1600"/>
-            </a:lvl9pPr>
-          </a:lstStyle>
-          <a:p>
-            <a:pPr lvl="0"/>
+            <a:extLst/>
+          </a:lstStyle>
+          <a:p>
+            <a:pPr lvl="0" eaLnBrk="1" latinLnBrk="0" hangingPunct="1"/>
             <a:r>
               <a:rPr lang="zh-CN" altLang="en-US" smtClean="0"/>
               <a:t>单击此处编辑母版文本样式</a:t>
             </a:r>
           </a:p>
           <a:p>
-            <a:pPr lvl="1"/>
+            <a:pPr lvl="1" eaLnBrk="1" latinLnBrk="0" hangingPunct="1"/>
             <a:r>
               <a:rPr lang="zh-CN" altLang="en-US" smtClean="0"/>
               <a:t>第二级</a:t>
             </a:r>
           </a:p>
           <a:p>
-            <a:pPr lvl="2"/>
+            <a:pPr lvl="2" eaLnBrk="1" latinLnBrk="0" hangingPunct="1"/>
             <a:r>
               <a:rPr lang="zh-CN" altLang="en-US" smtClean="0"/>
               <a:t>第三级</a:t>
             </a:r>
           </a:p>
           <a:p>
-            <a:pPr lvl="3"/>
+            <a:pPr lvl="3" eaLnBrk="1" latinLnBrk="0" hangingPunct="1"/>
             <a:r>
               <a:rPr lang="zh-CN" altLang="en-US" smtClean="0"/>
               <a:t>第四级</a:t>
             </a:r>
           </a:p>
           <a:p>
-            <a:pPr lvl="4"/>
+            <a:pPr lvl="4" eaLnBrk="1" latinLnBrk="0" hangingPunct="1"/>
             <a:r>
               <a:rPr lang="zh-CN" altLang="en-US" smtClean="0"/>
               <a:t>第五级</a:t>
             </a:r>
-            <a:endParaRPr lang="zh-CN" altLang="en-US"/>
-          </a:p>
-        </p:txBody>
-      </p:sp>
-      <p:sp>
-        <p:nvSpPr>
-          <p:cNvPr id="5" name="文本占位符 4"/>
-          <p:cNvSpPr>
-            <a:spLocks noGrp="1"/>
-          </p:cNvSpPr>
-          <p:nvPr>
-            <p:ph type="body" sz="quarter" idx="3"/>
+            <a:endParaRPr kumimoji="0" lang="en-US"/>
+          </a:p>
+        </p:txBody>
+      </p:sp>
+      <p:sp>
+        <p:nvSpPr>
+          <p:cNvPr id="6" name="内容占位符 5"/>
+          <p:cNvSpPr>
+            <a:spLocks noGrp="1"/>
+          </p:cNvSpPr>
+          <p:nvPr>
+            <p:ph sz="quarter" idx="4"/>
           </p:nvPr>
         </p:nvSpPr>
         <p:spPr>
           <a:xfrm>
-            <a:off x="4645025" y="1535113"/>
-            <a:ext cx="4041775" cy="639762"/>
+            <a:off x="4645025" y="1444294"/>
+            <a:ext cx="4041775" cy="3941763"/>
           </a:xfrm>
+          <a:ln>
+            <a:noFill/>
+            <a:prstDash val="sysDash"/>
+            <a:miter lim="800000"/>
+          </a:ln>
         </p:spPr>
         <p:txBody>
-          <a:bodyPr anchor="b"/>
-          <a:lstStyle>
-            <a:lvl1pPr marL="0" indent="0">
-              <a:buNone/>
-              <a:defRPr sz="2400" b="1"/>
-            </a:lvl1pPr>
-            <a:lvl2pPr marL="457200" indent="0">
-              <a:buNone/>
-              <a:defRPr sz="2000" b="1"/>
-            </a:lvl2pPr>
-            <a:lvl3pPr marL="914400" indent="0">
-              <a:buNone/>
-              <a:defRPr sz="1800" b="1"/>
-            </a:lvl3pPr>
-            <a:lvl4pPr marL="1371600" indent="0">
-              <a:buNone/>
-              <a:defRPr sz="1600" b="1"/>
-            </a:lvl4pPr>
-            <a:lvl5pPr marL="1828800" indent="0">
-              <a:buNone/>
-              <a:defRPr sz="1600" b="1"/>
-            </a:lvl5pPr>
-            <a:lvl6pPr marL="2286000" indent="0">
-              <a:buNone/>
-              <a:defRPr sz="1600" b="1"/>
-            </a:lvl6pPr>
-            <a:lvl7pPr marL="2743200" indent="0">
-              <a:buNone/>
-              <a:defRPr sz="1600" b="1"/>
-            </a:lvl7pPr>
-            <a:lvl8pPr marL="3200400" indent="0">
-              <a:buNone/>
-              <a:defRPr sz="1600" b="1"/>
-            </a:lvl8pPr>
-            <a:lvl9pPr marL="3657600" indent="0">
-              <a:buNone/>
-              <a:defRPr sz="1600" b="1"/>
-            </a:lvl9pPr>
-          </a:lstStyle>
-          <a:p>
-            <a:pPr lvl="0"/>
-            <a:r>
-              <a:rPr lang="zh-CN" altLang="en-US" smtClean="0"/>
-              <a:t>单击此处编辑母版文本样式</a:t>
-            </a:r>
-          </a:p>
-        </p:txBody>
-      </p:sp>
-      <p:sp>
-        <p:nvSpPr>
-          <p:cNvPr id="6" name="内容占位符 5"/>
-          <p:cNvSpPr>
-            <a:spLocks noGrp="1"/>
-          </p:cNvSpPr>
-          <p:nvPr>
-            <p:ph sz="quarter" idx="4"/>
-          </p:nvPr>
-        </p:nvSpPr>
-        <p:spPr>
-          <a:xfrm>
-            <a:off x="4645025" y="2174875"/>
-            <a:ext cx="4041775" cy="3951288"/>
-          </a:xfrm>
-        </p:spPr>
-        <p:txBody>
           <a:bodyPr/>
           <a:lstStyle>
             <a:lvl1pPr>
+              <a:spcBef>
+                <a:spcPts val="0"/>
+              </a:spcBef>
               <a:defRPr sz="2400"/>
             </a:lvl1pPr>
             <a:lvl2pPr>
@@ -1672,54 +2320,43 @@
             <a:lvl5pPr>
               <a:defRPr sz="1600"/>
             </a:lvl5pPr>
-            <a:lvl6pPr>
-              <a:defRPr sz="1600"/>
-            </a:lvl6pPr>
-            <a:lvl7pPr>
-              <a:defRPr sz="1600"/>
-            </a:lvl7pPr>
-            <a:lvl8pPr>
-              <a:defRPr sz="1600"/>
-            </a:lvl8pPr>
-            <a:lvl9pPr>
-              <a:defRPr sz="1600"/>
-            </a:lvl9pPr>
-          </a:lstStyle>
-          <a:p>
-            <a:pPr lvl="0"/>
+            <a:extLst/>
+          </a:lstStyle>
+          <a:p>
+            <a:pPr lvl="0" eaLnBrk="1" latinLnBrk="0" hangingPunct="1"/>
             <a:r>
               <a:rPr lang="zh-CN" altLang="en-US" smtClean="0"/>
               <a:t>单击此处编辑母版文本样式</a:t>
             </a:r>
           </a:p>
           <a:p>
-            <a:pPr lvl="1"/>
+            <a:pPr lvl="1" eaLnBrk="1" latinLnBrk="0" hangingPunct="1"/>
             <a:r>
               <a:rPr lang="zh-CN" altLang="en-US" smtClean="0"/>
               <a:t>第二级</a:t>
             </a:r>
           </a:p>
           <a:p>
-            <a:pPr lvl="2"/>
+            <a:pPr lvl="2" eaLnBrk="1" latinLnBrk="0" hangingPunct="1"/>
             <a:r>
               <a:rPr lang="zh-CN" altLang="en-US" smtClean="0"/>
               <a:t>第三级</a:t>
             </a:r>
           </a:p>
           <a:p>
-            <a:pPr lvl="3"/>
+            <a:pPr lvl="3" eaLnBrk="1" latinLnBrk="0" hangingPunct="1"/>
             <a:r>
               <a:rPr lang="zh-CN" altLang="en-US" smtClean="0"/>
               <a:t>第四级</a:t>
             </a:r>
           </a:p>
           <a:p>
-            <a:pPr lvl="4"/>
+            <a:pPr lvl="4" eaLnBrk="1" latinLnBrk="0" hangingPunct="1"/>
             <a:r>
               <a:rPr lang="zh-CN" altLang="en-US" smtClean="0"/>
               <a:t>第五级</a:t>
             </a:r>
-            <a:endParaRPr lang="zh-CN" altLang="en-US"/>
+            <a:endParaRPr kumimoji="0" lang="en-US"/>
           </a:p>
         </p:txBody>
       </p:sp>
@@ -1736,7 +2373,9 @@
         <p:spPr/>
         <p:txBody>
           <a:bodyPr/>
-          <a:lstStyle/>
+          <a:lstStyle>
+            <a:extLst/>
+          </a:lstStyle>
           <a:p>
             <a:fld id="{552B59B4-7C25-4F23-85F3-407D74B5C84A}" type="datetimeFigureOut">
               <a:rPr lang="zh-CN" altLang="en-US" smtClean="0"/>
@@ -1759,7 +2398,9 @@
         <p:spPr/>
         <p:txBody>
           <a:bodyPr/>
-          <a:lstStyle/>
+          <a:lstStyle>
+            <a:extLst/>
+          </a:lstStyle>
           <a:p>
             <a:endParaRPr lang="zh-CN" altLang="en-US"/>
           </a:p>
@@ -1778,7 +2419,9 @@
         <p:spPr/>
         <p:txBody>
           <a:bodyPr/>
-          <a:lstStyle/>
+          <a:lstStyle>
+            <a:extLst/>
+          </a:lstStyle>
           <a:p>
             <a:fld id="{15E68D27-B9CB-489F-9614-D036756A15FA}" type="slidenum">
               <a:rPr lang="zh-CN" altLang="en-US" smtClean="0"/>
@@ -1791,7 +2434,7 @@
     </p:spTree>
   </p:cSld>
   <p:clrMapOvr>
-    <a:masterClrMapping/>
+    <a:overrideClrMapping bg1="lt1" tx1="dk1" bg2="lt2" tx2="dk2" accent1="accent1" accent2="accent2" accent3="accent3" accent4="accent4" accent5="accent5" accent6="accent6" hlink="hlink" folHlink="folHlink"/>
   </p:clrMapOvr>
 </p:sldLayout>
 </file>
@@ -1799,6 +2442,11 @@
 <file path=ppt/slideLayouts/slideLayout6.xml><?xml version="1.0" encoding="utf-8"?>
 <p:sldLayout xmlns:a="http://schemas.openxmlformats.org/drawingml/2006/main" xmlns:r="http://schemas.openxmlformats.org/officeDocument/2006/relationships" xmlns:p="http://schemas.openxmlformats.org/presentationml/2006/main" type="titleOnly" preserve="1">
   <p:cSld name="仅标题">
+    <p:bg>
+      <p:bgRef idx="1002">
+        <a:schemeClr val="bg1"/>
+      </p:bgRef>
+    </p:bg>
     <p:spTree>
       <p:nvGrpSpPr>
         <p:cNvPr id="1" name=""/>
@@ -1815,41 +2463,20 @@
       </p:grpSpPr>
       <p:sp>
         <p:nvSpPr>
-          <p:cNvPr id="2" name="标题 1"/>
-          <p:cNvSpPr>
-            <a:spLocks noGrp="1"/>
-          </p:cNvSpPr>
-          <p:nvPr>
-            <p:ph type="title"/>
+          <p:cNvPr id="3" name="日期占位符 2"/>
+          <p:cNvSpPr>
+            <a:spLocks noGrp="1"/>
+          </p:cNvSpPr>
+          <p:nvPr>
+            <p:ph type="dt" sz="half" idx="10"/>
           </p:nvPr>
         </p:nvSpPr>
         <p:spPr/>
         <p:txBody>
           <a:bodyPr/>
-          <a:lstStyle/>
-          <a:p>
-            <a:r>
-              <a:rPr lang="zh-CN" altLang="en-US" smtClean="0"/>
-              <a:t>单击此处编辑母版标题样式</a:t>
-            </a:r>
-            <a:endParaRPr lang="zh-CN" altLang="en-US"/>
-          </a:p>
-        </p:txBody>
-      </p:sp>
-      <p:sp>
-        <p:nvSpPr>
-          <p:cNvPr id="3" name="日期占位符 2"/>
-          <p:cNvSpPr>
-            <a:spLocks noGrp="1"/>
-          </p:cNvSpPr>
-          <p:nvPr>
-            <p:ph type="dt" sz="half" idx="10"/>
-          </p:nvPr>
-        </p:nvSpPr>
-        <p:spPr/>
-        <p:txBody>
-          <a:bodyPr/>
-          <a:lstStyle/>
+          <a:lstStyle>
+            <a:extLst/>
+          </a:lstStyle>
           <a:p>
             <a:fld id="{552B59B4-7C25-4F23-85F3-407D74B5C84A}" type="datetimeFigureOut">
               <a:rPr lang="zh-CN" altLang="en-US" smtClean="0"/>
@@ -1872,7 +2499,9 @@
         <p:spPr/>
         <p:txBody>
           <a:bodyPr/>
-          <a:lstStyle/>
+          <a:lstStyle>
+            <a:extLst/>
+          </a:lstStyle>
           <a:p>
             <a:endParaRPr lang="zh-CN" altLang="en-US"/>
           </a:p>
@@ -1891,7 +2520,9 @@
         <p:spPr/>
         <p:txBody>
           <a:bodyPr/>
-          <a:lstStyle/>
+          <a:lstStyle>
+            <a:extLst/>
+          </a:lstStyle>
           <a:p>
             <a:fld id="{15E68D27-B9CB-489F-9614-D036756A15FA}" type="slidenum">
               <a:rPr lang="zh-CN" altLang="en-US" smtClean="0"/>
@@ -1901,10 +2532,35 @@
           </a:p>
         </p:txBody>
       </p:sp>
+      <p:sp>
+        <p:nvSpPr>
+          <p:cNvPr id="6" name="标题 5"/>
+          <p:cNvSpPr>
+            <a:spLocks noGrp="1"/>
+          </p:cNvSpPr>
+          <p:nvPr>
+            <p:ph type="title"/>
+          </p:nvPr>
+        </p:nvSpPr>
+        <p:spPr/>
+        <p:txBody>
+          <a:bodyPr rtlCol="0"/>
+          <a:lstStyle>
+            <a:extLst/>
+          </a:lstStyle>
+          <a:p>
+            <a:r>
+              <a:rPr kumimoji="0" lang="zh-CN" altLang="en-US" smtClean="0"/>
+              <a:t>单击此处编辑母版标题样式</a:t>
+            </a:r>
+            <a:endParaRPr kumimoji="0" lang="en-US"/>
+          </a:p>
+        </p:txBody>
+      </p:sp>
     </p:spTree>
   </p:cSld>
   <p:clrMapOvr>
-    <a:masterClrMapping/>
+    <a:overrideClrMapping bg1="dk1" tx1="lt1" bg2="dk2" tx2="lt2" accent1="accent1" accent2="accent2" accent3="accent3" accent4="accent4" accent5="accent5" accent6="accent6" hlink="hlink" folHlink="folHlink"/>
   </p:clrMapOvr>
 </p:sldLayout>
 </file>
@@ -1939,7 +2595,9 @@
         <p:spPr/>
         <p:txBody>
           <a:bodyPr/>
-          <a:lstStyle/>
+          <a:lstStyle>
+            <a:extLst/>
+          </a:lstStyle>
           <a:p>
             <a:fld id="{552B59B4-7C25-4F23-85F3-407D74B5C84A}" type="datetimeFigureOut">
               <a:rPr lang="zh-CN" altLang="en-US" smtClean="0"/>
@@ -1962,7 +2620,9 @@
         <p:spPr/>
         <p:txBody>
           <a:bodyPr/>
-          <a:lstStyle/>
+          <a:lstStyle>
+            <a:extLst/>
+          </a:lstStyle>
           <a:p>
             <a:endParaRPr lang="zh-CN" altLang="en-US"/>
           </a:p>
@@ -1981,7 +2641,9 @@
         <p:spPr/>
         <p:txBody>
           <a:bodyPr/>
-          <a:lstStyle/>
+          <a:lstStyle>
+            <a:extLst/>
+          </a:lstStyle>
           <a:p>
             <a:fld id="{15E68D27-B9CB-489F-9614-D036756A15FA}" type="slidenum">
               <a:rPr lang="zh-CN" altLang="en-US" smtClean="0"/>
@@ -2000,8 +2662,13 @@
 </file>
 
 <file path=ppt/slideLayouts/slideLayout8.xml><?xml version="1.0" encoding="utf-8"?>
-<p:sldLayout xmlns:a="http://schemas.openxmlformats.org/drawingml/2006/main" xmlns:r="http://schemas.openxmlformats.org/officeDocument/2006/relationships" xmlns:p="http://schemas.openxmlformats.org/presentationml/2006/main" type="objTx" preserve="1">
+<p:sldLayout xmlns:a="http://schemas.openxmlformats.org/drawingml/2006/main" xmlns:r="http://schemas.openxmlformats.org/officeDocument/2006/relationships" xmlns:p="http://schemas.openxmlformats.org/presentationml/2006/main" showMasterSp="0" type="objTx" preserve="1">
   <p:cSld name="内容与标题">
+    <p:bg>
+      <p:bgRef idx="1003">
+        <a:schemeClr val="bg1"/>
+      </p:bgRef>
+    </p:bg>
     <p:spTree>
       <p:nvGrpSpPr>
         <p:cNvPr id="1" name=""/>
@@ -2028,40 +2695,102 @@
         </p:nvSpPr>
         <p:spPr>
           <a:xfrm>
-            <a:off x="457200" y="273050"/>
-            <a:ext cx="3008313" cy="1162050"/>
+            <a:off x="914400" y="4876800"/>
+            <a:ext cx="7481776" cy="457200"/>
           </a:xfrm>
         </p:spPr>
         <p:txBody>
-          <a:bodyPr anchor="b"/>
-          <a:lstStyle>
-            <a:lvl1pPr algn="l">
-              <a:defRPr sz="2000" b="1"/>
+          <a:bodyPr vert="horz" anchor="t">
+            <a:noAutofit/>
+            <a:sp3d prstMaterial="softEdge">
+              <a:bevelT w="0" h="0"/>
+            </a:sp3d>
+          </a:bodyPr>
+          <a:lstStyle>
+            <a:lvl1pPr algn="r">
+              <a:buNone/>
+              <a:defRPr sz="2500" b="0">
+                <a:solidFill>
+                  <a:schemeClr val="accent1"/>
+                </a:solidFill>
+                <a:effectLst/>
+              </a:defRPr>
             </a:lvl1pPr>
-          </a:lstStyle>
-          <a:p>
-            <a:r>
-              <a:rPr lang="zh-CN" altLang="en-US" smtClean="0"/>
+            <a:extLst/>
+          </a:lstStyle>
+          <a:p>
+            <a:r>
+              <a:rPr kumimoji="0" lang="zh-CN" altLang="en-US" smtClean="0"/>
               <a:t>单击此处编辑母版标题样式</a:t>
             </a:r>
-            <a:endParaRPr lang="zh-CN" altLang="en-US"/>
-          </a:p>
-        </p:txBody>
-      </p:sp>
-      <p:sp>
-        <p:nvSpPr>
-          <p:cNvPr id="3" name="内容占位符 2"/>
-          <p:cNvSpPr>
-            <a:spLocks noGrp="1"/>
-          </p:cNvSpPr>
-          <p:nvPr>
-            <p:ph idx="1"/>
+            <a:endParaRPr kumimoji="0" lang="en-US"/>
+          </a:p>
+        </p:txBody>
+      </p:sp>
+      <p:sp>
+        <p:nvSpPr>
+          <p:cNvPr id="3" name="文本占位符 2"/>
+          <p:cNvSpPr>
+            <a:spLocks noGrp="1"/>
+          </p:cNvSpPr>
+          <p:nvPr>
+            <p:ph type="body" idx="2"/>
           </p:nvPr>
         </p:nvSpPr>
         <p:spPr>
           <a:xfrm>
-            <a:off x="3575050" y="273050"/>
-            <a:ext cx="5111750" cy="5853113"/>
+            <a:off x="4419600" y="5355102"/>
+            <a:ext cx="3974592" cy="914400"/>
+          </a:xfrm>
+        </p:spPr>
+        <p:txBody>
+          <a:bodyPr/>
+          <a:lstStyle>
+            <a:lvl1pPr marL="0" indent="0" algn="r">
+              <a:buNone/>
+              <a:defRPr sz="1600"/>
+            </a:lvl1pPr>
+            <a:lvl2pPr>
+              <a:buNone/>
+              <a:defRPr sz="1200"/>
+            </a:lvl2pPr>
+            <a:lvl3pPr>
+              <a:buNone/>
+              <a:defRPr sz="1000"/>
+            </a:lvl3pPr>
+            <a:lvl4pPr>
+              <a:buNone/>
+              <a:defRPr sz="900"/>
+            </a:lvl4pPr>
+            <a:lvl5pPr>
+              <a:buNone/>
+              <a:defRPr sz="900"/>
+            </a:lvl5pPr>
+            <a:extLst/>
+          </a:lstStyle>
+          <a:p>
+            <a:pPr lvl="0" eaLnBrk="1" latinLnBrk="0" hangingPunct="1"/>
+            <a:r>
+              <a:rPr kumimoji="0" lang="zh-CN" altLang="en-US" smtClean="0"/>
+              <a:t>单击此处编辑母版文本样式</a:t>
+            </a:r>
+          </a:p>
+        </p:txBody>
+      </p:sp>
+      <p:sp>
+        <p:nvSpPr>
+          <p:cNvPr id="4" name="内容占位符 3"/>
+          <p:cNvSpPr>
+            <a:spLocks noGrp="1"/>
+          </p:cNvSpPr>
+          <p:nvPr>
+            <p:ph sz="half" idx="1"/>
+          </p:nvPr>
+        </p:nvSpPr>
+        <p:spPr>
+          <a:xfrm>
+            <a:off x="914400" y="274320"/>
+            <a:ext cx="7479792" cy="4572000"/>
           </a:xfrm>
         </p:spPr>
         <p:txBody>
@@ -2082,136 +2811,67 @@
             <a:lvl5pPr>
               <a:defRPr sz="2000"/>
             </a:lvl5pPr>
-            <a:lvl6pPr>
-              <a:defRPr sz="2000"/>
-            </a:lvl6pPr>
-            <a:lvl7pPr>
-              <a:defRPr sz="2000"/>
-            </a:lvl7pPr>
-            <a:lvl8pPr>
-              <a:defRPr sz="2000"/>
-            </a:lvl8pPr>
-            <a:lvl9pPr>
-              <a:defRPr sz="2000"/>
-            </a:lvl9pPr>
-          </a:lstStyle>
-          <a:p>
-            <a:pPr lvl="0"/>
+            <a:extLst/>
+          </a:lstStyle>
+          <a:p>
+            <a:pPr lvl="0" eaLnBrk="1" latinLnBrk="0" hangingPunct="1"/>
             <a:r>
               <a:rPr lang="zh-CN" altLang="en-US" smtClean="0"/>
               <a:t>单击此处编辑母版文本样式</a:t>
             </a:r>
           </a:p>
           <a:p>
-            <a:pPr lvl="1"/>
+            <a:pPr lvl="1" eaLnBrk="1" latinLnBrk="0" hangingPunct="1"/>
             <a:r>
               <a:rPr lang="zh-CN" altLang="en-US" smtClean="0"/>
               <a:t>第二级</a:t>
             </a:r>
           </a:p>
           <a:p>
-            <a:pPr lvl="2"/>
+            <a:pPr lvl="2" eaLnBrk="1" latinLnBrk="0" hangingPunct="1"/>
             <a:r>
               <a:rPr lang="zh-CN" altLang="en-US" smtClean="0"/>
               <a:t>第三级</a:t>
             </a:r>
           </a:p>
           <a:p>
-            <a:pPr lvl="3"/>
+            <a:pPr lvl="3" eaLnBrk="1" latinLnBrk="0" hangingPunct="1"/>
             <a:r>
               <a:rPr lang="zh-CN" altLang="en-US" smtClean="0"/>
               <a:t>第四级</a:t>
             </a:r>
           </a:p>
           <a:p>
-            <a:pPr lvl="4"/>
+            <a:pPr lvl="4" eaLnBrk="1" latinLnBrk="0" hangingPunct="1"/>
             <a:r>
               <a:rPr lang="zh-CN" altLang="en-US" smtClean="0"/>
               <a:t>第五级</a:t>
             </a:r>
-            <a:endParaRPr lang="zh-CN" altLang="en-US"/>
-          </a:p>
-        </p:txBody>
-      </p:sp>
-      <p:sp>
-        <p:nvSpPr>
-          <p:cNvPr id="4" name="文本占位符 3"/>
-          <p:cNvSpPr>
-            <a:spLocks noGrp="1"/>
-          </p:cNvSpPr>
-          <p:nvPr>
-            <p:ph type="body" sz="half" idx="2"/>
+            <a:endParaRPr kumimoji="0" lang="en-US"/>
+          </a:p>
+        </p:txBody>
+      </p:sp>
+      <p:sp>
+        <p:nvSpPr>
+          <p:cNvPr id="5" name="日期占位符 4"/>
+          <p:cNvSpPr>
+            <a:spLocks noGrp="1"/>
+          </p:cNvSpPr>
+          <p:nvPr>
+            <p:ph type="dt" sz="half" idx="10"/>
           </p:nvPr>
         </p:nvSpPr>
         <p:spPr>
           <a:xfrm>
-            <a:off x="457200" y="1435100"/>
-            <a:ext cx="3008313" cy="4691063"/>
+            <a:off x="6727032" y="6407944"/>
+            <a:ext cx="1920240" cy="365760"/>
           </a:xfrm>
         </p:spPr>
         <p:txBody>
           <a:bodyPr/>
           <a:lstStyle>
-            <a:lvl1pPr marL="0" indent="0">
-              <a:buNone/>
-              <a:defRPr sz="1400"/>
-            </a:lvl1pPr>
-            <a:lvl2pPr marL="457200" indent="0">
-              <a:buNone/>
-              <a:defRPr sz="1200"/>
-            </a:lvl2pPr>
-            <a:lvl3pPr marL="914400" indent="0">
-              <a:buNone/>
-              <a:defRPr sz="1000"/>
-            </a:lvl3pPr>
-            <a:lvl4pPr marL="1371600" indent="0">
-              <a:buNone/>
-              <a:defRPr sz="900"/>
-            </a:lvl4pPr>
-            <a:lvl5pPr marL="1828800" indent="0">
-              <a:buNone/>
-              <a:defRPr sz="900"/>
-            </a:lvl5pPr>
-            <a:lvl6pPr marL="2286000" indent="0">
-              <a:buNone/>
-              <a:defRPr sz="900"/>
-            </a:lvl6pPr>
-            <a:lvl7pPr marL="2743200" indent="0">
-              <a:buNone/>
-              <a:defRPr sz="900"/>
-            </a:lvl7pPr>
-            <a:lvl8pPr marL="3200400" indent="0">
-              <a:buNone/>
-              <a:defRPr sz="900"/>
-            </a:lvl8pPr>
-            <a:lvl9pPr marL="3657600" indent="0">
-              <a:buNone/>
-              <a:defRPr sz="900"/>
-            </a:lvl9pPr>
-          </a:lstStyle>
-          <a:p>
-            <a:pPr lvl="0"/>
-            <a:r>
-              <a:rPr lang="zh-CN" altLang="en-US" smtClean="0"/>
-              <a:t>单击此处编辑母版文本样式</a:t>
-            </a:r>
-          </a:p>
-        </p:txBody>
-      </p:sp>
-      <p:sp>
-        <p:nvSpPr>
-          <p:cNvPr id="5" name="日期占位符 4"/>
-          <p:cNvSpPr>
-            <a:spLocks noGrp="1"/>
-          </p:cNvSpPr>
-          <p:nvPr>
-            <p:ph type="dt" sz="half" idx="10"/>
-          </p:nvPr>
-        </p:nvSpPr>
-        <p:spPr/>
-        <p:txBody>
-          <a:bodyPr/>
-          <a:lstStyle/>
+            <a:extLst/>
+          </a:lstStyle>
           <a:p>
             <a:fld id="{552B59B4-7C25-4F23-85F3-407D74B5C84A}" type="datetimeFigureOut">
               <a:rPr lang="zh-CN" altLang="en-US" smtClean="0"/>
@@ -2234,7 +2894,9 @@
         <p:spPr/>
         <p:txBody>
           <a:bodyPr/>
-          <a:lstStyle/>
+          <a:lstStyle>
+            <a:extLst/>
+          </a:lstStyle>
           <a:p>
             <a:endParaRPr lang="zh-CN" altLang="en-US"/>
           </a:p>
@@ -2253,7 +2915,9 @@
         <p:spPr/>
         <p:txBody>
           <a:bodyPr/>
-          <a:lstStyle/>
+          <a:lstStyle>
+            <a:extLst/>
+          </a:lstStyle>
           <a:p>
             <a:fld id="{15E68D27-B9CB-489F-9614-D036756A15FA}" type="slidenum">
               <a:rPr lang="zh-CN" altLang="en-US" smtClean="0"/>
@@ -2266,14 +2930,19 @@
     </p:spTree>
   </p:cSld>
   <p:clrMapOvr>
-    <a:masterClrMapping/>
+    <a:overrideClrMapping bg1="lt1" tx1="dk1" bg2="lt2" tx2="dk2" accent1="accent1" accent2="accent2" accent3="accent3" accent4="accent4" accent5="accent5" accent6="accent6" hlink="hlink" folHlink="folHlink"/>
   </p:clrMapOvr>
 </p:sldLayout>
 </file>
 
 <file path=ppt/slideLayouts/slideLayout9.xml><?xml version="1.0" encoding="utf-8"?>
-<p:sldLayout xmlns:a="http://schemas.openxmlformats.org/drawingml/2006/main" xmlns:r="http://schemas.openxmlformats.org/officeDocument/2006/relationships" xmlns:p="http://schemas.openxmlformats.org/presentationml/2006/main" type="picTx" preserve="1">
+<p:sldLayout xmlns:a="http://schemas.openxmlformats.org/drawingml/2006/main" xmlns:r="http://schemas.openxmlformats.org/officeDocument/2006/relationships" xmlns:p="http://schemas.openxmlformats.org/presentationml/2006/main" showMasterSp="0" type="picTx" preserve="1">
   <p:cSld name="图片与标题">
+    <p:bg>
+      <p:bgRef idx="1002">
+        <a:schemeClr val="bg1"/>
+      </p:bgRef>
+    </p:bg>
     <p:spTree>
       <p:nvGrpSpPr>
         <p:cNvPr id="1" name=""/>
@@ -2290,33 +2959,48 @@
       </p:grpSpPr>
       <p:sp>
         <p:nvSpPr>
-          <p:cNvPr id="2" name="标题 1"/>
-          <p:cNvSpPr>
-            <a:spLocks noGrp="1"/>
-          </p:cNvSpPr>
-          <p:nvPr>
-            <p:ph type="title"/>
+          <p:cNvPr id="4" name="文本占位符 3"/>
+          <p:cNvSpPr>
+            <a:spLocks noGrp="1"/>
+          </p:cNvSpPr>
+          <p:nvPr>
+            <p:ph type="body" sz="half" idx="2"/>
           </p:nvPr>
         </p:nvSpPr>
         <p:spPr>
           <a:xfrm>
-            <a:off x="1792288" y="4800600"/>
-            <a:ext cx="5486400" cy="566738"/>
+            <a:off x="1141232" y="5443402"/>
+            <a:ext cx="7162800" cy="648232"/>
           </a:xfrm>
+          <a:noFill/>
         </p:spPr>
         <p:txBody>
-          <a:bodyPr anchor="b"/>
-          <a:lstStyle>
-            <a:lvl1pPr algn="l">
-              <a:defRPr sz="2000" b="1"/>
+          <a:bodyPr lIns="91440" tIns="0" rIns="91440" anchor="t"/>
+          <a:lstStyle>
+            <a:lvl1pPr marL="0" marR="18288" indent="0" algn="r">
+              <a:buNone/>
+              <a:defRPr sz="1400"/>
             </a:lvl1pPr>
-          </a:lstStyle>
-          <a:p>
-            <a:r>
-              <a:rPr lang="zh-CN" altLang="en-US" smtClean="0"/>
-              <a:t>单击此处编辑母版标题样式</a:t>
-            </a:r>
-            <a:endParaRPr lang="zh-CN" altLang="en-US"/>
+            <a:lvl2pPr>
+              <a:defRPr sz="1200"/>
+            </a:lvl2pPr>
+            <a:lvl3pPr>
+              <a:defRPr sz="1000"/>
+            </a:lvl3pPr>
+            <a:lvl4pPr>
+              <a:defRPr sz="900"/>
+            </a:lvl4pPr>
+            <a:lvl5pPr>
+              <a:defRPr sz="900"/>
+            </a:lvl5pPr>
+            <a:extLst/>
+          </a:lstStyle>
+          <a:p>
+            <a:pPr lvl="0" eaLnBrk="1" latinLnBrk="0" hangingPunct="1"/>
+            <a:r>
+              <a:rPr kumimoji="0" lang="zh-CN" altLang="en-US" smtClean="0"/>
+              <a:t>单击此处编辑母版文本样式</a:t>
+            </a:r>
           </a:p>
         </p:txBody>
       </p:sp>
@@ -2332,9 +3016,25 @@
         </p:nvSpPr>
         <p:spPr>
           <a:xfrm>
-            <a:off x="1792288" y="612775"/>
-            <a:ext cx="5486400" cy="4114800"/>
+            <a:off x="228600" y="189968"/>
+            <a:ext cx="8686800" cy="4389120"/>
           </a:xfrm>
+          <a:prstGeom prst="rect">
+            <a:avLst/>
+          </a:prstGeom>
+          <a:solidFill>
+            <a:schemeClr val="bg2"/>
+          </a:solidFill>
+          <a:ln>
+            <a:solidFill>
+              <a:schemeClr val="bg1"/>
+            </a:solidFill>
+          </a:ln>
+          <a:effectLst>
+            <a:innerShdw blurRad="95250">
+              <a:srgbClr val="000000"/>
+            </a:innerShdw>
+          </a:effectLst>
         </p:spPr>
         <p:txBody>
           <a:bodyPr/>
@@ -2343,123 +3043,40 @@
               <a:buNone/>
               <a:defRPr sz="3200"/>
             </a:lvl1pPr>
-            <a:lvl2pPr marL="457200" indent="0">
-              <a:buNone/>
-              <a:defRPr sz="2800"/>
-            </a:lvl2pPr>
-            <a:lvl3pPr marL="914400" indent="0">
-              <a:buNone/>
-              <a:defRPr sz="2400"/>
-            </a:lvl3pPr>
-            <a:lvl4pPr marL="1371600" indent="0">
-              <a:buNone/>
-              <a:defRPr sz="2000"/>
-            </a:lvl4pPr>
-            <a:lvl5pPr marL="1828800" indent="0">
-              <a:buNone/>
-              <a:defRPr sz="2000"/>
-            </a:lvl5pPr>
-            <a:lvl6pPr marL="2286000" indent="0">
-              <a:buNone/>
-              <a:defRPr sz="2000"/>
-            </a:lvl6pPr>
-            <a:lvl7pPr marL="2743200" indent="0">
-              <a:buNone/>
-              <a:defRPr sz="2000"/>
-            </a:lvl7pPr>
-            <a:lvl8pPr marL="3200400" indent="0">
-              <a:buNone/>
-              <a:defRPr sz="2000"/>
-            </a:lvl8pPr>
-            <a:lvl9pPr marL="3657600" indent="0">
-              <a:buNone/>
-              <a:defRPr sz="2000"/>
-            </a:lvl9pPr>
-          </a:lstStyle>
-          <a:p>
-            <a:endParaRPr lang="zh-CN" altLang="en-US"/>
-          </a:p>
-        </p:txBody>
-      </p:sp>
-      <p:sp>
-        <p:nvSpPr>
-          <p:cNvPr id="4" name="文本占位符 3"/>
-          <p:cNvSpPr>
-            <a:spLocks noGrp="1"/>
-          </p:cNvSpPr>
-          <p:nvPr>
-            <p:ph type="body" sz="half" idx="2"/>
-          </p:nvPr>
-        </p:nvSpPr>
-        <p:spPr>
-          <a:xfrm>
-            <a:off x="1792288" y="5367338"/>
-            <a:ext cx="5486400" cy="804862"/>
-          </a:xfrm>
-        </p:spPr>
+            <a:extLst/>
+          </a:lstStyle>
+          <a:p>
+            <a:r>
+              <a:rPr kumimoji="0" lang="zh-CN" altLang="en-US" smtClean="0"/>
+              <a:t>单击图标添加图片</a:t>
+            </a:r>
+            <a:endParaRPr kumimoji="0" lang="en-US" dirty="0"/>
+          </a:p>
+        </p:txBody>
+      </p:sp>
+      <p:sp>
+        <p:nvSpPr>
+          <p:cNvPr id="5" name="日期占位符 4"/>
+          <p:cNvSpPr>
+            <a:spLocks noGrp="1"/>
+          </p:cNvSpPr>
+          <p:nvPr>
+            <p:ph type="dt" sz="half" idx="10"/>
+          </p:nvPr>
+        </p:nvSpPr>
+        <p:spPr/>
         <p:txBody>
           <a:bodyPr/>
           <a:lstStyle>
-            <a:lvl1pPr marL="0" indent="0">
-              <a:buNone/>
-              <a:defRPr sz="1400"/>
+            <a:lvl1pPr>
+              <a:defRPr>
+                <a:solidFill>
+                  <a:schemeClr val="tx1"/>
+                </a:solidFill>
+              </a:defRPr>
             </a:lvl1pPr>
-            <a:lvl2pPr marL="457200" indent="0">
-              <a:buNone/>
-              <a:defRPr sz="1200"/>
-            </a:lvl2pPr>
-            <a:lvl3pPr marL="914400" indent="0">
-              <a:buNone/>
-              <a:defRPr sz="1000"/>
-            </a:lvl3pPr>
-            <a:lvl4pPr marL="1371600" indent="0">
-              <a:buNone/>
-              <a:defRPr sz="900"/>
-            </a:lvl4pPr>
-            <a:lvl5pPr marL="1828800" indent="0">
-              <a:buNone/>
-              <a:defRPr sz="900"/>
-            </a:lvl5pPr>
-            <a:lvl6pPr marL="2286000" indent="0">
-              <a:buNone/>
-              <a:defRPr sz="900"/>
-            </a:lvl6pPr>
-            <a:lvl7pPr marL="2743200" indent="0">
-              <a:buNone/>
-              <a:defRPr sz="900"/>
-            </a:lvl7pPr>
-            <a:lvl8pPr marL="3200400" indent="0">
-              <a:buNone/>
-              <a:defRPr sz="900"/>
-            </a:lvl8pPr>
-            <a:lvl9pPr marL="3657600" indent="0">
-              <a:buNone/>
-              <a:defRPr sz="900"/>
-            </a:lvl9pPr>
-          </a:lstStyle>
-          <a:p>
-            <a:pPr lvl="0"/>
-            <a:r>
-              <a:rPr lang="zh-CN" altLang="en-US" smtClean="0"/>
-              <a:t>单击此处编辑母版文本样式</a:t>
-            </a:r>
-          </a:p>
-        </p:txBody>
-      </p:sp>
-      <p:sp>
-        <p:nvSpPr>
-          <p:cNvPr id="5" name="日期占位符 4"/>
-          <p:cNvSpPr>
-            <a:spLocks noGrp="1"/>
-          </p:cNvSpPr>
-          <p:nvPr>
-            <p:ph type="dt" sz="half" idx="10"/>
-          </p:nvPr>
-        </p:nvSpPr>
-        <p:spPr/>
-        <p:txBody>
-          <a:bodyPr/>
-          <a:lstStyle/>
+            <a:extLst/>
+          </a:lstStyle>
           <a:p>
             <a:fld id="{552B59B4-7C25-4F23-85F3-407D74B5C84A}" type="datetimeFigureOut">
               <a:rPr lang="zh-CN" altLang="en-US" smtClean="0"/>
@@ -2479,29 +3096,52 @@
             <p:ph type="ftr" sz="quarter" idx="11"/>
           </p:nvPr>
         </p:nvSpPr>
+        <p:spPr>
+          <a:xfrm>
+            <a:off x="4380072" y="6407944"/>
+            <a:ext cx="2350681" cy="365125"/>
+          </a:xfrm>
+        </p:spPr>
+        <p:txBody>
+          <a:bodyPr/>
+          <a:lstStyle>
+            <a:lvl1pPr>
+              <a:defRPr>
+                <a:solidFill>
+                  <a:schemeClr val="tx1"/>
+                </a:solidFill>
+              </a:defRPr>
+            </a:lvl1pPr>
+            <a:extLst/>
+          </a:lstStyle>
+          <a:p>
+            <a:endParaRPr lang="zh-CN" altLang="en-US"/>
+          </a:p>
+        </p:txBody>
+      </p:sp>
+      <p:sp>
+        <p:nvSpPr>
+          <p:cNvPr id="7" name="灯片编号占位符 6"/>
+          <p:cNvSpPr>
+            <a:spLocks noGrp="1"/>
+          </p:cNvSpPr>
+          <p:nvPr>
+            <p:ph type="sldNum" sz="quarter" idx="12"/>
+          </p:nvPr>
+        </p:nvSpPr>
         <p:spPr/>
         <p:txBody>
           <a:bodyPr/>
-          <a:lstStyle/>
-          <a:p>
-            <a:endParaRPr lang="zh-CN" altLang="en-US"/>
-          </a:p>
-        </p:txBody>
-      </p:sp>
-      <p:sp>
-        <p:nvSpPr>
-          <p:cNvPr id="7" name="灯片编号占位符 6"/>
-          <p:cNvSpPr>
-            <a:spLocks noGrp="1"/>
-          </p:cNvSpPr>
-          <p:nvPr>
-            <p:ph type="sldNum" sz="quarter" idx="12"/>
-          </p:nvPr>
-        </p:nvSpPr>
-        <p:spPr/>
-        <p:txBody>
-          <a:bodyPr/>
-          <a:lstStyle/>
+          <a:lstStyle>
+            <a:lvl1pPr>
+              <a:defRPr>
+                <a:solidFill>
+                  <a:schemeClr val="tx1"/>
+                </a:solidFill>
+              </a:defRPr>
+            </a:lvl1pPr>
+            <a:extLst/>
+          </a:lstStyle>
           <a:p>
             <a:fld id="{15E68D27-B9CB-489F-9614-D036756A15FA}" type="slidenum">
               <a:rPr lang="zh-CN" altLang="en-US" smtClean="0"/>
@@ -2511,10 +3151,548 @@
           </a:p>
         </p:txBody>
       </p:sp>
+      <p:sp>
+        <p:nvSpPr>
+          <p:cNvPr id="2" name="标题 1"/>
+          <p:cNvSpPr>
+            <a:spLocks noGrp="1"/>
+          </p:cNvSpPr>
+          <p:nvPr>
+            <p:ph type="title"/>
+          </p:nvPr>
+        </p:nvSpPr>
+        <p:spPr>
+          <a:xfrm>
+            <a:off x="228600" y="4865122"/>
+            <a:ext cx="8075432" cy="562672"/>
+          </a:xfrm>
+          <a:noFill/>
+        </p:spPr>
+        <p:txBody>
+          <a:bodyPr anchor="t">
+            <a:sp3d prstMaterial="softEdge"/>
+          </a:bodyPr>
+          <a:lstStyle>
+            <a:lvl1pPr marR="0" algn="r">
+              <a:buNone/>
+              <a:defRPr sz="3000" b="0">
+                <a:solidFill>
+                  <a:schemeClr val="accent1"/>
+                </a:solidFill>
+                <a:effectLst>
+                  <a:outerShdw blurRad="50800" dist="25000" dir="5400000" algn="t" rotWithShape="0">
+                    <a:prstClr val="black">
+                      <a:alpha val="45000"/>
+                    </a:prstClr>
+                  </a:outerShdw>
+                </a:effectLst>
+              </a:defRPr>
+            </a:lvl1pPr>
+            <a:extLst/>
+          </a:lstStyle>
+          <a:p>
+            <a:r>
+              <a:rPr kumimoji="0" lang="zh-CN" altLang="en-US" smtClean="0"/>
+              <a:t>单击此处编辑母版标题样式</a:t>
+            </a:r>
+            <a:endParaRPr kumimoji="0" lang="en-US"/>
+          </a:p>
+        </p:txBody>
+      </p:sp>
+      <p:sp>
+        <p:nvSpPr>
+          <p:cNvPr id="8" name="任意多边形 7"/>
+          <p:cNvSpPr>
+            <a:spLocks/>
+          </p:cNvSpPr>
+          <p:nvPr/>
+        </p:nvSpPr>
+        <p:spPr bwMode="auto">
+          <a:xfrm>
+            <a:off x="499273" y="5944936"/>
+            <a:ext cx="4940624" cy="921076"/>
+          </a:xfrm>
+          <a:custGeom>
+            <a:avLst>
+              <a:gd name="A1" fmla="val 0"/>
+              <a:gd name="A2" fmla="val 0"/>
+              <a:gd name="A3" fmla="val 0"/>
+              <a:gd name="A4" fmla="val 0"/>
+              <a:gd name="A5" fmla="val 0"/>
+              <a:gd name="A6" fmla="val 0"/>
+              <a:gd name="A7" fmla="val 0"/>
+              <a:gd name="A8" fmla="val 0"/>
+            </a:avLst>
+            <a:gdLst/>
+            <a:ahLst/>
+            <a:cxnLst>
+              <a:cxn ang="0">
+                <a:pos x="0" y="0"/>
+              </a:cxn>
+              <a:cxn ang="0">
+                <a:pos x="5760" y="0"/>
+              </a:cxn>
+              <a:cxn ang="0">
+                <a:pos x="5760" y="528"/>
+              </a:cxn>
+              <a:cxn ang="0">
+                <a:pos x="48" y="0"/>
+              </a:cxn>
+            </a:cxnLst>
+            <a:rect l="0" t="0" r="0" b="0"/>
+            <a:pathLst>
+              <a:path w="7485" h="337">
+                <a:moveTo>
+                  <a:pt x="0" y="2"/>
+                </a:moveTo>
+                <a:lnTo>
+                  <a:pt x="7485" y="337"/>
+                </a:lnTo>
+                <a:lnTo>
+                  <a:pt x="5558" y="337"/>
+                </a:lnTo>
+                <a:lnTo>
+                  <a:pt x="1" y="0"/>
+                </a:lnTo>
+              </a:path>
+            </a:pathLst>
+          </a:custGeom>
+          <a:solidFill>
+            <a:schemeClr val="accent1">
+              <a:tint val="65000"/>
+              <a:satMod val="115000"/>
+              <a:alpha val="40000"/>
+            </a:schemeClr>
+          </a:solidFill>
+          <a:ln w="9525" cap="flat" cmpd="sng" algn="ctr">
+            <a:noFill/>
+            <a:prstDash val="solid"/>
+            <a:round/>
+            <a:headEnd type="none" w="med" len="med"/>
+            <a:tailEnd type="none" w="med" len="med"/>
+          </a:ln>
+          <a:effectLst/>
+        </p:spPr>
+        <p:txBody>
+          <a:bodyPr vert="horz" wrap="square" lIns="91440" tIns="45720" rIns="91440" bIns="45720" anchor="t" compatLnSpc="1"/>
+          <a:lstStyle>
+            <a:extLst/>
+          </a:lstStyle>
+          <a:p>
+            <a:endParaRPr kumimoji="0" lang="en-US"/>
+          </a:p>
+        </p:txBody>
+      </p:sp>
+      <p:sp>
+        <p:nvSpPr>
+          <p:cNvPr id="9" name="任意多边形 8"/>
+          <p:cNvSpPr>
+            <a:spLocks/>
+          </p:cNvSpPr>
+          <p:nvPr/>
+        </p:nvSpPr>
+        <p:spPr bwMode="auto">
+          <a:xfrm>
+            <a:off x="485717" y="5939011"/>
+            <a:ext cx="3690451" cy="933450"/>
+          </a:xfrm>
+          <a:custGeom>
+            <a:avLst>
+              <a:gd name="A1" fmla="val 0"/>
+              <a:gd name="A2" fmla="val 0"/>
+              <a:gd name="A3" fmla="val 0"/>
+              <a:gd name="A4" fmla="val 0"/>
+              <a:gd name="A5" fmla="val 0"/>
+              <a:gd name="A6" fmla="val 0"/>
+              <a:gd name="A7" fmla="val 0"/>
+              <a:gd name="A8" fmla="val 0"/>
+            </a:avLst>
+            <a:gdLst/>
+            <a:ahLst/>
+            <a:cxnLst>
+              <a:cxn ang="0">
+                <a:pos x="0" y="0"/>
+              </a:cxn>
+              <a:cxn ang="0">
+                <a:pos x="5760" y="0"/>
+              </a:cxn>
+              <a:cxn ang="0">
+                <a:pos x="5760" y="528"/>
+              </a:cxn>
+              <a:cxn ang="0">
+                <a:pos x="48" y="0"/>
+              </a:cxn>
+            </a:cxnLst>
+            <a:rect l="0" t="0" r="0" b="0"/>
+            <a:pathLst>
+              <a:path w="5591" h="588">
+                <a:moveTo>
+                  <a:pt x="0" y="0"/>
+                </a:moveTo>
+                <a:lnTo>
+                  <a:pt x="5591" y="585"/>
+                </a:lnTo>
+                <a:lnTo>
+                  <a:pt x="4415" y="588"/>
+                </a:lnTo>
+                <a:lnTo>
+                  <a:pt x="12" y="4"/>
+                </a:lnTo>
+              </a:path>
+            </a:pathLst>
+          </a:custGeom>
+          <a:solidFill>
+            <a:srgbClr val="000000">
+              <a:alpha val="100000"/>
+            </a:srgbClr>
+          </a:solidFill>
+          <a:ln w="9525" cap="flat" cmpd="sng" algn="ctr">
+            <a:noFill/>
+            <a:prstDash val="solid"/>
+            <a:round/>
+            <a:headEnd type="none" w="med" len="med"/>
+            <a:tailEnd type="none" w="med" len="med"/>
+          </a:ln>
+          <a:effectLst/>
+        </p:spPr>
+        <p:txBody>
+          <a:bodyPr vert="horz" wrap="square" lIns="91440" tIns="45720" rIns="91440" bIns="45720" anchor="t" compatLnSpc="1"/>
+          <a:lstStyle>
+            <a:extLst/>
+          </a:lstStyle>
+          <a:p>
+            <a:endParaRPr kumimoji="0" lang="en-US"/>
+          </a:p>
+        </p:txBody>
+      </p:sp>
+      <p:sp>
+        <p:nvSpPr>
+          <p:cNvPr id="10" name="直角三角形 9"/>
+          <p:cNvSpPr>
+            <a:spLocks/>
+          </p:cNvSpPr>
+          <p:nvPr/>
+        </p:nvSpPr>
+        <p:spPr bwMode="auto">
+          <a:xfrm>
+            <a:off x="-6042" y="5791253"/>
+            <a:ext cx="3402314" cy="1080868"/>
+          </a:xfrm>
+          <a:prstGeom prst="rtTriangle">
+            <a:avLst/>
+          </a:prstGeom>
+          <a:blipFill>
+            <a:blip r:embed="rId2" cstate="print">
+              <a:alphaModFix amt="50000"/>
+            </a:blip>
+            <a:tile tx="0" ty="0" sx="50000" sy="50000" flip="none" algn="t"/>
+          </a:blipFill>
+          <a:ln w="12700" cap="rnd" cmpd="thickThin" algn="ctr">
+            <a:noFill/>
+            <a:prstDash val="solid"/>
+          </a:ln>
+          <a:effectLst>
+            <a:fillOverlay blend="mult">
+              <a:gradFill flip="none" rotWithShape="1">
+                <a:gsLst>
+                  <a:gs pos="0">
+                    <a:schemeClr val="accent1">
+                      <a:shade val="20000"/>
+                      <a:satMod val="176000"/>
+                      <a:alpha val="100000"/>
+                    </a:schemeClr>
+                  </a:gs>
+                  <a:gs pos="18000">
+                    <a:schemeClr val="accent1">
+                      <a:shade val="48000"/>
+                      <a:satMod val="153000"/>
+                      <a:alpha val="100000"/>
+                    </a:schemeClr>
+                  </a:gs>
+                  <a:gs pos="43000">
+                    <a:schemeClr val="accent1">
+                      <a:tint val="86000"/>
+                      <a:satMod val="149000"/>
+                      <a:alpha val="100000"/>
+                    </a:schemeClr>
+                  </a:gs>
+                  <a:gs pos="45000">
+                    <a:schemeClr val="accent1">
+                      <a:tint val="85000"/>
+                      <a:satMod val="150000"/>
+                      <a:alpha val="100000"/>
+                    </a:schemeClr>
+                  </a:gs>
+                  <a:gs pos="50000">
+                    <a:schemeClr val="accent1">
+                      <a:tint val="86000"/>
+                      <a:satMod val="149000"/>
+                      <a:alpha val="100000"/>
+                    </a:schemeClr>
+                  </a:gs>
+                  <a:gs pos="79000">
+                    <a:schemeClr val="accent1">
+                      <a:shade val="53000"/>
+                      <a:satMod val="150000"/>
+                      <a:alpha val="100000"/>
+                    </a:schemeClr>
+                  </a:gs>
+                  <a:gs pos="100000">
+                    <a:schemeClr val="accent1">
+                      <a:shade val="25000"/>
+                      <a:satMod val="170000"/>
+                      <a:alpha val="100000"/>
+                    </a:schemeClr>
+                  </a:gs>
+                </a:gsLst>
+                <a:lin ang="450000" scaled="1"/>
+                <a:tileRect/>
+              </a:gradFill>
+            </a:fillOverlay>
+          </a:effectLst>
+        </p:spPr>
+        <p:style>
+          <a:lnRef idx="3">
+            <a:schemeClr val="lt1"/>
+          </a:lnRef>
+          <a:fillRef idx="1">
+            <a:schemeClr val="accent1"/>
+          </a:fillRef>
+          <a:effectRef idx="1">
+            <a:schemeClr val="accent1"/>
+          </a:effectRef>
+          <a:fontRef idx="minor">
+            <a:schemeClr val="lt1"/>
+          </a:fontRef>
+        </p:style>
+        <p:txBody>
+          <a:bodyPr vert="horz" wrap="square" lIns="91440" tIns="45720" rIns="91440" bIns="45720" anchor="ctr" compatLnSpc="1"/>
+          <a:lstStyle>
+            <a:extLst/>
+          </a:lstStyle>
+          <a:p>
+            <a:pPr algn="ctr" eaLnBrk="1" latinLnBrk="0" hangingPunct="1"/>
+            <a:endParaRPr kumimoji="0" lang="en-US"/>
+          </a:p>
+        </p:txBody>
+      </p:sp>
+      <p:cxnSp>
+        <p:nvCxnSpPr>
+          <p:cNvPr id="11" name="直接连接符 10"/>
+          <p:cNvCxnSpPr/>
+          <p:nvPr/>
+        </p:nvCxnSpPr>
+        <p:spPr>
+          <a:xfrm>
+            <a:off x="-9237" y="5787738"/>
+            <a:ext cx="3405509" cy="1084383"/>
+          </a:xfrm>
+          <a:prstGeom prst="line">
+            <a:avLst/>
+          </a:prstGeom>
+          <a:noFill/>
+          <a:ln w="12065" cap="flat" cmpd="sng" algn="ctr">
+            <a:gradFill>
+              <a:gsLst>
+                <a:gs pos="45000">
+                  <a:schemeClr val="accent1">
+                    <a:tint val="70000"/>
+                    <a:satMod val="110000"/>
+                  </a:schemeClr>
+                </a:gs>
+                <a:gs pos="15000">
+                  <a:schemeClr val="accent1">
+                    <a:shade val="40000"/>
+                    <a:satMod val="110000"/>
+                  </a:schemeClr>
+                </a:gs>
+              </a:gsLst>
+              <a:lin ang="5400000" scaled="1"/>
+            </a:gradFill>
+            <a:prstDash val="solid"/>
+            <a:miter lim="800000"/>
+          </a:ln>
+          <a:effectLst/>
+        </p:spPr>
+        <p:style>
+          <a:lnRef idx="2">
+            <a:schemeClr val="accent1"/>
+          </a:lnRef>
+          <a:fillRef idx="0">
+            <a:schemeClr val="accent1"/>
+          </a:fillRef>
+          <a:effectRef idx="1">
+            <a:schemeClr val="accent1"/>
+          </a:effectRef>
+          <a:fontRef idx="minor">
+            <a:schemeClr val="tx1"/>
+          </a:fontRef>
+        </p:style>
+      </p:cxnSp>
+      <p:sp>
+        <p:nvSpPr>
+          <p:cNvPr id="12" name="燕尾形 11"/>
+          <p:cNvSpPr/>
+          <p:nvPr/>
+        </p:nvSpPr>
+        <p:spPr>
+          <a:xfrm>
+            <a:off x="8664112" y="4988440"/>
+            <a:ext cx="182880" cy="228600"/>
+          </a:xfrm>
+          <a:prstGeom prst="chevron">
+            <a:avLst>
+              <a:gd name="adj" fmla="val 50000"/>
+            </a:avLst>
+          </a:prstGeom>
+          <a:gradFill flip="none" rotWithShape="1">
+            <a:gsLst>
+              <a:gs pos="0">
+                <a:schemeClr val="accent1">
+                  <a:shade val="60000"/>
+                  <a:satMod val="125000"/>
+                </a:schemeClr>
+              </a:gs>
+              <a:gs pos="72000">
+                <a:schemeClr val="accent1">
+                  <a:tint val="90000"/>
+                  <a:satMod val="138000"/>
+                </a:schemeClr>
+              </a:gs>
+              <a:gs pos="100000">
+                <a:schemeClr val="accent1">
+                  <a:tint val="76000"/>
+                  <a:satMod val="136000"/>
+                </a:schemeClr>
+              </a:gs>
+            </a:gsLst>
+            <a:lin ang="16200000" scaled="0"/>
+          </a:gradFill>
+          <a:ln w="3175" cap="rnd" cmpd="sng" algn="ctr">
+            <a:solidFill>
+              <a:schemeClr val="accent1">
+                <a:shade val="50000"/>
+              </a:schemeClr>
+            </a:solidFill>
+            <a:prstDash val="solid"/>
+          </a:ln>
+          <a:effectLst>
+            <a:outerShdw blurRad="50800" dist="25400" dir="5400000">
+              <a:srgbClr val="000000">
+                <a:alpha val="46000"/>
+              </a:srgbClr>
+            </a:outerShdw>
+          </a:effectLst>
+        </p:spPr>
+        <p:style>
+          <a:lnRef idx="1">
+            <a:schemeClr val="accent1"/>
+          </a:lnRef>
+          <a:fillRef idx="3">
+            <a:schemeClr val="accent1"/>
+          </a:fillRef>
+          <a:effectRef idx="2">
+            <a:schemeClr val="accent1"/>
+          </a:effectRef>
+          <a:fontRef idx="minor">
+            <a:schemeClr val="lt1"/>
+          </a:fontRef>
+        </p:style>
+        <p:txBody>
+          <a:bodyPr anchor="ctr"/>
+          <a:lstStyle>
+            <a:extLst/>
+          </a:lstStyle>
+          <a:p>
+            <a:pPr algn="l" eaLnBrk="1" latinLnBrk="0" hangingPunct="1"/>
+            <a:endParaRPr kumimoji="0" lang="en-US"/>
+          </a:p>
+        </p:txBody>
+      </p:sp>
+      <p:sp>
+        <p:nvSpPr>
+          <p:cNvPr id="13" name="燕尾形 12"/>
+          <p:cNvSpPr/>
+          <p:nvPr/>
+        </p:nvSpPr>
+        <p:spPr>
+          <a:xfrm>
+            <a:off x="8477696" y="4988440"/>
+            <a:ext cx="182880" cy="228600"/>
+          </a:xfrm>
+          <a:prstGeom prst="chevron">
+            <a:avLst>
+              <a:gd name="adj" fmla="val 50000"/>
+            </a:avLst>
+          </a:prstGeom>
+          <a:gradFill flip="none" rotWithShape="1">
+            <a:gsLst>
+              <a:gs pos="0">
+                <a:schemeClr val="accent1">
+                  <a:shade val="60000"/>
+                  <a:satMod val="125000"/>
+                </a:schemeClr>
+              </a:gs>
+              <a:gs pos="72000">
+                <a:schemeClr val="accent1">
+                  <a:tint val="90000"/>
+                  <a:satMod val="138000"/>
+                </a:schemeClr>
+              </a:gs>
+              <a:gs pos="100000">
+                <a:schemeClr val="accent1">
+                  <a:tint val="76000"/>
+                  <a:satMod val="136000"/>
+                </a:schemeClr>
+              </a:gs>
+            </a:gsLst>
+            <a:lin ang="16200000" scaled="0"/>
+          </a:gradFill>
+          <a:ln w="3175" cap="rnd" cmpd="sng" algn="ctr">
+            <a:solidFill>
+              <a:schemeClr val="accent1">
+                <a:shade val="50000"/>
+              </a:schemeClr>
+            </a:solidFill>
+            <a:prstDash val="solid"/>
+          </a:ln>
+          <a:effectLst>
+            <a:outerShdw blurRad="50800" dist="25400" dir="5400000">
+              <a:srgbClr val="000000">
+                <a:alpha val="46000"/>
+              </a:srgbClr>
+            </a:outerShdw>
+          </a:effectLst>
+        </p:spPr>
+        <p:style>
+          <a:lnRef idx="1">
+            <a:schemeClr val="accent1"/>
+          </a:lnRef>
+          <a:fillRef idx="3">
+            <a:schemeClr val="accent1"/>
+          </a:fillRef>
+          <a:effectRef idx="2">
+            <a:schemeClr val="accent1"/>
+          </a:effectRef>
+          <a:fontRef idx="minor">
+            <a:schemeClr val="lt1"/>
+          </a:fontRef>
+        </p:style>
+        <p:txBody>
+          <a:bodyPr anchor="ctr"/>
+          <a:lstStyle>
+            <a:extLst/>
+          </a:lstStyle>
+          <a:p>
+            <a:pPr algn="l" eaLnBrk="1" latinLnBrk="0" hangingPunct="1"/>
+            <a:endParaRPr kumimoji="0" lang="en-US"/>
+          </a:p>
+        </p:txBody>
+      </p:sp>
     </p:spTree>
   </p:cSld>
   <p:clrMapOvr>
-    <a:masterClrMapping/>
+    <a:overrideClrMapping bg1="dk1" tx1="lt1" bg2="dk2" tx2="lt2" accent1="accent1" accent2="accent2" accent3="accent3" accent4="accent4" accent5="accent5" accent6="accent6" hlink="hlink" folHlink="folHlink"/>
   </p:clrMapOvr>
 </p:sldLayout>
 </file>
@@ -2543,7 +3721,337 @@
       </p:grpSpPr>
       <p:sp>
         <p:nvSpPr>
-          <p:cNvPr id="2" name="标题占位符 1"/>
+          <p:cNvPr id="13" name="任意多边形 12"/>
+          <p:cNvSpPr>
+            <a:spLocks/>
+          </p:cNvSpPr>
+          <p:nvPr/>
+        </p:nvSpPr>
+        <p:spPr bwMode="auto">
+          <a:xfrm>
+            <a:off x="499273" y="5944936"/>
+            <a:ext cx="4940624" cy="921076"/>
+          </a:xfrm>
+          <a:custGeom>
+            <a:avLst>
+              <a:gd name="A1" fmla="val 0"/>
+              <a:gd name="A2" fmla="val 0"/>
+              <a:gd name="A3" fmla="val 0"/>
+              <a:gd name="A4" fmla="val 0"/>
+              <a:gd name="A5" fmla="val 0"/>
+              <a:gd name="A6" fmla="val 0"/>
+              <a:gd name="A7" fmla="val 0"/>
+              <a:gd name="A8" fmla="val 0"/>
+            </a:avLst>
+            <a:gdLst/>
+            <a:ahLst/>
+            <a:cxnLst>
+              <a:cxn ang="0">
+                <a:pos x="0" y="0"/>
+              </a:cxn>
+              <a:cxn ang="0">
+                <a:pos x="5760" y="0"/>
+              </a:cxn>
+              <a:cxn ang="0">
+                <a:pos x="5760" y="528"/>
+              </a:cxn>
+              <a:cxn ang="0">
+                <a:pos x="48" y="0"/>
+              </a:cxn>
+            </a:cxnLst>
+            <a:rect l="0" t="0" r="0" b="0"/>
+            <a:pathLst>
+              <a:path w="7485" h="337">
+                <a:moveTo>
+                  <a:pt x="0" y="2"/>
+                </a:moveTo>
+                <a:lnTo>
+                  <a:pt x="7485" y="337"/>
+                </a:lnTo>
+                <a:lnTo>
+                  <a:pt x="5558" y="337"/>
+                </a:lnTo>
+                <a:lnTo>
+                  <a:pt x="1" y="0"/>
+                </a:lnTo>
+              </a:path>
+            </a:pathLst>
+          </a:custGeom>
+          <a:solidFill>
+            <a:schemeClr val="accent1">
+              <a:tint val="65000"/>
+              <a:satMod val="115000"/>
+              <a:alpha val="40000"/>
+            </a:schemeClr>
+          </a:solidFill>
+          <a:ln w="9525" cap="flat" cmpd="sng" algn="ctr">
+            <a:noFill/>
+            <a:prstDash val="solid"/>
+            <a:round/>
+            <a:headEnd type="none" w="med" len="med"/>
+            <a:tailEnd type="none" w="med" len="med"/>
+          </a:ln>
+          <a:effectLst/>
+        </p:spPr>
+        <p:txBody>
+          <a:bodyPr vert="horz" wrap="square" lIns="91440" tIns="45720" rIns="91440" bIns="45720" anchor="t" compatLnSpc="1"/>
+          <a:lstStyle>
+            <a:extLst/>
+          </a:lstStyle>
+          <a:p>
+            <a:endParaRPr kumimoji="0" lang="en-US"/>
+          </a:p>
+        </p:txBody>
+      </p:sp>
+      <p:sp>
+        <p:nvSpPr>
+          <p:cNvPr id="12" name="任意多边形 11"/>
+          <p:cNvSpPr>
+            <a:spLocks/>
+          </p:cNvSpPr>
+          <p:nvPr/>
+        </p:nvSpPr>
+        <p:spPr bwMode="auto">
+          <a:xfrm>
+            <a:off x="485717" y="5939011"/>
+            <a:ext cx="3690451" cy="933450"/>
+          </a:xfrm>
+          <a:custGeom>
+            <a:avLst>
+              <a:gd name="A1" fmla="val 0"/>
+              <a:gd name="A2" fmla="val 0"/>
+              <a:gd name="A3" fmla="val 0"/>
+              <a:gd name="A4" fmla="val 0"/>
+              <a:gd name="A5" fmla="val 0"/>
+              <a:gd name="A6" fmla="val 0"/>
+              <a:gd name="A7" fmla="val 0"/>
+              <a:gd name="A8" fmla="val 0"/>
+            </a:avLst>
+            <a:gdLst/>
+            <a:ahLst/>
+            <a:cxnLst>
+              <a:cxn ang="0">
+                <a:pos x="0" y="0"/>
+              </a:cxn>
+              <a:cxn ang="0">
+                <a:pos x="5760" y="0"/>
+              </a:cxn>
+              <a:cxn ang="0">
+                <a:pos x="5760" y="528"/>
+              </a:cxn>
+              <a:cxn ang="0">
+                <a:pos x="48" y="0"/>
+              </a:cxn>
+            </a:cxnLst>
+            <a:rect l="0" t="0" r="0" b="0"/>
+            <a:pathLst>
+              <a:path w="5591" h="588">
+                <a:moveTo>
+                  <a:pt x="0" y="0"/>
+                </a:moveTo>
+                <a:lnTo>
+                  <a:pt x="5591" y="585"/>
+                </a:lnTo>
+                <a:lnTo>
+                  <a:pt x="4415" y="588"/>
+                </a:lnTo>
+                <a:lnTo>
+                  <a:pt x="12" y="4"/>
+                </a:lnTo>
+              </a:path>
+            </a:pathLst>
+          </a:custGeom>
+          <a:solidFill>
+            <a:srgbClr val="000000">
+              <a:alpha val="100000"/>
+            </a:srgbClr>
+          </a:solidFill>
+          <a:ln w="9525" cap="flat" cmpd="sng" algn="ctr">
+            <a:noFill/>
+            <a:prstDash val="solid"/>
+            <a:round/>
+            <a:headEnd type="none" w="med" len="med"/>
+            <a:tailEnd type="none" w="med" len="med"/>
+          </a:ln>
+          <a:effectLst/>
+        </p:spPr>
+        <p:txBody>
+          <a:bodyPr vert="horz" wrap="square" lIns="91440" tIns="45720" rIns="91440" bIns="45720" anchor="t" compatLnSpc="1"/>
+          <a:lstStyle>
+            <a:extLst/>
+          </a:lstStyle>
+          <a:p>
+            <a:endParaRPr kumimoji="0" lang="en-US"/>
+          </a:p>
+        </p:txBody>
+      </p:sp>
+      <p:sp>
+        <p:nvSpPr>
+          <p:cNvPr id="14" name="直角三角形 13"/>
+          <p:cNvSpPr>
+            <a:spLocks/>
+          </p:cNvSpPr>
+          <p:nvPr/>
+        </p:nvSpPr>
+        <p:spPr bwMode="auto">
+          <a:xfrm>
+            <a:off x="-6042" y="5791253"/>
+            <a:ext cx="3402314" cy="1080868"/>
+          </a:xfrm>
+          <a:prstGeom prst="rtTriangle">
+            <a:avLst/>
+          </a:prstGeom>
+          <a:blipFill>
+            <a:blip r:embed="rId13" cstate="print">
+              <a:alphaModFix amt="50000"/>
+            </a:blip>
+            <a:tile tx="0" ty="0" sx="50000" sy="50000" flip="none" algn="t"/>
+          </a:blipFill>
+          <a:ln w="12700" cap="rnd" cmpd="thickThin" algn="ctr">
+            <a:noFill/>
+            <a:prstDash val="solid"/>
+          </a:ln>
+          <a:effectLst>
+            <a:fillOverlay blend="mult">
+              <a:gradFill flip="none" rotWithShape="1">
+                <a:gsLst>
+                  <a:gs pos="0">
+                    <a:schemeClr val="accent1">
+                      <a:shade val="20000"/>
+                      <a:satMod val="176000"/>
+                      <a:alpha val="100000"/>
+                    </a:schemeClr>
+                  </a:gs>
+                  <a:gs pos="18000">
+                    <a:schemeClr val="accent1">
+                      <a:shade val="48000"/>
+                      <a:satMod val="153000"/>
+                      <a:alpha val="100000"/>
+                    </a:schemeClr>
+                  </a:gs>
+                  <a:gs pos="43000">
+                    <a:schemeClr val="accent1">
+                      <a:tint val="86000"/>
+                      <a:satMod val="149000"/>
+                      <a:alpha val="100000"/>
+                    </a:schemeClr>
+                  </a:gs>
+                  <a:gs pos="45000">
+                    <a:schemeClr val="accent1">
+                      <a:tint val="85000"/>
+                      <a:satMod val="150000"/>
+                      <a:alpha val="100000"/>
+                    </a:schemeClr>
+                  </a:gs>
+                  <a:gs pos="50000">
+                    <a:schemeClr val="accent1">
+                      <a:tint val="86000"/>
+                      <a:satMod val="149000"/>
+                      <a:alpha val="100000"/>
+                    </a:schemeClr>
+                  </a:gs>
+                  <a:gs pos="79000">
+                    <a:schemeClr val="accent1">
+                      <a:shade val="53000"/>
+                      <a:satMod val="150000"/>
+                      <a:alpha val="100000"/>
+                    </a:schemeClr>
+                  </a:gs>
+                  <a:gs pos="100000">
+                    <a:schemeClr val="accent1">
+                      <a:shade val="25000"/>
+                      <a:satMod val="170000"/>
+                      <a:alpha val="100000"/>
+                    </a:schemeClr>
+                  </a:gs>
+                </a:gsLst>
+                <a:lin ang="450000" scaled="1"/>
+                <a:tileRect/>
+              </a:gradFill>
+            </a:fillOverlay>
+          </a:effectLst>
+        </p:spPr>
+        <p:style>
+          <a:lnRef idx="3">
+            <a:schemeClr val="lt1"/>
+          </a:lnRef>
+          <a:fillRef idx="1">
+            <a:schemeClr val="accent1"/>
+          </a:fillRef>
+          <a:effectRef idx="1">
+            <a:schemeClr val="accent1"/>
+          </a:effectRef>
+          <a:fontRef idx="minor">
+            <a:schemeClr val="lt1"/>
+          </a:fontRef>
+        </p:style>
+        <p:txBody>
+          <a:bodyPr vert="horz" wrap="square" lIns="91440" tIns="45720" rIns="91440" bIns="45720" anchor="ctr" compatLnSpc="1"/>
+          <a:lstStyle>
+            <a:extLst/>
+          </a:lstStyle>
+          <a:p>
+            <a:pPr algn="ctr" eaLnBrk="1" latinLnBrk="0" hangingPunct="1"/>
+            <a:endParaRPr kumimoji="0" lang="en-US"/>
+          </a:p>
+        </p:txBody>
+      </p:sp>
+      <p:cxnSp>
+        <p:nvCxnSpPr>
+          <p:cNvPr id="15" name="直接连接符 14"/>
+          <p:cNvCxnSpPr/>
+          <p:nvPr/>
+        </p:nvCxnSpPr>
+        <p:spPr>
+          <a:xfrm>
+            <a:off x="-9237" y="5787738"/>
+            <a:ext cx="3405509" cy="1084383"/>
+          </a:xfrm>
+          <a:prstGeom prst="line">
+            <a:avLst/>
+          </a:prstGeom>
+          <a:noFill/>
+          <a:ln w="12065" cap="flat" cmpd="sng" algn="ctr">
+            <a:gradFill>
+              <a:gsLst>
+                <a:gs pos="45000">
+                  <a:schemeClr val="accent1">
+                    <a:tint val="70000"/>
+                    <a:satMod val="110000"/>
+                  </a:schemeClr>
+                </a:gs>
+                <a:gs pos="15000">
+                  <a:schemeClr val="accent1">
+                    <a:shade val="40000"/>
+                    <a:satMod val="110000"/>
+                  </a:schemeClr>
+                </a:gs>
+              </a:gsLst>
+              <a:lin ang="5400000" scaled="1"/>
+            </a:gradFill>
+            <a:prstDash val="solid"/>
+            <a:miter lim="800000"/>
+          </a:ln>
+          <a:effectLst/>
+        </p:spPr>
+        <p:style>
+          <a:lnRef idx="2">
+            <a:schemeClr val="accent1"/>
+          </a:lnRef>
+          <a:fillRef idx="0">
+            <a:schemeClr val="accent1"/>
+          </a:fillRef>
+          <a:effectRef idx="1">
+            <a:schemeClr val="accent1"/>
+          </a:effectRef>
+          <a:fontRef idx="minor">
+            <a:schemeClr val="tx1"/>
+          </a:fontRef>
+        </p:style>
+      </p:cxnSp>
+      <p:sp>
+        <p:nvSpPr>
+          <p:cNvPr id="9" name="标题占位符 8"/>
           <p:cNvSpPr>
             <a:spLocks noGrp="1"/>
           </p:cNvSpPr>
@@ -2561,22 +4069,31 @@
           </a:prstGeom>
         </p:spPr>
         <p:txBody>
-          <a:bodyPr vert="horz" lIns="91440" tIns="45720" rIns="91440" bIns="45720" rtlCol="0" anchor="ctr">
+          <a:bodyPr vert="horz" anchor="ctr">
             <a:normAutofit/>
+            <a:scene3d>
+              <a:camera prst="orthographicFront"/>
+              <a:lightRig rig="soft" dir="t"/>
+            </a:scene3d>
+            <a:sp3d prstMaterial="softEdge">
+              <a:bevelT w="25400" h="25400"/>
+            </a:sp3d>
           </a:bodyPr>
-          <a:lstStyle/>
-          <a:p>
-            <a:r>
-              <a:rPr lang="zh-CN" altLang="en-US" smtClean="0"/>
+          <a:lstStyle>
+            <a:extLst/>
+          </a:lstStyle>
+          <a:p>
+            <a:r>
+              <a:rPr kumimoji="0" lang="zh-CN" altLang="en-US" smtClean="0"/>
               <a:t>单击此处编辑母版标题样式</a:t>
             </a:r>
-            <a:endParaRPr lang="zh-CN" altLang="en-US"/>
-          </a:p>
-        </p:txBody>
-      </p:sp>
-      <p:sp>
-        <p:nvSpPr>
-          <p:cNvPr id="3" name="文本占位符 2"/>
+            <a:endParaRPr kumimoji="0" lang="en-US"/>
+          </a:p>
+        </p:txBody>
+      </p:sp>
+      <p:sp>
+        <p:nvSpPr>
+          <p:cNvPr id="30" name="文本占位符 29"/>
           <p:cNvSpPr>
             <a:spLocks noGrp="1"/>
           </p:cNvSpPr>
@@ -2586,7 +4103,7 @@
         </p:nvSpPr>
         <p:spPr>
           <a:xfrm>
-            <a:off x="457200" y="1600200"/>
+            <a:off x="457200" y="1481328"/>
             <a:ext cx="8229600" cy="4525963"/>
           </a:xfrm>
           <a:prstGeom prst="rect">
@@ -2594,51 +4111,53 @@
           </a:prstGeom>
         </p:spPr>
         <p:txBody>
-          <a:bodyPr vert="horz" lIns="91440" tIns="45720" rIns="91440" bIns="45720" rtlCol="0">
+          <a:bodyPr vert="horz">
             <a:normAutofit/>
           </a:bodyPr>
-          <a:lstStyle/>
-          <a:p>
-            <a:pPr lvl="0"/>
-            <a:r>
-              <a:rPr lang="zh-CN" altLang="en-US" smtClean="0"/>
+          <a:lstStyle>
+            <a:extLst/>
+          </a:lstStyle>
+          <a:p>
+            <a:pPr lvl="0" eaLnBrk="1" latinLnBrk="0" hangingPunct="1"/>
+            <a:r>
+              <a:rPr kumimoji="0" lang="zh-CN" altLang="en-US" smtClean="0"/>
               <a:t>单击此处编辑母版文本样式</a:t>
             </a:r>
           </a:p>
           <a:p>
-            <a:pPr lvl="1"/>
-            <a:r>
-              <a:rPr lang="zh-CN" altLang="en-US" smtClean="0"/>
+            <a:pPr lvl="1" eaLnBrk="1" latinLnBrk="0" hangingPunct="1"/>
+            <a:r>
+              <a:rPr kumimoji="0" lang="zh-CN" altLang="en-US" smtClean="0"/>
               <a:t>第二级</a:t>
             </a:r>
           </a:p>
           <a:p>
-            <a:pPr lvl="2"/>
-            <a:r>
-              <a:rPr lang="zh-CN" altLang="en-US" smtClean="0"/>
+            <a:pPr lvl="2" eaLnBrk="1" latinLnBrk="0" hangingPunct="1"/>
+            <a:r>
+              <a:rPr kumimoji="0" lang="zh-CN" altLang="en-US" smtClean="0"/>
               <a:t>第三级</a:t>
             </a:r>
           </a:p>
           <a:p>
-            <a:pPr lvl="3"/>
-            <a:r>
-              <a:rPr lang="zh-CN" altLang="en-US" smtClean="0"/>
+            <a:pPr lvl="3" eaLnBrk="1" latinLnBrk="0" hangingPunct="1"/>
+            <a:r>
+              <a:rPr kumimoji="0" lang="zh-CN" altLang="en-US" smtClean="0"/>
               <a:t>第四级</a:t>
             </a:r>
           </a:p>
           <a:p>
-            <a:pPr lvl="4"/>
-            <a:r>
-              <a:rPr lang="zh-CN" altLang="en-US" smtClean="0"/>
+            <a:pPr lvl="4" eaLnBrk="1" latinLnBrk="0" hangingPunct="1"/>
+            <a:r>
+              <a:rPr kumimoji="0" lang="zh-CN" altLang="en-US" smtClean="0"/>
               <a:t>第五级</a:t>
             </a:r>
-            <a:endParaRPr lang="zh-CN" altLang="en-US"/>
-          </a:p>
-        </p:txBody>
-      </p:sp>
-      <p:sp>
-        <p:nvSpPr>
-          <p:cNvPr id="4" name="日期占位符 3"/>
+            <a:endParaRPr kumimoji="0" lang="en-US"/>
+          </a:p>
+        </p:txBody>
+      </p:sp>
+      <p:sp>
+        <p:nvSpPr>
+          <p:cNvPr id="10" name="日期占位符 9"/>
           <p:cNvSpPr>
             <a:spLocks noGrp="1"/>
           </p:cNvSpPr>
@@ -2648,25 +4167,24 @@
         </p:nvSpPr>
         <p:spPr>
           <a:xfrm>
-            <a:off x="457200" y="6356350"/>
-            <a:ext cx="2133600" cy="365125"/>
+            <a:off x="6727032" y="6407944"/>
+            <a:ext cx="1920240" cy="365760"/>
           </a:xfrm>
           <a:prstGeom prst="rect">
             <a:avLst/>
           </a:prstGeom>
         </p:spPr>
         <p:txBody>
-          <a:bodyPr vert="horz" lIns="91440" tIns="45720" rIns="91440" bIns="45720" rtlCol="0" anchor="ctr"/>
-          <a:lstStyle>
-            <a:lvl1pPr algn="l">
-              <a:defRPr sz="1200">
+          <a:bodyPr vert="horz" anchor="b"/>
+          <a:lstStyle>
+            <a:lvl1pPr algn="l" eaLnBrk="1" latinLnBrk="0" hangingPunct="1">
+              <a:defRPr kumimoji="0" sz="1000">
                 <a:solidFill>
-                  <a:schemeClr val="tx1">
-                    <a:tint val="75000"/>
-                  </a:schemeClr>
+                  <a:schemeClr val="tx1"/>
                 </a:solidFill>
               </a:defRPr>
             </a:lvl1pPr>
+            <a:extLst/>
           </a:lstStyle>
           <a:p>
             <a:fld id="{552B59B4-7C25-4F23-85F3-407D74B5C84A}" type="datetimeFigureOut">
@@ -2679,7 +4197,7 @@
       </p:sp>
       <p:sp>
         <p:nvSpPr>
-          <p:cNvPr id="5" name="页脚占位符 4"/>
+          <p:cNvPr id="22" name="页脚占位符 21"/>
           <p:cNvSpPr>
             <a:spLocks noGrp="1"/>
           </p:cNvSpPr>
@@ -2689,25 +4207,24 @@
         </p:nvSpPr>
         <p:spPr>
           <a:xfrm>
-            <a:off x="3124200" y="6356350"/>
-            <a:ext cx="2895600" cy="365125"/>
+            <a:off x="4380072" y="6407944"/>
+            <a:ext cx="2350681" cy="365125"/>
           </a:xfrm>
           <a:prstGeom prst="rect">
             <a:avLst/>
           </a:prstGeom>
         </p:spPr>
         <p:txBody>
-          <a:bodyPr vert="horz" lIns="91440" tIns="45720" rIns="91440" bIns="45720" rtlCol="0" anchor="ctr"/>
-          <a:lstStyle>
-            <a:lvl1pPr algn="ctr">
-              <a:defRPr sz="1200">
+          <a:bodyPr vert="horz" anchor="b"/>
+          <a:lstStyle>
+            <a:lvl1pPr algn="r" eaLnBrk="1" latinLnBrk="0" hangingPunct="1">
+              <a:defRPr kumimoji="0" sz="1000">
                 <a:solidFill>
-                  <a:schemeClr val="tx1">
-                    <a:tint val="75000"/>
-                  </a:schemeClr>
+                  <a:schemeClr val="tx1"/>
                 </a:solidFill>
               </a:defRPr>
             </a:lvl1pPr>
+            <a:extLst/>
           </a:lstStyle>
           <a:p>
             <a:endParaRPr lang="zh-CN" altLang="en-US"/>
@@ -2716,7 +4233,7 @@
       </p:sp>
       <p:sp>
         <p:nvSpPr>
-          <p:cNvPr id="6" name="灯片编号占位符 5"/>
+          <p:cNvPr id="18" name="灯片编号占位符 17"/>
           <p:cNvSpPr>
             <a:spLocks noGrp="1"/>
           </p:cNvSpPr>
@@ -2726,25 +4243,24 @@
         </p:nvSpPr>
         <p:spPr>
           <a:xfrm>
-            <a:off x="6553200" y="6356350"/>
-            <a:ext cx="2133600" cy="365125"/>
+            <a:off x="8647272" y="6407944"/>
+            <a:ext cx="365760" cy="365125"/>
           </a:xfrm>
           <a:prstGeom prst="rect">
             <a:avLst/>
           </a:prstGeom>
         </p:spPr>
         <p:txBody>
-          <a:bodyPr vert="horz" lIns="91440" tIns="45720" rIns="91440" bIns="45720" rtlCol="0" anchor="ctr"/>
-          <a:lstStyle>
-            <a:lvl1pPr algn="r">
-              <a:defRPr sz="1200">
+          <a:bodyPr vert="horz" anchor="b"/>
+          <a:lstStyle>
+            <a:lvl1pPr algn="r" eaLnBrk="1" latinLnBrk="0" hangingPunct="1">
+              <a:defRPr kumimoji="0" sz="1000" b="0">
                 <a:solidFill>
-                  <a:schemeClr val="tx1">
-                    <a:tint val="75000"/>
-                  </a:schemeClr>
+                  <a:schemeClr val="tx1"/>
                 </a:solidFill>
               </a:defRPr>
             </a:lvl1pPr>
+            <a:extLst/>
           </a:lstStyle>
           <a:p>
             <a:fld id="{15E68D27-B9CB-489F-9614-D036756A15FA}" type="slidenum">
@@ -2759,43 +4275,58 @@
   </p:cSld>
   <p:clrMap bg1="lt1" tx1="dk1" bg2="lt2" tx2="dk2" accent1="accent1" accent2="accent2" accent3="accent3" accent4="accent4" accent5="accent5" accent6="accent6" hlink="hlink" folHlink="folHlink"/>
   <p:sldLayoutIdLst>
-    <p:sldLayoutId id="2147483649" r:id="rId1"/>
-    <p:sldLayoutId id="2147483650" r:id="rId2"/>
-    <p:sldLayoutId id="2147483651" r:id="rId3"/>
-    <p:sldLayoutId id="2147483652" r:id="rId4"/>
-    <p:sldLayoutId id="2147483653" r:id="rId5"/>
-    <p:sldLayoutId id="2147483654" r:id="rId6"/>
-    <p:sldLayoutId id="2147483655" r:id="rId7"/>
-    <p:sldLayoutId id="2147483656" r:id="rId8"/>
-    <p:sldLayoutId id="2147483657" r:id="rId9"/>
-    <p:sldLayoutId id="2147483658" r:id="rId10"/>
-    <p:sldLayoutId id="2147483659" r:id="rId11"/>
+    <p:sldLayoutId id="2147483757" r:id="rId1"/>
+    <p:sldLayoutId id="2147483758" r:id="rId2"/>
+    <p:sldLayoutId id="2147483759" r:id="rId3"/>
+    <p:sldLayoutId id="2147483760" r:id="rId4"/>
+    <p:sldLayoutId id="2147483761" r:id="rId5"/>
+    <p:sldLayoutId id="2147483762" r:id="rId6"/>
+    <p:sldLayoutId id="2147483763" r:id="rId7"/>
+    <p:sldLayoutId id="2147483764" r:id="rId8"/>
+    <p:sldLayoutId id="2147483765" r:id="rId9"/>
+    <p:sldLayoutId id="2147483766" r:id="rId10"/>
+    <p:sldLayoutId id="2147483767" r:id="rId11"/>
   </p:sldLayoutIdLst>
   <p:txStyles>
     <p:titleStyle>
-      <a:lvl1pPr algn="ctr" defTabSz="914400" rtl="0" eaLnBrk="1" latinLnBrk="0" hangingPunct="1">
+      <a:lvl1pPr algn="l" rtl="0" eaLnBrk="1" latinLnBrk="0" hangingPunct="1">
         <a:spcBef>
           <a:spcPct val="0"/>
         </a:spcBef>
         <a:buNone/>
-        <a:defRPr sz="4400" kern="1200">
+        <a:defRPr kumimoji="0" sz="4100" b="1" kern="1200">
           <a:solidFill>
-            <a:schemeClr val="tx1"/>
+            <a:schemeClr val="tx2"/>
           </a:solidFill>
+          <a:effectLst>
+            <a:outerShdw blurRad="31750" dist="25400" dir="5400000" algn="tl" rotWithShape="0">
+              <a:srgbClr val="000000">
+                <a:alpha val="25000"/>
+              </a:srgbClr>
+            </a:outerShdw>
+          </a:effectLst>
           <a:latin typeface="+mj-lt"/>
           <a:ea typeface="+mj-ea"/>
           <a:cs typeface="+mj-cs"/>
         </a:defRPr>
       </a:lvl1pPr>
+      <a:extLst/>
     </p:titleStyle>
     <p:bodyStyle>
-      <a:lvl1pPr marL="342900" indent="-342900" algn="l" defTabSz="914400" rtl="0" eaLnBrk="1" latinLnBrk="0" hangingPunct="1">
+      <a:lvl1pPr marL="365760" indent="-256032" algn="l" rtl="0" eaLnBrk="1" latinLnBrk="0" hangingPunct="1">
         <a:spcBef>
-          <a:spcPct val="20000"/>
+          <a:spcPts val="400"/>
         </a:spcBef>
-        <a:buFont typeface="Arial" pitchFamily="34" charset="0"/>
-        <a:buChar char="•"/>
-        <a:defRPr sz="3200" kern="1200">
+        <a:spcAft>
+          <a:spcPts val="0"/>
+        </a:spcAft>
+        <a:buClr>
+          <a:schemeClr val="accent1"/>
+        </a:buClr>
+        <a:buSzPct val="68000"/>
+        <a:buFont typeface="Wingdings 3"/>
+        <a:buChar char=""/>
+        <a:defRPr kumimoji="0" sz="2700" kern="1200">
           <a:solidFill>
             <a:schemeClr val="tx1"/>
           </a:solidFill>
@@ -2804,13 +4335,16 @@
           <a:cs typeface="+mn-cs"/>
         </a:defRPr>
       </a:lvl1pPr>
-      <a:lvl2pPr marL="742950" indent="-285750" algn="l" defTabSz="914400" rtl="0" eaLnBrk="1" latinLnBrk="0" hangingPunct="1">
+      <a:lvl2pPr marL="621792" indent="-228600" algn="l" rtl="0" eaLnBrk="1" latinLnBrk="0" hangingPunct="1">
         <a:spcBef>
-          <a:spcPct val="20000"/>
+          <a:spcPts val="324"/>
         </a:spcBef>
-        <a:buFont typeface="Arial" pitchFamily="34" charset="0"/>
-        <a:buChar char="–"/>
-        <a:defRPr sz="2800" kern="1200">
+        <a:buClr>
+          <a:schemeClr val="accent1"/>
+        </a:buClr>
+        <a:buFont typeface="Verdana"/>
+        <a:buChar char="◦"/>
+        <a:defRPr kumimoji="0" sz="2300" kern="1200">
           <a:solidFill>
             <a:schemeClr val="tx1"/>
           </a:solidFill>
@@ -2819,13 +4353,17 @@
           <a:cs typeface="+mn-cs"/>
         </a:defRPr>
       </a:lvl2pPr>
-      <a:lvl3pPr marL="1143000" indent="-228600" algn="l" defTabSz="914400" rtl="0" eaLnBrk="1" latinLnBrk="0" hangingPunct="1">
+      <a:lvl3pPr marL="859536" indent="-228600" algn="l" rtl="0" eaLnBrk="1" latinLnBrk="0" hangingPunct="1">
         <a:spcBef>
-          <a:spcPct val="20000"/>
+          <a:spcPts val="350"/>
         </a:spcBef>
-        <a:buFont typeface="Arial" pitchFamily="34" charset="0"/>
-        <a:buChar char="•"/>
-        <a:defRPr sz="2400" kern="1200">
+        <a:buClr>
+          <a:schemeClr val="accent2"/>
+        </a:buClr>
+        <a:buSzPct val="100000"/>
+        <a:buFont typeface="Wingdings 2"/>
+        <a:buChar char=""/>
+        <a:defRPr kumimoji="0" sz="2100" kern="1200">
           <a:solidFill>
             <a:schemeClr val="tx1"/>
           </a:solidFill>
@@ -2834,13 +4372,16 @@
           <a:cs typeface="+mn-cs"/>
         </a:defRPr>
       </a:lvl3pPr>
-      <a:lvl4pPr marL="1600200" indent="-228600" algn="l" defTabSz="914400" rtl="0" eaLnBrk="1" latinLnBrk="0" hangingPunct="1">
+      <a:lvl4pPr marL="1143000" indent="-228600" algn="l" rtl="0" eaLnBrk="1" latinLnBrk="0" hangingPunct="1">
         <a:spcBef>
-          <a:spcPct val="20000"/>
+          <a:spcPts val="350"/>
         </a:spcBef>
-        <a:buFont typeface="Arial" pitchFamily="34" charset="0"/>
-        <a:buChar char="–"/>
-        <a:defRPr sz="2000" kern="1200">
+        <a:buClr>
+          <a:schemeClr val="accent2"/>
+        </a:buClr>
+        <a:buFont typeface="Wingdings 2"/>
+        <a:buChar char=""/>
+        <a:defRPr kumimoji="0" sz="1900" kern="1200">
           <a:solidFill>
             <a:schemeClr val="tx1"/>
           </a:solidFill>
@@ -2849,13 +4390,16 @@
           <a:cs typeface="+mn-cs"/>
         </a:defRPr>
       </a:lvl4pPr>
-      <a:lvl5pPr marL="2057400" indent="-228600" algn="l" defTabSz="914400" rtl="0" eaLnBrk="1" latinLnBrk="0" hangingPunct="1">
+      <a:lvl5pPr marL="1371600" indent="-228600" algn="l" rtl="0" eaLnBrk="1" latinLnBrk="0" hangingPunct="1">
         <a:spcBef>
-          <a:spcPct val="20000"/>
+          <a:spcPts val="350"/>
         </a:spcBef>
-        <a:buFont typeface="Arial" pitchFamily="34" charset="0"/>
-        <a:buChar char="»"/>
-        <a:defRPr sz="2000" kern="1200">
+        <a:buClr>
+          <a:schemeClr val="accent2"/>
+        </a:buClr>
+        <a:buFont typeface="Wingdings 2"/>
+        <a:buChar char=""/>
+        <a:defRPr kumimoji="0" sz="1800" kern="1200">
           <a:solidFill>
             <a:schemeClr val="tx1"/>
           </a:solidFill>
@@ -2864,13 +4408,16 @@
           <a:cs typeface="+mn-cs"/>
         </a:defRPr>
       </a:lvl5pPr>
-      <a:lvl6pPr marL="2514600" indent="-228600" algn="l" defTabSz="914400" rtl="0" eaLnBrk="1" latinLnBrk="0" hangingPunct="1">
+      <a:lvl6pPr marL="1600200" indent="-228600" algn="l" rtl="0" eaLnBrk="1" latinLnBrk="0" hangingPunct="1">
         <a:spcBef>
-          <a:spcPct val="20000"/>
+          <a:spcPts val="350"/>
         </a:spcBef>
-        <a:buFont typeface="Arial" pitchFamily="34" charset="0"/>
-        <a:buChar char="•"/>
-        <a:defRPr sz="2000" kern="1200">
+        <a:buClr>
+          <a:schemeClr val="accent3"/>
+        </a:buClr>
+        <a:buFont typeface="Wingdings 2"/>
+        <a:buChar char=""/>
+        <a:defRPr kumimoji="0" sz="1800" kern="1200">
           <a:solidFill>
             <a:schemeClr val="tx1"/>
           </a:solidFill>
@@ -2879,13 +4426,16 @@
           <a:cs typeface="+mn-cs"/>
         </a:defRPr>
       </a:lvl6pPr>
-      <a:lvl7pPr marL="2971800" indent="-228600" algn="l" defTabSz="914400" rtl="0" eaLnBrk="1" latinLnBrk="0" hangingPunct="1">
+      <a:lvl7pPr marL="1828800" indent="-228600" algn="l" rtl="0" eaLnBrk="1" latinLnBrk="0" hangingPunct="1">
         <a:spcBef>
-          <a:spcPct val="20000"/>
+          <a:spcPts val="350"/>
         </a:spcBef>
-        <a:buFont typeface="Arial" pitchFamily="34" charset="0"/>
-        <a:buChar char="•"/>
-        <a:defRPr sz="2000" kern="1200">
+        <a:buClr>
+          <a:schemeClr val="accent3"/>
+        </a:buClr>
+        <a:buFont typeface="Wingdings 2"/>
+        <a:buChar char=""/>
+        <a:defRPr kumimoji="0" sz="1600" kern="1200">
           <a:solidFill>
             <a:schemeClr val="tx1"/>
           </a:solidFill>
@@ -2894,13 +4444,16 @@
           <a:cs typeface="+mn-cs"/>
         </a:defRPr>
       </a:lvl7pPr>
-      <a:lvl8pPr marL="3429000" indent="-228600" algn="l" defTabSz="914400" rtl="0" eaLnBrk="1" latinLnBrk="0" hangingPunct="1">
+      <a:lvl8pPr marL="2057400" indent="-228600" algn="l" rtl="0" eaLnBrk="1" latinLnBrk="0" hangingPunct="1">
         <a:spcBef>
-          <a:spcPct val="20000"/>
+          <a:spcPts val="350"/>
         </a:spcBef>
-        <a:buFont typeface="Arial" pitchFamily="34" charset="0"/>
-        <a:buChar char="•"/>
-        <a:defRPr sz="2000" kern="1200">
+        <a:buClr>
+          <a:schemeClr val="accent3"/>
+        </a:buClr>
+        <a:buFont typeface="Wingdings 2"/>
+        <a:buChar char=""/>
+        <a:defRPr kumimoji="0" sz="1600" kern="1200">
           <a:solidFill>
             <a:schemeClr val="tx1"/>
           </a:solidFill>
@@ -2909,13 +4462,16 @@
           <a:cs typeface="+mn-cs"/>
         </a:defRPr>
       </a:lvl8pPr>
-      <a:lvl9pPr marL="3886200" indent="-228600" algn="l" defTabSz="914400" rtl="0" eaLnBrk="1" latinLnBrk="0" hangingPunct="1">
+      <a:lvl9pPr marL="2286000" indent="-228600" algn="l" rtl="0" eaLnBrk="1" latinLnBrk="0" hangingPunct="1">
         <a:spcBef>
-          <a:spcPct val="20000"/>
+          <a:spcPts val="350"/>
         </a:spcBef>
-        <a:buFont typeface="Arial" pitchFamily="34" charset="0"/>
-        <a:buChar char="•"/>
-        <a:defRPr sz="2000" kern="1200">
+        <a:buClr>
+          <a:schemeClr val="accent3"/>
+        </a:buClr>
+        <a:buFont typeface="Wingdings 2"/>
+        <a:buChar char=""/>
+        <a:defRPr kumimoji="0" sz="1600" kern="1200" baseline="0">
           <a:solidFill>
             <a:schemeClr val="tx1"/>
           </a:solidFill>
@@ -2924,13 +4480,11 @@
           <a:cs typeface="+mn-cs"/>
         </a:defRPr>
       </a:lvl9pPr>
+      <a:extLst/>
     </p:bodyStyle>
     <p:otherStyle>
-      <a:defPPr>
-        <a:defRPr lang="zh-CN"/>
-      </a:defPPr>
-      <a:lvl1pPr marL="0" algn="l" defTabSz="914400" rtl="0" eaLnBrk="1" latinLnBrk="0" hangingPunct="1">
-        <a:defRPr sz="1800" kern="1200">
+      <a:lvl1pPr marL="0" algn="l" rtl="0" eaLnBrk="1" latinLnBrk="0" hangingPunct="1">
+        <a:defRPr kumimoji="0" kern="1200">
           <a:solidFill>
             <a:schemeClr val="tx1"/>
           </a:solidFill>
@@ -2939,8 +4493,8 @@
           <a:cs typeface="+mn-cs"/>
         </a:defRPr>
       </a:lvl1pPr>
-      <a:lvl2pPr marL="457200" algn="l" defTabSz="914400" rtl="0" eaLnBrk="1" latinLnBrk="0" hangingPunct="1">
-        <a:defRPr sz="1800" kern="1200">
+      <a:lvl2pPr marL="457200" algn="l" rtl="0" eaLnBrk="1" latinLnBrk="0" hangingPunct="1">
+        <a:defRPr kumimoji="0" kern="1200">
           <a:solidFill>
             <a:schemeClr val="tx1"/>
           </a:solidFill>
@@ -2949,8 +4503,8 @@
           <a:cs typeface="+mn-cs"/>
         </a:defRPr>
       </a:lvl2pPr>
-      <a:lvl3pPr marL="914400" algn="l" defTabSz="914400" rtl="0" eaLnBrk="1" latinLnBrk="0" hangingPunct="1">
-        <a:defRPr sz="1800" kern="1200">
+      <a:lvl3pPr marL="914400" algn="l" rtl="0" eaLnBrk="1" latinLnBrk="0" hangingPunct="1">
+        <a:defRPr kumimoji="0" kern="1200">
           <a:solidFill>
             <a:schemeClr val="tx1"/>
           </a:solidFill>
@@ -2959,8 +4513,8 @@
           <a:cs typeface="+mn-cs"/>
         </a:defRPr>
       </a:lvl3pPr>
-      <a:lvl4pPr marL="1371600" algn="l" defTabSz="914400" rtl="0" eaLnBrk="1" latinLnBrk="0" hangingPunct="1">
-        <a:defRPr sz="1800" kern="1200">
+      <a:lvl4pPr marL="1371600" algn="l" rtl="0" eaLnBrk="1" latinLnBrk="0" hangingPunct="1">
+        <a:defRPr kumimoji="0" kern="1200">
           <a:solidFill>
             <a:schemeClr val="tx1"/>
           </a:solidFill>
@@ -2969,8 +4523,8 @@
           <a:cs typeface="+mn-cs"/>
         </a:defRPr>
       </a:lvl4pPr>
-      <a:lvl5pPr marL="1828800" algn="l" defTabSz="914400" rtl="0" eaLnBrk="1" latinLnBrk="0" hangingPunct="1">
-        <a:defRPr sz="1800" kern="1200">
+      <a:lvl5pPr marL="1828800" algn="l" rtl="0" eaLnBrk="1" latinLnBrk="0" hangingPunct="1">
+        <a:defRPr kumimoji="0" kern="1200">
           <a:solidFill>
             <a:schemeClr val="tx1"/>
           </a:solidFill>
@@ -2979,8 +4533,8 @@
           <a:cs typeface="+mn-cs"/>
         </a:defRPr>
       </a:lvl5pPr>
-      <a:lvl6pPr marL="2286000" algn="l" defTabSz="914400" rtl="0" eaLnBrk="1" latinLnBrk="0" hangingPunct="1">
-        <a:defRPr sz="1800" kern="1200">
+      <a:lvl6pPr marL="2286000" algn="l" rtl="0" eaLnBrk="1" latinLnBrk="0" hangingPunct="1">
+        <a:defRPr kumimoji="0" kern="1200">
           <a:solidFill>
             <a:schemeClr val="tx1"/>
           </a:solidFill>
@@ -2989,8 +4543,8 @@
           <a:cs typeface="+mn-cs"/>
         </a:defRPr>
       </a:lvl6pPr>
-      <a:lvl7pPr marL="2743200" algn="l" defTabSz="914400" rtl="0" eaLnBrk="1" latinLnBrk="0" hangingPunct="1">
-        <a:defRPr sz="1800" kern="1200">
+      <a:lvl7pPr marL="2743200" algn="l" rtl="0" eaLnBrk="1" latinLnBrk="0" hangingPunct="1">
+        <a:defRPr kumimoji="0" kern="1200">
           <a:solidFill>
             <a:schemeClr val="tx1"/>
           </a:solidFill>
@@ -2999,8 +4553,8 @@
           <a:cs typeface="+mn-cs"/>
         </a:defRPr>
       </a:lvl7pPr>
-      <a:lvl8pPr marL="3200400" algn="l" defTabSz="914400" rtl="0" eaLnBrk="1" latinLnBrk="0" hangingPunct="1">
-        <a:defRPr sz="1800" kern="1200">
+      <a:lvl8pPr marL="3200400" algn="l" rtl="0" eaLnBrk="1" latinLnBrk="0" hangingPunct="1">
+        <a:defRPr kumimoji="0" kern="1200">
           <a:solidFill>
             <a:schemeClr val="tx1"/>
           </a:solidFill>
@@ -3009,8 +4563,8 @@
           <a:cs typeface="+mn-cs"/>
         </a:defRPr>
       </a:lvl8pPr>
-      <a:lvl9pPr marL="3657600" algn="l" defTabSz="914400" rtl="0" eaLnBrk="1" latinLnBrk="0" hangingPunct="1">
-        <a:defRPr sz="1800" kern="1200">
+      <a:lvl9pPr marL="3657600" algn="l" rtl="0" eaLnBrk="1" latinLnBrk="0" hangingPunct="1">
+        <a:defRPr kumimoji="0" kern="1200">
           <a:solidFill>
             <a:schemeClr val="tx1"/>
           </a:solidFill>
@@ -3019,6 +4573,7 @@
           <a:cs typeface="+mn-cs"/>
         </a:defRPr>
       </a:lvl9pPr>
+      <a:extLst/>
     </p:otherStyle>
   </p:txStyles>
 </p:sldMaster>
@@ -3112,6 +4667,29 @@
           <a:chExt cx="0" cy="0"/>
         </a:xfrm>
       </p:grpSpPr>
+      <p:pic>
+        <p:nvPicPr>
+          <p:cNvPr id="8" name="内容占位符 7" descr="fig-11.png"/>
+          <p:cNvPicPr>
+            <a:picLocks noGrp="1" noChangeAspect="1"/>
+          </p:cNvPicPr>
+          <p:nvPr>
+            <p:ph idx="1"/>
+          </p:nvPr>
+        </p:nvPicPr>
+        <p:blipFill>
+          <a:blip r:embed="rId2" cstate="print"/>
+          <a:stretch>
+            <a:fillRect/>
+          </a:stretch>
+        </p:blipFill>
+        <p:spPr>
+          <a:xfrm>
+            <a:off x="893039" y="1196752"/>
+            <a:ext cx="7639401" cy="4810348"/>
+          </a:xfrm>
+        </p:spPr>
+      </p:pic>
       <p:sp>
         <p:nvSpPr>
           <p:cNvPr id="2" name="标题 1"/>
@@ -3145,30 +4723,18 @@
           </a:p>
         </p:txBody>
       </p:sp>
-      <p:sp>
-        <p:nvSpPr>
-          <p:cNvPr id="3" name="内容占位符 2"/>
-          <p:cNvSpPr>
-            <a:spLocks noGrp="1"/>
-          </p:cNvSpPr>
-          <p:nvPr>
-            <p:ph idx="1"/>
-          </p:nvPr>
-        </p:nvSpPr>
-        <p:spPr/>
-        <p:txBody>
-          <a:bodyPr/>
-          <a:lstStyle/>
-          <a:p>
-            <a:endParaRPr lang="zh-CN" altLang="en-US"/>
-          </a:p>
-        </p:txBody>
-      </p:sp>
     </p:spTree>
   </p:cSld>
   <p:clrMapOvr>
     <a:masterClrMapping/>
   </p:clrMapOvr>
+  <p:timing>
+    <p:tnLst>
+      <p:par>
+        <p:cTn id="1" dur="indefinite" restart="never" nodeType="tmRoot"/>
+      </p:par>
+    </p:tnLst>
+  </p:timing>
 </p:sld>
 </file>
 
@@ -3191,12 +4757,12 @@
       </p:grpSpPr>
       <p:sp>
         <p:nvSpPr>
-          <p:cNvPr id="2" name="标题 1"/>
-          <p:cNvSpPr>
-            <a:spLocks noGrp="1"/>
-          </p:cNvSpPr>
-          <p:nvPr>
-            <p:ph type="title"/>
+          <p:cNvPr id="3" name="内容占位符 2"/>
+          <p:cNvSpPr>
+            <a:spLocks noGrp="1"/>
+          </p:cNvSpPr>
+          <p:nvPr>
+            <p:ph idx="1"/>
           </p:nvPr>
         </p:nvSpPr>
         <p:spPr/>
@@ -3205,21 +4771,240 @@
           <a:lstStyle/>
           <a:p>
             <a:r>
+              <a:rPr lang="zh-CN" altLang="en-US" dirty="0" smtClean="0"/>
+              <a:t>所有文件都存储为</a:t>
+            </a:r>
+            <a:r>
               <a:rPr lang="en-US" altLang="zh-CN" dirty="0" smtClean="0"/>
               <a:t>Blob Object</a:t>
             </a:r>
-            <a:endParaRPr lang="zh-CN" altLang="en-US" dirty="0"/>
-          </a:p>
-        </p:txBody>
-      </p:sp>
-      <p:sp>
-        <p:nvSpPr>
-          <p:cNvPr id="3" name="内容占位符 2"/>
-          <p:cNvSpPr>
-            <a:spLocks noGrp="1"/>
-          </p:cNvSpPr>
-          <p:nvPr>
-            <p:ph idx="1"/>
+            <a:r>
+              <a:rPr lang="zh-CN" altLang="en-US" dirty="0" smtClean="0"/>
+              <a:t>对象</a:t>
+            </a:r>
+            <a:endParaRPr lang="en-US" altLang="zh-CN" dirty="0" smtClean="0"/>
+          </a:p>
+          <a:p>
+            <a:r>
+              <a:rPr lang="zh-CN" altLang="en-US" dirty="0" smtClean="0"/>
+              <a:t>只有文件内容，不包括文件名信息</a:t>
+            </a:r>
+            <a:endParaRPr lang="en-US" altLang="zh-CN" dirty="0" smtClean="0"/>
+          </a:p>
+          <a:p>
+            <a:r>
+              <a:rPr lang="zh-CN" altLang="en-US" dirty="0" smtClean="0"/>
+              <a:t>存储在</a:t>
+            </a:r>
+            <a:r>
+              <a:rPr lang="en-US" altLang="zh-CN" dirty="0" smtClean="0"/>
+              <a:t>.</a:t>
+            </a:r>
+            <a:r>
+              <a:rPr lang="en-US" altLang="zh-CN" dirty="0" err="1" smtClean="0"/>
+              <a:t>git</a:t>
+            </a:r>
+            <a:r>
+              <a:rPr lang="en-US" altLang="zh-CN" dirty="0" smtClean="0"/>
+              <a:t>/objects/ </a:t>
+            </a:r>
+            <a:r>
+              <a:rPr lang="zh-CN" altLang="en-US" dirty="0" smtClean="0"/>
+              <a:t>目录下</a:t>
+            </a:r>
+            <a:endParaRPr lang="en-US" altLang="zh-CN" dirty="0" smtClean="0"/>
+          </a:p>
+          <a:p>
+            <a:r>
+              <a:rPr lang="zh-CN" altLang="en-US" dirty="0" smtClean="0"/>
+              <a:t>通过文件内容，大小，等信息的</a:t>
+            </a:r>
+            <a:r>
+              <a:rPr lang="en-US" altLang="zh-CN" dirty="0" smtClean="0"/>
+              <a:t>sha1</a:t>
+            </a:r>
+            <a:r>
+              <a:rPr lang="zh-CN" altLang="en-US" dirty="0" smtClean="0"/>
+              <a:t>值作</a:t>
+            </a:r>
+            <a:r>
+              <a:rPr lang="en-US" altLang="zh-CN" dirty="0" smtClean="0"/>
+              <a:t>key</a:t>
+            </a:r>
+          </a:p>
+          <a:p>
+            <a:r>
+              <a:rPr lang="zh-CN" altLang="en-US" dirty="0" smtClean="0"/>
+              <a:t>文件内容通过</a:t>
+            </a:r>
+            <a:r>
+              <a:rPr lang="en-US" altLang="zh-CN" dirty="0" err="1" smtClean="0"/>
+              <a:t>zlib</a:t>
+            </a:r>
+            <a:r>
+              <a:rPr lang="zh-CN" altLang="en-US" dirty="0" smtClean="0"/>
+              <a:t>压缩和差异化存储来节省空间</a:t>
+            </a:r>
+            <a:endParaRPr lang="en-US" altLang="zh-CN" dirty="0" smtClean="0"/>
+          </a:p>
+          <a:p>
+            <a:pPr>
+              <a:buNone/>
+            </a:pPr>
+            <a:endParaRPr lang="en-US" altLang="zh-CN" dirty="0" smtClean="0"/>
+          </a:p>
+          <a:p>
+            <a:pPr>
+              <a:buNone/>
+            </a:pPr>
+            <a:r>
+              <a:rPr lang="en-US" altLang="zh-CN" sz="2000" dirty="0" smtClean="0">
+                <a:solidFill>
+                  <a:srgbClr val="C00000"/>
+                </a:solidFill>
+                <a:latin typeface="Consolas" pitchFamily="49" charset="0"/>
+                <a:cs typeface="Consolas" pitchFamily="49" charset="0"/>
+              </a:rPr>
+              <a:t>$ echo </a:t>
+            </a:r>
+            <a:r>
+              <a:rPr lang="en-US" altLang="zh-CN" sz="2000" dirty="0" smtClean="0">
+                <a:solidFill>
+                  <a:srgbClr val="C00000"/>
+                </a:solidFill>
+                <a:latin typeface="Consolas" pitchFamily="49" charset="0"/>
+                <a:cs typeface="Consolas" pitchFamily="49" charset="0"/>
+              </a:rPr>
+              <a:t>'test content' | </a:t>
+            </a:r>
+            <a:r>
+              <a:rPr lang="en-US" altLang="zh-CN" sz="2000" dirty="0" err="1" smtClean="0">
+                <a:solidFill>
+                  <a:srgbClr val="C00000"/>
+                </a:solidFill>
+                <a:latin typeface="Consolas" pitchFamily="49" charset="0"/>
+                <a:cs typeface="Consolas" pitchFamily="49" charset="0"/>
+              </a:rPr>
+              <a:t>git</a:t>
+            </a:r>
+            <a:r>
+              <a:rPr lang="en-US" altLang="zh-CN" sz="2000" dirty="0" smtClean="0">
+                <a:solidFill>
+                  <a:srgbClr val="C00000"/>
+                </a:solidFill>
+                <a:latin typeface="Consolas" pitchFamily="49" charset="0"/>
+                <a:cs typeface="Consolas" pitchFamily="49" charset="0"/>
+              </a:rPr>
+              <a:t> hash-object -w </a:t>
+            </a:r>
+            <a:r>
+              <a:rPr lang="en-US" altLang="zh-CN" sz="2000" dirty="0" smtClean="0">
+                <a:solidFill>
+                  <a:srgbClr val="C00000"/>
+                </a:solidFill>
+                <a:latin typeface="Consolas" pitchFamily="49" charset="0"/>
+                <a:cs typeface="Consolas" pitchFamily="49" charset="0"/>
+              </a:rPr>
+              <a:t>–</a:t>
+            </a:r>
+            <a:r>
+              <a:rPr lang="en-US" altLang="zh-CN" sz="2000" dirty="0" err="1" smtClean="0">
+                <a:solidFill>
+                  <a:srgbClr val="C00000"/>
+                </a:solidFill>
+                <a:latin typeface="Consolas" pitchFamily="49" charset="0"/>
+                <a:cs typeface="Consolas" pitchFamily="49" charset="0"/>
+              </a:rPr>
+              <a:t>stdin</a:t>
+            </a:r>
+            <a:endParaRPr lang="en-US" altLang="zh-CN" sz="2000" dirty="0" smtClean="0">
+              <a:solidFill>
+                <a:srgbClr val="C00000"/>
+              </a:solidFill>
+              <a:latin typeface="Consolas" pitchFamily="49" charset="0"/>
+              <a:cs typeface="Consolas" pitchFamily="49" charset="0"/>
+            </a:endParaRPr>
+          </a:p>
+          <a:p>
+            <a:pPr>
+              <a:buNone/>
+            </a:pPr>
+            <a:r>
+              <a:rPr lang="en-US" altLang="zh-CN" sz="2000" dirty="0" smtClean="0">
+                <a:solidFill>
+                  <a:srgbClr val="C00000"/>
+                </a:solidFill>
+                <a:latin typeface="Consolas" pitchFamily="49" charset="0"/>
+                <a:cs typeface="Consolas" pitchFamily="49" charset="0"/>
+              </a:rPr>
+              <a:t>$ echo 'version 1' &gt; test.txt &amp;&amp; </a:t>
+            </a:r>
+            <a:r>
+              <a:rPr lang="en-US" altLang="zh-CN" sz="2000" dirty="0" err="1" smtClean="0">
+                <a:solidFill>
+                  <a:srgbClr val="C00000"/>
+                </a:solidFill>
+                <a:latin typeface="Consolas" pitchFamily="49" charset="0"/>
+                <a:cs typeface="Consolas" pitchFamily="49" charset="0"/>
+              </a:rPr>
+              <a:t>git</a:t>
+            </a:r>
+            <a:r>
+              <a:rPr lang="en-US" altLang="zh-CN" sz="2000" dirty="0" smtClean="0">
+                <a:solidFill>
+                  <a:srgbClr val="C00000"/>
+                </a:solidFill>
+                <a:latin typeface="Consolas" pitchFamily="49" charset="0"/>
+                <a:cs typeface="Consolas" pitchFamily="49" charset="0"/>
+              </a:rPr>
+              <a:t> hash-object -w test.txt</a:t>
+            </a:r>
+          </a:p>
+          <a:p>
+            <a:pPr>
+              <a:buNone/>
+            </a:pPr>
+            <a:r>
+              <a:rPr lang="en-US" altLang="zh-CN" sz="2000" dirty="0" smtClean="0">
+                <a:solidFill>
+                  <a:srgbClr val="C00000"/>
+                </a:solidFill>
+                <a:latin typeface="Consolas" pitchFamily="49" charset="0"/>
+                <a:cs typeface="Consolas" pitchFamily="49" charset="0"/>
+              </a:rPr>
+              <a:t>$ echo 'version 2' &gt; test.txt &amp;&amp; </a:t>
+            </a:r>
+            <a:r>
+              <a:rPr lang="en-US" altLang="zh-CN" sz="2000" dirty="0" err="1" smtClean="0">
+                <a:solidFill>
+                  <a:srgbClr val="C00000"/>
+                </a:solidFill>
+                <a:latin typeface="Consolas" pitchFamily="49" charset="0"/>
+                <a:cs typeface="Consolas" pitchFamily="49" charset="0"/>
+              </a:rPr>
+              <a:t>git</a:t>
+            </a:r>
+            <a:r>
+              <a:rPr lang="en-US" altLang="zh-CN" sz="2000" dirty="0" smtClean="0">
+                <a:solidFill>
+                  <a:srgbClr val="C00000"/>
+                </a:solidFill>
+                <a:latin typeface="Consolas" pitchFamily="49" charset="0"/>
+                <a:cs typeface="Consolas" pitchFamily="49" charset="0"/>
+              </a:rPr>
+              <a:t> hash-object -w test.txt</a:t>
+            </a:r>
+          </a:p>
+        </p:txBody>
+      </p:sp>
+      <p:sp>
+        <p:nvSpPr>
+          <p:cNvPr id="2" name="标题 1"/>
+          <p:cNvSpPr>
+            <a:spLocks noGrp="1"/>
+          </p:cNvSpPr>
+          <p:nvPr>
+            <p:ph type="title"/>
           </p:nvPr>
         </p:nvSpPr>
         <p:spPr/>
@@ -3227,7 +5012,11 @@
           <a:bodyPr/>
           <a:lstStyle/>
           <a:p>
-            <a:endParaRPr lang="zh-CN" altLang="en-US"/>
+            <a:r>
+              <a:rPr lang="en-US" altLang="zh-CN" dirty="0" smtClean="0"/>
+              <a:t>Blob Object</a:t>
+            </a:r>
+            <a:endParaRPr lang="zh-CN" altLang="en-US" dirty="0"/>
           </a:p>
         </p:txBody>
       </p:sp>
@@ -3236,6 +5025,13 @@
   <p:clrMapOvr>
     <a:masterClrMapping/>
   </p:clrMapOvr>
+  <p:timing>
+    <p:tnLst>
+      <p:par>
+        <p:cTn id="1" dur="indefinite" restart="never" nodeType="tmRoot"/>
+      </p:par>
+    </p:tnLst>
+  </p:timing>
 </p:sld>
 </file>
 
@@ -3258,12 +5054,12 @@
       </p:grpSpPr>
       <p:sp>
         <p:nvSpPr>
-          <p:cNvPr id="2" name="标题 1"/>
-          <p:cNvSpPr>
-            <a:spLocks noGrp="1"/>
-          </p:cNvSpPr>
-          <p:nvPr>
-            <p:ph type="title"/>
+          <p:cNvPr id="3" name="内容占位符 2"/>
+          <p:cNvSpPr>
+            <a:spLocks noGrp="1"/>
+          </p:cNvSpPr>
+          <p:nvPr>
+            <p:ph idx="1"/>
           </p:nvPr>
         </p:nvSpPr>
         <p:spPr/>
@@ -3275,18 +5071,51 @@
               <a:rPr lang="en-US" altLang="zh-CN" dirty="0" smtClean="0"/>
               <a:t>Tree Object</a:t>
             </a:r>
+            <a:r>
+              <a:rPr lang="zh-CN" altLang="en-US" dirty="0" smtClean="0"/>
+              <a:t>存储文件名，权限模式，类型等信息</a:t>
+            </a:r>
+            <a:endParaRPr lang="en-US" altLang="zh-CN" dirty="0" smtClean="0"/>
+          </a:p>
+          <a:p>
+            <a:r>
+              <a:rPr lang="zh-CN" altLang="en-US" dirty="0" smtClean="0"/>
+              <a:t>包含指向</a:t>
+            </a:r>
+            <a:r>
+              <a:rPr lang="en-US" altLang="zh-CN" dirty="0" smtClean="0"/>
+              <a:t>Blob Object</a:t>
+            </a:r>
+            <a:r>
+              <a:rPr lang="zh-CN" altLang="en-US" dirty="0" smtClean="0"/>
+              <a:t>和</a:t>
+            </a:r>
+            <a:r>
+              <a:rPr lang="en-US" altLang="zh-CN" dirty="0" smtClean="0"/>
+              <a:t>Sub Tree Object</a:t>
+            </a:r>
+            <a:r>
+              <a:rPr lang="zh-CN" altLang="en-US" dirty="0" smtClean="0"/>
+              <a:t>的指针</a:t>
+            </a:r>
+            <a:endParaRPr lang="en-US" altLang="zh-CN" dirty="0" smtClean="0"/>
+          </a:p>
+          <a:p>
+            <a:pPr>
+              <a:buNone/>
+            </a:pPr>
             <a:endParaRPr lang="zh-CN" altLang="en-US" dirty="0"/>
           </a:p>
         </p:txBody>
       </p:sp>
       <p:sp>
         <p:nvSpPr>
-          <p:cNvPr id="3" name="内容占位符 2"/>
-          <p:cNvSpPr>
-            <a:spLocks noGrp="1"/>
-          </p:cNvSpPr>
-          <p:nvPr>
-            <p:ph idx="1"/>
+          <p:cNvPr id="2" name="标题 1"/>
+          <p:cNvSpPr>
+            <a:spLocks noGrp="1"/>
+          </p:cNvSpPr>
+          <p:nvPr>
+            <p:ph type="title"/>
           </p:nvPr>
         </p:nvSpPr>
         <p:spPr/>
@@ -3294,15 +5123,50 @@
           <a:bodyPr/>
           <a:lstStyle/>
           <a:p>
-            <a:endParaRPr lang="zh-CN" altLang="en-US"/>
-          </a:p>
-        </p:txBody>
-      </p:sp>
+            <a:r>
+              <a:rPr lang="en-US" altLang="zh-CN" dirty="0" smtClean="0"/>
+              <a:t>Tree Object</a:t>
+            </a:r>
+            <a:endParaRPr lang="zh-CN" altLang="en-US" dirty="0"/>
+          </a:p>
+        </p:txBody>
+      </p:sp>
+      <p:pic>
+        <p:nvPicPr>
+          <p:cNvPr id="4" name="图片 3" descr="tree.png"/>
+          <p:cNvPicPr>
+            <a:picLocks noChangeAspect="1"/>
+          </p:cNvPicPr>
+          <p:nvPr/>
+        </p:nvPicPr>
+        <p:blipFill>
+          <a:blip r:embed="rId2" cstate="print"/>
+          <a:stretch>
+            <a:fillRect/>
+          </a:stretch>
+        </p:blipFill>
+        <p:spPr>
+          <a:xfrm>
+            <a:off x="1907704" y="2564904"/>
+            <a:ext cx="5112568" cy="3425421"/>
+          </a:xfrm>
+          <a:prstGeom prst="rect">
+            <a:avLst/>
+          </a:prstGeom>
+        </p:spPr>
+      </p:pic>
     </p:spTree>
   </p:cSld>
   <p:clrMapOvr>
     <a:masterClrMapping/>
   </p:clrMapOvr>
+  <p:timing>
+    <p:tnLst>
+      <p:par>
+        <p:cTn id="1" dur="indefinite" restart="never" nodeType="tmRoot"/>
+      </p:par>
+    </p:tnLst>
+  </p:timing>
 </p:sld>
 </file>
 
@@ -3325,12 +5189,12 @@
       </p:grpSpPr>
       <p:sp>
         <p:nvSpPr>
-          <p:cNvPr id="2" name="标题 1"/>
-          <p:cNvSpPr>
-            <a:spLocks noGrp="1"/>
-          </p:cNvSpPr>
-          <p:nvPr>
-            <p:ph type="title"/>
+          <p:cNvPr id="3" name="内容占位符 2"/>
+          <p:cNvSpPr>
+            <a:spLocks noGrp="1"/>
+          </p:cNvSpPr>
+          <p:nvPr>
+            <p:ph idx="1"/>
           </p:nvPr>
         </p:nvSpPr>
         <p:spPr/>
@@ -3338,30 +5202,30 @@
           <a:bodyPr/>
           <a:lstStyle/>
           <a:p>
+            <a:endParaRPr lang="zh-CN" altLang="en-US"/>
+          </a:p>
+        </p:txBody>
+      </p:sp>
+      <p:sp>
+        <p:nvSpPr>
+          <p:cNvPr id="2" name="标题 1"/>
+          <p:cNvSpPr>
+            <a:spLocks noGrp="1"/>
+          </p:cNvSpPr>
+          <p:nvPr>
+            <p:ph type="title"/>
+          </p:nvPr>
+        </p:nvSpPr>
+        <p:spPr/>
+        <p:txBody>
+          <a:bodyPr/>
+          <a:lstStyle/>
+          <a:p>
             <a:r>
               <a:rPr lang="en-US" altLang="zh-CN" dirty="0" smtClean="0"/>
               <a:t>Commit Object</a:t>
             </a:r>
             <a:endParaRPr lang="zh-CN" altLang="en-US" dirty="0"/>
-          </a:p>
-        </p:txBody>
-      </p:sp>
-      <p:sp>
-        <p:nvSpPr>
-          <p:cNvPr id="3" name="内容占位符 2"/>
-          <p:cNvSpPr>
-            <a:spLocks noGrp="1"/>
-          </p:cNvSpPr>
-          <p:nvPr>
-            <p:ph idx="1"/>
-          </p:nvPr>
-        </p:nvSpPr>
-        <p:spPr/>
-        <p:txBody>
-          <a:bodyPr/>
-          <a:lstStyle/>
-          <a:p>
-            <a:endParaRPr lang="zh-CN" altLang="en-US"/>
           </a:p>
         </p:txBody>
       </p:sp>
@@ -3370,6 +5234,13 @@
   <p:clrMapOvr>
     <a:masterClrMapping/>
   </p:clrMapOvr>
+  <p:timing>
+    <p:tnLst>
+      <p:par>
+        <p:cTn id="1" dur="indefinite" restart="never" nodeType="tmRoot"/>
+      </p:par>
+    </p:tnLst>
+  </p:timing>
 </p:sld>
 </file>
 
@@ -3392,6 +5263,25 @@
       </p:grpSpPr>
       <p:sp>
         <p:nvSpPr>
+          <p:cNvPr id="3" name="内容占位符 2"/>
+          <p:cNvSpPr>
+            <a:spLocks noGrp="1"/>
+          </p:cNvSpPr>
+          <p:nvPr>
+            <p:ph idx="1"/>
+          </p:nvPr>
+        </p:nvSpPr>
+        <p:spPr/>
+        <p:txBody>
+          <a:bodyPr/>
+          <a:lstStyle/>
+          <a:p>
+            <a:endParaRPr lang="zh-CN" altLang="en-US" dirty="0"/>
+          </a:p>
+        </p:txBody>
+      </p:sp>
+      <p:sp>
+        <p:nvSpPr>
           <p:cNvPr id="2" name="标题 1"/>
           <p:cNvSpPr>
             <a:spLocks noGrp="1"/>
@@ -3411,25 +5301,6 @@
               <a:rPr lang="en-US" altLang="zh-CN" dirty="0" smtClean="0"/>
               <a:t>Tag Object</a:t>
             </a:r>
-            <a:endParaRPr lang="zh-CN" altLang="en-US" dirty="0"/>
-          </a:p>
-        </p:txBody>
-      </p:sp>
-      <p:sp>
-        <p:nvSpPr>
-          <p:cNvPr id="3" name="内容占位符 2"/>
-          <p:cNvSpPr>
-            <a:spLocks noGrp="1"/>
-          </p:cNvSpPr>
-          <p:nvPr>
-            <p:ph idx="1"/>
-          </p:nvPr>
-        </p:nvSpPr>
-        <p:spPr/>
-        <p:txBody>
-          <a:bodyPr/>
-          <a:lstStyle/>
-          <a:p>
             <a:endParaRPr lang="zh-CN" altLang="en-US" dirty="0"/>
           </a:p>
         </p:txBody>
@@ -3439,6 +5310,13 @@
   <p:clrMapOvr>
     <a:masterClrMapping/>
   </p:clrMapOvr>
+  <p:timing>
+    <p:tnLst>
+      <p:par>
+        <p:cTn id="1" dur="indefinite" restart="never" nodeType="tmRoot"/>
+      </p:par>
+    </p:tnLst>
+  </p:timing>
 </p:sld>
 </file>
 
@@ -3461,12 +5339,12 @@
       </p:grpSpPr>
       <p:sp>
         <p:nvSpPr>
-          <p:cNvPr id="2" name="标题 1"/>
-          <p:cNvSpPr>
-            <a:spLocks noGrp="1"/>
-          </p:cNvSpPr>
-          <p:nvPr>
-            <p:ph type="title"/>
+          <p:cNvPr id="3" name="内容占位符 2"/>
+          <p:cNvSpPr>
+            <a:spLocks noGrp="1"/>
+          </p:cNvSpPr>
+          <p:nvPr>
+            <p:ph idx="1"/>
           </p:nvPr>
         </p:nvSpPr>
         <p:spPr/>
@@ -3474,29 +5352,29 @@
           <a:bodyPr/>
           <a:lstStyle/>
           <a:p>
+            <a:endParaRPr lang="zh-CN" altLang="en-US" dirty="0"/>
+          </a:p>
+        </p:txBody>
+      </p:sp>
+      <p:sp>
+        <p:nvSpPr>
+          <p:cNvPr id="2" name="标题 1"/>
+          <p:cNvSpPr>
+            <a:spLocks noGrp="1"/>
+          </p:cNvSpPr>
+          <p:nvPr>
+            <p:ph type="title"/>
+          </p:nvPr>
+        </p:nvSpPr>
+        <p:spPr/>
+        <p:txBody>
+          <a:bodyPr/>
+          <a:lstStyle/>
+          <a:p>
             <a:r>
               <a:rPr lang="en-US" altLang="zh-CN" dirty="0" smtClean="0"/>
               <a:t>refs</a:t>
             </a:r>
-            <a:endParaRPr lang="zh-CN" altLang="en-US" dirty="0"/>
-          </a:p>
-        </p:txBody>
-      </p:sp>
-      <p:sp>
-        <p:nvSpPr>
-          <p:cNvPr id="3" name="内容占位符 2"/>
-          <p:cNvSpPr>
-            <a:spLocks noGrp="1"/>
-          </p:cNvSpPr>
-          <p:nvPr>
-            <p:ph idx="1"/>
-          </p:nvPr>
-        </p:nvSpPr>
-        <p:spPr/>
-        <p:txBody>
-          <a:bodyPr/>
-          <a:lstStyle/>
-          <a:p>
             <a:endParaRPr lang="zh-CN" altLang="en-US" dirty="0"/>
           </a:p>
         </p:txBody>
@@ -3506,13 +5384,20 @@
   <p:clrMapOvr>
     <a:masterClrMapping/>
   </p:clrMapOvr>
+  <p:timing>
+    <p:tnLst>
+      <p:par>
+        <p:cTn id="1" dur="indefinite" restart="never" nodeType="tmRoot"/>
+      </p:par>
+    </p:tnLst>
+  </p:timing>
 </p:sld>
 </file>
 
 <file path=ppt/theme/theme1.xml><?xml version="1.0" encoding="utf-8"?>
-<a:theme xmlns:a="http://schemas.openxmlformats.org/drawingml/2006/main" name="Office 主题">
+<a:theme xmlns:a="http://schemas.openxmlformats.org/drawingml/2006/main" name="聚合">
   <a:themeElements>
-    <a:clrScheme name="Office">
+    <a:clrScheme name="聚合">
       <a:dk1>
         <a:sysClr val="windowText" lastClr="000000"/>
       </a:dk1>
@@ -3520,79 +5405,45 @@
         <a:sysClr val="window" lastClr="FFFFFF"/>
       </a:lt1>
       <a:dk2>
-        <a:srgbClr val="1F497D"/>
+        <a:srgbClr val="464646"/>
       </a:dk2>
       <a:lt2>
-        <a:srgbClr val="EEECE1"/>
+        <a:srgbClr val="DEF5FA"/>
       </a:lt2>
       <a:accent1>
-        <a:srgbClr val="4F81BD"/>
+        <a:srgbClr val="2DA2BF"/>
       </a:accent1>
       <a:accent2>
-        <a:srgbClr val="C0504D"/>
+        <a:srgbClr val="DA1F28"/>
       </a:accent2>
       <a:accent3>
-        <a:srgbClr val="9BBB59"/>
+        <a:srgbClr val="EB641B"/>
       </a:accent3>
       <a:accent4>
-        <a:srgbClr val="8064A2"/>
+        <a:srgbClr val="39639D"/>
       </a:accent4>
       <a:accent5>
-        <a:srgbClr val="4BACC6"/>
+        <a:srgbClr val="474B78"/>
       </a:accent5>
       <a:accent6>
-        <a:srgbClr val="F79646"/>
+        <a:srgbClr val="7D3C4A"/>
       </a:accent6>
       <a:hlink>
-        <a:srgbClr val="0000FF"/>
+        <a:srgbClr val="FF8119"/>
       </a:hlink>
       <a:folHlink>
-        <a:srgbClr val="800080"/>
+        <a:srgbClr val="44B9E8"/>
       </a:folHlink>
     </a:clrScheme>
-    <a:fontScheme name="Office">
+    <a:fontScheme name="聚合">
       <a:majorFont>
-        <a:latin typeface="Calibri"/>
+        <a:latin typeface="Lucida Sans Unicode"/>
         <a:ea typeface=""/>
         <a:cs typeface=""/>
         <a:font script="Jpan" typeface="ＭＳ Ｐゴシック"/>
         <a:font script="Hang" typeface="맑은 고딕"/>
-        <a:font script="Hans" typeface="宋体"/>
-        <a:font script="Hant" typeface="新細明體"/>
-        <a:font script="Arab" typeface="Times New Roman"/>
-        <a:font script="Hebr" typeface="Times New Roman"/>
-        <a:font script="Thai" typeface="Angsana New"/>
-        <a:font script="Ethi" typeface="Nyala"/>
-        <a:font script="Beng" typeface="Vrinda"/>
-        <a:font script="Gujr" typeface="Shruti"/>
-        <a:font script="Khmr" typeface="MoolBoran"/>
-        <a:font script="Knda" typeface="Tunga"/>
-        <a:font script="Guru" typeface="Raavi"/>
-        <a:font script="Cans" typeface="Euphemia"/>
-        <a:font script="Cher" typeface="Plantagenet Cherokee"/>
-        <a:font script="Yiii" typeface="Microsoft Yi Baiti"/>
-        <a:font script="Tibt" typeface="Microsoft Himalaya"/>
-        <a:font script="Thaa" typeface="MV Boli"/>
-        <a:font script="Deva" typeface="Mangal"/>
-        <a:font script="Telu" typeface="Gautami"/>
-        <a:font script="Taml" typeface="Latha"/>
-        <a:font script="Syrc" typeface="Estrangelo Edessa"/>
-        <a:font script="Orya" typeface="Kalinga"/>
-        <a:font script="Mlym" typeface="Kartika"/>
-        <a:font script="Laoo" typeface="DokChampa"/>
-        <a:font script="Sinh" typeface="Iskoola Pota"/>
-        <a:font script="Mong" typeface="Mongolian Baiti"/>
-        <a:font script="Viet" typeface="Times New Roman"/>
-        <a:font script="Uigh" typeface="Microsoft Uighur"/>
-      </a:majorFont>
-      <a:minorFont>
-        <a:latin typeface="Calibri"/>
-        <a:ea typeface=""/>
-        <a:cs typeface=""/>
-        <a:font script="Jpan" typeface="ＭＳ Ｐゴシック"/>
-        <a:font script="Hang" typeface="맑은 고딕"/>
-        <a:font script="Hans" typeface="宋体"/>
-        <a:font script="Hant" typeface="新細明體"/>
+        <a:font script="Hans" typeface="黑体"/>
+        <a:font script="Hant" typeface="微軟正黑體"/>
         <a:font script="Arab" typeface="Arial"/>
         <a:font script="Hebr" typeface="Arial"/>
         <a:font script="Thai" typeface="Cordia New"/>
@@ -3616,11 +5467,43 @@
         <a:font script="Laoo" typeface="DokChampa"/>
         <a:font script="Sinh" typeface="Iskoola Pota"/>
         <a:font script="Mong" typeface="Mongolian Baiti"/>
-        <a:font script="Viet" typeface="Arial"/>
+        <a:font script="Uigh" typeface="Microsoft Uighur"/>
+      </a:majorFont>
+      <a:minorFont>
+        <a:latin typeface="Lucida Sans Unicode"/>
+        <a:ea typeface=""/>
+        <a:cs typeface=""/>
+        <a:font script="Jpan" typeface="ＭＳ Ｐゴシック"/>
+        <a:font script="Hang" typeface="맑은 고딕"/>
+        <a:font script="Hans" typeface="黑体"/>
+        <a:font script="Hant" typeface="微軟正黑體"/>
+        <a:font script="Arab" typeface="Arial"/>
+        <a:font script="Hebr" typeface="Arial"/>
+        <a:font script="Thai" typeface="Cordia New"/>
+        <a:font script="Ethi" typeface="Nyala"/>
+        <a:font script="Beng" typeface="Vrinda"/>
+        <a:font script="Gujr" typeface="Shruti"/>
+        <a:font script="Khmr" typeface="DaunPenh"/>
+        <a:font script="Knda" typeface="Tunga"/>
+        <a:font script="Guru" typeface="Raavi"/>
+        <a:font script="Cans" typeface="Euphemia"/>
+        <a:font script="Cher" typeface="Plantagenet Cherokee"/>
+        <a:font script="Yiii" typeface="Microsoft Yi Baiti"/>
+        <a:font script="Tibt" typeface="Microsoft Himalaya"/>
+        <a:font script="Thaa" typeface="MV Boli"/>
+        <a:font script="Deva" typeface="Mangal"/>
+        <a:font script="Telu" typeface="Gautami"/>
+        <a:font script="Taml" typeface="Latha"/>
+        <a:font script="Syrc" typeface="Estrangelo Edessa"/>
+        <a:font script="Orya" typeface="Kalinga"/>
+        <a:font script="Mlym" typeface="Kartika"/>
+        <a:font script="Laoo" typeface="DokChampa"/>
+        <a:font script="Sinh" typeface="Iskoola Pota"/>
+        <a:font script="Mong" typeface="Mongolian Baiti"/>
         <a:font script="Uigh" typeface="Microsoft Uighur"/>
       </a:minorFont>
     </a:fontScheme>
-    <a:fmtScheme name="Office">
+    <a:fmtScheme name="聚合">
       <a:fillStyleLst>
         <a:solidFill>
           <a:schemeClr val="phClr"/>
@@ -3629,43 +5512,51 @@
           <a:gsLst>
             <a:gs pos="0">
               <a:schemeClr val="phClr">
-                <a:tint val="50000"/>
-                <a:satMod val="300000"/>
+                <a:tint val="62000"/>
+                <a:satMod val="180000"/>
               </a:schemeClr>
             </a:gs>
-            <a:gs pos="35000">
+            <a:gs pos="65000">
               <a:schemeClr val="phClr">
-                <a:tint val="37000"/>
-                <a:satMod val="300000"/>
+                <a:tint val="32000"/>
+                <a:satMod val="250000"/>
               </a:schemeClr>
             </a:gs>
             <a:gs pos="100000">
               <a:schemeClr val="phClr">
-                <a:tint val="15000"/>
-                <a:satMod val="350000"/>
+                <a:tint val="23000"/>
+                <a:satMod val="300000"/>
               </a:schemeClr>
             </a:gs>
           </a:gsLst>
-          <a:lin ang="16200000" scaled="1"/>
+          <a:lin ang="16200000" scaled="0"/>
         </a:gradFill>
         <a:gradFill rotWithShape="1">
           <a:gsLst>
             <a:gs pos="0">
               <a:schemeClr val="phClr">
-                <a:shade val="51000"/>
-                <a:satMod val="130000"/>
+                <a:shade val="15000"/>
+                <a:satMod val="180000"/>
               </a:schemeClr>
             </a:gs>
-            <a:gs pos="80000">
+            <a:gs pos="50000">
               <a:schemeClr val="phClr">
-                <a:shade val="93000"/>
-                <a:satMod val="130000"/>
+                <a:shade val="45000"/>
+                <a:satMod val="170000"/>
+              </a:schemeClr>
+            </a:gs>
+            <a:gs pos="70000">
+              <a:schemeClr val="phClr">
+                <a:tint val="99000"/>
+                <a:shade val="65000"/>
+                <a:satMod val="155000"/>
               </a:schemeClr>
             </a:gs>
             <a:gs pos="100000">
               <a:schemeClr val="phClr">
-                <a:shade val="94000"/>
-                <a:satMod val="135000"/>
+                <a:tint val="95500"/>
+                <a:shade val="100000"/>
+                <a:satMod val="155000"/>
               </a:schemeClr>
             </a:gs>
           </a:gsLst>
@@ -3675,20 +5566,17 @@
       <a:lnStyleLst>
         <a:ln w="9525" cap="flat" cmpd="sng" algn="ctr">
           <a:solidFill>
-            <a:schemeClr val="phClr">
-              <a:shade val="95000"/>
-              <a:satMod val="105000"/>
-            </a:schemeClr>
+            <a:schemeClr val="phClr"/>
           </a:solidFill>
           <a:prstDash val="solid"/>
         </a:ln>
-        <a:ln w="25400" cap="flat" cmpd="sng" algn="ctr">
+        <a:ln w="55000" cap="flat" cmpd="thickThin" algn="ctr">
           <a:solidFill>
             <a:schemeClr val="phClr"/>
           </a:solidFill>
           <a:prstDash val="solid"/>
         </a:ln>
-        <a:ln w="38100" cap="flat" cmpd="sng" algn="ctr">
+        <a:ln w="63500" cap="flat" cmpd="thickThin" algn="ctr">
           <a:solidFill>
             <a:schemeClr val="phClr"/>
           </a:solidFill>
@@ -3698,16 +5586,7 @@
       <a:effectStyleLst>
         <a:effectStyle>
           <a:effectLst>
-            <a:outerShdw blurRad="40000" dist="20000" dir="5400000" rotWithShape="0">
-              <a:srgbClr val="000000">
-                <a:alpha val="38000"/>
-              </a:srgbClr>
-            </a:outerShdw>
-          </a:effectLst>
-        </a:effectStyle>
-        <a:effectStyle>
-          <a:effectLst>
-            <a:outerShdw blurRad="40000" dist="23000" dir="5400000" rotWithShape="0">
+            <a:outerShdw blurRad="50800" dist="38100" dir="5400000" rotWithShape="0">
               <a:srgbClr val="000000">
                 <a:alpha val="35000"/>
               </a:srgbClr>
@@ -3716,22 +5595,36 @@
         </a:effectStyle>
         <a:effectStyle>
           <a:effectLst>
-            <a:outerShdw blurRad="40000" dist="23000" dir="5400000" rotWithShape="0">
+            <a:outerShdw blurRad="50800" dist="38100" dir="5400000" rotWithShape="0">
               <a:srgbClr val="000000">
                 <a:alpha val="35000"/>
               </a:srgbClr>
             </a:outerShdw>
           </a:effectLst>
+        </a:effectStyle>
+        <a:effectStyle>
+          <a:effectLst>
+            <a:outerShdw blurRad="63500" dist="38100" dir="5400000" rotWithShape="0">
+              <a:srgbClr val="000000">
+                <a:alpha val="45000"/>
+              </a:srgbClr>
+            </a:outerShdw>
+          </a:effectLst>
           <a:scene3d>
-            <a:camera prst="orthographicFront">
+            <a:camera prst="orthographicFront" fov="0">
               <a:rot lat="0" lon="0" rev="0"/>
             </a:camera>
-            <a:lightRig rig="threePt" dir="t">
-              <a:rot lat="0" lon="0" rev="1200000"/>
+            <a:lightRig rig="glow" dir="t">
+              <a:rot lat="0" lon="0" rev="6360000"/>
             </a:lightRig>
           </a:scene3d>
-          <a:sp3d>
-            <a:bevelT w="63500" h="25400"/>
+          <a:sp3d contourW="1000" prstMaterial="flat">
+            <a:bevelT w="95250" h="101600"/>
+            <a:contourClr>
+              <a:schemeClr val="phClr">
+                <a:satMod val="300000"/>
+              </a:schemeClr>
+            </a:contourClr>
           </a:sp3d>
         </a:effectStyle>
       </a:effectStyleLst>
@@ -3743,47 +5636,41 @@
           <a:gsLst>
             <a:gs pos="0">
               <a:schemeClr val="phClr">
-                <a:tint val="40000"/>
-                <a:satMod val="350000"/>
+                <a:tint val="55000"/>
+                <a:satMod val="300000"/>
               </a:schemeClr>
             </a:gs>
             <a:gs pos="40000">
               <a:schemeClr val="phClr">
-                <a:tint val="45000"/>
-                <a:shade val="99000"/>
-                <a:satMod val="350000"/>
-              </a:schemeClr>
-            </a:gs>
-            <a:gs pos="100000">
-              <a:schemeClr val="phClr">
-                <a:shade val="20000"/>
-                <a:satMod val="255000"/>
-              </a:schemeClr>
-            </a:gs>
-          </a:gsLst>
-          <a:path path="circle">
-            <a:fillToRect l="50000" t="-80000" r="50000" b="180000"/>
-          </a:path>
-        </a:gradFill>
-        <a:gradFill rotWithShape="1">
-          <a:gsLst>
-            <a:gs pos="0">
-              <a:schemeClr val="phClr">
-                <a:tint val="80000"/>
+                <a:tint val="65000"/>
                 <a:satMod val="300000"/>
               </a:schemeClr>
             </a:gs>
             <a:gs pos="100000">
               <a:schemeClr val="phClr">
-                <a:shade val="30000"/>
-                <a:satMod val="200000"/>
+                <a:shade val="65000"/>
+                <a:satMod val="300000"/>
               </a:schemeClr>
             </a:gs>
           </a:gsLst>
           <a:path path="circle">
-            <a:fillToRect l="50000" t="50000" r="50000" b="50000"/>
+            <a:fillToRect l="65000" b="98000"/>
           </a:path>
         </a:gradFill>
+        <a:blipFill>
+          <a:blip xmlns:r="http://schemas.openxmlformats.org/officeDocument/2006/relationships" r:embed="rId1">
+            <a:duotone>
+              <a:schemeClr val="phClr">
+                <a:shade val="60000"/>
+                <a:satMod val="110000"/>
+              </a:schemeClr>
+              <a:schemeClr val="phClr">
+                <a:tint val="95000"/>
+              </a:schemeClr>
+            </a:duotone>
+          </a:blip>
+          <a:tile tx="0" ty="0" sx="50000" sy="50000" flip="none" algn="tl"/>
+        </a:blipFill>
       </a:bgFillStyleLst>
     </a:fmtScheme>
   </a:themeElements>

--- a/ppt/Git.pptx
+++ b/ppt/Git.pptx
@@ -9,9 +9,17 @@
     <p:sldId id="257" r:id="rId3"/>
     <p:sldId id="258" r:id="rId4"/>
     <p:sldId id="259" r:id="rId5"/>
-    <p:sldId id="260" r:id="rId6"/>
-    <p:sldId id="261" r:id="rId7"/>
-    <p:sldId id="262" r:id="rId8"/>
+    <p:sldId id="263" r:id="rId6"/>
+    <p:sldId id="264" r:id="rId7"/>
+    <p:sldId id="265" r:id="rId8"/>
+    <p:sldId id="260" r:id="rId9"/>
+    <p:sldId id="266" r:id="rId10"/>
+    <p:sldId id="267" r:id="rId11"/>
+    <p:sldId id="261" r:id="rId12"/>
+    <p:sldId id="262" r:id="rId13"/>
+    <p:sldId id="268" r:id="rId14"/>
+    <p:sldId id="269" r:id="rId15"/>
+    <p:sldId id="270" r:id="rId16"/>
   </p:sldIdLst>
   <p:sldSz cx="9144000" cy="6858000" type="screen4x3"/>
   <p:notesSz cx="6858000" cy="9144000"/>
@@ -4650,6 +4658,1021 @@
 </p:sld>
 </file>
 
+<file path=ppt/slides/slide10.xml><?xml version="1.0" encoding="utf-8"?>
+<p:sld xmlns:a="http://schemas.openxmlformats.org/drawingml/2006/main" xmlns:r="http://schemas.openxmlformats.org/officeDocument/2006/relationships" xmlns:p="http://schemas.openxmlformats.org/presentationml/2006/main">
+  <p:cSld>
+    <p:spTree>
+      <p:nvGrpSpPr>
+        <p:cNvPr id="1" name=""/>
+        <p:cNvGrpSpPr/>
+        <p:nvPr/>
+      </p:nvGrpSpPr>
+      <p:grpSpPr>
+        <a:xfrm>
+          <a:off x="0" y="0"/>
+          <a:ext cx="0" cy="0"/>
+          <a:chOff x="0" y="0"/>
+          <a:chExt cx="0" cy="0"/>
+        </a:xfrm>
+      </p:grpSpPr>
+      <p:pic>
+        <p:nvPicPr>
+          <p:cNvPr id="4" name="内容占位符 3" descr="commit.png"/>
+          <p:cNvPicPr>
+            <a:picLocks noGrp="1" noChangeAspect="1"/>
+          </p:cNvPicPr>
+          <p:nvPr>
+            <p:ph idx="1"/>
+          </p:nvPr>
+        </p:nvPicPr>
+        <p:blipFill>
+          <a:blip r:embed="rId2" cstate="print"/>
+          <a:stretch>
+            <a:fillRect/>
+          </a:stretch>
+        </p:blipFill>
+        <p:spPr>
+          <a:xfrm>
+            <a:off x="1259632" y="1124744"/>
+            <a:ext cx="7056784" cy="5052658"/>
+          </a:xfrm>
+        </p:spPr>
+      </p:pic>
+      <p:sp>
+        <p:nvSpPr>
+          <p:cNvPr id="3" name="标题 2"/>
+          <p:cNvSpPr>
+            <a:spLocks noGrp="1"/>
+          </p:cNvSpPr>
+          <p:nvPr>
+            <p:ph type="title"/>
+          </p:nvPr>
+        </p:nvSpPr>
+        <p:spPr/>
+        <p:txBody>
+          <a:bodyPr/>
+          <a:lstStyle/>
+          <a:p>
+            <a:r>
+              <a:rPr lang="en-US" altLang="zh-CN" dirty="0" smtClean="0"/>
+              <a:t>Commit, Tree, Blob</a:t>
+            </a:r>
+            <a:r>
+              <a:rPr lang="zh-CN" altLang="en-US" dirty="0" smtClean="0"/>
+              <a:t>之间的关系</a:t>
+            </a:r>
+            <a:endParaRPr lang="zh-CN" altLang="en-US" dirty="0"/>
+          </a:p>
+        </p:txBody>
+      </p:sp>
+    </p:spTree>
+  </p:cSld>
+  <p:clrMapOvr>
+    <a:masterClrMapping/>
+  </p:clrMapOvr>
+</p:sld>
+</file>
+
+<file path=ppt/slides/slide11.xml><?xml version="1.0" encoding="utf-8"?>
+<p:sld xmlns:a="http://schemas.openxmlformats.org/drawingml/2006/main" xmlns:r="http://schemas.openxmlformats.org/officeDocument/2006/relationships" xmlns:p="http://schemas.openxmlformats.org/presentationml/2006/main">
+  <p:cSld>
+    <p:spTree>
+      <p:nvGrpSpPr>
+        <p:cNvPr id="1" name=""/>
+        <p:cNvGrpSpPr/>
+        <p:nvPr/>
+      </p:nvGrpSpPr>
+      <p:grpSpPr>
+        <a:xfrm>
+          <a:off x="0" y="0"/>
+          <a:ext cx="0" cy="0"/>
+          <a:chOff x="0" y="0"/>
+          <a:chExt cx="0" cy="0"/>
+        </a:xfrm>
+      </p:grpSpPr>
+      <p:sp>
+        <p:nvSpPr>
+          <p:cNvPr id="3" name="内容占位符 2"/>
+          <p:cNvSpPr>
+            <a:spLocks noGrp="1"/>
+          </p:cNvSpPr>
+          <p:nvPr>
+            <p:ph idx="1"/>
+          </p:nvPr>
+        </p:nvSpPr>
+        <p:spPr>
+          <a:xfrm>
+            <a:off x="457200" y="1481328"/>
+            <a:ext cx="8229600" cy="4539960"/>
+          </a:xfrm>
+        </p:spPr>
+        <p:txBody>
+          <a:bodyPr>
+            <a:normAutofit/>
+          </a:bodyPr>
+          <a:lstStyle/>
+          <a:p>
+            <a:r>
+              <a:rPr lang="zh-CN" altLang="en-US" dirty="0" smtClean="0"/>
+              <a:t>所有的</a:t>
+            </a:r>
+            <a:r>
+              <a:rPr lang="en-US" altLang="zh-CN" dirty="0" smtClean="0"/>
+              <a:t>Object</a:t>
+            </a:r>
+            <a:r>
+              <a:rPr lang="zh-CN" altLang="en-US" dirty="0" smtClean="0"/>
+              <a:t>都是不可修改的</a:t>
+            </a:r>
+            <a:r>
+              <a:rPr lang="en-US" altLang="zh-CN" dirty="0" smtClean="0"/>
+              <a:t>(Immutable)</a:t>
+            </a:r>
+          </a:p>
+          <a:p>
+            <a:r>
+              <a:rPr lang="en-US" altLang="zh-CN" dirty="0" smtClean="0"/>
+              <a:t>Object</a:t>
+            </a:r>
+            <a:r>
+              <a:rPr lang="zh-CN" altLang="en-US" dirty="0" smtClean="0"/>
+              <a:t>以</a:t>
+            </a:r>
+            <a:r>
+              <a:rPr lang="en-US" altLang="zh-CN" dirty="0" smtClean="0"/>
+              <a:t>key-value</a:t>
+            </a:r>
+            <a:r>
+              <a:rPr lang="zh-CN" altLang="en-US" dirty="0" smtClean="0"/>
+              <a:t>的形式存储在</a:t>
+            </a:r>
+            <a:r>
+              <a:rPr lang="en-US" altLang="zh-CN" dirty="0" err="1" smtClean="0"/>
+              <a:t>git</a:t>
+            </a:r>
+            <a:r>
+              <a:rPr lang="zh-CN" altLang="en-US" dirty="0" smtClean="0"/>
+              <a:t>库中</a:t>
+            </a:r>
+            <a:endParaRPr lang="en-US" altLang="zh-CN" dirty="0" smtClean="0"/>
+          </a:p>
+          <a:p>
+            <a:r>
+              <a:rPr lang="zh-CN" altLang="en-US" dirty="0" smtClean="0"/>
+              <a:t>一旦</a:t>
+            </a:r>
+            <a:r>
+              <a:rPr lang="en-US" altLang="zh-CN" dirty="0" smtClean="0"/>
+              <a:t>Object</a:t>
+            </a:r>
+            <a:r>
+              <a:rPr lang="zh-CN" altLang="en-US" dirty="0" smtClean="0"/>
+              <a:t>的</a:t>
+            </a:r>
+            <a:r>
+              <a:rPr lang="en-US" altLang="zh-CN" dirty="0" smtClean="0"/>
+              <a:t>Hash</a:t>
+            </a:r>
+            <a:r>
+              <a:rPr lang="zh-CN" altLang="en-US" dirty="0" smtClean="0"/>
+              <a:t>发生变化，就视为一个全新</a:t>
+            </a:r>
+            <a:r>
+              <a:rPr lang="en-US" altLang="zh-CN" dirty="0" smtClean="0"/>
+              <a:t>Object</a:t>
+            </a:r>
+            <a:r>
+              <a:rPr lang="zh-CN" altLang="en-US" dirty="0" smtClean="0"/>
+              <a:t>，不同于</a:t>
+            </a:r>
+            <a:r>
+              <a:rPr lang="en-US" altLang="zh-CN" dirty="0" smtClean="0"/>
+              <a:t>SVN</a:t>
+            </a:r>
+            <a:r>
+              <a:rPr lang="zh-CN" altLang="en-US" dirty="0" smtClean="0"/>
+              <a:t>的存储</a:t>
+            </a:r>
+            <a:r>
+              <a:rPr lang="zh-CN" altLang="en-US" dirty="0" smtClean="0"/>
+              <a:t>文件</a:t>
+            </a:r>
+            <a:r>
+              <a:rPr lang="zh-CN" altLang="en-US" dirty="0" smtClean="0"/>
+              <a:t>之间的差异</a:t>
+            </a:r>
+            <a:endParaRPr lang="en-US" altLang="zh-CN" dirty="0" smtClean="0"/>
+          </a:p>
+          <a:p>
+            <a:r>
+              <a:rPr lang="en-US" altLang="zh-CN" dirty="0" smtClean="0"/>
+              <a:t>Blob Object</a:t>
+            </a:r>
+            <a:r>
+              <a:rPr lang="zh-CN" altLang="en-US" dirty="0" smtClean="0">
+                <a:solidFill>
+                  <a:srgbClr val="FF0000"/>
+                </a:solidFill>
+              </a:rPr>
+              <a:t>不包含</a:t>
+            </a:r>
+            <a:r>
+              <a:rPr lang="zh-CN" altLang="en-US" dirty="0" smtClean="0"/>
+              <a:t>任何文件名和目录结构信息。</a:t>
+            </a:r>
+            <a:endParaRPr lang="en-US" altLang="zh-CN" dirty="0" smtClean="0"/>
+          </a:p>
+          <a:p>
+            <a:r>
+              <a:rPr lang="en-US" altLang="zh-CN" dirty="0" smtClean="0"/>
+              <a:t>Tree Object</a:t>
+            </a:r>
+            <a:r>
+              <a:rPr lang="zh-CN" altLang="en-US" dirty="0" smtClean="0"/>
+              <a:t>存储目录结构和文件名，权限等信息。</a:t>
+            </a:r>
+            <a:endParaRPr lang="en-US" altLang="zh-CN" dirty="0" smtClean="0"/>
+          </a:p>
+          <a:p>
+            <a:r>
+              <a:rPr lang="en-US" altLang="zh-CN" dirty="0" smtClean="0"/>
+              <a:t>Tree Object</a:t>
+            </a:r>
+            <a:r>
+              <a:rPr lang="zh-CN" altLang="en-US" dirty="0" smtClean="0"/>
+              <a:t>先在</a:t>
+            </a:r>
+            <a:r>
+              <a:rPr lang="zh-CN" altLang="en-US" dirty="0" smtClean="0">
+                <a:solidFill>
+                  <a:srgbClr val="FF0000"/>
+                </a:solidFill>
+              </a:rPr>
+              <a:t>暂存区</a:t>
+            </a:r>
+            <a:r>
+              <a:rPr lang="en-US" altLang="zh-CN" dirty="0" smtClean="0"/>
+              <a:t>(index)</a:t>
+            </a:r>
+            <a:r>
+              <a:rPr lang="zh-CN" altLang="en-US" dirty="0" smtClean="0"/>
+              <a:t>上创建，再写入</a:t>
+            </a:r>
+            <a:r>
+              <a:rPr lang="en-US" altLang="zh-CN" dirty="0" err="1" smtClean="0"/>
+              <a:t>Git</a:t>
+            </a:r>
+            <a:r>
+              <a:rPr lang="zh-CN" altLang="en-US" dirty="0" smtClean="0"/>
+              <a:t>库中</a:t>
+            </a:r>
+            <a:endParaRPr lang="en-US" altLang="zh-CN" dirty="0" smtClean="0"/>
+          </a:p>
+          <a:p>
+            <a:r>
+              <a:rPr lang="en-US" altLang="zh-CN" dirty="0" smtClean="0"/>
+              <a:t>Commit Object</a:t>
+            </a:r>
+            <a:r>
+              <a:rPr lang="zh-CN" altLang="en-US" dirty="0" smtClean="0"/>
+              <a:t>是</a:t>
+            </a:r>
+            <a:r>
+              <a:rPr lang="en-US" altLang="zh-CN" dirty="0" smtClean="0"/>
+              <a:t>Root Tree Object</a:t>
+            </a:r>
+            <a:r>
+              <a:rPr lang="zh-CN" altLang="en-US" dirty="0" smtClean="0"/>
+              <a:t>某个</a:t>
+            </a:r>
+            <a:r>
+              <a:rPr lang="zh-CN" altLang="en-US" dirty="0" smtClean="0">
+                <a:solidFill>
+                  <a:srgbClr val="FF0000"/>
+                </a:solidFill>
+              </a:rPr>
+              <a:t>原子状态</a:t>
+            </a:r>
+            <a:r>
+              <a:rPr lang="zh-CN" altLang="en-US" dirty="0" smtClean="0"/>
+              <a:t>的快照</a:t>
+            </a:r>
+            <a:endParaRPr lang="zh-CN" altLang="en-US" dirty="0"/>
+          </a:p>
+        </p:txBody>
+      </p:sp>
+      <p:sp>
+        <p:nvSpPr>
+          <p:cNvPr id="2" name="标题 1"/>
+          <p:cNvSpPr>
+            <a:spLocks noGrp="1"/>
+          </p:cNvSpPr>
+          <p:nvPr>
+            <p:ph type="title"/>
+          </p:nvPr>
+        </p:nvSpPr>
+        <p:spPr/>
+        <p:txBody>
+          <a:bodyPr>
+            <a:normAutofit/>
+          </a:bodyPr>
+          <a:lstStyle/>
+          <a:p>
+            <a:r>
+              <a:rPr lang="en-US" altLang="zh-CN" dirty="0" err="1" smtClean="0"/>
+              <a:t>Git</a:t>
+            </a:r>
+            <a:r>
+              <a:rPr lang="en-US" altLang="zh-CN" dirty="0" smtClean="0"/>
+              <a:t> Object </a:t>
+            </a:r>
+            <a:r>
+              <a:rPr lang="zh-CN" altLang="en-US" dirty="0" smtClean="0"/>
+              <a:t>特性总结</a:t>
+            </a:r>
+            <a:endParaRPr lang="zh-CN" altLang="en-US" dirty="0"/>
+          </a:p>
+        </p:txBody>
+      </p:sp>
+    </p:spTree>
+  </p:cSld>
+  <p:clrMapOvr>
+    <a:masterClrMapping/>
+  </p:clrMapOvr>
+  <p:timing>
+    <p:tnLst>
+      <p:par>
+        <p:cTn id="1" dur="indefinite" restart="never" nodeType="tmRoot"/>
+      </p:par>
+    </p:tnLst>
+  </p:timing>
+</p:sld>
+</file>
+
+<file path=ppt/slides/slide12.xml><?xml version="1.0" encoding="utf-8"?>
+<p:sld xmlns:a="http://schemas.openxmlformats.org/drawingml/2006/main" xmlns:r="http://schemas.openxmlformats.org/officeDocument/2006/relationships" xmlns:p="http://schemas.openxmlformats.org/presentationml/2006/main">
+  <p:cSld>
+    <p:spTree>
+      <p:nvGrpSpPr>
+        <p:cNvPr id="1" name=""/>
+        <p:cNvGrpSpPr/>
+        <p:nvPr/>
+      </p:nvGrpSpPr>
+      <p:grpSpPr>
+        <a:xfrm>
+          <a:off x="0" y="0"/>
+          <a:ext cx="0" cy="0"/>
+          <a:chOff x="0" y="0"/>
+          <a:chExt cx="0" cy="0"/>
+        </a:xfrm>
+      </p:grpSpPr>
+      <p:sp>
+        <p:nvSpPr>
+          <p:cNvPr id="3" name="内容占位符 2"/>
+          <p:cNvSpPr>
+            <a:spLocks noGrp="1"/>
+          </p:cNvSpPr>
+          <p:nvPr>
+            <p:ph idx="1"/>
+          </p:nvPr>
+        </p:nvSpPr>
+        <p:spPr/>
+        <p:txBody>
+          <a:bodyPr/>
+          <a:lstStyle/>
+          <a:p>
+            <a:r>
+              <a:rPr lang="zh-CN" altLang="en-US" dirty="0" smtClean="0"/>
+              <a:t>因为</a:t>
+            </a:r>
+            <a:r>
+              <a:rPr lang="en-US" altLang="zh-CN" dirty="0" smtClean="0"/>
+              <a:t>Hash Id</a:t>
+            </a:r>
+            <a:r>
+              <a:rPr lang="zh-CN" altLang="en-US" dirty="0" smtClean="0"/>
+              <a:t>记</a:t>
+            </a:r>
+            <a:r>
+              <a:rPr lang="zh-CN" altLang="en-US" dirty="0" smtClean="0"/>
+              <a:t>不住，所以有了引用</a:t>
+            </a:r>
+            <a:endParaRPr lang="en-US" altLang="zh-CN" dirty="0" smtClean="0"/>
+          </a:p>
+          <a:p>
+            <a:pPr>
+              <a:buNone/>
+            </a:pPr>
+            <a:r>
+              <a:rPr lang="en-US" altLang="zh-CN" sz="2000" dirty="0" smtClean="0">
+                <a:solidFill>
+                  <a:srgbClr val="C00000"/>
+                </a:solidFill>
+                <a:latin typeface="Consolas" pitchFamily="49" charset="0"/>
+                <a:cs typeface="Consolas" pitchFamily="49" charset="0"/>
+              </a:rPr>
+              <a:t>$ </a:t>
+            </a:r>
+            <a:r>
+              <a:rPr lang="en-US" altLang="zh-CN" sz="2000" dirty="0" err="1" smtClean="0">
+                <a:solidFill>
+                  <a:srgbClr val="C00000"/>
+                </a:solidFill>
+                <a:latin typeface="Consolas" pitchFamily="49" charset="0"/>
+                <a:cs typeface="Consolas" pitchFamily="49" charset="0"/>
+              </a:rPr>
+              <a:t>git</a:t>
+            </a:r>
+            <a:r>
+              <a:rPr lang="en-US" altLang="zh-CN" sz="2000" dirty="0" smtClean="0">
+                <a:solidFill>
+                  <a:srgbClr val="C00000"/>
+                </a:solidFill>
+                <a:latin typeface="Consolas" pitchFamily="49" charset="0"/>
+                <a:cs typeface="Consolas" pitchFamily="49" charset="0"/>
+              </a:rPr>
+              <a:t> update-ref </a:t>
+            </a:r>
+            <a:r>
+              <a:rPr lang="en-US" altLang="zh-CN" sz="2000" dirty="0" smtClean="0">
+                <a:solidFill>
+                  <a:srgbClr val="C00000"/>
+                </a:solidFill>
+                <a:latin typeface="Consolas" pitchFamily="49" charset="0"/>
+                <a:cs typeface="Consolas" pitchFamily="49" charset="0"/>
+              </a:rPr>
+              <a:t>refs/heads/master &lt;</a:t>
+            </a:r>
+            <a:r>
+              <a:rPr lang="en-US" altLang="zh-CN" sz="2000" dirty="0" err="1" smtClean="0">
+                <a:solidFill>
+                  <a:srgbClr val="C00000"/>
+                </a:solidFill>
+                <a:latin typeface="Consolas" pitchFamily="49" charset="0"/>
+                <a:cs typeface="Consolas" pitchFamily="49" charset="0"/>
+              </a:rPr>
+              <a:t>commit_hash_id</a:t>
+            </a:r>
+            <a:r>
+              <a:rPr lang="en-US" altLang="zh-CN" sz="2000" dirty="0" smtClean="0">
+                <a:solidFill>
+                  <a:srgbClr val="C00000"/>
+                </a:solidFill>
+                <a:latin typeface="Consolas" pitchFamily="49" charset="0"/>
+                <a:cs typeface="Consolas" pitchFamily="49" charset="0"/>
+              </a:rPr>
+              <a:t>&gt;</a:t>
+            </a:r>
+          </a:p>
+          <a:p>
+            <a:r>
+              <a:rPr lang="en-US" altLang="zh-CN" dirty="0" err="1" smtClean="0"/>
+              <a:t>Git</a:t>
+            </a:r>
+            <a:r>
+              <a:rPr lang="en-US" altLang="zh-CN" dirty="0" smtClean="0"/>
+              <a:t> Branch</a:t>
+            </a:r>
+            <a:r>
+              <a:rPr lang="zh-CN" altLang="en-US" dirty="0" smtClean="0"/>
+              <a:t>的本质就是指向某个</a:t>
+            </a:r>
+            <a:r>
+              <a:rPr lang="en-US" altLang="zh-CN" dirty="0" smtClean="0"/>
+              <a:t>Commit Object</a:t>
+            </a:r>
+            <a:r>
+              <a:rPr lang="zh-CN" altLang="en-US" dirty="0" smtClean="0"/>
+              <a:t>的</a:t>
+            </a:r>
+            <a:r>
+              <a:rPr lang="zh-CN" altLang="en-US" dirty="0" smtClean="0"/>
+              <a:t>引用</a:t>
+            </a:r>
+            <a:endParaRPr lang="en-US" altLang="zh-CN" dirty="0" smtClean="0"/>
+          </a:p>
+          <a:p>
+            <a:r>
+              <a:rPr lang="zh-CN" altLang="en-US" dirty="0" smtClean="0"/>
+              <a:t>创建一个分支</a:t>
+            </a:r>
+            <a:r>
+              <a:rPr lang="en-US" altLang="zh-CN" dirty="0" smtClean="0"/>
+              <a:t>”test”</a:t>
+            </a:r>
+          </a:p>
+          <a:p>
+            <a:pPr>
+              <a:buNone/>
+            </a:pPr>
+            <a:r>
+              <a:rPr lang="en-US" altLang="zh-CN" sz="2000" dirty="0" smtClean="0">
+                <a:solidFill>
+                  <a:srgbClr val="C00000"/>
+                </a:solidFill>
+                <a:latin typeface="Consolas" pitchFamily="49" charset="0"/>
+                <a:cs typeface="Consolas" pitchFamily="49" charset="0"/>
+              </a:rPr>
+              <a:t>$ </a:t>
+            </a:r>
+            <a:r>
+              <a:rPr lang="en-US" altLang="zh-CN" sz="2000" dirty="0" err="1" smtClean="0">
+                <a:solidFill>
+                  <a:srgbClr val="C00000"/>
+                </a:solidFill>
+                <a:latin typeface="Consolas" pitchFamily="49" charset="0"/>
+                <a:cs typeface="Consolas" pitchFamily="49" charset="0"/>
+              </a:rPr>
+              <a:t>git</a:t>
+            </a:r>
+            <a:r>
+              <a:rPr lang="en-US" altLang="zh-CN" sz="2000" dirty="0" smtClean="0">
+                <a:solidFill>
+                  <a:srgbClr val="C00000"/>
+                </a:solidFill>
+                <a:latin typeface="Consolas" pitchFamily="49" charset="0"/>
+                <a:cs typeface="Consolas" pitchFamily="49" charset="0"/>
+              </a:rPr>
+              <a:t> </a:t>
+            </a:r>
+            <a:r>
+              <a:rPr lang="en-US" altLang="zh-CN" sz="2000" dirty="0" smtClean="0">
+                <a:solidFill>
+                  <a:srgbClr val="C00000"/>
+                </a:solidFill>
+                <a:latin typeface="Consolas" pitchFamily="49" charset="0"/>
+                <a:cs typeface="Consolas" pitchFamily="49" charset="0"/>
+              </a:rPr>
+              <a:t>update-ref </a:t>
+            </a:r>
+            <a:r>
+              <a:rPr lang="en-US" altLang="zh-CN" sz="2000" dirty="0" smtClean="0">
+                <a:solidFill>
+                  <a:srgbClr val="C00000"/>
+                </a:solidFill>
+                <a:latin typeface="Consolas" pitchFamily="49" charset="0"/>
+                <a:cs typeface="Consolas" pitchFamily="49" charset="0"/>
+              </a:rPr>
+              <a:t>refs/heads/test &lt;</a:t>
+            </a:r>
+            <a:r>
+              <a:rPr lang="en-US" altLang="zh-CN" sz="2000" dirty="0" err="1" smtClean="0">
+                <a:solidFill>
+                  <a:srgbClr val="C00000"/>
+                </a:solidFill>
+                <a:latin typeface="Consolas" pitchFamily="49" charset="0"/>
+                <a:cs typeface="Consolas" pitchFamily="49" charset="0"/>
+              </a:rPr>
+              <a:t>commit_hash_id</a:t>
+            </a:r>
+            <a:r>
+              <a:rPr lang="en-US" altLang="zh-CN" sz="2000" dirty="0" smtClean="0">
+                <a:solidFill>
+                  <a:srgbClr val="C00000"/>
+                </a:solidFill>
+                <a:latin typeface="Consolas" pitchFamily="49" charset="0"/>
+                <a:cs typeface="Consolas" pitchFamily="49" charset="0"/>
+              </a:rPr>
+              <a:t>&gt;</a:t>
+            </a:r>
+          </a:p>
+          <a:p>
+            <a:pPr>
+              <a:buNone/>
+            </a:pPr>
+            <a:r>
+              <a:rPr lang="en-US" altLang="zh-CN" sz="2000" dirty="0" smtClean="0">
+                <a:solidFill>
+                  <a:srgbClr val="C00000"/>
+                </a:solidFill>
+                <a:latin typeface="Consolas" pitchFamily="49" charset="0"/>
+                <a:cs typeface="Consolas" pitchFamily="49" charset="0"/>
+              </a:rPr>
+              <a:t>$ </a:t>
+            </a:r>
+            <a:r>
+              <a:rPr lang="en-US" altLang="zh-CN" sz="2000" dirty="0" err="1" smtClean="0">
+                <a:solidFill>
+                  <a:srgbClr val="C00000"/>
+                </a:solidFill>
+                <a:latin typeface="Consolas" pitchFamily="49" charset="0"/>
+                <a:cs typeface="Consolas" pitchFamily="49" charset="0"/>
+              </a:rPr>
+              <a:t>git</a:t>
+            </a:r>
+            <a:r>
+              <a:rPr lang="en-US" altLang="zh-CN" sz="2000" dirty="0" smtClean="0">
+                <a:solidFill>
+                  <a:srgbClr val="C00000"/>
+                </a:solidFill>
+                <a:latin typeface="Consolas" pitchFamily="49" charset="0"/>
+                <a:cs typeface="Consolas" pitchFamily="49" charset="0"/>
+              </a:rPr>
+              <a:t> log --pretty=</a:t>
+            </a:r>
+            <a:r>
+              <a:rPr lang="en-US" altLang="zh-CN" sz="2000" dirty="0" err="1" smtClean="0">
+                <a:solidFill>
+                  <a:srgbClr val="C00000"/>
+                </a:solidFill>
+                <a:latin typeface="Consolas" pitchFamily="49" charset="0"/>
+                <a:cs typeface="Consolas" pitchFamily="49" charset="0"/>
+              </a:rPr>
+              <a:t>oneline</a:t>
+            </a:r>
+            <a:r>
+              <a:rPr lang="en-US" altLang="zh-CN" sz="2000" dirty="0" smtClean="0">
+                <a:solidFill>
+                  <a:srgbClr val="C00000"/>
+                </a:solidFill>
+                <a:latin typeface="Consolas" pitchFamily="49" charset="0"/>
+                <a:cs typeface="Consolas" pitchFamily="49" charset="0"/>
+              </a:rPr>
+              <a:t> test</a:t>
+            </a:r>
+            <a:endParaRPr lang="zh-CN" altLang="en-US" sz="2000" dirty="0" smtClean="0">
+              <a:solidFill>
+                <a:srgbClr val="C00000"/>
+              </a:solidFill>
+              <a:latin typeface="Consolas" pitchFamily="49" charset="0"/>
+              <a:cs typeface="Consolas" pitchFamily="49" charset="0"/>
+            </a:endParaRPr>
+          </a:p>
+        </p:txBody>
+      </p:sp>
+      <p:sp>
+        <p:nvSpPr>
+          <p:cNvPr id="2" name="标题 1"/>
+          <p:cNvSpPr>
+            <a:spLocks noGrp="1"/>
+          </p:cNvSpPr>
+          <p:nvPr>
+            <p:ph type="title"/>
+          </p:nvPr>
+        </p:nvSpPr>
+        <p:spPr/>
+        <p:txBody>
+          <a:bodyPr/>
+          <a:lstStyle/>
+          <a:p>
+            <a:r>
+              <a:rPr lang="en-US" altLang="zh-CN" dirty="0" smtClean="0"/>
+              <a:t>refs</a:t>
+            </a:r>
+            <a:endParaRPr lang="zh-CN" altLang="en-US" dirty="0"/>
+          </a:p>
+        </p:txBody>
+      </p:sp>
+    </p:spTree>
+  </p:cSld>
+  <p:clrMapOvr>
+    <a:masterClrMapping/>
+  </p:clrMapOvr>
+  <p:timing>
+    <p:tnLst>
+      <p:par>
+        <p:cTn id="1" dur="indefinite" restart="never" nodeType="tmRoot"/>
+      </p:par>
+    </p:tnLst>
+  </p:timing>
+</p:sld>
+</file>
+
+<file path=ppt/slides/slide13.xml><?xml version="1.0" encoding="utf-8"?>
+<p:sld xmlns:a="http://schemas.openxmlformats.org/drawingml/2006/main" xmlns:r="http://schemas.openxmlformats.org/officeDocument/2006/relationships" xmlns:p="http://schemas.openxmlformats.org/presentationml/2006/main">
+  <p:cSld>
+    <p:spTree>
+      <p:nvGrpSpPr>
+        <p:cNvPr id="1" name=""/>
+        <p:cNvGrpSpPr/>
+        <p:nvPr/>
+      </p:nvGrpSpPr>
+      <p:grpSpPr>
+        <a:xfrm>
+          <a:off x="0" y="0"/>
+          <a:ext cx="0" cy="0"/>
+          <a:chOff x="0" y="0"/>
+          <a:chExt cx="0" cy="0"/>
+        </a:xfrm>
+      </p:grpSpPr>
+      <p:pic>
+        <p:nvPicPr>
+          <p:cNvPr id="4" name="内容占位符 3" descr="refs.png"/>
+          <p:cNvPicPr>
+            <a:picLocks noGrp="1" noChangeAspect="1"/>
+          </p:cNvPicPr>
+          <p:nvPr>
+            <p:ph idx="1"/>
+          </p:nvPr>
+        </p:nvPicPr>
+        <p:blipFill>
+          <a:blip r:embed="rId2" cstate="print"/>
+          <a:stretch>
+            <a:fillRect/>
+          </a:stretch>
+        </p:blipFill>
+        <p:spPr>
+          <a:xfrm>
+            <a:off x="683567" y="1772816"/>
+            <a:ext cx="7896785" cy="4248472"/>
+          </a:xfrm>
+        </p:spPr>
+      </p:pic>
+      <p:sp>
+        <p:nvSpPr>
+          <p:cNvPr id="3" name="标题 2"/>
+          <p:cNvSpPr>
+            <a:spLocks noGrp="1"/>
+          </p:cNvSpPr>
+          <p:nvPr>
+            <p:ph type="title"/>
+          </p:nvPr>
+        </p:nvSpPr>
+        <p:spPr/>
+        <p:txBody>
+          <a:bodyPr/>
+          <a:lstStyle/>
+          <a:p>
+            <a:r>
+              <a:rPr lang="zh-CN" altLang="en-US" dirty="0" smtClean="0"/>
+              <a:t>添加引用后的</a:t>
+            </a:r>
+            <a:r>
+              <a:rPr lang="en-US" altLang="zh-CN" dirty="0" err="1" smtClean="0"/>
+              <a:t>Git</a:t>
+            </a:r>
+            <a:r>
+              <a:rPr lang="zh-CN" altLang="en-US" dirty="0" smtClean="0"/>
+              <a:t>库</a:t>
+            </a:r>
+            <a:endParaRPr lang="zh-CN" altLang="en-US" dirty="0"/>
+          </a:p>
+        </p:txBody>
+      </p:sp>
+    </p:spTree>
+  </p:cSld>
+  <p:clrMapOvr>
+    <a:masterClrMapping/>
+  </p:clrMapOvr>
+</p:sld>
+</file>
+
+<file path=ppt/slides/slide14.xml><?xml version="1.0" encoding="utf-8"?>
+<p:sld xmlns:a="http://schemas.openxmlformats.org/drawingml/2006/main" xmlns:r="http://schemas.openxmlformats.org/officeDocument/2006/relationships" xmlns:p="http://schemas.openxmlformats.org/presentationml/2006/main">
+  <p:cSld>
+    <p:spTree>
+      <p:nvGrpSpPr>
+        <p:cNvPr id="1" name=""/>
+        <p:cNvGrpSpPr/>
+        <p:nvPr/>
+      </p:nvGrpSpPr>
+      <p:grpSpPr>
+        <a:xfrm>
+          <a:off x="0" y="0"/>
+          <a:ext cx="0" cy="0"/>
+          <a:chOff x="0" y="0"/>
+          <a:chExt cx="0" cy="0"/>
+        </a:xfrm>
+      </p:grpSpPr>
+      <p:sp>
+        <p:nvSpPr>
+          <p:cNvPr id="2" name="内容占位符 1"/>
+          <p:cNvSpPr>
+            <a:spLocks noGrp="1"/>
+          </p:cNvSpPr>
+          <p:nvPr>
+            <p:ph idx="1"/>
+          </p:nvPr>
+        </p:nvSpPr>
+        <p:spPr/>
+        <p:txBody>
+          <a:bodyPr/>
+          <a:lstStyle/>
+          <a:p>
+            <a:r>
+              <a:rPr lang="en-US" altLang="zh-CN" dirty="0" smtClean="0"/>
+              <a:t>HEAD</a:t>
+            </a:r>
+            <a:r>
+              <a:rPr lang="zh-CN" altLang="en-US" dirty="0" smtClean="0"/>
+              <a:t>是一个特殊引用，指向当前分支的头部</a:t>
+            </a:r>
+            <a:r>
+              <a:rPr lang="en-US" altLang="zh-CN" dirty="0" smtClean="0"/>
+              <a:t>(</a:t>
+            </a:r>
+            <a:r>
+              <a:rPr lang="zh-CN" altLang="en-US" dirty="0" smtClean="0"/>
+              <a:t>最后一次</a:t>
+            </a:r>
+            <a:r>
+              <a:rPr lang="en-US" altLang="zh-CN" dirty="0" smtClean="0"/>
+              <a:t>Commit Object)</a:t>
+            </a:r>
+          </a:p>
+          <a:p>
+            <a:r>
+              <a:rPr lang="zh-CN" altLang="en-US" dirty="0" smtClean="0"/>
+              <a:t>当切换分支后</a:t>
+            </a:r>
+            <a:r>
+              <a:rPr lang="en-US" altLang="zh-CN" dirty="0" smtClean="0"/>
+              <a:t>,HEAD</a:t>
+            </a:r>
+            <a:r>
+              <a:rPr lang="zh-CN" altLang="en-US" dirty="0" smtClean="0"/>
+              <a:t>中的内容会更新，指向新的分支</a:t>
+            </a:r>
+            <a:endParaRPr lang="en-US" altLang="zh-CN" dirty="0" smtClean="0"/>
+          </a:p>
+          <a:p>
+            <a:endParaRPr lang="en-US" altLang="zh-CN" dirty="0" smtClean="0"/>
+          </a:p>
+          <a:p>
+            <a:endParaRPr lang="en-US" altLang="zh-CN" dirty="0" smtClean="0"/>
+          </a:p>
+          <a:p>
+            <a:pPr>
+              <a:buNone/>
+            </a:pPr>
+            <a:endParaRPr lang="en-US" altLang="zh-CN" dirty="0" smtClean="0"/>
+          </a:p>
+          <a:p>
+            <a:endParaRPr lang="en-US" altLang="zh-CN" dirty="0" smtClean="0"/>
+          </a:p>
+          <a:p>
+            <a:r>
+              <a:rPr lang="en-US" altLang="zh-CN" dirty="0" smtClean="0"/>
+              <a:t>.. ..</a:t>
+            </a:r>
+            <a:r>
+              <a:rPr lang="en-US" altLang="zh-CN" dirty="0" smtClean="0"/>
+              <a:t> ..</a:t>
+            </a:r>
+            <a:r>
+              <a:rPr lang="zh-CN" altLang="en-US" dirty="0" smtClean="0"/>
+              <a:t>什么是</a:t>
+            </a:r>
+            <a:r>
+              <a:rPr lang="zh-CN" altLang="en-US" dirty="0" smtClean="0">
+                <a:solidFill>
+                  <a:srgbClr val="FF0000"/>
+                </a:solidFill>
+              </a:rPr>
+              <a:t>切换分支</a:t>
+            </a:r>
+            <a:r>
+              <a:rPr lang="en-US" altLang="zh-CN" dirty="0" smtClean="0"/>
+              <a:t>?</a:t>
+            </a:r>
+            <a:endParaRPr lang="zh-CN" altLang="en-US" dirty="0"/>
+          </a:p>
+        </p:txBody>
+      </p:sp>
+      <p:sp>
+        <p:nvSpPr>
+          <p:cNvPr id="3" name="标题 2"/>
+          <p:cNvSpPr>
+            <a:spLocks noGrp="1"/>
+          </p:cNvSpPr>
+          <p:nvPr>
+            <p:ph type="title"/>
+          </p:nvPr>
+        </p:nvSpPr>
+        <p:spPr/>
+        <p:txBody>
+          <a:bodyPr/>
+          <a:lstStyle/>
+          <a:p>
+            <a:r>
+              <a:rPr lang="en-US" altLang="zh-CN" dirty="0" smtClean="0"/>
+              <a:t>HEAD </a:t>
+            </a:r>
+            <a:r>
+              <a:rPr lang="zh-CN" altLang="en-US" dirty="0" smtClean="0"/>
+              <a:t>标记</a:t>
+            </a:r>
+            <a:endParaRPr lang="zh-CN" altLang="en-US" dirty="0"/>
+          </a:p>
+        </p:txBody>
+      </p:sp>
+      <p:pic>
+        <p:nvPicPr>
+          <p:cNvPr id="4" name="图片 3" descr="head-master-commit.png"/>
+          <p:cNvPicPr>
+            <a:picLocks noChangeAspect="1"/>
+          </p:cNvPicPr>
+          <p:nvPr/>
+        </p:nvPicPr>
+        <p:blipFill>
+          <a:blip r:embed="rId2" cstate="print"/>
+          <a:stretch>
+            <a:fillRect/>
+          </a:stretch>
+        </p:blipFill>
+        <p:spPr>
+          <a:xfrm>
+            <a:off x="1043608" y="3140968"/>
+            <a:ext cx="6762750" cy="1543050"/>
+          </a:xfrm>
+          <a:prstGeom prst="rect">
+            <a:avLst/>
+          </a:prstGeom>
+        </p:spPr>
+      </p:pic>
+    </p:spTree>
+  </p:cSld>
+  <p:clrMapOvr>
+    <a:masterClrMapping/>
+  </p:clrMapOvr>
+</p:sld>
+</file>
+
+<file path=ppt/slides/slide15.xml><?xml version="1.0" encoding="utf-8"?>
+<p:sld xmlns:a="http://schemas.openxmlformats.org/drawingml/2006/main" xmlns:r="http://schemas.openxmlformats.org/officeDocument/2006/relationships" xmlns:p="http://schemas.openxmlformats.org/presentationml/2006/main">
+  <p:cSld>
+    <p:spTree>
+      <p:nvGrpSpPr>
+        <p:cNvPr id="1" name=""/>
+        <p:cNvGrpSpPr/>
+        <p:nvPr/>
+      </p:nvGrpSpPr>
+      <p:grpSpPr>
+        <a:xfrm>
+          <a:off x="0" y="0"/>
+          <a:ext cx="0" cy="0"/>
+          <a:chOff x="0" y="0"/>
+          <a:chExt cx="0" cy="0"/>
+        </a:xfrm>
+      </p:grpSpPr>
+      <p:pic>
+        <p:nvPicPr>
+          <p:cNvPr id="4" name="内容占位符 3" descr="checkout-2.png"/>
+          <p:cNvPicPr>
+            <a:picLocks noGrp="1" noChangeAspect="1"/>
+          </p:cNvPicPr>
+          <p:nvPr>
+            <p:ph idx="1"/>
+          </p:nvPr>
+        </p:nvPicPr>
+        <p:blipFill>
+          <a:blip r:embed="rId2" cstate="print"/>
+          <a:stretch>
+            <a:fillRect/>
+          </a:stretch>
+        </p:blipFill>
+        <p:spPr>
+          <a:xfrm>
+            <a:off x="539552" y="1124744"/>
+            <a:ext cx="8064896" cy="5489235"/>
+          </a:xfrm>
+        </p:spPr>
+      </p:pic>
+      <p:sp>
+        <p:nvSpPr>
+          <p:cNvPr id="3" name="标题 2"/>
+          <p:cNvSpPr>
+            <a:spLocks noGrp="1"/>
+          </p:cNvSpPr>
+          <p:nvPr>
+            <p:ph type="title"/>
+          </p:nvPr>
+        </p:nvSpPr>
+        <p:spPr/>
+        <p:txBody>
+          <a:bodyPr>
+            <a:normAutofit fontScale="90000"/>
+          </a:bodyPr>
+          <a:lstStyle/>
+          <a:p>
+            <a:r>
+              <a:rPr lang="zh-CN" altLang="en-US" dirty="0" smtClean="0"/>
+              <a:t>工作区</a:t>
+            </a:r>
+            <a:r>
+              <a:rPr lang="en-US" altLang="zh-CN" dirty="0" smtClean="0"/>
+              <a:t>(Working Space)</a:t>
+            </a:r>
+            <a:r>
+              <a:rPr lang="zh-CN" altLang="en-US" dirty="0" smtClean="0"/>
+              <a:t>与</a:t>
+            </a:r>
+            <a:r>
+              <a:rPr lang="en-US" altLang="zh-CN" dirty="0" smtClean="0"/>
+              <a:t>Checkout</a:t>
+            </a:r>
+            <a:endParaRPr lang="zh-CN" altLang="en-US" dirty="0"/>
+          </a:p>
+        </p:txBody>
+      </p:sp>
+    </p:spTree>
+  </p:cSld>
+  <p:clrMapOvr>
+    <a:masterClrMapping/>
+  </p:clrMapOvr>
+</p:sld>
+</file>
+
 <file path=ppt/slides/slide2.xml><?xml version="1.0" encoding="utf-8"?>
 <p:sld xmlns:a="http://schemas.openxmlformats.org/drawingml/2006/main" xmlns:r="http://schemas.openxmlformats.org/officeDocument/2006/relationships" xmlns:p="http://schemas.openxmlformats.org/presentationml/2006/main">
   <p:cSld>
@@ -5189,7 +6212,7 @@
       </p:grpSpPr>
       <p:sp>
         <p:nvSpPr>
-          <p:cNvPr id="3" name="内容占位符 2"/>
+          <p:cNvPr id="2" name="内容占位符 1"/>
           <p:cNvSpPr>
             <a:spLocks noGrp="1"/>
           </p:cNvSpPr>
@@ -5202,13 +6225,203 @@
           <a:bodyPr/>
           <a:lstStyle/>
           <a:p>
-            <a:endParaRPr lang="zh-CN" altLang="en-US"/>
-          </a:p>
-        </p:txBody>
-      </p:sp>
-      <p:sp>
-        <p:nvSpPr>
-          <p:cNvPr id="2" name="标题 1"/>
+            <a:r>
+              <a:rPr lang="en-US" altLang="zh-CN" dirty="0" smtClean="0"/>
+              <a:t>Tree object</a:t>
+            </a:r>
+            <a:r>
+              <a:rPr lang="zh-CN" altLang="en-US" dirty="0" smtClean="0"/>
+              <a:t>只能在</a:t>
+            </a:r>
+            <a:r>
+              <a:rPr lang="en-US" altLang="zh-CN" dirty="0" smtClean="0"/>
+              <a:t>index</a:t>
+            </a:r>
+            <a:r>
+              <a:rPr lang="zh-CN" altLang="en-US" dirty="0" smtClean="0"/>
+              <a:t>上创建</a:t>
+            </a:r>
+            <a:endParaRPr lang="en-US" altLang="zh-CN" dirty="0" smtClean="0"/>
+          </a:p>
+          <a:p>
+            <a:pPr>
+              <a:buNone/>
+            </a:pPr>
+            <a:r>
+              <a:rPr lang="en-US" altLang="zh-CN" sz="2000" dirty="0" smtClean="0">
+                <a:solidFill>
+                  <a:srgbClr val="C00000"/>
+                </a:solidFill>
+                <a:latin typeface="Consolas" pitchFamily="49" charset="0"/>
+                <a:cs typeface="Consolas" pitchFamily="49" charset="0"/>
+              </a:rPr>
+              <a:t>$ </a:t>
+            </a:r>
+            <a:r>
+              <a:rPr lang="en-US" altLang="zh-CN" sz="2000" dirty="0" err="1" smtClean="0">
+                <a:solidFill>
+                  <a:srgbClr val="C00000"/>
+                </a:solidFill>
+                <a:latin typeface="Consolas" pitchFamily="49" charset="0"/>
+                <a:cs typeface="Consolas" pitchFamily="49" charset="0"/>
+              </a:rPr>
+              <a:t>git</a:t>
+            </a:r>
+            <a:r>
+              <a:rPr lang="en-US" altLang="zh-CN" sz="2000" dirty="0" smtClean="0">
+                <a:solidFill>
+                  <a:srgbClr val="C00000"/>
+                </a:solidFill>
+                <a:latin typeface="Consolas" pitchFamily="49" charset="0"/>
+                <a:cs typeface="Consolas" pitchFamily="49" charset="0"/>
+              </a:rPr>
+              <a:t> update-index --add --</a:t>
+            </a:r>
+            <a:r>
+              <a:rPr lang="en-US" altLang="zh-CN" sz="2000" dirty="0" err="1" smtClean="0">
+                <a:solidFill>
+                  <a:srgbClr val="C00000"/>
+                </a:solidFill>
+                <a:latin typeface="Consolas" pitchFamily="49" charset="0"/>
+                <a:cs typeface="Consolas" pitchFamily="49" charset="0"/>
+              </a:rPr>
+              <a:t>cacheinfo</a:t>
+            </a:r>
+            <a:r>
+              <a:rPr lang="en-US" altLang="zh-CN" sz="2000" dirty="0" smtClean="0">
+                <a:solidFill>
+                  <a:srgbClr val="C00000"/>
+                </a:solidFill>
+                <a:latin typeface="Consolas" pitchFamily="49" charset="0"/>
+                <a:cs typeface="Consolas" pitchFamily="49" charset="0"/>
+              </a:rPr>
+              <a:t> 100644 \ 83baae61804e65cc73a7201a7252750c76066a30 </a:t>
+            </a:r>
+            <a:r>
+              <a:rPr lang="en-US" altLang="zh-CN" sz="2000" dirty="0" smtClean="0">
+                <a:solidFill>
+                  <a:srgbClr val="C00000"/>
+                </a:solidFill>
+                <a:latin typeface="Consolas" pitchFamily="49" charset="0"/>
+                <a:cs typeface="Consolas" pitchFamily="49" charset="0"/>
+              </a:rPr>
+              <a:t>test.txt</a:t>
+            </a:r>
+          </a:p>
+          <a:p>
+            <a:r>
+              <a:rPr lang="en-US" altLang="zh-CN" dirty="0" smtClean="0"/>
+              <a:t>--add </a:t>
+            </a:r>
+            <a:r>
+              <a:rPr lang="zh-CN" altLang="en-US" dirty="0" smtClean="0"/>
+              <a:t>将文件加入暂存区</a:t>
+            </a:r>
+            <a:r>
+              <a:rPr lang="en-US" altLang="zh-CN" dirty="0" smtClean="0"/>
+              <a:t>(index)</a:t>
+            </a:r>
+          </a:p>
+          <a:p>
+            <a:r>
+              <a:rPr lang="en-US" altLang="zh-CN" dirty="0" smtClean="0"/>
+              <a:t>--</a:t>
+            </a:r>
+            <a:r>
+              <a:rPr lang="en-US" altLang="zh-CN" dirty="0" err="1" smtClean="0"/>
+              <a:t>cacheinfo</a:t>
+            </a:r>
+            <a:r>
+              <a:rPr lang="en-US" altLang="zh-CN" dirty="0" smtClean="0"/>
+              <a:t> </a:t>
+            </a:r>
+            <a:r>
+              <a:rPr lang="zh-CN" altLang="en-US" dirty="0" smtClean="0"/>
+              <a:t>将数据库</a:t>
+            </a:r>
+            <a:r>
+              <a:rPr lang="en-US" altLang="zh-CN" dirty="0" smtClean="0"/>
+              <a:t>(.</a:t>
+            </a:r>
+            <a:r>
+              <a:rPr lang="en-US" altLang="zh-CN" dirty="0" err="1" smtClean="0"/>
+              <a:t>git</a:t>
+            </a:r>
+            <a:r>
+              <a:rPr lang="en-US" altLang="zh-CN" dirty="0" smtClean="0"/>
+              <a:t>/objects/)</a:t>
+            </a:r>
+            <a:r>
+              <a:rPr lang="zh-CN" altLang="en-US" dirty="0" smtClean="0"/>
+              <a:t>中的文件直接加入暂存</a:t>
+            </a:r>
+            <a:r>
+              <a:rPr lang="zh-CN" altLang="en-US" dirty="0" smtClean="0"/>
+              <a:t>区</a:t>
+            </a:r>
+            <a:endParaRPr lang="en-US" altLang="zh-CN" dirty="0" smtClean="0"/>
+          </a:p>
+          <a:p>
+            <a:r>
+              <a:rPr lang="en-US" altLang="zh-CN" dirty="0" smtClean="0"/>
+              <a:t>--</a:t>
+            </a:r>
+            <a:r>
+              <a:rPr lang="en-US" altLang="zh-CN" dirty="0" err="1" smtClean="0"/>
+              <a:t>cacheinfo</a:t>
+            </a:r>
+            <a:r>
+              <a:rPr lang="en-US" altLang="zh-CN" dirty="0" smtClean="0"/>
+              <a:t> &lt;mode&gt; &lt;hash&gt; &lt;filename&gt;</a:t>
+            </a:r>
+          </a:p>
+          <a:p>
+            <a:pPr>
+              <a:buNone/>
+            </a:pPr>
+            <a:r>
+              <a:rPr lang="en-US" altLang="zh-CN" sz="2000" dirty="0" smtClean="0">
+                <a:solidFill>
+                  <a:srgbClr val="C00000"/>
+                </a:solidFill>
+                <a:latin typeface="Consolas" pitchFamily="49" charset="0"/>
+                <a:cs typeface="Consolas" pitchFamily="49" charset="0"/>
+              </a:rPr>
+              <a:t>$ </a:t>
+            </a:r>
+            <a:r>
+              <a:rPr lang="en-US" altLang="zh-CN" sz="2000" dirty="0" err="1" smtClean="0">
+                <a:solidFill>
+                  <a:srgbClr val="C00000"/>
+                </a:solidFill>
+                <a:latin typeface="Consolas" pitchFamily="49" charset="0"/>
+                <a:cs typeface="Consolas" pitchFamily="49" charset="0"/>
+              </a:rPr>
+              <a:t>git</a:t>
+            </a:r>
+            <a:r>
+              <a:rPr lang="en-US" altLang="zh-CN" sz="2000" dirty="0" smtClean="0">
+                <a:solidFill>
+                  <a:srgbClr val="C00000"/>
+                </a:solidFill>
+                <a:latin typeface="Consolas" pitchFamily="49" charset="0"/>
+                <a:cs typeface="Consolas" pitchFamily="49" charset="0"/>
+              </a:rPr>
+              <a:t> write-tree</a:t>
+            </a:r>
+            <a:endParaRPr lang="zh-CN" altLang="en-US" sz="2000" dirty="0" smtClean="0">
+              <a:solidFill>
+                <a:srgbClr val="C00000"/>
+              </a:solidFill>
+              <a:latin typeface="Consolas" pitchFamily="49" charset="0"/>
+              <a:cs typeface="Consolas" pitchFamily="49" charset="0"/>
+            </a:endParaRPr>
+          </a:p>
+        </p:txBody>
+      </p:sp>
+      <p:sp>
+        <p:nvSpPr>
+          <p:cNvPr id="3" name="标题 2"/>
           <p:cNvSpPr>
             <a:spLocks noGrp="1"/>
           </p:cNvSpPr>
@@ -5218,12 +6431,26 @@
         </p:nvSpPr>
         <p:spPr/>
         <p:txBody>
-          <a:bodyPr/>
+          <a:bodyPr>
+            <a:normAutofit fontScale="90000"/>
+          </a:bodyPr>
           <a:lstStyle/>
           <a:p>
             <a:r>
-              <a:rPr lang="en-US" altLang="zh-CN" dirty="0" smtClean="0"/>
-              <a:t>Commit Object</a:t>
+              <a:rPr lang="zh-CN" altLang="en-US" dirty="0" smtClean="0"/>
+              <a:t>在暂存区</a:t>
+            </a:r>
+            <a:r>
+              <a:rPr lang="en-US" altLang="zh-CN" dirty="0" smtClean="0"/>
+              <a:t>(index)</a:t>
+            </a:r>
+            <a:r>
+              <a:rPr lang="zh-CN" altLang="en-US" dirty="0" smtClean="0"/>
+              <a:t>上创建</a:t>
+            </a:r>
+            <a:r>
+              <a:rPr lang="en-US" altLang="zh-CN" dirty="0" smtClean="0"/>
+              <a:t>Tree Object</a:t>
             </a:r>
             <a:endParaRPr lang="zh-CN" altLang="en-US" dirty="0"/>
           </a:p>
@@ -5234,13 +6461,6 @@
   <p:clrMapOvr>
     <a:masterClrMapping/>
   </p:clrMapOvr>
-  <p:timing>
-    <p:tnLst>
-      <p:par>
-        <p:cTn id="1" dur="indefinite" restart="never" nodeType="tmRoot"/>
-      </p:par>
-    </p:tnLst>
-  </p:timing>
 </p:sld>
 </file>
 
@@ -5263,7 +6483,7 @@
       </p:grpSpPr>
       <p:sp>
         <p:nvSpPr>
-          <p:cNvPr id="3" name="内容占位符 2"/>
+          <p:cNvPr id="2" name="内容占位符 1"/>
           <p:cNvSpPr>
             <a:spLocks noGrp="1"/>
           </p:cNvSpPr>
@@ -5276,13 +6496,273 @@
           <a:bodyPr/>
           <a:lstStyle/>
           <a:p>
-            <a:endParaRPr lang="zh-CN" altLang="en-US" dirty="0"/>
-          </a:p>
-        </p:txBody>
-      </p:sp>
-      <p:sp>
-        <p:nvSpPr>
-          <p:cNvPr id="2" name="标题 1"/>
+            <a:r>
+              <a:rPr lang="zh-CN" altLang="en-US" dirty="0" smtClean="0"/>
+              <a:t>创建一个新的</a:t>
+            </a:r>
+            <a:r>
+              <a:rPr lang="en-US" altLang="zh-CN" dirty="0" smtClean="0"/>
+              <a:t>tree</a:t>
+            </a:r>
+          </a:p>
+          <a:p>
+            <a:pPr>
+              <a:buNone/>
+            </a:pPr>
+            <a:r>
+              <a:rPr lang="en-US" altLang="zh-CN" sz="2000" dirty="0" smtClean="0">
+                <a:solidFill>
+                  <a:srgbClr val="C00000"/>
+                </a:solidFill>
+                <a:latin typeface="Consolas" pitchFamily="49" charset="0"/>
+                <a:cs typeface="Consolas" pitchFamily="49" charset="0"/>
+              </a:rPr>
+              <a:t>$ echo 'new file' &gt; new.txt</a:t>
+            </a:r>
+          </a:p>
+          <a:p>
+            <a:pPr>
+              <a:buNone/>
+            </a:pPr>
+            <a:r>
+              <a:rPr lang="en-US" altLang="zh-CN" sz="2000" dirty="0" smtClean="0">
+                <a:solidFill>
+                  <a:srgbClr val="C00000"/>
+                </a:solidFill>
+                <a:latin typeface="Consolas" pitchFamily="49" charset="0"/>
+                <a:cs typeface="Consolas" pitchFamily="49" charset="0"/>
+              </a:rPr>
+              <a:t>$ </a:t>
+            </a:r>
+            <a:r>
+              <a:rPr lang="en-US" altLang="zh-CN" sz="2000" dirty="0" err="1" smtClean="0">
+                <a:solidFill>
+                  <a:srgbClr val="C00000"/>
+                </a:solidFill>
+                <a:latin typeface="Consolas" pitchFamily="49" charset="0"/>
+                <a:cs typeface="Consolas" pitchFamily="49" charset="0"/>
+              </a:rPr>
+              <a:t>git</a:t>
+            </a:r>
+            <a:r>
+              <a:rPr lang="en-US" altLang="zh-CN" sz="2000" dirty="0" smtClean="0">
+                <a:solidFill>
+                  <a:srgbClr val="C00000"/>
+                </a:solidFill>
+                <a:latin typeface="Consolas" pitchFamily="49" charset="0"/>
+                <a:cs typeface="Consolas" pitchFamily="49" charset="0"/>
+              </a:rPr>
+              <a:t> update-index test.txt </a:t>
+            </a:r>
+          </a:p>
+          <a:p>
+            <a:pPr>
+              <a:buNone/>
+            </a:pPr>
+            <a:r>
+              <a:rPr lang="en-US" altLang="zh-CN" sz="2000" dirty="0" smtClean="0">
+                <a:solidFill>
+                  <a:srgbClr val="C00000"/>
+                </a:solidFill>
+                <a:latin typeface="Consolas" pitchFamily="49" charset="0"/>
+                <a:cs typeface="Consolas" pitchFamily="49" charset="0"/>
+              </a:rPr>
+              <a:t>$ </a:t>
+            </a:r>
+            <a:r>
+              <a:rPr lang="en-US" altLang="zh-CN" sz="2000" dirty="0" err="1" smtClean="0">
+                <a:solidFill>
+                  <a:srgbClr val="C00000"/>
+                </a:solidFill>
+                <a:latin typeface="Consolas" pitchFamily="49" charset="0"/>
+                <a:cs typeface="Consolas" pitchFamily="49" charset="0"/>
+              </a:rPr>
+              <a:t>git</a:t>
+            </a:r>
+            <a:r>
+              <a:rPr lang="en-US" altLang="zh-CN" sz="2000" dirty="0" smtClean="0">
+                <a:solidFill>
+                  <a:srgbClr val="C00000"/>
+                </a:solidFill>
+                <a:latin typeface="Consolas" pitchFamily="49" charset="0"/>
+                <a:cs typeface="Consolas" pitchFamily="49" charset="0"/>
+              </a:rPr>
+              <a:t> update-index --add </a:t>
+            </a:r>
+            <a:r>
+              <a:rPr lang="en-US" altLang="zh-CN" sz="2000" dirty="0" smtClean="0">
+                <a:solidFill>
+                  <a:srgbClr val="C00000"/>
+                </a:solidFill>
+                <a:latin typeface="Consolas" pitchFamily="49" charset="0"/>
+                <a:cs typeface="Consolas" pitchFamily="49" charset="0"/>
+              </a:rPr>
+              <a:t>new.txt</a:t>
+            </a:r>
+          </a:p>
+          <a:p>
+            <a:pPr>
+              <a:buNone/>
+            </a:pPr>
+            <a:r>
+              <a:rPr lang="en-US" altLang="zh-CN" sz="2000" dirty="0" smtClean="0">
+                <a:solidFill>
+                  <a:srgbClr val="C00000"/>
+                </a:solidFill>
+                <a:latin typeface="Consolas" pitchFamily="49" charset="0"/>
+                <a:cs typeface="Consolas" pitchFamily="49" charset="0"/>
+              </a:rPr>
+              <a:t>$ </a:t>
+            </a:r>
+            <a:r>
+              <a:rPr lang="en-US" altLang="zh-CN" sz="2000" dirty="0" err="1" smtClean="0">
+                <a:solidFill>
+                  <a:srgbClr val="C00000"/>
+                </a:solidFill>
+                <a:latin typeface="Consolas" pitchFamily="49" charset="0"/>
+                <a:cs typeface="Consolas" pitchFamily="49" charset="0"/>
+              </a:rPr>
+              <a:t>git</a:t>
+            </a:r>
+            <a:r>
+              <a:rPr lang="en-US" altLang="zh-CN" sz="2000" dirty="0" smtClean="0">
+                <a:solidFill>
+                  <a:srgbClr val="C00000"/>
+                </a:solidFill>
+                <a:latin typeface="Consolas" pitchFamily="49" charset="0"/>
+                <a:cs typeface="Consolas" pitchFamily="49" charset="0"/>
+              </a:rPr>
+              <a:t> write-tree</a:t>
+            </a:r>
+          </a:p>
+          <a:p>
+            <a:r>
+              <a:rPr lang="zh-CN" altLang="en-US" dirty="0" smtClean="0"/>
+              <a:t>把上一个</a:t>
+            </a:r>
+            <a:r>
+              <a:rPr lang="en-US" altLang="zh-CN" dirty="0" smtClean="0"/>
+              <a:t>tree</a:t>
+            </a:r>
+            <a:r>
+              <a:rPr lang="zh-CN" altLang="en-US" dirty="0" smtClean="0"/>
+              <a:t>作为这个新</a:t>
+            </a:r>
+            <a:r>
+              <a:rPr lang="en-US" altLang="zh-CN" dirty="0" smtClean="0"/>
+              <a:t>tree</a:t>
+            </a:r>
+            <a:r>
+              <a:rPr lang="zh-CN" altLang="en-US" dirty="0" smtClean="0"/>
+              <a:t>的子目录读入</a:t>
+            </a:r>
+            <a:r>
+              <a:rPr lang="en-US" altLang="zh-CN" dirty="0" smtClean="0"/>
+              <a:t>index</a:t>
+            </a:r>
+          </a:p>
+          <a:p>
+            <a:pPr>
+              <a:buNone/>
+            </a:pPr>
+            <a:r>
+              <a:rPr lang="en-US" altLang="zh-CN" sz="2000" dirty="0" smtClean="0">
+                <a:solidFill>
+                  <a:srgbClr val="C00000"/>
+                </a:solidFill>
+                <a:latin typeface="Consolas" pitchFamily="49" charset="0"/>
+                <a:cs typeface="Consolas" pitchFamily="49" charset="0"/>
+              </a:rPr>
+              <a:t>$ </a:t>
+            </a:r>
+            <a:r>
+              <a:rPr lang="en-US" altLang="zh-CN" sz="2000" dirty="0" err="1" smtClean="0">
+                <a:solidFill>
+                  <a:srgbClr val="C00000"/>
+                </a:solidFill>
+                <a:latin typeface="Consolas" pitchFamily="49" charset="0"/>
+                <a:cs typeface="Consolas" pitchFamily="49" charset="0"/>
+              </a:rPr>
+              <a:t>git</a:t>
+            </a:r>
+            <a:r>
+              <a:rPr lang="en-US" altLang="zh-CN" sz="2000" dirty="0" smtClean="0">
+                <a:solidFill>
+                  <a:srgbClr val="C00000"/>
+                </a:solidFill>
+                <a:latin typeface="Consolas" pitchFamily="49" charset="0"/>
+                <a:cs typeface="Consolas" pitchFamily="49" charset="0"/>
+              </a:rPr>
+              <a:t> read-tree --prefix=</a:t>
+            </a:r>
+            <a:r>
+              <a:rPr lang="en-US" altLang="zh-CN" sz="2000" dirty="0" err="1" smtClean="0">
+                <a:solidFill>
+                  <a:srgbClr val="C00000"/>
+                </a:solidFill>
+                <a:latin typeface="Consolas" pitchFamily="49" charset="0"/>
+                <a:cs typeface="Consolas" pitchFamily="49" charset="0"/>
+              </a:rPr>
+              <a:t>bak</a:t>
+            </a:r>
+            <a:r>
+              <a:rPr lang="en-US" altLang="zh-CN" sz="2000" dirty="0" smtClean="0">
+                <a:solidFill>
+                  <a:srgbClr val="C00000"/>
+                </a:solidFill>
+                <a:latin typeface="Consolas" pitchFamily="49" charset="0"/>
+                <a:cs typeface="Consolas" pitchFamily="49" charset="0"/>
+              </a:rPr>
+              <a:t> d8329fc1cc938780ffdd9f94e0d364e0ea74f579 </a:t>
+            </a:r>
+          </a:p>
+          <a:p>
+            <a:pPr>
+              <a:buNone/>
+            </a:pPr>
+            <a:r>
+              <a:rPr lang="en-US" altLang="zh-CN" sz="2000" dirty="0" smtClean="0">
+                <a:solidFill>
+                  <a:srgbClr val="C00000"/>
+                </a:solidFill>
+                <a:latin typeface="Consolas" pitchFamily="49" charset="0"/>
+                <a:cs typeface="Consolas" pitchFamily="49" charset="0"/>
+              </a:rPr>
+              <a:t>$ </a:t>
+            </a:r>
+            <a:r>
+              <a:rPr lang="en-US" altLang="zh-CN" sz="2000" dirty="0" err="1" smtClean="0">
+                <a:solidFill>
+                  <a:srgbClr val="C00000"/>
+                </a:solidFill>
+                <a:latin typeface="Consolas" pitchFamily="49" charset="0"/>
+                <a:cs typeface="Consolas" pitchFamily="49" charset="0"/>
+              </a:rPr>
+              <a:t>git</a:t>
+            </a:r>
+            <a:r>
+              <a:rPr lang="en-US" altLang="zh-CN" sz="2000" dirty="0" smtClean="0">
+                <a:solidFill>
+                  <a:srgbClr val="C00000"/>
+                </a:solidFill>
+                <a:latin typeface="Consolas" pitchFamily="49" charset="0"/>
+                <a:cs typeface="Consolas" pitchFamily="49" charset="0"/>
+              </a:rPr>
+              <a:t> write-tree</a:t>
+            </a:r>
+            <a:endParaRPr lang="zh-CN" altLang="en-US" sz="2000" dirty="0" smtClean="0">
+              <a:solidFill>
+                <a:srgbClr val="C00000"/>
+              </a:solidFill>
+              <a:latin typeface="Consolas" pitchFamily="49" charset="0"/>
+              <a:cs typeface="Consolas" pitchFamily="49" charset="0"/>
+            </a:endParaRPr>
+          </a:p>
+        </p:txBody>
+      </p:sp>
+      <p:sp>
+        <p:nvSpPr>
+          <p:cNvPr id="3" name="标题 2"/>
           <p:cNvSpPr>
             <a:spLocks noGrp="1"/>
           </p:cNvSpPr>
@@ -5293,13 +6773,25 @@
         <p:spPr/>
         <p:txBody>
           <a:bodyPr>
-            <a:normAutofit/>
+            <a:normAutofit fontScale="90000"/>
           </a:bodyPr>
           <a:lstStyle/>
           <a:p>
             <a:r>
-              <a:rPr lang="en-US" altLang="zh-CN" dirty="0" smtClean="0"/>
-              <a:t>Tag Object</a:t>
+              <a:rPr lang="zh-CN" altLang="en-US" dirty="0" smtClean="0"/>
+              <a:t>在暂存区</a:t>
+            </a:r>
+            <a:r>
+              <a:rPr lang="en-US" altLang="zh-CN" dirty="0" smtClean="0"/>
+              <a:t>(index)</a:t>
+            </a:r>
+            <a:r>
+              <a:rPr lang="zh-CN" altLang="en-US" dirty="0" smtClean="0"/>
+              <a:t>上创建</a:t>
+            </a:r>
+            <a:r>
+              <a:rPr lang="en-US" altLang="zh-CN" dirty="0" smtClean="0"/>
+              <a:t>Tree Object</a:t>
             </a:r>
             <a:endParaRPr lang="zh-CN" altLang="en-US" dirty="0"/>
           </a:p>
@@ -5310,13 +6802,6 @@
   <p:clrMapOvr>
     <a:masterClrMapping/>
   </p:clrMapOvr>
-  <p:timing>
-    <p:tnLst>
-      <p:par>
-        <p:cTn id="1" dur="indefinite" restart="never" nodeType="tmRoot"/>
-      </p:par>
-    </p:tnLst>
-  </p:timing>
 </p:sld>
 </file>
 
@@ -5337,14 +6822,37 @@
           <a:chExt cx="0" cy="0"/>
         </a:xfrm>
       </p:grpSpPr>
-      <p:sp>
-        <p:nvSpPr>
-          <p:cNvPr id="3" name="内容占位符 2"/>
-          <p:cNvSpPr>
-            <a:spLocks noGrp="1"/>
-          </p:cNvSpPr>
+      <p:pic>
+        <p:nvPicPr>
+          <p:cNvPr id="4" name="内容占位符 3" descr="tree-2.png"/>
+          <p:cNvPicPr>
+            <a:picLocks noGrp="1" noChangeAspect="1"/>
+          </p:cNvPicPr>
           <p:nvPr>
             <p:ph idx="1"/>
+          </p:nvPr>
+        </p:nvPicPr>
+        <p:blipFill>
+          <a:blip r:embed="rId2" cstate="print"/>
+          <a:stretch>
+            <a:fillRect/>
+          </a:stretch>
+        </p:blipFill>
+        <p:spPr>
+          <a:xfrm>
+            <a:off x="1187624" y="1628800"/>
+            <a:ext cx="6696744" cy="4540392"/>
+          </a:xfrm>
+        </p:spPr>
+      </p:pic>
+      <p:sp>
+        <p:nvSpPr>
+          <p:cNvPr id="3" name="标题 2"/>
+          <p:cNvSpPr>
+            <a:spLocks noGrp="1"/>
+          </p:cNvSpPr>
+          <p:nvPr>
+            <p:ph type="title"/>
           </p:nvPr>
         </p:nvSpPr>
         <p:spPr/>
@@ -5352,18 +6860,55 @@
           <a:bodyPr/>
           <a:lstStyle/>
           <a:p>
+            <a:r>
+              <a:rPr lang="zh-CN" altLang="en-US" dirty="0" smtClean="0"/>
+              <a:t>两个</a:t>
+            </a:r>
+            <a:r>
+              <a:rPr lang="en-US" altLang="zh-CN" dirty="0" smtClean="0"/>
+              <a:t>Tree Object</a:t>
+            </a:r>
+            <a:r>
+              <a:rPr lang="zh-CN" altLang="en-US" dirty="0" smtClean="0"/>
+              <a:t>的最终结构</a:t>
+            </a:r>
             <a:endParaRPr lang="zh-CN" altLang="en-US" dirty="0"/>
           </a:p>
         </p:txBody>
       </p:sp>
-      <p:sp>
-        <p:nvSpPr>
-          <p:cNvPr id="2" name="标题 1"/>
-          <p:cNvSpPr>
-            <a:spLocks noGrp="1"/>
-          </p:cNvSpPr>
-          <p:nvPr>
-            <p:ph type="title"/>
+    </p:spTree>
+  </p:cSld>
+  <p:clrMapOvr>
+    <a:masterClrMapping/>
+  </p:clrMapOvr>
+</p:sld>
+</file>
+
+<file path=ppt/slides/slide8.xml><?xml version="1.0" encoding="utf-8"?>
+<p:sld xmlns:a="http://schemas.openxmlformats.org/drawingml/2006/main" xmlns:r="http://schemas.openxmlformats.org/officeDocument/2006/relationships" xmlns:p="http://schemas.openxmlformats.org/presentationml/2006/main">
+  <p:cSld>
+    <p:spTree>
+      <p:nvGrpSpPr>
+        <p:cNvPr id="1" name=""/>
+        <p:cNvGrpSpPr/>
+        <p:nvPr/>
+      </p:nvGrpSpPr>
+      <p:grpSpPr>
+        <a:xfrm>
+          <a:off x="0" y="0"/>
+          <a:ext cx="0" cy="0"/>
+          <a:chOff x="0" y="0"/>
+          <a:chExt cx="0" cy="0"/>
+        </a:xfrm>
+      </p:grpSpPr>
+      <p:sp>
+        <p:nvSpPr>
+          <p:cNvPr id="3" name="内容占位符 2"/>
+          <p:cNvSpPr>
+            <a:spLocks noGrp="1"/>
+          </p:cNvSpPr>
+          <p:nvPr>
+            <p:ph idx="1"/>
           </p:nvPr>
         </p:nvSpPr>
         <p:spPr/>
@@ -5373,7 +6918,265 @@
           <a:p>
             <a:r>
               <a:rPr lang="en-US" altLang="zh-CN" dirty="0" smtClean="0"/>
-              <a:t>refs</a:t>
+              <a:t>Commit Object</a:t>
+            </a:r>
+            <a:r>
+              <a:rPr lang="zh-CN" altLang="en-US" dirty="0" smtClean="0"/>
+              <a:t>是</a:t>
+            </a:r>
+            <a:r>
+              <a:rPr lang="en-US" altLang="zh-CN" dirty="0" err="1" smtClean="0"/>
+              <a:t>Git</a:t>
+            </a:r>
+            <a:r>
+              <a:rPr lang="zh-CN" altLang="en-US" dirty="0" smtClean="0"/>
+              <a:t>库某个</a:t>
+            </a:r>
+            <a:r>
+              <a:rPr lang="zh-CN" altLang="en-US" dirty="0" smtClean="0">
+                <a:solidFill>
+                  <a:srgbClr val="FF0000"/>
+                </a:solidFill>
+              </a:rPr>
+              <a:t>原子</a:t>
+            </a:r>
+            <a:r>
+              <a:rPr lang="en-US" altLang="zh-CN" dirty="0" smtClean="0"/>
+              <a:t>(atomic)</a:t>
+            </a:r>
+            <a:r>
+              <a:rPr lang="zh-CN" altLang="en-US" dirty="0" smtClean="0"/>
+              <a:t>状态的快照</a:t>
+            </a:r>
+            <a:r>
+              <a:rPr lang="en-US" altLang="zh-CN" dirty="0" smtClean="0"/>
+              <a:t>(Snapshot)</a:t>
+            </a:r>
+          </a:p>
+          <a:p>
+            <a:r>
+              <a:rPr lang="zh-CN" altLang="en-US" dirty="0" smtClean="0"/>
+              <a:t>通过</a:t>
+            </a:r>
+            <a:r>
+              <a:rPr lang="en-US" altLang="zh-CN" dirty="0" smtClean="0"/>
+              <a:t>Tree Object</a:t>
+            </a:r>
+            <a:r>
+              <a:rPr lang="zh-CN" altLang="en-US" dirty="0" smtClean="0"/>
+              <a:t>创建一个</a:t>
+            </a:r>
+            <a:r>
+              <a:rPr lang="en-US" altLang="zh-CN" dirty="0" smtClean="0"/>
+              <a:t>commit</a:t>
+            </a:r>
+          </a:p>
+          <a:p>
+            <a:pPr>
+              <a:buNone/>
+            </a:pPr>
+            <a:r>
+              <a:rPr lang="en-US" altLang="zh-CN" sz="2000" dirty="0" smtClean="0">
+                <a:solidFill>
+                  <a:srgbClr val="C00000"/>
+                </a:solidFill>
+                <a:latin typeface="Consolas" pitchFamily="49" charset="0"/>
+                <a:cs typeface="Consolas" pitchFamily="49" charset="0"/>
+              </a:rPr>
+              <a:t>$ echo 'first commit' | </a:t>
+            </a:r>
+            <a:r>
+              <a:rPr lang="en-US" altLang="zh-CN" sz="2000" dirty="0" err="1" smtClean="0">
+                <a:solidFill>
+                  <a:srgbClr val="C00000"/>
+                </a:solidFill>
+                <a:latin typeface="Consolas" pitchFamily="49" charset="0"/>
+                <a:cs typeface="Consolas" pitchFamily="49" charset="0"/>
+              </a:rPr>
+              <a:t>git</a:t>
+            </a:r>
+            <a:r>
+              <a:rPr lang="en-US" altLang="zh-CN" sz="2000" dirty="0" smtClean="0">
+                <a:solidFill>
+                  <a:srgbClr val="C00000"/>
+                </a:solidFill>
+                <a:latin typeface="Consolas" pitchFamily="49" charset="0"/>
+                <a:cs typeface="Consolas" pitchFamily="49" charset="0"/>
+              </a:rPr>
+              <a:t> commit-tree d8329f</a:t>
+            </a:r>
+          </a:p>
+          <a:p>
+            <a:r>
+              <a:rPr lang="zh-CN" altLang="en-US" dirty="0" smtClean="0"/>
+              <a:t>再创建两个</a:t>
+            </a:r>
+            <a:r>
+              <a:rPr lang="en-US" altLang="zh-CN" dirty="0" smtClean="0"/>
+              <a:t>commit</a:t>
+            </a:r>
+            <a:r>
+              <a:rPr lang="zh-CN" altLang="en-US" dirty="0" smtClean="0"/>
+              <a:t>，分别指向前一个</a:t>
+            </a:r>
+            <a:r>
+              <a:rPr lang="en-US" altLang="zh-CN" dirty="0" smtClean="0"/>
+              <a:t>commit</a:t>
+            </a:r>
+            <a:r>
+              <a:rPr lang="zh-CN" altLang="en-US" dirty="0" smtClean="0"/>
+              <a:t>作为</a:t>
+            </a:r>
+            <a:r>
+              <a:rPr lang="en-US" altLang="zh-CN" dirty="0" smtClean="0"/>
+              <a:t>parent</a:t>
+            </a:r>
+          </a:p>
+          <a:p>
+            <a:pPr>
+              <a:buNone/>
+            </a:pPr>
+            <a:r>
+              <a:rPr lang="en-US" altLang="zh-CN" sz="2000" dirty="0" smtClean="0">
+                <a:solidFill>
+                  <a:srgbClr val="C00000"/>
+                </a:solidFill>
+                <a:latin typeface="Consolas" pitchFamily="49" charset="0"/>
+                <a:cs typeface="Consolas" pitchFamily="49" charset="0"/>
+              </a:rPr>
+              <a:t>$ echo 'second commit' | </a:t>
+            </a:r>
+            <a:r>
+              <a:rPr lang="en-US" altLang="zh-CN" sz="2000" dirty="0" err="1" smtClean="0">
+                <a:solidFill>
+                  <a:srgbClr val="C00000"/>
+                </a:solidFill>
+                <a:latin typeface="Consolas" pitchFamily="49" charset="0"/>
+                <a:cs typeface="Consolas" pitchFamily="49" charset="0"/>
+              </a:rPr>
+              <a:t>git</a:t>
+            </a:r>
+            <a:r>
+              <a:rPr lang="en-US" altLang="zh-CN" sz="2000" dirty="0" smtClean="0">
+                <a:solidFill>
+                  <a:srgbClr val="C00000"/>
+                </a:solidFill>
+                <a:latin typeface="Consolas" pitchFamily="49" charset="0"/>
+                <a:cs typeface="Consolas" pitchFamily="49" charset="0"/>
+              </a:rPr>
+              <a:t> commit-tree 0155eb -p fdf4fc3 </a:t>
+            </a:r>
+          </a:p>
+          <a:p>
+            <a:pPr>
+              <a:buNone/>
+            </a:pPr>
+            <a:r>
+              <a:rPr lang="en-US" altLang="zh-CN" sz="2000" dirty="0" smtClean="0">
+                <a:solidFill>
+                  <a:srgbClr val="C00000"/>
+                </a:solidFill>
+                <a:latin typeface="Consolas" pitchFamily="49" charset="0"/>
+                <a:cs typeface="Consolas" pitchFamily="49" charset="0"/>
+              </a:rPr>
+              <a:t>$ echo 'third commit' | </a:t>
+            </a:r>
+            <a:r>
+              <a:rPr lang="en-US" altLang="zh-CN" sz="2000" dirty="0" err="1" smtClean="0">
+                <a:solidFill>
+                  <a:srgbClr val="C00000"/>
+                </a:solidFill>
+                <a:latin typeface="Consolas" pitchFamily="49" charset="0"/>
+                <a:cs typeface="Consolas" pitchFamily="49" charset="0"/>
+              </a:rPr>
+              <a:t>git</a:t>
+            </a:r>
+            <a:r>
+              <a:rPr lang="en-US" altLang="zh-CN" sz="2000" dirty="0" smtClean="0">
+                <a:solidFill>
+                  <a:srgbClr val="C00000"/>
+                </a:solidFill>
+                <a:latin typeface="Consolas" pitchFamily="49" charset="0"/>
+                <a:cs typeface="Consolas" pitchFamily="49" charset="0"/>
+              </a:rPr>
+              <a:t> commit-tree 3c4e9c -p cac0cab</a:t>
+            </a:r>
+          </a:p>
+          <a:p>
+            <a:pPr>
+              <a:buNone/>
+            </a:pPr>
+            <a:r>
+              <a:rPr lang="en-US" altLang="zh-CN" sz="2000" dirty="0" smtClean="0">
+                <a:solidFill>
+                  <a:srgbClr val="C00000"/>
+                </a:solidFill>
+                <a:latin typeface="Consolas" pitchFamily="49" charset="0"/>
+                <a:cs typeface="Consolas" pitchFamily="49" charset="0"/>
+              </a:rPr>
+              <a:t>$ </a:t>
+            </a:r>
+            <a:r>
+              <a:rPr lang="en-US" altLang="zh-CN" sz="2000" dirty="0" err="1" smtClean="0">
+                <a:solidFill>
+                  <a:srgbClr val="C00000"/>
+                </a:solidFill>
+                <a:latin typeface="Consolas" pitchFamily="49" charset="0"/>
+                <a:cs typeface="Consolas" pitchFamily="49" charset="0"/>
+              </a:rPr>
+              <a:t>git</a:t>
+            </a:r>
+            <a:r>
+              <a:rPr lang="en-US" altLang="zh-CN" sz="2000" dirty="0" smtClean="0">
+                <a:solidFill>
+                  <a:srgbClr val="C00000"/>
+                </a:solidFill>
+                <a:latin typeface="Consolas" pitchFamily="49" charset="0"/>
+                <a:cs typeface="Consolas" pitchFamily="49" charset="0"/>
+              </a:rPr>
+              <a:t> log –stat &lt;</a:t>
+            </a:r>
+            <a:r>
+              <a:rPr lang="en-US" altLang="zh-CN" sz="2000" dirty="0" err="1" smtClean="0">
+                <a:solidFill>
+                  <a:srgbClr val="C00000"/>
+                </a:solidFill>
+                <a:latin typeface="Consolas" pitchFamily="49" charset="0"/>
+                <a:cs typeface="Consolas" pitchFamily="49" charset="0"/>
+              </a:rPr>
+              <a:t>last_commit_id</a:t>
+            </a:r>
+            <a:r>
+              <a:rPr lang="en-US" altLang="zh-CN" sz="2000" dirty="0" smtClean="0">
+                <a:solidFill>
+                  <a:srgbClr val="C00000"/>
+                </a:solidFill>
+                <a:latin typeface="Consolas" pitchFamily="49" charset="0"/>
+                <a:cs typeface="Consolas" pitchFamily="49" charset="0"/>
+              </a:rPr>
+              <a:t>&gt;</a:t>
+            </a:r>
+          </a:p>
+        </p:txBody>
+      </p:sp>
+      <p:sp>
+        <p:nvSpPr>
+          <p:cNvPr id="2" name="标题 1"/>
+          <p:cNvSpPr>
+            <a:spLocks noGrp="1"/>
+          </p:cNvSpPr>
+          <p:nvPr>
+            <p:ph type="title"/>
+          </p:nvPr>
+        </p:nvSpPr>
+        <p:spPr/>
+        <p:txBody>
+          <a:bodyPr/>
+          <a:lstStyle/>
+          <a:p>
+            <a:r>
+              <a:rPr lang="en-US" altLang="zh-CN" dirty="0" smtClean="0"/>
+              <a:t>Commit Object</a:t>
             </a:r>
             <a:endParaRPr lang="zh-CN" altLang="en-US" dirty="0"/>
           </a:p>
@@ -5391,6 +7194,141 @@
       </p:par>
     </p:tnLst>
   </p:timing>
+</p:sld>
+</file>
+
+<file path=ppt/slides/slide9.xml><?xml version="1.0" encoding="utf-8"?>
+<p:sld xmlns:a="http://schemas.openxmlformats.org/drawingml/2006/main" xmlns:r="http://schemas.openxmlformats.org/officeDocument/2006/relationships" xmlns:p="http://schemas.openxmlformats.org/presentationml/2006/main">
+  <p:cSld>
+    <p:spTree>
+      <p:nvGrpSpPr>
+        <p:cNvPr id="1" name=""/>
+        <p:cNvGrpSpPr/>
+        <p:nvPr/>
+      </p:nvGrpSpPr>
+      <p:grpSpPr>
+        <a:xfrm>
+          <a:off x="0" y="0"/>
+          <a:ext cx="0" cy="0"/>
+          <a:chOff x="0" y="0"/>
+          <a:chExt cx="0" cy="0"/>
+        </a:xfrm>
+      </p:grpSpPr>
+      <p:sp>
+        <p:nvSpPr>
+          <p:cNvPr id="2" name="内容占位符 1"/>
+          <p:cNvSpPr>
+            <a:spLocks noGrp="1"/>
+          </p:cNvSpPr>
+          <p:nvPr>
+            <p:ph idx="1"/>
+          </p:nvPr>
+        </p:nvSpPr>
+        <p:spPr/>
+        <p:txBody>
+          <a:bodyPr/>
+          <a:lstStyle/>
+          <a:p>
+            <a:r>
+              <a:rPr lang="en-US" altLang="zh-CN" dirty="0" smtClean="0"/>
+              <a:t>Info = </a:t>
+            </a:r>
+            <a:r>
+              <a:rPr lang="en-US" altLang="zh-CN" dirty="0" err="1" smtClean="0"/>
+              <a:t>TreeId+ParentId+Author+Committer+TimeStamp+Commit</a:t>
+            </a:r>
+            <a:r>
+              <a:rPr lang="en-US" altLang="zh-CN" dirty="0" smtClean="0"/>
+              <a:t> Message</a:t>
+            </a:r>
+          </a:p>
+          <a:p>
+            <a:r>
+              <a:rPr lang="en-US" altLang="zh-CN" dirty="0" smtClean="0"/>
+              <a:t>Sha1(“commit “+</a:t>
+            </a:r>
+            <a:r>
+              <a:rPr lang="en-US" altLang="zh-CN" dirty="0" err="1" smtClean="0"/>
+              <a:t>Info.size</a:t>
+            </a:r>
+            <a:r>
+              <a:rPr lang="en-US" altLang="zh-CN" dirty="0" smtClean="0"/>
+              <a:t>()</a:t>
+            </a:r>
+            <a:r>
+              <a:rPr lang="zh-CN" altLang="en-US" dirty="0" smtClean="0"/>
+              <a:t>＋</a:t>
+            </a:r>
+            <a:r>
+              <a:rPr lang="en-US" altLang="zh-CN" dirty="0" smtClean="0"/>
+              <a:t>”\0”+Info)</a:t>
+            </a:r>
+          </a:p>
+          <a:p>
+            <a:r>
+              <a:rPr lang="zh-CN" altLang="en-US" dirty="0" smtClean="0"/>
+              <a:t>即使</a:t>
+            </a:r>
+            <a:r>
+              <a:rPr lang="en-US" altLang="zh-CN" dirty="0" smtClean="0"/>
+              <a:t>Tree Object</a:t>
+            </a:r>
+            <a:r>
+              <a:rPr lang="zh-CN" altLang="en-US" dirty="0" smtClean="0"/>
+              <a:t>没有变化，但是时间戳或者</a:t>
+            </a:r>
+            <a:r>
+              <a:rPr lang="en-US" altLang="zh-CN" dirty="0" smtClean="0"/>
+              <a:t>Message</a:t>
+            </a:r>
+            <a:r>
+              <a:rPr lang="zh-CN" altLang="en-US" dirty="0" smtClean="0"/>
+              <a:t>内容发生变化，也会生成一个完全不同的</a:t>
+            </a:r>
+            <a:r>
+              <a:rPr lang="en-US" altLang="zh-CN" dirty="0" smtClean="0"/>
+              <a:t>Commit Object</a:t>
+            </a:r>
+            <a:r>
+              <a:rPr lang="zh-CN" altLang="en-US" dirty="0" smtClean="0"/>
+              <a:t>对象</a:t>
+            </a:r>
+            <a:endParaRPr lang="zh-CN" altLang="en-US" dirty="0"/>
+          </a:p>
+        </p:txBody>
+      </p:sp>
+      <p:sp>
+        <p:nvSpPr>
+          <p:cNvPr id="3" name="标题 2"/>
+          <p:cNvSpPr>
+            <a:spLocks noGrp="1"/>
+          </p:cNvSpPr>
+          <p:nvPr>
+            <p:ph type="title"/>
+          </p:nvPr>
+        </p:nvSpPr>
+        <p:spPr/>
+        <p:txBody>
+          <a:bodyPr/>
+          <a:lstStyle/>
+          <a:p>
+            <a:r>
+              <a:rPr lang="en-US" altLang="zh-CN" dirty="0" smtClean="0"/>
+              <a:t>Commit Object</a:t>
+            </a:r>
+            <a:r>
+              <a:rPr lang="zh-CN" altLang="en-US" dirty="0" smtClean="0"/>
+              <a:t>包含的信息</a:t>
+            </a:r>
+            <a:endParaRPr lang="zh-CN" altLang="en-US" dirty="0"/>
+          </a:p>
+        </p:txBody>
+      </p:sp>
+    </p:spTree>
+  </p:cSld>
+  <p:clrMapOvr>
+    <a:masterClrMapping/>
+  </p:clrMapOvr>
 </p:sld>
 </file>
 

--- a/ppt/Git.pptx
+++ b/ppt/Git.pptx
@@ -6,20 +6,27 @@
   </p:sldMasterIdLst>
   <p:sldIdLst>
     <p:sldId id="256" r:id="rId2"/>
-    <p:sldId id="257" r:id="rId3"/>
-    <p:sldId id="258" r:id="rId4"/>
-    <p:sldId id="259" r:id="rId5"/>
-    <p:sldId id="263" r:id="rId6"/>
-    <p:sldId id="264" r:id="rId7"/>
-    <p:sldId id="265" r:id="rId8"/>
-    <p:sldId id="260" r:id="rId9"/>
-    <p:sldId id="266" r:id="rId10"/>
-    <p:sldId id="267" r:id="rId11"/>
-    <p:sldId id="261" r:id="rId12"/>
-    <p:sldId id="262" r:id="rId13"/>
-    <p:sldId id="268" r:id="rId14"/>
-    <p:sldId id="269" r:id="rId15"/>
-    <p:sldId id="270" r:id="rId16"/>
+    <p:sldId id="272" r:id="rId3"/>
+    <p:sldId id="257" r:id="rId4"/>
+    <p:sldId id="258" r:id="rId5"/>
+    <p:sldId id="259" r:id="rId6"/>
+    <p:sldId id="263" r:id="rId7"/>
+    <p:sldId id="264" r:id="rId8"/>
+    <p:sldId id="265" r:id="rId9"/>
+    <p:sldId id="260" r:id="rId10"/>
+    <p:sldId id="266" r:id="rId11"/>
+    <p:sldId id="267" r:id="rId12"/>
+    <p:sldId id="261" r:id="rId13"/>
+    <p:sldId id="262" r:id="rId14"/>
+    <p:sldId id="268" r:id="rId15"/>
+    <p:sldId id="269" r:id="rId16"/>
+    <p:sldId id="274" r:id="rId17"/>
+    <p:sldId id="270" r:id="rId18"/>
+    <p:sldId id="271" r:id="rId19"/>
+    <p:sldId id="273" r:id="rId20"/>
+    <p:sldId id="275" r:id="rId21"/>
+    <p:sldId id="276" r:id="rId22"/>
+    <p:sldId id="277" r:id="rId23"/>
   </p:sldIdLst>
   <p:sldSz cx="9144000" cy="6858000" type="screen4x3"/>
   <p:notesSz cx="6858000" cy="9144000"/>
@@ -118,6 +125,38 @@
       </a:defRPr>
     </a:lvl9pPr>
   </p:defaultTextStyle>
+  <p:extLst>
+    <p:ext uri="{521415D9-36F7-43E2-AB2F-B90AF26B5E84}">
+      <p14:sectionLst xmlns:p14="http://schemas.microsoft.com/office/powerpoint/2010/main">
+        <p14:section name="默认节" id="{8F654347-E504-40AB-997A-8129A3429E00}">
+          <p14:sldIdLst>
+            <p14:sldId id="256"/>
+            <p14:sldId id="272"/>
+            <p14:sldId id="257"/>
+            <p14:sldId id="258"/>
+            <p14:sldId id="259"/>
+            <p14:sldId id="263"/>
+            <p14:sldId id="264"/>
+            <p14:sldId id="265"/>
+            <p14:sldId id="260"/>
+            <p14:sldId id="266"/>
+            <p14:sldId id="267"/>
+            <p14:sldId id="261"/>
+            <p14:sldId id="262"/>
+            <p14:sldId id="268"/>
+            <p14:sldId id="269"/>
+            <p14:sldId id="274"/>
+            <p14:sldId id="270"/>
+            <p14:sldId id="271"/>
+            <p14:sldId id="273"/>
+            <p14:sldId id="275"/>
+            <p14:sldId id="276"/>
+            <p14:sldId id="277"/>
+          </p14:sldIdLst>
+        </p14:section>
+      </p14:sectionLst>
+    </p:ext>
+  </p:extLst>
 </p:presentation>
 </file>
 
@@ -746,7 +785,7 @@
           <a:p>
             <a:fld id="{552B59B4-7C25-4F23-85F3-407D74B5C84A}" type="datetimeFigureOut">
               <a:rPr lang="zh-CN" altLang="en-US" smtClean="0"/>
-              <a:t>2012/10/15</a:t>
+              <a:t>2012/10/21</a:t>
             </a:fld>
             <a:endParaRPr lang="zh-CN" altLang="en-US"/>
           </a:p>
@@ -942,7 +981,7 @@
           <a:p>
             <a:fld id="{552B59B4-7C25-4F23-85F3-407D74B5C84A}" type="datetimeFigureOut">
               <a:rPr lang="zh-CN" altLang="en-US" smtClean="0"/>
-              <a:t>2012/10/15</a:t>
+              <a:t>2012/10/21</a:t>
             </a:fld>
             <a:endParaRPr lang="zh-CN" altLang="en-US"/>
           </a:p>
@@ -1127,7 +1166,7 @@
           <a:p>
             <a:fld id="{552B59B4-7C25-4F23-85F3-407D74B5C84A}" type="datetimeFigureOut">
               <a:rPr lang="zh-CN" altLang="en-US" smtClean="0"/>
-              <a:t>2012/10/15</a:t>
+              <a:t>2012/10/21</a:t>
             </a:fld>
             <a:endParaRPr lang="zh-CN" altLang="en-US"/>
           </a:p>
@@ -1277,7 +1316,7 @@
           <a:p>
             <a:fld id="{552B59B4-7C25-4F23-85F3-407D74B5C84A}" type="datetimeFigureOut">
               <a:rPr lang="zh-CN" altLang="en-US" smtClean="0"/>
-              <a:t>2012/10/15</a:t>
+              <a:t>2012/10/21</a:t>
             </a:fld>
             <a:endParaRPr lang="zh-CN" altLang="en-US"/>
           </a:p>
@@ -1365,11 +1404,6 @@
 <file path=ppt/slideLayouts/slideLayout3.xml><?xml version="1.0" encoding="utf-8"?>
 <p:sldLayout xmlns:a="http://schemas.openxmlformats.org/drawingml/2006/main" xmlns:r="http://schemas.openxmlformats.org/officeDocument/2006/relationships" xmlns:p="http://schemas.openxmlformats.org/presentationml/2006/main" type="secHead" preserve="1">
   <p:cSld name="节标题">
-    <p:bg>
-      <p:bgRef idx="1002">
-        <a:schemeClr val="bg1"/>
-      </p:bgRef>
-    </p:bg>
     <p:spTree>
       <p:nvGrpSpPr>
         <p:cNvPr id="1" name=""/>
@@ -1532,7 +1566,7 @@
           <a:p>
             <a:fld id="{552B59B4-7C25-4F23-85F3-407D74B5C84A}" type="datetimeFigureOut">
               <a:rPr lang="zh-CN" altLang="en-US" smtClean="0"/>
-              <a:t>2012/10/15</a:t>
+              <a:t>2012/10/21</a:t>
             </a:fld>
             <a:endParaRPr lang="zh-CN" altLang="en-US"/>
           </a:p>
@@ -1747,7 +1781,7 @@
     </p:spTree>
   </p:cSld>
   <p:clrMapOvr>
-    <a:overrideClrMapping bg1="dk1" tx1="lt1" bg2="dk2" tx2="lt2" accent1="accent1" accent2="accent2" accent3="accent3" accent4="accent4" accent5="accent5" accent6="accent6" hlink="hlink" folHlink="folHlink"/>
+    <a:masterClrMapping/>
   </p:clrMapOvr>
 </p:sldLayout>
 </file>
@@ -1755,11 +1789,6 @@
 <file path=ppt/slideLayouts/slideLayout4.xml><?xml version="1.0" encoding="utf-8"?>
 <p:sldLayout xmlns:a="http://schemas.openxmlformats.org/drawingml/2006/main" xmlns:r="http://schemas.openxmlformats.org/officeDocument/2006/relationships" xmlns:p="http://schemas.openxmlformats.org/presentationml/2006/main" type="twoObj" preserve="1">
   <p:cSld name="两栏内容">
-    <p:bg>
-      <p:bgRef idx="1002">
-        <a:schemeClr val="bg1"/>
-      </p:bgRef>
-    </p:bg>
     <p:spTree>
       <p:nvGrpSpPr>
         <p:cNvPr id="1" name=""/>
@@ -1941,7 +1970,7 @@
           <a:p>
             <a:fld id="{552B59B4-7C25-4F23-85F3-407D74B5C84A}" type="datetimeFigureOut">
               <a:rPr lang="zh-CN" altLang="en-US" smtClean="0"/>
-              <a:t>2012/10/15</a:t>
+              <a:t>2012/10/21</a:t>
             </a:fld>
             <a:endParaRPr lang="zh-CN" altLang="en-US"/>
           </a:p>
@@ -2021,7 +2050,7 @@
     </p:spTree>
   </p:cSld>
   <p:clrMapOvr>
-    <a:overrideClrMapping bg1="dk1" tx1="lt1" bg2="dk2" tx2="lt2" accent1="accent1" accent2="accent2" accent3="accent3" accent4="accent4" accent5="accent5" accent6="accent6" hlink="hlink" folHlink="folHlink"/>
+    <a:masterClrMapping/>
   </p:clrMapOvr>
 </p:sldLayout>
 </file>
@@ -2029,11 +2058,6 @@
 <file path=ppt/slideLayouts/slideLayout5.xml><?xml version="1.0" encoding="utf-8"?>
 <p:sldLayout xmlns:a="http://schemas.openxmlformats.org/drawingml/2006/main" xmlns:r="http://schemas.openxmlformats.org/officeDocument/2006/relationships" xmlns:p="http://schemas.openxmlformats.org/presentationml/2006/main" showMasterSp="0" type="twoTxTwoObj" preserve="1">
   <p:cSld name="比较">
-    <p:bg>
-      <p:bgRef idx="1003">
-        <a:schemeClr val="bg1"/>
-      </p:bgRef>
-    </p:bg>
     <p:spTree>
       <p:nvGrpSpPr>
         <p:cNvPr id="1" name=""/>
@@ -2387,7 +2411,7 @@
           <a:p>
             <a:fld id="{552B59B4-7C25-4F23-85F3-407D74B5C84A}" type="datetimeFigureOut">
               <a:rPr lang="zh-CN" altLang="en-US" smtClean="0"/>
-              <a:t>2012/10/15</a:t>
+              <a:t>2012/10/21</a:t>
             </a:fld>
             <a:endParaRPr lang="zh-CN" altLang="en-US"/>
           </a:p>
@@ -2442,7 +2466,7 @@
     </p:spTree>
   </p:cSld>
   <p:clrMapOvr>
-    <a:overrideClrMapping bg1="lt1" tx1="dk1" bg2="lt2" tx2="dk2" accent1="accent1" accent2="accent2" accent3="accent3" accent4="accent4" accent5="accent5" accent6="accent6" hlink="hlink" folHlink="folHlink"/>
+    <a:masterClrMapping/>
   </p:clrMapOvr>
 </p:sldLayout>
 </file>
@@ -2450,11 +2474,6 @@
 <file path=ppt/slideLayouts/slideLayout6.xml><?xml version="1.0" encoding="utf-8"?>
 <p:sldLayout xmlns:a="http://schemas.openxmlformats.org/drawingml/2006/main" xmlns:r="http://schemas.openxmlformats.org/officeDocument/2006/relationships" xmlns:p="http://schemas.openxmlformats.org/presentationml/2006/main" type="titleOnly" preserve="1">
   <p:cSld name="仅标题">
-    <p:bg>
-      <p:bgRef idx="1002">
-        <a:schemeClr val="bg1"/>
-      </p:bgRef>
-    </p:bg>
     <p:spTree>
       <p:nvGrpSpPr>
         <p:cNvPr id="1" name=""/>
@@ -2488,7 +2507,7 @@
           <a:p>
             <a:fld id="{552B59B4-7C25-4F23-85F3-407D74B5C84A}" type="datetimeFigureOut">
               <a:rPr lang="zh-CN" altLang="en-US" smtClean="0"/>
-              <a:t>2012/10/15</a:t>
+              <a:t>2012/10/21</a:t>
             </a:fld>
             <a:endParaRPr lang="zh-CN" altLang="en-US"/>
           </a:p>
@@ -2568,7 +2587,7 @@
     </p:spTree>
   </p:cSld>
   <p:clrMapOvr>
-    <a:overrideClrMapping bg1="dk1" tx1="lt1" bg2="dk2" tx2="lt2" accent1="accent1" accent2="accent2" accent3="accent3" accent4="accent4" accent5="accent5" accent6="accent6" hlink="hlink" folHlink="folHlink"/>
+    <a:masterClrMapping/>
   </p:clrMapOvr>
 </p:sldLayout>
 </file>
@@ -2609,7 +2628,7 @@
           <a:p>
             <a:fld id="{552B59B4-7C25-4F23-85F3-407D74B5C84A}" type="datetimeFigureOut">
               <a:rPr lang="zh-CN" altLang="en-US" smtClean="0"/>
-              <a:t>2012/10/15</a:t>
+              <a:t>2012/10/21</a:t>
             </a:fld>
             <a:endParaRPr lang="zh-CN" altLang="en-US"/>
           </a:p>
@@ -2672,11 +2691,6 @@
 <file path=ppt/slideLayouts/slideLayout8.xml><?xml version="1.0" encoding="utf-8"?>
 <p:sldLayout xmlns:a="http://schemas.openxmlformats.org/drawingml/2006/main" xmlns:r="http://schemas.openxmlformats.org/officeDocument/2006/relationships" xmlns:p="http://schemas.openxmlformats.org/presentationml/2006/main" showMasterSp="0" type="objTx" preserve="1">
   <p:cSld name="内容与标题">
-    <p:bg>
-      <p:bgRef idx="1003">
-        <a:schemeClr val="bg1"/>
-      </p:bgRef>
-    </p:bg>
     <p:spTree>
       <p:nvGrpSpPr>
         <p:cNvPr id="1" name=""/>
@@ -2883,7 +2897,7 @@
           <a:p>
             <a:fld id="{552B59B4-7C25-4F23-85F3-407D74B5C84A}" type="datetimeFigureOut">
               <a:rPr lang="zh-CN" altLang="en-US" smtClean="0"/>
-              <a:t>2012/10/15</a:t>
+              <a:t>2012/10/21</a:t>
             </a:fld>
             <a:endParaRPr lang="zh-CN" altLang="en-US"/>
           </a:p>
@@ -2938,7 +2952,7 @@
     </p:spTree>
   </p:cSld>
   <p:clrMapOvr>
-    <a:overrideClrMapping bg1="lt1" tx1="dk1" bg2="lt2" tx2="dk2" accent1="accent1" accent2="accent2" accent3="accent3" accent4="accent4" accent5="accent5" accent6="accent6" hlink="hlink" folHlink="folHlink"/>
+    <a:masterClrMapping/>
   </p:clrMapOvr>
 </p:sldLayout>
 </file>
@@ -2946,11 +2960,6 @@
 <file path=ppt/slideLayouts/slideLayout9.xml><?xml version="1.0" encoding="utf-8"?>
 <p:sldLayout xmlns:a="http://schemas.openxmlformats.org/drawingml/2006/main" xmlns:r="http://schemas.openxmlformats.org/officeDocument/2006/relationships" xmlns:p="http://schemas.openxmlformats.org/presentationml/2006/main" showMasterSp="0" type="picTx" preserve="1">
   <p:cSld name="图片与标题">
-    <p:bg>
-      <p:bgRef idx="1002">
-        <a:schemeClr val="bg1"/>
-      </p:bgRef>
-    </p:bg>
     <p:spTree>
       <p:nvGrpSpPr>
         <p:cNvPr id="1" name=""/>
@@ -3088,7 +3097,7 @@
           <a:p>
             <a:fld id="{552B59B4-7C25-4F23-85F3-407D74B5C84A}" type="datetimeFigureOut">
               <a:rPr lang="zh-CN" altLang="en-US" smtClean="0"/>
-              <a:t>2012/10/15</a:t>
+              <a:t>2012/10/21</a:t>
             </a:fld>
             <a:endParaRPr lang="zh-CN" altLang="en-US"/>
           </a:p>
@@ -3700,7 +3709,7 @@
     </p:spTree>
   </p:cSld>
   <p:clrMapOvr>
-    <a:overrideClrMapping bg1="dk1" tx1="lt1" bg2="dk2" tx2="lt2" accent1="accent1" accent2="accent2" accent3="accent3" accent4="accent4" accent5="accent5" accent6="accent6" hlink="hlink" folHlink="folHlink"/>
+    <a:masterClrMapping/>
   </p:clrMapOvr>
 </p:sldLayout>
 </file>
@@ -4197,7 +4206,7 @@
           <a:p>
             <a:fld id="{552B59B4-7C25-4F23-85F3-407D74B5C84A}" type="datetimeFigureOut">
               <a:rPr lang="zh-CN" altLang="en-US" smtClean="0"/>
-              <a:t>2012/10/15</a:t>
+              <a:t>2012/10/21</a:t>
             </a:fld>
             <a:endParaRPr lang="zh-CN" altLang="en-US"/>
           </a:p>
@@ -4655,10 +4664,159 @@
   <p:clrMapOvr>
     <a:masterClrMapping/>
   </p:clrMapOvr>
+  <p:timing>
+    <p:tnLst>
+      <p:par>
+        <p:cTn id="1" dur="indefinite" restart="never" nodeType="tmRoot"/>
+      </p:par>
+    </p:tnLst>
+  </p:timing>
 </p:sld>
 </file>
 
 <file path=ppt/slides/slide10.xml><?xml version="1.0" encoding="utf-8"?>
+<p:sld xmlns:a="http://schemas.openxmlformats.org/drawingml/2006/main" xmlns:r="http://schemas.openxmlformats.org/officeDocument/2006/relationships" xmlns:p="http://schemas.openxmlformats.org/presentationml/2006/main">
+  <p:cSld>
+    <p:spTree>
+      <p:nvGrpSpPr>
+        <p:cNvPr id="1" name=""/>
+        <p:cNvGrpSpPr/>
+        <p:nvPr/>
+      </p:nvGrpSpPr>
+      <p:grpSpPr>
+        <a:xfrm>
+          <a:off x="0" y="0"/>
+          <a:ext cx="0" cy="0"/>
+          <a:chOff x="0" y="0"/>
+          <a:chExt cx="0" cy="0"/>
+        </a:xfrm>
+      </p:grpSpPr>
+      <p:sp>
+        <p:nvSpPr>
+          <p:cNvPr id="2" name="内容占位符 1"/>
+          <p:cNvSpPr>
+            <a:spLocks noGrp="1"/>
+          </p:cNvSpPr>
+          <p:nvPr>
+            <p:ph idx="1"/>
+          </p:nvPr>
+        </p:nvSpPr>
+        <p:spPr/>
+        <p:txBody>
+          <a:bodyPr/>
+          <a:lstStyle/>
+          <a:p>
+            <a:r>
+              <a:rPr lang="en-US" altLang="zh-CN" dirty="0" smtClean="0"/>
+              <a:t>Info = </a:t>
+            </a:r>
+            <a:r>
+              <a:rPr lang="en-US" altLang="zh-CN" dirty="0" err="1" smtClean="0"/>
+              <a:t>TreeId+ParentId+Author+Committer+TimeStamp+Commit</a:t>
+            </a:r>
+            <a:r>
+              <a:rPr lang="en-US" altLang="zh-CN" dirty="0" smtClean="0"/>
+              <a:t> Message</a:t>
+            </a:r>
+          </a:p>
+          <a:p>
+            <a:r>
+              <a:rPr lang="en-US" altLang="zh-CN" dirty="0" smtClean="0"/>
+              <a:t>Sha1(“commit “+</a:t>
+            </a:r>
+            <a:r>
+              <a:rPr lang="en-US" altLang="zh-CN" dirty="0" err="1" smtClean="0"/>
+              <a:t>Info.size</a:t>
+            </a:r>
+            <a:r>
+              <a:rPr lang="en-US" altLang="zh-CN" dirty="0" smtClean="0"/>
+              <a:t>()</a:t>
+            </a:r>
+            <a:r>
+              <a:rPr lang="zh-CN" altLang="en-US" dirty="0" smtClean="0"/>
+              <a:t>＋</a:t>
+            </a:r>
+            <a:r>
+              <a:rPr lang="en-US" altLang="zh-CN" dirty="0" smtClean="0"/>
+              <a:t>”\0”+Info)</a:t>
+            </a:r>
+          </a:p>
+          <a:p>
+            <a:r>
+              <a:rPr lang="zh-CN" altLang="en-US" dirty="0" smtClean="0"/>
+              <a:t>即使</a:t>
+            </a:r>
+            <a:r>
+              <a:rPr lang="en-US" altLang="zh-CN" dirty="0" smtClean="0"/>
+              <a:t>Tree Object</a:t>
+            </a:r>
+            <a:r>
+              <a:rPr lang="zh-CN" altLang="en-US" dirty="0" smtClean="0"/>
+              <a:t>没有变化，但是时间戳或者</a:t>
+            </a:r>
+            <a:r>
+              <a:rPr lang="en-US" altLang="zh-CN" dirty="0" smtClean="0"/>
+              <a:t>Message</a:t>
+            </a:r>
+            <a:r>
+              <a:rPr lang="zh-CN" altLang="en-US" dirty="0" smtClean="0"/>
+              <a:t>内容发生变化，也会生成一个完全不同的</a:t>
+            </a:r>
+            <a:r>
+              <a:rPr lang="en-US" altLang="zh-CN" dirty="0" smtClean="0"/>
+              <a:t>Commit Object</a:t>
+            </a:r>
+            <a:r>
+              <a:rPr lang="zh-CN" altLang="en-US" dirty="0" smtClean="0"/>
+              <a:t>对象</a:t>
+            </a:r>
+            <a:endParaRPr lang="zh-CN" altLang="en-US" dirty="0"/>
+          </a:p>
+        </p:txBody>
+      </p:sp>
+      <p:sp>
+        <p:nvSpPr>
+          <p:cNvPr id="3" name="标题 2"/>
+          <p:cNvSpPr>
+            <a:spLocks noGrp="1"/>
+          </p:cNvSpPr>
+          <p:nvPr>
+            <p:ph type="title"/>
+          </p:nvPr>
+        </p:nvSpPr>
+        <p:spPr/>
+        <p:txBody>
+          <a:bodyPr/>
+          <a:lstStyle/>
+          <a:p>
+            <a:r>
+              <a:rPr lang="en-US" altLang="zh-CN" dirty="0" smtClean="0"/>
+              <a:t>Commit Object</a:t>
+            </a:r>
+            <a:r>
+              <a:rPr lang="zh-CN" altLang="en-US" dirty="0" smtClean="0"/>
+              <a:t>包含的信息</a:t>
+            </a:r>
+            <a:endParaRPr lang="zh-CN" altLang="en-US" dirty="0"/>
+          </a:p>
+        </p:txBody>
+      </p:sp>
+    </p:spTree>
+  </p:cSld>
+  <p:clrMapOvr>
+    <a:masterClrMapping/>
+  </p:clrMapOvr>
+  <p:timing>
+    <p:tnLst>
+      <p:par>
+        <p:cTn id="1" dur="indefinite" restart="never" nodeType="tmRoot"/>
+      </p:par>
+    </p:tnLst>
+  </p:timing>
+</p:sld>
+</file>
+
+<file path=ppt/slides/slide11.xml><?xml version="1.0" encoding="utf-8"?>
 <p:sld xmlns:a="http://schemas.openxmlformats.org/drawingml/2006/main" xmlns:r="http://schemas.openxmlformats.org/officeDocument/2006/relationships" xmlns:p="http://schemas.openxmlformats.org/presentationml/2006/main">
   <p:cSld>
     <p:spTree>
@@ -4720,275 +4878,6 @@
             <a:r>
               <a:rPr lang="zh-CN" altLang="en-US" dirty="0" smtClean="0"/>
               <a:t>之间的关系</a:t>
-            </a:r>
-            <a:endParaRPr lang="zh-CN" altLang="en-US" dirty="0"/>
-          </a:p>
-        </p:txBody>
-      </p:sp>
-    </p:spTree>
-  </p:cSld>
-  <p:clrMapOvr>
-    <a:masterClrMapping/>
-  </p:clrMapOvr>
-</p:sld>
-</file>
-
-<file path=ppt/slides/slide11.xml><?xml version="1.0" encoding="utf-8"?>
-<p:sld xmlns:a="http://schemas.openxmlformats.org/drawingml/2006/main" xmlns:r="http://schemas.openxmlformats.org/officeDocument/2006/relationships" xmlns:p="http://schemas.openxmlformats.org/presentationml/2006/main">
-  <p:cSld>
-    <p:spTree>
-      <p:nvGrpSpPr>
-        <p:cNvPr id="1" name=""/>
-        <p:cNvGrpSpPr/>
-        <p:nvPr/>
-      </p:nvGrpSpPr>
-      <p:grpSpPr>
-        <a:xfrm>
-          <a:off x="0" y="0"/>
-          <a:ext cx="0" cy="0"/>
-          <a:chOff x="0" y="0"/>
-          <a:chExt cx="0" cy="0"/>
-        </a:xfrm>
-      </p:grpSpPr>
-      <p:sp>
-        <p:nvSpPr>
-          <p:cNvPr id="3" name="内容占位符 2"/>
-          <p:cNvSpPr>
-            <a:spLocks noGrp="1"/>
-          </p:cNvSpPr>
-          <p:nvPr>
-            <p:ph idx="1"/>
-          </p:nvPr>
-        </p:nvSpPr>
-        <p:spPr>
-          <a:xfrm>
-            <a:off x="457200" y="1481328"/>
-            <a:ext cx="8229600" cy="4539960"/>
-          </a:xfrm>
-        </p:spPr>
-        <p:txBody>
-          <a:bodyPr>
-            <a:normAutofit/>
-          </a:bodyPr>
-          <a:lstStyle/>
-          <a:p>
-            <a:r>
-              <a:rPr lang="zh-CN" altLang="en-US" dirty="0" smtClean="0"/>
-              <a:t>所有的</a:t>
-            </a:r>
-            <a:r>
-              <a:rPr lang="en-US" altLang="zh-CN" dirty="0" smtClean="0"/>
-              <a:t>Object</a:t>
-            </a:r>
-            <a:r>
-              <a:rPr lang="zh-CN" altLang="en-US" dirty="0" smtClean="0"/>
-              <a:t>都是不可修改的</a:t>
-            </a:r>
-            <a:r>
-              <a:rPr lang="en-US" altLang="zh-CN" dirty="0" smtClean="0"/>
-              <a:t>(Immutable)</a:t>
-            </a:r>
-          </a:p>
-          <a:p>
-            <a:r>
-              <a:rPr lang="en-US" altLang="zh-CN" dirty="0" smtClean="0"/>
-              <a:t>Object</a:t>
-            </a:r>
-            <a:r>
-              <a:rPr lang="zh-CN" altLang="en-US" dirty="0" smtClean="0"/>
-              <a:t>以</a:t>
-            </a:r>
-            <a:r>
-              <a:rPr lang="en-US" altLang="zh-CN" dirty="0" smtClean="0"/>
-              <a:t>key-value</a:t>
-            </a:r>
-            <a:r>
-              <a:rPr lang="zh-CN" altLang="en-US" dirty="0" smtClean="0"/>
-              <a:t>的形式存储在</a:t>
-            </a:r>
-            <a:r>
-              <a:rPr lang="en-US" altLang="zh-CN" dirty="0" err="1" smtClean="0"/>
-              <a:t>git</a:t>
-            </a:r>
-            <a:r>
-              <a:rPr lang="zh-CN" altLang="en-US" dirty="0" smtClean="0"/>
-              <a:t>库中</a:t>
-            </a:r>
-            <a:endParaRPr lang="en-US" altLang="zh-CN" dirty="0" smtClean="0"/>
-          </a:p>
-          <a:p>
-            <a:r>
-              <a:rPr lang="zh-CN" altLang="en-US" dirty="0" smtClean="0"/>
-              <a:t>一旦</a:t>
-            </a:r>
-            <a:r>
-              <a:rPr lang="en-US" altLang="zh-CN" dirty="0" smtClean="0"/>
-              <a:t>Object</a:t>
-            </a:r>
-            <a:r>
-              <a:rPr lang="zh-CN" altLang="en-US" dirty="0" smtClean="0"/>
-              <a:t>的</a:t>
-            </a:r>
-            <a:r>
-              <a:rPr lang="en-US" altLang="zh-CN" dirty="0" smtClean="0"/>
-              <a:t>Hash</a:t>
-            </a:r>
-            <a:r>
-              <a:rPr lang="zh-CN" altLang="en-US" dirty="0" smtClean="0"/>
-              <a:t>发生变化，就视为一个全新</a:t>
-            </a:r>
-            <a:r>
-              <a:rPr lang="en-US" altLang="zh-CN" dirty="0" smtClean="0"/>
-              <a:t>Object</a:t>
-            </a:r>
-            <a:r>
-              <a:rPr lang="zh-CN" altLang="en-US" dirty="0" smtClean="0"/>
-              <a:t>，不同于</a:t>
-            </a:r>
-            <a:r>
-              <a:rPr lang="en-US" altLang="zh-CN" dirty="0" smtClean="0"/>
-              <a:t>SVN</a:t>
-            </a:r>
-            <a:r>
-              <a:rPr lang="zh-CN" altLang="en-US" dirty="0" smtClean="0"/>
-              <a:t>的存储</a:t>
-            </a:r>
-            <a:r>
-              <a:rPr lang="zh-CN" altLang="en-US" dirty="0" smtClean="0"/>
-              <a:t>文件</a:t>
-            </a:r>
-            <a:r>
-              <a:rPr lang="zh-CN" altLang="en-US" dirty="0" smtClean="0"/>
-              <a:t>之间的差异</a:t>
-            </a:r>
-            <a:endParaRPr lang="en-US" altLang="zh-CN" dirty="0" smtClean="0"/>
-          </a:p>
-          <a:p>
-            <a:r>
-              <a:rPr lang="en-US" altLang="zh-CN" dirty="0" smtClean="0"/>
-              <a:t>Blob Object</a:t>
-            </a:r>
-            <a:r>
-              <a:rPr lang="zh-CN" altLang="en-US" dirty="0" smtClean="0">
-                <a:solidFill>
-                  <a:srgbClr val="FF0000"/>
-                </a:solidFill>
-              </a:rPr>
-              <a:t>不包含</a:t>
-            </a:r>
-            <a:r>
-              <a:rPr lang="zh-CN" altLang="en-US" dirty="0" smtClean="0"/>
-              <a:t>任何文件名和目录结构信息。</a:t>
-            </a:r>
-            <a:endParaRPr lang="en-US" altLang="zh-CN" dirty="0" smtClean="0"/>
-          </a:p>
-          <a:p>
-            <a:r>
-              <a:rPr lang="en-US" altLang="zh-CN" dirty="0" smtClean="0"/>
-              <a:t>Tree Object</a:t>
-            </a:r>
-            <a:r>
-              <a:rPr lang="zh-CN" altLang="en-US" dirty="0" smtClean="0"/>
-              <a:t>存储目录结构和文件名，权限等信息。</a:t>
-            </a:r>
-            <a:endParaRPr lang="en-US" altLang="zh-CN" dirty="0" smtClean="0"/>
-          </a:p>
-          <a:p>
-            <a:r>
-              <a:rPr lang="en-US" altLang="zh-CN" dirty="0" smtClean="0"/>
-              <a:t>Tree Object</a:t>
-            </a:r>
-            <a:r>
-              <a:rPr lang="zh-CN" altLang="en-US" dirty="0" smtClean="0"/>
-              <a:t>先在</a:t>
-            </a:r>
-            <a:r>
-              <a:rPr lang="zh-CN" altLang="en-US" dirty="0" smtClean="0">
-                <a:solidFill>
-                  <a:srgbClr val="FF0000"/>
-                </a:solidFill>
-              </a:rPr>
-              <a:t>暂存区</a:t>
-            </a:r>
-            <a:r>
-              <a:rPr lang="en-US" altLang="zh-CN" dirty="0" smtClean="0"/>
-              <a:t>(index)</a:t>
-            </a:r>
-            <a:r>
-              <a:rPr lang="zh-CN" altLang="en-US" dirty="0" smtClean="0"/>
-              <a:t>上创建，再写入</a:t>
-            </a:r>
-            <a:r>
-              <a:rPr lang="en-US" altLang="zh-CN" dirty="0" err="1" smtClean="0"/>
-              <a:t>Git</a:t>
-            </a:r>
-            <a:r>
-              <a:rPr lang="zh-CN" altLang="en-US" dirty="0" smtClean="0"/>
-              <a:t>库中</a:t>
-            </a:r>
-            <a:endParaRPr lang="en-US" altLang="zh-CN" dirty="0" smtClean="0"/>
-          </a:p>
-          <a:p>
-            <a:r>
-              <a:rPr lang="en-US" altLang="zh-CN" dirty="0" smtClean="0"/>
-              <a:t>Commit Object</a:t>
-            </a:r>
-            <a:r>
-              <a:rPr lang="zh-CN" altLang="en-US" dirty="0" smtClean="0"/>
-              <a:t>是</a:t>
-            </a:r>
-            <a:r>
-              <a:rPr lang="en-US" altLang="zh-CN" dirty="0" smtClean="0"/>
-              <a:t>Root Tree Object</a:t>
-            </a:r>
-            <a:r>
-              <a:rPr lang="zh-CN" altLang="en-US" dirty="0" smtClean="0"/>
-              <a:t>某个</a:t>
-            </a:r>
-            <a:r>
-              <a:rPr lang="zh-CN" altLang="en-US" dirty="0" smtClean="0">
-                <a:solidFill>
-                  <a:srgbClr val="FF0000"/>
-                </a:solidFill>
-              </a:rPr>
-              <a:t>原子状态</a:t>
-            </a:r>
-            <a:r>
-              <a:rPr lang="zh-CN" altLang="en-US" dirty="0" smtClean="0"/>
-              <a:t>的快照</a:t>
-            </a:r>
-            <a:endParaRPr lang="zh-CN" altLang="en-US" dirty="0"/>
-          </a:p>
-        </p:txBody>
-      </p:sp>
-      <p:sp>
-        <p:nvSpPr>
-          <p:cNvPr id="2" name="标题 1"/>
-          <p:cNvSpPr>
-            <a:spLocks noGrp="1"/>
-          </p:cNvSpPr>
-          <p:nvPr>
-            <p:ph type="title"/>
-          </p:nvPr>
-        </p:nvSpPr>
-        <p:spPr/>
-        <p:txBody>
-          <a:bodyPr>
-            <a:normAutofit/>
-          </a:bodyPr>
-          <a:lstStyle/>
-          <a:p>
-            <a:r>
-              <a:rPr lang="en-US" altLang="zh-CN" dirty="0" err="1" smtClean="0"/>
-              <a:t>Git</a:t>
-            </a:r>
-            <a:r>
-              <a:rPr lang="en-US" altLang="zh-CN" dirty="0" smtClean="0"/>
-              <a:t> Object </a:t>
-            </a:r>
-            <a:r>
-              <a:rPr lang="zh-CN" altLang="en-US" dirty="0" smtClean="0"/>
-              <a:t>特性总结</a:t>
             </a:r>
             <a:endParaRPr lang="zh-CN" altLang="en-US" dirty="0"/>
           </a:p>
@@ -5036,267 +4925,196 @@
             <p:ph idx="1"/>
           </p:nvPr>
         </p:nvSpPr>
-        <p:spPr/>
-        <p:txBody>
-          <a:bodyPr/>
+        <p:spPr>
+          <a:xfrm>
+            <a:off x="457200" y="1481328"/>
+            <a:ext cx="8229600" cy="4539960"/>
+          </a:xfrm>
+        </p:spPr>
+        <p:txBody>
+          <a:bodyPr>
+            <a:normAutofit/>
+          </a:bodyPr>
           <a:lstStyle/>
           <a:p>
             <a:r>
               <a:rPr lang="zh-CN" altLang="en-US" dirty="0" smtClean="0"/>
-              <a:t>因为</a:t>
+              <a:t>所有的</a:t>
             </a:r>
             <a:r>
               <a:rPr lang="en-US" altLang="zh-CN" dirty="0" smtClean="0"/>
-              <a:t>Hash Id</a:t>
-            </a:r>
-            <a:r>
-              <a:rPr lang="zh-CN" altLang="en-US" dirty="0" smtClean="0"/>
-              <a:t>记</a:t>
-            </a:r>
-            <a:r>
-              <a:rPr lang="zh-CN" altLang="en-US" dirty="0" smtClean="0"/>
-              <a:t>不住，所以有了引用</a:t>
+              <a:t>Object</a:t>
+            </a:r>
+            <a:r>
+              <a:rPr lang="zh-CN" altLang="en-US" dirty="0" smtClean="0"/>
+              <a:t>都是不可修改的</a:t>
+            </a:r>
+            <a:r>
+              <a:rPr lang="en-US" altLang="zh-CN" dirty="0" smtClean="0"/>
+              <a:t>(Immutable)</a:t>
+            </a:r>
+          </a:p>
+          <a:p>
+            <a:r>
+              <a:rPr lang="en-US" altLang="zh-CN" dirty="0" smtClean="0"/>
+              <a:t>Object</a:t>
+            </a:r>
+            <a:r>
+              <a:rPr lang="zh-CN" altLang="en-US" dirty="0" smtClean="0"/>
+              <a:t>以</a:t>
+            </a:r>
+            <a:r>
+              <a:rPr lang="en-US" altLang="zh-CN" dirty="0" smtClean="0"/>
+              <a:t>key-value</a:t>
+            </a:r>
+            <a:r>
+              <a:rPr lang="zh-CN" altLang="en-US" dirty="0" smtClean="0"/>
+              <a:t>的形式存储在</a:t>
+            </a:r>
+            <a:r>
+              <a:rPr lang="en-US" altLang="zh-CN" dirty="0" err="1" smtClean="0"/>
+              <a:t>git</a:t>
+            </a:r>
+            <a:r>
+              <a:rPr lang="zh-CN" altLang="en-US" dirty="0" smtClean="0"/>
+              <a:t>库中</a:t>
             </a:r>
             <a:endParaRPr lang="en-US" altLang="zh-CN" dirty="0" smtClean="0"/>
           </a:p>
           <a:p>
-            <a:pPr>
-              <a:buNone/>
-            </a:pPr>
-            <a:r>
-              <a:rPr lang="en-US" altLang="zh-CN" sz="2000" dirty="0" smtClean="0">
-                <a:solidFill>
-                  <a:srgbClr val="C00000"/>
-                </a:solidFill>
-                <a:latin typeface="Consolas" pitchFamily="49" charset="0"/>
-                <a:cs typeface="Consolas" pitchFamily="49" charset="0"/>
-              </a:rPr>
-              <a:t>$ </a:t>
-            </a:r>
-            <a:r>
-              <a:rPr lang="en-US" altLang="zh-CN" sz="2000" dirty="0" err="1" smtClean="0">
-                <a:solidFill>
-                  <a:srgbClr val="C00000"/>
-                </a:solidFill>
-                <a:latin typeface="Consolas" pitchFamily="49" charset="0"/>
-                <a:cs typeface="Consolas" pitchFamily="49" charset="0"/>
-              </a:rPr>
-              <a:t>git</a:t>
-            </a:r>
-            <a:r>
-              <a:rPr lang="en-US" altLang="zh-CN" sz="2000" dirty="0" smtClean="0">
-                <a:solidFill>
-                  <a:srgbClr val="C00000"/>
-                </a:solidFill>
-                <a:latin typeface="Consolas" pitchFamily="49" charset="0"/>
-                <a:cs typeface="Consolas" pitchFamily="49" charset="0"/>
-              </a:rPr>
-              <a:t> update-ref </a:t>
-            </a:r>
-            <a:r>
-              <a:rPr lang="en-US" altLang="zh-CN" sz="2000" dirty="0" smtClean="0">
-                <a:solidFill>
-                  <a:srgbClr val="C00000"/>
-                </a:solidFill>
-                <a:latin typeface="Consolas" pitchFamily="49" charset="0"/>
-                <a:cs typeface="Consolas" pitchFamily="49" charset="0"/>
-              </a:rPr>
-              <a:t>refs/heads/master &lt;</a:t>
-            </a:r>
-            <a:r>
-              <a:rPr lang="en-US" altLang="zh-CN" sz="2000" dirty="0" err="1" smtClean="0">
-                <a:solidFill>
-                  <a:srgbClr val="C00000"/>
-                </a:solidFill>
-                <a:latin typeface="Consolas" pitchFamily="49" charset="0"/>
-                <a:cs typeface="Consolas" pitchFamily="49" charset="0"/>
-              </a:rPr>
-              <a:t>commit_hash_id</a:t>
-            </a:r>
-            <a:r>
-              <a:rPr lang="en-US" altLang="zh-CN" sz="2000" dirty="0" smtClean="0">
-                <a:solidFill>
-                  <a:srgbClr val="C00000"/>
-                </a:solidFill>
-                <a:latin typeface="Consolas" pitchFamily="49" charset="0"/>
-                <a:cs typeface="Consolas" pitchFamily="49" charset="0"/>
-              </a:rPr>
-              <a:t>&gt;</a:t>
-            </a:r>
-          </a:p>
-          <a:p>
+            <a:r>
+              <a:rPr lang="zh-CN" altLang="en-US" dirty="0" smtClean="0"/>
+              <a:t>一旦</a:t>
+            </a:r>
+            <a:r>
+              <a:rPr lang="en-US" altLang="zh-CN" dirty="0" smtClean="0"/>
+              <a:t>Object</a:t>
+            </a:r>
+            <a:r>
+              <a:rPr lang="zh-CN" altLang="en-US" dirty="0" smtClean="0"/>
+              <a:t>的</a:t>
+            </a:r>
+            <a:r>
+              <a:rPr lang="en-US" altLang="zh-CN" dirty="0" smtClean="0"/>
+              <a:t>Hash</a:t>
+            </a:r>
+            <a:r>
+              <a:rPr lang="zh-CN" altLang="en-US" dirty="0" smtClean="0"/>
+              <a:t>发生变化，就视为一个全新</a:t>
+            </a:r>
+            <a:r>
+              <a:rPr lang="en-US" altLang="zh-CN" dirty="0" smtClean="0"/>
+              <a:t>Object</a:t>
+            </a:r>
+            <a:r>
+              <a:rPr lang="zh-CN" altLang="en-US" dirty="0" smtClean="0"/>
+              <a:t>，不同于</a:t>
+            </a:r>
+            <a:r>
+              <a:rPr lang="en-US" altLang="zh-CN" dirty="0" smtClean="0"/>
+              <a:t>SVN</a:t>
+            </a:r>
+            <a:r>
+              <a:rPr lang="zh-CN" altLang="en-US" dirty="0" smtClean="0"/>
+              <a:t>的存储文件之间的差异</a:t>
+            </a:r>
+            <a:endParaRPr lang="en-US" altLang="zh-CN" dirty="0" smtClean="0"/>
+          </a:p>
+          <a:p>
+            <a:r>
+              <a:rPr lang="en-US" altLang="zh-CN" dirty="0" smtClean="0"/>
+              <a:t>Blob Object</a:t>
+            </a:r>
+            <a:r>
+              <a:rPr lang="zh-CN" altLang="en-US" dirty="0" smtClean="0">
+                <a:solidFill>
+                  <a:srgbClr val="FF0000"/>
+                </a:solidFill>
+              </a:rPr>
+              <a:t>不包含</a:t>
+            </a:r>
+            <a:r>
+              <a:rPr lang="zh-CN" altLang="en-US" dirty="0" smtClean="0"/>
+              <a:t>任何文件名和目录结构信息。</a:t>
+            </a:r>
+            <a:endParaRPr lang="en-US" altLang="zh-CN" dirty="0" smtClean="0"/>
+          </a:p>
+          <a:p>
+            <a:r>
+              <a:rPr lang="en-US" altLang="zh-CN" dirty="0" smtClean="0"/>
+              <a:t>Tree Object</a:t>
+            </a:r>
+            <a:r>
+              <a:rPr lang="zh-CN" altLang="en-US" dirty="0" smtClean="0"/>
+              <a:t>存储目录结构和文件名，权限等信息。</a:t>
+            </a:r>
+            <a:endParaRPr lang="en-US" altLang="zh-CN" dirty="0" smtClean="0"/>
+          </a:p>
+          <a:p>
+            <a:r>
+              <a:rPr lang="en-US" altLang="zh-CN" dirty="0" smtClean="0"/>
+              <a:t>Tree Object</a:t>
+            </a:r>
+            <a:r>
+              <a:rPr lang="zh-CN" altLang="en-US" dirty="0" smtClean="0"/>
+              <a:t>先在</a:t>
+            </a:r>
+            <a:r>
+              <a:rPr lang="zh-CN" altLang="en-US" dirty="0" smtClean="0">
+                <a:solidFill>
+                  <a:srgbClr val="FF0000"/>
+                </a:solidFill>
+              </a:rPr>
+              <a:t>暂存区</a:t>
+            </a:r>
+            <a:r>
+              <a:rPr lang="en-US" altLang="zh-CN" dirty="0" smtClean="0"/>
+              <a:t>(index)</a:t>
+            </a:r>
+            <a:r>
+              <a:rPr lang="zh-CN" altLang="en-US" dirty="0" smtClean="0"/>
+              <a:t>上创建，再写入</a:t>
+            </a:r>
             <a:r>
               <a:rPr lang="en-US" altLang="zh-CN" dirty="0" err="1" smtClean="0"/>
               <a:t>Git</a:t>
             </a:r>
             <a:r>
-              <a:rPr lang="en-US" altLang="zh-CN" dirty="0" smtClean="0"/>
-              <a:t> Branch</a:t>
-            </a:r>
-            <a:r>
-              <a:rPr lang="zh-CN" altLang="en-US" dirty="0" smtClean="0"/>
-              <a:t>的本质就是指向某个</a:t>
-            </a:r>
+              <a:rPr lang="zh-CN" altLang="en-US" dirty="0" smtClean="0"/>
+              <a:t>库中</a:t>
+            </a:r>
+            <a:endParaRPr lang="en-US" altLang="zh-CN" dirty="0" smtClean="0"/>
+          </a:p>
+          <a:p>
             <a:r>
               <a:rPr lang="en-US" altLang="zh-CN" dirty="0" smtClean="0"/>
               <a:t>Commit Object</a:t>
             </a:r>
             <a:r>
               <a:rPr lang="zh-CN" altLang="en-US" dirty="0" smtClean="0"/>
-              <a:t>的</a:t>
-            </a:r>
-            <a:r>
-              <a:rPr lang="zh-CN" altLang="en-US" dirty="0" smtClean="0"/>
-              <a:t>引用</a:t>
-            </a:r>
-            <a:endParaRPr lang="en-US" altLang="zh-CN" dirty="0" smtClean="0"/>
-          </a:p>
-          <a:p>
-            <a:r>
-              <a:rPr lang="zh-CN" altLang="en-US" dirty="0" smtClean="0"/>
-              <a:t>创建一个分支</a:t>
+              <a:t>是</a:t>
             </a:r>
             <a:r>
               <a:rPr lang="en-US" altLang="zh-CN" dirty="0" smtClean="0"/>
-              <a:t>”test”</a:t>
-            </a:r>
-          </a:p>
-          <a:p>
-            <a:pPr>
-              <a:buNone/>
-            </a:pPr>
-            <a:r>
-              <a:rPr lang="en-US" altLang="zh-CN" sz="2000" dirty="0" smtClean="0">
-                <a:solidFill>
-                  <a:srgbClr val="C00000"/>
-                </a:solidFill>
-                <a:latin typeface="Consolas" pitchFamily="49" charset="0"/>
-                <a:cs typeface="Consolas" pitchFamily="49" charset="0"/>
-              </a:rPr>
-              <a:t>$ </a:t>
-            </a:r>
-            <a:r>
-              <a:rPr lang="en-US" altLang="zh-CN" sz="2000" dirty="0" err="1" smtClean="0">
-                <a:solidFill>
-                  <a:srgbClr val="C00000"/>
-                </a:solidFill>
-                <a:latin typeface="Consolas" pitchFamily="49" charset="0"/>
-                <a:cs typeface="Consolas" pitchFamily="49" charset="0"/>
-              </a:rPr>
-              <a:t>git</a:t>
-            </a:r>
-            <a:r>
-              <a:rPr lang="en-US" altLang="zh-CN" sz="2000" dirty="0" smtClean="0">
-                <a:solidFill>
-                  <a:srgbClr val="C00000"/>
-                </a:solidFill>
-                <a:latin typeface="Consolas" pitchFamily="49" charset="0"/>
-                <a:cs typeface="Consolas" pitchFamily="49" charset="0"/>
-              </a:rPr>
-              <a:t> </a:t>
-            </a:r>
-            <a:r>
-              <a:rPr lang="en-US" altLang="zh-CN" sz="2000" dirty="0" smtClean="0">
-                <a:solidFill>
-                  <a:srgbClr val="C00000"/>
-                </a:solidFill>
-                <a:latin typeface="Consolas" pitchFamily="49" charset="0"/>
-                <a:cs typeface="Consolas" pitchFamily="49" charset="0"/>
-              </a:rPr>
-              <a:t>update-ref </a:t>
-            </a:r>
-            <a:r>
-              <a:rPr lang="en-US" altLang="zh-CN" sz="2000" dirty="0" smtClean="0">
-                <a:solidFill>
-                  <a:srgbClr val="C00000"/>
-                </a:solidFill>
-                <a:latin typeface="Consolas" pitchFamily="49" charset="0"/>
-                <a:cs typeface="Consolas" pitchFamily="49" charset="0"/>
-              </a:rPr>
-              <a:t>refs/heads/test &lt;</a:t>
-            </a:r>
-            <a:r>
-              <a:rPr lang="en-US" altLang="zh-CN" sz="2000" dirty="0" err="1" smtClean="0">
-                <a:solidFill>
-                  <a:srgbClr val="C00000"/>
-                </a:solidFill>
-                <a:latin typeface="Consolas" pitchFamily="49" charset="0"/>
-                <a:cs typeface="Consolas" pitchFamily="49" charset="0"/>
-              </a:rPr>
-              <a:t>commit_hash_id</a:t>
-            </a:r>
-            <a:r>
-              <a:rPr lang="en-US" altLang="zh-CN" sz="2000" dirty="0" smtClean="0">
-                <a:solidFill>
-                  <a:srgbClr val="C00000"/>
-                </a:solidFill>
-                <a:latin typeface="Consolas" pitchFamily="49" charset="0"/>
-                <a:cs typeface="Consolas" pitchFamily="49" charset="0"/>
-              </a:rPr>
-              <a:t>&gt;</a:t>
-            </a:r>
-          </a:p>
-          <a:p>
-            <a:pPr>
-              <a:buNone/>
-            </a:pPr>
-            <a:r>
-              <a:rPr lang="en-US" altLang="zh-CN" sz="2000" dirty="0" smtClean="0">
-                <a:solidFill>
-                  <a:srgbClr val="C00000"/>
-                </a:solidFill>
-                <a:latin typeface="Consolas" pitchFamily="49" charset="0"/>
-                <a:cs typeface="Consolas" pitchFamily="49" charset="0"/>
-              </a:rPr>
-              <a:t>$ </a:t>
-            </a:r>
-            <a:r>
-              <a:rPr lang="en-US" altLang="zh-CN" sz="2000" dirty="0" err="1" smtClean="0">
-                <a:solidFill>
-                  <a:srgbClr val="C00000"/>
-                </a:solidFill>
-                <a:latin typeface="Consolas" pitchFamily="49" charset="0"/>
-                <a:cs typeface="Consolas" pitchFamily="49" charset="0"/>
-              </a:rPr>
-              <a:t>git</a:t>
-            </a:r>
-            <a:r>
-              <a:rPr lang="en-US" altLang="zh-CN" sz="2000" dirty="0" smtClean="0">
-                <a:solidFill>
-                  <a:srgbClr val="C00000"/>
-                </a:solidFill>
-                <a:latin typeface="Consolas" pitchFamily="49" charset="0"/>
-                <a:cs typeface="Consolas" pitchFamily="49" charset="0"/>
-              </a:rPr>
-              <a:t> log --pretty=</a:t>
-            </a:r>
-            <a:r>
-              <a:rPr lang="en-US" altLang="zh-CN" sz="2000" dirty="0" err="1" smtClean="0">
-                <a:solidFill>
-                  <a:srgbClr val="C00000"/>
-                </a:solidFill>
-                <a:latin typeface="Consolas" pitchFamily="49" charset="0"/>
-                <a:cs typeface="Consolas" pitchFamily="49" charset="0"/>
-              </a:rPr>
-              <a:t>oneline</a:t>
-            </a:r>
-            <a:r>
-              <a:rPr lang="en-US" altLang="zh-CN" sz="2000" dirty="0" smtClean="0">
-                <a:solidFill>
-                  <a:srgbClr val="C00000"/>
-                </a:solidFill>
-                <a:latin typeface="Consolas" pitchFamily="49" charset="0"/>
-                <a:cs typeface="Consolas" pitchFamily="49" charset="0"/>
-              </a:rPr>
-              <a:t> test</a:t>
-            </a:r>
-            <a:endParaRPr lang="zh-CN" altLang="en-US" sz="2000" dirty="0" smtClean="0">
-              <a:solidFill>
-                <a:srgbClr val="C00000"/>
-              </a:solidFill>
-              <a:latin typeface="Consolas" pitchFamily="49" charset="0"/>
-              <a:cs typeface="Consolas" pitchFamily="49" charset="0"/>
-            </a:endParaRPr>
+              <a:t>Root Tree Object</a:t>
+            </a:r>
+            <a:r>
+              <a:rPr lang="zh-CN" altLang="en-US" dirty="0" smtClean="0"/>
+              <a:t>某个</a:t>
+            </a:r>
+            <a:r>
+              <a:rPr lang="zh-CN" altLang="en-US" dirty="0" smtClean="0">
+                <a:solidFill>
+                  <a:srgbClr val="FF0000"/>
+                </a:solidFill>
+              </a:rPr>
+              <a:t>原子状态</a:t>
+            </a:r>
+            <a:r>
+              <a:rPr lang="zh-CN" altLang="en-US" dirty="0" smtClean="0"/>
+              <a:t>的快照</a:t>
+            </a:r>
+            <a:endParaRPr lang="zh-CN" altLang="en-US" dirty="0"/>
           </a:p>
         </p:txBody>
       </p:sp>
@@ -5312,12 +5130,22 @@
         </p:nvSpPr>
         <p:spPr/>
         <p:txBody>
-          <a:bodyPr/>
+          <a:bodyPr>
+            <a:normAutofit/>
+          </a:bodyPr>
           <a:lstStyle/>
           <a:p>
             <a:r>
+              <a:rPr lang="en-US" altLang="zh-CN" dirty="0" err="1" smtClean="0"/>
+              <a:t>Git</a:t>
+            </a:r>
+            <a:r>
               <a:rPr lang="en-US" altLang="zh-CN" dirty="0" smtClean="0"/>
-              <a:t>refs</a:t>
+              <a:t> Object </a:t>
+            </a:r>
+            <a:r>
+              <a:rPr lang="zh-CN" altLang="en-US" dirty="0" smtClean="0"/>
+              <a:t>特性总结</a:t>
             </a:r>
             <a:endParaRPr lang="zh-CN" altLang="en-US" dirty="0"/>
           </a:p>
@@ -5355,37 +5183,14 @@
           <a:chExt cx="0" cy="0"/>
         </a:xfrm>
       </p:grpSpPr>
-      <p:pic>
-        <p:nvPicPr>
-          <p:cNvPr id="4" name="内容占位符 3" descr="refs.png"/>
-          <p:cNvPicPr>
-            <a:picLocks noGrp="1" noChangeAspect="1"/>
-          </p:cNvPicPr>
+      <p:sp>
+        <p:nvSpPr>
+          <p:cNvPr id="3" name="内容占位符 2"/>
+          <p:cNvSpPr>
+            <a:spLocks noGrp="1"/>
+          </p:cNvSpPr>
           <p:nvPr>
             <p:ph idx="1"/>
-          </p:nvPr>
-        </p:nvPicPr>
-        <p:blipFill>
-          <a:blip r:embed="rId2" cstate="print"/>
-          <a:stretch>
-            <a:fillRect/>
-          </a:stretch>
-        </p:blipFill>
-        <p:spPr>
-          <a:xfrm>
-            <a:off x="683567" y="1772816"/>
-            <a:ext cx="7896785" cy="4248472"/>
-          </a:xfrm>
-        </p:spPr>
-      </p:pic>
-      <p:sp>
-        <p:nvSpPr>
-          <p:cNvPr id="3" name="标题 2"/>
-          <p:cNvSpPr>
-            <a:spLocks noGrp="1"/>
-          </p:cNvSpPr>
-          <p:nvPr>
-            <p:ph type="title"/>
           </p:nvPr>
         </p:nvSpPr>
         <p:spPr/>
@@ -5395,15 +5200,243 @@
           <a:p>
             <a:r>
               <a:rPr lang="zh-CN" altLang="en-US" dirty="0" smtClean="0"/>
-              <a:t>添加引用后的</a:t>
-            </a:r>
+              <a:t>因为</a:t>
+            </a:r>
+            <a:r>
+              <a:rPr lang="en-US" altLang="zh-CN" dirty="0" smtClean="0"/>
+              <a:t>Hash Id</a:t>
+            </a:r>
+            <a:r>
+              <a:rPr lang="zh-CN" altLang="en-US" dirty="0" smtClean="0"/>
+              <a:t>记不住，所以有了引用</a:t>
+            </a:r>
+            <a:endParaRPr lang="en-US" altLang="zh-CN" dirty="0" smtClean="0"/>
+          </a:p>
+          <a:p>
+            <a:pPr>
+              <a:buNone/>
+            </a:pPr>
+            <a:r>
+              <a:rPr lang="en-US" altLang="zh-CN" sz="2000" dirty="0" smtClean="0">
+                <a:solidFill>
+                  <a:srgbClr val="C00000"/>
+                </a:solidFill>
+                <a:latin typeface="Consolas" pitchFamily="49" charset="0"/>
+                <a:cs typeface="Consolas" pitchFamily="49" charset="0"/>
+              </a:rPr>
+              <a:t>$ </a:t>
+            </a:r>
+            <a:r>
+              <a:rPr lang="en-US" altLang="zh-CN" sz="2000" dirty="0" err="1" smtClean="0">
+                <a:solidFill>
+                  <a:srgbClr val="C00000"/>
+                </a:solidFill>
+                <a:latin typeface="Consolas" pitchFamily="49" charset="0"/>
+                <a:cs typeface="Consolas" pitchFamily="49" charset="0"/>
+              </a:rPr>
+              <a:t>git</a:t>
+            </a:r>
+            <a:r>
+              <a:rPr lang="en-US" altLang="zh-CN" sz="2000" dirty="0" smtClean="0">
+                <a:solidFill>
+                  <a:srgbClr val="C00000"/>
+                </a:solidFill>
+                <a:latin typeface="Consolas" pitchFamily="49" charset="0"/>
+                <a:cs typeface="Consolas" pitchFamily="49" charset="0"/>
+              </a:rPr>
+              <a:t> update-ref refs/heads/master &lt;</a:t>
+            </a:r>
+            <a:r>
+              <a:rPr lang="en-US" altLang="zh-CN" sz="2000" dirty="0" err="1" smtClean="0">
+                <a:solidFill>
+                  <a:srgbClr val="C00000"/>
+                </a:solidFill>
+                <a:latin typeface="Consolas" pitchFamily="49" charset="0"/>
+                <a:cs typeface="Consolas" pitchFamily="49" charset="0"/>
+              </a:rPr>
+              <a:t>commit_hash_id</a:t>
+            </a:r>
+            <a:r>
+              <a:rPr lang="en-US" altLang="zh-CN" sz="2000" dirty="0" smtClean="0">
+                <a:solidFill>
+                  <a:srgbClr val="C00000"/>
+                </a:solidFill>
+                <a:latin typeface="Consolas" pitchFamily="49" charset="0"/>
+                <a:cs typeface="Consolas" pitchFamily="49" charset="0"/>
+              </a:rPr>
+              <a:t>&gt;</a:t>
+            </a:r>
+          </a:p>
+          <a:p>
             <a:r>
               <a:rPr lang="en-US" altLang="zh-CN" dirty="0" err="1" smtClean="0"/>
               <a:t>Git</a:t>
             </a:r>
             <a:r>
-              <a:rPr lang="zh-CN" altLang="en-US" dirty="0" smtClean="0"/>
-              <a:t>库</a:t>
+              <a:rPr lang="en-US" altLang="zh-CN" dirty="0" smtClean="0"/>
+              <a:t> Branch</a:t>
+            </a:r>
+            <a:r>
+              <a:rPr lang="zh-CN" altLang="en-US" dirty="0" smtClean="0"/>
+              <a:t>的本质就是指向某个</a:t>
+            </a:r>
+            <a:r>
+              <a:rPr lang="en-US" altLang="zh-CN" dirty="0" smtClean="0"/>
+              <a:t>Commit Object</a:t>
+            </a:r>
+            <a:r>
+              <a:rPr lang="zh-CN" altLang="en-US" dirty="0" smtClean="0"/>
+              <a:t>的引用</a:t>
+            </a:r>
+            <a:endParaRPr lang="en-US" altLang="zh-CN" dirty="0" smtClean="0"/>
+          </a:p>
+          <a:p>
+            <a:r>
+              <a:rPr lang="zh-CN" altLang="en-US" dirty="0" smtClean="0"/>
+              <a:t>创建一个分支</a:t>
+            </a:r>
+            <a:r>
+              <a:rPr lang="en-US" altLang="zh-CN" dirty="0" smtClean="0"/>
+              <a:t>”test”</a:t>
+            </a:r>
+          </a:p>
+          <a:p>
+            <a:pPr>
+              <a:buNone/>
+            </a:pPr>
+            <a:r>
+              <a:rPr lang="en-US" altLang="zh-CN" sz="2000" dirty="0" smtClean="0">
+                <a:solidFill>
+                  <a:srgbClr val="C00000"/>
+                </a:solidFill>
+                <a:latin typeface="Consolas" pitchFamily="49" charset="0"/>
+                <a:cs typeface="Consolas" pitchFamily="49" charset="0"/>
+              </a:rPr>
+              <a:t>$ </a:t>
+            </a:r>
+            <a:r>
+              <a:rPr lang="en-US" altLang="zh-CN" sz="2000" dirty="0" err="1" smtClean="0">
+                <a:solidFill>
+                  <a:srgbClr val="C00000"/>
+                </a:solidFill>
+                <a:latin typeface="Consolas" pitchFamily="49" charset="0"/>
+                <a:cs typeface="Consolas" pitchFamily="49" charset="0"/>
+              </a:rPr>
+              <a:t>git</a:t>
+            </a:r>
+            <a:r>
+              <a:rPr lang="en-US" altLang="zh-CN" sz="2000" dirty="0" smtClean="0">
+                <a:solidFill>
+                  <a:srgbClr val="C00000"/>
+                </a:solidFill>
+                <a:latin typeface="Consolas" pitchFamily="49" charset="0"/>
+                <a:cs typeface="Consolas" pitchFamily="49" charset="0"/>
+              </a:rPr>
+              <a:t> update-ref refs/heads/test &lt;</a:t>
+            </a:r>
+            <a:r>
+              <a:rPr lang="en-US" altLang="zh-CN" sz="2000" dirty="0" err="1" smtClean="0">
+                <a:solidFill>
+                  <a:srgbClr val="C00000"/>
+                </a:solidFill>
+                <a:latin typeface="Consolas" pitchFamily="49" charset="0"/>
+                <a:cs typeface="Consolas" pitchFamily="49" charset="0"/>
+              </a:rPr>
+              <a:t>commit_hash_id</a:t>
+            </a:r>
+            <a:r>
+              <a:rPr lang="en-US" altLang="zh-CN" sz="2000" dirty="0" smtClean="0">
+                <a:solidFill>
+                  <a:srgbClr val="C00000"/>
+                </a:solidFill>
+                <a:latin typeface="Consolas" pitchFamily="49" charset="0"/>
+                <a:cs typeface="Consolas" pitchFamily="49" charset="0"/>
+              </a:rPr>
+              <a:t>&gt;</a:t>
+            </a:r>
+          </a:p>
+          <a:p>
+            <a:pPr>
+              <a:buNone/>
+            </a:pPr>
+            <a:r>
+              <a:rPr lang="en-US" altLang="zh-CN" sz="2000" dirty="0" smtClean="0">
+                <a:solidFill>
+                  <a:srgbClr val="C00000"/>
+                </a:solidFill>
+                <a:latin typeface="Consolas" pitchFamily="49" charset="0"/>
+                <a:cs typeface="Consolas" pitchFamily="49" charset="0"/>
+              </a:rPr>
+              <a:t>$ </a:t>
+            </a:r>
+            <a:r>
+              <a:rPr lang="en-US" altLang="zh-CN" sz="2000" dirty="0" err="1" smtClean="0">
+                <a:solidFill>
+                  <a:srgbClr val="C00000"/>
+                </a:solidFill>
+                <a:latin typeface="Consolas" pitchFamily="49" charset="0"/>
+                <a:cs typeface="Consolas" pitchFamily="49" charset="0"/>
+              </a:rPr>
+              <a:t>git</a:t>
+            </a:r>
+            <a:r>
+              <a:rPr lang="en-US" altLang="zh-CN" sz="2000" dirty="0" smtClean="0">
+                <a:solidFill>
+                  <a:srgbClr val="C00000"/>
+                </a:solidFill>
+                <a:latin typeface="Consolas" pitchFamily="49" charset="0"/>
+                <a:cs typeface="Consolas" pitchFamily="49" charset="0"/>
+              </a:rPr>
+              <a:t> log --pretty=</a:t>
+            </a:r>
+            <a:r>
+              <a:rPr lang="en-US" altLang="zh-CN" sz="2000" dirty="0" err="1" smtClean="0">
+                <a:solidFill>
+                  <a:srgbClr val="C00000"/>
+                </a:solidFill>
+                <a:latin typeface="Consolas" pitchFamily="49" charset="0"/>
+                <a:cs typeface="Consolas" pitchFamily="49" charset="0"/>
+              </a:rPr>
+              <a:t>oneline</a:t>
+            </a:r>
+            <a:r>
+              <a:rPr lang="en-US" altLang="zh-CN" sz="2000" dirty="0" smtClean="0">
+                <a:solidFill>
+                  <a:srgbClr val="C00000"/>
+                </a:solidFill>
+                <a:latin typeface="Consolas" pitchFamily="49" charset="0"/>
+                <a:cs typeface="Consolas" pitchFamily="49" charset="0"/>
+              </a:rPr>
+              <a:t> test</a:t>
+            </a:r>
+            <a:endParaRPr lang="zh-CN" altLang="en-US" sz="2000" dirty="0" smtClean="0">
+              <a:solidFill>
+                <a:srgbClr val="C00000"/>
+              </a:solidFill>
+              <a:latin typeface="Consolas" pitchFamily="49" charset="0"/>
+              <a:cs typeface="Consolas" pitchFamily="49" charset="0"/>
+            </a:endParaRPr>
+          </a:p>
+        </p:txBody>
+      </p:sp>
+      <p:sp>
+        <p:nvSpPr>
+          <p:cNvPr id="2" name="标题 1"/>
+          <p:cNvSpPr>
+            <a:spLocks noGrp="1"/>
+          </p:cNvSpPr>
+          <p:nvPr>
+            <p:ph type="title"/>
+          </p:nvPr>
+        </p:nvSpPr>
+        <p:spPr/>
+        <p:txBody>
+          <a:bodyPr/>
+          <a:lstStyle/>
+          <a:p>
+            <a:r>
+              <a:rPr lang="en-US" altLang="zh-CN" dirty="0" smtClean="0"/>
+              <a:t>refs</a:t>
             </a:r>
             <a:endParaRPr lang="zh-CN" altLang="en-US" dirty="0"/>
           </a:p>
@@ -5414,6 +5447,13 @@
   <p:clrMapOvr>
     <a:masterClrMapping/>
   </p:clrMapOvr>
+  <p:timing>
+    <p:tnLst>
+      <p:par>
+        <p:cTn id="1" dur="indefinite" restart="never" nodeType="tmRoot"/>
+      </p:par>
+    </p:tnLst>
+  </p:timing>
 </p:sld>
 </file>
 
@@ -5434,14 +5474,37 @@
           <a:chExt cx="0" cy="0"/>
         </a:xfrm>
       </p:grpSpPr>
-      <p:sp>
-        <p:nvSpPr>
-          <p:cNvPr id="2" name="内容占位符 1"/>
-          <p:cNvSpPr>
-            <a:spLocks noGrp="1"/>
-          </p:cNvSpPr>
+      <p:pic>
+        <p:nvPicPr>
+          <p:cNvPr id="4" name="内容占位符 3" descr="refs.png"/>
+          <p:cNvPicPr>
+            <a:picLocks noGrp="1" noChangeAspect="1"/>
+          </p:cNvPicPr>
           <p:nvPr>
             <p:ph idx="1"/>
+          </p:nvPr>
+        </p:nvPicPr>
+        <p:blipFill>
+          <a:blip r:embed="rId2" cstate="print"/>
+          <a:stretch>
+            <a:fillRect/>
+          </a:stretch>
+        </p:blipFill>
+        <p:spPr>
+          <a:xfrm>
+            <a:off x="683567" y="1772816"/>
+            <a:ext cx="7896785" cy="4248472"/>
+          </a:xfrm>
+        </p:spPr>
+      </p:pic>
+      <p:sp>
+        <p:nvSpPr>
+          <p:cNvPr id="3" name="标题 2"/>
+          <p:cNvSpPr>
+            <a:spLocks noGrp="1"/>
+          </p:cNvSpPr>
+          <p:nvPr>
+            <p:ph type="title"/>
           </p:nvPr>
         </p:nvSpPr>
         <p:spPr/>
@@ -5450,6 +5513,69 @@
           <a:lstStyle/>
           <a:p>
             <a:r>
+              <a:rPr lang="zh-CN" altLang="en-US" dirty="0" smtClean="0"/>
+              <a:t>添加引用后的</a:t>
+            </a:r>
+            <a:r>
+              <a:rPr lang="en-US" altLang="zh-CN" dirty="0" err="1" smtClean="0"/>
+              <a:t>Git</a:t>
+            </a:r>
+            <a:r>
+              <a:rPr lang="zh-CN" altLang="en-US" dirty="0" smtClean="0"/>
+              <a:t>库</a:t>
+            </a:r>
+            <a:endParaRPr lang="zh-CN" altLang="en-US" dirty="0"/>
+          </a:p>
+        </p:txBody>
+      </p:sp>
+    </p:spTree>
+  </p:cSld>
+  <p:clrMapOvr>
+    <a:masterClrMapping/>
+  </p:clrMapOvr>
+  <p:timing>
+    <p:tnLst>
+      <p:par>
+        <p:cTn id="1" dur="indefinite" restart="never" nodeType="tmRoot"/>
+      </p:par>
+    </p:tnLst>
+  </p:timing>
+</p:sld>
+</file>
+
+<file path=ppt/slides/slide15.xml><?xml version="1.0" encoding="utf-8"?>
+<p:sld xmlns:a="http://schemas.openxmlformats.org/drawingml/2006/main" xmlns:r="http://schemas.openxmlformats.org/officeDocument/2006/relationships" xmlns:p="http://schemas.openxmlformats.org/presentationml/2006/main">
+  <p:cSld>
+    <p:spTree>
+      <p:nvGrpSpPr>
+        <p:cNvPr id="1" name=""/>
+        <p:cNvGrpSpPr/>
+        <p:nvPr/>
+      </p:nvGrpSpPr>
+      <p:grpSpPr>
+        <a:xfrm>
+          <a:off x="0" y="0"/>
+          <a:ext cx="0" cy="0"/>
+          <a:chOff x="0" y="0"/>
+          <a:chExt cx="0" cy="0"/>
+        </a:xfrm>
+      </p:grpSpPr>
+      <p:sp>
+        <p:nvSpPr>
+          <p:cNvPr id="2" name="内容占位符 1"/>
+          <p:cNvSpPr>
+            <a:spLocks noGrp="1"/>
+          </p:cNvSpPr>
+          <p:nvPr>
+            <p:ph idx="1"/>
+          </p:nvPr>
+        </p:nvSpPr>
+        <p:spPr/>
+        <p:txBody>
+          <a:bodyPr/>
+          <a:lstStyle/>
+          <a:p>
+            <a:r>
               <a:rPr lang="en-US" altLang="zh-CN" dirty="0" smtClean="0"/>
               <a:t>HEAD</a:t>
             </a:r>
@@ -5463,17 +5589,33 @@
             </a:r>
             <a:r>
               <a:rPr lang="zh-CN" altLang="en-US" dirty="0" smtClean="0"/>
-              <a:t>最后一次</a:t>
+              <a:t>最近一个</a:t>
             </a:r>
             <a:r>
               <a:rPr lang="en-US" altLang="zh-CN" dirty="0" smtClean="0"/>
-              <a:t>Commit Object)</a:t>
-            </a:r>
-          </a:p>
-          <a:p>
-            <a:r>
-              <a:rPr lang="zh-CN" altLang="en-US" dirty="0" smtClean="0"/>
-              <a:t>当切换分支后</a:t>
+              <a:t>Commit </a:t>
+            </a:r>
+            <a:r>
+              <a:rPr lang="en-US" altLang="zh-CN" dirty="0" smtClean="0"/>
+              <a:t>Object)</a:t>
+            </a:r>
+          </a:p>
+          <a:p>
+            <a:r>
+              <a:rPr lang="zh-CN" altLang="en-US" dirty="0" smtClean="0"/>
+              <a:t>当</a:t>
+            </a:r>
+            <a:r>
+              <a:rPr lang="zh-CN" altLang="en-US" dirty="0" smtClean="0">
+                <a:solidFill>
+                  <a:srgbClr val="FF0000"/>
+                </a:solidFill>
+              </a:rPr>
+              <a:t>切换分支</a:t>
+            </a:r>
+            <a:r>
+              <a:rPr lang="zh-CN" altLang="en-US" dirty="0" smtClean="0"/>
+              <a:t>后</a:t>
             </a:r>
             <a:r>
               <a:rPr lang="en-US" altLang="zh-CN" dirty="0" smtClean="0"/>
@@ -5499,33 +5641,6 @@
           </a:p>
           <a:p>
             <a:endParaRPr lang="en-US" altLang="zh-CN" dirty="0" smtClean="0"/>
-          </a:p>
-          <a:p>
-            <a:r>
-              <a:rPr lang="en-US" altLang="zh-CN" dirty="0" smtClean="0"/>
-              <a:t>.. ..</a:t>
-            </a:r>
-            <a:r>
-              <a:rPr lang="en-US" altLang="zh-CN" dirty="0" smtClean="0"/>
-              <a:t> ..</a:t>
-            </a:r>
-            <a:r>
-              <a:rPr lang="zh-CN" altLang="en-US" dirty="0" smtClean="0"/>
-              <a:t>什么是</a:t>
-            </a:r>
-            <a:r>
-              <a:rPr lang="zh-CN" altLang="en-US" dirty="0" smtClean="0">
-                <a:solidFill>
-                  <a:srgbClr val="FF0000"/>
-                </a:solidFill>
-              </a:rPr>
-              <a:t>切换分支</a:t>
-            </a:r>
-            <a:r>
-              <a:rPr lang="en-US" altLang="zh-CN" dirty="0" smtClean="0"/>
-              <a:t>?</a:t>
-            </a:r>
-            <a:endParaRPr lang="zh-CN" altLang="en-US" dirty="0"/>
           </a:p>
         </p:txBody>
       </p:sp>
@@ -5585,10 +5700,345 @@
   <p:clrMapOvr>
     <a:masterClrMapping/>
   </p:clrMapOvr>
+  <p:timing>
+    <p:tnLst>
+      <p:par>
+        <p:cTn id="1" dur="indefinite" restart="never" nodeType="tmRoot"/>
+      </p:par>
+    </p:tnLst>
+  </p:timing>
 </p:sld>
 </file>
 
-<file path=ppt/slides/slide15.xml><?xml version="1.0" encoding="utf-8"?>
+<file path=ppt/slides/slide16.xml><?xml version="1.0" encoding="utf-8"?>
+<p:sld xmlns:a="http://schemas.openxmlformats.org/drawingml/2006/main" xmlns:r="http://schemas.openxmlformats.org/officeDocument/2006/relationships" xmlns:p="http://schemas.openxmlformats.org/presentationml/2006/main">
+  <p:cSld>
+    <p:spTree>
+      <p:nvGrpSpPr>
+        <p:cNvPr id="1" name=""/>
+        <p:cNvGrpSpPr/>
+        <p:nvPr/>
+      </p:nvGrpSpPr>
+      <p:grpSpPr>
+        <a:xfrm>
+          <a:off x="0" y="0"/>
+          <a:ext cx="0" cy="0"/>
+          <a:chOff x="0" y="0"/>
+          <a:chExt cx="0" cy="0"/>
+        </a:xfrm>
+      </p:grpSpPr>
+      <p:sp>
+        <p:nvSpPr>
+          <p:cNvPr id="2" name="内容占位符 1"/>
+          <p:cNvSpPr>
+            <a:spLocks noGrp="1"/>
+          </p:cNvSpPr>
+          <p:nvPr>
+            <p:ph idx="1"/>
+          </p:nvPr>
+        </p:nvSpPr>
+        <p:spPr/>
+        <p:txBody>
+          <a:bodyPr/>
+          <a:lstStyle/>
+          <a:p>
+            <a:r>
+              <a:rPr lang="en-US" altLang="zh-CN" dirty="0" err="1" smtClean="0"/>
+              <a:t>Git</a:t>
+            </a:r>
+            <a:r>
+              <a:rPr lang="zh-CN" altLang="en-US" dirty="0" smtClean="0"/>
+              <a:t>的分支实际上就是一个引用</a:t>
+            </a:r>
+            <a:endParaRPr lang="en-US" altLang="zh-CN" dirty="0" smtClean="0"/>
+          </a:p>
+          <a:p>
+            <a:r>
+              <a:rPr lang="zh-CN" altLang="en-US" dirty="0" smtClean="0"/>
+              <a:t>创建新的分支</a:t>
+            </a:r>
+            <a:endParaRPr lang="en-US" altLang="zh-CN" dirty="0" smtClean="0"/>
+          </a:p>
+          <a:p>
+            <a:pPr>
+              <a:buNone/>
+            </a:pPr>
+            <a:r>
+              <a:rPr lang="en-US" altLang="zh-CN" sz="2000" dirty="0">
+                <a:solidFill>
+                  <a:srgbClr val="C00000"/>
+                </a:solidFill>
+                <a:latin typeface="Consolas" pitchFamily="49" charset="0"/>
+                <a:cs typeface="Consolas" pitchFamily="49" charset="0"/>
+              </a:rPr>
+              <a:t>$ </a:t>
+            </a:r>
+            <a:r>
+              <a:rPr lang="en-US" altLang="zh-CN" sz="2000" dirty="0" err="1">
+                <a:solidFill>
+                  <a:srgbClr val="C00000"/>
+                </a:solidFill>
+                <a:latin typeface="Consolas" pitchFamily="49" charset="0"/>
+                <a:cs typeface="Consolas" pitchFamily="49" charset="0"/>
+              </a:rPr>
+              <a:t>git</a:t>
+            </a:r>
+            <a:r>
+              <a:rPr lang="en-US" altLang="zh-CN" sz="2000" dirty="0">
+                <a:solidFill>
+                  <a:srgbClr val="C00000"/>
+                </a:solidFill>
+                <a:latin typeface="Consolas" pitchFamily="49" charset="0"/>
+                <a:cs typeface="Consolas" pitchFamily="49" charset="0"/>
+              </a:rPr>
+              <a:t> branch xxx [&lt;commit&gt;]</a:t>
+            </a:r>
+          </a:p>
+          <a:p>
+            <a:pPr marL="109728" indent="0">
+              <a:buNone/>
+            </a:pPr>
+            <a:r>
+              <a:rPr lang="en-US" altLang="zh-CN" sz="2000" dirty="0">
+                <a:solidFill>
+                  <a:srgbClr val="C00000"/>
+                </a:solidFill>
+                <a:latin typeface="Consolas" pitchFamily="49" charset="0"/>
+                <a:cs typeface="Consolas" pitchFamily="49" charset="0"/>
+              </a:rPr>
+              <a:t>$ </a:t>
+            </a:r>
+            <a:r>
+              <a:rPr lang="en-US" altLang="zh-CN" sz="2000" dirty="0" err="1">
+                <a:solidFill>
+                  <a:srgbClr val="C00000"/>
+                </a:solidFill>
+                <a:latin typeface="Consolas" pitchFamily="49" charset="0"/>
+                <a:cs typeface="Consolas" pitchFamily="49" charset="0"/>
+              </a:rPr>
+              <a:t>git</a:t>
+            </a:r>
+            <a:r>
+              <a:rPr lang="en-US" altLang="zh-CN" sz="2000" dirty="0">
+                <a:solidFill>
+                  <a:srgbClr val="C00000"/>
+                </a:solidFill>
+                <a:latin typeface="Consolas" pitchFamily="49" charset="0"/>
+                <a:cs typeface="Consolas" pitchFamily="49" charset="0"/>
+              </a:rPr>
+              <a:t> checkout –b xxx [&lt;commit&gt;]</a:t>
+            </a:r>
+          </a:p>
+          <a:p>
+            <a:r>
+              <a:rPr lang="zh-CN" altLang="en-US" dirty="0" smtClean="0"/>
+              <a:t>查看分支</a:t>
+            </a:r>
+            <a:endParaRPr lang="en-US" altLang="zh-CN" dirty="0" smtClean="0"/>
+          </a:p>
+          <a:p>
+            <a:pPr marL="109728" indent="0">
+              <a:buNone/>
+            </a:pPr>
+            <a:r>
+              <a:rPr lang="en-US" altLang="zh-CN" sz="2000" dirty="0">
+                <a:solidFill>
+                  <a:srgbClr val="C00000"/>
+                </a:solidFill>
+                <a:latin typeface="Consolas" pitchFamily="49" charset="0"/>
+                <a:cs typeface="Consolas" pitchFamily="49" charset="0"/>
+              </a:rPr>
+              <a:t>$ </a:t>
+            </a:r>
+            <a:r>
+              <a:rPr lang="en-US" altLang="zh-CN" sz="2000" dirty="0" err="1" smtClean="0">
+                <a:solidFill>
+                  <a:srgbClr val="C00000"/>
+                </a:solidFill>
+                <a:latin typeface="Consolas" pitchFamily="49" charset="0"/>
+                <a:cs typeface="Consolas" pitchFamily="49" charset="0"/>
+              </a:rPr>
+              <a:t>git</a:t>
+            </a:r>
+            <a:r>
+              <a:rPr lang="en-US" altLang="zh-CN" sz="2000" dirty="0" smtClean="0">
+                <a:solidFill>
+                  <a:srgbClr val="C00000"/>
+                </a:solidFill>
+                <a:latin typeface="Consolas" pitchFamily="49" charset="0"/>
+                <a:cs typeface="Consolas" pitchFamily="49" charset="0"/>
+              </a:rPr>
+              <a:t> </a:t>
+            </a:r>
+            <a:r>
+              <a:rPr lang="en-US" altLang="zh-CN" sz="2000" dirty="0">
+                <a:solidFill>
+                  <a:srgbClr val="C00000"/>
+                </a:solidFill>
+                <a:latin typeface="Consolas" pitchFamily="49" charset="0"/>
+                <a:cs typeface="Consolas" pitchFamily="49" charset="0"/>
+              </a:rPr>
+              <a:t>branch –l</a:t>
+            </a:r>
+          </a:p>
+          <a:p>
+            <a:r>
+              <a:rPr lang="zh-CN" altLang="en-US" dirty="0" smtClean="0"/>
+              <a:t>删除分支</a:t>
+            </a:r>
+            <a:endParaRPr lang="en-US" altLang="zh-CN" dirty="0" smtClean="0"/>
+          </a:p>
+          <a:p>
+            <a:pPr marL="109728" indent="0">
+              <a:buNone/>
+            </a:pPr>
+            <a:r>
+              <a:rPr lang="en-US" altLang="zh-CN" sz="2000" dirty="0">
+                <a:solidFill>
+                  <a:srgbClr val="C00000"/>
+                </a:solidFill>
+                <a:latin typeface="Consolas" pitchFamily="49" charset="0"/>
+                <a:cs typeface="Consolas" pitchFamily="49" charset="0"/>
+              </a:rPr>
+              <a:t>$ </a:t>
+            </a:r>
+            <a:r>
+              <a:rPr lang="en-US" altLang="zh-CN" sz="2000" dirty="0" err="1" smtClean="0">
+                <a:solidFill>
+                  <a:srgbClr val="C00000"/>
+                </a:solidFill>
+                <a:latin typeface="Consolas" pitchFamily="49" charset="0"/>
+                <a:cs typeface="Consolas" pitchFamily="49" charset="0"/>
+              </a:rPr>
+              <a:t>git</a:t>
+            </a:r>
+            <a:r>
+              <a:rPr lang="en-US" altLang="zh-CN" sz="2000" dirty="0" smtClean="0">
+                <a:solidFill>
+                  <a:srgbClr val="C00000"/>
+                </a:solidFill>
+                <a:latin typeface="Consolas" pitchFamily="49" charset="0"/>
+                <a:cs typeface="Consolas" pitchFamily="49" charset="0"/>
+              </a:rPr>
+              <a:t> </a:t>
+            </a:r>
+            <a:r>
+              <a:rPr lang="en-US" altLang="zh-CN" sz="2000" dirty="0">
+                <a:solidFill>
+                  <a:srgbClr val="C00000"/>
+                </a:solidFill>
+                <a:latin typeface="Consolas" pitchFamily="49" charset="0"/>
+                <a:cs typeface="Consolas" pitchFamily="49" charset="0"/>
+              </a:rPr>
+              <a:t>branch –d | -</a:t>
+            </a:r>
+            <a:r>
+              <a:rPr lang="en-US" altLang="zh-CN" sz="2000" dirty="0" smtClean="0">
+                <a:solidFill>
+                  <a:srgbClr val="C00000"/>
+                </a:solidFill>
+                <a:latin typeface="Consolas" pitchFamily="49" charset="0"/>
+                <a:cs typeface="Consolas" pitchFamily="49" charset="0"/>
+              </a:rPr>
+              <a:t>D</a:t>
+            </a:r>
+          </a:p>
+          <a:p>
+            <a:r>
+              <a:rPr lang="zh-CN" altLang="en-US" dirty="0"/>
+              <a:t>切换分支</a:t>
+            </a:r>
+            <a:endParaRPr lang="en-US" altLang="zh-CN" dirty="0"/>
+          </a:p>
+          <a:p>
+            <a:pPr marL="109728" indent="0">
+              <a:buNone/>
+            </a:pPr>
+            <a:r>
+              <a:rPr lang="en-US" altLang="zh-CN" sz="2000" dirty="0" smtClean="0">
+                <a:solidFill>
+                  <a:srgbClr val="C00000"/>
+                </a:solidFill>
+                <a:latin typeface="Consolas" pitchFamily="49" charset="0"/>
+                <a:cs typeface="Consolas" pitchFamily="49" charset="0"/>
+              </a:rPr>
+              <a:t>$ </a:t>
+            </a:r>
+            <a:r>
+              <a:rPr lang="en-US" altLang="zh-CN" sz="2000" dirty="0" err="1" smtClean="0">
+                <a:solidFill>
+                  <a:srgbClr val="C00000"/>
+                </a:solidFill>
+                <a:latin typeface="Consolas" pitchFamily="49" charset="0"/>
+                <a:cs typeface="Consolas" pitchFamily="49" charset="0"/>
+              </a:rPr>
+              <a:t>git</a:t>
+            </a:r>
+            <a:r>
+              <a:rPr lang="en-US" altLang="zh-CN" sz="2000" dirty="0" smtClean="0">
+                <a:solidFill>
+                  <a:srgbClr val="C00000"/>
+                </a:solidFill>
+                <a:latin typeface="Consolas" pitchFamily="49" charset="0"/>
+                <a:cs typeface="Consolas" pitchFamily="49" charset="0"/>
+              </a:rPr>
+              <a:t> checkout xxx</a:t>
+            </a:r>
+            <a:endParaRPr lang="zh-CN" altLang="en-US" sz="2000" dirty="0">
+              <a:solidFill>
+                <a:srgbClr val="C00000"/>
+              </a:solidFill>
+              <a:latin typeface="Consolas" pitchFamily="49" charset="0"/>
+              <a:cs typeface="Consolas" pitchFamily="49" charset="0"/>
+            </a:endParaRPr>
+          </a:p>
+        </p:txBody>
+      </p:sp>
+      <p:sp>
+        <p:nvSpPr>
+          <p:cNvPr id="3" name="标题 2"/>
+          <p:cNvSpPr>
+            <a:spLocks noGrp="1"/>
+          </p:cNvSpPr>
+          <p:nvPr>
+            <p:ph type="title"/>
+          </p:nvPr>
+        </p:nvSpPr>
+        <p:spPr/>
+        <p:txBody>
+          <a:bodyPr/>
+          <a:lstStyle/>
+          <a:p>
+            <a:r>
+              <a:rPr lang="zh-CN" altLang="en-US" dirty="0" smtClean="0"/>
+              <a:t>分支</a:t>
+            </a:r>
+            <a:r>
+              <a:rPr lang="en-US" altLang="zh-CN" dirty="0" smtClean="0"/>
+              <a:t>(Branch)</a:t>
+            </a:r>
+            <a:r>
+              <a:rPr lang="zh-CN" altLang="en-US" dirty="0" smtClean="0"/>
+              <a:t>即引用</a:t>
+            </a:r>
+            <a:endParaRPr lang="zh-CN" altLang="en-US" dirty="0"/>
+          </a:p>
+        </p:txBody>
+      </p:sp>
+    </p:spTree>
+    <p:extLst>
+      <p:ext uri="{BB962C8B-B14F-4D97-AF65-F5344CB8AC3E}">
+        <p14:creationId xmlns:p14="http://schemas.microsoft.com/office/powerpoint/2010/main" val="146557466"/>
+      </p:ext>
+    </p:extLst>
+  </p:cSld>
+  <p:clrMapOvr>
+    <a:masterClrMapping/>
+  </p:clrMapOvr>
+</p:sld>
+</file>
+
+<file path=ppt/slides/slide17.xml><?xml version="1.0" encoding="utf-8"?>
 <p:sld xmlns:a="http://schemas.openxmlformats.org/drawingml/2006/main" xmlns:r="http://schemas.openxmlformats.org/officeDocument/2006/relationships" xmlns:p="http://schemas.openxmlformats.org/presentationml/2006/main">
   <p:cSld>
     <p:spTree>
@@ -5670,6 +6120,195 @@
   <p:clrMapOvr>
     <a:masterClrMapping/>
   </p:clrMapOvr>
+  <p:timing>
+    <p:tnLst>
+      <p:par>
+        <p:cTn id="1" dur="indefinite" restart="never" nodeType="tmRoot"/>
+      </p:par>
+    </p:tnLst>
+  </p:timing>
+</p:sld>
+</file>
+
+<file path=ppt/slides/slide18.xml><?xml version="1.0" encoding="utf-8"?>
+<p:sld xmlns:a="http://schemas.openxmlformats.org/drawingml/2006/main" xmlns:r="http://schemas.openxmlformats.org/officeDocument/2006/relationships" xmlns:p="http://schemas.openxmlformats.org/presentationml/2006/main">
+  <p:cSld>
+    <p:spTree>
+      <p:nvGrpSpPr>
+        <p:cNvPr id="1" name=""/>
+        <p:cNvGrpSpPr/>
+        <p:nvPr/>
+      </p:nvGrpSpPr>
+      <p:grpSpPr>
+        <a:xfrm>
+          <a:off x="0" y="0"/>
+          <a:ext cx="0" cy="0"/>
+          <a:chOff x="0" y="0"/>
+          <a:chExt cx="0" cy="0"/>
+        </a:xfrm>
+      </p:grpSpPr>
+      <p:pic>
+        <p:nvPicPr>
+          <p:cNvPr id="4" name="内容占位符 3"/>
+          <p:cNvPicPr>
+            <a:picLocks noGrp="1" noChangeAspect="1"/>
+          </p:cNvPicPr>
+          <p:nvPr>
+            <p:ph idx="1"/>
+          </p:nvPr>
+        </p:nvPicPr>
+        <p:blipFill>
+          <a:blip r:embed="rId2">
+            <a:extLst>
+              <a:ext uri="{28A0092B-C50C-407E-A947-70E740481C1C}">
+                <a14:useLocalDpi xmlns:a14="http://schemas.microsoft.com/office/drawing/2010/main" val="0"/>
+              </a:ext>
+            </a:extLst>
+          </a:blip>
+          <a:stretch>
+            <a:fillRect/>
+          </a:stretch>
+        </p:blipFill>
+        <p:spPr>
+          <a:xfrm>
+            <a:off x="107504" y="1628800"/>
+            <a:ext cx="8965700" cy="4208789"/>
+          </a:xfrm>
+        </p:spPr>
+      </p:pic>
+      <p:sp>
+        <p:nvSpPr>
+          <p:cNvPr id="3" name="标题 2"/>
+          <p:cNvSpPr>
+            <a:spLocks noGrp="1"/>
+          </p:cNvSpPr>
+          <p:nvPr>
+            <p:ph type="title"/>
+          </p:nvPr>
+        </p:nvSpPr>
+        <p:spPr/>
+        <p:txBody>
+          <a:bodyPr/>
+          <a:lstStyle/>
+          <a:p>
+            <a:r>
+              <a:rPr lang="zh-CN" altLang="en-US" dirty="0" smtClean="0"/>
+              <a:t>工作流详解</a:t>
+            </a:r>
+            <a:endParaRPr lang="zh-CN" altLang="en-US" dirty="0"/>
+          </a:p>
+        </p:txBody>
+      </p:sp>
+    </p:spTree>
+    <p:extLst>
+      <p:ext uri="{BB962C8B-B14F-4D97-AF65-F5344CB8AC3E}">
+        <p14:creationId xmlns:p14="http://schemas.microsoft.com/office/powerpoint/2010/main" val="2833477120"/>
+      </p:ext>
+    </p:extLst>
+  </p:cSld>
+  <p:clrMapOvr>
+    <a:masterClrMapping/>
+  </p:clrMapOvr>
+  <p:timing>
+    <p:tnLst>
+      <p:par>
+        <p:cTn id="1" dur="indefinite" restart="never" nodeType="tmRoot"/>
+      </p:par>
+    </p:tnLst>
+  </p:timing>
+</p:sld>
+</file>
+
+<file path=ppt/slides/slide19.xml><?xml version="1.0" encoding="utf-8"?>
+<p:sld xmlns:a="http://schemas.openxmlformats.org/drawingml/2006/main" xmlns:r="http://schemas.openxmlformats.org/officeDocument/2006/relationships" xmlns:p="http://schemas.openxmlformats.org/presentationml/2006/main">
+  <p:cSld>
+    <p:spTree>
+      <p:nvGrpSpPr>
+        <p:cNvPr id="1" name=""/>
+        <p:cNvGrpSpPr/>
+        <p:nvPr/>
+      </p:nvGrpSpPr>
+      <p:grpSpPr>
+        <a:xfrm>
+          <a:off x="0" y="0"/>
+          <a:ext cx="0" cy="0"/>
+          <a:chOff x="0" y="0"/>
+          <a:chExt cx="0" cy="0"/>
+        </a:xfrm>
+      </p:grpSpPr>
+      <p:pic>
+        <p:nvPicPr>
+          <p:cNvPr id="4" name="内容占位符 3"/>
+          <p:cNvPicPr>
+            <a:picLocks noGrp="1" noChangeAspect="1"/>
+          </p:cNvPicPr>
+          <p:nvPr>
+            <p:ph idx="1"/>
+          </p:nvPr>
+        </p:nvPicPr>
+        <p:blipFill>
+          <a:blip r:embed="rId2">
+            <a:extLst>
+              <a:ext uri="{28A0092B-C50C-407E-A947-70E740481C1C}">
+                <a14:useLocalDpi xmlns:a14="http://schemas.microsoft.com/office/drawing/2010/main" val="0"/>
+              </a:ext>
+            </a:extLst>
+          </a:blip>
+          <a:stretch>
+            <a:fillRect/>
+          </a:stretch>
+        </p:blipFill>
+        <p:spPr>
+          <a:xfrm>
+            <a:off x="778179" y="1481138"/>
+            <a:ext cx="7587641" cy="4525962"/>
+          </a:xfrm>
+        </p:spPr>
+      </p:pic>
+      <p:sp>
+        <p:nvSpPr>
+          <p:cNvPr id="3" name="标题 2"/>
+          <p:cNvSpPr>
+            <a:spLocks noGrp="1"/>
+          </p:cNvSpPr>
+          <p:nvPr>
+            <p:ph type="title"/>
+          </p:nvPr>
+        </p:nvSpPr>
+        <p:spPr/>
+        <p:txBody>
+          <a:bodyPr/>
+          <a:lstStyle/>
+          <a:p>
+            <a:r>
+              <a:rPr lang="en-US" altLang="zh-CN" dirty="0" smtClean="0"/>
+              <a:t>Diff</a:t>
+            </a:r>
+            <a:r>
+              <a:rPr lang="zh-CN" altLang="en-US" dirty="0" smtClean="0"/>
+              <a:t>详解</a:t>
+            </a:r>
+            <a:endParaRPr lang="zh-CN" altLang="en-US" dirty="0"/>
+          </a:p>
+        </p:txBody>
+      </p:sp>
+    </p:spTree>
+    <p:extLst>
+      <p:ext uri="{BB962C8B-B14F-4D97-AF65-F5344CB8AC3E}">
+        <p14:creationId xmlns:p14="http://schemas.microsoft.com/office/powerpoint/2010/main" val="4246334304"/>
+      </p:ext>
+    </p:extLst>
+  </p:cSld>
+  <p:clrMapOvr>
+    <a:masterClrMapping/>
+  </p:clrMapOvr>
+  <p:timing>
+    <p:tnLst>
+      <p:par>
+        <p:cTn id="1" dur="indefinite" restart="never" nodeType="tmRoot"/>
+      </p:par>
+    </p:tnLst>
+  </p:timing>
 </p:sld>
 </file>
 
@@ -5692,7 +6331,7 @@
       </p:grpSpPr>
       <p:pic>
         <p:nvPicPr>
-          <p:cNvPr id="8" name="内容占位符 7" descr="fig-11.png"/>
+          <p:cNvPr id="4" name="内容占位符 3"/>
           <p:cNvPicPr>
             <a:picLocks noGrp="1" noChangeAspect="1"/>
           </p:cNvPicPr>
@@ -5701,21 +6340,27 @@
           </p:nvPr>
         </p:nvPicPr>
         <p:blipFill>
-          <a:blip r:embed="rId2" cstate="print"/>
+          <a:blip r:embed="rId2">
+            <a:extLst>
+              <a:ext uri="{28A0092B-C50C-407E-A947-70E740481C1C}">
+                <a14:useLocalDpi xmlns:a14="http://schemas.microsoft.com/office/drawing/2010/main" val="0"/>
+              </a:ext>
+            </a:extLst>
+          </a:blip>
           <a:stretch>
             <a:fillRect/>
           </a:stretch>
         </p:blipFill>
         <p:spPr>
           <a:xfrm>
-            <a:off x="893039" y="1196752"/>
-            <a:ext cx="7639401" cy="4810348"/>
+            <a:off x="611560" y="1268760"/>
+            <a:ext cx="7992888" cy="5347636"/>
           </a:xfrm>
         </p:spPr>
       </p:pic>
       <p:sp>
         <p:nvSpPr>
-          <p:cNvPr id="2" name="标题 1"/>
+          <p:cNvPr id="3" name="标题 2"/>
           <p:cNvSpPr>
             <a:spLocks noGrp="1"/>
           </p:cNvSpPr>
@@ -5729,24 +6374,932 @@
           <a:lstStyle/>
           <a:p>
             <a:r>
+              <a:rPr lang="zh-CN" altLang="en-US" dirty="0" smtClean="0"/>
+              <a:t>工作流简介</a:t>
+            </a:r>
+            <a:endParaRPr lang="zh-CN" altLang="en-US" dirty="0"/>
+          </a:p>
+        </p:txBody>
+      </p:sp>
+    </p:spTree>
+    <p:extLst>
+      <p:ext uri="{BB962C8B-B14F-4D97-AF65-F5344CB8AC3E}">
+        <p14:creationId xmlns:p14="http://schemas.microsoft.com/office/powerpoint/2010/main" val="1695765042"/>
+      </p:ext>
+    </p:extLst>
+  </p:cSld>
+  <p:clrMapOvr>
+    <a:masterClrMapping/>
+  </p:clrMapOvr>
+  <p:timing>
+    <p:tnLst>
+      <p:par>
+        <p:cTn id="1" dur="indefinite" restart="never" nodeType="tmRoot"/>
+      </p:par>
+    </p:tnLst>
+  </p:timing>
+</p:sld>
+</file>
+
+<file path=ppt/slides/slide20.xml><?xml version="1.0" encoding="utf-8"?>
+<p:sld xmlns:a="http://schemas.openxmlformats.org/drawingml/2006/main" xmlns:r="http://schemas.openxmlformats.org/officeDocument/2006/relationships" xmlns:p="http://schemas.openxmlformats.org/presentationml/2006/main">
+  <p:cSld>
+    <p:spTree>
+      <p:nvGrpSpPr>
+        <p:cNvPr id="1" name=""/>
+        <p:cNvGrpSpPr/>
+        <p:nvPr/>
+      </p:nvGrpSpPr>
+      <p:grpSpPr>
+        <a:xfrm>
+          <a:off x="0" y="0"/>
+          <a:ext cx="0" cy="0"/>
+          <a:chOff x="0" y="0"/>
+          <a:chExt cx="0" cy="0"/>
+        </a:xfrm>
+      </p:grpSpPr>
+      <p:sp>
+        <p:nvSpPr>
+          <p:cNvPr id="2" name="内容占位符 1"/>
+          <p:cNvSpPr>
+            <a:spLocks noGrp="1"/>
+          </p:cNvSpPr>
+          <p:nvPr>
+            <p:ph idx="1"/>
+          </p:nvPr>
+        </p:nvSpPr>
+        <p:spPr/>
+        <p:txBody>
+          <a:bodyPr/>
+          <a:lstStyle/>
+          <a:p>
+            <a:r>
+              <a:rPr lang="zh-CN" altLang="en-US" dirty="0" smtClean="0"/>
+              <a:t>工作进行到一半，突然有一个紧急的任务要优先处理</a:t>
+            </a:r>
+            <a:endParaRPr lang="en-US" altLang="zh-CN" dirty="0" smtClean="0"/>
+          </a:p>
+          <a:p>
+            <a:r>
+              <a:rPr lang="zh-CN" altLang="en-US" dirty="0" smtClean="0"/>
+              <a:t>没完成一个完整的功能，不能</a:t>
+            </a:r>
+            <a:r>
+              <a:rPr lang="en-US" altLang="zh-CN" dirty="0" smtClean="0"/>
+              <a:t>Commit</a:t>
+            </a:r>
+          </a:p>
+          <a:p>
+            <a:pPr marL="109728" indent="0">
+              <a:buNone/>
+            </a:pPr>
+            <a:r>
+              <a:rPr lang="en-US" altLang="zh-CN" sz="2000" dirty="0">
+                <a:solidFill>
+                  <a:srgbClr val="C00000"/>
+                </a:solidFill>
+                <a:latin typeface="Consolas" pitchFamily="49" charset="0"/>
+                <a:cs typeface="Consolas" pitchFamily="49" charset="0"/>
+              </a:rPr>
+              <a:t>$ </a:t>
+            </a:r>
+            <a:r>
+              <a:rPr lang="en-US" altLang="zh-CN" sz="2000" dirty="0" err="1">
+                <a:solidFill>
+                  <a:srgbClr val="C00000"/>
+                </a:solidFill>
+                <a:latin typeface="Consolas" pitchFamily="49" charset="0"/>
+                <a:cs typeface="Consolas" pitchFamily="49" charset="0"/>
+              </a:rPr>
+              <a:t>git</a:t>
+            </a:r>
+            <a:r>
+              <a:rPr lang="en-US" altLang="zh-CN" sz="2000" dirty="0">
+                <a:solidFill>
+                  <a:srgbClr val="C00000"/>
+                </a:solidFill>
+                <a:latin typeface="Consolas" pitchFamily="49" charset="0"/>
+                <a:cs typeface="Consolas" pitchFamily="49" charset="0"/>
+              </a:rPr>
+              <a:t> stash save xxx</a:t>
+            </a:r>
+          </a:p>
+          <a:p>
+            <a:pPr marL="109728" indent="0">
+              <a:buNone/>
+            </a:pPr>
+            <a:r>
+              <a:rPr lang="en-US" altLang="zh-CN" sz="2000" dirty="0">
+                <a:solidFill>
+                  <a:srgbClr val="C00000"/>
+                </a:solidFill>
+                <a:latin typeface="Consolas" pitchFamily="49" charset="0"/>
+                <a:cs typeface="Consolas" pitchFamily="49" charset="0"/>
+              </a:rPr>
+              <a:t>$ </a:t>
+            </a:r>
+            <a:r>
+              <a:rPr lang="en-US" altLang="zh-CN" sz="2000" dirty="0" err="1">
+                <a:solidFill>
+                  <a:srgbClr val="C00000"/>
+                </a:solidFill>
+                <a:latin typeface="Consolas" pitchFamily="49" charset="0"/>
+                <a:cs typeface="Consolas" pitchFamily="49" charset="0"/>
+              </a:rPr>
+              <a:t>git</a:t>
+            </a:r>
+            <a:r>
+              <a:rPr lang="en-US" altLang="zh-CN" sz="2000" dirty="0">
+                <a:solidFill>
+                  <a:srgbClr val="C00000"/>
+                </a:solidFill>
+                <a:latin typeface="Consolas" pitchFamily="49" charset="0"/>
+                <a:cs typeface="Consolas" pitchFamily="49" charset="0"/>
+              </a:rPr>
+              <a:t> stash list</a:t>
+            </a:r>
+          </a:p>
+          <a:p>
+            <a:pPr marL="109728" indent="0">
+              <a:buNone/>
+            </a:pPr>
+            <a:r>
+              <a:rPr lang="en-US" altLang="zh-CN" sz="2000" dirty="0">
+                <a:solidFill>
+                  <a:srgbClr val="C00000"/>
+                </a:solidFill>
+                <a:latin typeface="Consolas" pitchFamily="49" charset="0"/>
+                <a:cs typeface="Consolas" pitchFamily="49" charset="0"/>
+              </a:rPr>
+              <a:t>$ </a:t>
+            </a:r>
+            <a:r>
+              <a:rPr lang="en-US" altLang="zh-CN" sz="2000" dirty="0" err="1">
+                <a:solidFill>
+                  <a:srgbClr val="C00000"/>
+                </a:solidFill>
+                <a:latin typeface="Consolas" pitchFamily="49" charset="0"/>
+                <a:cs typeface="Consolas" pitchFamily="49" charset="0"/>
+              </a:rPr>
+              <a:t>git</a:t>
+            </a:r>
+            <a:r>
+              <a:rPr lang="en-US" altLang="zh-CN" sz="2000" dirty="0">
+                <a:solidFill>
+                  <a:srgbClr val="C00000"/>
+                </a:solidFill>
+                <a:latin typeface="Consolas" pitchFamily="49" charset="0"/>
+                <a:cs typeface="Consolas" pitchFamily="49" charset="0"/>
+              </a:rPr>
+              <a:t> stash apply xxx</a:t>
+            </a:r>
+          </a:p>
+          <a:p>
+            <a:pPr marL="109728" indent="0">
+              <a:buNone/>
+            </a:pPr>
+            <a:r>
+              <a:rPr lang="en-US" altLang="zh-CN" sz="2000" dirty="0">
+                <a:solidFill>
+                  <a:srgbClr val="C00000"/>
+                </a:solidFill>
+                <a:latin typeface="Consolas" pitchFamily="49" charset="0"/>
+                <a:cs typeface="Consolas" pitchFamily="49" charset="0"/>
+              </a:rPr>
+              <a:t>$ </a:t>
+            </a:r>
+            <a:r>
+              <a:rPr lang="en-US" altLang="zh-CN" sz="2000" dirty="0" err="1">
+                <a:solidFill>
+                  <a:srgbClr val="C00000"/>
+                </a:solidFill>
+                <a:latin typeface="Consolas" pitchFamily="49" charset="0"/>
+                <a:cs typeface="Consolas" pitchFamily="49" charset="0"/>
+              </a:rPr>
+              <a:t>git</a:t>
+            </a:r>
+            <a:r>
+              <a:rPr lang="en-US" altLang="zh-CN" sz="2000" dirty="0">
+                <a:solidFill>
+                  <a:srgbClr val="C00000"/>
+                </a:solidFill>
+                <a:latin typeface="Consolas" pitchFamily="49" charset="0"/>
+                <a:cs typeface="Consolas" pitchFamily="49" charset="0"/>
+              </a:rPr>
+              <a:t> stash drop xxx</a:t>
+            </a:r>
+          </a:p>
+          <a:p>
+            <a:pPr marL="109728" indent="0">
+              <a:buNone/>
+            </a:pPr>
+            <a:r>
+              <a:rPr lang="en-US" altLang="zh-CN" sz="2000" dirty="0">
+                <a:solidFill>
+                  <a:srgbClr val="C00000"/>
+                </a:solidFill>
+                <a:latin typeface="Consolas" pitchFamily="49" charset="0"/>
+                <a:cs typeface="Consolas" pitchFamily="49" charset="0"/>
+              </a:rPr>
+              <a:t>$ </a:t>
+            </a:r>
+            <a:r>
+              <a:rPr lang="en-US" altLang="zh-CN" sz="2000" dirty="0" err="1">
+                <a:solidFill>
+                  <a:srgbClr val="C00000"/>
+                </a:solidFill>
+                <a:latin typeface="Consolas" pitchFamily="49" charset="0"/>
+                <a:cs typeface="Consolas" pitchFamily="49" charset="0"/>
+              </a:rPr>
+              <a:t>git</a:t>
+            </a:r>
+            <a:r>
+              <a:rPr lang="en-US" altLang="zh-CN" sz="2000" dirty="0">
+                <a:solidFill>
+                  <a:srgbClr val="C00000"/>
+                </a:solidFill>
+                <a:latin typeface="Consolas" pitchFamily="49" charset="0"/>
+                <a:cs typeface="Consolas" pitchFamily="49" charset="0"/>
+              </a:rPr>
+              <a:t> stash pop</a:t>
+            </a:r>
+          </a:p>
+          <a:p>
+            <a:pPr marL="109728" indent="0">
+              <a:buNone/>
+            </a:pPr>
+            <a:r>
+              <a:rPr lang="en-US" altLang="zh-CN" sz="2000" dirty="0">
+                <a:solidFill>
+                  <a:srgbClr val="C00000"/>
+                </a:solidFill>
+                <a:latin typeface="Consolas" pitchFamily="49" charset="0"/>
+                <a:cs typeface="Consolas" pitchFamily="49" charset="0"/>
+              </a:rPr>
+              <a:t>$ </a:t>
+            </a:r>
+            <a:r>
+              <a:rPr lang="en-US" altLang="zh-CN" sz="2000" dirty="0" err="1">
+                <a:solidFill>
+                  <a:srgbClr val="C00000"/>
+                </a:solidFill>
+                <a:latin typeface="Consolas" pitchFamily="49" charset="0"/>
+                <a:cs typeface="Consolas" pitchFamily="49" charset="0"/>
+              </a:rPr>
+              <a:t>git</a:t>
+            </a:r>
+            <a:r>
+              <a:rPr lang="en-US" altLang="zh-CN" sz="2000" dirty="0">
+                <a:solidFill>
+                  <a:srgbClr val="C00000"/>
+                </a:solidFill>
+                <a:latin typeface="Consolas" pitchFamily="49" charset="0"/>
+                <a:cs typeface="Consolas" pitchFamily="49" charset="0"/>
+              </a:rPr>
+              <a:t> stash clear</a:t>
+            </a:r>
+            <a:endParaRPr lang="zh-CN" altLang="en-US" sz="2000" dirty="0">
+              <a:solidFill>
+                <a:srgbClr val="C00000"/>
+              </a:solidFill>
+              <a:latin typeface="Consolas" pitchFamily="49" charset="0"/>
+              <a:cs typeface="Consolas" pitchFamily="49" charset="0"/>
+            </a:endParaRPr>
+          </a:p>
+        </p:txBody>
+      </p:sp>
+      <p:sp>
+        <p:nvSpPr>
+          <p:cNvPr id="3" name="标题 2"/>
+          <p:cNvSpPr>
+            <a:spLocks noGrp="1"/>
+          </p:cNvSpPr>
+          <p:nvPr>
+            <p:ph type="title"/>
+          </p:nvPr>
+        </p:nvSpPr>
+        <p:spPr/>
+        <p:txBody>
+          <a:bodyPr/>
+          <a:lstStyle/>
+          <a:p>
+            <a:r>
+              <a:rPr lang="zh-CN" altLang="en-US" dirty="0" smtClean="0"/>
+              <a:t>场景：保存临时工作（</a:t>
+            </a:r>
+            <a:r>
               <a:rPr lang="en-US" altLang="zh-CN" dirty="0" err="1" smtClean="0"/>
-              <a:t>Git</a:t>
-            </a:r>
+              <a:t>git</a:t>
+            </a:r>
+            <a:r>
+              <a:rPr lang="en-US" altLang="zh-CN" dirty="0" smtClean="0"/>
+              <a:t> stash</a:t>
+            </a:r>
+            <a:r>
+              <a:rPr lang="zh-CN" altLang="en-US" dirty="0" smtClean="0"/>
+              <a:t>）</a:t>
+            </a:r>
+            <a:endParaRPr lang="zh-CN" altLang="en-US" dirty="0"/>
+          </a:p>
+        </p:txBody>
+      </p:sp>
+    </p:spTree>
+    <p:extLst>
+      <p:ext uri="{BB962C8B-B14F-4D97-AF65-F5344CB8AC3E}">
+        <p14:creationId xmlns:p14="http://schemas.microsoft.com/office/powerpoint/2010/main" val="1394841650"/>
+      </p:ext>
+    </p:extLst>
+  </p:cSld>
+  <p:clrMapOvr>
+    <a:masterClrMapping/>
+  </p:clrMapOvr>
+  <p:timing>
+    <p:tnLst>
+      <p:par>
+        <p:cTn id="1" dur="indefinite" restart="never" nodeType="tmRoot"/>
+      </p:par>
+    </p:tnLst>
+  </p:timing>
+</p:sld>
+</file>
+
+<file path=ppt/slides/slide21.xml><?xml version="1.0" encoding="utf-8"?>
+<p:sld xmlns:a="http://schemas.openxmlformats.org/drawingml/2006/main" xmlns:r="http://schemas.openxmlformats.org/officeDocument/2006/relationships" xmlns:p="http://schemas.openxmlformats.org/presentationml/2006/main">
+  <p:cSld>
+    <p:spTree>
+      <p:nvGrpSpPr>
+        <p:cNvPr id="1" name=""/>
+        <p:cNvGrpSpPr/>
+        <p:nvPr/>
+      </p:nvGrpSpPr>
+      <p:grpSpPr>
+        <a:xfrm>
+          <a:off x="0" y="0"/>
+          <a:ext cx="0" cy="0"/>
+          <a:chOff x="0" y="0"/>
+          <a:chExt cx="0" cy="0"/>
+        </a:xfrm>
+      </p:grpSpPr>
+      <p:sp>
+        <p:nvSpPr>
+          <p:cNvPr id="22" name="内容占位符 21"/>
+          <p:cNvSpPr>
+            <a:spLocks noGrp="1"/>
+          </p:cNvSpPr>
+          <p:nvPr>
+            <p:ph sz="half" idx="2"/>
+          </p:nvPr>
+        </p:nvSpPr>
+        <p:spPr>
+          <a:xfrm>
+            <a:off x="3707904" y="1556792"/>
+            <a:ext cx="4824536" cy="4525963"/>
+          </a:xfrm>
+        </p:spPr>
+        <p:txBody>
+          <a:bodyPr/>
+          <a:lstStyle/>
+          <a:p>
+            <a:pPr marL="109728" indent="0">
+              <a:buNone/>
+            </a:pPr>
+            <a:endParaRPr lang="en-US" altLang="zh-CN" dirty="0" smtClean="0"/>
+          </a:p>
+          <a:p>
+            <a:r>
+              <a:rPr lang="zh-CN" altLang="en-US" dirty="0" smtClean="0"/>
+              <a:t>重置</a:t>
+            </a:r>
+            <a:r>
+              <a:rPr lang="en-US" altLang="zh-CN" dirty="0" smtClean="0"/>
+              <a:t>master</a:t>
+            </a:r>
+            <a:r>
+              <a:rPr lang="zh-CN" altLang="en-US" dirty="0" smtClean="0"/>
+              <a:t>引用到</a:t>
+            </a:r>
+            <a:r>
+              <a:rPr lang="en-US" altLang="zh-CN" dirty="0" smtClean="0"/>
+              <a:t>C</a:t>
+            </a:r>
+          </a:p>
+          <a:p>
+            <a:r>
+              <a:rPr lang="zh-CN" altLang="en-US" dirty="0" smtClean="0"/>
+              <a:t>重置</a:t>
+            </a:r>
+            <a:r>
+              <a:rPr lang="en-US" altLang="zh-CN" dirty="0" smtClean="0"/>
+              <a:t>HEAD</a:t>
+            </a:r>
+            <a:r>
+              <a:rPr lang="zh-CN" altLang="en-US" dirty="0" smtClean="0"/>
+              <a:t>引用到</a:t>
+            </a:r>
+            <a:r>
+              <a:rPr lang="en-US" altLang="zh-CN" dirty="0" smtClean="0"/>
+              <a:t>master</a:t>
+            </a:r>
+          </a:p>
+          <a:p>
             <a:r>
               <a:rPr lang="zh-CN" altLang="en-US" dirty="0" smtClean="0">
-                <a:latin typeface="黑体" pitchFamily="49" charset="-122"/>
-                <a:ea typeface="黑体" pitchFamily="49" charset="-122"/>
-              </a:rPr>
-              <a:t>系统结构</a:t>
-            </a:r>
-            <a:endParaRPr lang="zh-CN" altLang="en-US" dirty="0">
-              <a:latin typeface="黑体" pitchFamily="49" charset="-122"/>
-              <a:ea typeface="黑体" pitchFamily="49" charset="-122"/>
+                <a:solidFill>
+                  <a:srgbClr val="FF0000"/>
+                </a:solidFill>
+              </a:rPr>
+              <a:t>用</a:t>
+            </a:r>
+            <a:r>
+              <a:rPr lang="en-US" altLang="zh-CN" dirty="0" smtClean="0">
+                <a:solidFill>
+                  <a:srgbClr val="FF0000"/>
+                </a:solidFill>
+              </a:rPr>
+              <a:t>C</a:t>
+            </a:r>
+            <a:r>
+              <a:rPr lang="zh-CN" altLang="en-US" dirty="0" smtClean="0">
+                <a:solidFill>
+                  <a:srgbClr val="FF0000"/>
+                </a:solidFill>
+              </a:rPr>
+              <a:t>的</a:t>
+            </a:r>
+            <a:r>
+              <a:rPr lang="en-US" altLang="zh-CN" dirty="0" smtClean="0">
+                <a:solidFill>
+                  <a:srgbClr val="FF0000"/>
+                </a:solidFill>
+              </a:rPr>
+              <a:t>tree</a:t>
+            </a:r>
+            <a:r>
+              <a:rPr lang="zh-CN" altLang="en-US" dirty="0" smtClean="0">
+                <a:solidFill>
+                  <a:srgbClr val="FF0000"/>
+                </a:solidFill>
+              </a:rPr>
+              <a:t>覆盖</a:t>
+            </a:r>
+            <a:r>
+              <a:rPr lang="en-US" altLang="zh-CN" dirty="0" smtClean="0">
+                <a:solidFill>
+                  <a:srgbClr val="FF0000"/>
+                </a:solidFill>
+              </a:rPr>
+              <a:t>index</a:t>
+            </a:r>
+          </a:p>
+          <a:p>
+            <a:r>
+              <a:rPr lang="zh-CN" altLang="en-US" dirty="0" smtClean="0">
+                <a:solidFill>
+                  <a:srgbClr val="FF0000"/>
+                </a:solidFill>
+              </a:rPr>
+              <a:t>用</a:t>
+            </a:r>
+            <a:r>
+              <a:rPr lang="en-US" altLang="zh-CN" dirty="0" smtClean="0">
+                <a:solidFill>
+                  <a:srgbClr val="FF0000"/>
+                </a:solidFill>
+              </a:rPr>
+              <a:t>index</a:t>
+            </a:r>
+            <a:r>
+              <a:rPr lang="zh-CN" altLang="en-US" dirty="0" smtClean="0">
+                <a:solidFill>
+                  <a:srgbClr val="FF0000"/>
+                </a:solidFill>
+              </a:rPr>
+              <a:t>的</a:t>
+            </a:r>
+            <a:r>
+              <a:rPr lang="en-US" altLang="zh-CN" dirty="0" smtClean="0">
+                <a:solidFill>
+                  <a:srgbClr val="FF0000"/>
+                </a:solidFill>
+              </a:rPr>
+              <a:t>tree</a:t>
+            </a:r>
+            <a:r>
+              <a:rPr lang="zh-CN" altLang="en-US" dirty="0" smtClean="0">
+                <a:solidFill>
+                  <a:srgbClr val="FF0000"/>
+                </a:solidFill>
+              </a:rPr>
+              <a:t>覆盖工作区</a:t>
+            </a:r>
+            <a:endParaRPr lang="en-US" altLang="zh-CN" dirty="0" smtClean="0">
+              <a:solidFill>
+                <a:srgbClr val="FF0000"/>
+              </a:solidFill>
             </a:endParaRPr>
           </a:p>
-        </p:txBody>
-      </p:sp>
+          <a:p>
+            <a:pPr marL="109728" indent="0">
+              <a:buNone/>
+            </a:pPr>
+            <a:r>
+              <a:rPr lang="en-US" altLang="zh-CN" sz="2000" dirty="0">
+                <a:solidFill>
+                  <a:srgbClr val="C00000"/>
+                </a:solidFill>
+                <a:latin typeface="Consolas" pitchFamily="49" charset="0"/>
+                <a:cs typeface="Consolas" pitchFamily="49" charset="0"/>
+              </a:rPr>
+              <a:t>$ </a:t>
+            </a:r>
+            <a:r>
+              <a:rPr lang="en-US" altLang="zh-CN" sz="2000" dirty="0" err="1" smtClean="0">
+                <a:solidFill>
+                  <a:srgbClr val="C00000"/>
+                </a:solidFill>
+                <a:latin typeface="Consolas" pitchFamily="49" charset="0"/>
+                <a:cs typeface="Consolas" pitchFamily="49" charset="0"/>
+              </a:rPr>
+              <a:t>git</a:t>
+            </a:r>
+            <a:r>
+              <a:rPr lang="en-US" altLang="zh-CN" sz="2000" dirty="0" smtClean="0">
+                <a:solidFill>
+                  <a:srgbClr val="C00000"/>
+                </a:solidFill>
+                <a:latin typeface="Consolas" pitchFamily="49" charset="0"/>
+                <a:cs typeface="Consolas" pitchFamily="49" charset="0"/>
+              </a:rPr>
+              <a:t> </a:t>
+            </a:r>
+            <a:r>
+              <a:rPr lang="en-US" altLang="zh-CN" sz="2000" dirty="0">
+                <a:solidFill>
+                  <a:srgbClr val="C00000"/>
+                </a:solidFill>
+                <a:latin typeface="Consolas" pitchFamily="49" charset="0"/>
+                <a:cs typeface="Consolas" pitchFamily="49" charset="0"/>
+              </a:rPr>
+              <a:t>reset –-hard </a:t>
+            </a:r>
+            <a:r>
+              <a:rPr lang="en-US" altLang="zh-CN" sz="2000" dirty="0" smtClean="0">
+                <a:solidFill>
+                  <a:srgbClr val="C00000"/>
+                </a:solidFill>
+                <a:latin typeface="Consolas" pitchFamily="49" charset="0"/>
+                <a:cs typeface="Consolas" pitchFamily="49" charset="0"/>
+              </a:rPr>
+              <a:t>C</a:t>
+            </a:r>
+          </a:p>
+          <a:p>
+            <a:pPr marL="109728" indent="0">
+              <a:buNone/>
+            </a:pPr>
+            <a:r>
+              <a:rPr lang="en-US" altLang="zh-CN" sz="2000" dirty="0" smtClean="0">
+                <a:solidFill>
+                  <a:srgbClr val="C00000"/>
+                </a:solidFill>
+                <a:latin typeface="Consolas" pitchFamily="49" charset="0"/>
+                <a:cs typeface="Consolas" pitchFamily="49" charset="0"/>
+              </a:rPr>
+              <a:t>or</a:t>
+            </a:r>
+            <a:endParaRPr lang="en-US" altLang="zh-CN" sz="2000" dirty="0">
+              <a:solidFill>
+                <a:srgbClr val="C00000"/>
+              </a:solidFill>
+              <a:latin typeface="Consolas" pitchFamily="49" charset="0"/>
+              <a:cs typeface="Consolas" pitchFamily="49" charset="0"/>
+            </a:endParaRPr>
+          </a:p>
+          <a:p>
+            <a:pPr marL="109728" indent="0">
+              <a:buNone/>
+            </a:pPr>
+            <a:r>
+              <a:rPr lang="en-US" altLang="zh-CN" sz="2000" dirty="0">
+                <a:solidFill>
+                  <a:srgbClr val="C00000"/>
+                </a:solidFill>
+                <a:latin typeface="Consolas" pitchFamily="49" charset="0"/>
+                <a:cs typeface="Consolas" pitchFamily="49" charset="0"/>
+              </a:rPr>
+              <a:t>$ </a:t>
+            </a:r>
+            <a:r>
+              <a:rPr lang="en-US" altLang="zh-CN" sz="2000" dirty="0" err="1" smtClean="0">
+                <a:solidFill>
+                  <a:srgbClr val="C00000"/>
+                </a:solidFill>
+                <a:latin typeface="Consolas" pitchFamily="49" charset="0"/>
+                <a:cs typeface="Consolas" pitchFamily="49" charset="0"/>
+              </a:rPr>
+              <a:t>git</a:t>
+            </a:r>
+            <a:r>
+              <a:rPr lang="en-US" altLang="zh-CN" sz="2000" dirty="0" smtClean="0">
+                <a:solidFill>
+                  <a:srgbClr val="C00000"/>
+                </a:solidFill>
+                <a:latin typeface="Consolas" pitchFamily="49" charset="0"/>
+                <a:cs typeface="Consolas" pitchFamily="49" charset="0"/>
+              </a:rPr>
+              <a:t> </a:t>
+            </a:r>
+            <a:r>
+              <a:rPr lang="en-US" altLang="zh-CN" sz="2000" dirty="0">
+                <a:solidFill>
+                  <a:srgbClr val="C00000"/>
+                </a:solidFill>
+                <a:latin typeface="Consolas" pitchFamily="49" charset="0"/>
+                <a:cs typeface="Consolas" pitchFamily="49" charset="0"/>
+              </a:rPr>
+              <a:t>reset </a:t>
+            </a:r>
+            <a:r>
+              <a:rPr lang="en-US" altLang="zh-CN" sz="2000" dirty="0" smtClean="0">
+                <a:solidFill>
+                  <a:srgbClr val="C00000"/>
+                </a:solidFill>
+                <a:latin typeface="Consolas" pitchFamily="49" charset="0"/>
+                <a:cs typeface="Consolas" pitchFamily="49" charset="0"/>
+              </a:rPr>
+              <a:t>–-hard </a:t>
+            </a:r>
+            <a:r>
+              <a:rPr lang="en-US" altLang="zh-CN" sz="2000" dirty="0">
+                <a:solidFill>
+                  <a:srgbClr val="C00000"/>
+                </a:solidFill>
+                <a:latin typeface="Consolas" pitchFamily="49" charset="0"/>
+                <a:cs typeface="Consolas" pitchFamily="49" charset="0"/>
+              </a:rPr>
+              <a:t>D</a:t>
+            </a:r>
+            <a:r>
+              <a:rPr lang="en-US" altLang="zh-CN" sz="2000" dirty="0" smtClean="0">
+                <a:solidFill>
+                  <a:srgbClr val="C00000"/>
+                </a:solidFill>
+                <a:latin typeface="Consolas" pitchFamily="49" charset="0"/>
+                <a:cs typeface="Consolas" pitchFamily="49" charset="0"/>
+              </a:rPr>
+              <a:t>^</a:t>
+            </a:r>
+          </a:p>
+          <a:p>
+            <a:pPr marL="109728" indent="0">
+              <a:buNone/>
+            </a:pPr>
+            <a:r>
+              <a:rPr lang="en-US" altLang="zh-CN" sz="2000" dirty="0" smtClean="0">
+                <a:solidFill>
+                  <a:srgbClr val="C00000"/>
+                </a:solidFill>
+                <a:latin typeface="Consolas" pitchFamily="49" charset="0"/>
+                <a:cs typeface="Consolas" pitchFamily="49" charset="0"/>
+              </a:rPr>
+              <a:t>or</a:t>
+            </a:r>
+          </a:p>
+          <a:p>
+            <a:pPr marL="109728" indent="0">
+              <a:buNone/>
+            </a:pPr>
+            <a:r>
+              <a:rPr lang="en-US" altLang="zh-CN" sz="2000" dirty="0" smtClean="0">
+                <a:solidFill>
+                  <a:srgbClr val="C00000"/>
+                </a:solidFill>
+                <a:latin typeface="Consolas" pitchFamily="49" charset="0"/>
+                <a:cs typeface="Consolas" pitchFamily="49" charset="0"/>
+              </a:rPr>
+              <a:t>$ </a:t>
+            </a:r>
+            <a:r>
+              <a:rPr lang="en-US" altLang="zh-CN" sz="2000" dirty="0" err="1" smtClean="0">
+                <a:solidFill>
+                  <a:srgbClr val="C00000"/>
+                </a:solidFill>
+                <a:latin typeface="Consolas" pitchFamily="49" charset="0"/>
+                <a:cs typeface="Consolas" pitchFamily="49" charset="0"/>
+              </a:rPr>
+              <a:t>git</a:t>
+            </a:r>
+            <a:r>
+              <a:rPr lang="en-US" altLang="zh-CN" sz="2000" dirty="0" smtClean="0">
+                <a:solidFill>
+                  <a:srgbClr val="C00000"/>
+                </a:solidFill>
+                <a:latin typeface="Consolas" pitchFamily="49" charset="0"/>
+                <a:cs typeface="Consolas" pitchFamily="49" charset="0"/>
+              </a:rPr>
+              <a:t> reset –-hard D~1</a:t>
+            </a:r>
+            <a:endParaRPr lang="en-US" altLang="zh-CN" sz="2000" dirty="0">
+              <a:solidFill>
+                <a:srgbClr val="C00000"/>
+              </a:solidFill>
+              <a:latin typeface="Consolas" pitchFamily="49" charset="0"/>
+              <a:cs typeface="Consolas" pitchFamily="49" charset="0"/>
+            </a:endParaRPr>
+          </a:p>
+          <a:p>
+            <a:endParaRPr lang="zh-CN" altLang="en-US" dirty="0"/>
+          </a:p>
+        </p:txBody>
+      </p:sp>
+      <p:sp>
+        <p:nvSpPr>
+          <p:cNvPr id="3" name="标题 2"/>
+          <p:cNvSpPr>
+            <a:spLocks noGrp="1"/>
+          </p:cNvSpPr>
+          <p:nvPr>
+            <p:ph type="title"/>
+          </p:nvPr>
+        </p:nvSpPr>
+        <p:spPr/>
+        <p:txBody>
+          <a:bodyPr/>
+          <a:lstStyle/>
+          <a:p>
+            <a:r>
+              <a:rPr lang="zh-CN" altLang="en-US" dirty="0" smtClean="0"/>
+              <a:t>场景</a:t>
+            </a:r>
+            <a:r>
+              <a:rPr lang="en-US" altLang="zh-CN" dirty="0" smtClean="0"/>
+              <a:t>: </a:t>
+            </a:r>
+            <a:r>
+              <a:rPr lang="zh-CN" altLang="en-US" dirty="0" smtClean="0"/>
+              <a:t>丢弃历史</a:t>
+            </a:r>
+            <a:r>
+              <a:rPr lang="en-US" altLang="zh-CN" dirty="0" smtClean="0"/>
+              <a:t> (</a:t>
+            </a:r>
+            <a:r>
+              <a:rPr lang="en-US" altLang="zh-CN" dirty="0" err="1" smtClean="0"/>
+              <a:t>git</a:t>
+            </a:r>
+            <a:r>
+              <a:rPr lang="en-US" altLang="zh-CN" dirty="0" smtClean="0"/>
+              <a:t> reset –-hard)</a:t>
+            </a:r>
+            <a:endParaRPr lang="zh-CN" altLang="en-US" dirty="0"/>
+          </a:p>
+        </p:txBody>
+      </p:sp>
+      <p:pic>
+        <p:nvPicPr>
+          <p:cNvPr id="25" name="内容占位符 24"/>
+          <p:cNvPicPr>
+            <a:picLocks noGrp="1" noChangeAspect="1"/>
+          </p:cNvPicPr>
+          <p:nvPr>
+            <p:ph sz="half" idx="1"/>
+          </p:nvPr>
+        </p:nvPicPr>
+        <p:blipFill>
+          <a:blip r:embed="rId2">
+            <a:extLst>
+              <a:ext uri="{28A0092B-C50C-407E-A947-70E740481C1C}">
+                <a14:useLocalDpi xmlns:a14="http://schemas.microsoft.com/office/drawing/2010/main" val="0"/>
+              </a:ext>
+            </a:extLst>
+          </a:blip>
+          <a:stretch>
+            <a:fillRect/>
+          </a:stretch>
+        </p:blipFill>
+        <p:spPr>
+          <a:xfrm>
+            <a:off x="395536" y="1484784"/>
+            <a:ext cx="2764727" cy="4525962"/>
+          </a:xfrm>
+        </p:spPr>
+      </p:pic>
     </p:spTree>
+    <p:extLst>
+      <p:ext uri="{BB962C8B-B14F-4D97-AF65-F5344CB8AC3E}">
+        <p14:creationId xmlns:p14="http://schemas.microsoft.com/office/powerpoint/2010/main" val="3592256167"/>
+      </p:ext>
+    </p:extLst>
+  </p:cSld>
+  <p:clrMapOvr>
+    <a:masterClrMapping/>
+  </p:clrMapOvr>
+  <p:timing>
+    <p:tnLst>
+      <p:par>
+        <p:cTn id="1" dur="indefinite" restart="never" nodeType="tmRoot"/>
+      </p:par>
+    </p:tnLst>
+  </p:timing>
+</p:sld>
+</file>
+
+<file path=ppt/slides/slide22.xml><?xml version="1.0" encoding="utf-8"?>
+<p:sld xmlns:a="http://schemas.openxmlformats.org/drawingml/2006/main" xmlns:r="http://schemas.openxmlformats.org/officeDocument/2006/relationships" xmlns:p="http://schemas.openxmlformats.org/presentationml/2006/main">
+  <p:cSld>
+    <p:spTree>
+      <p:nvGrpSpPr>
+        <p:cNvPr id="1" name=""/>
+        <p:cNvGrpSpPr/>
+        <p:nvPr/>
+      </p:nvGrpSpPr>
+      <p:grpSpPr>
+        <a:xfrm>
+          <a:off x="0" y="0"/>
+          <a:ext cx="0" cy="0"/>
+          <a:chOff x="0" y="0"/>
+          <a:chExt cx="0" cy="0"/>
+        </a:xfrm>
+      </p:grpSpPr>
+      <p:sp>
+        <p:nvSpPr>
+          <p:cNvPr id="2" name="内容占位符 1"/>
+          <p:cNvSpPr>
+            <a:spLocks noGrp="1"/>
+          </p:cNvSpPr>
+          <p:nvPr>
+            <p:ph sz="half" idx="1"/>
+          </p:nvPr>
+        </p:nvSpPr>
+        <p:spPr/>
+        <p:txBody>
+          <a:bodyPr/>
+          <a:lstStyle/>
+          <a:p>
+            <a:endParaRPr lang="zh-CN" altLang="en-US"/>
+          </a:p>
+        </p:txBody>
+      </p:sp>
+      <p:sp>
+        <p:nvSpPr>
+          <p:cNvPr id="3" name="内容占位符 2"/>
+          <p:cNvSpPr>
+            <a:spLocks noGrp="1"/>
+          </p:cNvSpPr>
+          <p:nvPr>
+            <p:ph sz="half" idx="2"/>
+          </p:nvPr>
+        </p:nvSpPr>
+        <p:spPr/>
+        <p:txBody>
+          <a:bodyPr/>
+          <a:lstStyle/>
+          <a:p>
+            <a:endParaRPr lang="zh-CN" altLang="en-US"/>
+          </a:p>
+        </p:txBody>
+      </p:sp>
+      <p:sp>
+        <p:nvSpPr>
+          <p:cNvPr id="4" name="标题 3"/>
+          <p:cNvSpPr>
+            <a:spLocks noGrp="1"/>
+          </p:cNvSpPr>
+          <p:nvPr>
+            <p:ph type="title"/>
+          </p:nvPr>
+        </p:nvSpPr>
+        <p:spPr/>
+        <p:txBody>
+          <a:bodyPr/>
+          <a:lstStyle/>
+          <a:p>
+            <a:r>
+              <a:rPr lang="zh-CN" altLang="en-US" dirty="0" smtClean="0"/>
+              <a:t>场景 ：修改历史</a:t>
+            </a:r>
+            <a:r>
+              <a:rPr lang="en-US" altLang="zh-CN" dirty="0" smtClean="0"/>
+              <a:t>(</a:t>
+            </a:r>
+            <a:r>
+              <a:rPr lang="en-US" altLang="zh-CN" dirty="0" err="1" smtClean="0"/>
+              <a:t>git</a:t>
+            </a:r>
+            <a:r>
+              <a:rPr lang="en-US" altLang="zh-CN" smtClean="0"/>
+              <a:t> reset)</a:t>
+            </a:r>
+            <a:endParaRPr lang="zh-CN" altLang="en-US"/>
+          </a:p>
+        </p:txBody>
+      </p:sp>
+    </p:spTree>
+    <p:extLst>
+      <p:ext uri="{BB962C8B-B14F-4D97-AF65-F5344CB8AC3E}">
+        <p14:creationId xmlns:p14="http://schemas.microsoft.com/office/powerpoint/2010/main" val="1096762715"/>
+      </p:ext>
+    </p:extLst>
   </p:cSld>
   <p:clrMapOvr>
     <a:masterClrMapping/>
@@ -5778,14 +7331,37 @@
           <a:chExt cx="0" cy="0"/>
         </a:xfrm>
       </p:grpSpPr>
-      <p:sp>
-        <p:nvSpPr>
-          <p:cNvPr id="3" name="内容占位符 2"/>
-          <p:cNvSpPr>
-            <a:spLocks noGrp="1"/>
-          </p:cNvSpPr>
+      <p:pic>
+        <p:nvPicPr>
+          <p:cNvPr id="8" name="内容占位符 7" descr="fig-11.png"/>
+          <p:cNvPicPr>
+            <a:picLocks noGrp="1" noChangeAspect="1"/>
+          </p:cNvPicPr>
           <p:nvPr>
             <p:ph idx="1"/>
+          </p:nvPr>
+        </p:nvPicPr>
+        <p:blipFill>
+          <a:blip r:embed="rId2" cstate="print"/>
+          <a:stretch>
+            <a:fillRect/>
+          </a:stretch>
+        </p:blipFill>
+        <p:spPr>
+          <a:xfrm>
+            <a:off x="893039" y="1196752"/>
+            <a:ext cx="7639401" cy="4810348"/>
+          </a:xfrm>
+        </p:spPr>
+      </p:pic>
+      <p:sp>
+        <p:nvSpPr>
+          <p:cNvPr id="2" name="标题 1"/>
+          <p:cNvSpPr>
+            <a:spLocks noGrp="1"/>
+          </p:cNvSpPr>
+          <p:nvPr>
+            <p:ph type="title"/>
           </p:nvPr>
         </p:nvSpPr>
         <p:spPr/>
@@ -5794,252 +7370,20 @@
           <a:lstStyle/>
           <a:p>
             <a:r>
-              <a:rPr lang="zh-CN" altLang="en-US" dirty="0" smtClean="0"/>
-              <a:t>所有文件都存储为</a:t>
-            </a:r>
-            <a:r>
-              <a:rPr lang="en-US" altLang="zh-CN" dirty="0" smtClean="0"/>
-              <a:t>Blob Object</a:t>
-            </a:r>
-            <a:r>
-              <a:rPr lang="zh-CN" altLang="en-US" dirty="0" smtClean="0"/>
-              <a:t>对象</a:t>
-            </a:r>
-            <a:endParaRPr lang="en-US" altLang="zh-CN" dirty="0" smtClean="0"/>
-          </a:p>
-          <a:p>
-            <a:r>
-              <a:rPr lang="zh-CN" altLang="en-US" dirty="0" smtClean="0"/>
-              <a:t>只有文件内容，不包括文件名信息</a:t>
-            </a:r>
-            <a:endParaRPr lang="en-US" altLang="zh-CN" dirty="0" smtClean="0"/>
-          </a:p>
-          <a:p>
-            <a:r>
-              <a:rPr lang="zh-CN" altLang="en-US" dirty="0" smtClean="0"/>
-              <a:t>存储在</a:t>
-            </a:r>
-            <a:r>
-              <a:rPr lang="en-US" altLang="zh-CN" dirty="0" smtClean="0"/>
-              <a:t>.</a:t>
-            </a:r>
-            <a:r>
               <a:rPr lang="en-US" altLang="zh-CN" dirty="0" err="1" smtClean="0"/>
-              <a:t>git</a:t>
-            </a:r>
-            <a:r>
-              <a:rPr lang="en-US" altLang="zh-CN" dirty="0" smtClean="0"/>
-              <a:t>/objects/ </a:t>
-            </a:r>
-            <a:r>
-              <a:rPr lang="zh-CN" altLang="en-US" dirty="0" smtClean="0"/>
-              <a:t>目录下</a:t>
-            </a:r>
-            <a:endParaRPr lang="en-US" altLang="zh-CN" dirty="0" smtClean="0"/>
-          </a:p>
-          <a:p>
-            <a:r>
-              <a:rPr lang="zh-CN" altLang="en-US" dirty="0" smtClean="0"/>
-              <a:t>通过文件内容，大小，等信息的</a:t>
-            </a:r>
-            <a:r>
-              <a:rPr lang="en-US" altLang="zh-CN" dirty="0" smtClean="0"/>
-              <a:t>sha1</a:t>
-            </a:r>
-            <a:r>
-              <a:rPr lang="zh-CN" altLang="en-US" dirty="0" smtClean="0"/>
-              <a:t>值作</a:t>
-            </a:r>
-            <a:r>
-              <a:rPr lang="en-US" altLang="zh-CN" dirty="0" smtClean="0"/>
-              <a:t>key</a:t>
-            </a:r>
-          </a:p>
-          <a:p>
-            <a:r>
-              <a:rPr lang="zh-CN" altLang="en-US" dirty="0" smtClean="0"/>
-              <a:t>文件内容通过</a:t>
-            </a:r>
-            <a:r>
-              <a:rPr lang="en-US" altLang="zh-CN" dirty="0" err="1" smtClean="0"/>
-              <a:t>zlib</a:t>
-            </a:r>
-            <a:r>
-              <a:rPr lang="zh-CN" altLang="en-US" dirty="0" smtClean="0"/>
-              <a:t>压缩和差异化存储来节省空间</a:t>
-            </a:r>
-            <a:endParaRPr lang="en-US" altLang="zh-CN" dirty="0" smtClean="0"/>
-          </a:p>
-          <a:p>
-            <a:pPr>
-              <a:buNone/>
-            </a:pPr>
-            <a:endParaRPr lang="en-US" altLang="zh-CN" dirty="0" smtClean="0"/>
-          </a:p>
-          <a:p>
-            <a:pPr>
-              <a:buNone/>
-            </a:pPr>
-            <a:r>
-              <a:rPr lang="en-US" altLang="zh-CN" sz="2000" dirty="0" smtClean="0">
-                <a:solidFill>
-                  <a:srgbClr val="C00000"/>
-                </a:solidFill>
-                <a:latin typeface="Consolas" pitchFamily="49" charset="0"/>
-                <a:cs typeface="Consolas" pitchFamily="49" charset="0"/>
-              </a:rPr>
-              <a:t>$ echo </a:t>
-            </a:r>
-            <a:r>
-              <a:rPr lang="en-US" altLang="zh-CN" sz="2000" dirty="0" smtClean="0">
-                <a:solidFill>
-                  <a:srgbClr val="C00000"/>
-                </a:solidFill>
-                <a:latin typeface="Consolas" pitchFamily="49" charset="0"/>
-                <a:cs typeface="Consolas" pitchFamily="49" charset="0"/>
-              </a:rPr>
-              <a:t>'test content' | </a:t>
-            </a:r>
-            <a:r>
-              <a:rPr lang="en-US" altLang="zh-CN" sz="2000" dirty="0" err="1" smtClean="0">
-                <a:solidFill>
-                  <a:srgbClr val="C00000"/>
-                </a:solidFill>
-                <a:latin typeface="Consolas" pitchFamily="49" charset="0"/>
-                <a:cs typeface="Consolas" pitchFamily="49" charset="0"/>
-              </a:rPr>
-              <a:t>git</a:t>
-            </a:r>
-            <a:r>
-              <a:rPr lang="en-US" altLang="zh-CN" sz="2000" dirty="0" smtClean="0">
-                <a:solidFill>
-                  <a:srgbClr val="C00000"/>
-                </a:solidFill>
-                <a:latin typeface="Consolas" pitchFamily="49" charset="0"/>
-                <a:cs typeface="Consolas" pitchFamily="49" charset="0"/>
-              </a:rPr>
-              <a:t> hash-object -w </a:t>
-            </a:r>
-            <a:r>
-              <a:rPr lang="en-US" altLang="zh-CN" sz="2000" dirty="0" smtClean="0">
-                <a:solidFill>
-                  <a:srgbClr val="C00000"/>
-                </a:solidFill>
-                <a:latin typeface="Consolas" pitchFamily="49" charset="0"/>
-                <a:cs typeface="Consolas" pitchFamily="49" charset="0"/>
-              </a:rPr>
-              <a:t>–</a:t>
-            </a:r>
-            <a:r>
-              <a:rPr lang="en-US" altLang="zh-CN" sz="2000" dirty="0" err="1" smtClean="0">
-                <a:solidFill>
-                  <a:srgbClr val="C00000"/>
-                </a:solidFill>
-                <a:latin typeface="Consolas" pitchFamily="49" charset="0"/>
-                <a:cs typeface="Consolas" pitchFamily="49" charset="0"/>
-              </a:rPr>
-              <a:t>stdin</a:t>
-            </a:r>
-            <a:endParaRPr lang="en-US" altLang="zh-CN" sz="2000" dirty="0" smtClean="0">
-              <a:solidFill>
-                <a:srgbClr val="C00000"/>
-              </a:solidFill>
-              <a:latin typeface="Consolas" pitchFamily="49" charset="0"/>
-              <a:cs typeface="Consolas" pitchFamily="49" charset="0"/>
+              <a:t>Git</a:t>
+            </a:r>
+            <a:r>
+              <a:rPr lang="zh-CN" altLang="en-US" dirty="0" smtClean="0">
+                <a:latin typeface="黑体" pitchFamily="49" charset="-122"/>
+                <a:ea typeface="黑体" pitchFamily="49" charset="-122"/>
+              </a:rPr>
+              <a:t>系统结构</a:t>
+            </a:r>
+            <a:endParaRPr lang="zh-CN" altLang="en-US" dirty="0">
+              <a:latin typeface="黑体" pitchFamily="49" charset="-122"/>
+              <a:ea typeface="黑体" pitchFamily="49" charset="-122"/>
             </a:endParaRPr>
-          </a:p>
-          <a:p>
-            <a:pPr>
-              <a:buNone/>
-            </a:pPr>
-            <a:r>
-              <a:rPr lang="en-US" altLang="zh-CN" sz="2000" dirty="0" smtClean="0">
-                <a:solidFill>
-                  <a:srgbClr val="C00000"/>
-                </a:solidFill>
-                <a:latin typeface="Consolas" pitchFamily="49" charset="0"/>
-                <a:cs typeface="Consolas" pitchFamily="49" charset="0"/>
-              </a:rPr>
-              <a:t>$ echo 'version 1' &gt; test.txt &amp;&amp; </a:t>
-            </a:r>
-            <a:r>
-              <a:rPr lang="en-US" altLang="zh-CN" sz="2000" dirty="0" err="1" smtClean="0">
-                <a:solidFill>
-                  <a:srgbClr val="C00000"/>
-                </a:solidFill>
-                <a:latin typeface="Consolas" pitchFamily="49" charset="0"/>
-                <a:cs typeface="Consolas" pitchFamily="49" charset="0"/>
-              </a:rPr>
-              <a:t>git</a:t>
-            </a:r>
-            <a:r>
-              <a:rPr lang="en-US" altLang="zh-CN" sz="2000" dirty="0" smtClean="0">
-                <a:solidFill>
-                  <a:srgbClr val="C00000"/>
-                </a:solidFill>
-                <a:latin typeface="Consolas" pitchFamily="49" charset="0"/>
-                <a:cs typeface="Consolas" pitchFamily="49" charset="0"/>
-              </a:rPr>
-              <a:t> hash-object -w test.txt</a:t>
-            </a:r>
-          </a:p>
-          <a:p>
-            <a:pPr>
-              <a:buNone/>
-            </a:pPr>
-            <a:r>
-              <a:rPr lang="en-US" altLang="zh-CN" sz="2000" dirty="0" smtClean="0">
-                <a:solidFill>
-                  <a:srgbClr val="C00000"/>
-                </a:solidFill>
-                <a:latin typeface="Consolas" pitchFamily="49" charset="0"/>
-                <a:cs typeface="Consolas" pitchFamily="49" charset="0"/>
-              </a:rPr>
-              <a:t>$ echo 'version 2' &gt; test.txt &amp;&amp; </a:t>
-            </a:r>
-            <a:r>
-              <a:rPr lang="en-US" altLang="zh-CN" sz="2000" dirty="0" err="1" smtClean="0">
-                <a:solidFill>
-                  <a:srgbClr val="C00000"/>
-                </a:solidFill>
-                <a:latin typeface="Consolas" pitchFamily="49" charset="0"/>
-                <a:cs typeface="Consolas" pitchFamily="49" charset="0"/>
-              </a:rPr>
-              <a:t>git</a:t>
-            </a:r>
-            <a:r>
-              <a:rPr lang="en-US" altLang="zh-CN" sz="2000" dirty="0" smtClean="0">
-                <a:solidFill>
-                  <a:srgbClr val="C00000"/>
-                </a:solidFill>
-                <a:latin typeface="Consolas" pitchFamily="49" charset="0"/>
-                <a:cs typeface="Consolas" pitchFamily="49" charset="0"/>
-              </a:rPr>
-              <a:t> hash-object -w test.txt</a:t>
-            </a:r>
-          </a:p>
-        </p:txBody>
-      </p:sp>
-      <p:sp>
-        <p:nvSpPr>
-          <p:cNvPr id="2" name="标题 1"/>
-          <p:cNvSpPr>
-            <a:spLocks noGrp="1"/>
-          </p:cNvSpPr>
-          <p:nvPr>
-            <p:ph type="title"/>
-          </p:nvPr>
-        </p:nvSpPr>
-        <p:spPr/>
-        <p:txBody>
-          <a:bodyPr/>
-          <a:lstStyle/>
-          <a:p>
-            <a:r>
-              <a:rPr lang="en-US" altLang="zh-CN" dirty="0" smtClean="0"/>
-              <a:t>Blob Object</a:t>
-            </a:r>
-            <a:endParaRPr lang="zh-CN" altLang="en-US" dirty="0"/>
           </a:p>
         </p:txBody>
       </p:sp>
@@ -6059,6 +7403,283 @@
 </file>
 
 <file path=ppt/slides/slide4.xml><?xml version="1.0" encoding="utf-8"?>
+<p:sld xmlns:a="http://schemas.openxmlformats.org/drawingml/2006/main" xmlns:r="http://schemas.openxmlformats.org/officeDocument/2006/relationships" xmlns:p="http://schemas.openxmlformats.org/presentationml/2006/main">
+  <p:cSld>
+    <p:spTree>
+      <p:nvGrpSpPr>
+        <p:cNvPr id="1" name=""/>
+        <p:cNvGrpSpPr/>
+        <p:nvPr/>
+      </p:nvGrpSpPr>
+      <p:grpSpPr>
+        <a:xfrm>
+          <a:off x="0" y="0"/>
+          <a:ext cx="0" cy="0"/>
+          <a:chOff x="0" y="0"/>
+          <a:chExt cx="0" cy="0"/>
+        </a:xfrm>
+      </p:grpSpPr>
+      <p:sp>
+        <p:nvSpPr>
+          <p:cNvPr id="3" name="内容占位符 2"/>
+          <p:cNvSpPr>
+            <a:spLocks noGrp="1"/>
+          </p:cNvSpPr>
+          <p:nvPr>
+            <p:ph idx="1"/>
+          </p:nvPr>
+        </p:nvSpPr>
+        <p:spPr/>
+        <p:txBody>
+          <a:bodyPr/>
+          <a:lstStyle/>
+          <a:p>
+            <a:r>
+              <a:rPr lang="zh-CN" altLang="en-US" dirty="0" smtClean="0"/>
+              <a:t>所有文件都存储为</a:t>
+            </a:r>
+            <a:r>
+              <a:rPr lang="en-US" altLang="zh-CN" dirty="0" smtClean="0"/>
+              <a:t>Blob Object</a:t>
+            </a:r>
+            <a:r>
+              <a:rPr lang="zh-CN" altLang="en-US" dirty="0" smtClean="0"/>
+              <a:t>对象</a:t>
+            </a:r>
+            <a:endParaRPr lang="en-US" altLang="zh-CN" dirty="0" smtClean="0"/>
+          </a:p>
+          <a:p>
+            <a:r>
+              <a:rPr lang="zh-CN" altLang="en-US" dirty="0" smtClean="0"/>
+              <a:t>只有文件内容，不包括文件名信息</a:t>
+            </a:r>
+            <a:endParaRPr lang="en-US" altLang="zh-CN" dirty="0" smtClean="0"/>
+          </a:p>
+          <a:p>
+            <a:r>
+              <a:rPr lang="zh-CN" altLang="en-US" dirty="0" smtClean="0"/>
+              <a:t>存储在</a:t>
+            </a:r>
+            <a:r>
+              <a:rPr lang="en-US" altLang="zh-CN" dirty="0" smtClean="0"/>
+              <a:t>.</a:t>
+            </a:r>
+            <a:r>
+              <a:rPr lang="en-US" altLang="zh-CN" dirty="0" err="1" smtClean="0"/>
+              <a:t>git</a:t>
+            </a:r>
+            <a:r>
+              <a:rPr lang="en-US" altLang="zh-CN" dirty="0" smtClean="0"/>
+              <a:t>/objects/ </a:t>
+            </a:r>
+            <a:r>
+              <a:rPr lang="zh-CN" altLang="en-US" dirty="0" smtClean="0"/>
+              <a:t>目录下</a:t>
+            </a:r>
+            <a:endParaRPr lang="en-US" altLang="zh-CN" dirty="0" smtClean="0"/>
+          </a:p>
+          <a:p>
+            <a:r>
+              <a:rPr lang="zh-CN" altLang="en-US" dirty="0" smtClean="0"/>
+              <a:t>通过文件内容，大小，等信息的</a:t>
+            </a:r>
+            <a:r>
+              <a:rPr lang="en-US" altLang="zh-CN" dirty="0" smtClean="0"/>
+              <a:t>sha1</a:t>
+            </a:r>
+            <a:r>
+              <a:rPr lang="zh-CN" altLang="en-US" dirty="0" smtClean="0"/>
+              <a:t>值作</a:t>
+            </a:r>
+            <a:r>
+              <a:rPr lang="en-US" altLang="zh-CN" dirty="0" smtClean="0"/>
+              <a:t>key</a:t>
+            </a:r>
+          </a:p>
+          <a:p>
+            <a:r>
+              <a:rPr lang="zh-CN" altLang="en-US" dirty="0" smtClean="0"/>
+              <a:t>文件内容通过</a:t>
+            </a:r>
+            <a:r>
+              <a:rPr lang="en-US" altLang="zh-CN" dirty="0" err="1" smtClean="0"/>
+              <a:t>zlib</a:t>
+            </a:r>
+            <a:r>
+              <a:rPr lang="zh-CN" altLang="en-US" dirty="0" smtClean="0"/>
+              <a:t>压缩和差异化存储来节省空间</a:t>
+            </a:r>
+            <a:endParaRPr lang="en-US" altLang="zh-CN" dirty="0" smtClean="0"/>
+          </a:p>
+          <a:p>
+            <a:pPr>
+              <a:buNone/>
+            </a:pPr>
+            <a:endParaRPr lang="en-US" altLang="zh-CN" dirty="0" smtClean="0"/>
+          </a:p>
+          <a:p>
+            <a:pPr>
+              <a:buNone/>
+            </a:pPr>
+            <a:r>
+              <a:rPr lang="en-US" altLang="zh-CN" sz="2000" dirty="0" smtClean="0">
+                <a:solidFill>
+                  <a:srgbClr val="C00000"/>
+                </a:solidFill>
+                <a:latin typeface="Consolas" pitchFamily="49" charset="0"/>
+                <a:cs typeface="Consolas" pitchFamily="49" charset="0"/>
+              </a:rPr>
+              <a:t>$ echo 'test content' | </a:t>
+            </a:r>
+            <a:r>
+              <a:rPr lang="en-US" altLang="zh-CN" sz="2000" dirty="0" err="1" smtClean="0">
+                <a:solidFill>
+                  <a:srgbClr val="C00000"/>
+                </a:solidFill>
+                <a:latin typeface="Consolas" pitchFamily="49" charset="0"/>
+                <a:cs typeface="Consolas" pitchFamily="49" charset="0"/>
+              </a:rPr>
+              <a:t>git</a:t>
+            </a:r>
+            <a:r>
+              <a:rPr lang="en-US" altLang="zh-CN" sz="2000" dirty="0" smtClean="0">
+                <a:solidFill>
+                  <a:srgbClr val="C00000"/>
+                </a:solidFill>
+                <a:latin typeface="Consolas" pitchFamily="49" charset="0"/>
+                <a:cs typeface="Consolas" pitchFamily="49" charset="0"/>
+              </a:rPr>
+              <a:t> hash-object -w –</a:t>
+            </a:r>
+            <a:r>
+              <a:rPr lang="en-US" altLang="zh-CN" sz="2000" dirty="0" err="1" smtClean="0">
+                <a:solidFill>
+                  <a:srgbClr val="C00000"/>
+                </a:solidFill>
+                <a:latin typeface="Consolas" pitchFamily="49" charset="0"/>
+                <a:cs typeface="Consolas" pitchFamily="49" charset="0"/>
+              </a:rPr>
+              <a:t>stdin</a:t>
+            </a:r>
+            <a:endParaRPr lang="en-US" altLang="zh-CN" sz="2000" dirty="0" smtClean="0">
+              <a:solidFill>
+                <a:srgbClr val="C00000"/>
+              </a:solidFill>
+              <a:latin typeface="Consolas" pitchFamily="49" charset="0"/>
+              <a:cs typeface="Consolas" pitchFamily="49" charset="0"/>
+            </a:endParaRPr>
+          </a:p>
+          <a:p>
+            <a:pPr>
+              <a:buNone/>
+            </a:pPr>
+            <a:r>
+              <a:rPr lang="en-US" altLang="zh-CN" sz="2000" dirty="0" smtClean="0">
+                <a:solidFill>
+                  <a:srgbClr val="C00000"/>
+                </a:solidFill>
+                <a:latin typeface="Consolas" pitchFamily="49" charset="0"/>
+                <a:cs typeface="Consolas" pitchFamily="49" charset="0"/>
+              </a:rPr>
+              <a:t>$ echo 'version 1' &gt; test.txt &amp;&amp; </a:t>
+            </a:r>
+            <a:r>
+              <a:rPr lang="en-US" altLang="zh-CN" sz="2000" dirty="0" err="1" smtClean="0">
+                <a:solidFill>
+                  <a:srgbClr val="C00000"/>
+                </a:solidFill>
+                <a:latin typeface="Consolas" pitchFamily="49" charset="0"/>
+                <a:cs typeface="Consolas" pitchFamily="49" charset="0"/>
+              </a:rPr>
+              <a:t>git</a:t>
+            </a:r>
+            <a:r>
+              <a:rPr lang="en-US" altLang="zh-CN" sz="2000" dirty="0" smtClean="0">
+                <a:solidFill>
+                  <a:srgbClr val="C00000"/>
+                </a:solidFill>
+                <a:latin typeface="Consolas" pitchFamily="49" charset="0"/>
+                <a:cs typeface="Consolas" pitchFamily="49" charset="0"/>
+              </a:rPr>
+              <a:t> hash-object -w test.txt</a:t>
+            </a:r>
+          </a:p>
+          <a:p>
+            <a:pPr>
+              <a:buNone/>
+            </a:pPr>
+            <a:r>
+              <a:rPr lang="en-US" altLang="zh-CN" sz="2000" dirty="0" smtClean="0">
+                <a:solidFill>
+                  <a:srgbClr val="C00000"/>
+                </a:solidFill>
+                <a:latin typeface="Consolas" pitchFamily="49" charset="0"/>
+                <a:cs typeface="Consolas" pitchFamily="49" charset="0"/>
+              </a:rPr>
+              <a:t>$ echo 'version 2' &gt; test.txt &amp;&amp; </a:t>
+            </a:r>
+            <a:r>
+              <a:rPr lang="en-US" altLang="zh-CN" sz="2000" dirty="0" err="1" smtClean="0">
+                <a:solidFill>
+                  <a:srgbClr val="C00000"/>
+                </a:solidFill>
+                <a:latin typeface="Consolas" pitchFamily="49" charset="0"/>
+                <a:cs typeface="Consolas" pitchFamily="49" charset="0"/>
+              </a:rPr>
+              <a:t>git</a:t>
+            </a:r>
+            <a:r>
+              <a:rPr lang="en-US" altLang="zh-CN" sz="2000" dirty="0" smtClean="0">
+                <a:solidFill>
+                  <a:srgbClr val="C00000"/>
+                </a:solidFill>
+                <a:latin typeface="Consolas" pitchFamily="49" charset="0"/>
+                <a:cs typeface="Consolas" pitchFamily="49" charset="0"/>
+              </a:rPr>
+              <a:t> hash-object -w test.txt</a:t>
+            </a:r>
+          </a:p>
+        </p:txBody>
+      </p:sp>
+      <p:sp>
+        <p:nvSpPr>
+          <p:cNvPr id="2" name="标题 1"/>
+          <p:cNvSpPr>
+            <a:spLocks noGrp="1"/>
+          </p:cNvSpPr>
+          <p:nvPr>
+            <p:ph type="title"/>
+          </p:nvPr>
+        </p:nvSpPr>
+        <p:spPr/>
+        <p:txBody>
+          <a:bodyPr/>
+          <a:lstStyle/>
+          <a:p>
+            <a:r>
+              <a:rPr lang="en-US" altLang="zh-CN" dirty="0" smtClean="0"/>
+              <a:t>Blob Object</a:t>
+            </a:r>
+            <a:endParaRPr lang="zh-CN" altLang="en-US" dirty="0"/>
+          </a:p>
+        </p:txBody>
+      </p:sp>
+    </p:spTree>
+  </p:cSld>
+  <p:clrMapOvr>
+    <a:masterClrMapping/>
+  </p:clrMapOvr>
+  <p:timing>
+    <p:tnLst>
+      <p:par>
+        <p:cTn id="1" dur="indefinite" restart="never" nodeType="tmRoot"/>
+      </p:par>
+    </p:tnLst>
+  </p:timing>
+</p:sld>
+</file>
+
+<file path=ppt/slides/slide5.xml><?xml version="1.0" encoding="utf-8"?>
 <p:sld xmlns:a="http://schemas.openxmlformats.org/drawingml/2006/main" xmlns:r="http://schemas.openxmlformats.org/officeDocument/2006/relationships" xmlns:p="http://schemas.openxmlformats.org/presentationml/2006/main">
   <p:cSld>
     <p:spTree>
@@ -6193,277 +7814,6 @@
 </p:sld>
 </file>
 
-<file path=ppt/slides/slide5.xml><?xml version="1.0" encoding="utf-8"?>
-<p:sld xmlns:a="http://schemas.openxmlformats.org/drawingml/2006/main" xmlns:r="http://schemas.openxmlformats.org/officeDocument/2006/relationships" xmlns:p="http://schemas.openxmlformats.org/presentationml/2006/main">
-  <p:cSld>
-    <p:spTree>
-      <p:nvGrpSpPr>
-        <p:cNvPr id="1" name=""/>
-        <p:cNvGrpSpPr/>
-        <p:nvPr/>
-      </p:nvGrpSpPr>
-      <p:grpSpPr>
-        <a:xfrm>
-          <a:off x="0" y="0"/>
-          <a:ext cx="0" cy="0"/>
-          <a:chOff x="0" y="0"/>
-          <a:chExt cx="0" cy="0"/>
-        </a:xfrm>
-      </p:grpSpPr>
-      <p:sp>
-        <p:nvSpPr>
-          <p:cNvPr id="2" name="内容占位符 1"/>
-          <p:cNvSpPr>
-            <a:spLocks noGrp="1"/>
-          </p:cNvSpPr>
-          <p:nvPr>
-            <p:ph idx="1"/>
-          </p:nvPr>
-        </p:nvSpPr>
-        <p:spPr/>
-        <p:txBody>
-          <a:bodyPr/>
-          <a:lstStyle/>
-          <a:p>
-            <a:r>
-              <a:rPr lang="en-US" altLang="zh-CN" dirty="0" smtClean="0"/>
-              <a:t>Tree object</a:t>
-            </a:r>
-            <a:r>
-              <a:rPr lang="zh-CN" altLang="en-US" dirty="0" smtClean="0"/>
-              <a:t>只能在</a:t>
-            </a:r>
-            <a:r>
-              <a:rPr lang="en-US" altLang="zh-CN" dirty="0" smtClean="0"/>
-              <a:t>index</a:t>
-            </a:r>
-            <a:r>
-              <a:rPr lang="zh-CN" altLang="en-US" dirty="0" smtClean="0"/>
-              <a:t>上创建</a:t>
-            </a:r>
-            <a:endParaRPr lang="en-US" altLang="zh-CN" dirty="0" smtClean="0"/>
-          </a:p>
-          <a:p>
-            <a:pPr>
-              <a:buNone/>
-            </a:pPr>
-            <a:r>
-              <a:rPr lang="en-US" altLang="zh-CN" sz="2000" dirty="0" smtClean="0">
-                <a:solidFill>
-                  <a:srgbClr val="C00000"/>
-                </a:solidFill>
-                <a:latin typeface="Consolas" pitchFamily="49" charset="0"/>
-                <a:cs typeface="Consolas" pitchFamily="49" charset="0"/>
-              </a:rPr>
-              <a:t>$ </a:t>
-            </a:r>
-            <a:r>
-              <a:rPr lang="en-US" altLang="zh-CN" sz="2000" dirty="0" err="1" smtClean="0">
-                <a:solidFill>
-                  <a:srgbClr val="C00000"/>
-                </a:solidFill>
-                <a:latin typeface="Consolas" pitchFamily="49" charset="0"/>
-                <a:cs typeface="Consolas" pitchFamily="49" charset="0"/>
-              </a:rPr>
-              <a:t>git</a:t>
-            </a:r>
-            <a:r>
-              <a:rPr lang="en-US" altLang="zh-CN" sz="2000" dirty="0" smtClean="0">
-                <a:solidFill>
-                  <a:srgbClr val="C00000"/>
-                </a:solidFill>
-                <a:latin typeface="Consolas" pitchFamily="49" charset="0"/>
-                <a:cs typeface="Consolas" pitchFamily="49" charset="0"/>
-              </a:rPr>
-              <a:t> update-index --add --</a:t>
-            </a:r>
-            <a:r>
-              <a:rPr lang="en-US" altLang="zh-CN" sz="2000" dirty="0" err="1" smtClean="0">
-                <a:solidFill>
-                  <a:srgbClr val="C00000"/>
-                </a:solidFill>
-                <a:latin typeface="Consolas" pitchFamily="49" charset="0"/>
-                <a:cs typeface="Consolas" pitchFamily="49" charset="0"/>
-              </a:rPr>
-              <a:t>cacheinfo</a:t>
-            </a:r>
-            <a:r>
-              <a:rPr lang="en-US" altLang="zh-CN" sz="2000" dirty="0" smtClean="0">
-                <a:solidFill>
-                  <a:srgbClr val="C00000"/>
-                </a:solidFill>
-                <a:latin typeface="Consolas" pitchFamily="49" charset="0"/>
-                <a:cs typeface="Consolas" pitchFamily="49" charset="0"/>
-              </a:rPr>
-              <a:t> 100644 \ 83baae61804e65cc73a7201a7252750c76066a30 </a:t>
-            </a:r>
-            <a:r>
-              <a:rPr lang="en-US" altLang="zh-CN" sz="2000" dirty="0" smtClean="0">
-                <a:solidFill>
-                  <a:srgbClr val="C00000"/>
-                </a:solidFill>
-                <a:latin typeface="Consolas" pitchFamily="49" charset="0"/>
-                <a:cs typeface="Consolas" pitchFamily="49" charset="0"/>
-              </a:rPr>
-              <a:t>test.txt</a:t>
-            </a:r>
-          </a:p>
-          <a:p>
-            <a:r>
-              <a:rPr lang="en-US" altLang="zh-CN" dirty="0" smtClean="0"/>
-              <a:t>--add </a:t>
-            </a:r>
-            <a:r>
-              <a:rPr lang="zh-CN" altLang="en-US" dirty="0" smtClean="0"/>
-              <a:t>将文件加入暂存区</a:t>
-            </a:r>
-            <a:r>
-              <a:rPr lang="en-US" altLang="zh-CN" dirty="0" smtClean="0"/>
-              <a:t>(index)</a:t>
-            </a:r>
-          </a:p>
-          <a:p>
-            <a:r>
-              <a:rPr lang="en-US" altLang="zh-CN" dirty="0" smtClean="0"/>
-              <a:t>--</a:t>
-            </a:r>
-            <a:r>
-              <a:rPr lang="en-US" altLang="zh-CN" dirty="0" err="1" smtClean="0"/>
-              <a:t>cacheinfo</a:t>
-            </a:r>
-            <a:r>
-              <a:rPr lang="en-US" altLang="zh-CN" dirty="0" smtClean="0"/>
-              <a:t> </a:t>
-            </a:r>
-            <a:r>
-              <a:rPr lang="zh-CN" altLang="en-US" dirty="0" smtClean="0"/>
-              <a:t>将数据库</a:t>
-            </a:r>
-            <a:r>
-              <a:rPr lang="en-US" altLang="zh-CN" dirty="0" smtClean="0"/>
-              <a:t>(.</a:t>
-            </a:r>
-            <a:r>
-              <a:rPr lang="en-US" altLang="zh-CN" dirty="0" err="1" smtClean="0"/>
-              <a:t>git</a:t>
-            </a:r>
-            <a:r>
-              <a:rPr lang="en-US" altLang="zh-CN" dirty="0" smtClean="0"/>
-              <a:t>/objects/)</a:t>
-            </a:r>
-            <a:r>
-              <a:rPr lang="zh-CN" altLang="en-US" dirty="0" smtClean="0"/>
-              <a:t>中的文件直接加入暂存</a:t>
-            </a:r>
-            <a:r>
-              <a:rPr lang="zh-CN" altLang="en-US" dirty="0" smtClean="0"/>
-              <a:t>区</a:t>
-            </a:r>
-            <a:endParaRPr lang="en-US" altLang="zh-CN" dirty="0" smtClean="0"/>
-          </a:p>
-          <a:p>
-            <a:r>
-              <a:rPr lang="en-US" altLang="zh-CN" dirty="0" smtClean="0"/>
-              <a:t>--</a:t>
-            </a:r>
-            <a:r>
-              <a:rPr lang="en-US" altLang="zh-CN" dirty="0" err="1" smtClean="0"/>
-              <a:t>cacheinfo</a:t>
-            </a:r>
-            <a:r>
-              <a:rPr lang="en-US" altLang="zh-CN" dirty="0" smtClean="0"/>
-              <a:t> &lt;mode&gt; &lt;hash&gt; &lt;filename&gt;</a:t>
-            </a:r>
-          </a:p>
-          <a:p>
-            <a:pPr>
-              <a:buNone/>
-            </a:pPr>
-            <a:r>
-              <a:rPr lang="en-US" altLang="zh-CN" sz="2000" dirty="0" smtClean="0">
-                <a:solidFill>
-                  <a:srgbClr val="C00000"/>
-                </a:solidFill>
-                <a:latin typeface="Consolas" pitchFamily="49" charset="0"/>
-                <a:cs typeface="Consolas" pitchFamily="49" charset="0"/>
-              </a:rPr>
-              <a:t>$ </a:t>
-            </a:r>
-            <a:r>
-              <a:rPr lang="en-US" altLang="zh-CN" sz="2000" dirty="0" err="1" smtClean="0">
-                <a:solidFill>
-                  <a:srgbClr val="C00000"/>
-                </a:solidFill>
-                <a:latin typeface="Consolas" pitchFamily="49" charset="0"/>
-                <a:cs typeface="Consolas" pitchFamily="49" charset="0"/>
-              </a:rPr>
-              <a:t>git</a:t>
-            </a:r>
-            <a:r>
-              <a:rPr lang="en-US" altLang="zh-CN" sz="2000" dirty="0" smtClean="0">
-                <a:solidFill>
-                  <a:srgbClr val="C00000"/>
-                </a:solidFill>
-                <a:latin typeface="Consolas" pitchFamily="49" charset="0"/>
-                <a:cs typeface="Consolas" pitchFamily="49" charset="0"/>
-              </a:rPr>
-              <a:t> write-tree</a:t>
-            </a:r>
-            <a:endParaRPr lang="zh-CN" altLang="en-US" sz="2000" dirty="0" smtClean="0">
-              <a:solidFill>
-                <a:srgbClr val="C00000"/>
-              </a:solidFill>
-              <a:latin typeface="Consolas" pitchFamily="49" charset="0"/>
-              <a:cs typeface="Consolas" pitchFamily="49" charset="0"/>
-            </a:endParaRPr>
-          </a:p>
-        </p:txBody>
-      </p:sp>
-      <p:sp>
-        <p:nvSpPr>
-          <p:cNvPr id="3" name="标题 2"/>
-          <p:cNvSpPr>
-            <a:spLocks noGrp="1"/>
-          </p:cNvSpPr>
-          <p:nvPr>
-            <p:ph type="title"/>
-          </p:nvPr>
-        </p:nvSpPr>
-        <p:spPr/>
-        <p:txBody>
-          <a:bodyPr>
-            <a:normAutofit fontScale="90000"/>
-          </a:bodyPr>
-          <a:lstStyle/>
-          <a:p>
-            <a:r>
-              <a:rPr lang="zh-CN" altLang="en-US" dirty="0" smtClean="0"/>
-              <a:t>在暂存区</a:t>
-            </a:r>
-            <a:r>
-              <a:rPr lang="en-US" altLang="zh-CN" dirty="0" smtClean="0"/>
-              <a:t>(index)</a:t>
-            </a:r>
-            <a:r>
-              <a:rPr lang="zh-CN" altLang="en-US" dirty="0" smtClean="0"/>
-              <a:t>上创建</a:t>
-            </a:r>
-            <a:r>
-              <a:rPr lang="en-US" altLang="zh-CN" dirty="0" smtClean="0"/>
-              <a:t>Tree Object</a:t>
-            </a:r>
-            <a:endParaRPr lang="zh-CN" altLang="en-US" dirty="0"/>
-          </a:p>
-        </p:txBody>
-      </p:sp>
-    </p:spTree>
-  </p:cSld>
-  <p:clrMapOvr>
-    <a:masterClrMapping/>
-  </p:clrMapOvr>
-</p:sld>
-</file>
-
 <file path=ppt/slides/slide6.xml><?xml version="1.0" encoding="utf-8"?>
 <p:sld xmlns:a="http://schemas.openxmlformats.org/drawingml/2006/main" xmlns:r="http://schemas.openxmlformats.org/officeDocument/2006/relationships" xmlns:p="http://schemas.openxmlformats.org/presentationml/2006/main">
   <p:cSld>
@@ -6497,13 +7847,22 @@
           <a:lstStyle/>
           <a:p>
             <a:r>
-              <a:rPr lang="zh-CN" altLang="en-US" dirty="0" smtClean="0"/>
-              <a:t>创建一个新的</a:t>
-            </a:r>
-            <a:r>
               <a:rPr lang="en-US" altLang="zh-CN" dirty="0" smtClean="0"/>
-              <a:t>tree</a:t>
-            </a:r>
+              <a:t>Tree object</a:t>
+            </a:r>
+            <a:r>
+              <a:rPr lang="zh-CN" altLang="en-US" dirty="0" smtClean="0"/>
+              <a:t>只能在</a:t>
+            </a:r>
+            <a:r>
+              <a:rPr lang="en-US" altLang="zh-CN" dirty="0" smtClean="0"/>
+              <a:t>index</a:t>
+            </a:r>
+            <a:r>
+              <a:rPr lang="zh-CN" altLang="en-US" dirty="0" smtClean="0"/>
+              <a:t>上创建</a:t>
+            </a:r>
+            <a:endParaRPr lang="en-US" altLang="zh-CN" dirty="0" smtClean="0"/>
           </a:p>
           <a:p>
             <a:pPr>
@@ -6517,13 +7876,18 @@
                 <a:latin typeface="Consolas" pitchFamily="49" charset="0"/>
                 <a:cs typeface="Consolas" pitchFamily="49" charset="0"/>
               </a:rPr>
-              <a:t>$ echo 'new file' &gt; new.txt</a:t>
-            </a:r>
-          </a:p>
-          <a:p>
-            <a:pPr>
-              <a:buNone/>
-            </a:pPr>
+              <a:t>$ </a:t>
+            </a:r>
+            <a:r>
+              <a:rPr lang="en-US" altLang="zh-CN" sz="2000" dirty="0" err="1" smtClean="0">
+                <a:solidFill>
+                  <a:srgbClr val="C00000"/>
+                </a:solidFill>
+                <a:latin typeface="Consolas" pitchFamily="49" charset="0"/>
+                <a:cs typeface="Consolas" pitchFamily="49" charset="0"/>
+              </a:rPr>
+              <a:t>git</a:t>
+            </a:r>
             <a:r>
               <a:rPr lang="en-US" altLang="zh-CN" sz="2000" dirty="0" smtClean="0">
                 <a:solidFill>
@@ -6532,7 +7896,7 @@
                 <a:latin typeface="Consolas" pitchFamily="49" charset="0"/>
                 <a:cs typeface="Consolas" pitchFamily="49" charset="0"/>
               </a:rPr>
-              <a:t>$ </a:t>
+              <a:t> update-index --add --</a:t>
             </a:r>
             <a:r>
               <a:rPr lang="en-US" altLang="zh-CN" sz="2000" dirty="0" err="1" smtClean="0">
@@ -6542,178 +7906,80 @@
                 <a:latin typeface="Consolas" pitchFamily="49" charset="0"/>
                 <a:cs typeface="Consolas" pitchFamily="49" charset="0"/>
               </a:rPr>
+              <a:t>cacheinfo</a:t>
+            </a:r>
+            <a:r>
+              <a:rPr lang="en-US" altLang="zh-CN" sz="2000" dirty="0" smtClean="0">
+                <a:solidFill>
+                  <a:srgbClr val="C00000"/>
+                </a:solidFill>
+                <a:latin typeface="Consolas" pitchFamily="49" charset="0"/>
+                <a:cs typeface="Consolas" pitchFamily="49" charset="0"/>
+              </a:rPr>
+              <a:t> 100644 \ 83baae61804e65cc73a7201a7252750c76066a30 test.txt</a:t>
+            </a:r>
+          </a:p>
+          <a:p>
+            <a:r>
+              <a:rPr lang="en-US" altLang="zh-CN" dirty="0" smtClean="0"/>
+              <a:t>--add </a:t>
+            </a:r>
+            <a:r>
+              <a:rPr lang="zh-CN" altLang="en-US" dirty="0" smtClean="0"/>
+              <a:t>将文件加入暂存区</a:t>
+            </a:r>
+            <a:r>
+              <a:rPr lang="en-US" altLang="zh-CN" dirty="0" smtClean="0"/>
+              <a:t>(index)</a:t>
+            </a:r>
+          </a:p>
+          <a:p>
+            <a:r>
+              <a:rPr lang="en-US" altLang="zh-CN" dirty="0" smtClean="0"/>
+              <a:t>--</a:t>
+            </a:r>
+            <a:r>
+              <a:rPr lang="en-US" altLang="zh-CN" dirty="0" err="1" smtClean="0"/>
+              <a:t>cacheinfo</a:t>
+            </a:r>
+            <a:r>
+              <a:rPr lang="en-US" altLang="zh-CN" dirty="0" smtClean="0"/>
+              <a:t> </a:t>
+            </a:r>
+            <a:r>
+              <a:rPr lang="zh-CN" altLang="en-US" dirty="0" smtClean="0"/>
+              <a:t>将数据库</a:t>
+            </a:r>
+            <a:r>
+              <a:rPr lang="en-US" altLang="zh-CN" dirty="0" smtClean="0"/>
+              <a:t>(.</a:t>
+            </a:r>
+            <a:r>
+              <a:rPr lang="en-US" altLang="zh-CN" dirty="0" err="1" smtClean="0"/>
               <a:t>git</a:t>
             </a:r>
             <a:r>
-              <a:rPr lang="en-US" altLang="zh-CN" sz="2000" dirty="0" smtClean="0">
-                <a:solidFill>
-                  <a:srgbClr val="C00000"/>
-                </a:solidFill>
-                <a:latin typeface="Consolas" pitchFamily="49" charset="0"/>
-                <a:cs typeface="Consolas" pitchFamily="49" charset="0"/>
-              </a:rPr>
-              <a:t> update-index test.txt </a:t>
-            </a:r>
-          </a:p>
-          <a:p>
-            <a:pPr>
-              <a:buNone/>
-            </a:pPr>
-            <a:r>
-              <a:rPr lang="en-US" altLang="zh-CN" sz="2000" dirty="0" smtClean="0">
-                <a:solidFill>
-                  <a:srgbClr val="C00000"/>
-                </a:solidFill>
-                <a:latin typeface="Consolas" pitchFamily="49" charset="0"/>
-                <a:cs typeface="Consolas" pitchFamily="49" charset="0"/>
-              </a:rPr>
-              <a:t>$ </a:t>
-            </a:r>
-            <a:r>
-              <a:rPr lang="en-US" altLang="zh-CN" sz="2000" dirty="0" err="1" smtClean="0">
-                <a:solidFill>
-                  <a:srgbClr val="C00000"/>
-                </a:solidFill>
-                <a:latin typeface="Consolas" pitchFamily="49" charset="0"/>
-                <a:cs typeface="Consolas" pitchFamily="49" charset="0"/>
-              </a:rPr>
-              <a:t>git</a:t>
-            </a:r>
-            <a:r>
-              <a:rPr lang="en-US" altLang="zh-CN" sz="2000" dirty="0" smtClean="0">
-                <a:solidFill>
-                  <a:srgbClr val="C00000"/>
-                </a:solidFill>
-                <a:latin typeface="Consolas" pitchFamily="49" charset="0"/>
-                <a:cs typeface="Consolas" pitchFamily="49" charset="0"/>
-              </a:rPr>
-              <a:t> update-index --add </a:t>
-            </a:r>
-            <a:r>
-              <a:rPr lang="en-US" altLang="zh-CN" sz="2000" dirty="0" smtClean="0">
-                <a:solidFill>
-                  <a:srgbClr val="C00000"/>
-                </a:solidFill>
-                <a:latin typeface="Consolas" pitchFamily="49" charset="0"/>
-                <a:cs typeface="Consolas" pitchFamily="49" charset="0"/>
-              </a:rPr>
-              <a:t>new.txt</a:t>
-            </a:r>
-          </a:p>
-          <a:p>
-            <a:pPr>
-              <a:buNone/>
-            </a:pPr>
-            <a:r>
-              <a:rPr lang="en-US" altLang="zh-CN" sz="2000" dirty="0" smtClean="0">
-                <a:solidFill>
-                  <a:srgbClr val="C00000"/>
-                </a:solidFill>
-                <a:latin typeface="Consolas" pitchFamily="49" charset="0"/>
-                <a:cs typeface="Consolas" pitchFamily="49" charset="0"/>
-              </a:rPr>
-              <a:t>$ </a:t>
-            </a:r>
-            <a:r>
-              <a:rPr lang="en-US" altLang="zh-CN" sz="2000" dirty="0" err="1" smtClean="0">
-                <a:solidFill>
-                  <a:srgbClr val="C00000"/>
-                </a:solidFill>
-                <a:latin typeface="Consolas" pitchFamily="49" charset="0"/>
-                <a:cs typeface="Consolas" pitchFamily="49" charset="0"/>
-              </a:rPr>
-              <a:t>git</a:t>
-            </a:r>
-            <a:r>
-              <a:rPr lang="en-US" altLang="zh-CN" sz="2000" dirty="0" smtClean="0">
-                <a:solidFill>
-                  <a:srgbClr val="C00000"/>
-                </a:solidFill>
-                <a:latin typeface="Consolas" pitchFamily="49" charset="0"/>
-                <a:cs typeface="Consolas" pitchFamily="49" charset="0"/>
-              </a:rPr>
-              <a:t> write-tree</a:t>
-            </a:r>
-          </a:p>
-          <a:p>
-            <a:r>
-              <a:rPr lang="zh-CN" altLang="en-US" dirty="0" smtClean="0"/>
-              <a:t>把上一个</a:t>
-            </a:r>
-            <a:r>
               <a:rPr lang="en-US" altLang="zh-CN" dirty="0" smtClean="0"/>
-              <a:t>tree</a:t>
-            </a:r>
-            <a:r>
-              <a:rPr lang="zh-CN" altLang="en-US" dirty="0" smtClean="0"/>
-              <a:t>作为这个新</a:t>
-            </a:r>
+              <a:t>/objects/)</a:t>
+            </a:r>
+            <a:r>
+              <a:rPr lang="zh-CN" altLang="en-US" dirty="0" smtClean="0"/>
+              <a:t>中的文件直接加入暂存区</a:t>
+            </a:r>
+            <a:endParaRPr lang="en-US" altLang="zh-CN" dirty="0" smtClean="0"/>
+          </a:p>
+          <a:p>
             <a:r>
               <a:rPr lang="en-US" altLang="zh-CN" dirty="0" smtClean="0"/>
-              <a:t>tree</a:t>
-            </a:r>
-            <a:r>
-              <a:rPr lang="zh-CN" altLang="en-US" dirty="0" smtClean="0"/>
-              <a:t>的子目录读入</a:t>
+              <a:t>--</a:t>
+            </a:r>
+            <a:r>
+              <a:rPr lang="en-US" altLang="zh-CN" dirty="0" err="1" smtClean="0"/>
+              <a:t>cacheinfo</a:t>
             </a:r>
             <a:r>
               <a:rPr lang="en-US" altLang="zh-CN" dirty="0" smtClean="0"/>
-              <a:t>index</a:t>
-            </a:r>
-          </a:p>
-          <a:p>
-            <a:pPr>
-              <a:buNone/>
-            </a:pPr>
-            <a:r>
-              <a:rPr lang="en-US" altLang="zh-CN" sz="2000" dirty="0" smtClean="0">
-                <a:solidFill>
-                  <a:srgbClr val="C00000"/>
-                </a:solidFill>
-                <a:latin typeface="Consolas" pitchFamily="49" charset="0"/>
-                <a:cs typeface="Consolas" pitchFamily="49" charset="0"/>
-              </a:rPr>
-              <a:t>$ </a:t>
-            </a:r>
-            <a:r>
-              <a:rPr lang="en-US" altLang="zh-CN" sz="2000" dirty="0" err="1" smtClean="0">
-                <a:solidFill>
-                  <a:srgbClr val="C00000"/>
-                </a:solidFill>
-                <a:latin typeface="Consolas" pitchFamily="49" charset="0"/>
-                <a:cs typeface="Consolas" pitchFamily="49" charset="0"/>
-              </a:rPr>
-              <a:t>git</a:t>
-            </a:r>
-            <a:r>
-              <a:rPr lang="en-US" altLang="zh-CN" sz="2000" dirty="0" smtClean="0">
-                <a:solidFill>
-                  <a:srgbClr val="C00000"/>
-                </a:solidFill>
-                <a:latin typeface="Consolas" pitchFamily="49" charset="0"/>
-                <a:cs typeface="Consolas" pitchFamily="49" charset="0"/>
-              </a:rPr>
-              <a:t> read-tree --prefix=</a:t>
-            </a:r>
-            <a:r>
-              <a:rPr lang="en-US" altLang="zh-CN" sz="2000" dirty="0" err="1" smtClean="0">
-                <a:solidFill>
-                  <a:srgbClr val="C00000"/>
-                </a:solidFill>
-                <a:latin typeface="Consolas" pitchFamily="49" charset="0"/>
-                <a:cs typeface="Consolas" pitchFamily="49" charset="0"/>
-              </a:rPr>
-              <a:t>bak</a:t>
-            </a:r>
-            <a:r>
-              <a:rPr lang="en-US" altLang="zh-CN" sz="2000" dirty="0" smtClean="0">
-                <a:solidFill>
-                  <a:srgbClr val="C00000"/>
-                </a:solidFill>
-                <a:latin typeface="Consolas" pitchFamily="49" charset="0"/>
-                <a:cs typeface="Consolas" pitchFamily="49" charset="0"/>
-              </a:rPr>
-              <a:t> d8329fc1cc938780ffdd9f94e0d364e0ea74f579 </a:t>
+              <a:t> &lt;mode&gt; &lt;hash&gt; &lt;filename&gt;</a:t>
             </a:r>
           </a:p>
           <a:p>
@@ -6802,10 +8068,355 @@
   <p:clrMapOvr>
     <a:masterClrMapping/>
   </p:clrMapOvr>
+  <p:timing>
+    <p:tnLst>
+      <p:par>
+        <p:cTn id="1" dur="indefinite" restart="never" nodeType="tmRoot"/>
+      </p:par>
+    </p:tnLst>
+  </p:timing>
 </p:sld>
 </file>
 
 <file path=ppt/slides/slide7.xml><?xml version="1.0" encoding="utf-8"?>
+<p:sld xmlns:a="http://schemas.openxmlformats.org/drawingml/2006/main" xmlns:r="http://schemas.openxmlformats.org/officeDocument/2006/relationships" xmlns:p="http://schemas.openxmlformats.org/presentationml/2006/main">
+  <p:cSld>
+    <p:spTree>
+      <p:nvGrpSpPr>
+        <p:cNvPr id="1" name=""/>
+        <p:cNvGrpSpPr/>
+        <p:nvPr/>
+      </p:nvGrpSpPr>
+      <p:grpSpPr>
+        <a:xfrm>
+          <a:off x="0" y="0"/>
+          <a:ext cx="0" cy="0"/>
+          <a:chOff x="0" y="0"/>
+          <a:chExt cx="0" cy="0"/>
+        </a:xfrm>
+      </p:grpSpPr>
+      <p:sp>
+        <p:nvSpPr>
+          <p:cNvPr id="2" name="内容占位符 1"/>
+          <p:cNvSpPr>
+            <a:spLocks noGrp="1"/>
+          </p:cNvSpPr>
+          <p:nvPr>
+            <p:ph idx="1"/>
+          </p:nvPr>
+        </p:nvSpPr>
+        <p:spPr/>
+        <p:txBody>
+          <a:bodyPr/>
+          <a:lstStyle/>
+          <a:p>
+            <a:r>
+              <a:rPr lang="zh-CN" altLang="en-US" dirty="0" smtClean="0"/>
+              <a:t>创建一个新的</a:t>
+            </a:r>
+            <a:r>
+              <a:rPr lang="en-US" altLang="zh-CN" dirty="0" smtClean="0"/>
+              <a:t>tree</a:t>
+            </a:r>
+          </a:p>
+          <a:p>
+            <a:pPr>
+              <a:buNone/>
+            </a:pPr>
+            <a:r>
+              <a:rPr lang="en-US" altLang="zh-CN" sz="2000" dirty="0" smtClean="0">
+                <a:solidFill>
+                  <a:srgbClr val="C00000"/>
+                </a:solidFill>
+                <a:latin typeface="Consolas" pitchFamily="49" charset="0"/>
+                <a:cs typeface="Consolas" pitchFamily="49" charset="0"/>
+              </a:rPr>
+              <a:t>$ echo 'new file' &gt; new.txt</a:t>
+            </a:r>
+          </a:p>
+          <a:p>
+            <a:pPr>
+              <a:buNone/>
+            </a:pPr>
+            <a:r>
+              <a:rPr lang="en-US" altLang="zh-CN" sz="2000" dirty="0" smtClean="0">
+                <a:solidFill>
+                  <a:srgbClr val="C00000"/>
+                </a:solidFill>
+                <a:latin typeface="Consolas" pitchFamily="49" charset="0"/>
+                <a:cs typeface="Consolas" pitchFamily="49" charset="0"/>
+              </a:rPr>
+              <a:t>$ </a:t>
+            </a:r>
+            <a:r>
+              <a:rPr lang="en-US" altLang="zh-CN" sz="2000" dirty="0" err="1" smtClean="0">
+                <a:solidFill>
+                  <a:srgbClr val="C00000"/>
+                </a:solidFill>
+                <a:latin typeface="Consolas" pitchFamily="49" charset="0"/>
+                <a:cs typeface="Consolas" pitchFamily="49" charset="0"/>
+              </a:rPr>
+              <a:t>git</a:t>
+            </a:r>
+            <a:r>
+              <a:rPr lang="en-US" altLang="zh-CN" sz="2000" dirty="0" smtClean="0">
+                <a:solidFill>
+                  <a:srgbClr val="C00000"/>
+                </a:solidFill>
+                <a:latin typeface="Consolas" pitchFamily="49" charset="0"/>
+                <a:cs typeface="Consolas" pitchFamily="49" charset="0"/>
+              </a:rPr>
+              <a:t> update-index test.txt </a:t>
+            </a:r>
+          </a:p>
+          <a:p>
+            <a:pPr>
+              <a:buNone/>
+            </a:pPr>
+            <a:r>
+              <a:rPr lang="en-US" altLang="zh-CN" sz="2000" dirty="0" smtClean="0">
+                <a:solidFill>
+                  <a:srgbClr val="C00000"/>
+                </a:solidFill>
+                <a:latin typeface="Consolas" pitchFamily="49" charset="0"/>
+                <a:cs typeface="Consolas" pitchFamily="49" charset="0"/>
+              </a:rPr>
+              <a:t>$ </a:t>
+            </a:r>
+            <a:r>
+              <a:rPr lang="en-US" altLang="zh-CN" sz="2000" dirty="0" err="1" smtClean="0">
+                <a:solidFill>
+                  <a:srgbClr val="C00000"/>
+                </a:solidFill>
+                <a:latin typeface="Consolas" pitchFamily="49" charset="0"/>
+                <a:cs typeface="Consolas" pitchFamily="49" charset="0"/>
+              </a:rPr>
+              <a:t>git</a:t>
+            </a:r>
+            <a:r>
+              <a:rPr lang="en-US" altLang="zh-CN" sz="2000" dirty="0" smtClean="0">
+                <a:solidFill>
+                  <a:srgbClr val="C00000"/>
+                </a:solidFill>
+                <a:latin typeface="Consolas" pitchFamily="49" charset="0"/>
+                <a:cs typeface="Consolas" pitchFamily="49" charset="0"/>
+              </a:rPr>
+              <a:t> update-index --add new.txt</a:t>
+            </a:r>
+          </a:p>
+          <a:p>
+            <a:pPr>
+              <a:buNone/>
+            </a:pPr>
+            <a:r>
+              <a:rPr lang="en-US" altLang="zh-CN" sz="2000" dirty="0" smtClean="0">
+                <a:solidFill>
+                  <a:srgbClr val="C00000"/>
+                </a:solidFill>
+                <a:latin typeface="Consolas" pitchFamily="49" charset="0"/>
+                <a:cs typeface="Consolas" pitchFamily="49" charset="0"/>
+              </a:rPr>
+              <a:t>$ </a:t>
+            </a:r>
+            <a:r>
+              <a:rPr lang="en-US" altLang="zh-CN" sz="2000" dirty="0" err="1" smtClean="0">
+                <a:solidFill>
+                  <a:srgbClr val="C00000"/>
+                </a:solidFill>
+                <a:latin typeface="Consolas" pitchFamily="49" charset="0"/>
+                <a:cs typeface="Consolas" pitchFamily="49" charset="0"/>
+              </a:rPr>
+              <a:t>git</a:t>
+            </a:r>
+            <a:r>
+              <a:rPr lang="en-US" altLang="zh-CN" sz="2000" dirty="0" smtClean="0">
+                <a:solidFill>
+                  <a:srgbClr val="C00000"/>
+                </a:solidFill>
+                <a:latin typeface="Consolas" pitchFamily="49" charset="0"/>
+                <a:cs typeface="Consolas" pitchFamily="49" charset="0"/>
+              </a:rPr>
+              <a:t> write-tree</a:t>
+            </a:r>
+          </a:p>
+          <a:p>
+            <a:r>
+              <a:rPr lang="zh-CN" altLang="en-US" dirty="0" smtClean="0"/>
+              <a:t>把上一个</a:t>
+            </a:r>
+            <a:r>
+              <a:rPr lang="en-US" altLang="zh-CN" dirty="0" smtClean="0"/>
+              <a:t>tree</a:t>
+            </a:r>
+            <a:r>
+              <a:rPr lang="zh-CN" altLang="en-US" dirty="0" smtClean="0"/>
+              <a:t>作为这个新</a:t>
+            </a:r>
+            <a:r>
+              <a:rPr lang="en-US" altLang="zh-CN" dirty="0" smtClean="0"/>
+              <a:t>tree</a:t>
+            </a:r>
+            <a:r>
+              <a:rPr lang="zh-CN" altLang="en-US" dirty="0" smtClean="0"/>
+              <a:t>的子目录读入</a:t>
+            </a:r>
+            <a:r>
+              <a:rPr lang="en-US" altLang="zh-CN" dirty="0" smtClean="0"/>
+              <a:t>index</a:t>
+            </a:r>
+          </a:p>
+          <a:p>
+            <a:pPr>
+              <a:buNone/>
+            </a:pPr>
+            <a:r>
+              <a:rPr lang="en-US" altLang="zh-CN" sz="2000" dirty="0" smtClean="0">
+                <a:solidFill>
+                  <a:srgbClr val="C00000"/>
+                </a:solidFill>
+                <a:latin typeface="Consolas" pitchFamily="49" charset="0"/>
+                <a:cs typeface="Consolas" pitchFamily="49" charset="0"/>
+              </a:rPr>
+              <a:t>$ </a:t>
+            </a:r>
+            <a:r>
+              <a:rPr lang="en-US" altLang="zh-CN" sz="2000" dirty="0" err="1" smtClean="0">
+                <a:solidFill>
+                  <a:srgbClr val="C00000"/>
+                </a:solidFill>
+                <a:latin typeface="Consolas" pitchFamily="49" charset="0"/>
+                <a:cs typeface="Consolas" pitchFamily="49" charset="0"/>
+              </a:rPr>
+              <a:t>git</a:t>
+            </a:r>
+            <a:r>
+              <a:rPr lang="en-US" altLang="zh-CN" sz="2000" dirty="0" smtClean="0">
+                <a:solidFill>
+                  <a:srgbClr val="C00000"/>
+                </a:solidFill>
+                <a:latin typeface="Consolas" pitchFamily="49" charset="0"/>
+                <a:cs typeface="Consolas" pitchFamily="49" charset="0"/>
+              </a:rPr>
+              <a:t> read-tree --prefix=</a:t>
+            </a:r>
+            <a:r>
+              <a:rPr lang="en-US" altLang="zh-CN" sz="2000" dirty="0" err="1" smtClean="0">
+                <a:solidFill>
+                  <a:srgbClr val="C00000"/>
+                </a:solidFill>
+                <a:latin typeface="Consolas" pitchFamily="49" charset="0"/>
+                <a:cs typeface="Consolas" pitchFamily="49" charset="0"/>
+              </a:rPr>
+              <a:t>bak</a:t>
+            </a:r>
+            <a:r>
+              <a:rPr lang="en-US" altLang="zh-CN" sz="2000" dirty="0" smtClean="0">
+                <a:solidFill>
+                  <a:srgbClr val="C00000"/>
+                </a:solidFill>
+                <a:latin typeface="Consolas" pitchFamily="49" charset="0"/>
+                <a:cs typeface="Consolas" pitchFamily="49" charset="0"/>
+              </a:rPr>
+              <a:t> d8329fc1cc938780ffdd9f94e0d364e0ea74f579 </a:t>
+            </a:r>
+          </a:p>
+          <a:p>
+            <a:pPr>
+              <a:buNone/>
+            </a:pPr>
+            <a:r>
+              <a:rPr lang="en-US" altLang="zh-CN" sz="2000" dirty="0" smtClean="0">
+                <a:solidFill>
+                  <a:srgbClr val="C00000"/>
+                </a:solidFill>
+                <a:latin typeface="Consolas" pitchFamily="49" charset="0"/>
+                <a:cs typeface="Consolas" pitchFamily="49" charset="0"/>
+              </a:rPr>
+              <a:t>$ </a:t>
+            </a:r>
+            <a:r>
+              <a:rPr lang="en-US" altLang="zh-CN" sz="2000" dirty="0" err="1" smtClean="0">
+                <a:solidFill>
+                  <a:srgbClr val="C00000"/>
+                </a:solidFill>
+                <a:latin typeface="Consolas" pitchFamily="49" charset="0"/>
+                <a:cs typeface="Consolas" pitchFamily="49" charset="0"/>
+              </a:rPr>
+              <a:t>git</a:t>
+            </a:r>
+            <a:r>
+              <a:rPr lang="en-US" altLang="zh-CN" sz="2000" dirty="0" smtClean="0">
+                <a:solidFill>
+                  <a:srgbClr val="C00000"/>
+                </a:solidFill>
+                <a:latin typeface="Consolas" pitchFamily="49" charset="0"/>
+                <a:cs typeface="Consolas" pitchFamily="49" charset="0"/>
+              </a:rPr>
+              <a:t> write-tree</a:t>
+            </a:r>
+            <a:endParaRPr lang="zh-CN" altLang="en-US" sz="2000" dirty="0" smtClean="0">
+              <a:solidFill>
+                <a:srgbClr val="C00000"/>
+              </a:solidFill>
+              <a:latin typeface="Consolas" pitchFamily="49" charset="0"/>
+              <a:cs typeface="Consolas" pitchFamily="49" charset="0"/>
+            </a:endParaRPr>
+          </a:p>
+        </p:txBody>
+      </p:sp>
+      <p:sp>
+        <p:nvSpPr>
+          <p:cNvPr id="3" name="标题 2"/>
+          <p:cNvSpPr>
+            <a:spLocks noGrp="1"/>
+          </p:cNvSpPr>
+          <p:nvPr>
+            <p:ph type="title"/>
+          </p:nvPr>
+        </p:nvSpPr>
+        <p:spPr/>
+        <p:txBody>
+          <a:bodyPr>
+            <a:normAutofit fontScale="90000"/>
+          </a:bodyPr>
+          <a:lstStyle/>
+          <a:p>
+            <a:r>
+              <a:rPr lang="zh-CN" altLang="en-US" dirty="0" smtClean="0"/>
+              <a:t>在暂存区</a:t>
+            </a:r>
+            <a:r>
+              <a:rPr lang="en-US" altLang="zh-CN" dirty="0" smtClean="0"/>
+              <a:t>(index)</a:t>
+            </a:r>
+            <a:r>
+              <a:rPr lang="zh-CN" altLang="en-US" dirty="0" smtClean="0"/>
+              <a:t>上创建</a:t>
+            </a:r>
+            <a:r>
+              <a:rPr lang="en-US" altLang="zh-CN" dirty="0" smtClean="0"/>
+              <a:t>Tree Object</a:t>
+            </a:r>
+            <a:endParaRPr lang="zh-CN" altLang="en-US" dirty="0"/>
+          </a:p>
+        </p:txBody>
+      </p:sp>
+    </p:spTree>
+  </p:cSld>
+  <p:clrMapOvr>
+    <a:masterClrMapping/>
+  </p:clrMapOvr>
+  <p:timing>
+    <p:tnLst>
+      <p:par>
+        <p:cTn id="1" dur="indefinite" restart="never" nodeType="tmRoot"/>
+      </p:par>
+    </p:tnLst>
+  </p:timing>
+</p:sld>
+</file>
+
+<file path=ppt/slides/slide8.xml><?xml version="1.0" encoding="utf-8"?>
 <p:sld xmlns:a="http://schemas.openxmlformats.org/drawingml/2006/main" xmlns:r="http://schemas.openxmlformats.org/officeDocument/2006/relationships" xmlns:p="http://schemas.openxmlformats.org/presentationml/2006/main">
   <p:cSld>
     <p:spTree>
@@ -6871,312 +8482,6 @@
             <a:r>
               <a:rPr lang="zh-CN" altLang="en-US" dirty="0" smtClean="0"/>
               <a:t>的最终结构</a:t>
-            </a:r>
-            <a:endParaRPr lang="zh-CN" altLang="en-US" dirty="0"/>
-          </a:p>
-        </p:txBody>
-      </p:sp>
-    </p:spTree>
-  </p:cSld>
-  <p:clrMapOvr>
-    <a:masterClrMapping/>
-  </p:clrMapOvr>
-</p:sld>
-</file>
-
-<file path=ppt/slides/slide8.xml><?xml version="1.0" encoding="utf-8"?>
-<p:sld xmlns:a="http://schemas.openxmlformats.org/drawingml/2006/main" xmlns:r="http://schemas.openxmlformats.org/officeDocument/2006/relationships" xmlns:p="http://schemas.openxmlformats.org/presentationml/2006/main">
-  <p:cSld>
-    <p:spTree>
-      <p:nvGrpSpPr>
-        <p:cNvPr id="1" name=""/>
-        <p:cNvGrpSpPr/>
-        <p:nvPr/>
-      </p:nvGrpSpPr>
-      <p:grpSpPr>
-        <a:xfrm>
-          <a:off x="0" y="0"/>
-          <a:ext cx="0" cy="0"/>
-          <a:chOff x="0" y="0"/>
-          <a:chExt cx="0" cy="0"/>
-        </a:xfrm>
-      </p:grpSpPr>
-      <p:sp>
-        <p:nvSpPr>
-          <p:cNvPr id="3" name="内容占位符 2"/>
-          <p:cNvSpPr>
-            <a:spLocks noGrp="1"/>
-          </p:cNvSpPr>
-          <p:nvPr>
-            <p:ph idx="1"/>
-          </p:nvPr>
-        </p:nvSpPr>
-        <p:spPr/>
-        <p:txBody>
-          <a:bodyPr/>
-          <a:lstStyle/>
-          <a:p>
-            <a:r>
-              <a:rPr lang="en-US" altLang="zh-CN" dirty="0" smtClean="0"/>
-              <a:t>Commit Object</a:t>
-            </a:r>
-            <a:r>
-              <a:rPr lang="zh-CN" altLang="en-US" dirty="0" smtClean="0"/>
-              <a:t>是</a:t>
-            </a:r>
-            <a:r>
-              <a:rPr lang="en-US" altLang="zh-CN" dirty="0" err="1" smtClean="0"/>
-              <a:t>Git</a:t>
-            </a:r>
-            <a:r>
-              <a:rPr lang="zh-CN" altLang="en-US" dirty="0" smtClean="0"/>
-              <a:t>库某个</a:t>
-            </a:r>
-            <a:r>
-              <a:rPr lang="zh-CN" altLang="en-US" dirty="0" smtClean="0">
-                <a:solidFill>
-                  <a:srgbClr val="FF0000"/>
-                </a:solidFill>
-              </a:rPr>
-              <a:t>原子</a:t>
-            </a:r>
-            <a:r>
-              <a:rPr lang="en-US" altLang="zh-CN" dirty="0" smtClean="0"/>
-              <a:t>(atomic)</a:t>
-            </a:r>
-            <a:r>
-              <a:rPr lang="zh-CN" altLang="en-US" dirty="0" smtClean="0"/>
-              <a:t>状态的快照</a:t>
-            </a:r>
-            <a:r>
-              <a:rPr lang="en-US" altLang="zh-CN" dirty="0" smtClean="0"/>
-              <a:t>(Snapshot)</a:t>
-            </a:r>
-          </a:p>
-          <a:p>
-            <a:r>
-              <a:rPr lang="zh-CN" altLang="en-US" dirty="0" smtClean="0"/>
-              <a:t>通过</a:t>
-            </a:r>
-            <a:r>
-              <a:rPr lang="en-US" altLang="zh-CN" dirty="0" smtClean="0"/>
-              <a:t>Tree Object</a:t>
-            </a:r>
-            <a:r>
-              <a:rPr lang="zh-CN" altLang="en-US" dirty="0" smtClean="0"/>
-              <a:t>创建一个</a:t>
-            </a:r>
-            <a:r>
-              <a:rPr lang="en-US" altLang="zh-CN" dirty="0" smtClean="0"/>
-              <a:t>commit</a:t>
-            </a:r>
-          </a:p>
-          <a:p>
-            <a:pPr>
-              <a:buNone/>
-            </a:pPr>
-            <a:r>
-              <a:rPr lang="en-US" altLang="zh-CN" sz="2000" dirty="0" smtClean="0">
-                <a:solidFill>
-                  <a:srgbClr val="C00000"/>
-                </a:solidFill>
-                <a:latin typeface="Consolas" pitchFamily="49" charset="0"/>
-                <a:cs typeface="Consolas" pitchFamily="49" charset="0"/>
-              </a:rPr>
-              <a:t>$ echo 'first commit' | </a:t>
-            </a:r>
-            <a:r>
-              <a:rPr lang="en-US" altLang="zh-CN" sz="2000" dirty="0" err="1" smtClean="0">
-                <a:solidFill>
-                  <a:srgbClr val="C00000"/>
-                </a:solidFill>
-                <a:latin typeface="Consolas" pitchFamily="49" charset="0"/>
-                <a:cs typeface="Consolas" pitchFamily="49" charset="0"/>
-              </a:rPr>
-              <a:t>git</a:t>
-            </a:r>
-            <a:r>
-              <a:rPr lang="en-US" altLang="zh-CN" sz="2000" dirty="0" smtClean="0">
-                <a:solidFill>
-                  <a:srgbClr val="C00000"/>
-                </a:solidFill>
-                <a:latin typeface="Consolas" pitchFamily="49" charset="0"/>
-                <a:cs typeface="Consolas" pitchFamily="49" charset="0"/>
-              </a:rPr>
-              <a:t> commit-tree d8329f</a:t>
-            </a:r>
-          </a:p>
-          <a:p>
-            <a:r>
-              <a:rPr lang="zh-CN" altLang="en-US" dirty="0" smtClean="0"/>
-              <a:t>再创建两个</a:t>
-            </a:r>
-            <a:r>
-              <a:rPr lang="en-US" altLang="zh-CN" dirty="0" smtClean="0"/>
-              <a:t>commit</a:t>
-            </a:r>
-            <a:r>
-              <a:rPr lang="zh-CN" altLang="en-US" dirty="0" smtClean="0"/>
-              <a:t>，分别指向前一个</a:t>
-            </a:r>
-            <a:r>
-              <a:rPr lang="en-US" altLang="zh-CN" dirty="0" smtClean="0"/>
-              <a:t>commit</a:t>
-            </a:r>
-            <a:r>
-              <a:rPr lang="zh-CN" altLang="en-US" dirty="0" smtClean="0"/>
-              <a:t>作为</a:t>
-            </a:r>
-            <a:r>
-              <a:rPr lang="en-US" altLang="zh-CN" dirty="0" smtClean="0"/>
-              <a:t>parent</a:t>
-            </a:r>
-          </a:p>
-          <a:p>
-            <a:pPr>
-              <a:buNone/>
-            </a:pPr>
-            <a:r>
-              <a:rPr lang="en-US" altLang="zh-CN" sz="2000" dirty="0" smtClean="0">
-                <a:solidFill>
-                  <a:srgbClr val="C00000"/>
-                </a:solidFill>
-                <a:latin typeface="Consolas" pitchFamily="49" charset="0"/>
-                <a:cs typeface="Consolas" pitchFamily="49" charset="0"/>
-              </a:rPr>
-              <a:t>$ echo 'second commit' | </a:t>
-            </a:r>
-            <a:r>
-              <a:rPr lang="en-US" altLang="zh-CN" sz="2000" dirty="0" err="1" smtClean="0">
-                <a:solidFill>
-                  <a:srgbClr val="C00000"/>
-                </a:solidFill>
-                <a:latin typeface="Consolas" pitchFamily="49" charset="0"/>
-                <a:cs typeface="Consolas" pitchFamily="49" charset="0"/>
-              </a:rPr>
-              <a:t>git</a:t>
-            </a:r>
-            <a:r>
-              <a:rPr lang="en-US" altLang="zh-CN" sz="2000" dirty="0" smtClean="0">
-                <a:solidFill>
-                  <a:srgbClr val="C00000"/>
-                </a:solidFill>
-                <a:latin typeface="Consolas" pitchFamily="49" charset="0"/>
-                <a:cs typeface="Consolas" pitchFamily="49" charset="0"/>
-              </a:rPr>
-              <a:t> commit-tree 0155eb -p fdf4fc3 </a:t>
-            </a:r>
-          </a:p>
-          <a:p>
-            <a:pPr>
-              <a:buNone/>
-            </a:pPr>
-            <a:r>
-              <a:rPr lang="en-US" altLang="zh-CN" sz="2000" dirty="0" smtClean="0">
-                <a:solidFill>
-                  <a:srgbClr val="C00000"/>
-                </a:solidFill>
-                <a:latin typeface="Consolas" pitchFamily="49" charset="0"/>
-                <a:cs typeface="Consolas" pitchFamily="49" charset="0"/>
-              </a:rPr>
-              <a:t>$ echo 'third commit' | </a:t>
-            </a:r>
-            <a:r>
-              <a:rPr lang="en-US" altLang="zh-CN" sz="2000" dirty="0" err="1" smtClean="0">
-                <a:solidFill>
-                  <a:srgbClr val="C00000"/>
-                </a:solidFill>
-                <a:latin typeface="Consolas" pitchFamily="49" charset="0"/>
-                <a:cs typeface="Consolas" pitchFamily="49" charset="0"/>
-              </a:rPr>
-              <a:t>git</a:t>
-            </a:r>
-            <a:r>
-              <a:rPr lang="en-US" altLang="zh-CN" sz="2000" dirty="0" smtClean="0">
-                <a:solidFill>
-                  <a:srgbClr val="C00000"/>
-                </a:solidFill>
-                <a:latin typeface="Consolas" pitchFamily="49" charset="0"/>
-                <a:cs typeface="Consolas" pitchFamily="49" charset="0"/>
-              </a:rPr>
-              <a:t> commit-tree 3c4e9c -p cac0cab</a:t>
-            </a:r>
-          </a:p>
-          <a:p>
-            <a:pPr>
-              <a:buNone/>
-            </a:pPr>
-            <a:r>
-              <a:rPr lang="en-US" altLang="zh-CN" sz="2000" dirty="0" smtClean="0">
-                <a:solidFill>
-                  <a:srgbClr val="C00000"/>
-                </a:solidFill>
-                <a:latin typeface="Consolas" pitchFamily="49" charset="0"/>
-                <a:cs typeface="Consolas" pitchFamily="49" charset="0"/>
-              </a:rPr>
-              <a:t>$ </a:t>
-            </a:r>
-            <a:r>
-              <a:rPr lang="en-US" altLang="zh-CN" sz="2000" dirty="0" err="1" smtClean="0">
-                <a:solidFill>
-                  <a:srgbClr val="C00000"/>
-                </a:solidFill>
-                <a:latin typeface="Consolas" pitchFamily="49" charset="0"/>
-                <a:cs typeface="Consolas" pitchFamily="49" charset="0"/>
-              </a:rPr>
-              <a:t>git</a:t>
-            </a:r>
-            <a:r>
-              <a:rPr lang="en-US" altLang="zh-CN" sz="2000" dirty="0" smtClean="0">
-                <a:solidFill>
-                  <a:srgbClr val="C00000"/>
-                </a:solidFill>
-                <a:latin typeface="Consolas" pitchFamily="49" charset="0"/>
-                <a:cs typeface="Consolas" pitchFamily="49" charset="0"/>
-              </a:rPr>
-              <a:t> log –stat &lt;</a:t>
-            </a:r>
-            <a:r>
-              <a:rPr lang="en-US" altLang="zh-CN" sz="2000" dirty="0" err="1" smtClean="0">
-                <a:solidFill>
-                  <a:srgbClr val="C00000"/>
-                </a:solidFill>
-                <a:latin typeface="Consolas" pitchFamily="49" charset="0"/>
-                <a:cs typeface="Consolas" pitchFamily="49" charset="0"/>
-              </a:rPr>
-              <a:t>last_commit_id</a:t>
-            </a:r>
-            <a:r>
-              <a:rPr lang="en-US" altLang="zh-CN" sz="2000" dirty="0" smtClean="0">
-                <a:solidFill>
-                  <a:srgbClr val="C00000"/>
-                </a:solidFill>
-                <a:latin typeface="Consolas" pitchFamily="49" charset="0"/>
-                <a:cs typeface="Consolas" pitchFamily="49" charset="0"/>
-              </a:rPr>
-              <a:t>&gt;</a:t>
-            </a:r>
-          </a:p>
-        </p:txBody>
-      </p:sp>
-      <p:sp>
-        <p:nvSpPr>
-          <p:cNvPr id="2" name="标题 1"/>
-          <p:cNvSpPr>
-            <a:spLocks noGrp="1"/>
-          </p:cNvSpPr>
-          <p:nvPr>
-            <p:ph type="title"/>
-          </p:nvPr>
-        </p:nvSpPr>
-        <p:spPr/>
-        <p:txBody>
-          <a:bodyPr/>
-          <a:lstStyle/>
-          <a:p>
-            <a:r>
-              <a:rPr lang="en-US" altLang="zh-CN" dirty="0" smtClean="0"/>
-              <a:t>Commit Object</a:t>
             </a:r>
             <a:endParaRPr lang="zh-CN" altLang="en-US" dirty="0"/>
           </a:p>
@@ -7216,7 +8521,7 @@
       </p:grpSpPr>
       <p:sp>
         <p:nvSpPr>
-          <p:cNvPr id="2" name="内容占位符 1"/>
+          <p:cNvPr id="3" name="内容占位符 2"/>
           <p:cNvSpPr>
             <a:spLocks noGrp="1"/>
           </p:cNvSpPr>
@@ -7231,43 +8536,45 @@
           <a:p>
             <a:r>
               <a:rPr lang="en-US" altLang="zh-CN" dirty="0" smtClean="0"/>
-              <a:t>Info = </a:t>
+              <a:t>Commit Object</a:t>
+            </a:r>
+            <a:r>
+              <a:rPr lang="zh-CN" altLang="en-US" dirty="0" smtClean="0"/>
+              <a:t>是</a:t>
             </a:r>
             <a:r>
               <a:rPr lang="en-US" altLang="zh-CN" dirty="0" err="1" smtClean="0"/>
-              <a:t>TreeId+ParentId+Author+Committer+TimeStamp+Commit</a:t>
+              <a:t>Git</a:t>
+            </a:r>
+            <a:r>
+              <a:rPr lang="zh-CN" altLang="en-US" dirty="0" smtClean="0"/>
+              <a:t>库某个</a:t>
+            </a:r>
+            <a:r>
+              <a:rPr lang="zh-CN" altLang="en-US" dirty="0" smtClean="0">
+                <a:solidFill>
+                  <a:srgbClr val="FF0000"/>
+                </a:solidFill>
+              </a:rPr>
+              <a:t>原子</a:t>
             </a:r>
             <a:r>
               <a:rPr lang="en-US" altLang="zh-CN" dirty="0" smtClean="0"/>
-              <a:t> Message</a:t>
-            </a:r>
-          </a:p>
-          <a:p>
+              <a:t>(atomic)</a:t>
+            </a:r>
+            <a:r>
+              <a:rPr lang="zh-CN" altLang="en-US" dirty="0" smtClean="0"/>
+              <a:t>状态的快照</a:t>
+            </a:r>
             <a:r>
               <a:rPr lang="en-US" altLang="zh-CN" dirty="0" smtClean="0"/>
-              <a:t>Sha1(“commit “+</a:t>
-            </a:r>
-            <a:r>
-              <a:rPr lang="en-US" altLang="zh-CN" dirty="0" err="1" smtClean="0"/>
-              <a:t>Info.size</a:t>
-            </a:r>
-            <a:r>
-              <a:rPr lang="en-US" altLang="zh-CN" dirty="0" smtClean="0"/>
-              <a:t>()</a:t>
-            </a:r>
-            <a:r>
-              <a:rPr lang="zh-CN" altLang="en-US" dirty="0" smtClean="0"/>
-              <a:t>＋</a:t>
-            </a:r>
-            <a:r>
-              <a:rPr lang="en-US" altLang="zh-CN" dirty="0" smtClean="0"/>
-              <a:t>”\0”+Info)</a:t>
-            </a:r>
-          </a:p>
-          <a:p>
-            <a:r>
-              <a:rPr lang="zh-CN" altLang="en-US" dirty="0" smtClean="0"/>
-              <a:t>即使</a:t>
+              <a:t>(Snapshot)</a:t>
+            </a:r>
+          </a:p>
+          <a:p>
+            <a:r>
+              <a:rPr lang="zh-CN" altLang="en-US" dirty="0" smtClean="0"/>
+              <a:t>通过</a:t>
             </a:r>
             <a:r>
               <a:rPr lang="en-US" altLang="zh-CN" dirty="0" smtClean="0"/>
@@ -7275,50 +8582,219 @@
             </a:r>
             <a:r>
               <a:rPr lang="zh-CN" altLang="en-US" dirty="0" smtClean="0"/>
-              <a:t>没有变化，但是时间戳或者</a:t>
+              <a:t>创建一个</a:t>
             </a:r>
             <a:r>
               <a:rPr lang="en-US" altLang="zh-CN" dirty="0" smtClean="0"/>
-              <a:t>Message</a:t>
-            </a:r>
-            <a:r>
-              <a:rPr lang="zh-CN" altLang="en-US" dirty="0" smtClean="0"/>
-              <a:t>内容发生变化，也会生成一个完全不同的</a:t>
-            </a:r>
+              <a:t>commit</a:t>
+            </a:r>
+          </a:p>
+          <a:p>
+            <a:pPr>
+              <a:buNone/>
+            </a:pPr>
+            <a:r>
+              <a:rPr lang="en-US" altLang="zh-CN" sz="2000" dirty="0" smtClean="0">
+                <a:solidFill>
+                  <a:srgbClr val="C00000"/>
+                </a:solidFill>
+                <a:latin typeface="Consolas" pitchFamily="49" charset="0"/>
+                <a:cs typeface="Consolas" pitchFamily="49" charset="0"/>
+              </a:rPr>
+              <a:t>$ echo 'first commit' | </a:t>
+            </a:r>
+            <a:r>
+              <a:rPr lang="en-US" altLang="zh-CN" sz="2000" dirty="0" err="1" smtClean="0">
+                <a:solidFill>
+                  <a:srgbClr val="C00000"/>
+                </a:solidFill>
+                <a:latin typeface="Consolas" pitchFamily="49" charset="0"/>
+                <a:cs typeface="Consolas" pitchFamily="49" charset="0"/>
+              </a:rPr>
+              <a:t>git</a:t>
+            </a:r>
+            <a:r>
+              <a:rPr lang="en-US" altLang="zh-CN" sz="2000" dirty="0" smtClean="0">
+                <a:solidFill>
+                  <a:srgbClr val="C00000"/>
+                </a:solidFill>
+                <a:latin typeface="Consolas" pitchFamily="49" charset="0"/>
+                <a:cs typeface="Consolas" pitchFamily="49" charset="0"/>
+              </a:rPr>
+              <a:t> commit-tree d8329f</a:t>
+            </a:r>
+          </a:p>
+          <a:p>
+            <a:r>
+              <a:rPr lang="zh-CN" altLang="en-US" dirty="0" smtClean="0"/>
+              <a:t>再创建两个</a:t>
+            </a:r>
+            <a:r>
+              <a:rPr lang="en-US" altLang="zh-CN" dirty="0" smtClean="0"/>
+              <a:t>commit</a:t>
+            </a:r>
+            <a:r>
+              <a:rPr lang="zh-CN" altLang="en-US" dirty="0" smtClean="0"/>
+              <a:t>，分别指向前一个</a:t>
+            </a:r>
+            <a:r>
+              <a:rPr lang="en-US" altLang="zh-CN" dirty="0" smtClean="0"/>
+              <a:t>commit</a:t>
+            </a:r>
+            <a:r>
+              <a:rPr lang="zh-CN" altLang="en-US" dirty="0" smtClean="0"/>
+              <a:t>作为</a:t>
+            </a:r>
+            <a:r>
+              <a:rPr lang="en-US" altLang="zh-CN" dirty="0" smtClean="0"/>
+              <a:t>parent</a:t>
+            </a:r>
+          </a:p>
+          <a:p>
+            <a:pPr>
+              <a:buNone/>
+            </a:pPr>
+            <a:r>
+              <a:rPr lang="en-US" altLang="zh-CN" sz="2000" dirty="0" smtClean="0">
+                <a:solidFill>
+                  <a:srgbClr val="C00000"/>
+                </a:solidFill>
+                <a:latin typeface="Consolas" pitchFamily="49" charset="0"/>
+                <a:cs typeface="Consolas" pitchFamily="49" charset="0"/>
+              </a:rPr>
+              <a:t>$ echo 'second commit' | </a:t>
+            </a:r>
+            <a:r>
+              <a:rPr lang="en-US" altLang="zh-CN" sz="2000" dirty="0" err="1" smtClean="0">
+                <a:solidFill>
+                  <a:srgbClr val="C00000"/>
+                </a:solidFill>
+                <a:latin typeface="Consolas" pitchFamily="49" charset="0"/>
+                <a:cs typeface="Consolas" pitchFamily="49" charset="0"/>
+              </a:rPr>
+              <a:t>git</a:t>
+            </a:r>
+            <a:r>
+              <a:rPr lang="en-US" altLang="zh-CN" sz="2000" dirty="0" smtClean="0">
+                <a:solidFill>
+                  <a:srgbClr val="C00000"/>
+                </a:solidFill>
+                <a:latin typeface="Consolas" pitchFamily="49" charset="0"/>
+                <a:cs typeface="Consolas" pitchFamily="49" charset="0"/>
+              </a:rPr>
+              <a:t> commit-tree 0155eb -p fdf4fc3 </a:t>
+            </a:r>
+          </a:p>
+          <a:p>
+            <a:pPr>
+              <a:buNone/>
+            </a:pPr>
+            <a:r>
+              <a:rPr lang="en-US" altLang="zh-CN" sz="2000" dirty="0" smtClean="0">
+                <a:solidFill>
+                  <a:srgbClr val="C00000"/>
+                </a:solidFill>
+                <a:latin typeface="Consolas" pitchFamily="49" charset="0"/>
+                <a:cs typeface="Consolas" pitchFamily="49" charset="0"/>
+              </a:rPr>
+              <a:t>$ echo 'third commit' | </a:t>
+            </a:r>
+            <a:r>
+              <a:rPr lang="en-US" altLang="zh-CN" sz="2000" dirty="0" err="1" smtClean="0">
+                <a:solidFill>
+                  <a:srgbClr val="C00000"/>
+                </a:solidFill>
+                <a:latin typeface="Consolas" pitchFamily="49" charset="0"/>
+                <a:cs typeface="Consolas" pitchFamily="49" charset="0"/>
+              </a:rPr>
+              <a:t>git</a:t>
+            </a:r>
+            <a:r>
+              <a:rPr lang="en-US" altLang="zh-CN" sz="2000" dirty="0" smtClean="0">
+                <a:solidFill>
+                  <a:srgbClr val="C00000"/>
+                </a:solidFill>
+                <a:latin typeface="Consolas" pitchFamily="49" charset="0"/>
+                <a:cs typeface="Consolas" pitchFamily="49" charset="0"/>
+              </a:rPr>
+              <a:t> commit-tree 3c4e9c -p cac0cab</a:t>
+            </a:r>
+          </a:p>
+          <a:p>
+            <a:pPr>
+              <a:buNone/>
+            </a:pPr>
+            <a:r>
+              <a:rPr lang="en-US" altLang="zh-CN" sz="2000" dirty="0" smtClean="0">
+                <a:solidFill>
+                  <a:srgbClr val="C00000"/>
+                </a:solidFill>
+                <a:latin typeface="Consolas" pitchFamily="49" charset="0"/>
+                <a:cs typeface="Consolas" pitchFamily="49" charset="0"/>
+              </a:rPr>
+              <a:t>$ </a:t>
+            </a:r>
+            <a:r>
+              <a:rPr lang="en-US" altLang="zh-CN" sz="2000" dirty="0" err="1" smtClean="0">
+                <a:solidFill>
+                  <a:srgbClr val="C00000"/>
+                </a:solidFill>
+                <a:latin typeface="Consolas" pitchFamily="49" charset="0"/>
+                <a:cs typeface="Consolas" pitchFamily="49" charset="0"/>
+              </a:rPr>
+              <a:t>git</a:t>
+            </a:r>
+            <a:r>
+              <a:rPr lang="en-US" altLang="zh-CN" sz="2000" dirty="0" smtClean="0">
+                <a:solidFill>
+                  <a:srgbClr val="C00000"/>
+                </a:solidFill>
+                <a:latin typeface="Consolas" pitchFamily="49" charset="0"/>
+                <a:cs typeface="Consolas" pitchFamily="49" charset="0"/>
+              </a:rPr>
+              <a:t> log –stat &lt;</a:t>
+            </a:r>
+            <a:r>
+              <a:rPr lang="en-US" altLang="zh-CN" sz="2000" dirty="0" err="1" smtClean="0">
+                <a:solidFill>
+                  <a:srgbClr val="C00000"/>
+                </a:solidFill>
+                <a:latin typeface="Consolas" pitchFamily="49" charset="0"/>
+                <a:cs typeface="Consolas" pitchFamily="49" charset="0"/>
+              </a:rPr>
+              <a:t>last_commit_id</a:t>
+            </a:r>
+            <a:r>
+              <a:rPr lang="en-US" altLang="zh-CN" sz="2000" dirty="0" smtClean="0">
+                <a:solidFill>
+                  <a:srgbClr val="C00000"/>
+                </a:solidFill>
+                <a:latin typeface="Consolas" pitchFamily="49" charset="0"/>
+                <a:cs typeface="Consolas" pitchFamily="49" charset="0"/>
+              </a:rPr>
+              <a:t>&gt;</a:t>
+            </a:r>
+          </a:p>
+        </p:txBody>
+      </p:sp>
+      <p:sp>
+        <p:nvSpPr>
+          <p:cNvPr id="2" name="标题 1"/>
+          <p:cNvSpPr>
+            <a:spLocks noGrp="1"/>
+          </p:cNvSpPr>
+          <p:nvPr>
+            <p:ph type="title"/>
+          </p:nvPr>
+        </p:nvSpPr>
+        <p:spPr/>
+        <p:txBody>
+          <a:bodyPr/>
+          <a:lstStyle/>
+          <a:p>
             <a:r>
               <a:rPr lang="en-US" altLang="zh-CN" dirty="0" smtClean="0"/>
               <a:t>Commit Object</a:t>
-            </a:r>
-            <a:r>
-              <a:rPr lang="zh-CN" altLang="en-US" dirty="0" smtClean="0"/>
-              <a:t>对象</a:t>
-            </a:r>
-            <a:endParaRPr lang="zh-CN" altLang="en-US" dirty="0"/>
-          </a:p>
-        </p:txBody>
-      </p:sp>
-      <p:sp>
-        <p:nvSpPr>
-          <p:cNvPr id="3" name="标题 2"/>
-          <p:cNvSpPr>
-            <a:spLocks noGrp="1"/>
-          </p:cNvSpPr>
-          <p:nvPr>
-            <p:ph type="title"/>
-          </p:nvPr>
-        </p:nvSpPr>
-        <p:spPr/>
-        <p:txBody>
-          <a:bodyPr/>
-          <a:lstStyle/>
-          <a:p>
-            <a:r>
-              <a:rPr lang="en-US" altLang="zh-CN" dirty="0" smtClean="0"/>
-              <a:t>Commit Object</a:t>
-            </a:r>
-            <a:r>
-              <a:rPr lang="zh-CN" altLang="en-US" dirty="0" smtClean="0"/>
-              <a:t>包含的信息</a:t>
             </a:r>
             <a:endParaRPr lang="zh-CN" altLang="en-US" dirty="0"/>
           </a:p>
@@ -7329,6 +8805,13 @@
   <p:clrMapOvr>
     <a:masterClrMapping/>
   </p:clrMapOvr>
+  <p:timing>
+    <p:tnLst>
+      <p:par>
+        <p:cTn id="1" dur="indefinite" restart="never" nodeType="tmRoot"/>
+      </p:par>
+    </p:tnLst>
+  </p:timing>
 </p:sld>
 </file>
 
@@ -7612,7 +9095,23 @@
       </a:bgFillStyleLst>
     </a:fmtScheme>
   </a:themeElements>
-  <a:objectDefaults/>
+  <a:objectDefaults>
+    <a:txDef>
+      <a:spPr>
+        <a:noFill/>
+      </a:spPr>
+      <a:bodyPr wrap="square" rtlCol="0">
+        <a:spAutoFit/>
+      </a:bodyPr>
+      <a:lstStyle>
+        <a:defPPr marL="285750" indent="-285750">
+          <a:buFont typeface="Arial" pitchFamily="34" charset="0"/>
+          <a:buChar char="•"/>
+          <a:defRPr dirty="0"/>
+        </a:defPPr>
+      </a:lstStyle>
+    </a:txDef>
+  </a:objectDefaults>
   <a:extraClrSchemeLst/>
 </a:theme>
 </file>
--- a/ppt/Git.pptx
+++ b/ppt/Git.pptx
@@ -27,6 +27,7 @@
     <p:sldId id="275" r:id="rId21"/>
     <p:sldId id="276" r:id="rId22"/>
     <p:sldId id="277" r:id="rId23"/>
+    <p:sldId id="278" r:id="rId24"/>
   </p:sldIdLst>
   <p:sldSz cx="9144000" cy="6858000" type="screen4x3"/>
   <p:notesSz cx="6858000" cy="9144000"/>
@@ -152,6 +153,7 @@
             <p14:sldId id="275"/>
             <p14:sldId id="276"/>
             <p14:sldId id="277"/>
+            <p14:sldId id="278"/>
           </p14:sldIdLst>
         </p14:section>
       </p14:sectionLst>
@@ -785,7 +787,7 @@
           <a:p>
             <a:fld id="{552B59B4-7C25-4F23-85F3-407D74B5C84A}" type="datetimeFigureOut">
               <a:rPr lang="zh-CN" altLang="en-US" smtClean="0"/>
-              <a:t>2012/10/21</a:t>
+              <a:t>2012/10/22</a:t>
             </a:fld>
             <a:endParaRPr lang="zh-CN" altLang="en-US"/>
           </a:p>
@@ -981,7 +983,7 @@
           <a:p>
             <a:fld id="{552B59B4-7C25-4F23-85F3-407D74B5C84A}" type="datetimeFigureOut">
               <a:rPr lang="zh-CN" altLang="en-US" smtClean="0"/>
-              <a:t>2012/10/21</a:t>
+              <a:t>2012/10/22</a:t>
             </a:fld>
             <a:endParaRPr lang="zh-CN" altLang="en-US"/>
           </a:p>
@@ -1166,7 +1168,7 @@
           <a:p>
             <a:fld id="{552B59B4-7C25-4F23-85F3-407D74B5C84A}" type="datetimeFigureOut">
               <a:rPr lang="zh-CN" altLang="en-US" smtClean="0"/>
-              <a:t>2012/10/21</a:t>
+              <a:t>2012/10/22</a:t>
             </a:fld>
             <a:endParaRPr lang="zh-CN" altLang="en-US"/>
           </a:p>
@@ -1316,7 +1318,7 @@
           <a:p>
             <a:fld id="{552B59B4-7C25-4F23-85F3-407D74B5C84A}" type="datetimeFigureOut">
               <a:rPr lang="zh-CN" altLang="en-US" smtClean="0"/>
-              <a:t>2012/10/21</a:t>
+              <a:t>2012/10/22</a:t>
             </a:fld>
             <a:endParaRPr lang="zh-CN" altLang="en-US"/>
           </a:p>
@@ -1566,7 +1568,7 @@
           <a:p>
             <a:fld id="{552B59B4-7C25-4F23-85F3-407D74B5C84A}" type="datetimeFigureOut">
               <a:rPr lang="zh-CN" altLang="en-US" smtClean="0"/>
-              <a:t>2012/10/21</a:t>
+              <a:t>2012/10/22</a:t>
             </a:fld>
             <a:endParaRPr lang="zh-CN" altLang="en-US"/>
           </a:p>
@@ -1970,7 +1972,7 @@
           <a:p>
             <a:fld id="{552B59B4-7C25-4F23-85F3-407D74B5C84A}" type="datetimeFigureOut">
               <a:rPr lang="zh-CN" altLang="en-US" smtClean="0"/>
-              <a:t>2012/10/21</a:t>
+              <a:t>2012/10/22</a:t>
             </a:fld>
             <a:endParaRPr lang="zh-CN" altLang="en-US"/>
           </a:p>
@@ -2411,7 +2413,7 @@
           <a:p>
             <a:fld id="{552B59B4-7C25-4F23-85F3-407D74B5C84A}" type="datetimeFigureOut">
               <a:rPr lang="zh-CN" altLang="en-US" smtClean="0"/>
-              <a:t>2012/10/21</a:t>
+              <a:t>2012/10/22</a:t>
             </a:fld>
             <a:endParaRPr lang="zh-CN" altLang="en-US"/>
           </a:p>
@@ -2507,7 +2509,7 @@
           <a:p>
             <a:fld id="{552B59B4-7C25-4F23-85F3-407D74B5C84A}" type="datetimeFigureOut">
               <a:rPr lang="zh-CN" altLang="en-US" smtClean="0"/>
-              <a:t>2012/10/21</a:t>
+              <a:t>2012/10/22</a:t>
             </a:fld>
             <a:endParaRPr lang="zh-CN" altLang="en-US"/>
           </a:p>
@@ -2628,7 +2630,7 @@
           <a:p>
             <a:fld id="{552B59B4-7C25-4F23-85F3-407D74B5C84A}" type="datetimeFigureOut">
               <a:rPr lang="zh-CN" altLang="en-US" smtClean="0"/>
-              <a:t>2012/10/21</a:t>
+              <a:t>2012/10/22</a:t>
             </a:fld>
             <a:endParaRPr lang="zh-CN" altLang="en-US"/>
           </a:p>
@@ -2897,7 +2899,7 @@
           <a:p>
             <a:fld id="{552B59B4-7C25-4F23-85F3-407D74B5C84A}" type="datetimeFigureOut">
               <a:rPr lang="zh-CN" altLang="en-US" smtClean="0"/>
-              <a:t>2012/10/21</a:t>
+              <a:t>2012/10/22</a:t>
             </a:fld>
             <a:endParaRPr lang="zh-CN" altLang="en-US"/>
           </a:p>
@@ -3097,7 +3099,7 @@
           <a:p>
             <a:fld id="{552B59B4-7C25-4F23-85F3-407D74B5C84A}" type="datetimeFigureOut">
               <a:rPr lang="zh-CN" altLang="en-US" smtClean="0"/>
-              <a:t>2012/10/21</a:t>
+              <a:t>2012/10/22</a:t>
             </a:fld>
             <a:endParaRPr lang="zh-CN" altLang="en-US"/>
           </a:p>
@@ -4206,7 +4208,7 @@
           <a:p>
             <a:fld id="{552B59B4-7C25-4F23-85F3-407D74B5C84A}" type="datetimeFigureOut">
               <a:rPr lang="zh-CN" altLang="en-US" smtClean="0"/>
-              <a:t>2012/10/21</a:t>
+              <a:t>2012/10/22</a:t>
             </a:fld>
             <a:endParaRPr lang="zh-CN" altLang="en-US"/>
           </a:p>
@@ -5593,11 +5595,7 @@
             </a:r>
             <a:r>
               <a:rPr lang="en-US" altLang="zh-CN" dirty="0" smtClean="0"/>
-              <a:t>Commit </a:t>
-            </a:r>
-            <a:r>
-              <a:rPr lang="en-US" altLang="zh-CN" dirty="0" smtClean="0"/>
-              <a:t>Object)</a:t>
+              <a:t>Commit Object)</a:t>
             </a:r>
           </a:p>
           <a:p>
@@ -7221,14 +7219,386 @@
           <a:chExt cx="0" cy="0"/>
         </a:xfrm>
       </p:grpSpPr>
-      <p:sp>
-        <p:nvSpPr>
-          <p:cNvPr id="2" name="内容占位符 1"/>
-          <p:cNvSpPr>
-            <a:spLocks noGrp="1"/>
-          </p:cNvSpPr>
+      <p:pic>
+        <p:nvPicPr>
+          <p:cNvPr id="5" name="内容占位符 4"/>
+          <p:cNvPicPr>
+            <a:picLocks noGrp="1" noChangeAspect="1"/>
+          </p:cNvPicPr>
           <p:nvPr>
             <p:ph sz="half" idx="1"/>
+          </p:nvPr>
+        </p:nvPicPr>
+        <p:blipFill>
+          <a:blip r:embed="rId2">
+            <a:extLst>
+              <a:ext uri="{28A0092B-C50C-407E-A947-70E740481C1C}">
+                <a14:useLocalDpi xmlns:a14="http://schemas.microsoft.com/office/drawing/2010/main" val="0"/>
+              </a:ext>
+            </a:extLst>
+          </a:blip>
+          <a:stretch>
+            <a:fillRect/>
+          </a:stretch>
+        </p:blipFill>
+        <p:spPr>
+          <a:xfrm>
+            <a:off x="811664" y="1481138"/>
+            <a:ext cx="3329672" cy="4525962"/>
+          </a:xfrm>
+        </p:spPr>
+      </p:pic>
+      <p:sp>
+        <p:nvSpPr>
+          <p:cNvPr id="3" name="内容占位符 2"/>
+          <p:cNvSpPr>
+            <a:spLocks noGrp="1"/>
+          </p:cNvSpPr>
+          <p:nvPr>
+            <p:ph sz="half" idx="2"/>
+          </p:nvPr>
+        </p:nvSpPr>
+        <p:spPr/>
+        <p:txBody>
+          <a:bodyPr>
+            <a:normAutofit fontScale="92500" lnSpcReduction="10000"/>
+          </a:bodyPr>
+          <a:lstStyle/>
+          <a:p>
+            <a:r>
+              <a:rPr lang="zh-CN" altLang="en-US" dirty="0" smtClean="0"/>
+              <a:t>用于修复最近一次提交</a:t>
+            </a:r>
+            <a:endParaRPr lang="en-US" altLang="zh-CN" dirty="0" smtClean="0"/>
+          </a:p>
+          <a:p>
+            <a:r>
+              <a:rPr lang="zh-CN" altLang="en-US" dirty="0" smtClean="0"/>
+              <a:t>重置</a:t>
+            </a:r>
+            <a:r>
+              <a:rPr lang="en-US" altLang="zh-CN" dirty="0" smtClean="0"/>
+              <a:t>master</a:t>
+            </a:r>
+            <a:r>
+              <a:rPr lang="zh-CN" altLang="en-US" dirty="0" smtClean="0"/>
+              <a:t>到</a:t>
+            </a:r>
+            <a:r>
+              <a:rPr lang="en-US" altLang="zh-CN" dirty="0" smtClean="0"/>
+              <a:t>C</a:t>
+            </a:r>
+          </a:p>
+          <a:p>
+            <a:r>
+              <a:rPr lang="zh-CN" altLang="en-US" dirty="0" smtClean="0"/>
+              <a:t>重置</a:t>
+            </a:r>
+            <a:r>
+              <a:rPr lang="en-US" altLang="zh-CN" dirty="0" smtClean="0"/>
+              <a:t>HEAD</a:t>
+            </a:r>
+            <a:r>
+              <a:rPr lang="zh-CN" altLang="en-US" dirty="0" smtClean="0"/>
+              <a:t>到</a:t>
+            </a:r>
+            <a:r>
+              <a:rPr lang="en-US" altLang="zh-CN" dirty="0" smtClean="0"/>
+              <a:t>master</a:t>
+            </a:r>
+          </a:p>
+          <a:p>
+            <a:r>
+              <a:rPr lang="zh-CN" altLang="en-US" dirty="0">
+                <a:solidFill>
+                  <a:srgbClr val="FF0000"/>
+                </a:solidFill>
+              </a:rPr>
+              <a:t>暂存</a:t>
+            </a:r>
+            <a:r>
+              <a:rPr lang="zh-CN" altLang="en-US" dirty="0" smtClean="0">
+                <a:solidFill>
+                  <a:srgbClr val="FF0000"/>
+                </a:solidFill>
+              </a:rPr>
+              <a:t>区和工作区的内容不变，仍然为</a:t>
+            </a:r>
+            <a:r>
+              <a:rPr lang="en-US" altLang="zh-CN" dirty="0" smtClean="0">
+                <a:solidFill>
+                  <a:srgbClr val="FF0000"/>
+                </a:solidFill>
+              </a:rPr>
+              <a:t>D</a:t>
+            </a:r>
+          </a:p>
+          <a:p>
+            <a:pPr marL="109728" indent="0">
+              <a:buNone/>
+            </a:pPr>
+            <a:r>
+              <a:rPr lang="en-US" altLang="zh-CN" sz="2000" dirty="0">
+                <a:solidFill>
+                  <a:srgbClr val="C00000"/>
+                </a:solidFill>
+                <a:latin typeface="Consolas" pitchFamily="49" charset="0"/>
+                <a:cs typeface="Consolas" pitchFamily="49" charset="0"/>
+              </a:rPr>
+              <a:t>$ </a:t>
+            </a:r>
+            <a:r>
+              <a:rPr lang="en-US" altLang="zh-CN" sz="2000" dirty="0" err="1">
+                <a:solidFill>
+                  <a:srgbClr val="C00000"/>
+                </a:solidFill>
+                <a:latin typeface="Consolas" pitchFamily="49" charset="0"/>
+                <a:cs typeface="Consolas" pitchFamily="49" charset="0"/>
+              </a:rPr>
+              <a:t>git</a:t>
+            </a:r>
+            <a:r>
+              <a:rPr lang="en-US" altLang="zh-CN" sz="2000" dirty="0">
+                <a:solidFill>
+                  <a:srgbClr val="C00000"/>
+                </a:solidFill>
+                <a:latin typeface="Consolas" pitchFamily="49" charset="0"/>
+                <a:cs typeface="Consolas" pitchFamily="49" charset="0"/>
+              </a:rPr>
+              <a:t> reset –-soft D</a:t>
+            </a:r>
+            <a:r>
+              <a:rPr lang="en-US" altLang="zh-CN" sz="2000" dirty="0" smtClean="0">
+                <a:solidFill>
+                  <a:srgbClr val="C00000"/>
+                </a:solidFill>
+                <a:latin typeface="Consolas" pitchFamily="49" charset="0"/>
+                <a:cs typeface="Consolas" pitchFamily="49" charset="0"/>
+              </a:rPr>
+              <a:t>^</a:t>
+            </a:r>
+          </a:p>
+          <a:p>
+            <a:pPr marL="109728" indent="0">
+              <a:buNone/>
+            </a:pPr>
+            <a:r>
+              <a:rPr lang="en-US" altLang="zh-CN" sz="2000" dirty="0" smtClean="0">
+                <a:solidFill>
+                  <a:srgbClr val="C00000"/>
+                </a:solidFill>
+                <a:latin typeface="Consolas" pitchFamily="49" charset="0"/>
+                <a:cs typeface="Consolas" pitchFamily="49" charset="0"/>
+              </a:rPr>
+              <a:t>or</a:t>
+            </a:r>
+            <a:endParaRPr lang="en-US" altLang="zh-CN" sz="2000" dirty="0">
+              <a:solidFill>
+                <a:srgbClr val="C00000"/>
+              </a:solidFill>
+              <a:latin typeface="Consolas" pitchFamily="49" charset="0"/>
+              <a:cs typeface="Consolas" pitchFamily="49" charset="0"/>
+            </a:endParaRPr>
+          </a:p>
+          <a:p>
+            <a:pPr marL="109728" indent="0">
+              <a:buNone/>
+            </a:pPr>
+            <a:r>
+              <a:rPr lang="en-US" altLang="zh-CN" sz="2000" dirty="0">
+                <a:solidFill>
+                  <a:srgbClr val="C00000"/>
+                </a:solidFill>
+                <a:latin typeface="Consolas" pitchFamily="49" charset="0"/>
+                <a:cs typeface="Consolas" pitchFamily="49" charset="0"/>
+              </a:rPr>
+              <a:t>$ </a:t>
+            </a:r>
+            <a:r>
+              <a:rPr lang="en-US" altLang="zh-CN" sz="2000" dirty="0" err="1">
+                <a:solidFill>
+                  <a:srgbClr val="C00000"/>
+                </a:solidFill>
+                <a:latin typeface="Consolas" pitchFamily="49" charset="0"/>
+                <a:cs typeface="Consolas" pitchFamily="49" charset="0"/>
+              </a:rPr>
+              <a:t>git</a:t>
+            </a:r>
+            <a:r>
+              <a:rPr lang="en-US" altLang="zh-CN" sz="2000" dirty="0">
+                <a:solidFill>
+                  <a:srgbClr val="C00000"/>
+                </a:solidFill>
+                <a:latin typeface="Consolas" pitchFamily="49" charset="0"/>
+                <a:cs typeface="Consolas" pitchFamily="49" charset="0"/>
+              </a:rPr>
+              <a:t> reset –-soft </a:t>
+            </a:r>
+            <a:r>
+              <a:rPr lang="en-US" altLang="zh-CN" sz="2000" dirty="0" smtClean="0">
+                <a:solidFill>
+                  <a:srgbClr val="C00000"/>
+                </a:solidFill>
+                <a:latin typeface="Consolas" pitchFamily="49" charset="0"/>
+                <a:cs typeface="Consolas" pitchFamily="49" charset="0"/>
+              </a:rPr>
+              <a:t>C</a:t>
+            </a:r>
+          </a:p>
+          <a:p>
+            <a:pPr marL="109728" indent="0">
+              <a:buNone/>
+            </a:pPr>
+            <a:r>
+              <a:rPr lang="en-US" altLang="zh-CN" sz="2000" dirty="0" smtClean="0">
+                <a:solidFill>
+                  <a:srgbClr val="C00000"/>
+                </a:solidFill>
+                <a:latin typeface="Consolas" pitchFamily="49" charset="0"/>
+                <a:cs typeface="Consolas" pitchFamily="49" charset="0"/>
+              </a:rPr>
+              <a:t>or</a:t>
+            </a:r>
+            <a:endParaRPr lang="en-US" altLang="zh-CN" sz="2000" dirty="0">
+              <a:solidFill>
+                <a:srgbClr val="C00000"/>
+              </a:solidFill>
+              <a:latin typeface="Consolas" pitchFamily="49" charset="0"/>
+              <a:cs typeface="Consolas" pitchFamily="49" charset="0"/>
+            </a:endParaRPr>
+          </a:p>
+          <a:p>
+            <a:pPr marL="109728" indent="0">
+              <a:buNone/>
+            </a:pPr>
+            <a:r>
+              <a:rPr lang="en-US" altLang="zh-CN" sz="2000" dirty="0">
+                <a:solidFill>
+                  <a:srgbClr val="C00000"/>
+                </a:solidFill>
+                <a:latin typeface="Consolas" pitchFamily="49" charset="0"/>
+                <a:cs typeface="Consolas" pitchFamily="49" charset="0"/>
+              </a:rPr>
+              <a:t>$ </a:t>
+            </a:r>
+            <a:r>
+              <a:rPr lang="en-US" altLang="zh-CN" sz="2000" dirty="0" err="1">
+                <a:solidFill>
+                  <a:srgbClr val="C00000"/>
+                </a:solidFill>
+                <a:latin typeface="Consolas" pitchFamily="49" charset="0"/>
+                <a:cs typeface="Consolas" pitchFamily="49" charset="0"/>
+              </a:rPr>
+              <a:t>git</a:t>
+            </a:r>
+            <a:r>
+              <a:rPr lang="en-US" altLang="zh-CN" sz="2000" dirty="0">
+                <a:solidFill>
+                  <a:srgbClr val="C00000"/>
+                </a:solidFill>
+                <a:latin typeface="Consolas" pitchFamily="49" charset="0"/>
+                <a:cs typeface="Consolas" pitchFamily="49" charset="0"/>
+              </a:rPr>
+              <a:t> reset </a:t>
+            </a:r>
+            <a:r>
+              <a:rPr lang="en-US" altLang="zh-CN" sz="2000" dirty="0" smtClean="0">
+                <a:solidFill>
+                  <a:srgbClr val="C00000"/>
+                </a:solidFill>
+                <a:latin typeface="Consolas" pitchFamily="49" charset="0"/>
+                <a:cs typeface="Consolas" pitchFamily="49" charset="0"/>
+              </a:rPr>
+              <a:t>--</a:t>
+            </a:r>
+            <a:r>
+              <a:rPr lang="en-US" altLang="zh-CN" sz="2000" dirty="0">
+                <a:solidFill>
+                  <a:srgbClr val="C00000"/>
+                </a:solidFill>
+                <a:latin typeface="Consolas" pitchFamily="49" charset="0"/>
+                <a:cs typeface="Consolas" pitchFamily="49" charset="0"/>
+              </a:rPr>
+              <a:t>soft </a:t>
+            </a:r>
+            <a:r>
+              <a:rPr lang="en-US" altLang="zh-CN" sz="2000" dirty="0" smtClean="0">
+                <a:solidFill>
+                  <a:srgbClr val="C00000"/>
+                </a:solidFill>
+                <a:latin typeface="Consolas" pitchFamily="49" charset="0"/>
+                <a:cs typeface="Consolas" pitchFamily="49" charset="0"/>
+              </a:rPr>
+              <a:t>D~1</a:t>
+            </a:r>
+          </a:p>
+          <a:p>
+            <a:pPr marL="109728" indent="0">
+              <a:buNone/>
+            </a:pPr>
+            <a:r>
+              <a:rPr lang="en-US" altLang="zh-CN" sz="2000" dirty="0" smtClean="0">
+                <a:solidFill>
+                  <a:srgbClr val="C00000"/>
+                </a:solidFill>
+                <a:latin typeface="Consolas" pitchFamily="49" charset="0"/>
+                <a:cs typeface="Consolas" pitchFamily="49" charset="0"/>
+              </a:rPr>
+              <a:t>or</a:t>
+            </a:r>
+          </a:p>
+          <a:p>
+            <a:pPr marL="109728" indent="0">
+              <a:buNone/>
+            </a:pPr>
+            <a:r>
+              <a:rPr lang="en-US" altLang="zh-CN" sz="2000" dirty="0" smtClean="0">
+                <a:solidFill>
+                  <a:srgbClr val="C00000"/>
+                </a:solidFill>
+                <a:latin typeface="Consolas" pitchFamily="49" charset="0"/>
+                <a:cs typeface="Consolas" pitchFamily="49" charset="0"/>
+              </a:rPr>
+              <a:t>$ </a:t>
+            </a:r>
+            <a:r>
+              <a:rPr lang="en-US" altLang="zh-CN" sz="2000" dirty="0" err="1" smtClean="0">
+                <a:solidFill>
+                  <a:srgbClr val="C00000"/>
+                </a:solidFill>
+                <a:latin typeface="Consolas" pitchFamily="49" charset="0"/>
+                <a:cs typeface="Consolas" pitchFamily="49" charset="0"/>
+              </a:rPr>
+              <a:t>git</a:t>
+            </a:r>
+            <a:r>
+              <a:rPr lang="en-US" altLang="zh-CN" sz="2000" dirty="0" smtClean="0">
+                <a:solidFill>
+                  <a:srgbClr val="C00000"/>
+                </a:solidFill>
+                <a:latin typeface="Consolas" pitchFamily="49" charset="0"/>
+                <a:cs typeface="Consolas" pitchFamily="49" charset="0"/>
+              </a:rPr>
+              <a:t> commit --amend</a:t>
+            </a:r>
+            <a:endParaRPr lang="en-US" altLang="zh-CN" sz="2000" dirty="0">
+              <a:solidFill>
+                <a:srgbClr val="C00000"/>
+              </a:solidFill>
+              <a:latin typeface="Consolas" pitchFamily="49" charset="0"/>
+              <a:cs typeface="Consolas" pitchFamily="49" charset="0"/>
+            </a:endParaRPr>
+          </a:p>
+        </p:txBody>
+      </p:sp>
+      <p:sp>
+        <p:nvSpPr>
+          <p:cNvPr id="4" name="标题 3"/>
+          <p:cNvSpPr>
+            <a:spLocks noGrp="1"/>
+          </p:cNvSpPr>
+          <p:nvPr>
+            <p:ph type="title"/>
           </p:nvPr>
         </p:nvSpPr>
         <p:spPr/>
@@ -7236,61 +7606,23 @@
           <a:bodyPr/>
           <a:lstStyle/>
           <a:p>
-            <a:endParaRPr lang="zh-CN" altLang="en-US"/>
-          </a:p>
-        </p:txBody>
-      </p:sp>
-      <p:sp>
-        <p:nvSpPr>
-          <p:cNvPr id="3" name="内容占位符 2"/>
-          <p:cNvSpPr>
-            <a:spLocks noGrp="1"/>
-          </p:cNvSpPr>
-          <p:nvPr>
-            <p:ph sz="half" idx="2"/>
-          </p:nvPr>
-        </p:nvSpPr>
-        <p:spPr/>
-        <p:txBody>
-          <a:bodyPr/>
-          <a:lstStyle/>
-          <a:p>
-            <a:endParaRPr lang="zh-CN" altLang="en-US"/>
-          </a:p>
-        </p:txBody>
-      </p:sp>
-      <p:sp>
-        <p:nvSpPr>
-          <p:cNvPr id="4" name="标题 3"/>
-          <p:cNvSpPr>
-            <a:spLocks noGrp="1"/>
-          </p:cNvSpPr>
-          <p:nvPr>
-            <p:ph type="title"/>
-          </p:nvPr>
-        </p:nvSpPr>
-        <p:spPr/>
-        <p:txBody>
-          <a:bodyPr/>
-          <a:lstStyle/>
-          <a:p>
             <a:r>
               <a:rPr lang="zh-CN" altLang="en-US" dirty="0" smtClean="0"/>
               <a:t>场景 ：修改历史</a:t>
             </a:r>
             <a:r>
               <a:rPr lang="en-US" altLang="zh-CN" dirty="0" smtClean="0"/>
-              <a:t>(</a:t>
+              <a:t>1(</a:t>
             </a:r>
             <a:r>
               <a:rPr lang="en-US" altLang="zh-CN" dirty="0" err="1" smtClean="0"/>
               <a:t>git</a:t>
             </a:r>
             <a:r>
-              <a:rPr lang="en-US" altLang="zh-CN" smtClean="0"/>
+              <a:rPr lang="en-US" altLang="zh-CN" dirty="0" smtClean="0"/>
               <a:t> reset)</a:t>
             </a:r>
-            <a:endParaRPr lang="zh-CN" altLang="en-US"/>
+            <a:endParaRPr lang="zh-CN" altLang="en-US" dirty="0"/>
           </a:p>
         </p:txBody>
       </p:sp>
@@ -7311,6 +7643,418 @@
       </p:par>
     </p:tnLst>
   </p:timing>
+</p:sld>
+</file>
+
+<file path=ppt/slides/slide23.xml><?xml version="1.0" encoding="utf-8"?>
+<p:sld xmlns:a="http://schemas.openxmlformats.org/drawingml/2006/main" xmlns:r="http://schemas.openxmlformats.org/officeDocument/2006/relationships" xmlns:p="http://schemas.openxmlformats.org/presentationml/2006/main">
+  <p:cSld>
+    <p:spTree>
+      <p:nvGrpSpPr>
+        <p:cNvPr id="1" name=""/>
+        <p:cNvGrpSpPr/>
+        <p:nvPr/>
+      </p:nvGrpSpPr>
+      <p:grpSpPr>
+        <a:xfrm>
+          <a:off x="0" y="0"/>
+          <a:ext cx="0" cy="0"/>
+          <a:chOff x="0" y="0"/>
+          <a:chExt cx="0" cy="0"/>
+        </a:xfrm>
+      </p:grpSpPr>
+      <p:sp>
+        <p:nvSpPr>
+          <p:cNvPr id="7" name="内容占位符 6"/>
+          <p:cNvSpPr>
+            <a:spLocks noGrp="1"/>
+          </p:cNvSpPr>
+          <p:nvPr>
+            <p:ph sz="half" idx="2"/>
+          </p:nvPr>
+        </p:nvSpPr>
+        <p:spPr/>
+        <p:txBody>
+          <a:bodyPr/>
+          <a:lstStyle/>
+          <a:p>
+            <a:r>
+              <a:rPr lang="zh-CN" altLang="en-US" dirty="0" smtClean="0"/>
+              <a:t>可用于合并几个</a:t>
+            </a:r>
+            <a:r>
+              <a:rPr lang="en-US" altLang="zh-CN" dirty="0" smtClean="0"/>
+              <a:t>commit</a:t>
+            </a:r>
+          </a:p>
+          <a:p>
+            <a:r>
+              <a:rPr lang="zh-CN" altLang="en-US" dirty="0" smtClean="0"/>
+              <a:t>重置</a:t>
+            </a:r>
+            <a:r>
+              <a:rPr lang="en-US" altLang="zh-CN" dirty="0" smtClean="0"/>
+              <a:t>master</a:t>
+            </a:r>
+            <a:r>
+              <a:rPr lang="zh-CN" altLang="en-US" dirty="0" smtClean="0"/>
+              <a:t>到</a:t>
+            </a:r>
+            <a:r>
+              <a:rPr lang="en-US" altLang="zh-CN" dirty="0" smtClean="0"/>
+              <a:t>B</a:t>
+            </a:r>
+          </a:p>
+          <a:p>
+            <a:r>
+              <a:rPr lang="zh-CN" altLang="en-US" dirty="0" smtClean="0"/>
+              <a:t>重置</a:t>
+            </a:r>
+            <a:r>
+              <a:rPr lang="en-US" altLang="zh-CN" dirty="0" smtClean="0"/>
+              <a:t>HEAD</a:t>
+            </a:r>
+            <a:r>
+              <a:rPr lang="zh-CN" altLang="en-US" dirty="0" smtClean="0"/>
+              <a:t>到</a:t>
+            </a:r>
+            <a:r>
+              <a:rPr lang="en-US" altLang="zh-CN" dirty="0" smtClean="0"/>
+              <a:t>master</a:t>
+            </a:r>
+          </a:p>
+          <a:p>
+            <a:r>
+              <a:rPr lang="zh-CN" altLang="en-US" dirty="0" smtClean="0">
+                <a:solidFill>
+                  <a:srgbClr val="FF0000"/>
+                </a:solidFill>
+              </a:rPr>
+              <a:t>用</a:t>
+            </a:r>
+            <a:r>
+              <a:rPr lang="en-US" altLang="zh-CN" dirty="0" smtClean="0">
+                <a:solidFill>
+                  <a:srgbClr val="FF0000"/>
+                </a:solidFill>
+              </a:rPr>
+              <a:t>B</a:t>
+            </a:r>
+            <a:r>
+              <a:rPr lang="zh-CN" altLang="en-US" dirty="0" smtClean="0">
+                <a:solidFill>
+                  <a:srgbClr val="FF0000"/>
+                </a:solidFill>
+              </a:rPr>
+              <a:t>的</a:t>
+            </a:r>
+            <a:r>
+              <a:rPr lang="en-US" altLang="zh-CN" dirty="0" smtClean="0">
+                <a:solidFill>
+                  <a:srgbClr val="FF0000"/>
+                </a:solidFill>
+              </a:rPr>
+              <a:t>Tree</a:t>
+            </a:r>
+            <a:r>
+              <a:rPr lang="zh-CN" altLang="en-US" dirty="0" smtClean="0">
+                <a:solidFill>
+                  <a:srgbClr val="FF0000"/>
+                </a:solidFill>
+              </a:rPr>
+              <a:t>覆盖暂存区</a:t>
+            </a:r>
+            <a:endParaRPr lang="en-US" altLang="zh-CN" dirty="0" smtClean="0">
+              <a:solidFill>
+                <a:srgbClr val="FF0000"/>
+              </a:solidFill>
+            </a:endParaRPr>
+          </a:p>
+          <a:p>
+            <a:r>
+              <a:rPr lang="zh-CN" altLang="en-US" dirty="0" smtClean="0">
+                <a:solidFill>
+                  <a:srgbClr val="FF0000"/>
+                </a:solidFill>
+              </a:rPr>
+              <a:t>工作区保持不变</a:t>
+            </a:r>
+            <a:endParaRPr lang="en-US" altLang="zh-CN" dirty="0" smtClean="0">
+              <a:solidFill>
+                <a:srgbClr val="FF0000"/>
+              </a:solidFill>
+            </a:endParaRPr>
+          </a:p>
+          <a:p>
+            <a:pPr marL="109728" indent="0">
+              <a:lnSpc>
+                <a:spcPct val="90000"/>
+              </a:lnSpc>
+              <a:buNone/>
+            </a:pPr>
+            <a:r>
+              <a:rPr lang="en-US" altLang="zh-CN" sz="1900" dirty="0">
+                <a:solidFill>
+                  <a:srgbClr val="C00000"/>
+                </a:solidFill>
+                <a:latin typeface="Consolas" pitchFamily="49" charset="0"/>
+                <a:cs typeface="Consolas" pitchFamily="49" charset="0"/>
+              </a:rPr>
+              <a:t>$ </a:t>
+            </a:r>
+            <a:r>
+              <a:rPr lang="en-US" altLang="zh-CN" sz="1900" dirty="0" err="1">
+                <a:solidFill>
+                  <a:srgbClr val="C00000"/>
+                </a:solidFill>
+                <a:latin typeface="Consolas" pitchFamily="49" charset="0"/>
+                <a:cs typeface="Consolas" pitchFamily="49" charset="0"/>
+              </a:rPr>
+              <a:t>git</a:t>
+            </a:r>
+            <a:r>
+              <a:rPr lang="en-US" altLang="zh-CN" sz="1900" dirty="0">
+                <a:solidFill>
+                  <a:srgbClr val="C00000"/>
+                </a:solidFill>
+                <a:latin typeface="Consolas" pitchFamily="49" charset="0"/>
+                <a:cs typeface="Consolas" pitchFamily="49" charset="0"/>
+              </a:rPr>
+              <a:t> reset HEAD</a:t>
+            </a:r>
+            <a:r>
+              <a:rPr lang="en-US" altLang="zh-CN" sz="1900" dirty="0" smtClean="0">
+                <a:solidFill>
+                  <a:srgbClr val="C00000"/>
+                </a:solidFill>
+                <a:latin typeface="Consolas" pitchFamily="49" charset="0"/>
+                <a:cs typeface="Consolas" pitchFamily="49" charset="0"/>
+              </a:rPr>
+              <a:t>^^</a:t>
+            </a:r>
+          </a:p>
+          <a:p>
+            <a:pPr marL="109728" indent="0">
+              <a:lnSpc>
+                <a:spcPct val="90000"/>
+              </a:lnSpc>
+              <a:buNone/>
+            </a:pPr>
+            <a:r>
+              <a:rPr lang="en-US" altLang="zh-CN" sz="1900" dirty="0" smtClean="0">
+                <a:solidFill>
+                  <a:srgbClr val="C00000"/>
+                </a:solidFill>
+                <a:latin typeface="Consolas" pitchFamily="49" charset="0"/>
+                <a:cs typeface="Consolas" pitchFamily="49" charset="0"/>
+              </a:rPr>
+              <a:t>or</a:t>
+            </a:r>
+            <a:endParaRPr lang="en-US" altLang="zh-CN" sz="1900" dirty="0">
+              <a:solidFill>
+                <a:srgbClr val="C00000"/>
+              </a:solidFill>
+              <a:latin typeface="Consolas" pitchFamily="49" charset="0"/>
+              <a:cs typeface="Consolas" pitchFamily="49" charset="0"/>
+            </a:endParaRPr>
+          </a:p>
+          <a:p>
+            <a:pPr marL="109728" indent="0">
+              <a:lnSpc>
+                <a:spcPct val="90000"/>
+              </a:lnSpc>
+              <a:buNone/>
+            </a:pPr>
+            <a:r>
+              <a:rPr lang="en-US" altLang="zh-CN" sz="1900" dirty="0">
+                <a:solidFill>
+                  <a:srgbClr val="C00000"/>
+                </a:solidFill>
+                <a:latin typeface="Consolas" pitchFamily="49" charset="0"/>
+                <a:cs typeface="Consolas" pitchFamily="49" charset="0"/>
+              </a:rPr>
+              <a:t>$ </a:t>
+            </a:r>
+            <a:r>
+              <a:rPr lang="en-US" altLang="zh-CN" sz="1900" dirty="0" err="1">
+                <a:solidFill>
+                  <a:srgbClr val="C00000"/>
+                </a:solidFill>
+                <a:latin typeface="Consolas" pitchFamily="49" charset="0"/>
+                <a:cs typeface="Consolas" pitchFamily="49" charset="0"/>
+              </a:rPr>
+              <a:t>git</a:t>
+            </a:r>
+            <a:r>
+              <a:rPr lang="en-US" altLang="zh-CN" sz="1900" dirty="0">
+                <a:solidFill>
+                  <a:srgbClr val="C00000"/>
+                </a:solidFill>
+                <a:latin typeface="Consolas" pitchFamily="49" charset="0"/>
+                <a:cs typeface="Consolas" pitchFamily="49" charset="0"/>
+              </a:rPr>
+              <a:t> reset </a:t>
+            </a:r>
+            <a:r>
+              <a:rPr lang="en-US" altLang="zh-CN" sz="1900" dirty="0" smtClean="0">
+                <a:solidFill>
+                  <a:srgbClr val="C00000"/>
+                </a:solidFill>
+                <a:latin typeface="Consolas" pitchFamily="49" charset="0"/>
+                <a:cs typeface="Consolas" pitchFamily="49" charset="0"/>
+              </a:rPr>
+              <a:t>HEAD~2</a:t>
+            </a:r>
+          </a:p>
+          <a:p>
+            <a:pPr marL="109728" indent="0">
+              <a:lnSpc>
+                <a:spcPct val="90000"/>
+              </a:lnSpc>
+              <a:buNone/>
+            </a:pPr>
+            <a:r>
+              <a:rPr lang="en-US" altLang="zh-CN" sz="1900" dirty="0" smtClean="0">
+                <a:solidFill>
+                  <a:srgbClr val="C00000"/>
+                </a:solidFill>
+                <a:latin typeface="Consolas" pitchFamily="49" charset="0"/>
+                <a:cs typeface="Consolas" pitchFamily="49" charset="0"/>
+              </a:rPr>
+              <a:t>or</a:t>
+            </a:r>
+            <a:endParaRPr lang="en-US" altLang="zh-CN" sz="1900" dirty="0">
+              <a:solidFill>
+                <a:srgbClr val="C00000"/>
+              </a:solidFill>
+              <a:latin typeface="Consolas" pitchFamily="49" charset="0"/>
+              <a:cs typeface="Consolas" pitchFamily="49" charset="0"/>
+            </a:endParaRPr>
+          </a:p>
+          <a:p>
+            <a:pPr marL="109728" indent="0">
+              <a:lnSpc>
+                <a:spcPct val="90000"/>
+              </a:lnSpc>
+              <a:buNone/>
+            </a:pPr>
+            <a:r>
+              <a:rPr lang="en-US" altLang="zh-CN" sz="1900" dirty="0">
+                <a:solidFill>
+                  <a:srgbClr val="C00000"/>
+                </a:solidFill>
+                <a:latin typeface="Consolas" pitchFamily="49" charset="0"/>
+                <a:cs typeface="Consolas" pitchFamily="49" charset="0"/>
+              </a:rPr>
+              <a:t>$ </a:t>
+            </a:r>
+            <a:r>
+              <a:rPr lang="en-US" altLang="zh-CN" sz="1900" dirty="0" err="1">
+                <a:solidFill>
+                  <a:srgbClr val="C00000"/>
+                </a:solidFill>
+                <a:latin typeface="Consolas" pitchFamily="49" charset="0"/>
+                <a:cs typeface="Consolas" pitchFamily="49" charset="0"/>
+              </a:rPr>
+              <a:t>git</a:t>
+            </a:r>
+            <a:r>
+              <a:rPr lang="en-US" altLang="zh-CN" sz="1900" dirty="0">
+                <a:solidFill>
+                  <a:srgbClr val="C00000"/>
+                </a:solidFill>
+                <a:latin typeface="Consolas" pitchFamily="49" charset="0"/>
+                <a:cs typeface="Consolas" pitchFamily="49" charset="0"/>
+              </a:rPr>
+              <a:t> reset B</a:t>
+            </a:r>
+          </a:p>
+          <a:p>
+            <a:endParaRPr lang="en-US" altLang="zh-CN" dirty="0" smtClean="0">
+              <a:solidFill>
+                <a:srgbClr val="FF0000"/>
+              </a:solidFill>
+            </a:endParaRPr>
+          </a:p>
+          <a:p>
+            <a:endParaRPr lang="zh-CN" altLang="en-US" dirty="0"/>
+          </a:p>
+        </p:txBody>
+      </p:sp>
+      <p:sp>
+        <p:nvSpPr>
+          <p:cNvPr id="5" name="标题 4"/>
+          <p:cNvSpPr>
+            <a:spLocks noGrp="1"/>
+          </p:cNvSpPr>
+          <p:nvPr>
+            <p:ph type="title"/>
+          </p:nvPr>
+        </p:nvSpPr>
+        <p:spPr/>
+        <p:txBody>
+          <a:bodyPr/>
+          <a:lstStyle/>
+          <a:p>
+            <a:r>
+              <a:rPr lang="zh-CN" altLang="en-US" dirty="0" smtClean="0"/>
+              <a:t>场景：修改历史</a:t>
+            </a:r>
+            <a:r>
+              <a:rPr lang="en-US" altLang="zh-CN" dirty="0" smtClean="0"/>
+              <a:t>2(</a:t>
+            </a:r>
+            <a:r>
+              <a:rPr lang="en-US" altLang="zh-CN" dirty="0" err="1" smtClean="0"/>
+              <a:t>git</a:t>
+            </a:r>
+            <a:r>
+              <a:rPr lang="en-US" altLang="zh-CN" dirty="0" smtClean="0"/>
+              <a:t> reset)</a:t>
+            </a:r>
+            <a:endParaRPr lang="zh-CN" altLang="en-US" dirty="0"/>
+          </a:p>
+        </p:txBody>
+      </p:sp>
+      <p:pic>
+        <p:nvPicPr>
+          <p:cNvPr id="12" name="内容占位符 11"/>
+          <p:cNvPicPr>
+            <a:picLocks noGrp="1" noChangeAspect="1"/>
+          </p:cNvPicPr>
+          <p:nvPr>
+            <p:ph sz="half" idx="1"/>
+          </p:nvPr>
+        </p:nvPicPr>
+        <p:blipFill>
+          <a:blip r:embed="rId2">
+            <a:extLst>
+              <a:ext uri="{28A0092B-C50C-407E-A947-70E740481C1C}">
+                <a14:useLocalDpi xmlns:a14="http://schemas.microsoft.com/office/drawing/2010/main" val="0"/>
+              </a:ext>
+            </a:extLst>
+          </a:blip>
+          <a:stretch>
+            <a:fillRect/>
+          </a:stretch>
+        </p:blipFill>
+        <p:spPr>
+          <a:xfrm>
+            <a:off x="1095012" y="1481138"/>
+            <a:ext cx="2762975" cy="4525962"/>
+          </a:xfrm>
+        </p:spPr>
+      </p:pic>
+    </p:spTree>
+    <p:extLst>
+      <p:ext uri="{BB962C8B-B14F-4D97-AF65-F5344CB8AC3E}">
+        <p14:creationId xmlns:p14="http://schemas.microsoft.com/office/powerpoint/2010/main" val="2687490549"/>
+      </p:ext>
+    </p:extLst>
+  </p:cSld>
+  <p:clrMapOvr>
+    <a:masterClrMapping/>
+  </p:clrMapOvr>
 </p:sld>
 </file>
 

--- a/ppt/Git.pptx
+++ b/ppt/Git.pptx
@@ -25,9 +25,13 @@
     <p:sldId id="271" r:id="rId19"/>
     <p:sldId id="273" r:id="rId20"/>
     <p:sldId id="275" r:id="rId21"/>
-    <p:sldId id="276" r:id="rId22"/>
-    <p:sldId id="277" r:id="rId23"/>
-    <p:sldId id="278" r:id="rId24"/>
+    <p:sldId id="279" r:id="rId22"/>
+    <p:sldId id="280" r:id="rId23"/>
+    <p:sldId id="281" r:id="rId24"/>
+    <p:sldId id="282" r:id="rId25"/>
+    <p:sldId id="276" r:id="rId26"/>
+    <p:sldId id="277" r:id="rId27"/>
+    <p:sldId id="278" r:id="rId28"/>
   </p:sldIdLst>
   <p:sldSz cx="9144000" cy="6858000" type="screen4x3"/>
   <p:notesSz cx="6858000" cy="9144000"/>
@@ -151,6 +155,10 @@
             <p14:sldId id="271"/>
             <p14:sldId id="273"/>
             <p14:sldId id="275"/>
+            <p14:sldId id="279"/>
+            <p14:sldId id="280"/>
+            <p14:sldId id="281"/>
+            <p14:sldId id="282"/>
             <p14:sldId id="276"/>
             <p14:sldId id="277"/>
             <p14:sldId id="278"/>
@@ -787,7 +795,7 @@
           <a:p>
             <a:fld id="{552B59B4-7C25-4F23-85F3-407D74B5C84A}" type="datetimeFigureOut">
               <a:rPr lang="zh-CN" altLang="en-US" smtClean="0"/>
-              <a:t>2012/10/22</a:t>
+              <a:t>2012/10/23</a:t>
             </a:fld>
             <a:endParaRPr lang="zh-CN" altLang="en-US"/>
           </a:p>
@@ -983,7 +991,7 @@
           <a:p>
             <a:fld id="{552B59B4-7C25-4F23-85F3-407D74B5C84A}" type="datetimeFigureOut">
               <a:rPr lang="zh-CN" altLang="en-US" smtClean="0"/>
-              <a:t>2012/10/22</a:t>
+              <a:t>2012/10/23</a:t>
             </a:fld>
             <a:endParaRPr lang="zh-CN" altLang="en-US"/>
           </a:p>
@@ -1168,7 +1176,7 @@
           <a:p>
             <a:fld id="{552B59B4-7C25-4F23-85F3-407D74B5C84A}" type="datetimeFigureOut">
               <a:rPr lang="zh-CN" altLang="en-US" smtClean="0"/>
-              <a:t>2012/10/22</a:t>
+              <a:t>2012/10/23</a:t>
             </a:fld>
             <a:endParaRPr lang="zh-CN" altLang="en-US"/>
           </a:p>
@@ -1318,7 +1326,7 @@
           <a:p>
             <a:fld id="{552B59B4-7C25-4F23-85F3-407D74B5C84A}" type="datetimeFigureOut">
               <a:rPr lang="zh-CN" altLang="en-US" smtClean="0"/>
-              <a:t>2012/10/22</a:t>
+              <a:t>2012/10/23</a:t>
             </a:fld>
             <a:endParaRPr lang="zh-CN" altLang="en-US"/>
           </a:p>
@@ -1568,7 +1576,7 @@
           <a:p>
             <a:fld id="{552B59B4-7C25-4F23-85F3-407D74B5C84A}" type="datetimeFigureOut">
               <a:rPr lang="zh-CN" altLang="en-US" smtClean="0"/>
-              <a:t>2012/10/22</a:t>
+              <a:t>2012/10/23</a:t>
             </a:fld>
             <a:endParaRPr lang="zh-CN" altLang="en-US"/>
           </a:p>
@@ -1972,7 +1980,7 @@
           <a:p>
             <a:fld id="{552B59B4-7C25-4F23-85F3-407D74B5C84A}" type="datetimeFigureOut">
               <a:rPr lang="zh-CN" altLang="en-US" smtClean="0"/>
-              <a:t>2012/10/22</a:t>
+              <a:t>2012/10/23</a:t>
             </a:fld>
             <a:endParaRPr lang="zh-CN" altLang="en-US"/>
           </a:p>
@@ -2413,7 +2421,7 @@
           <a:p>
             <a:fld id="{552B59B4-7C25-4F23-85F3-407D74B5C84A}" type="datetimeFigureOut">
               <a:rPr lang="zh-CN" altLang="en-US" smtClean="0"/>
-              <a:t>2012/10/22</a:t>
+              <a:t>2012/10/23</a:t>
             </a:fld>
             <a:endParaRPr lang="zh-CN" altLang="en-US"/>
           </a:p>
@@ -2509,7 +2517,7 @@
           <a:p>
             <a:fld id="{552B59B4-7C25-4F23-85F3-407D74B5C84A}" type="datetimeFigureOut">
               <a:rPr lang="zh-CN" altLang="en-US" smtClean="0"/>
-              <a:t>2012/10/22</a:t>
+              <a:t>2012/10/23</a:t>
             </a:fld>
             <a:endParaRPr lang="zh-CN" altLang="en-US"/>
           </a:p>
@@ -2630,7 +2638,7 @@
           <a:p>
             <a:fld id="{552B59B4-7C25-4F23-85F3-407D74B5C84A}" type="datetimeFigureOut">
               <a:rPr lang="zh-CN" altLang="en-US" smtClean="0"/>
-              <a:t>2012/10/22</a:t>
+              <a:t>2012/10/23</a:t>
             </a:fld>
             <a:endParaRPr lang="zh-CN" altLang="en-US"/>
           </a:p>
@@ -2899,7 +2907,7 @@
           <a:p>
             <a:fld id="{552B59B4-7C25-4F23-85F3-407D74B5C84A}" type="datetimeFigureOut">
               <a:rPr lang="zh-CN" altLang="en-US" smtClean="0"/>
-              <a:t>2012/10/22</a:t>
+              <a:t>2012/10/23</a:t>
             </a:fld>
             <a:endParaRPr lang="zh-CN" altLang="en-US"/>
           </a:p>
@@ -3099,7 +3107,7 @@
           <a:p>
             <a:fld id="{552B59B4-7C25-4F23-85F3-407D74B5C84A}" type="datetimeFigureOut">
               <a:rPr lang="zh-CN" altLang="en-US" smtClean="0"/>
-              <a:t>2012/10/22</a:t>
+              <a:t>2012/10/23</a:t>
             </a:fld>
             <a:endParaRPr lang="zh-CN" altLang="en-US"/>
           </a:p>
@@ -4208,7 +4216,7 @@
           <a:p>
             <a:fld id="{552B59B4-7C25-4F23-85F3-407D74B5C84A}" type="datetimeFigureOut">
               <a:rPr lang="zh-CN" altLang="en-US" smtClean="0"/>
-              <a:t>2012/10/22</a:t>
+              <a:t>2012/10/23</a:t>
             </a:fld>
             <a:endParaRPr lang="zh-CN" altLang="en-US"/>
           </a:p>
@@ -6033,6 +6041,13 @@
   <p:clrMapOvr>
     <a:masterClrMapping/>
   </p:clrMapOvr>
+  <p:timing>
+    <p:tnLst>
+      <p:par>
+        <p:cTn id="1" dur="indefinite" restart="never" nodeType="tmRoot"/>
+      </p:par>
+    </p:tnLst>
+  </p:timing>
 </p:sld>
 </file>
 
@@ -6738,6 +6753,418 @@
           <a:chExt cx="0" cy="0"/>
         </a:xfrm>
       </p:grpSpPr>
+      <p:pic>
+        <p:nvPicPr>
+          <p:cNvPr id="6" name="内容占位符 5"/>
+          <p:cNvPicPr>
+            <a:picLocks noGrp="1" noChangeAspect="1"/>
+          </p:cNvPicPr>
+          <p:nvPr>
+            <p:ph idx="1"/>
+          </p:nvPr>
+        </p:nvPicPr>
+        <p:blipFill>
+          <a:blip r:embed="rId2">
+            <a:extLst>
+              <a:ext uri="{28A0092B-C50C-407E-A947-70E740481C1C}">
+                <a14:useLocalDpi xmlns:a14="http://schemas.microsoft.com/office/drawing/2010/main" val="0"/>
+              </a:ext>
+            </a:extLst>
+          </a:blip>
+          <a:stretch>
+            <a:fillRect/>
+          </a:stretch>
+        </p:blipFill>
+        <p:spPr>
+          <a:xfrm>
+            <a:off x="179512" y="1268760"/>
+            <a:ext cx="8784976" cy="5482822"/>
+          </a:xfrm>
+        </p:spPr>
+      </p:pic>
+      <p:sp>
+        <p:nvSpPr>
+          <p:cNvPr id="4" name="标题 3"/>
+          <p:cNvSpPr>
+            <a:spLocks noGrp="1"/>
+          </p:cNvSpPr>
+          <p:nvPr>
+            <p:ph type="title"/>
+          </p:nvPr>
+        </p:nvSpPr>
+        <p:spPr/>
+        <p:txBody>
+          <a:bodyPr/>
+          <a:lstStyle/>
+          <a:p>
+            <a:r>
+              <a:rPr lang="zh-CN" altLang="en-US" dirty="0" smtClean="0"/>
+              <a:t>场景</a:t>
+            </a:r>
+            <a:r>
+              <a:rPr lang="en-US" altLang="zh-CN" dirty="0" smtClean="0"/>
+              <a:t>: </a:t>
+            </a:r>
+            <a:r>
+              <a:rPr lang="zh-CN" altLang="en-US" dirty="0" smtClean="0"/>
+              <a:t>主题分支与合并</a:t>
+            </a:r>
+            <a:r>
+              <a:rPr lang="en-US" altLang="zh-CN" dirty="0" smtClean="0"/>
+              <a:t>1(</a:t>
+            </a:r>
+            <a:r>
+              <a:rPr lang="en-US" altLang="zh-CN" dirty="0" err="1" smtClean="0"/>
+              <a:t>git</a:t>
+            </a:r>
+            <a:r>
+              <a:rPr lang="en-US" altLang="zh-CN" dirty="0" smtClean="0"/>
+              <a:t> merge)</a:t>
+            </a:r>
+            <a:endParaRPr lang="zh-CN" altLang="en-US" dirty="0"/>
+          </a:p>
+        </p:txBody>
+      </p:sp>
+    </p:spTree>
+    <p:extLst>
+      <p:ext uri="{BB962C8B-B14F-4D97-AF65-F5344CB8AC3E}">
+        <p14:creationId xmlns:p14="http://schemas.microsoft.com/office/powerpoint/2010/main" val="434073046"/>
+      </p:ext>
+    </p:extLst>
+  </p:cSld>
+  <p:clrMapOvr>
+    <a:masterClrMapping/>
+  </p:clrMapOvr>
+  <p:timing>
+    <p:tnLst>
+      <p:par>
+        <p:cTn id="1" dur="indefinite" restart="never" nodeType="tmRoot"/>
+      </p:par>
+    </p:tnLst>
+  </p:timing>
+</p:sld>
+</file>
+
+<file path=ppt/slides/slide22.xml><?xml version="1.0" encoding="utf-8"?>
+<p:sld xmlns:a="http://schemas.openxmlformats.org/drawingml/2006/main" xmlns:r="http://schemas.openxmlformats.org/officeDocument/2006/relationships" xmlns:p="http://schemas.openxmlformats.org/presentationml/2006/main">
+  <p:cSld>
+    <p:spTree>
+      <p:nvGrpSpPr>
+        <p:cNvPr id="1" name=""/>
+        <p:cNvGrpSpPr/>
+        <p:nvPr/>
+      </p:nvGrpSpPr>
+      <p:grpSpPr>
+        <a:xfrm>
+          <a:off x="0" y="0"/>
+          <a:ext cx="0" cy="0"/>
+          <a:chOff x="0" y="0"/>
+          <a:chExt cx="0" cy="0"/>
+        </a:xfrm>
+      </p:grpSpPr>
+      <p:pic>
+        <p:nvPicPr>
+          <p:cNvPr id="4" name="内容占位符 3"/>
+          <p:cNvPicPr>
+            <a:picLocks noGrp="1" noChangeAspect="1"/>
+          </p:cNvPicPr>
+          <p:nvPr>
+            <p:ph idx="1"/>
+          </p:nvPr>
+        </p:nvPicPr>
+        <p:blipFill>
+          <a:blip r:embed="rId2">
+            <a:extLst>
+              <a:ext uri="{28A0092B-C50C-407E-A947-70E740481C1C}">
+                <a14:useLocalDpi xmlns:a14="http://schemas.microsoft.com/office/drawing/2010/main" val="0"/>
+              </a:ext>
+            </a:extLst>
+          </a:blip>
+          <a:stretch>
+            <a:fillRect/>
+          </a:stretch>
+        </p:blipFill>
+        <p:spPr>
+          <a:xfrm>
+            <a:off x="395536" y="1340768"/>
+            <a:ext cx="8136904" cy="5459012"/>
+          </a:xfrm>
+        </p:spPr>
+      </p:pic>
+      <p:sp>
+        <p:nvSpPr>
+          <p:cNvPr id="3" name="标题 2"/>
+          <p:cNvSpPr>
+            <a:spLocks noGrp="1"/>
+          </p:cNvSpPr>
+          <p:nvPr>
+            <p:ph type="title"/>
+          </p:nvPr>
+        </p:nvSpPr>
+        <p:spPr/>
+        <p:txBody>
+          <a:bodyPr>
+            <a:normAutofit fontScale="90000"/>
+          </a:bodyPr>
+          <a:lstStyle/>
+          <a:p>
+            <a:r>
+              <a:rPr lang="zh-CN" altLang="en-US" dirty="0" smtClean="0"/>
+              <a:t>场景：主题分支与合并</a:t>
+            </a:r>
+            <a:r>
+              <a:rPr lang="en-US" altLang="zh-CN" dirty="0" smtClean="0"/>
+              <a:t>2(</a:t>
+            </a:r>
+            <a:r>
+              <a:rPr lang="en-US" altLang="zh-CN" dirty="0" err="1" smtClean="0"/>
+              <a:t>git</a:t>
+            </a:r>
+            <a:r>
+              <a:rPr lang="en-US" altLang="zh-CN" dirty="0" smtClean="0"/>
+              <a:t> cherry-pick)</a:t>
+            </a:r>
+            <a:endParaRPr lang="zh-CN" altLang="en-US" dirty="0"/>
+          </a:p>
+        </p:txBody>
+      </p:sp>
+    </p:spTree>
+    <p:extLst>
+      <p:ext uri="{BB962C8B-B14F-4D97-AF65-F5344CB8AC3E}">
+        <p14:creationId xmlns:p14="http://schemas.microsoft.com/office/powerpoint/2010/main" val="124884"/>
+      </p:ext>
+    </p:extLst>
+  </p:cSld>
+  <p:clrMapOvr>
+    <a:masterClrMapping/>
+  </p:clrMapOvr>
+  <p:timing>
+    <p:tnLst>
+      <p:par>
+        <p:cTn id="1" dur="indefinite" restart="never" nodeType="tmRoot"/>
+      </p:par>
+    </p:tnLst>
+  </p:timing>
+</p:sld>
+</file>
+
+<file path=ppt/slides/slide23.xml><?xml version="1.0" encoding="utf-8"?>
+<p:sld xmlns:a="http://schemas.openxmlformats.org/drawingml/2006/main" xmlns:r="http://schemas.openxmlformats.org/officeDocument/2006/relationships" xmlns:p="http://schemas.openxmlformats.org/presentationml/2006/main">
+  <p:cSld>
+    <p:spTree>
+      <p:nvGrpSpPr>
+        <p:cNvPr id="1" name=""/>
+        <p:cNvGrpSpPr/>
+        <p:nvPr/>
+      </p:nvGrpSpPr>
+      <p:grpSpPr>
+        <a:xfrm>
+          <a:off x="0" y="0"/>
+          <a:ext cx="0" cy="0"/>
+          <a:chOff x="0" y="0"/>
+          <a:chExt cx="0" cy="0"/>
+        </a:xfrm>
+      </p:grpSpPr>
+      <p:pic>
+        <p:nvPicPr>
+          <p:cNvPr id="4" name="内容占位符 3"/>
+          <p:cNvPicPr>
+            <a:picLocks noGrp="1" noChangeAspect="1"/>
+          </p:cNvPicPr>
+          <p:nvPr>
+            <p:ph idx="1"/>
+          </p:nvPr>
+        </p:nvPicPr>
+        <p:blipFill>
+          <a:blip r:embed="rId2">
+            <a:extLst>
+              <a:ext uri="{28A0092B-C50C-407E-A947-70E740481C1C}">
+                <a14:useLocalDpi xmlns:a14="http://schemas.microsoft.com/office/drawing/2010/main" val="0"/>
+              </a:ext>
+            </a:extLst>
+          </a:blip>
+          <a:stretch>
+            <a:fillRect/>
+          </a:stretch>
+        </p:blipFill>
+        <p:spPr>
+          <a:xfrm>
+            <a:off x="107504" y="1268760"/>
+            <a:ext cx="8965527" cy="5400600"/>
+          </a:xfrm>
+        </p:spPr>
+      </p:pic>
+      <p:sp>
+        <p:nvSpPr>
+          <p:cNvPr id="3" name="标题 2"/>
+          <p:cNvSpPr>
+            <a:spLocks noGrp="1"/>
+          </p:cNvSpPr>
+          <p:nvPr>
+            <p:ph type="title"/>
+          </p:nvPr>
+        </p:nvSpPr>
+        <p:spPr/>
+        <p:txBody>
+          <a:bodyPr>
+            <a:normAutofit fontScale="90000"/>
+          </a:bodyPr>
+          <a:lstStyle/>
+          <a:p>
+            <a:r>
+              <a:rPr lang="zh-CN" altLang="en-US" dirty="0" smtClean="0"/>
+              <a:t>场景：主题分支与合并</a:t>
+            </a:r>
+            <a:r>
+              <a:rPr lang="en-US" altLang="zh-CN" dirty="0" smtClean="0"/>
+              <a:t>3(</a:t>
+            </a:r>
+            <a:r>
+              <a:rPr lang="en-US" altLang="zh-CN" dirty="0" err="1" smtClean="0"/>
+              <a:t>git</a:t>
+            </a:r>
+            <a:r>
+              <a:rPr lang="en-US" altLang="zh-CN" dirty="0" smtClean="0"/>
+              <a:t> rebase)</a:t>
+            </a:r>
+            <a:endParaRPr lang="zh-CN" altLang="en-US" dirty="0"/>
+          </a:p>
+        </p:txBody>
+      </p:sp>
+    </p:spTree>
+    <p:extLst>
+      <p:ext uri="{BB962C8B-B14F-4D97-AF65-F5344CB8AC3E}">
+        <p14:creationId xmlns:p14="http://schemas.microsoft.com/office/powerpoint/2010/main" val="3206441254"/>
+      </p:ext>
+    </p:extLst>
+  </p:cSld>
+  <p:clrMapOvr>
+    <a:masterClrMapping/>
+  </p:clrMapOvr>
+  <p:timing>
+    <p:tnLst>
+      <p:par>
+        <p:cTn id="1" dur="indefinite" restart="never" nodeType="tmRoot"/>
+      </p:par>
+    </p:tnLst>
+  </p:timing>
+</p:sld>
+</file>
+
+<file path=ppt/slides/slide24.xml><?xml version="1.0" encoding="utf-8"?>
+<p:sld xmlns:a="http://schemas.openxmlformats.org/drawingml/2006/main" xmlns:r="http://schemas.openxmlformats.org/officeDocument/2006/relationships" xmlns:p="http://schemas.openxmlformats.org/presentationml/2006/main">
+  <p:cSld>
+    <p:spTree>
+      <p:nvGrpSpPr>
+        <p:cNvPr id="1" name=""/>
+        <p:cNvGrpSpPr/>
+        <p:nvPr/>
+      </p:nvGrpSpPr>
+      <p:grpSpPr>
+        <a:xfrm>
+          <a:off x="0" y="0"/>
+          <a:ext cx="0" cy="0"/>
+          <a:chOff x="0" y="0"/>
+          <a:chExt cx="0" cy="0"/>
+        </a:xfrm>
+      </p:grpSpPr>
+      <p:pic>
+        <p:nvPicPr>
+          <p:cNvPr id="4" name="内容占位符 3"/>
+          <p:cNvPicPr>
+            <a:picLocks noGrp="1" noChangeAspect="1"/>
+          </p:cNvPicPr>
+          <p:nvPr>
+            <p:ph idx="1"/>
+          </p:nvPr>
+        </p:nvPicPr>
+        <p:blipFill>
+          <a:blip r:embed="rId2">
+            <a:extLst>
+              <a:ext uri="{28A0092B-C50C-407E-A947-70E740481C1C}">
+                <a14:useLocalDpi xmlns:a14="http://schemas.microsoft.com/office/drawing/2010/main" val="0"/>
+              </a:ext>
+            </a:extLst>
+          </a:blip>
+          <a:stretch>
+            <a:fillRect/>
+          </a:stretch>
+        </p:blipFill>
+        <p:spPr>
+          <a:xfrm>
+            <a:off x="395536" y="1154819"/>
+            <a:ext cx="8136904" cy="5730565"/>
+          </a:xfrm>
+        </p:spPr>
+      </p:pic>
+      <p:sp>
+        <p:nvSpPr>
+          <p:cNvPr id="3" name="标题 2"/>
+          <p:cNvSpPr>
+            <a:spLocks noGrp="1"/>
+          </p:cNvSpPr>
+          <p:nvPr>
+            <p:ph type="title"/>
+          </p:nvPr>
+        </p:nvSpPr>
+        <p:spPr/>
+        <p:txBody>
+          <a:bodyPr/>
+          <a:lstStyle/>
+          <a:p>
+            <a:r>
+              <a:rPr lang="zh-CN" altLang="en-US" dirty="0" smtClean="0"/>
+              <a:t>场景</a:t>
+            </a:r>
+            <a:r>
+              <a:rPr lang="en-US" altLang="zh-CN" dirty="0" smtClean="0"/>
+              <a:t>: hotfix</a:t>
+            </a:r>
+            <a:r>
+              <a:rPr lang="zh-CN" altLang="en-US" dirty="0" smtClean="0"/>
+              <a:t>合并</a:t>
+            </a:r>
+            <a:endParaRPr lang="zh-CN" altLang="en-US" dirty="0"/>
+          </a:p>
+        </p:txBody>
+      </p:sp>
+    </p:spTree>
+    <p:extLst>
+      <p:ext uri="{BB962C8B-B14F-4D97-AF65-F5344CB8AC3E}">
+        <p14:creationId xmlns:p14="http://schemas.microsoft.com/office/powerpoint/2010/main" val="3295632815"/>
+      </p:ext>
+    </p:extLst>
+  </p:cSld>
+  <p:clrMapOvr>
+    <a:masterClrMapping/>
+  </p:clrMapOvr>
+  <p:timing>
+    <p:tnLst>
+      <p:par>
+        <p:cTn id="1" dur="indefinite" restart="never" nodeType="tmRoot"/>
+      </p:par>
+    </p:tnLst>
+  </p:timing>
+</p:sld>
+</file>
+
+<file path=ppt/slides/slide25.xml><?xml version="1.0" encoding="utf-8"?>
+<p:sld xmlns:a="http://schemas.openxmlformats.org/drawingml/2006/main" xmlns:r="http://schemas.openxmlformats.org/officeDocument/2006/relationships" xmlns:p="http://schemas.openxmlformats.org/presentationml/2006/main">
+  <p:cSld>
+    <p:spTree>
+      <p:nvGrpSpPr>
+        <p:cNvPr id="1" name=""/>
+        <p:cNvGrpSpPr/>
+        <p:nvPr/>
+      </p:nvGrpSpPr>
+      <p:grpSpPr>
+        <a:xfrm>
+          <a:off x="0" y="0"/>
+          <a:ext cx="0" cy="0"/>
+          <a:chOff x="0" y="0"/>
+          <a:chExt cx="0" cy="0"/>
+        </a:xfrm>
+      </p:grpSpPr>
       <p:sp>
         <p:nvSpPr>
           <p:cNvPr id="22" name="内容占位符 21"/>
@@ -7202,7 +7629,7 @@
 </p:sld>
 </file>
 
-<file path=ppt/slides/slide22.xml><?xml version="1.0" encoding="utf-8"?>
+<file path=ppt/slides/slide26.xml><?xml version="1.0" encoding="utf-8"?>
 <p:sld xmlns:a="http://schemas.openxmlformats.org/drawingml/2006/main" xmlns:r="http://schemas.openxmlformats.org/officeDocument/2006/relationships" xmlns:p="http://schemas.openxmlformats.org/presentationml/2006/main">
   <p:cSld>
     <p:spTree>
@@ -7603,7 +8030,9 @@
         </p:nvSpPr>
         <p:spPr/>
         <p:txBody>
-          <a:bodyPr/>
+          <a:bodyPr>
+            <a:normAutofit fontScale="90000"/>
+          </a:bodyPr>
           <a:lstStyle/>
           <a:p>
             <a:r>
@@ -7620,7 +8049,11 @@
             </a:r>
             <a:r>
               <a:rPr lang="en-US" altLang="zh-CN" dirty="0" smtClean="0"/>
-              <a:t> reset)</a:t>
+              <a:t> </a:t>
+            </a:r>
+            <a:r>
+              <a:rPr lang="en-US" altLang="zh-CN" dirty="0" smtClean="0"/>
+              <a:t>reset --soft)</a:t>
             </a:r>
             <a:endParaRPr lang="zh-CN" altLang="en-US" dirty="0"/>
           </a:p>
@@ -7646,7 +8079,7 @@
 </p:sld>
 </file>
 
-<file path=ppt/slides/slide23.xml><?xml version="1.0" encoding="utf-8"?>
+<file path=ppt/slides/slide27.xml><?xml version="1.0" encoding="utf-8"?>
 <p:sld xmlns:a="http://schemas.openxmlformats.org/drawingml/2006/main" xmlns:r="http://schemas.openxmlformats.org/officeDocument/2006/relationships" xmlns:p="http://schemas.openxmlformats.org/presentationml/2006/main">
   <p:cSld>
     <p:spTree>
@@ -8055,6 +8488,13 @@
   <p:clrMapOvr>
     <a:masterClrMapping/>
   </p:clrMapOvr>
+  <p:timing>
+    <p:tnLst>
+      <p:par>
+        <p:cTn id="1" dur="indefinite" restart="never" nodeType="tmRoot"/>
+      </p:par>
+    </p:tnLst>
+  </p:timing>
 </p:sld>
 </file>
 

--- a/ppt/Git.pptx
+++ b/ppt/Git.pptx
@@ -6,32 +6,40 @@
   </p:sldMasterIdLst>
   <p:sldIdLst>
     <p:sldId id="256" r:id="rId2"/>
-    <p:sldId id="272" r:id="rId3"/>
-    <p:sldId id="257" r:id="rId4"/>
-    <p:sldId id="258" r:id="rId5"/>
-    <p:sldId id="259" r:id="rId6"/>
-    <p:sldId id="263" r:id="rId7"/>
-    <p:sldId id="264" r:id="rId8"/>
-    <p:sldId id="265" r:id="rId9"/>
-    <p:sldId id="260" r:id="rId10"/>
-    <p:sldId id="266" r:id="rId11"/>
-    <p:sldId id="267" r:id="rId12"/>
-    <p:sldId id="261" r:id="rId13"/>
-    <p:sldId id="262" r:id="rId14"/>
-    <p:sldId id="268" r:id="rId15"/>
-    <p:sldId id="269" r:id="rId16"/>
-    <p:sldId id="274" r:id="rId17"/>
-    <p:sldId id="270" r:id="rId18"/>
-    <p:sldId id="271" r:id="rId19"/>
-    <p:sldId id="273" r:id="rId20"/>
-    <p:sldId id="275" r:id="rId21"/>
-    <p:sldId id="279" r:id="rId22"/>
-    <p:sldId id="280" r:id="rId23"/>
-    <p:sldId id="281" r:id="rId24"/>
-    <p:sldId id="282" r:id="rId25"/>
-    <p:sldId id="276" r:id="rId26"/>
-    <p:sldId id="277" r:id="rId27"/>
-    <p:sldId id="278" r:id="rId28"/>
+    <p:sldId id="287" r:id="rId3"/>
+    <p:sldId id="288" r:id="rId4"/>
+    <p:sldId id="272" r:id="rId5"/>
+    <p:sldId id="283" r:id="rId6"/>
+    <p:sldId id="284" r:id="rId7"/>
+    <p:sldId id="285" r:id="rId8"/>
+    <p:sldId id="286" r:id="rId9"/>
+    <p:sldId id="290" r:id="rId10"/>
+    <p:sldId id="291" r:id="rId11"/>
+    <p:sldId id="294" r:id="rId12"/>
+    <p:sldId id="292" r:id="rId13"/>
+    <p:sldId id="257" r:id="rId14"/>
+    <p:sldId id="258" r:id="rId15"/>
+    <p:sldId id="259" r:id="rId16"/>
+    <p:sldId id="263" r:id="rId17"/>
+    <p:sldId id="264" r:id="rId18"/>
+    <p:sldId id="265" r:id="rId19"/>
+    <p:sldId id="260" r:id="rId20"/>
+    <p:sldId id="266" r:id="rId21"/>
+    <p:sldId id="267" r:id="rId22"/>
+    <p:sldId id="261" r:id="rId23"/>
+    <p:sldId id="262" r:id="rId24"/>
+    <p:sldId id="268" r:id="rId25"/>
+    <p:sldId id="269" r:id="rId26"/>
+    <p:sldId id="274" r:id="rId27"/>
+    <p:sldId id="270" r:id="rId28"/>
+    <p:sldId id="271" r:id="rId29"/>
+    <p:sldId id="273" r:id="rId30"/>
+    <p:sldId id="281" r:id="rId31"/>
+    <p:sldId id="282" r:id="rId32"/>
+    <p:sldId id="276" r:id="rId33"/>
+    <p:sldId id="277" r:id="rId34"/>
+    <p:sldId id="278" r:id="rId35"/>
+    <p:sldId id="289" r:id="rId36"/>
   </p:sldIdLst>
   <p:sldSz cx="9144000" cy="6858000" type="screen4x3"/>
   <p:notesSz cx="6858000" cy="9144000"/>
@@ -136,7 +144,17 @@
         <p14:section name="默认节" id="{8F654347-E504-40AB-997A-8129A3429E00}">
           <p14:sldIdLst>
             <p14:sldId id="256"/>
+            <p14:sldId id="287"/>
+            <p14:sldId id="288"/>
             <p14:sldId id="272"/>
+            <p14:sldId id="283"/>
+            <p14:sldId id="284"/>
+            <p14:sldId id="285"/>
+            <p14:sldId id="286"/>
+            <p14:sldId id="290"/>
+            <p14:sldId id="291"/>
+            <p14:sldId id="294"/>
+            <p14:sldId id="292"/>
             <p14:sldId id="257"/>
             <p14:sldId id="258"/>
             <p14:sldId id="259"/>
@@ -154,14 +172,12 @@
             <p14:sldId id="270"/>
             <p14:sldId id="271"/>
             <p14:sldId id="273"/>
-            <p14:sldId id="275"/>
-            <p14:sldId id="279"/>
-            <p14:sldId id="280"/>
             <p14:sldId id="281"/>
             <p14:sldId id="282"/>
             <p14:sldId id="276"/>
             <p14:sldId id="277"/>
             <p14:sldId id="278"/>
+            <p14:sldId id="289"/>
           </p14:sldIdLst>
         </p14:section>
       </p14:sectionLst>
@@ -795,7 +811,7 @@
           <a:p>
             <a:fld id="{552B59B4-7C25-4F23-85F3-407D74B5C84A}" type="datetimeFigureOut">
               <a:rPr lang="zh-CN" altLang="en-US" smtClean="0"/>
-              <a:t>2012/10/23</a:t>
+              <a:t>2012/10/24</a:t>
             </a:fld>
             <a:endParaRPr lang="zh-CN" altLang="en-US"/>
           </a:p>
@@ -991,7 +1007,7 @@
           <a:p>
             <a:fld id="{552B59B4-7C25-4F23-85F3-407D74B5C84A}" type="datetimeFigureOut">
               <a:rPr lang="zh-CN" altLang="en-US" smtClean="0"/>
-              <a:t>2012/10/23</a:t>
+              <a:t>2012/10/24</a:t>
             </a:fld>
             <a:endParaRPr lang="zh-CN" altLang="en-US"/>
           </a:p>
@@ -1176,7 +1192,7 @@
           <a:p>
             <a:fld id="{552B59B4-7C25-4F23-85F3-407D74B5C84A}" type="datetimeFigureOut">
               <a:rPr lang="zh-CN" altLang="en-US" smtClean="0"/>
-              <a:t>2012/10/23</a:t>
+              <a:t>2012/10/24</a:t>
             </a:fld>
             <a:endParaRPr lang="zh-CN" altLang="en-US"/>
           </a:p>
@@ -1326,7 +1342,7 @@
           <a:p>
             <a:fld id="{552B59B4-7C25-4F23-85F3-407D74B5C84A}" type="datetimeFigureOut">
               <a:rPr lang="zh-CN" altLang="en-US" smtClean="0"/>
-              <a:t>2012/10/23</a:t>
+              <a:t>2012/10/24</a:t>
             </a:fld>
             <a:endParaRPr lang="zh-CN" altLang="en-US"/>
           </a:p>
@@ -1576,7 +1592,7 @@
           <a:p>
             <a:fld id="{552B59B4-7C25-4F23-85F3-407D74B5C84A}" type="datetimeFigureOut">
               <a:rPr lang="zh-CN" altLang="en-US" smtClean="0"/>
-              <a:t>2012/10/23</a:t>
+              <a:t>2012/10/24</a:t>
             </a:fld>
             <a:endParaRPr lang="zh-CN" altLang="en-US"/>
           </a:p>
@@ -1980,7 +1996,7 @@
           <a:p>
             <a:fld id="{552B59B4-7C25-4F23-85F3-407D74B5C84A}" type="datetimeFigureOut">
               <a:rPr lang="zh-CN" altLang="en-US" smtClean="0"/>
-              <a:t>2012/10/23</a:t>
+              <a:t>2012/10/24</a:t>
             </a:fld>
             <a:endParaRPr lang="zh-CN" altLang="en-US"/>
           </a:p>
@@ -2421,7 +2437,7 @@
           <a:p>
             <a:fld id="{552B59B4-7C25-4F23-85F3-407D74B5C84A}" type="datetimeFigureOut">
               <a:rPr lang="zh-CN" altLang="en-US" smtClean="0"/>
-              <a:t>2012/10/23</a:t>
+              <a:t>2012/10/24</a:t>
             </a:fld>
             <a:endParaRPr lang="zh-CN" altLang="en-US"/>
           </a:p>
@@ -2517,7 +2533,7 @@
           <a:p>
             <a:fld id="{552B59B4-7C25-4F23-85F3-407D74B5C84A}" type="datetimeFigureOut">
               <a:rPr lang="zh-CN" altLang="en-US" smtClean="0"/>
-              <a:t>2012/10/23</a:t>
+              <a:t>2012/10/24</a:t>
             </a:fld>
             <a:endParaRPr lang="zh-CN" altLang="en-US"/>
           </a:p>
@@ -2638,7 +2654,7 @@
           <a:p>
             <a:fld id="{552B59B4-7C25-4F23-85F3-407D74B5C84A}" type="datetimeFigureOut">
               <a:rPr lang="zh-CN" altLang="en-US" smtClean="0"/>
-              <a:t>2012/10/23</a:t>
+              <a:t>2012/10/24</a:t>
             </a:fld>
             <a:endParaRPr lang="zh-CN" altLang="en-US"/>
           </a:p>
@@ -2907,7 +2923,7 @@
           <a:p>
             <a:fld id="{552B59B4-7C25-4F23-85F3-407D74B5C84A}" type="datetimeFigureOut">
               <a:rPr lang="zh-CN" altLang="en-US" smtClean="0"/>
-              <a:t>2012/10/23</a:t>
+              <a:t>2012/10/24</a:t>
             </a:fld>
             <a:endParaRPr lang="zh-CN" altLang="en-US"/>
           </a:p>
@@ -3107,7 +3123,7 @@
           <a:p>
             <a:fld id="{552B59B4-7C25-4F23-85F3-407D74B5C84A}" type="datetimeFigureOut">
               <a:rPr lang="zh-CN" altLang="en-US" smtClean="0"/>
-              <a:t>2012/10/23</a:t>
+              <a:t>2012/10/24</a:t>
             </a:fld>
             <a:endParaRPr lang="zh-CN" altLang="en-US"/>
           </a:p>
@@ -4216,7 +4232,7 @@
           <a:p>
             <a:fld id="{552B59B4-7C25-4F23-85F3-407D74B5C84A}" type="datetimeFigureOut">
               <a:rPr lang="zh-CN" altLang="en-US" smtClean="0"/>
-              <a:t>2012/10/23</a:t>
+              <a:t>2012/10/24</a:t>
             </a:fld>
             <a:endParaRPr lang="zh-CN" altLang="en-US"/>
           </a:p>
@@ -4703,12 +4719,12 @@
       </p:grpSpPr>
       <p:sp>
         <p:nvSpPr>
-          <p:cNvPr id="2" name="内容占位符 1"/>
+          <p:cNvPr id="4" name="标题 3"/>
           <p:cNvSpPr>
             <a:spLocks noGrp="1"/>
           </p:cNvSpPr>
           <p:nvPr>
-            <p:ph idx="1"/>
+            <p:ph type="title"/>
           </p:nvPr>
         </p:nvSpPr>
         <p:spPr/>
@@ -4717,101 +4733,68 @@
           <a:lstStyle/>
           <a:p>
             <a:r>
-              <a:rPr lang="en-US" altLang="zh-CN" dirty="0" smtClean="0"/>
-              <a:t>Info = </a:t>
+              <a:rPr lang="zh-CN" altLang="en-US" dirty="0" smtClean="0"/>
+              <a:t>场景</a:t>
+            </a:r>
+            <a:r>
+              <a:rPr lang="en-US" altLang="zh-CN" dirty="0" smtClean="0"/>
+              <a:t>: </a:t>
+            </a:r>
+            <a:r>
+              <a:rPr lang="zh-CN" altLang="en-US" dirty="0" smtClean="0"/>
+              <a:t>主题分支与合并</a:t>
+            </a:r>
+            <a:r>
+              <a:rPr lang="en-US" altLang="zh-CN" dirty="0" smtClean="0"/>
+              <a:t>1(</a:t>
             </a:r>
             <a:r>
               <a:rPr lang="en-US" altLang="zh-CN" dirty="0" err="1" smtClean="0"/>
-              <a:t>TreeId+ParentId+Author+Committer+TimeStamp+Commit</a:t>
-            </a:r>
-            <a:r>
-              <a:rPr lang="en-US" altLang="zh-CN" dirty="0" smtClean="0"/>
-              <a:t> Message</a:t>
-            </a:r>
-          </a:p>
-          <a:p>
-            <a:r>
-              <a:rPr lang="en-US" altLang="zh-CN" dirty="0" smtClean="0"/>
-              <a:t>Sha1(“commit “+</a:t>
-            </a:r>
-            <a:r>
-              <a:rPr lang="en-US" altLang="zh-CN" dirty="0" err="1" smtClean="0"/>
-              <a:t>Info.size</a:t>
-            </a:r>
-            <a:r>
-              <a:rPr lang="en-US" altLang="zh-CN" dirty="0" smtClean="0"/>
-              <a:t>()</a:t>
-            </a:r>
-            <a:r>
-              <a:rPr lang="zh-CN" altLang="en-US" dirty="0" smtClean="0"/>
-              <a:t>＋</a:t>
-            </a:r>
-            <a:r>
-              <a:rPr lang="en-US" altLang="zh-CN" dirty="0" smtClean="0"/>
-              <a:t>”\0”+Info)</a:t>
-            </a:r>
-          </a:p>
-          <a:p>
-            <a:r>
-              <a:rPr lang="zh-CN" altLang="en-US" dirty="0" smtClean="0"/>
-              <a:t>即使</a:t>
-            </a:r>
-            <a:r>
-              <a:rPr lang="en-US" altLang="zh-CN" dirty="0" smtClean="0"/>
-              <a:t>Tree Object</a:t>
-            </a:r>
-            <a:r>
-              <a:rPr lang="zh-CN" altLang="en-US" dirty="0" smtClean="0"/>
-              <a:t>没有变化，但是时间戳或者</a:t>
-            </a:r>
-            <a:r>
-              <a:rPr lang="en-US" altLang="zh-CN" dirty="0" smtClean="0"/>
-              <a:t>Message</a:t>
-            </a:r>
-            <a:r>
-              <a:rPr lang="zh-CN" altLang="en-US" dirty="0" smtClean="0"/>
-              <a:t>内容发生变化，也会生成一个完全不同的</a:t>
-            </a:r>
-            <a:r>
-              <a:rPr lang="en-US" altLang="zh-CN" dirty="0" smtClean="0"/>
-              <a:t>Commit Object</a:t>
-            </a:r>
-            <a:r>
-              <a:rPr lang="zh-CN" altLang="en-US" dirty="0" smtClean="0"/>
-              <a:t>对象</a:t>
+              <a:t>git</a:t>
+            </a:r>
+            <a:r>
+              <a:rPr lang="en-US" altLang="zh-CN" dirty="0" smtClean="0"/>
+              <a:t> merge)</a:t>
             </a:r>
             <a:endParaRPr lang="zh-CN" altLang="en-US" dirty="0"/>
           </a:p>
         </p:txBody>
       </p:sp>
-      <p:sp>
-        <p:nvSpPr>
-          <p:cNvPr id="3" name="标题 2"/>
-          <p:cNvSpPr>
-            <a:spLocks noGrp="1"/>
-          </p:cNvSpPr>
-          <p:nvPr>
-            <p:ph type="title"/>
-          </p:nvPr>
-        </p:nvSpPr>
-        <p:spPr/>
-        <p:txBody>
-          <a:bodyPr/>
-          <a:lstStyle/>
-          <a:p>
-            <a:r>
-              <a:rPr lang="en-US" altLang="zh-CN" dirty="0" smtClean="0"/>
-              <a:t>Commit Object</a:t>
-            </a:r>
-            <a:r>
-              <a:rPr lang="zh-CN" altLang="en-US" dirty="0" smtClean="0"/>
-              <a:t>包含的信息</a:t>
-            </a:r>
-            <a:endParaRPr lang="zh-CN" altLang="en-US" dirty="0"/>
-          </a:p>
-        </p:txBody>
-      </p:sp>
+      <p:pic>
+        <p:nvPicPr>
+          <p:cNvPr id="3" name="内容占位符 2"/>
+          <p:cNvPicPr>
+            <a:picLocks noGrp="1" noChangeAspect="1"/>
+          </p:cNvPicPr>
+          <p:nvPr>
+            <p:ph idx="1"/>
+          </p:nvPr>
+        </p:nvPicPr>
+        <p:blipFill>
+          <a:blip r:embed="rId2">
+            <a:extLst>
+              <a:ext uri="{28A0092B-C50C-407E-A947-70E740481C1C}">
+                <a14:useLocalDpi xmlns:a14="http://schemas.microsoft.com/office/drawing/2010/main" val="0"/>
+              </a:ext>
+            </a:extLst>
+          </a:blip>
+          <a:stretch>
+            <a:fillRect/>
+          </a:stretch>
+        </p:blipFill>
+        <p:spPr>
+          <a:xfrm>
+            <a:off x="539552" y="1484783"/>
+            <a:ext cx="8208912" cy="5123293"/>
+          </a:xfrm>
+        </p:spPr>
+      </p:pic>
     </p:spTree>
+    <p:extLst>
+      <p:ext uri="{BB962C8B-B14F-4D97-AF65-F5344CB8AC3E}">
+        <p14:creationId xmlns:p14="http://schemas.microsoft.com/office/powerpoint/2010/main" val="3842646310"/>
+      </p:ext>
+    </p:extLst>
   </p:cSld>
   <p:clrMapOvr>
     <a:masterClrMapping/>
@@ -4845,7 +4828,7 @@
       </p:grpSpPr>
       <p:pic>
         <p:nvPicPr>
-          <p:cNvPr id="4" name="内容占位符 3" descr="commit.png"/>
+          <p:cNvPr id="4" name="内容占位符 3"/>
           <p:cNvPicPr>
             <a:picLocks noGrp="1" noChangeAspect="1"/>
           </p:cNvPicPr>
@@ -4854,15 +4837,21 @@
           </p:nvPr>
         </p:nvPicPr>
         <p:blipFill>
-          <a:blip r:embed="rId2" cstate="print"/>
+          <a:blip r:embed="rId2">
+            <a:extLst>
+              <a:ext uri="{28A0092B-C50C-407E-A947-70E740481C1C}">
+                <a14:useLocalDpi xmlns:a14="http://schemas.microsoft.com/office/drawing/2010/main" val="0"/>
+              </a:ext>
+            </a:extLst>
+          </a:blip>
           <a:stretch>
             <a:fillRect/>
           </a:stretch>
         </p:blipFill>
         <p:spPr>
           <a:xfrm>
-            <a:off x="1259632" y="1124744"/>
-            <a:ext cx="7056784" cy="5052658"/>
+            <a:off x="395536" y="1104685"/>
+            <a:ext cx="8208912" cy="5753315"/>
           </a:xfrm>
         </p:spPr>
       </p:pic>
@@ -4882,18 +4871,27 @@
           <a:lstStyle/>
           <a:p>
             <a:r>
-              <a:rPr lang="en-US" altLang="zh-CN" dirty="0" smtClean="0"/>
-              <a:t>Commit, Tree, Blob</a:t>
-            </a:r>
-            <a:r>
-              <a:rPr lang="zh-CN" altLang="en-US" dirty="0" smtClean="0"/>
-              <a:t>之间的关系</a:t>
+              <a:rPr lang="zh-CN" altLang="en-US" dirty="0" smtClean="0"/>
+              <a:t>快进</a:t>
+            </a:r>
+            <a:r>
+              <a:rPr lang="en-US" altLang="zh-CN" dirty="0" smtClean="0"/>
+              <a:t>(fast-forward)</a:t>
+            </a:r>
+            <a:r>
+              <a:rPr lang="zh-CN" altLang="en-US" dirty="0" smtClean="0"/>
+              <a:t>与非快进</a:t>
             </a:r>
             <a:endParaRPr lang="zh-CN" altLang="en-US" dirty="0"/>
           </a:p>
         </p:txBody>
       </p:sp>
     </p:spTree>
+    <p:extLst>
+      <p:ext uri="{BB962C8B-B14F-4D97-AF65-F5344CB8AC3E}">
+        <p14:creationId xmlns:p14="http://schemas.microsoft.com/office/powerpoint/2010/main" val="2279752883"/>
+      </p:ext>
+    </p:extLst>
   </p:cSld>
   <p:clrMapOvr>
     <a:masterClrMapping/>
@@ -4927,210 +4925,7 @@
       </p:grpSpPr>
       <p:sp>
         <p:nvSpPr>
-          <p:cNvPr id="3" name="内容占位符 2"/>
-          <p:cNvSpPr>
-            <a:spLocks noGrp="1"/>
-          </p:cNvSpPr>
-          <p:nvPr>
-            <p:ph idx="1"/>
-          </p:nvPr>
-        </p:nvSpPr>
-        <p:spPr>
-          <a:xfrm>
-            <a:off x="457200" y="1481328"/>
-            <a:ext cx="8229600" cy="4539960"/>
-          </a:xfrm>
-        </p:spPr>
-        <p:txBody>
-          <a:bodyPr>
-            <a:normAutofit/>
-          </a:bodyPr>
-          <a:lstStyle/>
-          <a:p>
-            <a:r>
-              <a:rPr lang="zh-CN" altLang="en-US" dirty="0" smtClean="0"/>
-              <a:t>所有的</a:t>
-            </a:r>
-            <a:r>
-              <a:rPr lang="en-US" altLang="zh-CN" dirty="0" smtClean="0"/>
-              <a:t>Object</a:t>
-            </a:r>
-            <a:r>
-              <a:rPr lang="zh-CN" altLang="en-US" dirty="0" smtClean="0"/>
-              <a:t>都是不可修改的</a:t>
-            </a:r>
-            <a:r>
-              <a:rPr lang="en-US" altLang="zh-CN" dirty="0" smtClean="0"/>
-              <a:t>(Immutable)</a:t>
-            </a:r>
-          </a:p>
-          <a:p>
-            <a:r>
-              <a:rPr lang="en-US" altLang="zh-CN" dirty="0" smtClean="0"/>
-              <a:t>Object</a:t>
-            </a:r>
-            <a:r>
-              <a:rPr lang="zh-CN" altLang="en-US" dirty="0" smtClean="0"/>
-              <a:t>以</a:t>
-            </a:r>
-            <a:r>
-              <a:rPr lang="en-US" altLang="zh-CN" dirty="0" smtClean="0"/>
-              <a:t>key-value</a:t>
-            </a:r>
-            <a:r>
-              <a:rPr lang="zh-CN" altLang="en-US" dirty="0" smtClean="0"/>
-              <a:t>的形式存储在</a:t>
-            </a:r>
-            <a:r>
-              <a:rPr lang="en-US" altLang="zh-CN" dirty="0" err="1" smtClean="0"/>
-              <a:t>git</a:t>
-            </a:r>
-            <a:r>
-              <a:rPr lang="zh-CN" altLang="en-US" dirty="0" smtClean="0"/>
-              <a:t>库中</a:t>
-            </a:r>
-            <a:endParaRPr lang="en-US" altLang="zh-CN" dirty="0" smtClean="0"/>
-          </a:p>
-          <a:p>
-            <a:r>
-              <a:rPr lang="zh-CN" altLang="en-US" dirty="0" smtClean="0"/>
-              <a:t>一旦</a:t>
-            </a:r>
-            <a:r>
-              <a:rPr lang="en-US" altLang="zh-CN" dirty="0" smtClean="0"/>
-              <a:t>Object</a:t>
-            </a:r>
-            <a:r>
-              <a:rPr lang="zh-CN" altLang="en-US" dirty="0" smtClean="0"/>
-              <a:t>的</a:t>
-            </a:r>
-            <a:r>
-              <a:rPr lang="en-US" altLang="zh-CN" dirty="0" smtClean="0"/>
-              <a:t>Hash</a:t>
-            </a:r>
-            <a:r>
-              <a:rPr lang="zh-CN" altLang="en-US" dirty="0" smtClean="0"/>
-              <a:t>发生变化，就视为一个全新</a:t>
-            </a:r>
-            <a:r>
-              <a:rPr lang="en-US" altLang="zh-CN" dirty="0" smtClean="0"/>
-              <a:t>Object</a:t>
-            </a:r>
-            <a:r>
-              <a:rPr lang="zh-CN" altLang="en-US" dirty="0" smtClean="0"/>
-              <a:t>，不同于</a:t>
-            </a:r>
-            <a:r>
-              <a:rPr lang="en-US" altLang="zh-CN" dirty="0" smtClean="0"/>
-              <a:t>SVN</a:t>
-            </a:r>
-            <a:r>
-              <a:rPr lang="zh-CN" altLang="en-US" dirty="0" smtClean="0"/>
-              <a:t>的存储文件之间的差异</a:t>
-            </a:r>
-            <a:endParaRPr lang="en-US" altLang="zh-CN" dirty="0" smtClean="0"/>
-          </a:p>
-          <a:p>
-            <a:r>
-              <a:rPr lang="en-US" altLang="zh-CN" dirty="0" smtClean="0"/>
-              <a:t>Blob Object</a:t>
-            </a:r>
-            <a:r>
-              <a:rPr lang="zh-CN" altLang="en-US" dirty="0" smtClean="0">
-                <a:solidFill>
-                  <a:srgbClr val="FF0000"/>
-                </a:solidFill>
-              </a:rPr>
-              <a:t>不包含</a:t>
-            </a:r>
-            <a:r>
-              <a:rPr lang="zh-CN" altLang="en-US" dirty="0" smtClean="0"/>
-              <a:t>任何文件名和目录结构信息。</a:t>
-            </a:r>
-            <a:endParaRPr lang="en-US" altLang="zh-CN" dirty="0" smtClean="0"/>
-          </a:p>
-          <a:p>
-            <a:r>
-              <a:rPr lang="en-US" altLang="zh-CN" dirty="0" smtClean="0"/>
-              <a:t>Tree Object</a:t>
-            </a:r>
-            <a:r>
-              <a:rPr lang="zh-CN" altLang="en-US" dirty="0" smtClean="0"/>
-              <a:t>存储目录结构和文件名，权限等信息。</a:t>
-            </a:r>
-            <a:endParaRPr lang="en-US" altLang="zh-CN" dirty="0" smtClean="0"/>
-          </a:p>
-          <a:p>
-            <a:r>
-              <a:rPr lang="en-US" altLang="zh-CN" dirty="0" smtClean="0"/>
-              <a:t>Tree Object</a:t>
-            </a:r>
-            <a:r>
-              <a:rPr lang="zh-CN" altLang="en-US" dirty="0" smtClean="0"/>
-              <a:t>先在</a:t>
-            </a:r>
-            <a:r>
-              <a:rPr lang="zh-CN" altLang="en-US" dirty="0" smtClean="0">
-                <a:solidFill>
-                  <a:srgbClr val="FF0000"/>
-                </a:solidFill>
-              </a:rPr>
-              <a:t>暂存区</a:t>
-            </a:r>
-            <a:r>
-              <a:rPr lang="en-US" altLang="zh-CN" dirty="0" smtClean="0"/>
-              <a:t>(index)</a:t>
-            </a:r>
-            <a:r>
-              <a:rPr lang="zh-CN" altLang="en-US" dirty="0" smtClean="0"/>
-              <a:t>上创建，再写入</a:t>
-            </a:r>
-            <a:r>
-              <a:rPr lang="en-US" altLang="zh-CN" dirty="0" err="1" smtClean="0"/>
-              <a:t>Git</a:t>
-            </a:r>
-            <a:r>
-              <a:rPr lang="zh-CN" altLang="en-US" dirty="0" smtClean="0"/>
-              <a:t>库中</a:t>
-            </a:r>
-            <a:endParaRPr lang="en-US" altLang="zh-CN" dirty="0" smtClean="0"/>
-          </a:p>
-          <a:p>
-            <a:r>
-              <a:rPr lang="en-US" altLang="zh-CN" dirty="0" smtClean="0"/>
-              <a:t>Commit Object</a:t>
-            </a:r>
-            <a:r>
-              <a:rPr lang="zh-CN" altLang="en-US" dirty="0" smtClean="0"/>
-              <a:t>是</a:t>
-            </a:r>
-            <a:r>
-              <a:rPr lang="en-US" altLang="zh-CN" dirty="0" smtClean="0"/>
-              <a:t>Root Tree Object</a:t>
-            </a:r>
-            <a:r>
-              <a:rPr lang="zh-CN" altLang="en-US" dirty="0" smtClean="0"/>
-              <a:t>某个</a:t>
-            </a:r>
-            <a:r>
-              <a:rPr lang="zh-CN" altLang="en-US" dirty="0" smtClean="0">
-                <a:solidFill>
-                  <a:srgbClr val="FF0000"/>
-                </a:solidFill>
-              </a:rPr>
-              <a:t>原子状态</a:t>
-            </a:r>
-            <a:r>
-              <a:rPr lang="zh-CN" altLang="en-US" dirty="0" smtClean="0"/>
-              <a:t>的快照</a:t>
-            </a:r>
-            <a:endParaRPr lang="zh-CN" altLang="en-US" dirty="0"/>
-          </a:p>
-        </p:txBody>
-      </p:sp>
-      <p:sp>
-        <p:nvSpPr>
-          <p:cNvPr id="2" name="标题 1"/>
+          <p:cNvPr id="3" name="标题 2"/>
           <p:cNvSpPr>
             <a:spLocks noGrp="1"/>
           </p:cNvSpPr>
@@ -5141,27 +4936,65 @@
         <p:spPr/>
         <p:txBody>
           <a:bodyPr>
-            <a:normAutofit/>
+            <a:normAutofit fontScale="90000"/>
           </a:bodyPr>
           <a:lstStyle/>
           <a:p>
             <a:r>
+              <a:rPr lang="zh-CN" altLang="en-US" dirty="0" smtClean="0"/>
+              <a:t>场景：主题分支与合并</a:t>
+            </a:r>
+            <a:r>
+              <a:rPr lang="en-US" altLang="zh-CN" dirty="0" smtClean="0"/>
+              <a:t>2(</a:t>
+            </a:r>
+            <a:r>
               <a:rPr lang="en-US" altLang="zh-CN" dirty="0" err="1" smtClean="0"/>
-              <a:t>Git</a:t>
-            </a:r>
-            <a:r>
-              <a:rPr lang="en-US" altLang="zh-CN" dirty="0" smtClean="0"/>
-              <a:t> Object </a:t>
-            </a:r>
-            <a:r>
-              <a:rPr lang="zh-CN" altLang="en-US" dirty="0" smtClean="0"/>
-              <a:t>特性总结</a:t>
+              <a:t>git</a:t>
+            </a:r>
+            <a:r>
+              <a:rPr lang="en-US" altLang="zh-CN" dirty="0" smtClean="0"/>
+              <a:t> cherry-pick)</a:t>
             </a:r>
             <a:endParaRPr lang="zh-CN" altLang="en-US" dirty="0"/>
           </a:p>
         </p:txBody>
       </p:sp>
+      <p:pic>
+        <p:nvPicPr>
+          <p:cNvPr id="5" name="内容占位符 4"/>
+          <p:cNvPicPr>
+            <a:picLocks noGrp="1" noChangeAspect="1"/>
+          </p:cNvPicPr>
+          <p:nvPr>
+            <p:ph idx="1"/>
+          </p:nvPr>
+        </p:nvPicPr>
+        <p:blipFill>
+          <a:blip r:embed="rId2">
+            <a:extLst>
+              <a:ext uri="{28A0092B-C50C-407E-A947-70E740481C1C}">
+                <a14:useLocalDpi xmlns:a14="http://schemas.microsoft.com/office/drawing/2010/main" val="0"/>
+              </a:ext>
+            </a:extLst>
+          </a:blip>
+          <a:stretch>
+            <a:fillRect/>
+          </a:stretch>
+        </p:blipFill>
+        <p:spPr>
+          <a:xfrm>
+            <a:off x="395536" y="1371675"/>
+            <a:ext cx="8136904" cy="5459013"/>
+          </a:xfrm>
+        </p:spPr>
+      </p:pic>
     </p:spTree>
+    <p:extLst>
+      <p:ext uri="{BB962C8B-B14F-4D97-AF65-F5344CB8AC3E}">
+        <p14:creationId xmlns:p14="http://schemas.microsoft.com/office/powerpoint/2010/main" val="2372423880"/>
+      </p:ext>
+    </p:extLst>
   </p:cSld>
   <p:clrMapOvr>
     <a:masterClrMapping/>
@@ -5193,242 +5026,29 @@
           <a:chExt cx="0" cy="0"/>
         </a:xfrm>
       </p:grpSpPr>
-      <p:sp>
-        <p:nvSpPr>
-          <p:cNvPr id="3" name="内容占位符 2"/>
-          <p:cNvSpPr>
-            <a:spLocks noGrp="1"/>
-          </p:cNvSpPr>
+      <p:pic>
+        <p:nvPicPr>
+          <p:cNvPr id="8" name="内容占位符 7" descr="fig-11.png"/>
+          <p:cNvPicPr>
+            <a:picLocks noGrp="1" noChangeAspect="1"/>
+          </p:cNvPicPr>
           <p:nvPr>
             <p:ph idx="1"/>
           </p:nvPr>
-        </p:nvSpPr>
-        <p:spPr/>
-        <p:txBody>
-          <a:bodyPr/>
-          <a:lstStyle/>
-          <a:p>
-            <a:r>
-              <a:rPr lang="zh-CN" altLang="en-US" dirty="0" smtClean="0"/>
-              <a:t>因为</a:t>
-            </a:r>
-            <a:r>
-              <a:rPr lang="en-US" altLang="zh-CN" dirty="0" smtClean="0"/>
-              <a:t>Hash Id</a:t>
-            </a:r>
-            <a:r>
-              <a:rPr lang="zh-CN" altLang="en-US" dirty="0" smtClean="0"/>
-              <a:t>记不住，所以有了引用</a:t>
-            </a:r>
-            <a:endParaRPr lang="en-US" altLang="zh-CN" dirty="0" smtClean="0"/>
-          </a:p>
-          <a:p>
-            <a:pPr>
-              <a:buNone/>
-            </a:pPr>
-            <a:r>
-              <a:rPr lang="en-US" altLang="zh-CN" sz="2000" dirty="0" smtClean="0">
-                <a:solidFill>
-                  <a:srgbClr val="C00000"/>
-                </a:solidFill>
-                <a:latin typeface="Consolas" pitchFamily="49" charset="0"/>
-                <a:cs typeface="Consolas" pitchFamily="49" charset="0"/>
-              </a:rPr>
-              <a:t>$ </a:t>
-            </a:r>
-            <a:r>
-              <a:rPr lang="en-US" altLang="zh-CN" sz="2000" dirty="0" err="1" smtClean="0">
-                <a:solidFill>
-                  <a:srgbClr val="C00000"/>
-                </a:solidFill>
-                <a:latin typeface="Consolas" pitchFamily="49" charset="0"/>
-                <a:cs typeface="Consolas" pitchFamily="49" charset="0"/>
-              </a:rPr>
-              <a:t>git</a:t>
-            </a:r>
-            <a:r>
-              <a:rPr lang="en-US" altLang="zh-CN" sz="2000" dirty="0" smtClean="0">
-                <a:solidFill>
-                  <a:srgbClr val="C00000"/>
-                </a:solidFill>
-                <a:latin typeface="Consolas" pitchFamily="49" charset="0"/>
-                <a:cs typeface="Consolas" pitchFamily="49" charset="0"/>
-              </a:rPr>
-              <a:t> update-ref refs/heads/master &lt;</a:t>
-            </a:r>
-            <a:r>
-              <a:rPr lang="en-US" altLang="zh-CN" sz="2000" dirty="0" err="1" smtClean="0">
-                <a:solidFill>
-                  <a:srgbClr val="C00000"/>
-                </a:solidFill>
-                <a:latin typeface="Consolas" pitchFamily="49" charset="0"/>
-                <a:cs typeface="Consolas" pitchFamily="49" charset="0"/>
-              </a:rPr>
-              <a:t>commit_hash_id</a:t>
-            </a:r>
-            <a:r>
-              <a:rPr lang="en-US" altLang="zh-CN" sz="2000" dirty="0" smtClean="0">
-                <a:solidFill>
-                  <a:srgbClr val="C00000"/>
-                </a:solidFill>
-                <a:latin typeface="Consolas" pitchFamily="49" charset="0"/>
-                <a:cs typeface="Consolas" pitchFamily="49" charset="0"/>
-              </a:rPr>
-              <a:t>&gt;</a:t>
-            </a:r>
-          </a:p>
-          <a:p>
-            <a:r>
-              <a:rPr lang="en-US" altLang="zh-CN" dirty="0" err="1" smtClean="0"/>
-              <a:t>Git</a:t>
-            </a:r>
-            <a:r>
-              <a:rPr lang="en-US" altLang="zh-CN" dirty="0" smtClean="0"/>
-              <a:t> Branch</a:t>
-            </a:r>
-            <a:r>
-              <a:rPr lang="zh-CN" altLang="en-US" dirty="0" smtClean="0"/>
-              <a:t>的本质就是指向某个</a:t>
-            </a:r>
-            <a:r>
-              <a:rPr lang="en-US" altLang="zh-CN" dirty="0" smtClean="0"/>
-              <a:t>Commit Object</a:t>
-            </a:r>
-            <a:r>
-              <a:rPr lang="zh-CN" altLang="en-US" dirty="0" smtClean="0"/>
-              <a:t>的引用</a:t>
-            </a:r>
-            <a:endParaRPr lang="en-US" altLang="zh-CN" dirty="0" smtClean="0"/>
-          </a:p>
-          <a:p>
-            <a:r>
-              <a:rPr lang="zh-CN" altLang="en-US" dirty="0" smtClean="0"/>
-              <a:t>创建一个分支</a:t>
-            </a:r>
-            <a:r>
-              <a:rPr lang="en-US" altLang="zh-CN" dirty="0" smtClean="0"/>
-              <a:t>”test”</a:t>
-            </a:r>
-          </a:p>
-          <a:p>
-            <a:pPr>
-              <a:buNone/>
-            </a:pPr>
-            <a:r>
-              <a:rPr lang="en-US" altLang="zh-CN" sz="2000" dirty="0" smtClean="0">
-                <a:solidFill>
-                  <a:srgbClr val="C00000"/>
-                </a:solidFill>
-                <a:latin typeface="Consolas" pitchFamily="49" charset="0"/>
-                <a:cs typeface="Consolas" pitchFamily="49" charset="0"/>
-              </a:rPr>
-              <a:t>$ </a:t>
-            </a:r>
-            <a:r>
-              <a:rPr lang="en-US" altLang="zh-CN" sz="2000" dirty="0" err="1" smtClean="0">
-                <a:solidFill>
-                  <a:srgbClr val="C00000"/>
-                </a:solidFill>
-                <a:latin typeface="Consolas" pitchFamily="49" charset="0"/>
-                <a:cs typeface="Consolas" pitchFamily="49" charset="0"/>
-              </a:rPr>
-              <a:t>git</a:t>
-            </a:r>
-            <a:r>
-              <a:rPr lang="en-US" altLang="zh-CN" sz="2000" dirty="0" smtClean="0">
-                <a:solidFill>
-                  <a:srgbClr val="C00000"/>
-                </a:solidFill>
-                <a:latin typeface="Consolas" pitchFamily="49" charset="0"/>
-                <a:cs typeface="Consolas" pitchFamily="49" charset="0"/>
-              </a:rPr>
-              <a:t> update-ref refs/heads/test &lt;</a:t>
-            </a:r>
-            <a:r>
-              <a:rPr lang="en-US" altLang="zh-CN" sz="2000" dirty="0" err="1" smtClean="0">
-                <a:solidFill>
-                  <a:srgbClr val="C00000"/>
-                </a:solidFill>
-                <a:latin typeface="Consolas" pitchFamily="49" charset="0"/>
-                <a:cs typeface="Consolas" pitchFamily="49" charset="0"/>
-              </a:rPr>
-              <a:t>commit_hash_id</a:t>
-            </a:r>
-            <a:r>
-              <a:rPr lang="en-US" altLang="zh-CN" sz="2000" dirty="0" smtClean="0">
-                <a:solidFill>
-                  <a:srgbClr val="C00000"/>
-                </a:solidFill>
-                <a:latin typeface="Consolas" pitchFamily="49" charset="0"/>
-                <a:cs typeface="Consolas" pitchFamily="49" charset="0"/>
-              </a:rPr>
-              <a:t>&gt;</a:t>
-            </a:r>
-          </a:p>
-          <a:p>
-            <a:pPr>
-              <a:buNone/>
-            </a:pPr>
-            <a:r>
-              <a:rPr lang="en-US" altLang="zh-CN" sz="2000" dirty="0" smtClean="0">
-                <a:solidFill>
-                  <a:srgbClr val="C00000"/>
-                </a:solidFill>
-                <a:latin typeface="Consolas" pitchFamily="49" charset="0"/>
-                <a:cs typeface="Consolas" pitchFamily="49" charset="0"/>
-              </a:rPr>
-              <a:t>$ </a:t>
-            </a:r>
-            <a:r>
-              <a:rPr lang="en-US" altLang="zh-CN" sz="2000" dirty="0" err="1" smtClean="0">
-                <a:solidFill>
-                  <a:srgbClr val="C00000"/>
-                </a:solidFill>
-                <a:latin typeface="Consolas" pitchFamily="49" charset="0"/>
-                <a:cs typeface="Consolas" pitchFamily="49" charset="0"/>
-              </a:rPr>
-              <a:t>git</a:t>
-            </a:r>
-            <a:r>
-              <a:rPr lang="en-US" altLang="zh-CN" sz="2000" dirty="0" smtClean="0">
-                <a:solidFill>
-                  <a:srgbClr val="C00000"/>
-                </a:solidFill>
-                <a:latin typeface="Consolas" pitchFamily="49" charset="0"/>
-                <a:cs typeface="Consolas" pitchFamily="49" charset="0"/>
-              </a:rPr>
-              <a:t> log --pretty=</a:t>
-            </a:r>
-            <a:r>
-              <a:rPr lang="en-US" altLang="zh-CN" sz="2000" dirty="0" err="1" smtClean="0">
-                <a:solidFill>
-                  <a:srgbClr val="C00000"/>
-                </a:solidFill>
-                <a:latin typeface="Consolas" pitchFamily="49" charset="0"/>
-                <a:cs typeface="Consolas" pitchFamily="49" charset="0"/>
-              </a:rPr>
-              <a:t>oneline</a:t>
-            </a:r>
-            <a:r>
-              <a:rPr lang="en-US" altLang="zh-CN" sz="2000" dirty="0" smtClean="0">
-                <a:solidFill>
-                  <a:srgbClr val="C00000"/>
-                </a:solidFill>
-                <a:latin typeface="Consolas" pitchFamily="49" charset="0"/>
-                <a:cs typeface="Consolas" pitchFamily="49" charset="0"/>
-              </a:rPr>
-              <a:t> test</a:t>
-            </a:r>
-            <a:endParaRPr lang="zh-CN" altLang="en-US" sz="2000" dirty="0" smtClean="0">
-              <a:solidFill>
-                <a:srgbClr val="C00000"/>
-              </a:solidFill>
-              <a:latin typeface="Consolas" pitchFamily="49" charset="0"/>
-              <a:cs typeface="Consolas" pitchFamily="49" charset="0"/>
-            </a:endParaRPr>
-          </a:p>
-        </p:txBody>
-      </p:sp>
+        </p:nvPicPr>
+        <p:blipFill>
+          <a:blip r:embed="rId2" cstate="print"/>
+          <a:stretch>
+            <a:fillRect/>
+          </a:stretch>
+        </p:blipFill>
+        <p:spPr>
+          <a:xfrm>
+            <a:off x="893039" y="1196752"/>
+            <a:ext cx="7639401" cy="4810348"/>
+          </a:xfrm>
+        </p:spPr>
+      </p:pic>
       <p:sp>
         <p:nvSpPr>
           <p:cNvPr id="2" name="标题 1"/>
@@ -5445,10 +5065,20 @@
           <a:lstStyle/>
           <a:p>
             <a:r>
-              <a:rPr lang="en-US" altLang="zh-CN" dirty="0" smtClean="0"/>
-              <a:t>refs</a:t>
-            </a:r>
-            <a:endParaRPr lang="zh-CN" altLang="en-US" dirty="0"/>
+              <a:rPr lang="en-US" altLang="zh-CN" dirty="0" err="1" smtClean="0"/>
+              <a:t>Git</a:t>
+            </a:r>
+            <a:r>
+              <a:rPr lang="zh-CN" altLang="en-US" dirty="0" smtClean="0">
+                <a:latin typeface="黑体" pitchFamily="49" charset="-122"/>
+                <a:ea typeface="黑体" pitchFamily="49" charset="-122"/>
+              </a:rPr>
+              <a:t>系统结构</a:t>
+            </a:r>
+            <a:endParaRPr lang="zh-CN" altLang="en-US" dirty="0">
+              <a:latin typeface="黑体" pitchFamily="49" charset="-122"/>
+              <a:ea typeface="黑体" pitchFamily="49" charset="-122"/>
+            </a:endParaRPr>
           </a:p>
         </p:txBody>
       </p:sp>
@@ -5484,37 +5114,14 @@
           <a:chExt cx="0" cy="0"/>
         </a:xfrm>
       </p:grpSpPr>
-      <p:pic>
-        <p:nvPicPr>
-          <p:cNvPr id="4" name="内容占位符 3" descr="refs.png"/>
-          <p:cNvPicPr>
-            <a:picLocks noGrp="1" noChangeAspect="1"/>
-          </p:cNvPicPr>
-          <p:nvPr>
-            <p:ph idx="1"/>
-          </p:nvPr>
-        </p:nvPicPr>
-        <p:blipFill>
-          <a:blip r:embed="rId2" cstate="print"/>
-          <a:stretch>
-            <a:fillRect/>
-          </a:stretch>
-        </p:blipFill>
-        <p:spPr>
-          <a:xfrm>
-            <a:off x="683567" y="1772816"/>
-            <a:ext cx="7896785" cy="4248472"/>
-          </a:xfrm>
-        </p:spPr>
-      </p:pic>
       <p:sp>
         <p:nvSpPr>
-          <p:cNvPr id="3" name="标题 2"/>
+          <p:cNvPr id="3" name="内容占位符 2"/>
           <p:cNvSpPr>
             <a:spLocks noGrp="1"/>
           </p:cNvSpPr>
           <p:nvPr>
-            <p:ph type="title"/>
+            <p:ph idx="1"/>
           </p:nvPr>
         </p:nvSpPr>
         <p:spPr/>
@@ -5524,15 +5131,229 @@
           <a:p>
             <a:r>
               <a:rPr lang="zh-CN" altLang="en-US" dirty="0" smtClean="0"/>
-              <a:t>添加引用后的</a:t>
+              <a:t>所有文件都存储为</a:t>
+            </a:r>
+            <a:r>
+              <a:rPr lang="en-US" altLang="zh-CN" dirty="0" smtClean="0"/>
+              <a:t>Blob Object</a:t>
+            </a:r>
+            <a:r>
+              <a:rPr lang="zh-CN" altLang="en-US" dirty="0" smtClean="0"/>
+              <a:t>对象</a:t>
+            </a:r>
+            <a:endParaRPr lang="en-US" altLang="zh-CN" dirty="0" smtClean="0"/>
+          </a:p>
+          <a:p>
+            <a:r>
+              <a:rPr lang="zh-CN" altLang="en-US" dirty="0" smtClean="0"/>
+              <a:t>只有文件内容，不包括文件名信息</a:t>
+            </a:r>
+            <a:endParaRPr lang="en-US" altLang="zh-CN" dirty="0" smtClean="0"/>
+          </a:p>
+          <a:p>
+            <a:r>
+              <a:rPr lang="zh-CN" altLang="en-US" dirty="0" smtClean="0"/>
+              <a:t>存储在</a:t>
+            </a:r>
+            <a:r>
+              <a:rPr lang="en-US" altLang="zh-CN" dirty="0" smtClean="0"/>
+              <a:t>.</a:t>
             </a:r>
             <a:r>
               <a:rPr lang="en-US" altLang="zh-CN" dirty="0" err="1" smtClean="0"/>
-              <a:t>Git</a:t>
-            </a:r>
-            <a:r>
-              <a:rPr lang="zh-CN" altLang="en-US" dirty="0" smtClean="0"/>
-              <a:t>库</a:t>
+              <a:t>git</a:t>
+            </a:r>
+            <a:r>
+              <a:rPr lang="en-US" altLang="zh-CN" dirty="0" smtClean="0"/>
+              <a:t>/objects/ </a:t>
+            </a:r>
+            <a:r>
+              <a:rPr lang="zh-CN" altLang="en-US" dirty="0" smtClean="0"/>
+              <a:t>目录下</a:t>
+            </a:r>
+            <a:endParaRPr lang="en-US" altLang="zh-CN" dirty="0" smtClean="0"/>
+          </a:p>
+          <a:p>
+            <a:r>
+              <a:rPr lang="zh-CN" altLang="en-US" dirty="0" smtClean="0"/>
+              <a:t>通过文件内容，大小，等信息的</a:t>
+            </a:r>
+            <a:r>
+              <a:rPr lang="en-US" altLang="zh-CN" dirty="0" smtClean="0"/>
+              <a:t>sha1</a:t>
+            </a:r>
+            <a:r>
+              <a:rPr lang="zh-CN" altLang="en-US" dirty="0" smtClean="0"/>
+              <a:t>值作</a:t>
+            </a:r>
+            <a:r>
+              <a:rPr lang="en-US" altLang="zh-CN" dirty="0" smtClean="0"/>
+              <a:t>key</a:t>
+            </a:r>
+          </a:p>
+          <a:p>
+            <a:r>
+              <a:rPr lang="zh-CN" altLang="en-US" dirty="0" smtClean="0"/>
+              <a:t>文件内容通过</a:t>
+            </a:r>
+            <a:r>
+              <a:rPr lang="en-US" altLang="zh-CN" dirty="0" err="1" smtClean="0"/>
+              <a:t>zlib</a:t>
+            </a:r>
+            <a:r>
+              <a:rPr lang="zh-CN" altLang="en-US" dirty="0" smtClean="0"/>
+              <a:t>压缩和差异化存储来节省空间</a:t>
+            </a:r>
+            <a:endParaRPr lang="en-US" altLang="zh-CN" dirty="0" smtClean="0"/>
+          </a:p>
+          <a:p>
+            <a:pPr>
+              <a:buNone/>
+            </a:pPr>
+            <a:endParaRPr lang="en-US" altLang="zh-CN" dirty="0" smtClean="0"/>
+          </a:p>
+          <a:p>
+            <a:pPr>
+              <a:buNone/>
+            </a:pPr>
+            <a:r>
+              <a:rPr lang="en-US" altLang="zh-CN" sz="2000" dirty="0" smtClean="0">
+                <a:solidFill>
+                  <a:srgbClr val="C00000"/>
+                </a:solidFill>
+                <a:latin typeface="Consolas" pitchFamily="49" charset="0"/>
+                <a:cs typeface="Consolas" pitchFamily="49" charset="0"/>
+              </a:rPr>
+              <a:t>$ echo 'test content' | </a:t>
+            </a:r>
+            <a:r>
+              <a:rPr lang="en-US" altLang="zh-CN" sz="2000" dirty="0" err="1" smtClean="0">
+                <a:solidFill>
+                  <a:srgbClr val="C00000"/>
+                </a:solidFill>
+                <a:latin typeface="Consolas" pitchFamily="49" charset="0"/>
+                <a:cs typeface="Consolas" pitchFamily="49" charset="0"/>
+              </a:rPr>
+              <a:t>git</a:t>
+            </a:r>
+            <a:r>
+              <a:rPr lang="en-US" altLang="zh-CN" sz="2000" dirty="0" smtClean="0">
+                <a:solidFill>
+                  <a:srgbClr val="C00000"/>
+                </a:solidFill>
+                <a:latin typeface="Consolas" pitchFamily="49" charset="0"/>
+                <a:cs typeface="Consolas" pitchFamily="49" charset="0"/>
+              </a:rPr>
+              <a:t> hash-object -w –</a:t>
+            </a:r>
+            <a:r>
+              <a:rPr lang="en-US" altLang="zh-CN" sz="2000" dirty="0" err="1" smtClean="0">
+                <a:solidFill>
+                  <a:srgbClr val="C00000"/>
+                </a:solidFill>
+                <a:latin typeface="Consolas" pitchFamily="49" charset="0"/>
+                <a:cs typeface="Consolas" pitchFamily="49" charset="0"/>
+              </a:rPr>
+              <a:t>stdin</a:t>
+            </a:r>
+            <a:endParaRPr lang="en-US" altLang="zh-CN" sz="2000" dirty="0" smtClean="0">
+              <a:solidFill>
+                <a:srgbClr val="C00000"/>
+              </a:solidFill>
+              <a:latin typeface="Consolas" pitchFamily="49" charset="0"/>
+              <a:cs typeface="Consolas" pitchFamily="49" charset="0"/>
+            </a:endParaRPr>
+          </a:p>
+          <a:p>
+            <a:pPr>
+              <a:buNone/>
+            </a:pPr>
+            <a:r>
+              <a:rPr lang="en-US" altLang="zh-CN" sz="2000" dirty="0" smtClean="0">
+                <a:solidFill>
+                  <a:srgbClr val="C00000"/>
+                </a:solidFill>
+                <a:latin typeface="Consolas" pitchFamily="49" charset="0"/>
+                <a:cs typeface="Consolas" pitchFamily="49" charset="0"/>
+              </a:rPr>
+              <a:t>$ echo 'version 1' &gt; test.txt &amp;&amp; </a:t>
+            </a:r>
+            <a:r>
+              <a:rPr lang="en-US" altLang="zh-CN" sz="2000" dirty="0" err="1" smtClean="0">
+                <a:solidFill>
+                  <a:srgbClr val="C00000"/>
+                </a:solidFill>
+                <a:latin typeface="Consolas" pitchFamily="49" charset="0"/>
+                <a:cs typeface="Consolas" pitchFamily="49" charset="0"/>
+              </a:rPr>
+              <a:t>git</a:t>
+            </a:r>
+            <a:r>
+              <a:rPr lang="en-US" altLang="zh-CN" sz="2000" dirty="0" smtClean="0">
+                <a:solidFill>
+                  <a:srgbClr val="C00000"/>
+                </a:solidFill>
+                <a:latin typeface="Consolas" pitchFamily="49" charset="0"/>
+                <a:cs typeface="Consolas" pitchFamily="49" charset="0"/>
+              </a:rPr>
+              <a:t> hash-object -w test.txt</a:t>
+            </a:r>
+          </a:p>
+          <a:p>
+            <a:pPr>
+              <a:buNone/>
+            </a:pPr>
+            <a:r>
+              <a:rPr lang="en-US" altLang="zh-CN" sz="2000" dirty="0" smtClean="0">
+                <a:solidFill>
+                  <a:srgbClr val="C00000"/>
+                </a:solidFill>
+                <a:latin typeface="Consolas" pitchFamily="49" charset="0"/>
+                <a:cs typeface="Consolas" pitchFamily="49" charset="0"/>
+              </a:rPr>
+              <a:t>$ echo 'version 2' &gt; test.txt &amp;&amp; </a:t>
+            </a:r>
+            <a:r>
+              <a:rPr lang="en-US" altLang="zh-CN" sz="2000" dirty="0" err="1" smtClean="0">
+                <a:solidFill>
+                  <a:srgbClr val="C00000"/>
+                </a:solidFill>
+                <a:latin typeface="Consolas" pitchFamily="49" charset="0"/>
+                <a:cs typeface="Consolas" pitchFamily="49" charset="0"/>
+              </a:rPr>
+              <a:t>git</a:t>
+            </a:r>
+            <a:r>
+              <a:rPr lang="en-US" altLang="zh-CN" sz="2000" dirty="0" smtClean="0">
+                <a:solidFill>
+                  <a:srgbClr val="C00000"/>
+                </a:solidFill>
+                <a:latin typeface="Consolas" pitchFamily="49" charset="0"/>
+                <a:cs typeface="Consolas" pitchFamily="49" charset="0"/>
+              </a:rPr>
+              <a:t> hash-object -w test.txt</a:t>
+            </a:r>
+          </a:p>
+        </p:txBody>
+      </p:sp>
+      <p:sp>
+        <p:nvSpPr>
+          <p:cNvPr id="2" name="标题 1"/>
+          <p:cNvSpPr>
+            <a:spLocks noGrp="1"/>
+          </p:cNvSpPr>
+          <p:nvPr>
+            <p:ph type="title"/>
+          </p:nvPr>
+        </p:nvSpPr>
+        <p:spPr/>
+        <p:txBody>
+          <a:bodyPr/>
+          <a:lstStyle/>
+          <a:p>
+            <a:r>
+              <a:rPr lang="en-US" altLang="zh-CN" dirty="0" smtClean="0"/>
+              <a:t>Blob Object</a:t>
             </a:r>
             <a:endParaRPr lang="zh-CN" altLang="en-US" dirty="0"/>
           </a:p>
@@ -5572,7 +5393,7 @@
       </p:grpSpPr>
       <p:sp>
         <p:nvSpPr>
-          <p:cNvPr id="2" name="内容占位符 1"/>
+          <p:cNvPr id="3" name="内容占位符 2"/>
           <p:cNvSpPr>
             <a:spLocks noGrp="1"/>
           </p:cNvSpPr>
@@ -5587,72 +5408,48 @@
           <a:p>
             <a:r>
               <a:rPr lang="en-US" altLang="zh-CN" dirty="0" smtClean="0"/>
-              <a:t>HEAD</a:t>
-            </a:r>
-            <a:r>
-              <a:rPr lang="zh-CN" altLang="en-US" dirty="0" smtClean="0"/>
-              <a:t>是一个特殊引用，指向当前分支的头部</a:t>
-            </a:r>
-            <a:r>
-              <a:rPr lang="en-US" altLang="zh-CN" dirty="0" smtClean="0"/>
-              <a:t>(</a:t>
-            </a:r>
-            <a:r>
-              <a:rPr lang="zh-CN" altLang="en-US" dirty="0" smtClean="0"/>
-              <a:t>最近一个</a:t>
-            </a:r>
-            <a:r>
-              <a:rPr lang="en-US" altLang="zh-CN" dirty="0" smtClean="0"/>
-              <a:t>Commit Object)</a:t>
-            </a:r>
-          </a:p>
-          <a:p>
-            <a:r>
-              <a:rPr lang="zh-CN" altLang="en-US" dirty="0" smtClean="0"/>
-              <a:t>当</a:t>
-            </a:r>
-            <a:r>
-              <a:rPr lang="zh-CN" altLang="en-US" dirty="0" smtClean="0">
-                <a:solidFill>
-                  <a:srgbClr val="FF0000"/>
-                </a:solidFill>
-              </a:rPr>
-              <a:t>切换分支</a:t>
-            </a:r>
-            <a:r>
-              <a:rPr lang="zh-CN" altLang="en-US" dirty="0" smtClean="0"/>
-              <a:t>后</a:t>
-            </a:r>
-            <a:r>
-              <a:rPr lang="en-US" altLang="zh-CN" dirty="0" smtClean="0"/>
-              <a:t>,HEAD</a:t>
-            </a:r>
-            <a:r>
-              <a:rPr lang="zh-CN" altLang="en-US" dirty="0" smtClean="0"/>
-              <a:t>中的内容会更新，指向新的分支</a:t>
+              <a:t>Tree Object</a:t>
+            </a:r>
+            <a:r>
+              <a:rPr lang="zh-CN" altLang="en-US" dirty="0" smtClean="0"/>
+              <a:t>存储文件名，权限模式，类型等信息</a:t>
             </a:r>
             <a:endParaRPr lang="en-US" altLang="zh-CN" dirty="0" smtClean="0"/>
           </a:p>
           <a:p>
-            <a:endParaRPr lang="en-US" altLang="zh-CN" dirty="0" smtClean="0"/>
-          </a:p>
-          <a:p>
+            <a:r>
+              <a:rPr lang="zh-CN" altLang="en-US" dirty="0" smtClean="0"/>
+              <a:t>包含指向</a:t>
+            </a:r>
+            <a:r>
+              <a:rPr lang="en-US" altLang="zh-CN" dirty="0" smtClean="0"/>
+              <a:t>Blob Object</a:t>
+            </a:r>
+            <a:r>
+              <a:rPr lang="zh-CN" altLang="en-US" dirty="0" smtClean="0"/>
+              <a:t>和</a:t>
+            </a:r>
+            <a:r>
+              <a:rPr lang="en-US" altLang="zh-CN" dirty="0" smtClean="0"/>
+              <a:t>Sub Tree Object</a:t>
+            </a:r>
+            <a:r>
+              <a:rPr lang="zh-CN" altLang="en-US" dirty="0" smtClean="0"/>
+              <a:t>的指针</a:t>
+            </a:r>
             <a:endParaRPr lang="en-US" altLang="zh-CN" dirty="0" smtClean="0"/>
           </a:p>
           <a:p>
             <a:pPr>
               <a:buNone/>
             </a:pPr>
-            <a:endParaRPr lang="en-US" altLang="zh-CN" dirty="0" smtClean="0"/>
-          </a:p>
-          <a:p>
-            <a:endParaRPr lang="en-US" altLang="zh-CN" dirty="0" smtClean="0"/>
+            <a:endParaRPr lang="zh-CN" altLang="en-US" dirty="0"/>
           </a:p>
         </p:txBody>
       </p:sp>
       <p:sp>
         <p:nvSpPr>
-          <p:cNvPr id="3" name="标题 2"/>
+          <p:cNvPr id="2" name="标题 1"/>
           <p:cNvSpPr>
             <a:spLocks noGrp="1"/>
           </p:cNvSpPr>
@@ -5667,11 +5464,7 @@
           <a:p>
             <a:r>
               <a:rPr lang="en-US" altLang="zh-CN" dirty="0" smtClean="0"/>
-              <a:t>HEAD </a:t>
-            </a:r>
-            <a:r>
-              <a:rPr lang="zh-CN" altLang="en-US" dirty="0" smtClean="0"/>
-              <a:t>标记</a:t>
+              <a:t>Tree Object</a:t>
             </a:r>
             <a:endParaRPr lang="zh-CN" altLang="en-US" dirty="0"/>
           </a:p>
@@ -5679,7 +5472,7 @@
       </p:sp>
       <p:pic>
         <p:nvPicPr>
-          <p:cNvPr id="4" name="图片 3" descr="head-master-commit.png"/>
+          <p:cNvPr id="4" name="图片 3" descr="tree.png"/>
           <p:cNvPicPr>
             <a:picLocks noChangeAspect="1"/>
           </p:cNvPicPr>
@@ -5693,8 +5486,8 @@
         </p:blipFill>
         <p:spPr>
           <a:xfrm>
-            <a:off x="1043608" y="3140968"/>
-            <a:ext cx="6762750" cy="1543050"/>
+            <a:off x="1907704" y="2564904"/>
+            <a:ext cx="5112568" cy="3425421"/>
           </a:xfrm>
           <a:prstGeom prst="rect">
             <a:avLst/>
@@ -5749,19 +5542,20 @@
           <a:lstStyle/>
           <a:p>
             <a:r>
-              <a:rPr lang="en-US" altLang="zh-CN" dirty="0" err="1" smtClean="0"/>
-              <a:t>Git</a:t>
-            </a:r>
-            <a:r>
-              <a:rPr lang="zh-CN" altLang="en-US" dirty="0" smtClean="0"/>
-              <a:t>的分支实际上就是一个引用</a:t>
-            </a:r>
-            <a:endParaRPr lang="en-US" altLang="zh-CN" dirty="0" smtClean="0"/>
-          </a:p>
-          <a:p>
-            <a:r>
-              <a:rPr lang="zh-CN" altLang="en-US" dirty="0" smtClean="0"/>
-              <a:t>创建新的分支</a:t>
+              <a:rPr lang="en-US" altLang="zh-CN" dirty="0" smtClean="0"/>
+              <a:t>Tree object</a:t>
+            </a:r>
+            <a:r>
+              <a:rPr lang="zh-CN" altLang="en-US" dirty="0" smtClean="0"/>
+              <a:t>只能在</a:t>
+            </a:r>
+            <a:r>
+              <a:rPr lang="en-US" altLang="zh-CN" dirty="0" smtClean="0"/>
+              <a:t>index</a:t>
+            </a:r>
+            <a:r>
+              <a:rPr lang="zh-CN" altLang="en-US" dirty="0" smtClean="0"/>
+              <a:t>上创建</a:t>
             </a:r>
             <a:endParaRPr lang="en-US" altLang="zh-CN" dirty="0" smtClean="0"/>
           </a:p>
@@ -5770,7 +5564,7 @@
               <a:buNone/>
             </a:pPr>
             <a:r>
-              <a:rPr lang="en-US" altLang="zh-CN" sz="2000" dirty="0">
+              <a:rPr lang="en-US" altLang="zh-CN" sz="2000" dirty="0" smtClean="0">
                 <a:solidFill>
                   <a:srgbClr val="C00000"/>
                 </a:solidFill>
@@ -5780,7 +5574,7 @@
               <a:t>$ </a:t>
             </a:r>
             <a:r>
-              <a:rPr lang="en-US" altLang="zh-CN" sz="2000" dirty="0" err="1">
+              <a:rPr lang="en-US" altLang="zh-CN" sz="2000" dirty="0" err="1" smtClean="0">
                 <a:solidFill>
                   <a:srgbClr val="C00000"/>
                 </a:solidFill>
@@ -5790,22 +5584,105 @@
               <a:t>git</a:t>
             </a:r>
             <a:r>
-              <a:rPr lang="en-US" altLang="zh-CN" sz="2000" dirty="0">
-                <a:solidFill>
-                  <a:srgbClr val="C00000"/>
-                </a:solidFill>
-                <a:latin typeface="Consolas" pitchFamily="49" charset="0"/>
-                <a:cs typeface="Consolas" pitchFamily="49" charset="0"/>
-              </a:rPr>
-              <a:t> branch xxx [&lt;commit&gt;]</a:t>
-            </a:r>
-          </a:p>
-          <a:p>
-            <a:pPr marL="109728" indent="0">
+              <a:rPr lang="en-US" altLang="zh-CN" sz="2000" dirty="0" smtClean="0">
+                <a:solidFill>
+                  <a:srgbClr val="C00000"/>
+                </a:solidFill>
+                <a:latin typeface="Consolas" pitchFamily="49" charset="0"/>
+                <a:cs typeface="Consolas" pitchFamily="49" charset="0"/>
+              </a:rPr>
+              <a:t> update-index --add --</a:t>
+            </a:r>
+            <a:r>
+              <a:rPr lang="en-US" altLang="zh-CN" sz="2000" dirty="0" err="1" smtClean="0">
+                <a:solidFill>
+                  <a:srgbClr val="C00000"/>
+                </a:solidFill>
+                <a:latin typeface="Consolas" pitchFamily="49" charset="0"/>
+                <a:cs typeface="Consolas" pitchFamily="49" charset="0"/>
+              </a:rPr>
+              <a:t>cacheinfo</a:t>
+            </a:r>
+            <a:r>
+              <a:rPr lang="en-US" altLang="zh-CN" sz="2000" dirty="0" smtClean="0">
+                <a:solidFill>
+                  <a:srgbClr val="C00000"/>
+                </a:solidFill>
+                <a:latin typeface="Consolas" pitchFamily="49" charset="0"/>
+                <a:cs typeface="Consolas" pitchFamily="49" charset="0"/>
+              </a:rPr>
+              <a:t> 100644 \ 83baae61804e65cc73a7201a7252750c76066a30 test.txt</a:t>
+            </a:r>
+          </a:p>
+          <a:p>
+            <a:r>
+              <a:rPr lang="en-US" altLang="zh-CN" dirty="0" smtClean="0"/>
+              <a:t>--add </a:t>
+            </a:r>
+            <a:r>
+              <a:rPr lang="zh-CN" altLang="en-US" dirty="0" smtClean="0"/>
+              <a:t>将文件加入暂存区</a:t>
+            </a:r>
+            <a:r>
+              <a:rPr lang="en-US" altLang="zh-CN" dirty="0" smtClean="0"/>
+              <a:t>(index)</a:t>
+            </a:r>
+          </a:p>
+          <a:p>
+            <a:r>
+              <a:rPr lang="en-US" altLang="zh-CN" dirty="0" smtClean="0"/>
+              <a:t>--</a:t>
+            </a:r>
+            <a:r>
+              <a:rPr lang="en-US" altLang="zh-CN" dirty="0" err="1" smtClean="0"/>
+              <a:t>cacheinfo</a:t>
+            </a:r>
+            <a:r>
+              <a:rPr lang="en-US" altLang="zh-CN" dirty="0" smtClean="0"/>
+              <a:t> </a:t>
+            </a:r>
+            <a:r>
+              <a:rPr lang="zh-CN" altLang="en-US" dirty="0" smtClean="0"/>
+              <a:t>将数据库</a:t>
+            </a:r>
+            <a:r>
+              <a:rPr lang="en-US" altLang="zh-CN" dirty="0" smtClean="0"/>
+              <a:t>(.</a:t>
+            </a:r>
+            <a:r>
+              <a:rPr lang="en-US" altLang="zh-CN" dirty="0" err="1" smtClean="0"/>
+              <a:t>git</a:t>
+            </a:r>
+            <a:r>
+              <a:rPr lang="en-US" altLang="zh-CN" dirty="0" smtClean="0"/>
+              <a:t>/objects/)</a:t>
+            </a:r>
+            <a:r>
+              <a:rPr lang="zh-CN" altLang="en-US" dirty="0" smtClean="0"/>
+              <a:t>中的文件直接加入暂存区</a:t>
+            </a:r>
+            <a:endParaRPr lang="en-US" altLang="zh-CN" dirty="0" smtClean="0"/>
+          </a:p>
+          <a:p>
+            <a:r>
+              <a:rPr lang="en-US" altLang="zh-CN" dirty="0" smtClean="0"/>
+              <a:t>--</a:t>
+            </a:r>
+            <a:r>
+              <a:rPr lang="en-US" altLang="zh-CN" dirty="0" err="1" smtClean="0"/>
+              <a:t>cacheinfo</a:t>
+            </a:r>
+            <a:r>
+              <a:rPr lang="en-US" altLang="zh-CN" dirty="0" smtClean="0"/>
+              <a:t> &lt;mode&gt; &lt;hash&gt; &lt;filename&gt;</a:t>
+            </a:r>
+          </a:p>
+          <a:p>
+            <a:pPr>
               <a:buNone/>
             </a:pPr>
             <a:r>
-              <a:rPr lang="en-US" altLang="zh-CN" sz="2000" dirty="0">
+              <a:rPr lang="en-US" altLang="zh-CN" sz="2000" dirty="0" smtClean="0">
                 <a:solidFill>
                   <a:srgbClr val="C00000"/>
                 </a:solidFill>
@@ -5815,7 +5692,7 @@
               <a:t>$ </a:t>
             </a:r>
             <a:r>
-              <a:rPr lang="en-US" altLang="zh-CN" sz="2000" dirty="0" err="1">
+              <a:rPr lang="en-US" altLang="zh-CN" sz="2000" dirty="0" err="1" smtClean="0">
                 <a:solidFill>
                   <a:srgbClr val="C00000"/>
                 </a:solidFill>
@@ -5825,48 +5702,6 @@
               <a:t>git</a:t>
             </a:r>
             <a:r>
-              <a:rPr lang="en-US" altLang="zh-CN" sz="2000" dirty="0">
-                <a:solidFill>
-                  <a:srgbClr val="C00000"/>
-                </a:solidFill>
-                <a:latin typeface="Consolas" pitchFamily="49" charset="0"/>
-                <a:cs typeface="Consolas" pitchFamily="49" charset="0"/>
-              </a:rPr>
-              <a:t> checkout –b xxx [&lt;commit&gt;]</a:t>
-            </a:r>
-          </a:p>
-          <a:p>
-            <a:r>
-              <a:rPr lang="zh-CN" altLang="en-US" dirty="0" smtClean="0"/>
-              <a:t>查看分支</a:t>
-            </a:r>
-            <a:endParaRPr lang="en-US" altLang="zh-CN" dirty="0" smtClean="0"/>
-          </a:p>
-          <a:p>
-            <a:pPr marL="109728" indent="0">
-              <a:buNone/>
-            </a:pPr>
-            <a:r>
-              <a:rPr lang="en-US" altLang="zh-CN" sz="2000" dirty="0">
-                <a:solidFill>
-                  <a:srgbClr val="C00000"/>
-                </a:solidFill>
-                <a:latin typeface="Consolas" pitchFamily="49" charset="0"/>
-                <a:cs typeface="Consolas" pitchFamily="49" charset="0"/>
-              </a:rPr>
-              <a:t>$ </a:t>
-            </a:r>
-            <a:r>
-              <a:rPr lang="en-US" altLang="zh-CN" sz="2000" dirty="0" err="1" smtClean="0">
-                <a:solidFill>
-                  <a:srgbClr val="C00000"/>
-                </a:solidFill>
-                <a:latin typeface="Consolas" pitchFamily="49" charset="0"/>
-                <a:cs typeface="Consolas" pitchFamily="49" charset="0"/>
-              </a:rPr>
-              <a:t>git</a:t>
-            </a:r>
-            <a:r>
               <a:rPr lang="en-US" altLang="zh-CN" sz="2000" dirty="0" smtClean="0">
                 <a:solidFill>
                   <a:srgbClr val="C00000"/>
@@ -5874,123 +5709,9 @@
                 <a:latin typeface="Consolas" pitchFamily="49" charset="0"/>
                 <a:cs typeface="Consolas" pitchFamily="49" charset="0"/>
               </a:rPr>
-              <a:t> </a:t>
-            </a:r>
-            <a:r>
-              <a:rPr lang="en-US" altLang="zh-CN" sz="2000" dirty="0">
-                <a:solidFill>
-                  <a:srgbClr val="C00000"/>
-                </a:solidFill>
-                <a:latin typeface="Consolas" pitchFamily="49" charset="0"/>
-                <a:cs typeface="Consolas" pitchFamily="49" charset="0"/>
-              </a:rPr>
-              <a:t>branch –l</a:t>
-            </a:r>
-          </a:p>
-          <a:p>
-            <a:r>
-              <a:rPr lang="zh-CN" altLang="en-US" dirty="0" smtClean="0"/>
-              <a:t>删除分支</a:t>
-            </a:r>
-            <a:endParaRPr lang="en-US" altLang="zh-CN" dirty="0" smtClean="0"/>
-          </a:p>
-          <a:p>
-            <a:pPr marL="109728" indent="0">
-              <a:buNone/>
-            </a:pPr>
-            <a:r>
-              <a:rPr lang="en-US" altLang="zh-CN" sz="2000" dirty="0">
-                <a:solidFill>
-                  <a:srgbClr val="C00000"/>
-                </a:solidFill>
-                <a:latin typeface="Consolas" pitchFamily="49" charset="0"/>
-                <a:cs typeface="Consolas" pitchFamily="49" charset="0"/>
-              </a:rPr>
-              <a:t>$ </a:t>
-            </a:r>
-            <a:r>
-              <a:rPr lang="en-US" altLang="zh-CN" sz="2000" dirty="0" err="1" smtClean="0">
-                <a:solidFill>
-                  <a:srgbClr val="C00000"/>
-                </a:solidFill>
-                <a:latin typeface="Consolas" pitchFamily="49" charset="0"/>
-                <a:cs typeface="Consolas" pitchFamily="49" charset="0"/>
-              </a:rPr>
-              <a:t>git</a:t>
-            </a:r>
-            <a:r>
-              <a:rPr lang="en-US" altLang="zh-CN" sz="2000" dirty="0" smtClean="0">
-                <a:solidFill>
-                  <a:srgbClr val="C00000"/>
-                </a:solidFill>
-                <a:latin typeface="Consolas" pitchFamily="49" charset="0"/>
-                <a:cs typeface="Consolas" pitchFamily="49" charset="0"/>
-              </a:rPr>
-              <a:t> </a:t>
-            </a:r>
-            <a:r>
-              <a:rPr lang="en-US" altLang="zh-CN" sz="2000" dirty="0">
-                <a:solidFill>
-                  <a:srgbClr val="C00000"/>
-                </a:solidFill>
-                <a:latin typeface="Consolas" pitchFamily="49" charset="0"/>
-                <a:cs typeface="Consolas" pitchFamily="49" charset="0"/>
-              </a:rPr>
-              <a:t>branch –d | -</a:t>
-            </a:r>
-            <a:r>
-              <a:rPr lang="en-US" altLang="zh-CN" sz="2000" dirty="0" smtClean="0">
-                <a:solidFill>
-                  <a:srgbClr val="C00000"/>
-                </a:solidFill>
-                <a:latin typeface="Consolas" pitchFamily="49" charset="0"/>
-                <a:cs typeface="Consolas" pitchFamily="49" charset="0"/>
-              </a:rPr>
-              <a:t>D</a:t>
-            </a:r>
-          </a:p>
-          <a:p>
-            <a:r>
-              <a:rPr lang="zh-CN" altLang="en-US" dirty="0"/>
-              <a:t>切换分支</a:t>
-            </a:r>
-            <a:endParaRPr lang="en-US" altLang="zh-CN" dirty="0"/>
-          </a:p>
-          <a:p>
-            <a:pPr marL="109728" indent="0">
-              <a:buNone/>
-            </a:pPr>
-            <a:r>
-              <a:rPr lang="en-US" altLang="zh-CN" sz="2000" dirty="0" smtClean="0">
-                <a:solidFill>
-                  <a:srgbClr val="C00000"/>
-                </a:solidFill>
-                <a:latin typeface="Consolas" pitchFamily="49" charset="0"/>
-                <a:cs typeface="Consolas" pitchFamily="49" charset="0"/>
-              </a:rPr>
-              <a:t>$ </a:t>
-            </a:r>
-            <a:r>
-              <a:rPr lang="en-US" altLang="zh-CN" sz="2000" dirty="0" err="1" smtClean="0">
-                <a:solidFill>
-                  <a:srgbClr val="C00000"/>
-                </a:solidFill>
-                <a:latin typeface="Consolas" pitchFamily="49" charset="0"/>
-                <a:cs typeface="Consolas" pitchFamily="49" charset="0"/>
-              </a:rPr>
-              <a:t>git</a:t>
-            </a:r>
-            <a:r>
-              <a:rPr lang="en-US" altLang="zh-CN" sz="2000" dirty="0" smtClean="0">
-                <a:solidFill>
-                  <a:srgbClr val="C00000"/>
-                </a:solidFill>
-                <a:latin typeface="Consolas" pitchFamily="49" charset="0"/>
-                <a:cs typeface="Consolas" pitchFamily="49" charset="0"/>
-              </a:rPr>
-              <a:t> checkout xxx</a:t>
-            </a:r>
-            <a:endParaRPr lang="zh-CN" altLang="en-US" sz="2000" dirty="0">
+              <a:t> write-tree</a:t>
+            </a:r>
+            <a:endParaRPr lang="zh-CN" altLang="en-US" sz="2000" dirty="0" smtClean="0">
               <a:solidFill>
                 <a:srgbClr val="C00000"/>
               </a:solidFill>
@@ -6012,31 +5733,32 @@
         </p:nvSpPr>
         <p:spPr/>
         <p:txBody>
-          <a:bodyPr/>
+          <a:bodyPr>
+            <a:normAutofit fontScale="90000"/>
+          </a:bodyPr>
           <a:lstStyle/>
           <a:p>
             <a:r>
               <a:rPr lang="zh-CN" altLang="en-US" dirty="0" smtClean="0"/>
-              <a:t>分支</a:t>
-            </a:r>
-            <a:r>
-              <a:rPr lang="en-US" altLang="zh-CN" dirty="0" smtClean="0"/>
-              <a:t>(Branch)</a:t>
-            </a:r>
-            <a:r>
-              <a:rPr lang="zh-CN" altLang="en-US" dirty="0" smtClean="0"/>
-              <a:t>即引用</a:t>
+              <a:t>在暂存区</a:t>
+            </a:r>
+            <a:r>
+              <a:rPr lang="en-US" altLang="zh-CN" dirty="0" smtClean="0"/>
+              <a:t>(index)</a:t>
+            </a:r>
+            <a:r>
+              <a:rPr lang="zh-CN" altLang="en-US" dirty="0" smtClean="0"/>
+              <a:t>上创建</a:t>
+            </a:r>
+            <a:r>
+              <a:rPr lang="en-US" altLang="zh-CN" dirty="0" smtClean="0"/>
+              <a:t>Tree Object</a:t>
             </a:r>
             <a:endParaRPr lang="zh-CN" altLang="en-US" dirty="0"/>
           </a:p>
         </p:txBody>
       </p:sp>
     </p:spTree>
-    <p:extLst>
-      <p:ext uri="{BB962C8B-B14F-4D97-AF65-F5344CB8AC3E}">
-        <p14:creationId xmlns:p14="http://schemas.microsoft.com/office/powerpoint/2010/main" val="146557466"/>
-      </p:ext>
-    </p:extLst>
   </p:cSld>
   <p:clrMapOvr>
     <a:masterClrMapping/>
@@ -6068,29 +5790,275 @@
           <a:chExt cx="0" cy="0"/>
         </a:xfrm>
       </p:grpSpPr>
-      <p:pic>
-        <p:nvPicPr>
-          <p:cNvPr id="4" name="内容占位符 3" descr="checkout-2.png"/>
-          <p:cNvPicPr>
-            <a:picLocks noGrp="1" noChangeAspect="1"/>
-          </p:cNvPicPr>
+      <p:sp>
+        <p:nvSpPr>
+          <p:cNvPr id="2" name="内容占位符 1"/>
+          <p:cNvSpPr>
+            <a:spLocks noGrp="1"/>
+          </p:cNvSpPr>
           <p:nvPr>
             <p:ph idx="1"/>
           </p:nvPr>
-        </p:nvPicPr>
-        <p:blipFill>
-          <a:blip r:embed="rId2" cstate="print"/>
-          <a:stretch>
-            <a:fillRect/>
-          </a:stretch>
-        </p:blipFill>
-        <p:spPr>
-          <a:xfrm>
-            <a:off x="539552" y="1124744"/>
-            <a:ext cx="8064896" cy="5489235"/>
-          </a:xfrm>
-        </p:spPr>
-      </p:pic>
+        </p:nvSpPr>
+        <p:spPr/>
+        <p:txBody>
+          <a:bodyPr/>
+          <a:lstStyle/>
+          <a:p>
+            <a:r>
+              <a:rPr lang="zh-CN" altLang="en-US" dirty="0" smtClean="0"/>
+              <a:t>创建一个新的</a:t>
+            </a:r>
+            <a:r>
+              <a:rPr lang="en-US" altLang="zh-CN" dirty="0" smtClean="0"/>
+              <a:t>tree</a:t>
+            </a:r>
+          </a:p>
+          <a:p>
+            <a:pPr>
+              <a:buNone/>
+            </a:pPr>
+            <a:r>
+              <a:rPr lang="en-US" altLang="zh-CN" sz="2000" dirty="0" smtClean="0">
+                <a:solidFill>
+                  <a:srgbClr val="C00000"/>
+                </a:solidFill>
+                <a:latin typeface="Consolas" pitchFamily="49" charset="0"/>
+                <a:cs typeface="Consolas" pitchFamily="49" charset="0"/>
+              </a:rPr>
+              <a:t>$ echo 'new file' &gt; new.txt</a:t>
+            </a:r>
+          </a:p>
+          <a:p>
+            <a:pPr>
+              <a:buNone/>
+            </a:pPr>
+            <a:r>
+              <a:rPr lang="en-US" altLang="zh-CN" sz="2000" dirty="0" smtClean="0">
+                <a:solidFill>
+                  <a:srgbClr val="C00000"/>
+                </a:solidFill>
+                <a:latin typeface="Consolas" pitchFamily="49" charset="0"/>
+                <a:cs typeface="Consolas" pitchFamily="49" charset="0"/>
+              </a:rPr>
+              <a:t>$ </a:t>
+            </a:r>
+            <a:r>
+              <a:rPr lang="en-US" altLang="zh-CN" sz="2000" dirty="0" err="1" smtClean="0">
+                <a:solidFill>
+                  <a:srgbClr val="C00000"/>
+                </a:solidFill>
+                <a:latin typeface="Consolas" pitchFamily="49" charset="0"/>
+                <a:cs typeface="Consolas" pitchFamily="49" charset="0"/>
+              </a:rPr>
+              <a:t>git</a:t>
+            </a:r>
+            <a:r>
+              <a:rPr lang="en-US" altLang="zh-CN" sz="2000" dirty="0" smtClean="0">
+                <a:solidFill>
+                  <a:srgbClr val="C00000"/>
+                </a:solidFill>
+                <a:latin typeface="Consolas" pitchFamily="49" charset="0"/>
+                <a:cs typeface="Consolas" pitchFamily="49" charset="0"/>
+              </a:rPr>
+              <a:t> update-index test.txt </a:t>
+            </a:r>
+          </a:p>
+          <a:p>
+            <a:pPr>
+              <a:buNone/>
+            </a:pPr>
+            <a:r>
+              <a:rPr lang="en-US" altLang="zh-CN" sz="2000" dirty="0" smtClean="0">
+                <a:solidFill>
+                  <a:srgbClr val="C00000"/>
+                </a:solidFill>
+                <a:latin typeface="Consolas" pitchFamily="49" charset="0"/>
+                <a:cs typeface="Consolas" pitchFamily="49" charset="0"/>
+              </a:rPr>
+              <a:t>$ </a:t>
+            </a:r>
+            <a:r>
+              <a:rPr lang="en-US" altLang="zh-CN" sz="2000" dirty="0" err="1" smtClean="0">
+                <a:solidFill>
+                  <a:srgbClr val="C00000"/>
+                </a:solidFill>
+                <a:latin typeface="Consolas" pitchFamily="49" charset="0"/>
+                <a:cs typeface="Consolas" pitchFamily="49" charset="0"/>
+              </a:rPr>
+              <a:t>git</a:t>
+            </a:r>
+            <a:r>
+              <a:rPr lang="en-US" altLang="zh-CN" sz="2000" dirty="0" smtClean="0">
+                <a:solidFill>
+                  <a:srgbClr val="C00000"/>
+                </a:solidFill>
+                <a:latin typeface="Consolas" pitchFamily="49" charset="0"/>
+                <a:cs typeface="Consolas" pitchFamily="49" charset="0"/>
+              </a:rPr>
+              <a:t> update-index --add new.txt</a:t>
+            </a:r>
+          </a:p>
+          <a:p>
+            <a:pPr>
+              <a:buNone/>
+            </a:pPr>
+            <a:r>
+              <a:rPr lang="en-US" altLang="zh-CN" sz="2000" dirty="0" smtClean="0">
+                <a:solidFill>
+                  <a:srgbClr val="C00000"/>
+                </a:solidFill>
+                <a:latin typeface="Consolas" pitchFamily="49" charset="0"/>
+                <a:cs typeface="Consolas" pitchFamily="49" charset="0"/>
+              </a:rPr>
+              <a:t>$ </a:t>
+            </a:r>
+            <a:r>
+              <a:rPr lang="en-US" altLang="zh-CN" sz="2000" dirty="0" err="1" smtClean="0">
+                <a:solidFill>
+                  <a:srgbClr val="C00000"/>
+                </a:solidFill>
+                <a:latin typeface="Consolas" pitchFamily="49" charset="0"/>
+                <a:cs typeface="Consolas" pitchFamily="49" charset="0"/>
+              </a:rPr>
+              <a:t>git</a:t>
+            </a:r>
+            <a:r>
+              <a:rPr lang="en-US" altLang="zh-CN" sz="2000" dirty="0" smtClean="0">
+                <a:solidFill>
+                  <a:srgbClr val="C00000"/>
+                </a:solidFill>
+                <a:latin typeface="Consolas" pitchFamily="49" charset="0"/>
+                <a:cs typeface="Consolas" pitchFamily="49" charset="0"/>
+              </a:rPr>
+              <a:t> write-tree</a:t>
+            </a:r>
+          </a:p>
+          <a:p>
+            <a:r>
+              <a:rPr lang="zh-CN" altLang="en-US" dirty="0" smtClean="0"/>
+              <a:t>把上一个</a:t>
+            </a:r>
+            <a:r>
+              <a:rPr lang="en-US" altLang="zh-CN" dirty="0" smtClean="0"/>
+              <a:t>tree</a:t>
+            </a:r>
+            <a:r>
+              <a:rPr lang="zh-CN" altLang="en-US" dirty="0" smtClean="0"/>
+              <a:t>作为这个新</a:t>
+            </a:r>
+            <a:r>
+              <a:rPr lang="en-US" altLang="zh-CN" dirty="0" smtClean="0"/>
+              <a:t>tree</a:t>
+            </a:r>
+            <a:r>
+              <a:rPr lang="zh-CN" altLang="en-US" dirty="0" smtClean="0"/>
+              <a:t>的子目录读入</a:t>
+            </a:r>
+            <a:r>
+              <a:rPr lang="en-US" altLang="zh-CN" dirty="0" smtClean="0"/>
+              <a:t>index</a:t>
+            </a:r>
+          </a:p>
+          <a:p>
+            <a:pPr>
+              <a:buNone/>
+            </a:pPr>
+            <a:r>
+              <a:rPr lang="en-US" altLang="zh-CN" sz="2000" dirty="0" smtClean="0">
+                <a:solidFill>
+                  <a:srgbClr val="C00000"/>
+                </a:solidFill>
+                <a:latin typeface="Consolas" pitchFamily="49" charset="0"/>
+                <a:cs typeface="Consolas" pitchFamily="49" charset="0"/>
+              </a:rPr>
+              <a:t>$ </a:t>
+            </a:r>
+            <a:r>
+              <a:rPr lang="en-US" altLang="zh-CN" sz="2000" dirty="0" err="1" smtClean="0">
+                <a:solidFill>
+                  <a:srgbClr val="C00000"/>
+                </a:solidFill>
+                <a:latin typeface="Consolas" pitchFamily="49" charset="0"/>
+                <a:cs typeface="Consolas" pitchFamily="49" charset="0"/>
+              </a:rPr>
+              <a:t>git</a:t>
+            </a:r>
+            <a:r>
+              <a:rPr lang="en-US" altLang="zh-CN" sz="2000" dirty="0" smtClean="0">
+                <a:solidFill>
+                  <a:srgbClr val="C00000"/>
+                </a:solidFill>
+                <a:latin typeface="Consolas" pitchFamily="49" charset="0"/>
+                <a:cs typeface="Consolas" pitchFamily="49" charset="0"/>
+              </a:rPr>
+              <a:t> read-tree --prefix=</a:t>
+            </a:r>
+            <a:r>
+              <a:rPr lang="en-US" altLang="zh-CN" sz="2000" dirty="0" err="1" smtClean="0">
+                <a:solidFill>
+                  <a:srgbClr val="C00000"/>
+                </a:solidFill>
+                <a:latin typeface="Consolas" pitchFamily="49" charset="0"/>
+                <a:cs typeface="Consolas" pitchFamily="49" charset="0"/>
+              </a:rPr>
+              <a:t>bak</a:t>
+            </a:r>
+            <a:r>
+              <a:rPr lang="en-US" altLang="zh-CN" sz="2000" dirty="0" smtClean="0">
+                <a:solidFill>
+                  <a:srgbClr val="C00000"/>
+                </a:solidFill>
+                <a:latin typeface="Consolas" pitchFamily="49" charset="0"/>
+                <a:cs typeface="Consolas" pitchFamily="49" charset="0"/>
+              </a:rPr>
+              <a:t> d8329fc1cc938780ffdd9f94e0d364e0ea74f579 </a:t>
+            </a:r>
+          </a:p>
+          <a:p>
+            <a:pPr>
+              <a:buNone/>
+            </a:pPr>
+            <a:r>
+              <a:rPr lang="en-US" altLang="zh-CN" sz="2000" dirty="0" smtClean="0">
+                <a:solidFill>
+                  <a:srgbClr val="C00000"/>
+                </a:solidFill>
+                <a:latin typeface="Consolas" pitchFamily="49" charset="0"/>
+                <a:cs typeface="Consolas" pitchFamily="49" charset="0"/>
+              </a:rPr>
+              <a:t>$ </a:t>
+            </a:r>
+            <a:r>
+              <a:rPr lang="en-US" altLang="zh-CN" sz="2000" dirty="0" err="1" smtClean="0">
+                <a:solidFill>
+                  <a:srgbClr val="C00000"/>
+                </a:solidFill>
+                <a:latin typeface="Consolas" pitchFamily="49" charset="0"/>
+                <a:cs typeface="Consolas" pitchFamily="49" charset="0"/>
+              </a:rPr>
+              <a:t>git</a:t>
+            </a:r>
+            <a:r>
+              <a:rPr lang="en-US" altLang="zh-CN" sz="2000" dirty="0" smtClean="0">
+                <a:solidFill>
+                  <a:srgbClr val="C00000"/>
+                </a:solidFill>
+                <a:latin typeface="Consolas" pitchFamily="49" charset="0"/>
+                <a:cs typeface="Consolas" pitchFamily="49" charset="0"/>
+              </a:rPr>
+              <a:t> write-tree</a:t>
+            </a:r>
+            <a:endParaRPr lang="zh-CN" altLang="en-US" sz="2000" dirty="0" smtClean="0">
+              <a:solidFill>
+                <a:srgbClr val="C00000"/>
+              </a:solidFill>
+              <a:latin typeface="Consolas" pitchFamily="49" charset="0"/>
+              <a:cs typeface="Consolas" pitchFamily="49" charset="0"/>
+            </a:endParaRPr>
+          </a:p>
+        </p:txBody>
+      </p:sp>
       <p:sp>
         <p:nvSpPr>
           <p:cNvPr id="3" name="标题 2"/>
@@ -6110,19 +6078,19 @@
           <a:p>
             <a:r>
               <a:rPr lang="zh-CN" altLang="en-US" dirty="0" smtClean="0"/>
-              <a:t>工作区</a:t>
-            </a:r>
-            <a:r>
-              <a:rPr lang="en-US" altLang="zh-CN" dirty="0" smtClean="0"/>
-              <a:t>(Working Space)</a:t>
-            </a:r>
-            <a:r>
-              <a:rPr lang="zh-CN" altLang="en-US" dirty="0" smtClean="0"/>
-              <a:t>与</a:t>
-            </a:r>
-            <a:r>
-              <a:rPr lang="en-US" altLang="zh-CN" dirty="0" smtClean="0"/>
-              <a:t>Checkout</a:t>
+              <a:t>在暂存区</a:t>
+            </a:r>
+            <a:r>
+              <a:rPr lang="en-US" altLang="zh-CN" dirty="0" smtClean="0"/>
+              <a:t>(index)</a:t>
+            </a:r>
+            <a:r>
+              <a:rPr lang="zh-CN" altLang="en-US" dirty="0" smtClean="0"/>
+              <a:t>上创建</a:t>
+            </a:r>
+            <a:r>
+              <a:rPr lang="en-US" altLang="zh-CN" dirty="0" smtClean="0"/>
+              <a:t>Tree Object</a:t>
             </a:r>
             <a:endParaRPr lang="zh-CN" altLang="en-US" dirty="0"/>
           </a:p>
@@ -6162,7 +6130,7 @@
       </p:grpSpPr>
       <p:pic>
         <p:nvPicPr>
-          <p:cNvPr id="4" name="内容占位符 3"/>
+          <p:cNvPr id="4" name="内容占位符 3" descr="tree-2.png"/>
           <p:cNvPicPr>
             <a:picLocks noGrp="1" noChangeAspect="1"/>
           </p:cNvPicPr>
@@ -6171,21 +6139,15 @@
           </p:nvPr>
         </p:nvPicPr>
         <p:blipFill>
-          <a:blip r:embed="rId2">
-            <a:extLst>
-              <a:ext uri="{28A0092B-C50C-407E-A947-70E740481C1C}">
-                <a14:useLocalDpi xmlns:a14="http://schemas.microsoft.com/office/drawing/2010/main" val="0"/>
-              </a:ext>
-            </a:extLst>
-          </a:blip>
+          <a:blip r:embed="rId2" cstate="print"/>
           <a:stretch>
             <a:fillRect/>
           </a:stretch>
         </p:blipFill>
         <p:spPr>
           <a:xfrm>
-            <a:off x="107504" y="1628800"/>
-            <a:ext cx="8965700" cy="4208789"/>
+            <a:off x="1187624" y="1628800"/>
+            <a:ext cx="6696744" cy="4540392"/>
           </a:xfrm>
         </p:spPr>
       </p:pic>
@@ -6206,18 +6168,21 @@
           <a:p>
             <a:r>
               <a:rPr lang="zh-CN" altLang="en-US" dirty="0" smtClean="0"/>
-              <a:t>工作流详解</a:t>
+              <a:t>两个</a:t>
+            </a:r>
+            <a:r>
+              <a:rPr lang="en-US" altLang="zh-CN" dirty="0" smtClean="0"/>
+              <a:t>Tree Object</a:t>
+            </a:r>
+            <a:r>
+              <a:rPr lang="zh-CN" altLang="en-US" dirty="0" smtClean="0"/>
+              <a:t>的最终结构</a:t>
             </a:r>
             <a:endParaRPr lang="zh-CN" altLang="en-US" dirty="0"/>
           </a:p>
         </p:txBody>
       </p:sp>
     </p:spTree>
-    <p:extLst>
-      <p:ext uri="{BB962C8B-B14F-4D97-AF65-F5344CB8AC3E}">
-        <p14:creationId xmlns:p14="http://schemas.microsoft.com/office/powerpoint/2010/main" val="2833477120"/>
-      </p:ext>
-    </p:extLst>
   </p:cSld>
   <p:clrMapOvr>
     <a:masterClrMapping/>
@@ -6249,43 +6214,14 @@
           <a:chExt cx="0" cy="0"/>
         </a:xfrm>
       </p:grpSpPr>
-      <p:pic>
-        <p:nvPicPr>
-          <p:cNvPr id="4" name="内容占位符 3"/>
-          <p:cNvPicPr>
-            <a:picLocks noGrp="1" noChangeAspect="1"/>
-          </p:cNvPicPr>
-          <p:nvPr>
-            <p:ph idx="1"/>
-          </p:nvPr>
-        </p:nvPicPr>
-        <p:blipFill>
-          <a:blip r:embed="rId2">
-            <a:extLst>
-              <a:ext uri="{28A0092B-C50C-407E-A947-70E740481C1C}">
-                <a14:useLocalDpi xmlns:a14="http://schemas.microsoft.com/office/drawing/2010/main" val="0"/>
-              </a:ext>
-            </a:extLst>
-          </a:blip>
-          <a:stretch>
-            <a:fillRect/>
-          </a:stretch>
-        </p:blipFill>
-        <p:spPr>
-          <a:xfrm>
-            <a:off x="778179" y="1481138"/>
-            <a:ext cx="7587641" cy="4525962"/>
-          </a:xfrm>
-        </p:spPr>
-      </p:pic>
       <p:sp>
         <p:nvSpPr>
-          <p:cNvPr id="3" name="标题 2"/>
+          <p:cNvPr id="3" name="内容占位符 2"/>
           <p:cNvSpPr>
             <a:spLocks noGrp="1"/>
           </p:cNvSpPr>
           <p:nvPr>
-            <p:ph type="title"/>
+            <p:ph idx="1"/>
           </p:nvPr>
         </p:nvSpPr>
         <p:spPr/>
@@ -6295,22 +6231,271 @@
           <a:p>
             <a:r>
               <a:rPr lang="en-US" altLang="zh-CN" dirty="0" smtClean="0"/>
-              <a:t>Diff</a:t>
-            </a:r>
-            <a:r>
-              <a:rPr lang="zh-CN" altLang="en-US" dirty="0" smtClean="0"/>
-              <a:t>详解</a:t>
+              <a:t>Commit Object</a:t>
+            </a:r>
+            <a:r>
+              <a:rPr lang="zh-CN" altLang="en-US" dirty="0" smtClean="0"/>
+              <a:t>是</a:t>
+            </a:r>
+            <a:r>
+              <a:rPr lang="en-US" altLang="zh-CN" dirty="0" err="1" smtClean="0"/>
+              <a:t>Git</a:t>
+            </a:r>
+            <a:r>
+              <a:rPr lang="zh-CN" altLang="en-US" dirty="0" smtClean="0"/>
+              <a:t>库某个</a:t>
+            </a:r>
+            <a:r>
+              <a:rPr lang="zh-CN" altLang="en-US" dirty="0" smtClean="0">
+                <a:solidFill>
+                  <a:srgbClr val="FF0000"/>
+                </a:solidFill>
+              </a:rPr>
+              <a:t>原子</a:t>
+            </a:r>
+            <a:r>
+              <a:rPr lang="en-US" altLang="zh-CN" dirty="0" smtClean="0"/>
+              <a:t>(atomic)</a:t>
+            </a:r>
+            <a:r>
+              <a:rPr lang="zh-CN" altLang="en-US" dirty="0" smtClean="0"/>
+              <a:t>状态的快照</a:t>
+            </a:r>
+            <a:r>
+              <a:rPr lang="en-US" altLang="zh-CN" dirty="0" smtClean="0"/>
+              <a:t>(Snapshot)</a:t>
+            </a:r>
+          </a:p>
+          <a:p>
+            <a:r>
+              <a:rPr lang="zh-CN" altLang="en-US" dirty="0" smtClean="0"/>
+              <a:t>通过</a:t>
+            </a:r>
+            <a:r>
+              <a:rPr lang="en-US" altLang="zh-CN" dirty="0" smtClean="0"/>
+              <a:t>Tree Object</a:t>
+            </a:r>
+            <a:r>
+              <a:rPr lang="zh-CN" altLang="en-US" dirty="0" smtClean="0"/>
+              <a:t>创建一个</a:t>
+            </a:r>
+            <a:r>
+              <a:rPr lang="en-US" altLang="zh-CN" dirty="0" smtClean="0"/>
+              <a:t>commit</a:t>
+            </a:r>
+          </a:p>
+          <a:p>
+            <a:pPr>
+              <a:buNone/>
+            </a:pPr>
+            <a:r>
+              <a:rPr lang="en-US" altLang="zh-CN" sz="2000" dirty="0" smtClean="0">
+                <a:solidFill>
+                  <a:srgbClr val="C00000"/>
+                </a:solidFill>
+                <a:latin typeface="Consolas" pitchFamily="49" charset="0"/>
+                <a:cs typeface="Consolas" pitchFamily="49" charset="0"/>
+              </a:rPr>
+              <a:t>$ echo 'first commit' | </a:t>
+            </a:r>
+            <a:r>
+              <a:rPr lang="en-US" altLang="zh-CN" sz="2000" dirty="0" err="1" smtClean="0">
+                <a:solidFill>
+                  <a:srgbClr val="C00000"/>
+                </a:solidFill>
+                <a:latin typeface="Consolas" pitchFamily="49" charset="0"/>
+                <a:cs typeface="Consolas" pitchFamily="49" charset="0"/>
+              </a:rPr>
+              <a:t>git</a:t>
+            </a:r>
+            <a:r>
+              <a:rPr lang="en-US" altLang="zh-CN" sz="2000" dirty="0" smtClean="0">
+                <a:solidFill>
+                  <a:srgbClr val="C00000"/>
+                </a:solidFill>
+                <a:latin typeface="Consolas" pitchFamily="49" charset="0"/>
+                <a:cs typeface="Consolas" pitchFamily="49" charset="0"/>
+              </a:rPr>
+              <a:t> commit-tree d8329f</a:t>
+            </a:r>
+          </a:p>
+          <a:p>
+            <a:r>
+              <a:rPr lang="zh-CN" altLang="en-US" dirty="0" smtClean="0"/>
+              <a:t>再创建两个</a:t>
+            </a:r>
+            <a:r>
+              <a:rPr lang="en-US" altLang="zh-CN" dirty="0" smtClean="0"/>
+              <a:t>commit</a:t>
+            </a:r>
+            <a:r>
+              <a:rPr lang="zh-CN" altLang="en-US" dirty="0" smtClean="0"/>
+              <a:t>，分别指向前一个</a:t>
+            </a:r>
+            <a:r>
+              <a:rPr lang="en-US" altLang="zh-CN" dirty="0" smtClean="0"/>
+              <a:t>commit</a:t>
+            </a:r>
+            <a:r>
+              <a:rPr lang="zh-CN" altLang="en-US" dirty="0" smtClean="0"/>
+              <a:t>作为</a:t>
+            </a:r>
+            <a:r>
+              <a:rPr lang="en-US" altLang="zh-CN" dirty="0" smtClean="0"/>
+              <a:t>parent</a:t>
+            </a:r>
+          </a:p>
+          <a:p>
+            <a:pPr>
+              <a:buNone/>
+            </a:pPr>
+            <a:r>
+              <a:rPr lang="en-US" altLang="zh-CN" sz="2000" dirty="0" smtClean="0">
+                <a:solidFill>
+                  <a:srgbClr val="C00000"/>
+                </a:solidFill>
+                <a:latin typeface="Consolas" pitchFamily="49" charset="0"/>
+                <a:cs typeface="Consolas" pitchFamily="49" charset="0"/>
+              </a:rPr>
+              <a:t>$ echo 'second commit' | </a:t>
+            </a:r>
+            <a:r>
+              <a:rPr lang="en-US" altLang="zh-CN" sz="2000" dirty="0" err="1" smtClean="0">
+                <a:solidFill>
+                  <a:srgbClr val="C00000"/>
+                </a:solidFill>
+                <a:latin typeface="Consolas" pitchFamily="49" charset="0"/>
+                <a:cs typeface="Consolas" pitchFamily="49" charset="0"/>
+              </a:rPr>
+              <a:t>git</a:t>
+            </a:r>
+            <a:r>
+              <a:rPr lang="en-US" altLang="zh-CN" sz="2000" dirty="0" smtClean="0">
+                <a:solidFill>
+                  <a:srgbClr val="C00000"/>
+                </a:solidFill>
+                <a:latin typeface="Consolas" pitchFamily="49" charset="0"/>
+                <a:cs typeface="Consolas" pitchFamily="49" charset="0"/>
+              </a:rPr>
+              <a:t> commit-tree 0155eb -p fdf4fc3 </a:t>
+            </a:r>
+          </a:p>
+          <a:p>
+            <a:pPr>
+              <a:buNone/>
+            </a:pPr>
+            <a:r>
+              <a:rPr lang="en-US" altLang="zh-CN" sz="2000" dirty="0" smtClean="0">
+                <a:solidFill>
+                  <a:srgbClr val="C00000"/>
+                </a:solidFill>
+                <a:latin typeface="Consolas" pitchFamily="49" charset="0"/>
+                <a:cs typeface="Consolas" pitchFamily="49" charset="0"/>
+              </a:rPr>
+              <a:t>$ echo 'third commit' | </a:t>
+            </a:r>
+            <a:r>
+              <a:rPr lang="en-US" altLang="zh-CN" sz="2000" dirty="0" err="1" smtClean="0">
+                <a:solidFill>
+                  <a:srgbClr val="C00000"/>
+                </a:solidFill>
+                <a:latin typeface="Consolas" pitchFamily="49" charset="0"/>
+                <a:cs typeface="Consolas" pitchFamily="49" charset="0"/>
+              </a:rPr>
+              <a:t>git</a:t>
+            </a:r>
+            <a:r>
+              <a:rPr lang="en-US" altLang="zh-CN" sz="2000" dirty="0" smtClean="0">
+                <a:solidFill>
+                  <a:srgbClr val="C00000"/>
+                </a:solidFill>
+                <a:latin typeface="Consolas" pitchFamily="49" charset="0"/>
+                <a:cs typeface="Consolas" pitchFamily="49" charset="0"/>
+              </a:rPr>
+              <a:t> commit-tree 3c4e9c -p cac0cab</a:t>
+            </a:r>
+          </a:p>
+          <a:p>
+            <a:pPr>
+              <a:buNone/>
+            </a:pPr>
+            <a:r>
+              <a:rPr lang="en-US" altLang="zh-CN" sz="2000" dirty="0" smtClean="0">
+                <a:solidFill>
+                  <a:srgbClr val="C00000"/>
+                </a:solidFill>
+                <a:latin typeface="Consolas" pitchFamily="49" charset="0"/>
+                <a:cs typeface="Consolas" pitchFamily="49" charset="0"/>
+              </a:rPr>
+              <a:t>$ </a:t>
+            </a:r>
+            <a:r>
+              <a:rPr lang="en-US" altLang="zh-CN" sz="2000" dirty="0" err="1" smtClean="0">
+                <a:solidFill>
+                  <a:srgbClr val="C00000"/>
+                </a:solidFill>
+                <a:latin typeface="Consolas" pitchFamily="49" charset="0"/>
+                <a:cs typeface="Consolas" pitchFamily="49" charset="0"/>
+              </a:rPr>
+              <a:t>git</a:t>
+            </a:r>
+            <a:r>
+              <a:rPr lang="en-US" altLang="zh-CN" sz="2000" dirty="0" smtClean="0">
+                <a:solidFill>
+                  <a:srgbClr val="C00000"/>
+                </a:solidFill>
+                <a:latin typeface="Consolas" pitchFamily="49" charset="0"/>
+                <a:cs typeface="Consolas" pitchFamily="49" charset="0"/>
+              </a:rPr>
+              <a:t> log –stat &lt;</a:t>
+            </a:r>
+            <a:r>
+              <a:rPr lang="en-US" altLang="zh-CN" sz="2000" dirty="0" err="1" smtClean="0">
+                <a:solidFill>
+                  <a:srgbClr val="C00000"/>
+                </a:solidFill>
+                <a:latin typeface="Consolas" pitchFamily="49" charset="0"/>
+                <a:cs typeface="Consolas" pitchFamily="49" charset="0"/>
+              </a:rPr>
+              <a:t>last_commit_id</a:t>
+            </a:r>
+            <a:r>
+              <a:rPr lang="en-US" altLang="zh-CN" sz="2000" dirty="0" smtClean="0">
+                <a:solidFill>
+                  <a:srgbClr val="C00000"/>
+                </a:solidFill>
+                <a:latin typeface="Consolas" pitchFamily="49" charset="0"/>
+                <a:cs typeface="Consolas" pitchFamily="49" charset="0"/>
+              </a:rPr>
+              <a:t>&gt;</a:t>
+            </a:r>
+          </a:p>
+        </p:txBody>
+      </p:sp>
+      <p:sp>
+        <p:nvSpPr>
+          <p:cNvPr id="2" name="标题 1"/>
+          <p:cNvSpPr>
+            <a:spLocks noGrp="1"/>
+          </p:cNvSpPr>
+          <p:nvPr>
+            <p:ph type="title"/>
+          </p:nvPr>
+        </p:nvSpPr>
+        <p:spPr/>
+        <p:txBody>
+          <a:bodyPr/>
+          <a:lstStyle/>
+          <a:p>
+            <a:r>
+              <a:rPr lang="en-US" altLang="zh-CN" dirty="0" smtClean="0"/>
+              <a:t>Commit Object</a:t>
             </a:r>
             <a:endParaRPr lang="zh-CN" altLang="en-US" dirty="0"/>
           </a:p>
         </p:txBody>
       </p:sp>
     </p:spTree>
-    <p:extLst>
-      <p:ext uri="{BB962C8B-B14F-4D97-AF65-F5344CB8AC3E}">
-        <p14:creationId xmlns:p14="http://schemas.microsoft.com/office/powerpoint/2010/main" val="4246334304"/>
-      </p:ext>
-    </p:extLst>
   </p:cSld>
   <p:clrMapOvr>
     <a:masterClrMapping/>
@@ -6328,6 +6513,11 @@
 <file path=ppt/slides/slide2.xml><?xml version="1.0" encoding="utf-8"?>
 <p:sld xmlns:a="http://schemas.openxmlformats.org/drawingml/2006/main" xmlns:r="http://schemas.openxmlformats.org/officeDocument/2006/relationships" xmlns:p="http://schemas.openxmlformats.org/presentationml/2006/main">
   <p:cSld>
+    <p:bg>
+      <p:bgRef idx="1001">
+        <a:schemeClr val="bg1"/>
+      </p:bgRef>
+    </p:bg>
     <p:spTree>
       <p:nvGrpSpPr>
         <p:cNvPr id="1" name=""/>
@@ -6342,35 +6532,412 @@
           <a:chExt cx="0" cy="0"/>
         </a:xfrm>
       </p:grpSpPr>
-      <p:pic>
-        <p:nvPicPr>
-          <p:cNvPr id="4" name="内容占位符 3"/>
-          <p:cNvPicPr>
-            <a:picLocks noGrp="1" noChangeAspect="1"/>
-          </p:cNvPicPr>
+      <p:sp>
+        <p:nvSpPr>
+          <p:cNvPr id="2" name="内容占位符 1"/>
+          <p:cNvSpPr>
+            <a:spLocks noGrp="1"/>
+          </p:cNvSpPr>
           <p:nvPr>
             <p:ph idx="1"/>
           </p:nvPr>
-        </p:nvPicPr>
-        <p:blipFill>
-          <a:blip r:embed="rId2">
-            <a:extLst>
-              <a:ext uri="{28A0092B-C50C-407E-A947-70E740481C1C}">
-                <a14:useLocalDpi xmlns:a14="http://schemas.microsoft.com/office/drawing/2010/main" val="0"/>
-              </a:ext>
-            </a:extLst>
-          </a:blip>
-          <a:stretch>
-            <a:fillRect/>
-          </a:stretch>
-        </p:blipFill>
-        <p:spPr>
-          <a:xfrm>
-            <a:off x="611560" y="1268760"/>
-            <a:ext cx="7992888" cy="5347636"/>
-          </a:xfrm>
-        </p:spPr>
-      </p:pic>
+        </p:nvSpPr>
+        <p:spPr/>
+        <p:txBody>
+          <a:bodyPr>
+            <a:normAutofit/>
+          </a:bodyPr>
+          <a:lstStyle/>
+          <a:p>
+            <a:pPr marL="109728" indent="0">
+              <a:lnSpc>
+                <a:spcPct val="90000"/>
+              </a:lnSpc>
+              <a:buNone/>
+            </a:pPr>
+            <a:r>
+              <a:rPr lang="en-US" altLang="zh-CN" sz="1900" dirty="0">
+                <a:solidFill>
+                  <a:srgbClr val="C00000"/>
+                </a:solidFill>
+                <a:latin typeface="Consolas" pitchFamily="49" charset="0"/>
+                <a:cs typeface="Consolas" pitchFamily="49" charset="0"/>
+              </a:rPr>
+              <a:t>$ </a:t>
+            </a:r>
+            <a:r>
+              <a:rPr lang="en-US" altLang="zh-CN" sz="1900" dirty="0" err="1">
+                <a:solidFill>
+                  <a:srgbClr val="C00000"/>
+                </a:solidFill>
+                <a:latin typeface="Consolas" pitchFamily="49" charset="0"/>
+                <a:cs typeface="Consolas" pitchFamily="49" charset="0"/>
+              </a:rPr>
+              <a:t>mkdir</a:t>
+            </a:r>
+            <a:r>
+              <a:rPr lang="en-US" altLang="zh-CN" sz="1900" dirty="0">
+                <a:solidFill>
+                  <a:srgbClr val="C00000"/>
+                </a:solidFill>
+                <a:latin typeface="Consolas" pitchFamily="49" charset="0"/>
+                <a:cs typeface="Consolas" pitchFamily="49" charset="0"/>
+              </a:rPr>
+              <a:t> </a:t>
+            </a:r>
+            <a:r>
+              <a:rPr lang="en-US" altLang="zh-CN" sz="1900" dirty="0" err="1">
+                <a:solidFill>
+                  <a:srgbClr val="C00000"/>
+                </a:solidFill>
+                <a:latin typeface="Consolas" pitchFamily="49" charset="0"/>
+                <a:cs typeface="Consolas" pitchFamily="49" charset="0"/>
+              </a:rPr>
+              <a:t>test.git</a:t>
+            </a:r>
+            <a:endParaRPr lang="en-US" altLang="zh-CN" sz="1900" dirty="0">
+              <a:solidFill>
+                <a:srgbClr val="C00000"/>
+              </a:solidFill>
+              <a:latin typeface="Consolas" pitchFamily="49" charset="0"/>
+              <a:cs typeface="Consolas" pitchFamily="49" charset="0"/>
+            </a:endParaRPr>
+          </a:p>
+          <a:p>
+            <a:pPr marL="109728" indent="0">
+              <a:lnSpc>
+                <a:spcPct val="90000"/>
+              </a:lnSpc>
+              <a:buNone/>
+            </a:pPr>
+            <a:r>
+              <a:rPr lang="en-US" altLang="zh-CN" sz="1900" dirty="0">
+                <a:solidFill>
+                  <a:srgbClr val="C00000"/>
+                </a:solidFill>
+                <a:latin typeface="Consolas" pitchFamily="49" charset="0"/>
+                <a:cs typeface="Consolas" pitchFamily="49" charset="0"/>
+              </a:rPr>
+              <a:t>$ cd </a:t>
+            </a:r>
+            <a:r>
+              <a:rPr lang="en-US" altLang="zh-CN" sz="1900" dirty="0" err="1">
+                <a:solidFill>
+                  <a:srgbClr val="C00000"/>
+                </a:solidFill>
+                <a:latin typeface="Consolas" pitchFamily="49" charset="0"/>
+                <a:cs typeface="Consolas" pitchFamily="49" charset="0"/>
+              </a:rPr>
+              <a:t>test.git</a:t>
+            </a:r>
+            <a:endParaRPr lang="en-US" altLang="zh-CN" sz="1900" dirty="0">
+              <a:solidFill>
+                <a:srgbClr val="C00000"/>
+              </a:solidFill>
+              <a:latin typeface="Consolas" pitchFamily="49" charset="0"/>
+              <a:cs typeface="Consolas" pitchFamily="49" charset="0"/>
+            </a:endParaRPr>
+          </a:p>
+          <a:p>
+            <a:pPr marL="109728" indent="0">
+              <a:lnSpc>
+                <a:spcPct val="90000"/>
+              </a:lnSpc>
+              <a:buNone/>
+            </a:pPr>
+            <a:r>
+              <a:rPr lang="en-US" altLang="zh-CN" sz="1900" dirty="0">
+                <a:solidFill>
+                  <a:srgbClr val="C00000"/>
+                </a:solidFill>
+                <a:latin typeface="Consolas" pitchFamily="49" charset="0"/>
+                <a:cs typeface="Consolas" pitchFamily="49" charset="0"/>
+              </a:rPr>
+              <a:t>$ </a:t>
+            </a:r>
+            <a:r>
+              <a:rPr lang="en-US" altLang="zh-CN" sz="1900" dirty="0" err="1">
+                <a:solidFill>
+                  <a:srgbClr val="C00000"/>
+                </a:solidFill>
+                <a:latin typeface="Consolas" pitchFamily="49" charset="0"/>
+                <a:cs typeface="Consolas" pitchFamily="49" charset="0"/>
+              </a:rPr>
+              <a:t>git</a:t>
+            </a:r>
+            <a:r>
+              <a:rPr lang="en-US" altLang="zh-CN" sz="1900" dirty="0">
+                <a:solidFill>
+                  <a:srgbClr val="C00000"/>
+                </a:solidFill>
+                <a:latin typeface="Consolas" pitchFamily="49" charset="0"/>
+                <a:cs typeface="Consolas" pitchFamily="49" charset="0"/>
+              </a:rPr>
+              <a:t> </a:t>
+            </a:r>
+            <a:r>
+              <a:rPr lang="en-US" altLang="zh-CN" sz="1900" dirty="0" err="1">
+                <a:solidFill>
+                  <a:srgbClr val="C00000"/>
+                </a:solidFill>
+                <a:latin typeface="Consolas" pitchFamily="49" charset="0"/>
+                <a:cs typeface="Consolas" pitchFamily="49" charset="0"/>
+              </a:rPr>
+              <a:t>init</a:t>
+            </a:r>
+            <a:endParaRPr lang="en-US" altLang="zh-CN" sz="1900" dirty="0">
+              <a:solidFill>
+                <a:srgbClr val="C00000"/>
+              </a:solidFill>
+              <a:latin typeface="Consolas" pitchFamily="49" charset="0"/>
+              <a:cs typeface="Consolas" pitchFamily="49" charset="0"/>
+            </a:endParaRPr>
+          </a:p>
+          <a:p>
+            <a:pPr marL="109728" indent="0">
+              <a:lnSpc>
+                <a:spcPct val="90000"/>
+              </a:lnSpc>
+              <a:buNone/>
+            </a:pPr>
+            <a:r>
+              <a:rPr lang="en-US" altLang="zh-CN" sz="1900" dirty="0">
+                <a:solidFill>
+                  <a:srgbClr val="C00000"/>
+                </a:solidFill>
+                <a:latin typeface="Consolas" pitchFamily="49" charset="0"/>
+                <a:cs typeface="Consolas" pitchFamily="49" charset="0"/>
+              </a:rPr>
+              <a:t>$ echo “test” &gt; test.txt</a:t>
+            </a:r>
+          </a:p>
+          <a:p>
+            <a:pPr marL="109728" indent="0">
+              <a:lnSpc>
+                <a:spcPct val="90000"/>
+              </a:lnSpc>
+              <a:buNone/>
+            </a:pPr>
+            <a:r>
+              <a:rPr lang="en-US" altLang="zh-CN" sz="1900" dirty="0">
+                <a:solidFill>
+                  <a:srgbClr val="C00000"/>
+                </a:solidFill>
+                <a:latin typeface="Consolas" pitchFamily="49" charset="0"/>
+                <a:cs typeface="Consolas" pitchFamily="49" charset="0"/>
+              </a:rPr>
+              <a:t>$ </a:t>
+            </a:r>
+            <a:r>
+              <a:rPr lang="en-US" altLang="zh-CN" sz="1900" dirty="0" err="1">
+                <a:solidFill>
+                  <a:srgbClr val="C00000"/>
+                </a:solidFill>
+                <a:latin typeface="Consolas" pitchFamily="49" charset="0"/>
+                <a:cs typeface="Consolas" pitchFamily="49" charset="0"/>
+              </a:rPr>
+              <a:t>git</a:t>
+            </a:r>
+            <a:r>
+              <a:rPr lang="en-US" altLang="zh-CN" sz="1900" dirty="0">
+                <a:solidFill>
+                  <a:srgbClr val="C00000"/>
+                </a:solidFill>
+                <a:latin typeface="Consolas" pitchFamily="49" charset="0"/>
+                <a:cs typeface="Consolas" pitchFamily="49" charset="0"/>
+              </a:rPr>
+              <a:t> add .</a:t>
+            </a:r>
+          </a:p>
+          <a:p>
+            <a:pPr marL="109728" indent="0">
+              <a:lnSpc>
+                <a:spcPct val="90000"/>
+              </a:lnSpc>
+              <a:buNone/>
+            </a:pPr>
+            <a:r>
+              <a:rPr lang="en-US" altLang="zh-CN" sz="1900" dirty="0">
+                <a:solidFill>
+                  <a:srgbClr val="C00000"/>
+                </a:solidFill>
+                <a:latin typeface="Consolas" pitchFamily="49" charset="0"/>
+                <a:cs typeface="Consolas" pitchFamily="49" charset="0"/>
+              </a:rPr>
+              <a:t>$ </a:t>
+            </a:r>
+            <a:r>
+              <a:rPr lang="en-US" altLang="zh-CN" sz="1900" dirty="0" err="1">
+                <a:solidFill>
+                  <a:srgbClr val="C00000"/>
+                </a:solidFill>
+                <a:latin typeface="Consolas" pitchFamily="49" charset="0"/>
+                <a:cs typeface="Consolas" pitchFamily="49" charset="0"/>
+              </a:rPr>
+              <a:t>git</a:t>
+            </a:r>
+            <a:r>
+              <a:rPr lang="en-US" altLang="zh-CN" sz="1900" dirty="0">
+                <a:solidFill>
+                  <a:srgbClr val="C00000"/>
+                </a:solidFill>
+                <a:latin typeface="Consolas" pitchFamily="49" charset="0"/>
+                <a:cs typeface="Consolas" pitchFamily="49" charset="0"/>
+              </a:rPr>
+              <a:t> commit –m “initial commit</a:t>
+            </a:r>
+            <a:r>
+              <a:rPr lang="en-US" altLang="zh-CN" sz="1900" dirty="0" smtClean="0">
+                <a:solidFill>
+                  <a:srgbClr val="C00000"/>
+                </a:solidFill>
+                <a:latin typeface="Consolas" pitchFamily="49" charset="0"/>
+                <a:cs typeface="Consolas" pitchFamily="49" charset="0"/>
+              </a:rPr>
+              <a:t>”</a:t>
+            </a:r>
+          </a:p>
+          <a:p>
+            <a:pPr marL="109728" indent="0">
+              <a:lnSpc>
+                <a:spcPct val="90000"/>
+              </a:lnSpc>
+              <a:buNone/>
+            </a:pPr>
+            <a:r>
+              <a:rPr lang="en-US" altLang="zh-CN" sz="1900" dirty="0" smtClean="0">
+                <a:solidFill>
+                  <a:srgbClr val="C00000"/>
+                </a:solidFill>
+                <a:latin typeface="Consolas" pitchFamily="49" charset="0"/>
+                <a:cs typeface="Consolas" pitchFamily="49" charset="0"/>
+              </a:rPr>
+              <a:t>$ echo “v2” &gt;&gt; test.txt</a:t>
+            </a:r>
+          </a:p>
+          <a:p>
+            <a:pPr marL="109728" indent="0">
+              <a:lnSpc>
+                <a:spcPct val="90000"/>
+              </a:lnSpc>
+              <a:buNone/>
+            </a:pPr>
+            <a:r>
+              <a:rPr lang="en-US" altLang="zh-CN" sz="1900" dirty="0" smtClean="0">
+                <a:solidFill>
+                  <a:srgbClr val="C00000"/>
+                </a:solidFill>
+                <a:latin typeface="Consolas" pitchFamily="49" charset="0"/>
+                <a:cs typeface="Consolas" pitchFamily="49" charset="0"/>
+              </a:rPr>
+              <a:t>$ </a:t>
+            </a:r>
+            <a:r>
+              <a:rPr lang="en-US" altLang="zh-CN" sz="1900" dirty="0" err="1" smtClean="0">
+                <a:solidFill>
+                  <a:srgbClr val="C00000"/>
+                </a:solidFill>
+                <a:latin typeface="Consolas" pitchFamily="49" charset="0"/>
+                <a:cs typeface="Consolas" pitchFamily="49" charset="0"/>
+              </a:rPr>
+              <a:t>git</a:t>
+            </a:r>
+            <a:r>
+              <a:rPr lang="en-US" altLang="zh-CN" sz="1900" dirty="0" smtClean="0">
+                <a:solidFill>
+                  <a:srgbClr val="C00000"/>
+                </a:solidFill>
+                <a:latin typeface="Consolas" pitchFamily="49" charset="0"/>
+                <a:cs typeface="Consolas" pitchFamily="49" charset="0"/>
+              </a:rPr>
+              <a:t> add .</a:t>
+            </a:r>
+          </a:p>
+          <a:p>
+            <a:pPr marL="109728" indent="0">
+              <a:lnSpc>
+                <a:spcPct val="90000"/>
+              </a:lnSpc>
+              <a:buNone/>
+            </a:pPr>
+            <a:r>
+              <a:rPr lang="en-US" altLang="zh-CN" sz="1900" dirty="0" smtClean="0">
+                <a:solidFill>
+                  <a:srgbClr val="C00000"/>
+                </a:solidFill>
+                <a:latin typeface="Consolas" pitchFamily="49" charset="0"/>
+                <a:cs typeface="Consolas" pitchFamily="49" charset="0"/>
+              </a:rPr>
+              <a:t>$ </a:t>
+            </a:r>
+            <a:r>
+              <a:rPr lang="en-US" altLang="zh-CN" sz="1900" dirty="0" err="1" smtClean="0">
+                <a:solidFill>
+                  <a:srgbClr val="C00000"/>
+                </a:solidFill>
+                <a:latin typeface="Consolas" pitchFamily="49" charset="0"/>
+                <a:cs typeface="Consolas" pitchFamily="49" charset="0"/>
+              </a:rPr>
+              <a:t>git</a:t>
+            </a:r>
+            <a:r>
+              <a:rPr lang="en-US" altLang="zh-CN" sz="1900" dirty="0" smtClean="0">
+                <a:solidFill>
+                  <a:srgbClr val="C00000"/>
+                </a:solidFill>
+                <a:latin typeface="Consolas" pitchFamily="49" charset="0"/>
+                <a:cs typeface="Consolas" pitchFamily="49" charset="0"/>
+              </a:rPr>
+              <a:t> commit –m “second commit”</a:t>
+            </a:r>
+          </a:p>
+          <a:p>
+            <a:pPr marL="109728" indent="0">
+              <a:lnSpc>
+                <a:spcPct val="90000"/>
+              </a:lnSpc>
+              <a:buNone/>
+            </a:pPr>
+            <a:r>
+              <a:rPr lang="en-US" altLang="zh-CN" sz="1900" dirty="0" smtClean="0">
+                <a:solidFill>
+                  <a:srgbClr val="C00000"/>
+                </a:solidFill>
+                <a:latin typeface="Consolas" pitchFamily="49" charset="0"/>
+                <a:cs typeface="Consolas" pitchFamily="49" charset="0"/>
+              </a:rPr>
+              <a:t>$ </a:t>
+            </a:r>
+            <a:r>
+              <a:rPr lang="en-US" altLang="zh-CN" sz="1900" dirty="0" err="1" smtClean="0">
+                <a:solidFill>
+                  <a:srgbClr val="C00000"/>
+                </a:solidFill>
+                <a:latin typeface="Consolas" pitchFamily="49" charset="0"/>
+                <a:cs typeface="Consolas" pitchFamily="49" charset="0"/>
+              </a:rPr>
+              <a:t>git</a:t>
+            </a:r>
+            <a:r>
+              <a:rPr lang="en-US" altLang="zh-CN" sz="1900" dirty="0" smtClean="0">
+                <a:solidFill>
+                  <a:srgbClr val="C00000"/>
+                </a:solidFill>
+                <a:latin typeface="Consolas" pitchFamily="49" charset="0"/>
+                <a:cs typeface="Consolas" pitchFamily="49" charset="0"/>
+              </a:rPr>
+              <a:t> log</a:t>
+            </a:r>
+            <a:endParaRPr lang="en-US" altLang="zh-CN" sz="1900" dirty="0">
+              <a:solidFill>
+                <a:srgbClr val="C00000"/>
+              </a:solidFill>
+              <a:latin typeface="Consolas" pitchFamily="49" charset="0"/>
+              <a:cs typeface="Consolas" pitchFamily="49" charset="0"/>
+            </a:endParaRPr>
+          </a:p>
+        </p:txBody>
+      </p:sp>
       <p:sp>
         <p:nvSpPr>
           <p:cNvPr id="3" name="标题 2"/>
@@ -6388,7 +6955,15 @@
           <a:p>
             <a:r>
               <a:rPr lang="zh-CN" altLang="en-US" dirty="0" smtClean="0"/>
-              <a:t>工作流简介</a:t>
+              <a:t>本地</a:t>
+            </a:r>
+            <a:r>
+              <a:rPr lang="en-US" altLang="zh-CN" dirty="0" err="1" smtClean="0"/>
+              <a:t>Git</a:t>
+            </a:r>
+            <a:r>
+              <a:rPr lang="zh-CN" altLang="en-US" dirty="0" smtClean="0"/>
+              <a:t>库</a:t>
             </a:r>
             <a:endParaRPr lang="zh-CN" altLang="en-US" dirty="0"/>
           </a:p>
@@ -6397,12 +6972,12 @@
     </p:spTree>
     <p:extLst>
       <p:ext uri="{BB962C8B-B14F-4D97-AF65-F5344CB8AC3E}">
-        <p14:creationId xmlns:p14="http://schemas.microsoft.com/office/powerpoint/2010/main" val="1695765042"/>
+        <p14:creationId xmlns:p14="http://schemas.microsoft.com/office/powerpoint/2010/main" val="2013786158"/>
       </p:ext>
     </p:extLst>
   </p:cSld>
   <p:clrMapOvr>
-    <a:masterClrMapping/>
+    <a:overrideClrMapping bg1="lt1" tx1="dk1" bg2="lt2" tx2="dk2" accent1="accent1" accent2="accent2" accent3="accent3" accent4="accent4" accent5="accent5" accent6="accent6" hlink="hlink" folHlink="folHlink"/>
   </p:clrMapOvr>
   <p:timing>
     <p:tnLst>
@@ -6447,237 +7022,70 @@
           <a:lstStyle/>
           <a:p>
             <a:r>
-              <a:rPr lang="zh-CN" altLang="en-US" dirty="0" smtClean="0"/>
-              <a:t>工作进行到一半，突然有一个紧急的任务要优先处理</a:t>
-            </a:r>
-            <a:endParaRPr lang="en-US" altLang="zh-CN" dirty="0" smtClean="0"/>
-          </a:p>
-          <a:p>
-            <a:r>
-              <a:rPr lang="zh-CN" altLang="en-US" dirty="0" smtClean="0"/>
-              <a:t>没完成一个完整的功能，不能</a:t>
-            </a:r>
-            <a:r>
-              <a:rPr lang="en-US" altLang="zh-CN" dirty="0" smtClean="0"/>
-              <a:t>Commit</a:t>
-            </a:r>
-          </a:p>
-          <a:p>
-            <a:pPr marL="109728" indent="0">
-              <a:buNone/>
-            </a:pPr>
-            <a:r>
-              <a:rPr lang="en-US" altLang="zh-CN" sz="2000" dirty="0">
-                <a:solidFill>
-                  <a:srgbClr val="C00000"/>
-                </a:solidFill>
-                <a:latin typeface="Consolas" pitchFamily="49" charset="0"/>
-                <a:cs typeface="Consolas" pitchFamily="49" charset="0"/>
-              </a:rPr>
-              <a:t>$ </a:t>
-            </a:r>
-            <a:r>
-              <a:rPr lang="en-US" altLang="zh-CN" sz="2000" dirty="0" err="1">
-                <a:solidFill>
-                  <a:srgbClr val="C00000"/>
-                </a:solidFill>
-                <a:latin typeface="Consolas" pitchFamily="49" charset="0"/>
-                <a:cs typeface="Consolas" pitchFamily="49" charset="0"/>
-              </a:rPr>
-              <a:t>git</a:t>
-            </a:r>
-            <a:r>
-              <a:rPr lang="en-US" altLang="zh-CN" sz="2000" dirty="0">
-                <a:solidFill>
-                  <a:srgbClr val="C00000"/>
-                </a:solidFill>
-                <a:latin typeface="Consolas" pitchFamily="49" charset="0"/>
-                <a:cs typeface="Consolas" pitchFamily="49" charset="0"/>
-              </a:rPr>
-              <a:t> stash save xxx</a:t>
-            </a:r>
-          </a:p>
-          <a:p>
-            <a:pPr marL="109728" indent="0">
-              <a:buNone/>
-            </a:pPr>
-            <a:r>
-              <a:rPr lang="en-US" altLang="zh-CN" sz="2000" dirty="0">
-                <a:solidFill>
-                  <a:srgbClr val="C00000"/>
-                </a:solidFill>
-                <a:latin typeface="Consolas" pitchFamily="49" charset="0"/>
-                <a:cs typeface="Consolas" pitchFamily="49" charset="0"/>
-              </a:rPr>
-              <a:t>$ </a:t>
-            </a:r>
-            <a:r>
-              <a:rPr lang="en-US" altLang="zh-CN" sz="2000" dirty="0" err="1">
-                <a:solidFill>
-                  <a:srgbClr val="C00000"/>
-                </a:solidFill>
-                <a:latin typeface="Consolas" pitchFamily="49" charset="0"/>
-                <a:cs typeface="Consolas" pitchFamily="49" charset="0"/>
-              </a:rPr>
-              <a:t>git</a:t>
-            </a:r>
-            <a:r>
-              <a:rPr lang="en-US" altLang="zh-CN" sz="2000" dirty="0">
-                <a:solidFill>
-                  <a:srgbClr val="C00000"/>
-                </a:solidFill>
-                <a:latin typeface="Consolas" pitchFamily="49" charset="0"/>
-                <a:cs typeface="Consolas" pitchFamily="49" charset="0"/>
-              </a:rPr>
-              <a:t> stash list</a:t>
-            </a:r>
-          </a:p>
-          <a:p>
-            <a:pPr marL="109728" indent="0">
-              <a:buNone/>
-            </a:pPr>
-            <a:r>
-              <a:rPr lang="en-US" altLang="zh-CN" sz="2000" dirty="0">
-                <a:solidFill>
-                  <a:srgbClr val="C00000"/>
-                </a:solidFill>
-                <a:latin typeface="Consolas" pitchFamily="49" charset="0"/>
-                <a:cs typeface="Consolas" pitchFamily="49" charset="0"/>
-              </a:rPr>
-              <a:t>$ </a:t>
-            </a:r>
-            <a:r>
-              <a:rPr lang="en-US" altLang="zh-CN" sz="2000" dirty="0" err="1">
-                <a:solidFill>
-                  <a:srgbClr val="C00000"/>
-                </a:solidFill>
-                <a:latin typeface="Consolas" pitchFamily="49" charset="0"/>
-                <a:cs typeface="Consolas" pitchFamily="49" charset="0"/>
-              </a:rPr>
-              <a:t>git</a:t>
-            </a:r>
-            <a:r>
-              <a:rPr lang="en-US" altLang="zh-CN" sz="2000" dirty="0">
-                <a:solidFill>
-                  <a:srgbClr val="C00000"/>
-                </a:solidFill>
-                <a:latin typeface="Consolas" pitchFamily="49" charset="0"/>
-                <a:cs typeface="Consolas" pitchFamily="49" charset="0"/>
-              </a:rPr>
-              <a:t> stash apply xxx</a:t>
-            </a:r>
-          </a:p>
-          <a:p>
-            <a:pPr marL="109728" indent="0">
-              <a:buNone/>
-            </a:pPr>
-            <a:r>
-              <a:rPr lang="en-US" altLang="zh-CN" sz="2000" dirty="0">
-                <a:solidFill>
-                  <a:srgbClr val="C00000"/>
-                </a:solidFill>
-                <a:latin typeface="Consolas" pitchFamily="49" charset="0"/>
-                <a:cs typeface="Consolas" pitchFamily="49" charset="0"/>
-              </a:rPr>
-              <a:t>$ </a:t>
-            </a:r>
-            <a:r>
-              <a:rPr lang="en-US" altLang="zh-CN" sz="2000" dirty="0" err="1">
-                <a:solidFill>
-                  <a:srgbClr val="C00000"/>
-                </a:solidFill>
-                <a:latin typeface="Consolas" pitchFamily="49" charset="0"/>
-                <a:cs typeface="Consolas" pitchFamily="49" charset="0"/>
-              </a:rPr>
-              <a:t>git</a:t>
-            </a:r>
-            <a:r>
-              <a:rPr lang="en-US" altLang="zh-CN" sz="2000" dirty="0">
-                <a:solidFill>
-                  <a:srgbClr val="C00000"/>
-                </a:solidFill>
-                <a:latin typeface="Consolas" pitchFamily="49" charset="0"/>
-                <a:cs typeface="Consolas" pitchFamily="49" charset="0"/>
-              </a:rPr>
-              <a:t> stash drop xxx</a:t>
-            </a:r>
-          </a:p>
-          <a:p>
-            <a:pPr marL="109728" indent="0">
-              <a:buNone/>
-            </a:pPr>
-            <a:r>
-              <a:rPr lang="en-US" altLang="zh-CN" sz="2000" dirty="0">
-                <a:solidFill>
-                  <a:srgbClr val="C00000"/>
-                </a:solidFill>
-                <a:latin typeface="Consolas" pitchFamily="49" charset="0"/>
-                <a:cs typeface="Consolas" pitchFamily="49" charset="0"/>
-              </a:rPr>
-              <a:t>$ </a:t>
-            </a:r>
-            <a:r>
-              <a:rPr lang="en-US" altLang="zh-CN" sz="2000" dirty="0" err="1">
-                <a:solidFill>
-                  <a:srgbClr val="C00000"/>
-                </a:solidFill>
-                <a:latin typeface="Consolas" pitchFamily="49" charset="0"/>
-                <a:cs typeface="Consolas" pitchFamily="49" charset="0"/>
-              </a:rPr>
-              <a:t>git</a:t>
-            </a:r>
-            <a:r>
-              <a:rPr lang="en-US" altLang="zh-CN" sz="2000" dirty="0">
-                <a:solidFill>
-                  <a:srgbClr val="C00000"/>
-                </a:solidFill>
-                <a:latin typeface="Consolas" pitchFamily="49" charset="0"/>
-                <a:cs typeface="Consolas" pitchFamily="49" charset="0"/>
-              </a:rPr>
-              <a:t> stash pop</a:t>
-            </a:r>
-          </a:p>
-          <a:p>
-            <a:pPr marL="109728" indent="0">
-              <a:buNone/>
-            </a:pPr>
-            <a:r>
-              <a:rPr lang="en-US" altLang="zh-CN" sz="2000" dirty="0">
-                <a:solidFill>
-                  <a:srgbClr val="C00000"/>
-                </a:solidFill>
-                <a:latin typeface="Consolas" pitchFamily="49" charset="0"/>
-                <a:cs typeface="Consolas" pitchFamily="49" charset="0"/>
-              </a:rPr>
-              <a:t>$ </a:t>
-            </a:r>
-            <a:r>
-              <a:rPr lang="en-US" altLang="zh-CN" sz="2000" dirty="0" err="1">
-                <a:solidFill>
-                  <a:srgbClr val="C00000"/>
-                </a:solidFill>
-                <a:latin typeface="Consolas" pitchFamily="49" charset="0"/>
-                <a:cs typeface="Consolas" pitchFamily="49" charset="0"/>
-              </a:rPr>
-              <a:t>git</a:t>
-            </a:r>
-            <a:r>
-              <a:rPr lang="en-US" altLang="zh-CN" sz="2000" dirty="0">
-                <a:solidFill>
-                  <a:srgbClr val="C00000"/>
-                </a:solidFill>
-                <a:latin typeface="Consolas" pitchFamily="49" charset="0"/>
-                <a:cs typeface="Consolas" pitchFamily="49" charset="0"/>
-              </a:rPr>
-              <a:t> stash clear</a:t>
-            </a:r>
-            <a:endParaRPr lang="zh-CN" altLang="en-US" sz="2000" dirty="0">
-              <a:solidFill>
-                <a:srgbClr val="C00000"/>
-              </a:solidFill>
-              <a:latin typeface="Consolas" pitchFamily="49" charset="0"/>
-              <a:cs typeface="Consolas" pitchFamily="49" charset="0"/>
-            </a:endParaRPr>
+              <a:rPr lang="en-US" altLang="zh-CN" dirty="0" smtClean="0"/>
+              <a:t>Info = </a:t>
+            </a:r>
+            <a:r>
+              <a:rPr lang="en-US" altLang="zh-CN" dirty="0" err="1" smtClean="0"/>
+              <a:t>TreeId+ParentId+Author+Committer+TimeStamp+Commit</a:t>
+            </a:r>
+            <a:r>
+              <a:rPr lang="en-US" altLang="zh-CN" dirty="0" smtClean="0"/>
+              <a:t> Message</a:t>
+            </a:r>
+          </a:p>
+          <a:p>
+            <a:r>
+              <a:rPr lang="en-US" altLang="zh-CN" dirty="0" smtClean="0"/>
+              <a:t>Sha1(“commit “+</a:t>
+            </a:r>
+            <a:r>
+              <a:rPr lang="en-US" altLang="zh-CN" dirty="0" err="1" smtClean="0"/>
+              <a:t>Info.size</a:t>
+            </a:r>
+            <a:r>
+              <a:rPr lang="en-US" altLang="zh-CN" dirty="0" smtClean="0"/>
+              <a:t>()</a:t>
+            </a:r>
+            <a:r>
+              <a:rPr lang="zh-CN" altLang="en-US" dirty="0" smtClean="0"/>
+              <a:t>＋</a:t>
+            </a:r>
+            <a:r>
+              <a:rPr lang="en-US" altLang="zh-CN" dirty="0" smtClean="0"/>
+              <a:t>”\0”+Info)</a:t>
+            </a:r>
+          </a:p>
+          <a:p>
+            <a:r>
+              <a:rPr lang="zh-CN" altLang="en-US" dirty="0" smtClean="0"/>
+              <a:t>即使</a:t>
+            </a:r>
+            <a:r>
+              <a:rPr lang="en-US" altLang="zh-CN" dirty="0" smtClean="0"/>
+              <a:t>Tree Object</a:t>
+            </a:r>
+            <a:r>
+              <a:rPr lang="zh-CN" altLang="en-US" dirty="0" smtClean="0"/>
+              <a:t>没有变化，但是时间戳或者</a:t>
+            </a:r>
+            <a:r>
+              <a:rPr lang="en-US" altLang="zh-CN" dirty="0" smtClean="0"/>
+              <a:t>Message</a:t>
+            </a:r>
+            <a:r>
+              <a:rPr lang="zh-CN" altLang="en-US" dirty="0" smtClean="0"/>
+              <a:t>内容发生变化，也会生成一个完全不同的</a:t>
+            </a:r>
+            <a:r>
+              <a:rPr lang="en-US" altLang="zh-CN" dirty="0" smtClean="0"/>
+              <a:t>Commit Object</a:t>
+            </a:r>
+            <a:r>
+              <a:rPr lang="zh-CN" altLang="en-US" dirty="0" smtClean="0"/>
+              <a:t>对象</a:t>
+            </a:r>
+            <a:endParaRPr lang="zh-CN" altLang="en-US" dirty="0"/>
           </a:p>
         </p:txBody>
       </p:sp>
@@ -6697,31 +7105,18 @@
           <a:lstStyle/>
           <a:p>
             <a:r>
-              <a:rPr lang="zh-CN" altLang="en-US" dirty="0" smtClean="0"/>
-              <a:t>场景：保存临时工作（</a:t>
-            </a:r>
-            <a:r>
-              <a:rPr lang="en-US" altLang="zh-CN" dirty="0" err="1" smtClean="0"/>
-              <a:t>git</a:t>
-            </a:r>
-            <a:r>
-              <a:rPr lang="en-US" altLang="zh-CN" dirty="0" smtClean="0"/>
-              <a:t> stash</a:t>
-            </a:r>
-            <a:r>
-              <a:rPr lang="zh-CN" altLang="en-US" dirty="0" smtClean="0"/>
-              <a:t>）</a:t>
+              <a:rPr lang="en-US" altLang="zh-CN" dirty="0" smtClean="0"/>
+              <a:t>Commit Object</a:t>
+            </a:r>
+            <a:r>
+              <a:rPr lang="zh-CN" altLang="en-US" dirty="0" smtClean="0"/>
+              <a:t>包含的信息</a:t>
             </a:r>
             <a:endParaRPr lang="zh-CN" altLang="en-US" dirty="0"/>
           </a:p>
         </p:txBody>
       </p:sp>
     </p:spTree>
-    <p:extLst>
-      <p:ext uri="{BB962C8B-B14F-4D97-AF65-F5344CB8AC3E}">
-        <p14:creationId xmlns:p14="http://schemas.microsoft.com/office/powerpoint/2010/main" val="1394841650"/>
-      </p:ext>
-    </p:extLst>
   </p:cSld>
   <p:clrMapOvr>
     <a:masterClrMapping/>
@@ -6755,7 +7150,7 @@
       </p:grpSpPr>
       <p:pic>
         <p:nvPicPr>
-          <p:cNvPr id="6" name="内容占位符 5"/>
+          <p:cNvPr id="4" name="内容占位符 3" descr="commit.png"/>
           <p:cNvPicPr>
             <a:picLocks noGrp="1" noChangeAspect="1"/>
           </p:cNvPicPr>
@@ -6764,27 +7159,21 @@
           </p:nvPr>
         </p:nvPicPr>
         <p:blipFill>
-          <a:blip r:embed="rId2">
-            <a:extLst>
-              <a:ext uri="{28A0092B-C50C-407E-A947-70E740481C1C}">
-                <a14:useLocalDpi xmlns:a14="http://schemas.microsoft.com/office/drawing/2010/main" val="0"/>
-              </a:ext>
-            </a:extLst>
-          </a:blip>
+          <a:blip r:embed="rId2" cstate="print"/>
           <a:stretch>
             <a:fillRect/>
           </a:stretch>
         </p:blipFill>
         <p:spPr>
           <a:xfrm>
-            <a:off x="179512" y="1268760"/>
-            <a:ext cx="8784976" cy="5482822"/>
+            <a:off x="1259632" y="1124744"/>
+            <a:ext cx="7056784" cy="5052658"/>
           </a:xfrm>
         </p:spPr>
       </p:pic>
       <p:sp>
         <p:nvSpPr>
-          <p:cNvPr id="4" name="标题 3"/>
+          <p:cNvPr id="3" name="标题 2"/>
           <p:cNvSpPr>
             <a:spLocks noGrp="1"/>
           </p:cNvSpPr>
@@ -6798,39 +7187,18 @@
           <a:lstStyle/>
           <a:p>
             <a:r>
-              <a:rPr lang="zh-CN" altLang="en-US" dirty="0" smtClean="0"/>
-              <a:t>场景</a:t>
-            </a:r>
-            <a:r>
-              <a:rPr lang="en-US" altLang="zh-CN" dirty="0" smtClean="0"/>
-              <a:t>: </a:t>
-            </a:r>
-            <a:r>
-              <a:rPr lang="zh-CN" altLang="en-US" dirty="0" smtClean="0"/>
-              <a:t>主题分支与合并</a:t>
-            </a:r>
-            <a:r>
-              <a:rPr lang="en-US" altLang="zh-CN" dirty="0" smtClean="0"/>
-              <a:t>1(</a:t>
-            </a:r>
-            <a:r>
-              <a:rPr lang="en-US" altLang="zh-CN" dirty="0" err="1" smtClean="0"/>
-              <a:t>git</a:t>
-            </a:r>
-            <a:r>
-              <a:rPr lang="en-US" altLang="zh-CN" dirty="0" smtClean="0"/>
-              <a:t> merge)</a:t>
+              <a:rPr lang="en-US" altLang="zh-CN" dirty="0" smtClean="0"/>
+              <a:t>Commit, Tree, Blob</a:t>
+            </a:r>
+            <a:r>
+              <a:rPr lang="zh-CN" altLang="en-US" dirty="0" smtClean="0"/>
+              <a:t>之间的关系</a:t>
             </a:r>
             <a:endParaRPr lang="zh-CN" altLang="en-US" dirty="0"/>
           </a:p>
         </p:txBody>
       </p:sp>
     </p:spTree>
-    <p:extLst>
-      <p:ext uri="{BB962C8B-B14F-4D97-AF65-F5344CB8AC3E}">
-        <p14:creationId xmlns:p14="http://schemas.microsoft.com/office/powerpoint/2010/main" val="434073046"/>
-      </p:ext>
-    </p:extLst>
   </p:cSld>
   <p:clrMapOvr>
     <a:masterClrMapping/>
@@ -6862,38 +7230,212 @@
           <a:chExt cx="0" cy="0"/>
         </a:xfrm>
       </p:grpSpPr>
-      <p:pic>
-        <p:nvPicPr>
-          <p:cNvPr id="4" name="内容占位符 3"/>
-          <p:cNvPicPr>
-            <a:picLocks noGrp="1" noChangeAspect="1"/>
-          </p:cNvPicPr>
+      <p:sp>
+        <p:nvSpPr>
+          <p:cNvPr id="3" name="内容占位符 2"/>
+          <p:cNvSpPr>
+            <a:spLocks noGrp="1"/>
+          </p:cNvSpPr>
           <p:nvPr>
             <p:ph idx="1"/>
           </p:nvPr>
-        </p:nvPicPr>
-        <p:blipFill>
-          <a:blip r:embed="rId2">
-            <a:extLst>
-              <a:ext uri="{28A0092B-C50C-407E-A947-70E740481C1C}">
-                <a14:useLocalDpi xmlns:a14="http://schemas.microsoft.com/office/drawing/2010/main" val="0"/>
-              </a:ext>
-            </a:extLst>
-          </a:blip>
-          <a:stretch>
-            <a:fillRect/>
-          </a:stretch>
-        </p:blipFill>
+        </p:nvSpPr>
         <p:spPr>
           <a:xfrm>
-            <a:off x="395536" y="1340768"/>
-            <a:ext cx="8136904" cy="5459012"/>
+            <a:off x="457200" y="1481328"/>
+            <a:ext cx="8229600" cy="4539960"/>
           </a:xfrm>
         </p:spPr>
-      </p:pic>
+        <p:txBody>
+          <a:bodyPr>
+            <a:normAutofit/>
+          </a:bodyPr>
+          <a:lstStyle/>
+          <a:p>
+            <a:r>
+              <a:rPr lang="zh-CN" altLang="en-US" dirty="0" smtClean="0"/>
+              <a:t>所有的</a:t>
+            </a:r>
+            <a:r>
+              <a:rPr lang="en-US" altLang="zh-CN" dirty="0" smtClean="0"/>
+              <a:t>Object</a:t>
+            </a:r>
+            <a:r>
+              <a:rPr lang="zh-CN" altLang="en-US" dirty="0" smtClean="0"/>
+              <a:t>都是不可修改的</a:t>
+            </a:r>
+            <a:r>
+              <a:rPr lang="en-US" altLang="zh-CN" dirty="0" smtClean="0"/>
+              <a:t>(Immutable)</a:t>
+            </a:r>
+          </a:p>
+          <a:p>
+            <a:r>
+              <a:rPr lang="en-US" altLang="zh-CN" dirty="0" smtClean="0"/>
+              <a:t>Object</a:t>
+            </a:r>
+            <a:r>
+              <a:rPr lang="zh-CN" altLang="en-US" dirty="0" smtClean="0"/>
+              <a:t>以</a:t>
+            </a:r>
+            <a:r>
+              <a:rPr lang="en-US" altLang="zh-CN" dirty="0" smtClean="0"/>
+              <a:t>key-value</a:t>
+            </a:r>
+            <a:r>
+              <a:rPr lang="zh-CN" altLang="en-US" dirty="0" smtClean="0"/>
+              <a:t>的形式存储在</a:t>
+            </a:r>
+            <a:r>
+              <a:rPr lang="en-US" altLang="zh-CN" dirty="0" err="1" smtClean="0"/>
+              <a:t>git</a:t>
+            </a:r>
+            <a:r>
+              <a:rPr lang="zh-CN" altLang="en-US" dirty="0" smtClean="0"/>
+              <a:t>库中</a:t>
+            </a:r>
+            <a:endParaRPr lang="en-US" altLang="zh-CN" dirty="0" smtClean="0"/>
+          </a:p>
+          <a:p>
+            <a:r>
+              <a:rPr lang="zh-CN" altLang="en-US" dirty="0" smtClean="0"/>
+              <a:t>一旦</a:t>
+            </a:r>
+            <a:r>
+              <a:rPr lang="en-US" altLang="zh-CN" dirty="0" smtClean="0"/>
+              <a:t>Object</a:t>
+            </a:r>
+            <a:r>
+              <a:rPr lang="zh-CN" altLang="en-US" dirty="0" smtClean="0"/>
+              <a:t>的</a:t>
+            </a:r>
+            <a:r>
+              <a:rPr lang="en-US" altLang="zh-CN" dirty="0" smtClean="0"/>
+              <a:t>Hash</a:t>
+            </a:r>
+            <a:r>
+              <a:rPr lang="zh-CN" altLang="en-US" dirty="0" smtClean="0"/>
+              <a:t>发生变化，就视为一个全新</a:t>
+            </a:r>
+            <a:r>
+              <a:rPr lang="en-US" altLang="zh-CN" dirty="0" smtClean="0"/>
+              <a:t>Object</a:t>
+            </a:r>
+            <a:r>
+              <a:rPr lang="zh-CN" altLang="en-US" dirty="0" smtClean="0"/>
+              <a:t>，不同于</a:t>
+            </a:r>
+            <a:r>
+              <a:rPr lang="en-US" altLang="zh-CN" dirty="0" smtClean="0"/>
+              <a:t>SVN</a:t>
+            </a:r>
+            <a:r>
+              <a:rPr lang="zh-CN" altLang="en-US" dirty="0" smtClean="0"/>
+              <a:t>的存储文件之间的差异</a:t>
+            </a:r>
+            <a:endParaRPr lang="en-US" altLang="zh-CN" dirty="0" smtClean="0"/>
+          </a:p>
+          <a:p>
+            <a:r>
+              <a:rPr lang="en-US" altLang="zh-CN" dirty="0" smtClean="0"/>
+              <a:t>Blob Object</a:t>
+            </a:r>
+            <a:r>
+              <a:rPr lang="zh-CN" altLang="en-US" dirty="0" smtClean="0">
+                <a:solidFill>
+                  <a:srgbClr val="FF0000"/>
+                </a:solidFill>
+              </a:rPr>
+              <a:t>不包含</a:t>
+            </a:r>
+            <a:r>
+              <a:rPr lang="zh-CN" altLang="en-US" dirty="0" smtClean="0"/>
+              <a:t>任何文件名和目录结构信息。</a:t>
+            </a:r>
+            <a:endParaRPr lang="en-US" altLang="zh-CN" dirty="0" smtClean="0"/>
+          </a:p>
+          <a:p>
+            <a:r>
+              <a:rPr lang="en-US" altLang="zh-CN" dirty="0" smtClean="0"/>
+              <a:t>Tree Object</a:t>
+            </a:r>
+            <a:r>
+              <a:rPr lang="zh-CN" altLang="en-US" dirty="0" smtClean="0"/>
+              <a:t>存储目录结构和文件名，权限等信息。</a:t>
+            </a:r>
+            <a:endParaRPr lang="en-US" altLang="zh-CN" dirty="0" smtClean="0"/>
+          </a:p>
+          <a:p>
+            <a:r>
+              <a:rPr lang="en-US" altLang="zh-CN" dirty="0" smtClean="0"/>
+              <a:t>Tree Object</a:t>
+            </a:r>
+            <a:r>
+              <a:rPr lang="zh-CN" altLang="en-US" dirty="0" smtClean="0"/>
+              <a:t>先在</a:t>
+            </a:r>
+            <a:r>
+              <a:rPr lang="zh-CN" altLang="en-US" dirty="0" smtClean="0">
+                <a:solidFill>
+                  <a:srgbClr val="FF0000"/>
+                </a:solidFill>
+              </a:rPr>
+              <a:t>暂存区</a:t>
+            </a:r>
+            <a:r>
+              <a:rPr lang="en-US" altLang="zh-CN" dirty="0" smtClean="0"/>
+              <a:t>(index)</a:t>
+            </a:r>
+            <a:r>
+              <a:rPr lang="zh-CN" altLang="en-US" dirty="0" smtClean="0"/>
+              <a:t>上创建，再写入</a:t>
+            </a:r>
+            <a:r>
+              <a:rPr lang="en-US" altLang="zh-CN" dirty="0" err="1" smtClean="0"/>
+              <a:t>Git</a:t>
+            </a:r>
+            <a:r>
+              <a:rPr lang="zh-CN" altLang="en-US" dirty="0" smtClean="0"/>
+              <a:t>库中</a:t>
+            </a:r>
+            <a:endParaRPr lang="en-US" altLang="zh-CN" dirty="0" smtClean="0"/>
+          </a:p>
+          <a:p>
+            <a:r>
+              <a:rPr lang="en-US" altLang="zh-CN" dirty="0" smtClean="0"/>
+              <a:t>Commit Object</a:t>
+            </a:r>
+            <a:r>
+              <a:rPr lang="zh-CN" altLang="en-US" dirty="0" smtClean="0"/>
+              <a:t>是</a:t>
+            </a:r>
+            <a:r>
+              <a:rPr lang="en-US" altLang="zh-CN" dirty="0" smtClean="0"/>
+              <a:t>Root Tree Object</a:t>
+            </a:r>
+            <a:r>
+              <a:rPr lang="zh-CN" altLang="en-US" dirty="0" smtClean="0"/>
+              <a:t>某个</a:t>
+            </a:r>
+            <a:r>
+              <a:rPr lang="zh-CN" altLang="en-US" dirty="0" smtClean="0">
+                <a:solidFill>
+                  <a:srgbClr val="FF0000"/>
+                </a:solidFill>
+              </a:rPr>
+              <a:t>原子状态</a:t>
+            </a:r>
+            <a:r>
+              <a:rPr lang="zh-CN" altLang="en-US" dirty="0" smtClean="0"/>
+              <a:t>的快照</a:t>
+            </a:r>
+            <a:endParaRPr lang="zh-CN" altLang="en-US" dirty="0"/>
+          </a:p>
+        </p:txBody>
+      </p:sp>
       <p:sp>
         <p:nvSpPr>
-          <p:cNvPr id="3" name="标题 2"/>
+          <p:cNvPr id="2" name="标题 1"/>
           <p:cNvSpPr>
             <a:spLocks noGrp="1"/>
           </p:cNvSpPr>
@@ -6904,36 +7446,27 @@
         <p:spPr/>
         <p:txBody>
           <a:bodyPr>
-            <a:normAutofit fontScale="90000"/>
+            <a:normAutofit/>
           </a:bodyPr>
           <a:lstStyle/>
           <a:p>
             <a:r>
-              <a:rPr lang="zh-CN" altLang="en-US" dirty="0" smtClean="0"/>
-              <a:t>场景：主题分支与合并</a:t>
-            </a:r>
-            <a:r>
-              <a:rPr lang="en-US" altLang="zh-CN" dirty="0" smtClean="0"/>
-              <a:t>2(</a:t>
-            </a:r>
-            <a:r>
               <a:rPr lang="en-US" altLang="zh-CN" dirty="0" err="1" smtClean="0"/>
-              <a:t>git</a:t>
-            </a:r>
-            <a:r>
-              <a:rPr lang="en-US" altLang="zh-CN" dirty="0" smtClean="0"/>
-              <a:t> cherry-pick)</a:t>
+              <a:t>Git</a:t>
+            </a:r>
+            <a:r>
+              <a:rPr lang="en-US" altLang="zh-CN" dirty="0" smtClean="0"/>
+              <a:t> Object </a:t>
+            </a:r>
+            <a:r>
+              <a:rPr lang="zh-CN" altLang="en-US" dirty="0" smtClean="0"/>
+              <a:t>特性总结</a:t>
             </a:r>
             <a:endParaRPr lang="zh-CN" altLang="en-US" dirty="0"/>
           </a:p>
         </p:txBody>
       </p:sp>
     </p:spTree>
-    <p:extLst>
-      <p:ext uri="{BB962C8B-B14F-4D97-AF65-F5344CB8AC3E}">
-        <p14:creationId xmlns:p14="http://schemas.microsoft.com/office/powerpoint/2010/main" val="124884"/>
-      </p:ext>
-    </p:extLst>
   </p:cSld>
   <p:clrMapOvr>
     <a:masterClrMapping/>
@@ -6965,78 +7498,266 @@
           <a:chExt cx="0" cy="0"/>
         </a:xfrm>
       </p:grpSpPr>
-      <p:pic>
-        <p:nvPicPr>
-          <p:cNvPr id="4" name="内容占位符 3"/>
-          <p:cNvPicPr>
-            <a:picLocks noGrp="1" noChangeAspect="1"/>
-          </p:cNvPicPr>
-          <p:nvPr>
-            <p:ph idx="1"/>
-          </p:nvPr>
-        </p:nvPicPr>
-        <p:blipFill>
-          <a:blip r:embed="rId2">
-            <a:extLst>
-              <a:ext uri="{28A0092B-C50C-407E-A947-70E740481C1C}">
-                <a14:useLocalDpi xmlns:a14="http://schemas.microsoft.com/office/drawing/2010/main" val="0"/>
-              </a:ext>
-            </a:extLst>
-          </a:blip>
-          <a:stretch>
-            <a:fillRect/>
-          </a:stretch>
-        </p:blipFill>
-        <p:spPr>
-          <a:xfrm>
-            <a:off x="107504" y="1268760"/>
-            <a:ext cx="8965527" cy="5400600"/>
-          </a:xfrm>
-        </p:spPr>
-      </p:pic>
       <p:sp>
         <p:nvSpPr>
-          <p:cNvPr id="3" name="标题 2"/>
+          <p:cNvPr id="3" name="内容占位符 2"/>
           <p:cNvSpPr>
             <a:spLocks noGrp="1"/>
           </p:cNvSpPr>
           <p:nvPr>
-            <p:ph type="title"/>
+            <p:ph idx="1"/>
           </p:nvPr>
         </p:nvSpPr>
         <p:spPr/>
         <p:txBody>
-          <a:bodyPr>
-            <a:normAutofit fontScale="90000"/>
-          </a:bodyPr>
+          <a:bodyPr/>
           <a:lstStyle/>
           <a:p>
             <a:r>
               <a:rPr lang="zh-CN" altLang="en-US" dirty="0" smtClean="0"/>
-              <a:t>场景：主题分支与合并</a:t>
-            </a:r>
-            <a:r>
-              <a:rPr lang="en-US" altLang="zh-CN" dirty="0" smtClean="0"/>
-              <a:t>3(</a:t>
-            </a:r>
+              <a:t>因为</a:t>
+            </a:r>
+            <a:r>
+              <a:rPr lang="en-US" altLang="zh-CN" dirty="0" smtClean="0"/>
+              <a:t>Hash Id</a:t>
+            </a:r>
+            <a:r>
+              <a:rPr lang="zh-CN" altLang="en-US" dirty="0" smtClean="0"/>
+              <a:t>记不住，所以有了引用</a:t>
+            </a:r>
+            <a:endParaRPr lang="en-US" altLang="zh-CN" dirty="0" smtClean="0"/>
+          </a:p>
+          <a:p>
+            <a:pPr>
+              <a:buNone/>
+            </a:pPr>
+            <a:r>
+              <a:rPr lang="en-US" altLang="zh-CN" sz="2000" dirty="0" smtClean="0">
+                <a:solidFill>
+                  <a:srgbClr val="C00000"/>
+                </a:solidFill>
+                <a:latin typeface="Consolas" pitchFamily="49" charset="0"/>
+                <a:cs typeface="Consolas" pitchFamily="49" charset="0"/>
+              </a:rPr>
+              <a:t>$ </a:t>
+            </a:r>
+            <a:r>
+              <a:rPr lang="en-US" altLang="zh-CN" sz="2000" dirty="0" err="1" smtClean="0">
+                <a:solidFill>
+                  <a:srgbClr val="C00000"/>
+                </a:solidFill>
+                <a:latin typeface="Consolas" pitchFamily="49" charset="0"/>
+                <a:cs typeface="Consolas" pitchFamily="49" charset="0"/>
+              </a:rPr>
+              <a:t>git</a:t>
+            </a:r>
+            <a:r>
+              <a:rPr lang="en-US" altLang="zh-CN" sz="2000" dirty="0" smtClean="0">
+                <a:solidFill>
+                  <a:srgbClr val="C00000"/>
+                </a:solidFill>
+                <a:latin typeface="Consolas" pitchFamily="49" charset="0"/>
+                <a:cs typeface="Consolas" pitchFamily="49" charset="0"/>
+              </a:rPr>
+              <a:t> update-ref refs/heads/master &lt;</a:t>
+            </a:r>
+            <a:r>
+              <a:rPr lang="en-US" altLang="zh-CN" sz="2000" dirty="0" err="1" smtClean="0">
+                <a:solidFill>
+                  <a:srgbClr val="C00000"/>
+                </a:solidFill>
+                <a:latin typeface="Consolas" pitchFamily="49" charset="0"/>
+                <a:cs typeface="Consolas" pitchFamily="49" charset="0"/>
+              </a:rPr>
+              <a:t>commit_hash_id</a:t>
+            </a:r>
+            <a:r>
+              <a:rPr lang="en-US" altLang="zh-CN" sz="2000" dirty="0" smtClean="0">
+                <a:solidFill>
+                  <a:srgbClr val="C00000"/>
+                </a:solidFill>
+                <a:latin typeface="Consolas" pitchFamily="49" charset="0"/>
+                <a:cs typeface="Consolas" pitchFamily="49" charset="0"/>
+              </a:rPr>
+              <a:t>&gt;</a:t>
+            </a:r>
+          </a:p>
+          <a:p>
             <a:r>
               <a:rPr lang="en-US" altLang="zh-CN" dirty="0" err="1" smtClean="0"/>
+              <a:t>Git</a:t>
+            </a:r>
+            <a:r>
+              <a:rPr lang="en-US" altLang="zh-CN" dirty="0" smtClean="0"/>
+              <a:t> Branch</a:t>
+            </a:r>
+            <a:r>
+              <a:rPr lang="zh-CN" altLang="en-US" dirty="0" smtClean="0"/>
+              <a:t>的本质就是指向某个</a:t>
+            </a:r>
+            <a:r>
+              <a:rPr lang="en-US" altLang="zh-CN" dirty="0" smtClean="0"/>
+              <a:t>Commit Object</a:t>
+            </a:r>
+            <a:r>
+              <a:rPr lang="zh-CN" altLang="en-US" dirty="0" smtClean="0"/>
+              <a:t>的引用</a:t>
+            </a:r>
+            <a:endParaRPr lang="en-US" altLang="zh-CN" dirty="0" smtClean="0"/>
+          </a:p>
+          <a:p>
+            <a:r>
+              <a:rPr lang="zh-CN" altLang="en-US" dirty="0" smtClean="0"/>
+              <a:t>创建一个分支</a:t>
+            </a:r>
+            <a:r>
+              <a:rPr lang="en-US" altLang="zh-CN" dirty="0" smtClean="0"/>
+              <a:t>”test”</a:t>
+            </a:r>
+          </a:p>
+          <a:p>
+            <a:pPr>
+              <a:buNone/>
+            </a:pPr>
+            <a:r>
+              <a:rPr lang="en-US" altLang="zh-CN" sz="2000" dirty="0" smtClean="0">
+                <a:solidFill>
+                  <a:srgbClr val="C00000"/>
+                </a:solidFill>
+                <a:latin typeface="Consolas" pitchFamily="49" charset="0"/>
+                <a:cs typeface="Consolas" pitchFamily="49" charset="0"/>
+              </a:rPr>
+              <a:t>$ </a:t>
+            </a:r>
+            <a:r>
+              <a:rPr lang="en-US" altLang="zh-CN" sz="2000" dirty="0" err="1" smtClean="0">
+                <a:solidFill>
+                  <a:srgbClr val="C00000"/>
+                </a:solidFill>
+                <a:latin typeface="Consolas" pitchFamily="49" charset="0"/>
+                <a:cs typeface="Consolas" pitchFamily="49" charset="0"/>
+              </a:rPr>
               <a:t>git</a:t>
             </a:r>
             <a:r>
-              <a:rPr lang="en-US" altLang="zh-CN" dirty="0" smtClean="0"/>
-              <a:t> rebase)</a:t>
+              <a:rPr lang="en-US" altLang="zh-CN" sz="2000" dirty="0" smtClean="0">
+                <a:solidFill>
+                  <a:srgbClr val="C00000"/>
+                </a:solidFill>
+                <a:latin typeface="Consolas" pitchFamily="49" charset="0"/>
+                <a:cs typeface="Consolas" pitchFamily="49" charset="0"/>
+              </a:rPr>
+              <a:t> update-ref refs/heads/test &lt;</a:t>
+            </a:r>
+            <a:r>
+              <a:rPr lang="en-US" altLang="zh-CN" sz="2000" dirty="0" err="1" smtClean="0">
+                <a:solidFill>
+                  <a:srgbClr val="C00000"/>
+                </a:solidFill>
+                <a:latin typeface="Consolas" pitchFamily="49" charset="0"/>
+                <a:cs typeface="Consolas" pitchFamily="49" charset="0"/>
+              </a:rPr>
+              <a:t>commit_hash_id</a:t>
+            </a:r>
+            <a:r>
+              <a:rPr lang="en-US" altLang="zh-CN" sz="2000" dirty="0" smtClean="0">
+                <a:solidFill>
+                  <a:srgbClr val="C00000"/>
+                </a:solidFill>
+                <a:latin typeface="Consolas" pitchFamily="49" charset="0"/>
+                <a:cs typeface="Consolas" pitchFamily="49" charset="0"/>
+              </a:rPr>
+              <a:t>&gt;</a:t>
+            </a:r>
+          </a:p>
+          <a:p>
+            <a:pPr>
+              <a:buNone/>
+            </a:pPr>
+            <a:r>
+              <a:rPr lang="en-US" altLang="zh-CN" sz="2000" dirty="0" smtClean="0">
+                <a:solidFill>
+                  <a:srgbClr val="C00000"/>
+                </a:solidFill>
+                <a:latin typeface="Consolas" pitchFamily="49" charset="0"/>
+                <a:cs typeface="Consolas" pitchFamily="49" charset="0"/>
+              </a:rPr>
+              <a:t>$ </a:t>
+            </a:r>
+            <a:r>
+              <a:rPr lang="en-US" altLang="zh-CN" sz="2000" dirty="0" err="1" smtClean="0">
+                <a:solidFill>
+                  <a:srgbClr val="C00000"/>
+                </a:solidFill>
+                <a:latin typeface="Consolas" pitchFamily="49" charset="0"/>
+                <a:cs typeface="Consolas" pitchFamily="49" charset="0"/>
+              </a:rPr>
+              <a:t>git</a:t>
+            </a:r>
+            <a:r>
+              <a:rPr lang="en-US" altLang="zh-CN" sz="2000" dirty="0" smtClean="0">
+                <a:solidFill>
+                  <a:srgbClr val="C00000"/>
+                </a:solidFill>
+                <a:latin typeface="Consolas" pitchFamily="49" charset="0"/>
+                <a:cs typeface="Consolas" pitchFamily="49" charset="0"/>
+              </a:rPr>
+              <a:t> log --pretty=</a:t>
+            </a:r>
+            <a:r>
+              <a:rPr lang="en-US" altLang="zh-CN" sz="2000" dirty="0" err="1" smtClean="0">
+                <a:solidFill>
+                  <a:srgbClr val="C00000"/>
+                </a:solidFill>
+                <a:latin typeface="Consolas" pitchFamily="49" charset="0"/>
+                <a:cs typeface="Consolas" pitchFamily="49" charset="0"/>
+              </a:rPr>
+              <a:t>oneline</a:t>
+            </a:r>
+            <a:r>
+              <a:rPr lang="en-US" altLang="zh-CN" sz="2000" dirty="0" smtClean="0">
+                <a:solidFill>
+                  <a:srgbClr val="C00000"/>
+                </a:solidFill>
+                <a:latin typeface="Consolas" pitchFamily="49" charset="0"/>
+                <a:cs typeface="Consolas" pitchFamily="49" charset="0"/>
+              </a:rPr>
+              <a:t> test</a:t>
+            </a:r>
+            <a:endParaRPr lang="zh-CN" altLang="en-US" sz="2000" dirty="0" smtClean="0">
+              <a:solidFill>
+                <a:srgbClr val="C00000"/>
+              </a:solidFill>
+              <a:latin typeface="Consolas" pitchFamily="49" charset="0"/>
+              <a:cs typeface="Consolas" pitchFamily="49" charset="0"/>
+            </a:endParaRPr>
+          </a:p>
+        </p:txBody>
+      </p:sp>
+      <p:sp>
+        <p:nvSpPr>
+          <p:cNvPr id="2" name="标题 1"/>
+          <p:cNvSpPr>
+            <a:spLocks noGrp="1"/>
+          </p:cNvSpPr>
+          <p:nvPr>
+            <p:ph type="title"/>
+          </p:nvPr>
+        </p:nvSpPr>
+        <p:spPr/>
+        <p:txBody>
+          <a:bodyPr/>
+          <a:lstStyle/>
+          <a:p>
+            <a:r>
+              <a:rPr lang="en-US" altLang="zh-CN" dirty="0" smtClean="0"/>
+              <a:t>refs</a:t>
             </a:r>
             <a:endParaRPr lang="zh-CN" altLang="en-US" dirty="0"/>
           </a:p>
         </p:txBody>
       </p:sp>
     </p:spTree>
-    <p:extLst>
-      <p:ext uri="{BB962C8B-B14F-4D97-AF65-F5344CB8AC3E}">
-        <p14:creationId xmlns:p14="http://schemas.microsoft.com/office/powerpoint/2010/main" val="3206441254"/>
-      </p:ext>
-    </p:extLst>
   </p:cSld>
   <p:clrMapOvr>
     <a:masterClrMapping/>
@@ -7070,7 +7791,7 @@
       </p:grpSpPr>
       <p:pic>
         <p:nvPicPr>
-          <p:cNvPr id="4" name="内容占位符 3"/>
+          <p:cNvPr id="4" name="内容占位符 3" descr="refs.png"/>
           <p:cNvPicPr>
             <a:picLocks noGrp="1" noChangeAspect="1"/>
           </p:cNvPicPr>
@@ -7079,21 +7800,15 @@
           </p:nvPr>
         </p:nvPicPr>
         <p:blipFill>
-          <a:blip r:embed="rId2">
-            <a:extLst>
-              <a:ext uri="{28A0092B-C50C-407E-A947-70E740481C1C}">
-                <a14:useLocalDpi xmlns:a14="http://schemas.microsoft.com/office/drawing/2010/main" val="0"/>
-              </a:ext>
-            </a:extLst>
-          </a:blip>
+          <a:blip r:embed="rId2" cstate="print"/>
           <a:stretch>
             <a:fillRect/>
           </a:stretch>
         </p:blipFill>
         <p:spPr>
           <a:xfrm>
-            <a:off x="395536" y="1154819"/>
-            <a:ext cx="8136904" cy="5730565"/>
+            <a:off x="683567" y="1772816"/>
+            <a:ext cx="7896785" cy="4248472"/>
           </a:xfrm>
         </p:spPr>
       </p:pic>
@@ -7114,26 +7829,21 @@
           <a:p>
             <a:r>
               <a:rPr lang="zh-CN" altLang="en-US" dirty="0" smtClean="0"/>
-              <a:t>场景</a:t>
-            </a:r>
-            <a:r>
-              <a:rPr lang="en-US" altLang="zh-CN" dirty="0" smtClean="0"/>
-              <a:t>: hotfix</a:t>
-            </a:r>
-            <a:r>
-              <a:rPr lang="zh-CN" altLang="en-US" dirty="0" smtClean="0"/>
-              <a:t>合并</a:t>
+              <a:t>添加引用后的</a:t>
+            </a:r>
+            <a:r>
+              <a:rPr lang="en-US" altLang="zh-CN" dirty="0" err="1" smtClean="0"/>
+              <a:t>Git</a:t>
+            </a:r>
+            <a:r>
+              <a:rPr lang="zh-CN" altLang="en-US" dirty="0" smtClean="0"/>
+              <a:t>库</a:t>
             </a:r>
             <a:endParaRPr lang="zh-CN" altLang="en-US" dirty="0"/>
           </a:p>
         </p:txBody>
       </p:sp>
     </p:spTree>
-    <p:extLst>
-      <p:ext uri="{BB962C8B-B14F-4D97-AF65-F5344CB8AC3E}">
-        <p14:creationId xmlns:p14="http://schemas.microsoft.com/office/powerpoint/2010/main" val="3295632815"/>
-      </p:ext>
-    </p:extLst>
   </p:cSld>
   <p:clrMapOvr>
     <a:masterClrMapping/>
@@ -7167,6 +7877,1516 @@
       </p:grpSpPr>
       <p:sp>
         <p:nvSpPr>
+          <p:cNvPr id="2" name="内容占位符 1"/>
+          <p:cNvSpPr>
+            <a:spLocks noGrp="1"/>
+          </p:cNvSpPr>
+          <p:nvPr>
+            <p:ph idx="1"/>
+          </p:nvPr>
+        </p:nvSpPr>
+        <p:spPr/>
+        <p:txBody>
+          <a:bodyPr/>
+          <a:lstStyle/>
+          <a:p>
+            <a:r>
+              <a:rPr lang="en-US" altLang="zh-CN" dirty="0" smtClean="0"/>
+              <a:t>HEAD</a:t>
+            </a:r>
+            <a:r>
+              <a:rPr lang="zh-CN" altLang="en-US" dirty="0" smtClean="0"/>
+              <a:t>是一个特殊引用，指向当前分支的头部</a:t>
+            </a:r>
+            <a:r>
+              <a:rPr lang="en-US" altLang="zh-CN" dirty="0" smtClean="0"/>
+              <a:t>(</a:t>
+            </a:r>
+            <a:r>
+              <a:rPr lang="zh-CN" altLang="en-US" dirty="0" smtClean="0"/>
+              <a:t>最近一个</a:t>
+            </a:r>
+            <a:r>
+              <a:rPr lang="en-US" altLang="zh-CN" dirty="0" smtClean="0"/>
+              <a:t>Commit Object)</a:t>
+            </a:r>
+          </a:p>
+          <a:p>
+            <a:r>
+              <a:rPr lang="zh-CN" altLang="en-US" dirty="0" smtClean="0"/>
+              <a:t>当</a:t>
+            </a:r>
+            <a:r>
+              <a:rPr lang="zh-CN" altLang="en-US" dirty="0" smtClean="0">
+                <a:solidFill>
+                  <a:srgbClr val="FF0000"/>
+                </a:solidFill>
+              </a:rPr>
+              <a:t>切换分支</a:t>
+            </a:r>
+            <a:r>
+              <a:rPr lang="zh-CN" altLang="en-US" dirty="0" smtClean="0"/>
+              <a:t>后</a:t>
+            </a:r>
+            <a:r>
+              <a:rPr lang="en-US" altLang="zh-CN" dirty="0" smtClean="0"/>
+              <a:t>,HEAD</a:t>
+            </a:r>
+            <a:r>
+              <a:rPr lang="zh-CN" altLang="en-US" dirty="0" smtClean="0"/>
+              <a:t>中的内容会更新，指向新的分支</a:t>
+            </a:r>
+            <a:endParaRPr lang="en-US" altLang="zh-CN" dirty="0" smtClean="0"/>
+          </a:p>
+          <a:p>
+            <a:endParaRPr lang="en-US" altLang="zh-CN" dirty="0" smtClean="0"/>
+          </a:p>
+          <a:p>
+            <a:endParaRPr lang="en-US" altLang="zh-CN" dirty="0" smtClean="0"/>
+          </a:p>
+          <a:p>
+            <a:pPr>
+              <a:buNone/>
+            </a:pPr>
+            <a:endParaRPr lang="en-US" altLang="zh-CN" dirty="0" smtClean="0"/>
+          </a:p>
+          <a:p>
+            <a:endParaRPr lang="en-US" altLang="zh-CN" dirty="0" smtClean="0"/>
+          </a:p>
+        </p:txBody>
+      </p:sp>
+      <p:sp>
+        <p:nvSpPr>
+          <p:cNvPr id="3" name="标题 2"/>
+          <p:cNvSpPr>
+            <a:spLocks noGrp="1"/>
+          </p:cNvSpPr>
+          <p:nvPr>
+            <p:ph type="title"/>
+          </p:nvPr>
+        </p:nvSpPr>
+        <p:spPr/>
+        <p:txBody>
+          <a:bodyPr/>
+          <a:lstStyle/>
+          <a:p>
+            <a:r>
+              <a:rPr lang="en-US" altLang="zh-CN" dirty="0" smtClean="0"/>
+              <a:t>HEAD </a:t>
+            </a:r>
+            <a:r>
+              <a:rPr lang="zh-CN" altLang="en-US" dirty="0" smtClean="0"/>
+              <a:t>标记</a:t>
+            </a:r>
+            <a:endParaRPr lang="zh-CN" altLang="en-US" dirty="0"/>
+          </a:p>
+        </p:txBody>
+      </p:sp>
+      <p:pic>
+        <p:nvPicPr>
+          <p:cNvPr id="4" name="图片 3" descr="head-master-commit.png"/>
+          <p:cNvPicPr>
+            <a:picLocks noChangeAspect="1"/>
+          </p:cNvPicPr>
+          <p:nvPr/>
+        </p:nvPicPr>
+        <p:blipFill>
+          <a:blip r:embed="rId2" cstate="print"/>
+          <a:stretch>
+            <a:fillRect/>
+          </a:stretch>
+        </p:blipFill>
+        <p:spPr>
+          <a:xfrm>
+            <a:off x="1043608" y="3140968"/>
+            <a:ext cx="6762750" cy="1543050"/>
+          </a:xfrm>
+          <a:prstGeom prst="rect">
+            <a:avLst/>
+          </a:prstGeom>
+        </p:spPr>
+      </p:pic>
+    </p:spTree>
+  </p:cSld>
+  <p:clrMapOvr>
+    <a:masterClrMapping/>
+  </p:clrMapOvr>
+  <p:timing>
+    <p:tnLst>
+      <p:par>
+        <p:cTn id="1" dur="indefinite" restart="never" nodeType="tmRoot"/>
+      </p:par>
+    </p:tnLst>
+  </p:timing>
+</p:sld>
+</file>
+
+<file path=ppt/slides/slide26.xml><?xml version="1.0" encoding="utf-8"?>
+<p:sld xmlns:a="http://schemas.openxmlformats.org/drawingml/2006/main" xmlns:r="http://schemas.openxmlformats.org/officeDocument/2006/relationships" xmlns:p="http://schemas.openxmlformats.org/presentationml/2006/main">
+  <p:cSld>
+    <p:spTree>
+      <p:nvGrpSpPr>
+        <p:cNvPr id="1" name=""/>
+        <p:cNvGrpSpPr/>
+        <p:nvPr/>
+      </p:nvGrpSpPr>
+      <p:grpSpPr>
+        <a:xfrm>
+          <a:off x="0" y="0"/>
+          <a:ext cx="0" cy="0"/>
+          <a:chOff x="0" y="0"/>
+          <a:chExt cx="0" cy="0"/>
+        </a:xfrm>
+      </p:grpSpPr>
+      <p:sp>
+        <p:nvSpPr>
+          <p:cNvPr id="2" name="内容占位符 1"/>
+          <p:cNvSpPr>
+            <a:spLocks noGrp="1"/>
+          </p:cNvSpPr>
+          <p:nvPr>
+            <p:ph idx="1"/>
+          </p:nvPr>
+        </p:nvSpPr>
+        <p:spPr/>
+        <p:txBody>
+          <a:bodyPr/>
+          <a:lstStyle/>
+          <a:p>
+            <a:r>
+              <a:rPr lang="en-US" altLang="zh-CN" dirty="0" err="1" smtClean="0"/>
+              <a:t>Git</a:t>
+            </a:r>
+            <a:r>
+              <a:rPr lang="zh-CN" altLang="en-US" dirty="0" smtClean="0"/>
+              <a:t>的分支实际上就是一个引用</a:t>
+            </a:r>
+            <a:endParaRPr lang="en-US" altLang="zh-CN" dirty="0" smtClean="0"/>
+          </a:p>
+          <a:p>
+            <a:r>
+              <a:rPr lang="zh-CN" altLang="en-US" dirty="0" smtClean="0"/>
+              <a:t>创建新的分支</a:t>
+            </a:r>
+            <a:endParaRPr lang="en-US" altLang="zh-CN" dirty="0" smtClean="0"/>
+          </a:p>
+          <a:p>
+            <a:pPr>
+              <a:buNone/>
+            </a:pPr>
+            <a:r>
+              <a:rPr lang="en-US" altLang="zh-CN" sz="2000" dirty="0">
+                <a:solidFill>
+                  <a:srgbClr val="C00000"/>
+                </a:solidFill>
+                <a:latin typeface="Consolas" pitchFamily="49" charset="0"/>
+                <a:cs typeface="Consolas" pitchFamily="49" charset="0"/>
+              </a:rPr>
+              <a:t>$ </a:t>
+            </a:r>
+            <a:r>
+              <a:rPr lang="en-US" altLang="zh-CN" sz="2000" dirty="0" err="1">
+                <a:solidFill>
+                  <a:srgbClr val="C00000"/>
+                </a:solidFill>
+                <a:latin typeface="Consolas" pitchFamily="49" charset="0"/>
+                <a:cs typeface="Consolas" pitchFamily="49" charset="0"/>
+              </a:rPr>
+              <a:t>git</a:t>
+            </a:r>
+            <a:r>
+              <a:rPr lang="en-US" altLang="zh-CN" sz="2000" dirty="0">
+                <a:solidFill>
+                  <a:srgbClr val="C00000"/>
+                </a:solidFill>
+                <a:latin typeface="Consolas" pitchFamily="49" charset="0"/>
+                <a:cs typeface="Consolas" pitchFamily="49" charset="0"/>
+              </a:rPr>
+              <a:t> branch xxx [&lt;commit&gt;]</a:t>
+            </a:r>
+          </a:p>
+          <a:p>
+            <a:pPr marL="109728" indent="0">
+              <a:buNone/>
+            </a:pPr>
+            <a:r>
+              <a:rPr lang="en-US" altLang="zh-CN" sz="2000" dirty="0">
+                <a:solidFill>
+                  <a:srgbClr val="C00000"/>
+                </a:solidFill>
+                <a:latin typeface="Consolas" pitchFamily="49" charset="0"/>
+                <a:cs typeface="Consolas" pitchFamily="49" charset="0"/>
+              </a:rPr>
+              <a:t>$ </a:t>
+            </a:r>
+            <a:r>
+              <a:rPr lang="en-US" altLang="zh-CN" sz="2000" dirty="0" err="1">
+                <a:solidFill>
+                  <a:srgbClr val="C00000"/>
+                </a:solidFill>
+                <a:latin typeface="Consolas" pitchFamily="49" charset="0"/>
+                <a:cs typeface="Consolas" pitchFamily="49" charset="0"/>
+              </a:rPr>
+              <a:t>git</a:t>
+            </a:r>
+            <a:r>
+              <a:rPr lang="en-US" altLang="zh-CN" sz="2000" dirty="0">
+                <a:solidFill>
+                  <a:srgbClr val="C00000"/>
+                </a:solidFill>
+                <a:latin typeface="Consolas" pitchFamily="49" charset="0"/>
+                <a:cs typeface="Consolas" pitchFamily="49" charset="0"/>
+              </a:rPr>
+              <a:t> checkout –b xxx [&lt;commit&gt;]</a:t>
+            </a:r>
+          </a:p>
+          <a:p>
+            <a:r>
+              <a:rPr lang="zh-CN" altLang="en-US" dirty="0" smtClean="0"/>
+              <a:t>查看分支</a:t>
+            </a:r>
+            <a:endParaRPr lang="en-US" altLang="zh-CN" dirty="0" smtClean="0"/>
+          </a:p>
+          <a:p>
+            <a:pPr marL="109728" indent="0">
+              <a:buNone/>
+            </a:pPr>
+            <a:r>
+              <a:rPr lang="en-US" altLang="zh-CN" sz="2000" dirty="0">
+                <a:solidFill>
+                  <a:srgbClr val="C00000"/>
+                </a:solidFill>
+                <a:latin typeface="Consolas" pitchFamily="49" charset="0"/>
+                <a:cs typeface="Consolas" pitchFamily="49" charset="0"/>
+              </a:rPr>
+              <a:t>$ </a:t>
+            </a:r>
+            <a:r>
+              <a:rPr lang="en-US" altLang="zh-CN" sz="2000" dirty="0" err="1" smtClean="0">
+                <a:solidFill>
+                  <a:srgbClr val="C00000"/>
+                </a:solidFill>
+                <a:latin typeface="Consolas" pitchFamily="49" charset="0"/>
+                <a:cs typeface="Consolas" pitchFamily="49" charset="0"/>
+              </a:rPr>
+              <a:t>git</a:t>
+            </a:r>
+            <a:r>
+              <a:rPr lang="en-US" altLang="zh-CN" sz="2000" dirty="0" smtClean="0">
+                <a:solidFill>
+                  <a:srgbClr val="C00000"/>
+                </a:solidFill>
+                <a:latin typeface="Consolas" pitchFamily="49" charset="0"/>
+                <a:cs typeface="Consolas" pitchFamily="49" charset="0"/>
+              </a:rPr>
+              <a:t> </a:t>
+            </a:r>
+            <a:r>
+              <a:rPr lang="en-US" altLang="zh-CN" sz="2000" dirty="0">
+                <a:solidFill>
+                  <a:srgbClr val="C00000"/>
+                </a:solidFill>
+                <a:latin typeface="Consolas" pitchFamily="49" charset="0"/>
+                <a:cs typeface="Consolas" pitchFamily="49" charset="0"/>
+              </a:rPr>
+              <a:t>branch –l</a:t>
+            </a:r>
+          </a:p>
+          <a:p>
+            <a:r>
+              <a:rPr lang="zh-CN" altLang="en-US" dirty="0" smtClean="0"/>
+              <a:t>删除分支</a:t>
+            </a:r>
+            <a:endParaRPr lang="en-US" altLang="zh-CN" dirty="0" smtClean="0"/>
+          </a:p>
+          <a:p>
+            <a:pPr marL="109728" indent="0">
+              <a:buNone/>
+            </a:pPr>
+            <a:r>
+              <a:rPr lang="en-US" altLang="zh-CN" sz="2000" dirty="0">
+                <a:solidFill>
+                  <a:srgbClr val="C00000"/>
+                </a:solidFill>
+                <a:latin typeface="Consolas" pitchFamily="49" charset="0"/>
+                <a:cs typeface="Consolas" pitchFamily="49" charset="0"/>
+              </a:rPr>
+              <a:t>$ </a:t>
+            </a:r>
+            <a:r>
+              <a:rPr lang="en-US" altLang="zh-CN" sz="2000" dirty="0" err="1" smtClean="0">
+                <a:solidFill>
+                  <a:srgbClr val="C00000"/>
+                </a:solidFill>
+                <a:latin typeface="Consolas" pitchFamily="49" charset="0"/>
+                <a:cs typeface="Consolas" pitchFamily="49" charset="0"/>
+              </a:rPr>
+              <a:t>git</a:t>
+            </a:r>
+            <a:r>
+              <a:rPr lang="en-US" altLang="zh-CN" sz="2000" dirty="0" smtClean="0">
+                <a:solidFill>
+                  <a:srgbClr val="C00000"/>
+                </a:solidFill>
+                <a:latin typeface="Consolas" pitchFamily="49" charset="0"/>
+                <a:cs typeface="Consolas" pitchFamily="49" charset="0"/>
+              </a:rPr>
+              <a:t> </a:t>
+            </a:r>
+            <a:r>
+              <a:rPr lang="en-US" altLang="zh-CN" sz="2000" dirty="0">
+                <a:solidFill>
+                  <a:srgbClr val="C00000"/>
+                </a:solidFill>
+                <a:latin typeface="Consolas" pitchFamily="49" charset="0"/>
+                <a:cs typeface="Consolas" pitchFamily="49" charset="0"/>
+              </a:rPr>
+              <a:t>branch –d | -</a:t>
+            </a:r>
+            <a:r>
+              <a:rPr lang="en-US" altLang="zh-CN" sz="2000" dirty="0" smtClean="0">
+                <a:solidFill>
+                  <a:srgbClr val="C00000"/>
+                </a:solidFill>
+                <a:latin typeface="Consolas" pitchFamily="49" charset="0"/>
+                <a:cs typeface="Consolas" pitchFamily="49" charset="0"/>
+              </a:rPr>
+              <a:t>D</a:t>
+            </a:r>
+          </a:p>
+          <a:p>
+            <a:r>
+              <a:rPr lang="zh-CN" altLang="en-US" dirty="0"/>
+              <a:t>切换分支</a:t>
+            </a:r>
+            <a:endParaRPr lang="en-US" altLang="zh-CN" dirty="0"/>
+          </a:p>
+          <a:p>
+            <a:pPr marL="109728" indent="0">
+              <a:buNone/>
+            </a:pPr>
+            <a:r>
+              <a:rPr lang="en-US" altLang="zh-CN" sz="2000" dirty="0" smtClean="0">
+                <a:solidFill>
+                  <a:srgbClr val="C00000"/>
+                </a:solidFill>
+                <a:latin typeface="Consolas" pitchFamily="49" charset="0"/>
+                <a:cs typeface="Consolas" pitchFamily="49" charset="0"/>
+              </a:rPr>
+              <a:t>$ </a:t>
+            </a:r>
+            <a:r>
+              <a:rPr lang="en-US" altLang="zh-CN" sz="2000" dirty="0" err="1" smtClean="0">
+                <a:solidFill>
+                  <a:srgbClr val="C00000"/>
+                </a:solidFill>
+                <a:latin typeface="Consolas" pitchFamily="49" charset="0"/>
+                <a:cs typeface="Consolas" pitchFamily="49" charset="0"/>
+              </a:rPr>
+              <a:t>git</a:t>
+            </a:r>
+            <a:r>
+              <a:rPr lang="en-US" altLang="zh-CN" sz="2000" dirty="0" smtClean="0">
+                <a:solidFill>
+                  <a:srgbClr val="C00000"/>
+                </a:solidFill>
+                <a:latin typeface="Consolas" pitchFamily="49" charset="0"/>
+                <a:cs typeface="Consolas" pitchFamily="49" charset="0"/>
+              </a:rPr>
+              <a:t> checkout xxx</a:t>
+            </a:r>
+            <a:endParaRPr lang="zh-CN" altLang="en-US" sz="2000" dirty="0">
+              <a:solidFill>
+                <a:srgbClr val="C00000"/>
+              </a:solidFill>
+              <a:latin typeface="Consolas" pitchFamily="49" charset="0"/>
+              <a:cs typeface="Consolas" pitchFamily="49" charset="0"/>
+            </a:endParaRPr>
+          </a:p>
+        </p:txBody>
+      </p:sp>
+      <p:sp>
+        <p:nvSpPr>
+          <p:cNvPr id="3" name="标题 2"/>
+          <p:cNvSpPr>
+            <a:spLocks noGrp="1"/>
+          </p:cNvSpPr>
+          <p:nvPr>
+            <p:ph type="title"/>
+          </p:nvPr>
+        </p:nvSpPr>
+        <p:spPr/>
+        <p:txBody>
+          <a:bodyPr/>
+          <a:lstStyle/>
+          <a:p>
+            <a:r>
+              <a:rPr lang="zh-CN" altLang="en-US" dirty="0" smtClean="0"/>
+              <a:t>分支</a:t>
+            </a:r>
+            <a:r>
+              <a:rPr lang="en-US" altLang="zh-CN" dirty="0" smtClean="0"/>
+              <a:t>(Branch)</a:t>
+            </a:r>
+            <a:r>
+              <a:rPr lang="zh-CN" altLang="en-US" dirty="0" smtClean="0"/>
+              <a:t>即引用</a:t>
+            </a:r>
+            <a:endParaRPr lang="zh-CN" altLang="en-US" dirty="0"/>
+          </a:p>
+        </p:txBody>
+      </p:sp>
+    </p:spTree>
+    <p:extLst>
+      <p:ext uri="{BB962C8B-B14F-4D97-AF65-F5344CB8AC3E}">
+        <p14:creationId xmlns:p14="http://schemas.microsoft.com/office/powerpoint/2010/main" val="146557466"/>
+      </p:ext>
+    </p:extLst>
+  </p:cSld>
+  <p:clrMapOvr>
+    <a:masterClrMapping/>
+  </p:clrMapOvr>
+  <p:timing>
+    <p:tnLst>
+      <p:par>
+        <p:cTn id="1" dur="indefinite" restart="never" nodeType="tmRoot"/>
+      </p:par>
+    </p:tnLst>
+  </p:timing>
+</p:sld>
+</file>
+
+<file path=ppt/slides/slide27.xml><?xml version="1.0" encoding="utf-8"?>
+<p:sld xmlns:a="http://schemas.openxmlformats.org/drawingml/2006/main" xmlns:r="http://schemas.openxmlformats.org/officeDocument/2006/relationships" xmlns:p="http://schemas.openxmlformats.org/presentationml/2006/main">
+  <p:cSld>
+    <p:spTree>
+      <p:nvGrpSpPr>
+        <p:cNvPr id="1" name=""/>
+        <p:cNvGrpSpPr/>
+        <p:nvPr/>
+      </p:nvGrpSpPr>
+      <p:grpSpPr>
+        <a:xfrm>
+          <a:off x="0" y="0"/>
+          <a:ext cx="0" cy="0"/>
+          <a:chOff x="0" y="0"/>
+          <a:chExt cx="0" cy="0"/>
+        </a:xfrm>
+      </p:grpSpPr>
+      <p:pic>
+        <p:nvPicPr>
+          <p:cNvPr id="4" name="内容占位符 3" descr="checkout-2.png"/>
+          <p:cNvPicPr>
+            <a:picLocks noGrp="1" noChangeAspect="1"/>
+          </p:cNvPicPr>
+          <p:nvPr>
+            <p:ph idx="1"/>
+          </p:nvPr>
+        </p:nvPicPr>
+        <p:blipFill>
+          <a:blip r:embed="rId2" cstate="print"/>
+          <a:stretch>
+            <a:fillRect/>
+          </a:stretch>
+        </p:blipFill>
+        <p:spPr>
+          <a:xfrm>
+            <a:off x="539552" y="1124744"/>
+            <a:ext cx="8064896" cy="5489235"/>
+          </a:xfrm>
+        </p:spPr>
+      </p:pic>
+      <p:sp>
+        <p:nvSpPr>
+          <p:cNvPr id="3" name="标题 2"/>
+          <p:cNvSpPr>
+            <a:spLocks noGrp="1"/>
+          </p:cNvSpPr>
+          <p:nvPr>
+            <p:ph type="title"/>
+          </p:nvPr>
+        </p:nvSpPr>
+        <p:spPr/>
+        <p:txBody>
+          <a:bodyPr>
+            <a:normAutofit fontScale="90000"/>
+          </a:bodyPr>
+          <a:lstStyle/>
+          <a:p>
+            <a:r>
+              <a:rPr lang="zh-CN" altLang="en-US" dirty="0" smtClean="0"/>
+              <a:t>工作区</a:t>
+            </a:r>
+            <a:r>
+              <a:rPr lang="en-US" altLang="zh-CN" dirty="0" smtClean="0"/>
+              <a:t>(Working Space)</a:t>
+            </a:r>
+            <a:r>
+              <a:rPr lang="zh-CN" altLang="en-US" dirty="0" smtClean="0"/>
+              <a:t>与</a:t>
+            </a:r>
+            <a:r>
+              <a:rPr lang="en-US" altLang="zh-CN" dirty="0" smtClean="0"/>
+              <a:t>Checkout</a:t>
+            </a:r>
+            <a:endParaRPr lang="zh-CN" altLang="en-US" dirty="0"/>
+          </a:p>
+        </p:txBody>
+      </p:sp>
+    </p:spTree>
+  </p:cSld>
+  <p:clrMapOvr>
+    <a:masterClrMapping/>
+  </p:clrMapOvr>
+  <p:timing>
+    <p:tnLst>
+      <p:par>
+        <p:cTn id="1" dur="indefinite" restart="never" nodeType="tmRoot"/>
+      </p:par>
+    </p:tnLst>
+  </p:timing>
+</p:sld>
+</file>
+
+<file path=ppt/slides/slide28.xml><?xml version="1.0" encoding="utf-8"?>
+<p:sld xmlns:a="http://schemas.openxmlformats.org/drawingml/2006/main" xmlns:r="http://schemas.openxmlformats.org/officeDocument/2006/relationships" xmlns:p="http://schemas.openxmlformats.org/presentationml/2006/main">
+  <p:cSld>
+    <p:spTree>
+      <p:nvGrpSpPr>
+        <p:cNvPr id="1" name=""/>
+        <p:cNvGrpSpPr/>
+        <p:nvPr/>
+      </p:nvGrpSpPr>
+      <p:grpSpPr>
+        <a:xfrm>
+          <a:off x="0" y="0"/>
+          <a:ext cx="0" cy="0"/>
+          <a:chOff x="0" y="0"/>
+          <a:chExt cx="0" cy="0"/>
+        </a:xfrm>
+      </p:grpSpPr>
+      <p:pic>
+        <p:nvPicPr>
+          <p:cNvPr id="4" name="内容占位符 3"/>
+          <p:cNvPicPr>
+            <a:picLocks noGrp="1" noChangeAspect="1"/>
+          </p:cNvPicPr>
+          <p:nvPr>
+            <p:ph idx="1"/>
+          </p:nvPr>
+        </p:nvPicPr>
+        <p:blipFill>
+          <a:blip r:embed="rId2">
+            <a:extLst>
+              <a:ext uri="{28A0092B-C50C-407E-A947-70E740481C1C}">
+                <a14:useLocalDpi xmlns:a14="http://schemas.microsoft.com/office/drawing/2010/main" val="0"/>
+              </a:ext>
+            </a:extLst>
+          </a:blip>
+          <a:stretch>
+            <a:fillRect/>
+          </a:stretch>
+        </p:blipFill>
+        <p:spPr>
+          <a:xfrm>
+            <a:off x="107504" y="1628800"/>
+            <a:ext cx="8965700" cy="4208789"/>
+          </a:xfrm>
+        </p:spPr>
+      </p:pic>
+      <p:sp>
+        <p:nvSpPr>
+          <p:cNvPr id="3" name="标题 2"/>
+          <p:cNvSpPr>
+            <a:spLocks noGrp="1"/>
+          </p:cNvSpPr>
+          <p:nvPr>
+            <p:ph type="title"/>
+          </p:nvPr>
+        </p:nvSpPr>
+        <p:spPr/>
+        <p:txBody>
+          <a:bodyPr/>
+          <a:lstStyle/>
+          <a:p>
+            <a:r>
+              <a:rPr lang="zh-CN" altLang="en-US" dirty="0" smtClean="0"/>
+              <a:t>工作流详解</a:t>
+            </a:r>
+            <a:endParaRPr lang="zh-CN" altLang="en-US" dirty="0"/>
+          </a:p>
+        </p:txBody>
+      </p:sp>
+    </p:spTree>
+    <p:extLst>
+      <p:ext uri="{BB962C8B-B14F-4D97-AF65-F5344CB8AC3E}">
+        <p14:creationId xmlns:p14="http://schemas.microsoft.com/office/powerpoint/2010/main" val="2833477120"/>
+      </p:ext>
+    </p:extLst>
+  </p:cSld>
+  <p:clrMapOvr>
+    <a:masterClrMapping/>
+  </p:clrMapOvr>
+  <p:timing>
+    <p:tnLst>
+      <p:par>
+        <p:cTn id="1" dur="indefinite" restart="never" nodeType="tmRoot"/>
+      </p:par>
+    </p:tnLst>
+  </p:timing>
+</p:sld>
+</file>
+
+<file path=ppt/slides/slide29.xml><?xml version="1.0" encoding="utf-8"?>
+<p:sld xmlns:a="http://schemas.openxmlformats.org/drawingml/2006/main" xmlns:r="http://schemas.openxmlformats.org/officeDocument/2006/relationships" xmlns:p="http://schemas.openxmlformats.org/presentationml/2006/main">
+  <p:cSld>
+    <p:spTree>
+      <p:nvGrpSpPr>
+        <p:cNvPr id="1" name=""/>
+        <p:cNvGrpSpPr/>
+        <p:nvPr/>
+      </p:nvGrpSpPr>
+      <p:grpSpPr>
+        <a:xfrm>
+          <a:off x="0" y="0"/>
+          <a:ext cx="0" cy="0"/>
+          <a:chOff x="0" y="0"/>
+          <a:chExt cx="0" cy="0"/>
+        </a:xfrm>
+      </p:grpSpPr>
+      <p:pic>
+        <p:nvPicPr>
+          <p:cNvPr id="4" name="内容占位符 3"/>
+          <p:cNvPicPr>
+            <a:picLocks noGrp="1" noChangeAspect="1"/>
+          </p:cNvPicPr>
+          <p:nvPr>
+            <p:ph idx="1"/>
+          </p:nvPr>
+        </p:nvPicPr>
+        <p:blipFill>
+          <a:blip r:embed="rId2">
+            <a:extLst>
+              <a:ext uri="{28A0092B-C50C-407E-A947-70E740481C1C}">
+                <a14:useLocalDpi xmlns:a14="http://schemas.microsoft.com/office/drawing/2010/main" val="0"/>
+              </a:ext>
+            </a:extLst>
+          </a:blip>
+          <a:stretch>
+            <a:fillRect/>
+          </a:stretch>
+        </p:blipFill>
+        <p:spPr>
+          <a:xfrm>
+            <a:off x="778179" y="1481138"/>
+            <a:ext cx="7587641" cy="4525962"/>
+          </a:xfrm>
+        </p:spPr>
+      </p:pic>
+      <p:sp>
+        <p:nvSpPr>
+          <p:cNvPr id="3" name="标题 2"/>
+          <p:cNvSpPr>
+            <a:spLocks noGrp="1"/>
+          </p:cNvSpPr>
+          <p:nvPr>
+            <p:ph type="title"/>
+          </p:nvPr>
+        </p:nvSpPr>
+        <p:spPr/>
+        <p:txBody>
+          <a:bodyPr/>
+          <a:lstStyle/>
+          <a:p>
+            <a:r>
+              <a:rPr lang="en-US" altLang="zh-CN" dirty="0" smtClean="0"/>
+              <a:t>Diff</a:t>
+            </a:r>
+            <a:r>
+              <a:rPr lang="zh-CN" altLang="en-US" dirty="0" smtClean="0"/>
+              <a:t>详解</a:t>
+            </a:r>
+            <a:endParaRPr lang="zh-CN" altLang="en-US" dirty="0"/>
+          </a:p>
+        </p:txBody>
+      </p:sp>
+    </p:spTree>
+    <p:extLst>
+      <p:ext uri="{BB962C8B-B14F-4D97-AF65-F5344CB8AC3E}">
+        <p14:creationId xmlns:p14="http://schemas.microsoft.com/office/powerpoint/2010/main" val="4246334304"/>
+      </p:ext>
+    </p:extLst>
+  </p:cSld>
+  <p:clrMapOvr>
+    <a:masterClrMapping/>
+  </p:clrMapOvr>
+  <p:timing>
+    <p:tnLst>
+      <p:par>
+        <p:cTn id="1" dur="indefinite" restart="never" nodeType="tmRoot"/>
+      </p:par>
+    </p:tnLst>
+  </p:timing>
+</p:sld>
+</file>
+
+<file path=ppt/slides/slide3.xml><?xml version="1.0" encoding="utf-8"?>
+<p:sld xmlns:a="http://schemas.openxmlformats.org/drawingml/2006/main" xmlns:r="http://schemas.openxmlformats.org/officeDocument/2006/relationships" xmlns:p="http://schemas.openxmlformats.org/presentationml/2006/main">
+  <p:cSld>
+    <p:spTree>
+      <p:nvGrpSpPr>
+        <p:cNvPr id="1" name=""/>
+        <p:cNvGrpSpPr/>
+        <p:nvPr/>
+      </p:nvGrpSpPr>
+      <p:grpSpPr>
+        <a:xfrm>
+          <a:off x="0" y="0"/>
+          <a:ext cx="0" cy="0"/>
+          <a:chOff x="0" y="0"/>
+          <a:chExt cx="0" cy="0"/>
+        </a:xfrm>
+      </p:grpSpPr>
+      <p:sp>
+        <p:nvSpPr>
+          <p:cNvPr id="2" name="内容占位符 1"/>
+          <p:cNvSpPr>
+            <a:spLocks noGrp="1"/>
+          </p:cNvSpPr>
+          <p:nvPr>
+            <p:ph idx="1"/>
+          </p:nvPr>
+        </p:nvSpPr>
+        <p:spPr/>
+        <p:txBody>
+          <a:bodyPr>
+            <a:normAutofit/>
+          </a:bodyPr>
+          <a:lstStyle/>
+          <a:p>
+            <a:pPr>
+              <a:lnSpc>
+                <a:spcPct val="90000"/>
+              </a:lnSpc>
+            </a:pPr>
+            <a:r>
+              <a:rPr lang="zh-CN" altLang="en-US" sz="2500" dirty="0"/>
+              <a:t>直接克隆版本库</a:t>
+            </a:r>
+            <a:endParaRPr lang="en-US" altLang="zh-CN" sz="2500" dirty="0"/>
+          </a:p>
+          <a:p>
+            <a:pPr marL="109728" indent="0">
+              <a:lnSpc>
+                <a:spcPct val="90000"/>
+              </a:lnSpc>
+              <a:buNone/>
+            </a:pPr>
+            <a:r>
+              <a:rPr lang="en-US" altLang="zh-CN" sz="1900" dirty="0" smtClean="0">
+                <a:solidFill>
+                  <a:srgbClr val="C00000"/>
+                </a:solidFill>
+                <a:latin typeface="Consolas" pitchFamily="49" charset="0"/>
+                <a:cs typeface="Consolas" pitchFamily="49" charset="0"/>
+              </a:rPr>
+              <a:t>$ </a:t>
+            </a:r>
+            <a:r>
+              <a:rPr lang="en-US" altLang="zh-CN" sz="1900" dirty="0" err="1" smtClean="0">
+                <a:solidFill>
+                  <a:srgbClr val="C00000"/>
+                </a:solidFill>
+                <a:latin typeface="Consolas" pitchFamily="49" charset="0"/>
+                <a:cs typeface="Consolas" pitchFamily="49" charset="0"/>
+              </a:rPr>
+              <a:t>git</a:t>
+            </a:r>
+            <a:r>
+              <a:rPr lang="en-US" altLang="zh-CN" sz="1900" dirty="0" smtClean="0">
+                <a:solidFill>
+                  <a:srgbClr val="C00000"/>
+                </a:solidFill>
+                <a:latin typeface="Consolas" pitchFamily="49" charset="0"/>
+                <a:cs typeface="Consolas" pitchFamily="49" charset="0"/>
+              </a:rPr>
+              <a:t> </a:t>
+            </a:r>
+            <a:r>
+              <a:rPr lang="en-US" altLang="zh-CN" sz="1900" dirty="0">
+                <a:solidFill>
+                  <a:srgbClr val="C00000"/>
+                </a:solidFill>
+                <a:latin typeface="Consolas" pitchFamily="49" charset="0"/>
+                <a:cs typeface="Consolas" pitchFamily="49" charset="0"/>
+              </a:rPr>
+              <a:t>clone </a:t>
+            </a:r>
+            <a:r>
+              <a:rPr lang="en-US" altLang="zh-CN" sz="1900" dirty="0">
+                <a:solidFill>
+                  <a:srgbClr val="C00000"/>
+                </a:solidFill>
+                <a:latin typeface="Consolas" pitchFamily="49" charset="0"/>
+                <a:cs typeface="Consolas" pitchFamily="49" charset="0"/>
+                <a:hlinkClick r:id="rId2"/>
+              </a:rPr>
+              <a:t>https://</a:t>
+            </a:r>
+            <a:r>
+              <a:rPr lang="en-US" altLang="zh-CN" sz="1900" dirty="0" smtClean="0">
+                <a:solidFill>
+                  <a:srgbClr val="C00000"/>
+                </a:solidFill>
+                <a:latin typeface="Consolas" pitchFamily="49" charset="0"/>
+                <a:cs typeface="Consolas" pitchFamily="49" charset="0"/>
+                <a:hlinkClick r:id="rId2"/>
+              </a:rPr>
+              <a:t>github.com/texnician/demo</a:t>
+            </a:r>
+            <a:endParaRPr lang="en-US" altLang="zh-CN" sz="1900" dirty="0" smtClean="0">
+              <a:solidFill>
+                <a:srgbClr val="C00000"/>
+              </a:solidFill>
+              <a:latin typeface="Consolas" pitchFamily="49" charset="0"/>
+              <a:cs typeface="Consolas" pitchFamily="49" charset="0"/>
+            </a:endParaRPr>
+          </a:p>
+          <a:p>
+            <a:pPr>
+              <a:lnSpc>
+                <a:spcPct val="90000"/>
+              </a:lnSpc>
+            </a:pPr>
+            <a:r>
+              <a:rPr lang="zh-CN" altLang="en-US" sz="2500" dirty="0"/>
+              <a:t>手动添加远程版本</a:t>
+            </a:r>
+            <a:r>
+              <a:rPr lang="zh-CN" altLang="en-US" sz="2500" dirty="0" smtClean="0"/>
+              <a:t>库</a:t>
+            </a:r>
+            <a:endParaRPr lang="en-US" altLang="zh-CN" sz="2500" dirty="0" smtClean="0"/>
+          </a:p>
+          <a:p>
+            <a:pPr marL="109728" indent="0">
+              <a:lnSpc>
+                <a:spcPct val="90000"/>
+              </a:lnSpc>
+              <a:buNone/>
+            </a:pPr>
+            <a:r>
+              <a:rPr lang="en-US" altLang="zh-CN" sz="1900" dirty="0">
+                <a:solidFill>
+                  <a:srgbClr val="C00000"/>
+                </a:solidFill>
+                <a:latin typeface="Consolas" pitchFamily="49" charset="0"/>
+                <a:cs typeface="Consolas" pitchFamily="49" charset="0"/>
+              </a:rPr>
+              <a:t>$ </a:t>
+            </a:r>
+            <a:r>
+              <a:rPr lang="en-US" altLang="zh-CN" sz="1900" dirty="0" err="1">
+                <a:solidFill>
+                  <a:srgbClr val="C00000"/>
+                </a:solidFill>
+                <a:latin typeface="Consolas" pitchFamily="49" charset="0"/>
+                <a:cs typeface="Consolas" pitchFamily="49" charset="0"/>
+              </a:rPr>
+              <a:t>git</a:t>
+            </a:r>
+            <a:r>
+              <a:rPr lang="en-US" altLang="zh-CN" sz="1900" dirty="0">
+                <a:solidFill>
+                  <a:srgbClr val="C00000"/>
+                </a:solidFill>
+                <a:latin typeface="Consolas" pitchFamily="49" charset="0"/>
+                <a:cs typeface="Consolas" pitchFamily="49" charset="0"/>
+              </a:rPr>
+              <a:t> </a:t>
+            </a:r>
+            <a:r>
+              <a:rPr lang="en-US" altLang="zh-CN" sz="1900" dirty="0" err="1">
+                <a:solidFill>
+                  <a:srgbClr val="C00000"/>
+                </a:solidFill>
+                <a:latin typeface="Consolas" pitchFamily="49" charset="0"/>
+                <a:cs typeface="Consolas" pitchFamily="49" charset="0"/>
+              </a:rPr>
+              <a:t>init</a:t>
+            </a:r>
+            <a:r>
+              <a:rPr lang="en-US" altLang="zh-CN" sz="1900" dirty="0">
+                <a:solidFill>
+                  <a:srgbClr val="C00000"/>
+                </a:solidFill>
+                <a:latin typeface="Consolas" pitchFamily="49" charset="0"/>
+                <a:cs typeface="Consolas" pitchFamily="49" charset="0"/>
+              </a:rPr>
+              <a:t> demo</a:t>
+            </a:r>
+          </a:p>
+          <a:p>
+            <a:pPr marL="109728" indent="0">
+              <a:lnSpc>
+                <a:spcPct val="90000"/>
+              </a:lnSpc>
+              <a:buNone/>
+            </a:pPr>
+            <a:r>
+              <a:rPr lang="en-US" altLang="zh-CN" sz="1900" dirty="0">
+                <a:solidFill>
+                  <a:srgbClr val="C00000"/>
+                </a:solidFill>
+                <a:latin typeface="Consolas" pitchFamily="49" charset="0"/>
+                <a:cs typeface="Consolas" pitchFamily="49" charset="0"/>
+              </a:rPr>
+              <a:t>$ cd demo</a:t>
+            </a:r>
+          </a:p>
+          <a:p>
+            <a:pPr marL="109728" indent="0">
+              <a:lnSpc>
+                <a:spcPct val="90000"/>
+              </a:lnSpc>
+              <a:buNone/>
+            </a:pPr>
+            <a:r>
+              <a:rPr lang="en-US" altLang="zh-CN" sz="1900" dirty="0">
+                <a:solidFill>
+                  <a:srgbClr val="C00000"/>
+                </a:solidFill>
+                <a:latin typeface="Consolas" pitchFamily="49" charset="0"/>
+                <a:cs typeface="Consolas" pitchFamily="49" charset="0"/>
+              </a:rPr>
+              <a:t>$ </a:t>
+            </a:r>
+            <a:r>
+              <a:rPr lang="en-US" altLang="zh-CN" sz="1900" dirty="0" err="1">
+                <a:solidFill>
+                  <a:srgbClr val="C00000"/>
+                </a:solidFill>
+                <a:latin typeface="Consolas" pitchFamily="49" charset="0"/>
+                <a:cs typeface="Consolas" pitchFamily="49" charset="0"/>
+              </a:rPr>
+              <a:t>git</a:t>
+            </a:r>
+            <a:r>
+              <a:rPr lang="en-US" altLang="zh-CN" sz="1900" dirty="0">
+                <a:solidFill>
+                  <a:srgbClr val="C00000"/>
+                </a:solidFill>
+                <a:latin typeface="Consolas" pitchFamily="49" charset="0"/>
+                <a:cs typeface="Consolas" pitchFamily="49" charset="0"/>
+              </a:rPr>
+              <a:t> remote add origin </a:t>
+            </a:r>
+            <a:r>
+              <a:rPr lang="en-US" altLang="zh-CN" sz="1900" dirty="0">
+                <a:solidFill>
+                  <a:srgbClr val="C00000"/>
+                </a:solidFill>
+                <a:latin typeface="Consolas" pitchFamily="49" charset="0"/>
+                <a:cs typeface="Consolas" pitchFamily="49" charset="0"/>
+                <a:hlinkClick r:id="rId2"/>
+              </a:rPr>
+              <a:t>https://</a:t>
+            </a:r>
+            <a:r>
+              <a:rPr lang="en-US" altLang="zh-CN" sz="1900" dirty="0">
+                <a:solidFill>
+                  <a:srgbClr val="C00000"/>
+                </a:solidFill>
+                <a:latin typeface="Consolas" pitchFamily="49" charset="0"/>
+                <a:cs typeface="Consolas" pitchFamily="49" charset="0"/>
+                <a:hlinkClick r:id="rId2"/>
+              </a:rPr>
+              <a:t>github.com/texnician/demo</a:t>
+            </a:r>
+            <a:endParaRPr lang="en-US" altLang="zh-CN" sz="1900" dirty="0">
+              <a:solidFill>
+                <a:srgbClr val="C00000"/>
+              </a:solidFill>
+              <a:latin typeface="Consolas" pitchFamily="49" charset="0"/>
+              <a:cs typeface="Consolas" pitchFamily="49" charset="0"/>
+            </a:endParaRPr>
+          </a:p>
+          <a:p>
+            <a:pPr marL="109728" indent="0">
+              <a:lnSpc>
+                <a:spcPct val="90000"/>
+              </a:lnSpc>
+              <a:buNone/>
+            </a:pPr>
+            <a:r>
+              <a:rPr lang="en-US" altLang="zh-CN" sz="1900" dirty="0">
+                <a:solidFill>
+                  <a:srgbClr val="C00000"/>
+                </a:solidFill>
+                <a:latin typeface="Consolas" pitchFamily="49" charset="0"/>
+                <a:cs typeface="Consolas" pitchFamily="49" charset="0"/>
+              </a:rPr>
+              <a:t>$ </a:t>
+            </a:r>
+            <a:r>
+              <a:rPr lang="en-US" altLang="zh-CN" sz="1900" dirty="0" err="1">
+                <a:solidFill>
+                  <a:srgbClr val="C00000"/>
+                </a:solidFill>
+                <a:latin typeface="Consolas" pitchFamily="49" charset="0"/>
+                <a:cs typeface="Consolas" pitchFamily="49" charset="0"/>
+              </a:rPr>
+              <a:t>git</a:t>
+            </a:r>
+            <a:r>
+              <a:rPr lang="en-US" altLang="zh-CN" sz="1900" dirty="0">
+                <a:solidFill>
+                  <a:srgbClr val="C00000"/>
+                </a:solidFill>
+                <a:latin typeface="Consolas" pitchFamily="49" charset="0"/>
+                <a:cs typeface="Consolas" pitchFamily="49" charset="0"/>
+              </a:rPr>
+              <a:t> pull origin</a:t>
+            </a:r>
+          </a:p>
+          <a:p>
+            <a:pPr marL="109728" indent="0">
+              <a:lnSpc>
+                <a:spcPct val="90000"/>
+              </a:lnSpc>
+              <a:buNone/>
+            </a:pPr>
+            <a:r>
+              <a:rPr lang="en-US" altLang="zh-CN" sz="1900" dirty="0">
+                <a:solidFill>
+                  <a:srgbClr val="C00000"/>
+                </a:solidFill>
+                <a:latin typeface="Consolas" pitchFamily="49" charset="0"/>
+                <a:cs typeface="Consolas" pitchFamily="49" charset="0"/>
+              </a:rPr>
+              <a:t>$ </a:t>
+            </a:r>
+            <a:r>
+              <a:rPr lang="en-US" altLang="zh-CN" sz="1900" dirty="0" err="1">
+                <a:solidFill>
+                  <a:srgbClr val="C00000"/>
+                </a:solidFill>
+                <a:latin typeface="Consolas" pitchFamily="49" charset="0"/>
+                <a:cs typeface="Consolas" pitchFamily="49" charset="0"/>
+              </a:rPr>
+              <a:t>git</a:t>
+            </a:r>
+            <a:r>
+              <a:rPr lang="en-US" altLang="zh-CN" sz="1900" dirty="0">
+                <a:solidFill>
+                  <a:srgbClr val="C00000"/>
+                </a:solidFill>
+                <a:latin typeface="Consolas" pitchFamily="49" charset="0"/>
+                <a:cs typeface="Consolas" pitchFamily="49" charset="0"/>
+              </a:rPr>
+              <a:t> checkout master</a:t>
+            </a:r>
+          </a:p>
+          <a:p>
+            <a:pPr>
+              <a:lnSpc>
+                <a:spcPct val="90000"/>
+              </a:lnSpc>
+            </a:pPr>
+            <a:r>
+              <a:rPr lang="zh-CN" altLang="en-US" sz="2500" dirty="0" smtClean="0"/>
+              <a:t>进行本地操作，</a:t>
+            </a:r>
+            <a:r>
+              <a:rPr lang="en-US" altLang="zh-CN" sz="2500" dirty="0" smtClean="0"/>
+              <a:t>push</a:t>
+            </a:r>
+            <a:r>
+              <a:rPr lang="zh-CN" altLang="en-US" sz="2500" dirty="0" smtClean="0"/>
+              <a:t>到远程版本库</a:t>
+            </a:r>
+            <a:endParaRPr lang="en-US" altLang="zh-CN" sz="2500" dirty="0"/>
+          </a:p>
+          <a:p>
+            <a:pPr marL="109728" indent="0">
+              <a:lnSpc>
+                <a:spcPct val="90000"/>
+              </a:lnSpc>
+              <a:buNone/>
+            </a:pPr>
+            <a:r>
+              <a:rPr lang="en-US" altLang="zh-CN" sz="1900" dirty="0" smtClean="0">
+                <a:solidFill>
+                  <a:srgbClr val="C00000"/>
+                </a:solidFill>
+                <a:latin typeface="Consolas" pitchFamily="49" charset="0"/>
+                <a:cs typeface="Consolas" pitchFamily="49" charset="0"/>
+              </a:rPr>
+              <a:t>$ </a:t>
+            </a:r>
+            <a:r>
+              <a:rPr lang="en-US" altLang="zh-CN" sz="1900" dirty="0" err="1" smtClean="0">
+                <a:solidFill>
+                  <a:srgbClr val="C00000"/>
+                </a:solidFill>
+                <a:latin typeface="Consolas" pitchFamily="49" charset="0"/>
+                <a:cs typeface="Consolas" pitchFamily="49" charset="0"/>
+              </a:rPr>
+              <a:t>git</a:t>
+            </a:r>
+            <a:r>
+              <a:rPr lang="en-US" altLang="zh-CN" sz="1900" dirty="0" smtClean="0">
+                <a:solidFill>
+                  <a:srgbClr val="C00000"/>
+                </a:solidFill>
+                <a:latin typeface="Consolas" pitchFamily="49" charset="0"/>
+                <a:cs typeface="Consolas" pitchFamily="49" charset="0"/>
+              </a:rPr>
+              <a:t> push origin</a:t>
+            </a:r>
+          </a:p>
+          <a:p>
+            <a:pPr marL="109728" indent="0">
+              <a:lnSpc>
+                <a:spcPct val="90000"/>
+              </a:lnSpc>
+              <a:buNone/>
+            </a:pPr>
+            <a:r>
+              <a:rPr lang="en-US" altLang="zh-CN" sz="1900" dirty="0" smtClean="0">
+                <a:solidFill>
+                  <a:srgbClr val="C00000"/>
+                </a:solidFill>
+                <a:latin typeface="Consolas" pitchFamily="49" charset="0"/>
+                <a:cs typeface="Consolas" pitchFamily="49" charset="0"/>
+              </a:rPr>
+              <a:t>OR</a:t>
+            </a:r>
+          </a:p>
+          <a:p>
+            <a:pPr marL="109728" indent="0">
+              <a:lnSpc>
+                <a:spcPct val="90000"/>
+              </a:lnSpc>
+              <a:buNone/>
+            </a:pPr>
+            <a:r>
+              <a:rPr lang="en-US" altLang="zh-CN" sz="1900" dirty="0" smtClean="0">
+                <a:solidFill>
+                  <a:srgbClr val="C00000"/>
+                </a:solidFill>
+                <a:latin typeface="Consolas" pitchFamily="49" charset="0"/>
+                <a:cs typeface="Consolas" pitchFamily="49" charset="0"/>
+              </a:rPr>
+              <a:t>$ </a:t>
+            </a:r>
+            <a:r>
+              <a:rPr lang="en-US" altLang="zh-CN" sz="1900" dirty="0" err="1" smtClean="0">
+                <a:solidFill>
+                  <a:srgbClr val="C00000"/>
+                </a:solidFill>
+                <a:latin typeface="Consolas" pitchFamily="49" charset="0"/>
+                <a:cs typeface="Consolas" pitchFamily="49" charset="0"/>
+              </a:rPr>
+              <a:t>git</a:t>
+            </a:r>
+            <a:r>
+              <a:rPr lang="en-US" altLang="zh-CN" sz="1900" dirty="0" smtClean="0">
+                <a:solidFill>
+                  <a:srgbClr val="C00000"/>
+                </a:solidFill>
+                <a:latin typeface="Consolas" pitchFamily="49" charset="0"/>
+                <a:cs typeface="Consolas" pitchFamily="49" charset="0"/>
+              </a:rPr>
+              <a:t> push origin &lt;branch name&gt;</a:t>
+            </a:r>
+          </a:p>
+          <a:p>
+            <a:pPr>
+              <a:lnSpc>
+                <a:spcPct val="90000"/>
+              </a:lnSpc>
+            </a:pPr>
+            <a:endParaRPr lang="en-US" altLang="zh-CN" sz="1900" dirty="0">
+              <a:solidFill>
+                <a:srgbClr val="C00000"/>
+              </a:solidFill>
+              <a:latin typeface="Consolas" pitchFamily="49" charset="0"/>
+              <a:cs typeface="Consolas" pitchFamily="49" charset="0"/>
+            </a:endParaRPr>
+          </a:p>
+        </p:txBody>
+      </p:sp>
+      <p:sp>
+        <p:nvSpPr>
+          <p:cNvPr id="3" name="标题 2"/>
+          <p:cNvSpPr>
+            <a:spLocks noGrp="1"/>
+          </p:cNvSpPr>
+          <p:nvPr>
+            <p:ph type="title"/>
+          </p:nvPr>
+        </p:nvSpPr>
+        <p:spPr/>
+        <p:txBody>
+          <a:bodyPr/>
+          <a:lstStyle/>
+          <a:p>
+            <a:r>
+              <a:rPr lang="zh-CN" altLang="en-US" dirty="0" smtClean="0"/>
+              <a:t>远程</a:t>
+            </a:r>
+            <a:r>
+              <a:rPr lang="en-US" altLang="zh-CN" dirty="0" err="1" smtClean="0"/>
+              <a:t>git</a:t>
+            </a:r>
+            <a:r>
+              <a:rPr lang="zh-CN" altLang="en-US" dirty="0" smtClean="0"/>
+              <a:t>库</a:t>
+            </a:r>
+            <a:endParaRPr lang="zh-CN" altLang="en-US" dirty="0"/>
+          </a:p>
+        </p:txBody>
+      </p:sp>
+    </p:spTree>
+    <p:extLst>
+      <p:ext uri="{BB962C8B-B14F-4D97-AF65-F5344CB8AC3E}">
+        <p14:creationId xmlns:p14="http://schemas.microsoft.com/office/powerpoint/2010/main" val="3466349735"/>
+      </p:ext>
+    </p:extLst>
+  </p:cSld>
+  <p:clrMapOvr>
+    <a:masterClrMapping/>
+  </p:clrMapOvr>
+  <p:timing>
+    <p:tnLst>
+      <p:par>
+        <p:cTn id="1" dur="indefinite" restart="never" nodeType="tmRoot"/>
+      </p:par>
+    </p:tnLst>
+  </p:timing>
+</p:sld>
+</file>
+
+<file path=ppt/slides/slide30.xml><?xml version="1.0" encoding="utf-8"?>
+<p:sld xmlns:a="http://schemas.openxmlformats.org/drawingml/2006/main" xmlns:r="http://schemas.openxmlformats.org/officeDocument/2006/relationships" xmlns:p="http://schemas.openxmlformats.org/presentationml/2006/main">
+  <p:cSld>
+    <p:spTree>
+      <p:nvGrpSpPr>
+        <p:cNvPr id="1" name=""/>
+        <p:cNvGrpSpPr/>
+        <p:nvPr/>
+      </p:nvGrpSpPr>
+      <p:grpSpPr>
+        <a:xfrm>
+          <a:off x="0" y="0"/>
+          <a:ext cx="0" cy="0"/>
+          <a:chOff x="0" y="0"/>
+          <a:chExt cx="0" cy="0"/>
+        </a:xfrm>
+      </p:grpSpPr>
+      <p:sp>
+        <p:nvSpPr>
+          <p:cNvPr id="3" name="标题 2"/>
+          <p:cNvSpPr>
+            <a:spLocks noGrp="1"/>
+          </p:cNvSpPr>
+          <p:nvPr>
+            <p:ph type="title"/>
+          </p:nvPr>
+        </p:nvSpPr>
+        <p:spPr/>
+        <p:txBody>
+          <a:bodyPr>
+            <a:normAutofit fontScale="90000"/>
+          </a:bodyPr>
+          <a:lstStyle/>
+          <a:p>
+            <a:r>
+              <a:rPr lang="zh-CN" altLang="en-US" dirty="0" smtClean="0"/>
+              <a:t>场景：主题分支与合并</a:t>
+            </a:r>
+            <a:r>
+              <a:rPr lang="en-US" altLang="zh-CN" dirty="0" smtClean="0"/>
+              <a:t>3(</a:t>
+            </a:r>
+            <a:r>
+              <a:rPr lang="en-US" altLang="zh-CN" dirty="0" err="1" smtClean="0"/>
+              <a:t>git</a:t>
+            </a:r>
+            <a:r>
+              <a:rPr lang="en-US" altLang="zh-CN" dirty="0" smtClean="0"/>
+              <a:t> rebase)</a:t>
+            </a:r>
+            <a:endParaRPr lang="zh-CN" altLang="en-US" dirty="0"/>
+          </a:p>
+        </p:txBody>
+      </p:sp>
+      <p:pic>
+        <p:nvPicPr>
+          <p:cNvPr id="5" name="内容占位符 4"/>
+          <p:cNvPicPr>
+            <a:picLocks noGrp="1" noChangeAspect="1"/>
+          </p:cNvPicPr>
+          <p:nvPr>
+            <p:ph idx="1"/>
+          </p:nvPr>
+        </p:nvPicPr>
+        <p:blipFill>
+          <a:blip r:embed="rId2">
+            <a:extLst>
+              <a:ext uri="{28A0092B-C50C-407E-A947-70E740481C1C}">
+                <a14:useLocalDpi xmlns:a14="http://schemas.microsoft.com/office/drawing/2010/main" val="0"/>
+              </a:ext>
+            </a:extLst>
+          </a:blip>
+          <a:stretch>
+            <a:fillRect/>
+          </a:stretch>
+        </p:blipFill>
+        <p:spPr>
+          <a:xfrm>
+            <a:off x="323528" y="1412775"/>
+            <a:ext cx="8568952" cy="5161713"/>
+          </a:xfrm>
+        </p:spPr>
+      </p:pic>
+    </p:spTree>
+    <p:extLst>
+      <p:ext uri="{BB962C8B-B14F-4D97-AF65-F5344CB8AC3E}">
+        <p14:creationId xmlns:p14="http://schemas.microsoft.com/office/powerpoint/2010/main" val="3206441254"/>
+      </p:ext>
+    </p:extLst>
+  </p:cSld>
+  <p:clrMapOvr>
+    <a:masterClrMapping/>
+  </p:clrMapOvr>
+  <p:timing>
+    <p:tnLst>
+      <p:par>
+        <p:cTn id="1" dur="indefinite" restart="never" nodeType="tmRoot"/>
+      </p:par>
+    </p:tnLst>
+  </p:timing>
+</p:sld>
+</file>
+
+<file path=ppt/slides/slide31.xml><?xml version="1.0" encoding="utf-8"?>
+<p:sld xmlns:a="http://schemas.openxmlformats.org/drawingml/2006/main" xmlns:r="http://schemas.openxmlformats.org/officeDocument/2006/relationships" xmlns:p="http://schemas.openxmlformats.org/presentationml/2006/main">
+  <p:cSld>
+    <p:spTree>
+      <p:nvGrpSpPr>
+        <p:cNvPr id="1" name=""/>
+        <p:cNvGrpSpPr/>
+        <p:nvPr/>
+      </p:nvGrpSpPr>
+      <p:grpSpPr>
+        <a:xfrm>
+          <a:off x="0" y="0"/>
+          <a:ext cx="0" cy="0"/>
+          <a:chOff x="0" y="0"/>
+          <a:chExt cx="0" cy="0"/>
+        </a:xfrm>
+      </p:grpSpPr>
+      <p:sp>
+        <p:nvSpPr>
+          <p:cNvPr id="3" name="标题 2"/>
+          <p:cNvSpPr>
+            <a:spLocks noGrp="1"/>
+          </p:cNvSpPr>
+          <p:nvPr>
+            <p:ph type="title"/>
+          </p:nvPr>
+        </p:nvSpPr>
+        <p:spPr/>
+        <p:txBody>
+          <a:bodyPr/>
+          <a:lstStyle/>
+          <a:p>
+            <a:r>
+              <a:rPr lang="zh-CN" altLang="en-US" dirty="0" smtClean="0"/>
+              <a:t>场景</a:t>
+            </a:r>
+            <a:r>
+              <a:rPr lang="en-US" altLang="zh-CN" dirty="0" smtClean="0"/>
+              <a:t>: hotfix</a:t>
+            </a:r>
+            <a:r>
+              <a:rPr lang="zh-CN" altLang="en-US" dirty="0" smtClean="0"/>
+              <a:t>合并</a:t>
+            </a:r>
+            <a:endParaRPr lang="zh-CN" altLang="en-US" dirty="0"/>
+          </a:p>
+        </p:txBody>
+      </p:sp>
+      <p:pic>
+        <p:nvPicPr>
+          <p:cNvPr id="5" name="内容占位符 4"/>
+          <p:cNvPicPr>
+            <a:picLocks noGrp="1" noChangeAspect="1"/>
+          </p:cNvPicPr>
+          <p:nvPr>
+            <p:ph idx="1"/>
+          </p:nvPr>
+        </p:nvPicPr>
+        <p:blipFill>
+          <a:blip r:embed="rId2">
+            <a:extLst>
+              <a:ext uri="{28A0092B-C50C-407E-A947-70E740481C1C}">
+                <a14:useLocalDpi xmlns:a14="http://schemas.microsoft.com/office/drawing/2010/main" val="0"/>
+              </a:ext>
+            </a:extLst>
+          </a:blip>
+          <a:stretch>
+            <a:fillRect/>
+          </a:stretch>
+        </p:blipFill>
+        <p:spPr>
+          <a:xfrm>
+            <a:off x="395536" y="1124743"/>
+            <a:ext cx="8064896" cy="5679852"/>
+          </a:xfrm>
+        </p:spPr>
+      </p:pic>
+    </p:spTree>
+    <p:extLst>
+      <p:ext uri="{BB962C8B-B14F-4D97-AF65-F5344CB8AC3E}">
+        <p14:creationId xmlns:p14="http://schemas.microsoft.com/office/powerpoint/2010/main" val="3295632815"/>
+      </p:ext>
+    </p:extLst>
+  </p:cSld>
+  <p:clrMapOvr>
+    <a:masterClrMapping/>
+  </p:clrMapOvr>
+  <p:timing>
+    <p:tnLst>
+      <p:par>
+        <p:cTn id="1" dur="indefinite" restart="never" nodeType="tmRoot"/>
+      </p:par>
+    </p:tnLst>
+  </p:timing>
+</p:sld>
+</file>
+
+<file path=ppt/slides/slide32.xml><?xml version="1.0" encoding="utf-8"?>
+<p:sld xmlns:a="http://schemas.openxmlformats.org/drawingml/2006/main" xmlns:r="http://schemas.openxmlformats.org/officeDocument/2006/relationships" xmlns:p="http://schemas.openxmlformats.org/presentationml/2006/main">
+  <p:cSld>
+    <p:spTree>
+      <p:nvGrpSpPr>
+        <p:cNvPr id="1" name=""/>
+        <p:cNvGrpSpPr/>
+        <p:nvPr/>
+      </p:nvGrpSpPr>
+      <p:grpSpPr>
+        <a:xfrm>
+          <a:off x="0" y="0"/>
+          <a:ext cx="0" cy="0"/>
+          <a:chOff x="0" y="0"/>
+          <a:chExt cx="0" cy="0"/>
+        </a:xfrm>
+      </p:grpSpPr>
+      <p:sp>
+        <p:nvSpPr>
           <p:cNvPr id="22" name="内容占位符 21"/>
           <p:cNvSpPr>
             <a:spLocks noGrp="1"/>
@@ -7185,10 +9405,14 @@
           <a:bodyPr/>
           <a:lstStyle/>
           <a:p>
-            <a:pPr marL="109728" indent="0">
-              <a:buNone/>
-            </a:pPr>
-            <a:endParaRPr lang="en-US" altLang="zh-CN" dirty="0" smtClean="0"/>
+            <a:r>
+              <a:rPr lang="zh-CN" altLang="en-US" dirty="0"/>
+              <a:t>完全丢弃</a:t>
+            </a:r>
+            <a:r>
+              <a:rPr lang="en-US" altLang="zh-CN" dirty="0"/>
+              <a:t>D commit</a:t>
+            </a:r>
           </a:p>
           <a:p>
             <a:r>
@@ -7562,11 +9786,15 @@
             </a:r>
             <a:r>
               <a:rPr lang="zh-CN" altLang="en-US" dirty="0" smtClean="0"/>
-              <a:t>丢弃历史</a:t>
-            </a:r>
-            <a:r>
-              <a:rPr lang="en-US" altLang="zh-CN" dirty="0" smtClean="0"/>
-              <a:t> (</a:t>
+              <a:t>我搞砸了</a:t>
+            </a:r>
+            <a:r>
+              <a:rPr lang="en-US" altLang="zh-CN" dirty="0" smtClean="0"/>
+              <a:t> </a:t>
+            </a:r>
+            <a:r>
+              <a:rPr lang="en-US" altLang="zh-CN" dirty="0" smtClean="0"/>
+              <a:t>(</a:t>
             </a:r>
             <a:r>
               <a:rPr lang="en-US" altLang="zh-CN" dirty="0" err="1" smtClean="0"/>
@@ -7629,7 +9857,7 @@
 </p:sld>
 </file>
 
-<file path=ppt/slides/slide26.xml><?xml version="1.0" encoding="utf-8"?>
+<file path=ppt/slides/slide33.xml><?xml version="1.0" encoding="utf-8"?>
 <p:sld xmlns:a="http://schemas.openxmlformats.org/drawingml/2006/main" xmlns:r="http://schemas.openxmlformats.org/officeDocument/2006/relationships" xmlns:p="http://schemas.openxmlformats.org/presentationml/2006/main">
   <p:cSld>
     <p:spTree>
@@ -8049,11 +10277,7 @@
             </a:r>
             <a:r>
               <a:rPr lang="en-US" altLang="zh-CN" dirty="0" smtClean="0"/>
-              <a:t> </a:t>
-            </a:r>
-            <a:r>
-              <a:rPr lang="en-US" altLang="zh-CN" dirty="0" smtClean="0"/>
-              <a:t>reset --soft)</a:t>
+              <a:t> reset --soft)</a:t>
             </a:r>
             <a:endParaRPr lang="zh-CN" altLang="en-US" dirty="0"/>
           </a:p>
@@ -8079,7 +10303,7 @@
 </p:sld>
 </file>
 
-<file path=ppt/slides/slide27.xml><?xml version="1.0" encoding="utf-8"?>
+<file path=ppt/slides/slide34.xml><?xml version="1.0" encoding="utf-8"?>
 <p:sld xmlns:a="http://schemas.openxmlformats.org/drawingml/2006/main" xmlns:r="http://schemas.openxmlformats.org/officeDocument/2006/relationships" xmlns:p="http://schemas.openxmlformats.org/presentationml/2006/main">
   <p:cSld>
     <p:spTree>
@@ -8498,7 +10722,7 @@
 </p:sld>
 </file>
 
-<file path=ppt/slides/slide3.xml><?xml version="1.0" encoding="utf-8"?>
+<file path=ppt/slides/slide35.xml><?xml version="1.0" encoding="utf-8"?>
 <p:sld xmlns:a="http://schemas.openxmlformats.org/drawingml/2006/main" xmlns:r="http://schemas.openxmlformats.org/officeDocument/2006/relationships" xmlns:p="http://schemas.openxmlformats.org/presentationml/2006/main">
   <p:cSld>
     <p:spTree>
@@ -8517,7 +10741,7 @@
       </p:grpSpPr>
       <p:pic>
         <p:nvPicPr>
-          <p:cNvPr id="8" name="内容占位符 7" descr="fig-11.png"/>
+          <p:cNvPr id="7" name="内容占位符 6"/>
           <p:cNvPicPr>
             <a:picLocks noGrp="1" noChangeAspect="1"/>
           </p:cNvPicPr>
@@ -8526,21 +10750,27 @@
           </p:nvPr>
         </p:nvPicPr>
         <p:blipFill>
-          <a:blip r:embed="rId2" cstate="print"/>
+          <a:blip r:embed="rId2">
+            <a:extLst>
+              <a:ext uri="{28A0092B-C50C-407E-A947-70E740481C1C}">
+                <a14:useLocalDpi xmlns:a14="http://schemas.microsoft.com/office/drawing/2010/main" val="0"/>
+              </a:ext>
+            </a:extLst>
+          </a:blip>
           <a:stretch>
             <a:fillRect/>
           </a:stretch>
         </p:blipFill>
         <p:spPr>
           <a:xfrm>
-            <a:off x="893039" y="1196752"/>
-            <a:ext cx="7639401" cy="4810348"/>
+            <a:off x="107504" y="1556792"/>
+            <a:ext cx="8903431" cy="4896544"/>
           </a:xfrm>
         </p:spPr>
       </p:pic>
       <p:sp>
         <p:nvSpPr>
-          <p:cNvPr id="2" name="标题 1"/>
+          <p:cNvPr id="5" name="标题 4"/>
           <p:cNvSpPr>
             <a:spLocks noGrp="1"/>
           </p:cNvSpPr>
@@ -8554,24 +10784,43 @@
           <a:lstStyle/>
           <a:p>
             <a:r>
+              <a:rPr lang="en-US" altLang="zh-CN" dirty="0" err="1"/>
+              <a:t>g</a:t>
+            </a:r>
+            <a:r>
               <a:rPr lang="en-US" altLang="zh-CN" dirty="0" err="1" smtClean="0"/>
-              <a:t>Git</a:t>
-            </a:r>
-            <a:r>
-              <a:rPr lang="zh-CN" altLang="en-US" dirty="0" smtClean="0">
-                <a:latin typeface="黑体" pitchFamily="49" charset="-122"/>
-                <a:ea typeface="黑体" pitchFamily="49" charset="-122"/>
-              </a:rPr>
-              <a:t>系统结构</a:t>
-            </a:r>
-            <a:endParaRPr lang="zh-CN" altLang="en-US" dirty="0">
-              <a:latin typeface="黑体" pitchFamily="49" charset="-122"/>
-              <a:ea typeface="黑体" pitchFamily="49" charset="-122"/>
-            </a:endParaRPr>
+              <a:t>it</a:t>
+            </a:r>
+            <a:r>
+              <a:rPr lang="en-US" altLang="zh-CN" dirty="0" smtClean="0"/>
+              <a:t> </a:t>
+            </a:r>
+            <a:r>
+              <a:rPr lang="en-US" altLang="zh-CN" dirty="0" err="1" smtClean="0"/>
+              <a:t>svn</a:t>
+            </a:r>
+            <a:r>
+              <a:rPr lang="en-US" altLang="zh-CN" dirty="0" smtClean="0"/>
+              <a:t> rebase + </a:t>
+            </a:r>
+            <a:r>
+              <a:rPr lang="en-US" altLang="zh-CN" dirty="0" err="1" smtClean="0"/>
+              <a:t>dcommit</a:t>
+            </a:r>
+            <a:r>
+              <a:rPr lang="zh-CN" altLang="en-US" dirty="0" smtClean="0"/>
+              <a:t>原理</a:t>
+            </a:r>
+            <a:endParaRPr lang="zh-CN" altLang="en-US" dirty="0"/>
           </a:p>
         </p:txBody>
       </p:sp>
     </p:spTree>
+    <p:extLst>
+      <p:ext uri="{BB962C8B-B14F-4D97-AF65-F5344CB8AC3E}">
+        <p14:creationId xmlns:p14="http://schemas.microsoft.com/office/powerpoint/2010/main" val="1206889687"/>
+      </p:ext>
+    </p:extLst>
   </p:cSld>
   <p:clrMapOvr>
     <a:masterClrMapping/>
@@ -8589,6 +10838,11 @@
 <file path=ppt/slides/slide4.xml><?xml version="1.0" encoding="utf-8"?>
 <p:sld xmlns:a="http://schemas.openxmlformats.org/drawingml/2006/main" xmlns:r="http://schemas.openxmlformats.org/officeDocument/2006/relationships" xmlns:p="http://schemas.openxmlformats.org/presentationml/2006/main">
   <p:cSld>
+    <p:bg>
+      <p:bgRef idx="1001">
+        <a:schemeClr val="bg1"/>
+      </p:bgRef>
+    </p:bg>
     <p:spTree>
       <p:nvGrpSpPr>
         <p:cNvPr id="1" name=""/>
@@ -8603,14 +10857,43 @@
           <a:chExt cx="0" cy="0"/>
         </a:xfrm>
       </p:grpSpPr>
+      <p:pic>
+        <p:nvPicPr>
+          <p:cNvPr id="4" name="内容占位符 3"/>
+          <p:cNvPicPr>
+            <a:picLocks noGrp="1" noChangeAspect="1"/>
+          </p:cNvPicPr>
+          <p:nvPr>
+            <p:ph idx="1"/>
+          </p:nvPr>
+        </p:nvPicPr>
+        <p:blipFill>
+          <a:blip r:embed="rId3">
+            <a:extLst>
+              <a:ext uri="{28A0092B-C50C-407E-A947-70E740481C1C}">
+                <a14:useLocalDpi xmlns:a14="http://schemas.microsoft.com/office/drawing/2010/main" val="0"/>
+              </a:ext>
+            </a:extLst>
+          </a:blip>
+          <a:stretch>
+            <a:fillRect/>
+          </a:stretch>
+        </p:blipFill>
+        <p:spPr>
+          <a:xfrm>
+            <a:off x="1189617" y="1481138"/>
+            <a:ext cx="6764765" cy="4525962"/>
+          </a:xfrm>
+        </p:spPr>
+      </p:pic>
       <p:sp>
         <p:nvSpPr>
-          <p:cNvPr id="3" name="内容占位符 2"/>
+          <p:cNvPr id="3" name="标题 2"/>
           <p:cNvSpPr>
             <a:spLocks noGrp="1"/>
           </p:cNvSpPr>
           <p:nvPr>
-            <p:ph idx="1"/>
+            <p:ph type="title"/>
           </p:nvPr>
         </p:nvSpPr>
         <p:spPr/>
@@ -8620,238 +10903,21 @@
           <a:p>
             <a:r>
               <a:rPr lang="zh-CN" altLang="en-US" dirty="0" smtClean="0"/>
-              <a:t>所有文件都存储为</a:t>
-            </a:r>
-            <a:r>
-              <a:rPr lang="en-US" altLang="zh-CN" dirty="0" smtClean="0"/>
-              <a:t>Blob Object</a:t>
-            </a:r>
-            <a:r>
-              <a:rPr lang="zh-CN" altLang="en-US" dirty="0" smtClean="0"/>
-              <a:t>对象</a:t>
-            </a:r>
-            <a:endParaRPr lang="en-US" altLang="zh-CN" dirty="0" smtClean="0"/>
-          </a:p>
-          <a:p>
-            <a:r>
-              <a:rPr lang="zh-CN" altLang="en-US" dirty="0" smtClean="0"/>
-              <a:t>只有文件内容，不包括文件名信息</a:t>
-            </a:r>
-            <a:endParaRPr lang="en-US" altLang="zh-CN" dirty="0" smtClean="0"/>
-          </a:p>
-          <a:p>
-            <a:r>
-              <a:rPr lang="zh-CN" altLang="en-US" dirty="0" smtClean="0"/>
-              <a:t>存储在</a:t>
-            </a:r>
-            <a:r>
-              <a:rPr lang="en-US" altLang="zh-CN" dirty="0" smtClean="0"/>
-              <a:t>.</a:t>
-            </a:r>
-            <a:r>
-              <a:rPr lang="en-US" altLang="zh-CN" dirty="0" err="1" smtClean="0"/>
-              <a:t>git</a:t>
-            </a:r>
-            <a:r>
-              <a:rPr lang="en-US" altLang="zh-CN" dirty="0" smtClean="0"/>
-              <a:t>/objects/ </a:t>
-            </a:r>
-            <a:r>
-              <a:rPr lang="zh-CN" altLang="en-US" dirty="0" smtClean="0"/>
-              <a:t>目录下</a:t>
-            </a:r>
-            <a:endParaRPr lang="en-US" altLang="zh-CN" dirty="0" smtClean="0"/>
-          </a:p>
-          <a:p>
-            <a:r>
-              <a:rPr lang="zh-CN" altLang="en-US" dirty="0" smtClean="0"/>
-              <a:t>通过文件内容，大小，等信息的</a:t>
-            </a:r>
-            <a:r>
-              <a:rPr lang="en-US" altLang="zh-CN" dirty="0" smtClean="0"/>
-              <a:t>sha1</a:t>
-            </a:r>
-            <a:r>
-              <a:rPr lang="zh-CN" altLang="en-US" dirty="0" smtClean="0"/>
-              <a:t>值作</a:t>
-            </a:r>
-            <a:r>
-              <a:rPr lang="en-US" altLang="zh-CN" dirty="0" smtClean="0"/>
-              <a:t>key</a:t>
-            </a:r>
-          </a:p>
-          <a:p>
-            <a:r>
-              <a:rPr lang="zh-CN" altLang="en-US" dirty="0" smtClean="0"/>
-              <a:t>文件内容通过</a:t>
-            </a:r>
-            <a:r>
-              <a:rPr lang="en-US" altLang="zh-CN" dirty="0" err="1" smtClean="0"/>
-              <a:t>zlib</a:t>
-            </a:r>
-            <a:r>
-              <a:rPr lang="zh-CN" altLang="en-US" dirty="0" smtClean="0"/>
-              <a:t>压缩和差异化存储来节省空间</a:t>
-            </a:r>
-            <a:endParaRPr lang="en-US" altLang="zh-CN" dirty="0" smtClean="0"/>
-          </a:p>
-          <a:p>
-            <a:pPr>
-              <a:buNone/>
-            </a:pPr>
-            <a:endParaRPr lang="en-US" altLang="zh-CN" dirty="0" smtClean="0"/>
-          </a:p>
-          <a:p>
-            <a:pPr>
-              <a:buNone/>
-            </a:pPr>
-            <a:r>
-              <a:rPr lang="en-US" altLang="zh-CN" sz="2000" dirty="0" smtClean="0">
-                <a:solidFill>
-                  <a:srgbClr val="C00000"/>
-                </a:solidFill>
-                <a:latin typeface="Consolas" pitchFamily="49" charset="0"/>
-                <a:cs typeface="Consolas" pitchFamily="49" charset="0"/>
-              </a:rPr>
-              <a:t>$ echo 'test content' | </a:t>
-            </a:r>
-            <a:r>
-              <a:rPr lang="en-US" altLang="zh-CN" sz="2000" dirty="0" err="1" smtClean="0">
-                <a:solidFill>
-                  <a:srgbClr val="C00000"/>
-                </a:solidFill>
-                <a:latin typeface="Consolas" pitchFamily="49" charset="0"/>
-                <a:cs typeface="Consolas" pitchFamily="49" charset="0"/>
-              </a:rPr>
-              <a:t>git</a:t>
-            </a:r>
-            <a:r>
-              <a:rPr lang="en-US" altLang="zh-CN" sz="2000" dirty="0" smtClean="0">
-                <a:solidFill>
-                  <a:srgbClr val="C00000"/>
-                </a:solidFill>
-                <a:latin typeface="Consolas" pitchFamily="49" charset="0"/>
-                <a:cs typeface="Consolas" pitchFamily="49" charset="0"/>
-              </a:rPr>
-              <a:t> hash-object -w –</a:t>
-            </a:r>
-            <a:r>
-              <a:rPr lang="en-US" altLang="zh-CN" sz="2000" dirty="0" err="1" smtClean="0">
-                <a:solidFill>
-                  <a:srgbClr val="C00000"/>
-                </a:solidFill>
-                <a:latin typeface="Consolas" pitchFamily="49" charset="0"/>
-                <a:cs typeface="Consolas" pitchFamily="49" charset="0"/>
-              </a:rPr>
-              <a:t>stdin</a:t>
-            </a:r>
-            <a:endParaRPr lang="en-US" altLang="zh-CN" sz="2000" dirty="0" smtClean="0">
-              <a:solidFill>
-                <a:srgbClr val="C00000"/>
-              </a:solidFill>
-              <a:latin typeface="Consolas" pitchFamily="49" charset="0"/>
-              <a:cs typeface="Consolas" pitchFamily="49" charset="0"/>
-            </a:endParaRPr>
-          </a:p>
-          <a:p>
-            <a:pPr>
-              <a:buNone/>
-            </a:pPr>
-            <a:r>
-              <a:rPr lang="en-US" altLang="zh-CN" sz="2000" dirty="0" smtClean="0">
-                <a:solidFill>
-                  <a:srgbClr val="C00000"/>
-                </a:solidFill>
-                <a:latin typeface="Consolas" pitchFamily="49" charset="0"/>
-                <a:cs typeface="Consolas" pitchFamily="49" charset="0"/>
-              </a:rPr>
-              <a:t>$ echo 'version 1' &gt; test.txt &amp;&amp; </a:t>
-            </a:r>
-            <a:r>
-              <a:rPr lang="en-US" altLang="zh-CN" sz="2000" dirty="0" err="1" smtClean="0">
-                <a:solidFill>
-                  <a:srgbClr val="C00000"/>
-                </a:solidFill>
-                <a:latin typeface="Consolas" pitchFamily="49" charset="0"/>
-                <a:cs typeface="Consolas" pitchFamily="49" charset="0"/>
-              </a:rPr>
-              <a:t>git</a:t>
-            </a:r>
-            <a:r>
-              <a:rPr lang="en-US" altLang="zh-CN" sz="2000" dirty="0" smtClean="0">
-                <a:solidFill>
-                  <a:srgbClr val="C00000"/>
-                </a:solidFill>
-                <a:latin typeface="Consolas" pitchFamily="49" charset="0"/>
-                <a:cs typeface="Consolas" pitchFamily="49" charset="0"/>
-              </a:rPr>
-              <a:t> hash-object -w test.txt</a:t>
-            </a:r>
-          </a:p>
-          <a:p>
-            <a:pPr>
-              <a:buNone/>
-            </a:pPr>
-            <a:r>
-              <a:rPr lang="en-US" altLang="zh-CN" sz="2000" dirty="0" smtClean="0">
-                <a:solidFill>
-                  <a:srgbClr val="C00000"/>
-                </a:solidFill>
-                <a:latin typeface="Consolas" pitchFamily="49" charset="0"/>
-                <a:cs typeface="Consolas" pitchFamily="49" charset="0"/>
-              </a:rPr>
-              <a:t>$ echo 'version 2' &gt; test.txt &amp;&amp; </a:t>
-            </a:r>
-            <a:r>
-              <a:rPr lang="en-US" altLang="zh-CN" sz="2000" dirty="0" err="1" smtClean="0">
-                <a:solidFill>
-                  <a:srgbClr val="C00000"/>
-                </a:solidFill>
-                <a:latin typeface="Consolas" pitchFamily="49" charset="0"/>
-                <a:cs typeface="Consolas" pitchFamily="49" charset="0"/>
-              </a:rPr>
-              <a:t>git</a:t>
-            </a:r>
-            <a:r>
-              <a:rPr lang="en-US" altLang="zh-CN" sz="2000" dirty="0" smtClean="0">
-                <a:solidFill>
-                  <a:srgbClr val="C00000"/>
-                </a:solidFill>
-                <a:latin typeface="Consolas" pitchFamily="49" charset="0"/>
-                <a:cs typeface="Consolas" pitchFamily="49" charset="0"/>
-              </a:rPr>
-              <a:t> hash-object -w test.txt</a:t>
-            </a:r>
-          </a:p>
-        </p:txBody>
-      </p:sp>
-      <p:sp>
-        <p:nvSpPr>
-          <p:cNvPr id="2" name="标题 1"/>
-          <p:cNvSpPr>
-            <a:spLocks noGrp="1"/>
-          </p:cNvSpPr>
-          <p:nvPr>
-            <p:ph type="title"/>
-          </p:nvPr>
-        </p:nvSpPr>
-        <p:spPr/>
-        <p:txBody>
-          <a:bodyPr/>
-          <a:lstStyle/>
-          <a:p>
-            <a:r>
-              <a:rPr lang="en-US" altLang="zh-CN" dirty="0" smtClean="0"/>
-              <a:t>Blob Object</a:t>
+              <a:t>工作流简介</a:t>
             </a:r>
             <a:endParaRPr lang="zh-CN" altLang="en-US" dirty="0"/>
           </a:p>
         </p:txBody>
       </p:sp>
     </p:spTree>
+    <p:extLst>
+      <p:ext uri="{BB962C8B-B14F-4D97-AF65-F5344CB8AC3E}">
+        <p14:creationId xmlns:p14="http://schemas.microsoft.com/office/powerpoint/2010/main" val="1695765042"/>
+      </p:ext>
+    </p:extLst>
   </p:cSld>
   <p:clrMapOvr>
-    <a:masterClrMapping/>
+    <a:overrideClrMapping bg1="lt1" tx1="dk1" bg2="lt2" tx2="dk2" accent1="accent1" accent2="accent2" accent3="accent3" accent4="accent4" accent5="accent5" accent6="accent6" hlink="hlink" folHlink="folHlink"/>
   </p:clrMapOvr>
   <p:timing>
     <p:tnLst>
@@ -8880,110 +10946,100 @@
           <a:chExt cx="0" cy="0"/>
         </a:xfrm>
       </p:grpSpPr>
-      <p:sp>
-        <p:nvSpPr>
-          <p:cNvPr id="3" name="内容占位符 2"/>
-          <p:cNvSpPr>
-            <a:spLocks noGrp="1"/>
-          </p:cNvSpPr>
-          <p:nvPr>
-            <p:ph idx="1"/>
-          </p:nvPr>
-        </p:nvSpPr>
-        <p:spPr/>
-        <p:txBody>
-          <a:bodyPr/>
-          <a:lstStyle/>
-          <a:p>
-            <a:r>
-              <a:rPr lang="en-US" altLang="zh-CN" dirty="0" smtClean="0"/>
-              <a:t>Tree Object</a:t>
-            </a:r>
-            <a:r>
-              <a:rPr lang="zh-CN" altLang="en-US" dirty="0" smtClean="0"/>
-              <a:t>存储文件名，权限模式，类型等信息</a:t>
-            </a:r>
-            <a:endParaRPr lang="en-US" altLang="zh-CN" dirty="0" smtClean="0"/>
-          </a:p>
-          <a:p>
-            <a:r>
-              <a:rPr lang="zh-CN" altLang="en-US" dirty="0" smtClean="0"/>
-              <a:t>包含指向</a:t>
-            </a:r>
-            <a:r>
-              <a:rPr lang="en-US" altLang="zh-CN" dirty="0" smtClean="0"/>
-              <a:t>Blob Object</a:t>
-            </a:r>
-            <a:r>
-              <a:rPr lang="zh-CN" altLang="en-US" dirty="0" smtClean="0"/>
-              <a:t>和</a:t>
-            </a:r>
-            <a:r>
-              <a:rPr lang="en-US" altLang="zh-CN" dirty="0" smtClean="0"/>
-              <a:t>Sub Tree Object</a:t>
-            </a:r>
-            <a:r>
-              <a:rPr lang="zh-CN" altLang="en-US" dirty="0" smtClean="0"/>
-              <a:t>的指针</a:t>
-            </a:r>
-            <a:endParaRPr lang="en-US" altLang="zh-CN" dirty="0" smtClean="0"/>
-          </a:p>
-          <a:p>
-            <a:pPr>
-              <a:buNone/>
-            </a:pPr>
-            <a:endParaRPr lang="zh-CN" altLang="en-US" dirty="0"/>
-          </a:p>
-        </p:txBody>
-      </p:sp>
-      <p:sp>
-        <p:nvSpPr>
-          <p:cNvPr id="2" name="标题 1"/>
-          <p:cNvSpPr>
-            <a:spLocks noGrp="1"/>
-          </p:cNvSpPr>
-          <p:nvPr>
-            <p:ph type="title"/>
-          </p:nvPr>
-        </p:nvSpPr>
-        <p:spPr/>
-        <p:txBody>
-          <a:bodyPr/>
-          <a:lstStyle/>
-          <a:p>
-            <a:r>
-              <a:rPr lang="en-US" altLang="zh-CN" dirty="0" smtClean="0"/>
-              <a:t>Tree Object</a:t>
-            </a:r>
-            <a:endParaRPr lang="zh-CN" altLang="en-US" dirty="0"/>
-          </a:p>
-        </p:txBody>
-      </p:sp>
       <p:pic>
         <p:nvPicPr>
-          <p:cNvPr id="4" name="图片 3" descr="tree.png"/>
+          <p:cNvPr id="4" name="内容占位符 3"/>
           <p:cNvPicPr>
-            <a:picLocks noChangeAspect="1"/>
+            <a:picLocks noGrp="1" noChangeAspect="1"/>
           </p:cNvPicPr>
-          <p:nvPr/>
+          <p:nvPr>
+            <p:ph idx="1"/>
+          </p:nvPr>
         </p:nvPicPr>
         <p:blipFill>
-          <a:blip r:embed="rId2" cstate="print"/>
+          <a:blip r:embed="rId2">
+            <a:extLst>
+              <a:ext uri="{28A0092B-C50C-407E-A947-70E740481C1C}">
+                <a14:useLocalDpi xmlns:a14="http://schemas.microsoft.com/office/drawing/2010/main" val="0"/>
+              </a:ext>
+            </a:extLst>
+          </a:blip>
           <a:stretch>
             <a:fillRect/>
           </a:stretch>
         </p:blipFill>
         <p:spPr>
           <a:xfrm>
-            <a:off x="1907704" y="2564904"/>
-            <a:ext cx="5112568" cy="3425421"/>
+            <a:off x="683568" y="1484783"/>
+            <a:ext cx="7848872" cy="5251283"/>
           </a:xfrm>
-          <a:prstGeom prst="rect">
-            <a:avLst/>
-          </a:prstGeom>
         </p:spPr>
       </p:pic>
+      <p:sp>
+        <p:nvSpPr>
+          <p:cNvPr id="3" name="标题 2"/>
+          <p:cNvSpPr>
+            <a:spLocks noGrp="1"/>
+          </p:cNvSpPr>
+          <p:nvPr>
+            <p:ph type="title"/>
+          </p:nvPr>
+        </p:nvSpPr>
+        <p:spPr/>
+        <p:txBody>
+          <a:bodyPr/>
+          <a:lstStyle/>
+          <a:p>
+            <a:r>
+              <a:rPr lang="en-US" altLang="zh-CN" dirty="0" err="1" smtClean="0"/>
+              <a:t>Git</a:t>
+            </a:r>
+            <a:r>
+              <a:rPr lang="en-US" altLang="zh-CN" dirty="0" smtClean="0"/>
+              <a:t> </a:t>
+            </a:r>
+            <a:r>
+              <a:rPr lang="zh-CN" altLang="en-US" dirty="0" smtClean="0"/>
+              <a:t>作为</a:t>
+            </a:r>
+            <a:r>
+              <a:rPr lang="en-US" altLang="zh-CN" dirty="0" err="1" smtClean="0"/>
+              <a:t>svn</a:t>
+            </a:r>
+            <a:r>
+              <a:rPr lang="zh-CN" altLang="en-US" dirty="0" smtClean="0"/>
+              <a:t>客户端</a:t>
+            </a:r>
+            <a:r>
+              <a:rPr lang="en-US" altLang="zh-CN" dirty="0" smtClean="0"/>
+              <a:t>(</a:t>
+            </a:r>
+            <a:r>
+              <a:rPr lang="en-US" altLang="zh-CN" dirty="0" err="1" smtClean="0"/>
+              <a:t>git</a:t>
+            </a:r>
+            <a:r>
+              <a:rPr lang="en-US" altLang="zh-CN" dirty="0" smtClean="0"/>
+              <a:t> </a:t>
+            </a:r>
+            <a:r>
+              <a:rPr lang="en-US" altLang="zh-CN" dirty="0" err="1" smtClean="0"/>
+              <a:t>svn</a:t>
+            </a:r>
+            <a:r>
+              <a:rPr lang="en-US" altLang="zh-CN" dirty="0" smtClean="0"/>
+              <a:t>)</a:t>
+            </a:r>
+            <a:endParaRPr lang="zh-CN" altLang="en-US" dirty="0"/>
+          </a:p>
+        </p:txBody>
+      </p:sp>
     </p:spTree>
+    <p:extLst>
+      <p:ext uri="{BB962C8B-B14F-4D97-AF65-F5344CB8AC3E}">
+        <p14:creationId xmlns:p14="http://schemas.microsoft.com/office/powerpoint/2010/main" val="389845381"/>
+      </p:ext>
+    </p:extLst>
   </p:cSld>
   <p:clrMapOvr>
     <a:masterClrMapping/>
@@ -9027,32 +11083,92 @@
         </p:nvSpPr>
         <p:spPr/>
         <p:txBody>
-          <a:bodyPr/>
+          <a:bodyPr>
+            <a:normAutofit fontScale="92500" lnSpcReduction="10000"/>
+          </a:bodyPr>
           <a:lstStyle/>
           <a:p>
             <a:r>
-              <a:rPr lang="en-US" altLang="zh-CN" dirty="0" smtClean="0"/>
-              <a:t>Tree object</a:t>
-            </a:r>
-            <a:r>
-              <a:rPr lang="zh-CN" altLang="en-US" dirty="0" smtClean="0"/>
-              <a:t>只能在</a:t>
-            </a:r>
-            <a:r>
-              <a:rPr lang="en-US" altLang="zh-CN" dirty="0" smtClean="0"/>
-              <a:t>index</a:t>
-            </a:r>
-            <a:r>
-              <a:rPr lang="zh-CN" altLang="en-US" dirty="0" smtClean="0"/>
-              <a:t>上创建</a:t>
+              <a:rPr lang="zh-CN" altLang="en-US" dirty="0" smtClean="0"/>
+              <a:t>初始化版本库</a:t>
             </a:r>
             <a:endParaRPr lang="en-US" altLang="zh-CN" dirty="0" smtClean="0"/>
           </a:p>
           <a:p>
-            <a:pPr>
+            <a:pPr marL="109728" indent="0">
               <a:buNone/>
             </a:pPr>
             <a:r>
+              <a:rPr lang="en-US" altLang="zh-CN" sz="2000" dirty="0">
+                <a:solidFill>
+                  <a:srgbClr val="C00000"/>
+                </a:solidFill>
+                <a:latin typeface="Consolas" pitchFamily="49" charset="0"/>
+                <a:cs typeface="Consolas" pitchFamily="49" charset="0"/>
+              </a:rPr>
+              <a:t>$ </a:t>
+            </a:r>
+            <a:r>
+              <a:rPr lang="en-US" altLang="zh-CN" sz="2000" dirty="0" err="1">
+                <a:solidFill>
+                  <a:srgbClr val="C00000"/>
+                </a:solidFill>
+                <a:latin typeface="Consolas" pitchFamily="49" charset="0"/>
+                <a:cs typeface="Consolas" pitchFamily="49" charset="0"/>
+              </a:rPr>
+              <a:t>git</a:t>
+            </a:r>
+            <a:r>
+              <a:rPr lang="en-US" altLang="zh-CN" sz="2000" dirty="0">
+                <a:solidFill>
+                  <a:srgbClr val="C00000"/>
+                </a:solidFill>
+                <a:latin typeface="Consolas" pitchFamily="49" charset="0"/>
+                <a:cs typeface="Consolas" pitchFamily="49" charset="0"/>
+              </a:rPr>
+              <a:t> </a:t>
+            </a:r>
+            <a:r>
+              <a:rPr lang="en-US" altLang="zh-CN" sz="2000" dirty="0" err="1">
+                <a:solidFill>
+                  <a:srgbClr val="C00000"/>
+                </a:solidFill>
+                <a:latin typeface="Consolas" pitchFamily="49" charset="0"/>
+                <a:cs typeface="Consolas" pitchFamily="49" charset="0"/>
+              </a:rPr>
+              <a:t>svn</a:t>
+            </a:r>
+            <a:r>
+              <a:rPr lang="en-US" altLang="zh-CN" sz="2000" dirty="0">
+                <a:solidFill>
+                  <a:srgbClr val="C00000"/>
+                </a:solidFill>
+                <a:latin typeface="Consolas" pitchFamily="49" charset="0"/>
+                <a:cs typeface="Consolas" pitchFamily="49" charset="0"/>
+              </a:rPr>
+              <a:t> </a:t>
+            </a:r>
+            <a:r>
+              <a:rPr lang="en-US" altLang="zh-CN" sz="2000" dirty="0" err="1">
+                <a:solidFill>
+                  <a:srgbClr val="C00000"/>
+                </a:solidFill>
+                <a:latin typeface="Consolas" pitchFamily="49" charset="0"/>
+                <a:cs typeface="Consolas" pitchFamily="49" charset="0"/>
+              </a:rPr>
+              <a:t>init</a:t>
+            </a:r>
+            <a:r>
+              <a:rPr lang="en-US" altLang="zh-CN" sz="2000" dirty="0">
+                <a:solidFill>
+                  <a:srgbClr val="C00000"/>
+                </a:solidFill>
+                <a:latin typeface="Consolas" pitchFamily="49" charset="0"/>
+                <a:cs typeface="Consolas" pitchFamily="49" charset="0"/>
+              </a:rPr>
+              <a:t> </a:t>
+            </a:r>
+            <a:r>
               <a:rPr lang="en-US" altLang="zh-CN" sz="2000" dirty="0" smtClean="0">
                 <a:solidFill>
                   <a:srgbClr val="C00000"/>
@@ -9060,10 +11176,172 @@
                 <a:latin typeface="Consolas" pitchFamily="49" charset="0"/>
                 <a:cs typeface="Consolas" pitchFamily="49" charset="0"/>
               </a:rPr>
+              <a:t>-s </a:t>
+            </a:r>
+            <a:r>
+              <a:rPr lang="en-US" altLang="zh-CN" sz="2000" dirty="0" smtClean="0">
+                <a:solidFill>
+                  <a:srgbClr val="C00000"/>
+                </a:solidFill>
+                <a:latin typeface="Consolas" pitchFamily="49" charset="0"/>
+                <a:cs typeface="Consolas" pitchFamily="49" charset="0"/>
+                <a:hlinkClick r:id="rId2"/>
+              </a:rPr>
+              <a:t>https</a:t>
+            </a:r>
+            <a:r>
+              <a:rPr lang="en-US" altLang="zh-CN" sz="2000" dirty="0">
+                <a:solidFill>
+                  <a:srgbClr val="C00000"/>
+                </a:solidFill>
+                <a:latin typeface="Consolas" pitchFamily="49" charset="0"/>
+                <a:cs typeface="Consolas" pitchFamily="49" charset="0"/>
+                <a:hlinkClick r:id="rId2"/>
+              </a:rPr>
+              <a:t>://</a:t>
+            </a:r>
+            <a:r>
+              <a:rPr lang="en-US" altLang="zh-CN" sz="2000" dirty="0" smtClean="0">
+                <a:solidFill>
+                  <a:srgbClr val="C00000"/>
+                </a:solidFill>
+                <a:latin typeface="Consolas" pitchFamily="49" charset="0"/>
+                <a:cs typeface="Consolas" pitchFamily="49" charset="0"/>
+                <a:hlinkClick r:id="rId2"/>
+              </a:rPr>
+              <a:t>git-svn-demo.googlecode.com/svn</a:t>
+            </a:r>
+            <a:r>
+              <a:rPr lang="en-US" altLang="zh-CN" sz="2000" dirty="0" smtClean="0">
+                <a:solidFill>
+                  <a:srgbClr val="C00000"/>
+                </a:solidFill>
+                <a:latin typeface="Consolas" pitchFamily="49" charset="0"/>
+                <a:cs typeface="Consolas" pitchFamily="49" charset="0"/>
+              </a:rPr>
+              <a:t> </a:t>
+            </a:r>
+            <a:r>
+              <a:rPr lang="en-US" altLang="zh-CN" sz="2000" dirty="0" err="1" smtClean="0">
+                <a:solidFill>
+                  <a:srgbClr val="C00000"/>
+                </a:solidFill>
+                <a:latin typeface="Consolas" pitchFamily="49" charset="0"/>
+                <a:cs typeface="Consolas" pitchFamily="49" charset="0"/>
+              </a:rPr>
+              <a:t>git-svn-demo.git</a:t>
+            </a:r>
+            <a:endParaRPr lang="en-US" altLang="zh-CN" sz="2000" dirty="0" smtClean="0">
+              <a:solidFill>
+                <a:srgbClr val="C00000"/>
+              </a:solidFill>
+              <a:latin typeface="Consolas" pitchFamily="49" charset="0"/>
+              <a:cs typeface="Consolas" pitchFamily="49" charset="0"/>
+            </a:endParaRPr>
+          </a:p>
+          <a:p>
+            <a:pPr marL="109728" indent="0">
+              <a:buNone/>
+            </a:pPr>
+            <a:r>
+              <a:rPr lang="en-US" altLang="zh-CN" sz="2000" dirty="0" smtClean="0">
+                <a:solidFill>
+                  <a:srgbClr val="C00000"/>
+                </a:solidFill>
+                <a:latin typeface="Consolas" pitchFamily="49" charset="0"/>
+                <a:cs typeface="Consolas" pitchFamily="49" charset="0"/>
+              </a:rPr>
+              <a:t>$ cd </a:t>
+            </a:r>
+            <a:r>
+              <a:rPr lang="en-US" altLang="zh-CN" sz="2000" dirty="0" err="1" smtClean="0">
+                <a:solidFill>
+                  <a:srgbClr val="C00000"/>
+                </a:solidFill>
+                <a:latin typeface="Consolas" pitchFamily="49" charset="0"/>
+                <a:cs typeface="Consolas" pitchFamily="49" charset="0"/>
+              </a:rPr>
+              <a:t>git-svn-demo.git</a:t>
+            </a:r>
+            <a:endParaRPr lang="en-US" altLang="zh-CN" sz="2000" dirty="0" smtClean="0">
+              <a:solidFill>
+                <a:srgbClr val="C00000"/>
+              </a:solidFill>
+              <a:latin typeface="Consolas" pitchFamily="49" charset="0"/>
+              <a:cs typeface="Consolas" pitchFamily="49" charset="0"/>
+            </a:endParaRPr>
+          </a:p>
+          <a:p>
+            <a:r>
+              <a:rPr lang="zh-CN" altLang="en-US" dirty="0"/>
+              <a:t>编辑</a:t>
+            </a:r>
+            <a:r>
+              <a:rPr lang="en-US" altLang="zh-CN" dirty="0"/>
+              <a:t>.</a:t>
+            </a:r>
+            <a:r>
+              <a:rPr lang="en-US" altLang="zh-CN" dirty="0" err="1"/>
+              <a:t>git</a:t>
+            </a:r>
+            <a:r>
+              <a:rPr lang="en-US" altLang="zh-CN" dirty="0"/>
+              <a:t>/</a:t>
+            </a:r>
+            <a:r>
+              <a:rPr lang="en-US" altLang="zh-CN" dirty="0" err="1"/>
+              <a:t>config</a:t>
+            </a:r>
+            <a:r>
+              <a:rPr lang="en-US" altLang="zh-CN" dirty="0"/>
+              <a:t>, </a:t>
+            </a:r>
+            <a:r>
+              <a:rPr lang="zh-CN" altLang="en-US" dirty="0"/>
+              <a:t>注释掉</a:t>
+            </a:r>
+            <a:r>
+              <a:rPr lang="zh-CN" altLang="en-US" dirty="0"/>
+              <a:t>“</a:t>
+            </a:r>
+            <a:r>
+              <a:rPr lang="en-US" altLang="zh-CN" dirty="0"/>
+              <a:t>branches </a:t>
+            </a:r>
+            <a:r>
+              <a:rPr lang="en-US" altLang="zh-CN" dirty="0"/>
+              <a:t>= branches/*:refs/remotes</a:t>
+            </a:r>
+            <a:r>
+              <a:rPr lang="en-US" altLang="zh-CN" dirty="0"/>
+              <a:t>/*</a:t>
+            </a:r>
+            <a:r>
+              <a:rPr lang="zh-CN" altLang="en-US" dirty="0"/>
+              <a:t>”这</a:t>
+            </a:r>
+            <a:r>
+              <a:rPr lang="zh-CN" altLang="en-US" dirty="0" smtClean="0"/>
+              <a:t>一行</a:t>
+            </a:r>
+            <a:endParaRPr lang="en-US" altLang="zh-CN" dirty="0" smtClean="0"/>
+          </a:p>
+          <a:p>
+            <a:pPr marL="109728" indent="0">
+              <a:buNone/>
+            </a:pPr>
+            <a:r>
+              <a:rPr lang="en-US" altLang="zh-CN" sz="2000" dirty="0">
+                <a:solidFill>
+                  <a:srgbClr val="C00000"/>
+                </a:solidFill>
+                <a:latin typeface="Consolas" pitchFamily="49" charset="0"/>
+                <a:cs typeface="Consolas" pitchFamily="49" charset="0"/>
+              </a:rPr>
               <a:t>$ </a:t>
             </a:r>
             <a:r>
-              <a:rPr lang="en-US" altLang="zh-CN" sz="2000" dirty="0" err="1" smtClean="0">
+              <a:rPr lang="en-US" altLang="zh-CN" sz="2000" dirty="0" err="1">
                 <a:solidFill>
                   <a:srgbClr val="C00000"/>
                 </a:solidFill>
@@ -9073,70 +11351,64 @@
               <a:t>git</a:t>
             </a:r>
             <a:r>
-              <a:rPr lang="en-US" altLang="zh-CN" sz="2000" dirty="0" smtClean="0">
-                <a:solidFill>
-                  <a:srgbClr val="C00000"/>
-                </a:solidFill>
-                <a:latin typeface="Consolas" pitchFamily="49" charset="0"/>
-                <a:cs typeface="Consolas" pitchFamily="49" charset="0"/>
-              </a:rPr>
-              <a:t> update-index --add --</a:t>
-            </a:r>
-            <a:r>
-              <a:rPr lang="en-US" altLang="zh-CN" sz="2000" dirty="0" err="1" smtClean="0">
-                <a:solidFill>
-                  <a:srgbClr val="C00000"/>
-                </a:solidFill>
-                <a:latin typeface="Consolas" pitchFamily="49" charset="0"/>
-                <a:cs typeface="Consolas" pitchFamily="49" charset="0"/>
-              </a:rPr>
-              <a:t>cacheinfo</a:t>
-            </a:r>
-            <a:r>
-              <a:rPr lang="en-US" altLang="zh-CN" sz="2000" dirty="0" smtClean="0">
-                <a:solidFill>
-                  <a:srgbClr val="C00000"/>
-                </a:solidFill>
-                <a:latin typeface="Consolas" pitchFamily="49" charset="0"/>
-                <a:cs typeface="Consolas" pitchFamily="49" charset="0"/>
-              </a:rPr>
-              <a:t> 100644 \ 83baae61804e65cc73a7201a7252750c76066a30 test.txt</a:t>
-            </a:r>
-          </a:p>
-          <a:p>
-            <a:r>
-              <a:rPr lang="en-US" altLang="zh-CN" dirty="0" smtClean="0"/>
-              <a:t>--add </a:t>
-            </a:r>
-            <a:r>
-              <a:rPr lang="zh-CN" altLang="en-US" dirty="0" smtClean="0"/>
-              <a:t>将文件加入暂存区</a:t>
-            </a:r>
-            <a:r>
-              <a:rPr lang="en-US" altLang="zh-CN" dirty="0" smtClean="0"/>
-              <a:t>(index)</a:t>
-            </a:r>
-          </a:p>
-          <a:p>
-            <a:r>
-              <a:rPr lang="en-US" altLang="zh-CN" dirty="0" smtClean="0"/>
-              <a:t>--</a:t>
+              <a:rPr lang="en-US" altLang="zh-CN" sz="2000" dirty="0">
+                <a:solidFill>
+                  <a:srgbClr val="C00000"/>
+                </a:solidFill>
+                <a:latin typeface="Consolas" pitchFamily="49" charset="0"/>
+                <a:cs typeface="Consolas" pitchFamily="49" charset="0"/>
+              </a:rPr>
+              <a:t> </a:t>
+            </a:r>
+            <a:r>
+              <a:rPr lang="en-US" altLang="zh-CN" sz="2000" dirty="0" err="1">
+                <a:solidFill>
+                  <a:srgbClr val="C00000"/>
+                </a:solidFill>
+                <a:latin typeface="Consolas" pitchFamily="49" charset="0"/>
+                <a:cs typeface="Consolas" pitchFamily="49" charset="0"/>
+              </a:rPr>
+              <a:t>svn</a:t>
+            </a:r>
+            <a:r>
+              <a:rPr lang="en-US" altLang="zh-CN" sz="2000" dirty="0">
+                <a:solidFill>
+                  <a:srgbClr val="C00000"/>
+                </a:solidFill>
+                <a:latin typeface="Consolas" pitchFamily="49" charset="0"/>
+                <a:cs typeface="Consolas" pitchFamily="49" charset="0"/>
+              </a:rPr>
+              <a:t> fetch</a:t>
+            </a:r>
+          </a:p>
+          <a:p>
+            <a:r>
+              <a:rPr lang="en-US" altLang="zh-CN" dirty="0" err="1"/>
+              <a:t>g</a:t>
             </a:r>
             <a:r>
               <a:rPr lang="en-US" altLang="zh-CN" dirty="0" err="1" smtClean="0"/>
-              <a:t>cacheinfo</a:t>
+              <a:t>it</a:t>
             </a:r>
             <a:r>
               <a:rPr lang="en-US" altLang="zh-CN" dirty="0" smtClean="0"/>
               <a:t> </a:t>
             </a:r>
             <a:r>
-              <a:rPr lang="zh-CN" altLang="en-US" dirty="0" smtClean="0"/>
-              <a:t>将数据库</a:t>
-            </a:r>
-            <a:r>
-              <a:rPr lang="en-US" altLang="zh-CN" dirty="0" smtClean="0"/>
-              <a:t>(.</a:t>
+              <a:rPr lang="en-US" altLang="zh-CN" dirty="0" err="1" smtClean="0"/>
+              <a:t>svn</a:t>
+            </a:r>
+            <a:r>
+              <a:rPr lang="en-US" altLang="zh-CN" dirty="0" smtClean="0"/>
+              <a:t> </a:t>
+            </a:r>
+            <a:r>
+              <a:rPr lang="en-US" altLang="zh-CN" dirty="0" err="1" smtClean="0"/>
+              <a:t>init</a:t>
+            </a:r>
+            <a:r>
+              <a:rPr lang="en-US" altLang="zh-CN" dirty="0" smtClean="0"/>
+              <a:t> + </a:t>
             </a:r>
             <a:r>
               <a:rPr lang="en-US" altLang="zh-CN" dirty="0" err="1" smtClean="0"/>
@@ -9144,34 +11416,50 @@
             </a:r>
             <a:r>
               <a:rPr lang="en-US" altLang="zh-CN" dirty="0" smtClean="0"/>
-              <a:t>/objects/)</a:t>
-            </a:r>
-            <a:r>
-              <a:rPr lang="zh-CN" altLang="en-US" dirty="0" smtClean="0"/>
-              <a:t>中的文件直接加入暂存区</a:t>
+              <a:t> </a:t>
+            </a:r>
+            <a:r>
+              <a:rPr lang="en-US" altLang="zh-CN" dirty="0" err="1" smtClean="0"/>
+              <a:t>svn</a:t>
+            </a:r>
+            <a:r>
+              <a:rPr lang="en-US" altLang="zh-CN" dirty="0" smtClean="0"/>
+              <a:t> fetch = </a:t>
+            </a:r>
+            <a:r>
+              <a:rPr lang="en-US" altLang="zh-CN" dirty="0" err="1" smtClean="0"/>
+              <a:t>git</a:t>
+            </a:r>
+            <a:r>
+              <a:rPr lang="en-US" altLang="zh-CN" dirty="0" smtClean="0"/>
+              <a:t> </a:t>
+            </a:r>
+            <a:r>
+              <a:rPr lang="en-US" altLang="zh-CN" dirty="0" err="1" smtClean="0"/>
+              <a:t>svn</a:t>
+            </a:r>
+            <a:r>
+              <a:rPr lang="en-US" altLang="zh-CN" dirty="0" smtClean="0"/>
+              <a:t> clone</a:t>
+            </a:r>
+          </a:p>
+          <a:p>
+            <a:r>
+              <a:rPr lang="zh-CN" altLang="en-US" dirty="0" smtClean="0"/>
+              <a:t>提交到</a:t>
+            </a:r>
+            <a:r>
+              <a:rPr lang="en-US" altLang="zh-CN" dirty="0" err="1" smtClean="0"/>
+              <a:t>svn</a:t>
             </a:r>
             <a:endParaRPr lang="en-US" altLang="zh-CN" dirty="0" smtClean="0"/>
           </a:p>
           <a:p>
-            <a:r>
-              <a:rPr lang="en-US" altLang="zh-CN" dirty="0" smtClean="0"/>
-              <a:t>--</a:t>
-            </a:r>
-            <a:r>
-              <a:rPr lang="en-US" altLang="zh-CN" dirty="0" err="1" smtClean="0"/>
-              <a:t>cacheinfo</a:t>
-            </a:r>
-            <a:r>
-              <a:rPr lang="en-US" altLang="zh-CN" dirty="0" smtClean="0"/>
-              <a:t> &lt;mode&gt; &lt;hash&gt; &lt;filename&gt;</a:t>
-            </a:r>
-          </a:p>
-          <a:p>
-            <a:pPr>
+            <a:pPr marL="109728" indent="0">
               <a:buNone/>
             </a:pPr>
             <a:r>
-              <a:rPr lang="en-US" altLang="zh-CN" sz="2000" dirty="0" smtClean="0">
+              <a:rPr lang="en-US" altLang="zh-CN" sz="2100" dirty="0">
                 <a:solidFill>
                   <a:srgbClr val="C00000"/>
                 </a:solidFill>
@@ -9181,7 +11469,7 @@
               <a:t>$ </a:t>
             </a:r>
             <a:r>
-              <a:rPr lang="en-US" altLang="zh-CN" sz="2000" dirty="0" err="1" smtClean="0">
+              <a:rPr lang="en-US" altLang="zh-CN" sz="2100" dirty="0" err="1">
                 <a:solidFill>
                   <a:srgbClr val="C00000"/>
                 </a:solidFill>
@@ -9191,16 +11479,119 @@
               <a:t>git</a:t>
             </a:r>
             <a:r>
-              <a:rPr lang="en-US" altLang="zh-CN" sz="2000" dirty="0" smtClean="0">
-                <a:solidFill>
-                  <a:srgbClr val="C00000"/>
-                </a:solidFill>
-                <a:latin typeface="Consolas" pitchFamily="49" charset="0"/>
-                <a:cs typeface="Consolas" pitchFamily="49" charset="0"/>
-              </a:rPr>
-              <a:t> write-tree</a:t>
-            </a:r>
-            <a:endParaRPr lang="zh-CN" altLang="en-US" sz="2000" dirty="0" smtClean="0">
+              <a:rPr lang="en-US" altLang="zh-CN" sz="2100" dirty="0">
+                <a:solidFill>
+                  <a:srgbClr val="C00000"/>
+                </a:solidFill>
+                <a:latin typeface="Consolas" pitchFamily="49" charset="0"/>
+                <a:cs typeface="Consolas" pitchFamily="49" charset="0"/>
+              </a:rPr>
+              <a:t> </a:t>
+            </a:r>
+            <a:r>
+              <a:rPr lang="en-US" altLang="zh-CN" sz="2100" dirty="0" err="1">
+                <a:solidFill>
+                  <a:srgbClr val="C00000"/>
+                </a:solidFill>
+                <a:latin typeface="Consolas" pitchFamily="49" charset="0"/>
+                <a:cs typeface="Consolas" pitchFamily="49" charset="0"/>
+              </a:rPr>
+              <a:t>svn</a:t>
+            </a:r>
+            <a:r>
+              <a:rPr lang="en-US" altLang="zh-CN" sz="2100" dirty="0">
+                <a:solidFill>
+                  <a:srgbClr val="C00000"/>
+                </a:solidFill>
+                <a:latin typeface="Consolas" pitchFamily="49" charset="0"/>
+                <a:cs typeface="Consolas" pitchFamily="49" charset="0"/>
+              </a:rPr>
+              <a:t> </a:t>
+            </a:r>
+            <a:r>
+              <a:rPr lang="en-US" altLang="zh-CN" sz="2100" dirty="0" err="1">
+                <a:solidFill>
+                  <a:srgbClr val="C00000"/>
+                </a:solidFill>
+                <a:latin typeface="Consolas" pitchFamily="49" charset="0"/>
+                <a:cs typeface="Consolas" pitchFamily="49" charset="0"/>
+              </a:rPr>
+              <a:t>dcommit</a:t>
+            </a:r>
+            <a:endParaRPr lang="en-US" altLang="zh-CN" sz="2100" dirty="0">
+              <a:solidFill>
+                <a:srgbClr val="C00000"/>
+              </a:solidFill>
+              <a:latin typeface="Consolas" pitchFamily="49" charset="0"/>
+              <a:cs typeface="Consolas" pitchFamily="49" charset="0"/>
+            </a:endParaRPr>
+          </a:p>
+          <a:p>
+            <a:r>
+              <a:rPr lang="en-US" altLang="zh-CN" dirty="0" smtClean="0"/>
+              <a:t>Update </a:t>
+            </a:r>
+            <a:r>
+              <a:rPr lang="en-US" altLang="zh-CN" dirty="0" err="1" smtClean="0"/>
+              <a:t>svn</a:t>
+            </a:r>
+            <a:endParaRPr lang="en-US" altLang="zh-CN" dirty="0" smtClean="0"/>
+          </a:p>
+          <a:p>
+            <a:pPr marL="109728" indent="0">
+              <a:buNone/>
+            </a:pPr>
+            <a:r>
+              <a:rPr lang="en-US" altLang="zh-CN" sz="2100" dirty="0">
+                <a:solidFill>
+                  <a:srgbClr val="C00000"/>
+                </a:solidFill>
+                <a:latin typeface="Consolas" pitchFamily="49" charset="0"/>
+                <a:cs typeface="Consolas" pitchFamily="49" charset="0"/>
+              </a:rPr>
+              <a:t>$ </a:t>
+            </a:r>
+            <a:r>
+              <a:rPr lang="en-US" altLang="zh-CN" sz="2100" dirty="0" err="1">
+                <a:solidFill>
+                  <a:srgbClr val="C00000"/>
+                </a:solidFill>
+                <a:latin typeface="Consolas" pitchFamily="49" charset="0"/>
+                <a:cs typeface="Consolas" pitchFamily="49" charset="0"/>
+              </a:rPr>
+              <a:t>git</a:t>
+            </a:r>
+            <a:r>
+              <a:rPr lang="en-US" altLang="zh-CN" sz="2100" dirty="0">
+                <a:solidFill>
+                  <a:srgbClr val="C00000"/>
+                </a:solidFill>
+                <a:latin typeface="Consolas" pitchFamily="49" charset="0"/>
+                <a:cs typeface="Consolas" pitchFamily="49" charset="0"/>
+              </a:rPr>
+              <a:t> </a:t>
+            </a:r>
+            <a:r>
+              <a:rPr lang="en-US" altLang="zh-CN" sz="2100" dirty="0" err="1">
+                <a:solidFill>
+                  <a:srgbClr val="C00000"/>
+                </a:solidFill>
+                <a:latin typeface="Consolas" pitchFamily="49" charset="0"/>
+                <a:cs typeface="Consolas" pitchFamily="49" charset="0"/>
+              </a:rPr>
+              <a:t>svn</a:t>
+            </a:r>
+            <a:r>
+              <a:rPr lang="en-US" altLang="zh-CN" sz="2100" dirty="0">
+                <a:solidFill>
+                  <a:srgbClr val="C00000"/>
+                </a:solidFill>
+                <a:latin typeface="Consolas" pitchFamily="49" charset="0"/>
+                <a:cs typeface="Consolas" pitchFamily="49" charset="0"/>
+              </a:rPr>
+              <a:t> rebase</a:t>
+            </a:r>
+            <a:endParaRPr lang="zh-CN" altLang="en-US" sz="2100" dirty="0">
               <a:solidFill>
                 <a:srgbClr val="C00000"/>
               </a:solidFill>
@@ -9222,32 +11613,31 @@
         </p:nvSpPr>
         <p:spPr/>
         <p:txBody>
-          <a:bodyPr>
-            <a:normAutofit fontScale="90000"/>
-          </a:bodyPr>
+          <a:bodyPr/>
           <a:lstStyle/>
           <a:p>
             <a:r>
-              <a:rPr lang="zh-CN" altLang="en-US" dirty="0" smtClean="0"/>
-              <a:t>在暂存区</a:t>
-            </a:r>
-            <a:r>
-              <a:rPr lang="en-US" altLang="zh-CN" dirty="0" smtClean="0"/>
-              <a:t>(index)</a:t>
-            </a:r>
-            <a:r>
-              <a:rPr lang="zh-CN" altLang="en-US" dirty="0" smtClean="0"/>
-              <a:t>上创建</a:t>
-            </a:r>
-            <a:r>
-              <a:rPr lang="en-US" altLang="zh-CN" dirty="0" smtClean="0"/>
-              <a:t>Tree Object</a:t>
+              <a:rPr lang="en-US" altLang="zh-CN" dirty="0" err="1" smtClean="0"/>
+              <a:t>Git</a:t>
+            </a:r>
+            <a:r>
+              <a:rPr lang="en-US" altLang="zh-CN" dirty="0" smtClean="0"/>
+              <a:t> SVN</a:t>
+            </a:r>
+            <a:r>
+              <a:rPr lang="zh-CN" altLang="en-US" dirty="0" smtClean="0"/>
+              <a:t>初始化</a:t>
             </a:r>
             <a:endParaRPr lang="zh-CN" altLang="en-US" dirty="0"/>
           </a:p>
         </p:txBody>
       </p:sp>
     </p:spTree>
+    <p:extLst>
+      <p:ext uri="{BB962C8B-B14F-4D97-AF65-F5344CB8AC3E}">
+        <p14:creationId xmlns:p14="http://schemas.microsoft.com/office/powerpoint/2010/main" val="3312797371"/>
+      </p:ext>
+    </p:extLst>
   </p:cSld>
   <p:clrMapOvr>
     <a:masterClrMapping/>
@@ -9295,35 +11685,115 @@
           <a:lstStyle/>
           <a:p>
             <a:r>
-              <a:rPr lang="zh-CN" altLang="en-US" dirty="0" smtClean="0"/>
-              <a:t>创建一个新的</a:t>
-            </a:r>
-            <a:r>
-              <a:rPr lang="en-US" altLang="zh-CN" dirty="0" smtClean="0"/>
-              <a:t>tree</a:t>
-            </a:r>
-          </a:p>
-          <a:p>
-            <a:pPr>
+              <a:rPr lang="zh-CN" altLang="en-US" dirty="0"/>
+              <a:t>修改</a:t>
+            </a:r>
+            <a:r>
+              <a:rPr lang="en-US" altLang="zh-CN" dirty="0" smtClean="0"/>
+              <a:t>.</a:t>
+            </a:r>
+            <a:r>
+              <a:rPr lang="en-US" altLang="zh-CN" dirty="0" err="1" smtClean="0"/>
+              <a:t>git</a:t>
+            </a:r>
+            <a:r>
+              <a:rPr lang="en-US" altLang="zh-CN" dirty="0" smtClean="0"/>
+              <a:t>/</a:t>
+            </a:r>
+            <a:r>
+              <a:rPr lang="en-US" altLang="zh-CN" dirty="0" err="1" smtClean="0"/>
+              <a:t>config</a:t>
+            </a:r>
+            <a:r>
+              <a:rPr lang="en-US" altLang="zh-CN" dirty="0"/>
+              <a:t> “branches = branches</a:t>
+            </a:r>
+            <a:r>
+              <a:rPr lang="en-US" altLang="zh-CN" dirty="0" smtClean="0"/>
+              <a:t>/</a:t>
+            </a:r>
+            <a:r>
+              <a:rPr lang="zh-CN" altLang="en-US" dirty="0" smtClean="0"/>
+              <a:t>*</a:t>
+            </a:r>
+            <a:r>
+              <a:rPr lang="en-US" altLang="zh-CN" dirty="0" smtClean="0"/>
+              <a:t>:refs/remotes/*”</a:t>
+            </a:r>
+            <a:r>
+              <a:rPr lang="zh-CN" altLang="en-US" dirty="0" smtClean="0"/>
+              <a:t>这一行如下</a:t>
+            </a:r>
+            <a:endParaRPr lang="en-US" altLang="zh-CN" dirty="0" smtClean="0"/>
+          </a:p>
+          <a:p>
+            <a:pPr marL="109728" indent="0">
               <a:buNone/>
             </a:pPr>
             <a:r>
-              <a:rPr lang="en-US" altLang="zh-CN" sz="2000" dirty="0" smtClean="0">
-                <a:solidFill>
-                  <a:srgbClr val="C00000"/>
-                </a:solidFill>
-                <a:latin typeface="Consolas" pitchFamily="49" charset="0"/>
-                <a:cs typeface="Consolas" pitchFamily="49" charset="0"/>
-              </a:rPr>
-              <a:t>$ echo 'new file' &gt; new.txt</a:t>
-            </a:r>
-          </a:p>
-          <a:p>
-            <a:pPr>
+              <a:rPr lang="en-US" altLang="zh-CN" sz="1900" dirty="0">
+                <a:solidFill>
+                  <a:srgbClr val="C00000"/>
+                </a:solidFill>
+                <a:latin typeface="Consolas" pitchFamily="49" charset="0"/>
+                <a:cs typeface="Consolas" pitchFamily="49" charset="0"/>
+              </a:rPr>
+              <a:t>branches = branches/{b1}:refs/remotes</a:t>
+            </a:r>
+            <a:r>
+              <a:rPr lang="en-US" altLang="zh-CN" sz="1900" dirty="0">
+                <a:solidFill>
+                  <a:srgbClr val="C00000"/>
+                </a:solidFill>
+                <a:latin typeface="Consolas" pitchFamily="49" charset="0"/>
+                <a:cs typeface="Consolas" pitchFamily="49" charset="0"/>
+              </a:rPr>
+              <a:t>/*</a:t>
+            </a:r>
+          </a:p>
+          <a:p>
+            <a:r>
+              <a:rPr lang="en-US" altLang="zh-CN" dirty="0" smtClean="0"/>
+              <a:t>{b1}</a:t>
+            </a:r>
+            <a:r>
+              <a:rPr lang="zh-CN" altLang="en-US" dirty="0" smtClean="0"/>
+              <a:t>表示只获取</a:t>
+            </a:r>
+            <a:r>
+              <a:rPr lang="en-US" altLang="zh-CN" dirty="0" smtClean="0"/>
+              <a:t>b1</a:t>
+            </a:r>
+            <a:r>
+              <a:rPr lang="zh-CN" altLang="en-US" dirty="0" smtClean="0"/>
+              <a:t>分支，把要获取的分支都列在这里，“</a:t>
+            </a:r>
+            <a:r>
+              <a:rPr lang="en-US" altLang="zh-CN" dirty="0" smtClean="0"/>
+              <a:t>,”</a:t>
+            </a:r>
+            <a:r>
+              <a:rPr lang="zh-CN" altLang="en-US" dirty="0" smtClean="0"/>
+              <a:t>分隔，支持通配符</a:t>
+            </a:r>
+            <a:endParaRPr lang="en-US" altLang="zh-CN" dirty="0" smtClean="0"/>
+          </a:p>
+          <a:p>
+            <a:r>
+              <a:rPr lang="zh-CN" altLang="en-US" dirty="0" smtClean="0"/>
+              <a:t>获取分支</a:t>
+            </a:r>
+            <a:endParaRPr lang="en-US" altLang="zh-CN" dirty="0" smtClean="0"/>
+          </a:p>
+          <a:p>
+            <a:pPr marL="109728" indent="0">
+              <a:lnSpc>
+                <a:spcPct val="90000"/>
+              </a:lnSpc>
               <a:buNone/>
             </a:pPr>
             <a:r>
-              <a:rPr lang="en-US" altLang="zh-CN" sz="2000" dirty="0" smtClean="0">
+              <a:rPr lang="en-US" altLang="zh-CN" sz="1900" dirty="0">
                 <a:solidFill>
                   <a:srgbClr val="C00000"/>
                 </a:solidFill>
@@ -9333,7 +11803,7 @@
               <a:t>$ </a:t>
             </a:r>
             <a:r>
-              <a:rPr lang="en-US" altLang="zh-CN" sz="2000" dirty="0" err="1" smtClean="0">
+              <a:rPr lang="en-US" altLang="zh-CN" sz="1900" dirty="0" err="1">
                 <a:solidFill>
                   <a:srgbClr val="C00000"/>
                 </a:solidFill>
@@ -9343,22 +11813,65 @@
               <a:t>git</a:t>
             </a:r>
             <a:r>
-              <a:rPr lang="en-US" altLang="zh-CN" sz="2000" dirty="0" smtClean="0">
-                <a:solidFill>
-                  <a:srgbClr val="C00000"/>
-                </a:solidFill>
-                <a:latin typeface="Consolas" pitchFamily="49" charset="0"/>
-                <a:cs typeface="Consolas" pitchFamily="49" charset="0"/>
-              </a:rPr>
-              <a:t> update-index test.txt </a:t>
+              <a:rPr lang="en-US" altLang="zh-CN" sz="1900" dirty="0">
+                <a:solidFill>
+                  <a:srgbClr val="C00000"/>
+                </a:solidFill>
+                <a:latin typeface="Consolas" pitchFamily="49" charset="0"/>
+                <a:cs typeface="Consolas" pitchFamily="49" charset="0"/>
+              </a:rPr>
+              <a:t> </a:t>
+            </a:r>
+            <a:r>
+              <a:rPr lang="en-US" altLang="zh-CN" sz="1900" dirty="0" err="1" smtClean="0">
+                <a:solidFill>
+                  <a:srgbClr val="C00000"/>
+                </a:solidFill>
+                <a:latin typeface="Consolas" pitchFamily="49" charset="0"/>
+                <a:cs typeface="Consolas" pitchFamily="49" charset="0"/>
+              </a:rPr>
+              <a:t>svn</a:t>
+            </a:r>
+            <a:r>
+              <a:rPr lang="en-US" altLang="zh-CN" sz="1900" dirty="0" smtClean="0">
+                <a:solidFill>
+                  <a:srgbClr val="C00000"/>
+                </a:solidFill>
+                <a:latin typeface="Consolas" pitchFamily="49" charset="0"/>
+                <a:cs typeface="Consolas" pitchFamily="49" charset="0"/>
+              </a:rPr>
+              <a:t> fetch</a:t>
             </a:r>
           </a:p>
           <a:p>
             <a:pPr>
+              <a:lnSpc>
+                <a:spcPct val="90000"/>
+              </a:lnSpc>
+            </a:pPr>
+            <a:r>
+              <a:rPr lang="zh-CN" altLang="en-US" dirty="0"/>
+              <a:t>根据远程</a:t>
+            </a:r>
+            <a:r>
+              <a:rPr lang="en-US" altLang="zh-CN" dirty="0" err="1"/>
+              <a:t>svn</a:t>
+            </a:r>
+            <a:r>
+              <a:rPr lang="zh-CN" altLang="en-US" dirty="0"/>
+              <a:t>的分支创建本地分支</a:t>
+            </a:r>
+            <a:endParaRPr lang="en-US" altLang="zh-CN" dirty="0"/>
+          </a:p>
+          <a:p>
+            <a:pPr marL="109728" indent="0">
+              <a:lnSpc>
+                <a:spcPct val="90000"/>
+              </a:lnSpc>
               <a:buNone/>
             </a:pPr>
             <a:r>
-              <a:rPr lang="en-US" altLang="zh-CN" sz="2000" dirty="0" smtClean="0">
+              <a:rPr lang="en-US" altLang="zh-CN" sz="1900" dirty="0" smtClean="0">
                 <a:solidFill>
                   <a:srgbClr val="C00000"/>
                 </a:solidFill>
@@ -9368,7 +11881,7 @@
               <a:t>$ </a:t>
             </a:r>
             <a:r>
-              <a:rPr lang="en-US" altLang="zh-CN" sz="2000" dirty="0" err="1" smtClean="0">
+              <a:rPr lang="en-US" altLang="zh-CN" sz="1900" dirty="0" err="1" smtClean="0">
                 <a:solidFill>
                   <a:srgbClr val="C00000"/>
                 </a:solidFill>
@@ -9378,22 +11891,45 @@
               <a:t>git</a:t>
             </a:r>
             <a:r>
-              <a:rPr lang="en-US" altLang="zh-CN" sz="2000" dirty="0" smtClean="0">
-                <a:solidFill>
-                  <a:srgbClr val="C00000"/>
-                </a:solidFill>
-                <a:latin typeface="Consolas" pitchFamily="49" charset="0"/>
-                <a:cs typeface="Consolas" pitchFamily="49" charset="0"/>
-              </a:rPr>
-              <a:t> update-index --add new.txt</a:t>
+              <a:rPr lang="en-US" altLang="zh-CN" sz="1900" dirty="0" smtClean="0">
+                <a:solidFill>
+                  <a:srgbClr val="C00000"/>
+                </a:solidFill>
+                <a:latin typeface="Consolas" pitchFamily="49" charset="0"/>
+                <a:cs typeface="Consolas" pitchFamily="49" charset="0"/>
+              </a:rPr>
+              <a:t> branch b1 remotes/b1</a:t>
             </a:r>
           </a:p>
           <a:p>
             <a:pPr>
+              <a:lnSpc>
+                <a:spcPct val="90000"/>
+              </a:lnSpc>
+            </a:pPr>
+            <a:r>
+              <a:rPr lang="zh-CN" altLang="en-US" dirty="0"/>
+              <a:t>切换到</a:t>
+            </a:r>
+            <a:r>
+              <a:rPr lang="en-US" altLang="zh-CN" dirty="0"/>
+              <a:t>b1</a:t>
+            </a:r>
+            <a:r>
+              <a:rPr lang="zh-CN" altLang="en-US" dirty="0"/>
+              <a:t>分支</a:t>
+            </a:r>
+            <a:endParaRPr lang="en-US" altLang="zh-CN" dirty="0"/>
+          </a:p>
+          <a:p>
+            <a:pPr marL="109728" indent="0">
+              <a:lnSpc>
+                <a:spcPct val="90000"/>
+              </a:lnSpc>
               <a:buNone/>
             </a:pPr>
             <a:r>
-              <a:rPr lang="en-US" altLang="zh-CN" sz="2000" dirty="0" smtClean="0">
+              <a:rPr lang="en-US" altLang="zh-CN" sz="1900" dirty="0" smtClean="0">
                 <a:solidFill>
                   <a:srgbClr val="C00000"/>
                 </a:solidFill>
@@ -9403,7 +11939,7 @@
               <a:t>$ </a:t>
             </a:r>
             <a:r>
-              <a:rPr lang="en-US" altLang="zh-CN" sz="2000" dirty="0" err="1" smtClean="0">
+              <a:rPr lang="en-US" altLang="zh-CN" sz="1900" dirty="0" err="1" smtClean="0">
                 <a:solidFill>
                   <a:srgbClr val="C00000"/>
                 </a:solidFill>
@@ -9413,132 +11949,16 @@
               <a:t>git</a:t>
             </a:r>
             <a:r>
-              <a:rPr lang="en-US" altLang="zh-CN" sz="2000" dirty="0" smtClean="0">
-                <a:solidFill>
-                  <a:srgbClr val="C00000"/>
-                </a:solidFill>
-                <a:latin typeface="Consolas" pitchFamily="49" charset="0"/>
-                <a:cs typeface="Consolas" pitchFamily="49" charset="0"/>
-              </a:rPr>
-              <a:t> write-tree</a:t>
-            </a:r>
-          </a:p>
-          <a:p>
-            <a:r>
-              <a:rPr lang="zh-CN" altLang="en-US" dirty="0" smtClean="0"/>
-              <a:t>把上一个</a:t>
-            </a:r>
-            <a:r>
-              <a:rPr lang="en-US" altLang="zh-CN" dirty="0" smtClean="0"/>
-              <a:t>tree</a:t>
-            </a:r>
-            <a:r>
-              <a:rPr lang="zh-CN" altLang="en-US" dirty="0" smtClean="0"/>
-              <a:t>作为这个新</a:t>
-            </a:r>
-            <a:r>
-              <a:rPr lang="en-US" altLang="zh-CN" dirty="0" smtClean="0"/>
-              <a:t>tree</a:t>
-            </a:r>
-            <a:r>
-              <a:rPr lang="zh-CN" altLang="en-US" dirty="0" smtClean="0"/>
-              <a:t>的子目录读入</a:t>
-            </a:r>
-            <a:r>
-              <a:rPr lang="en-US" altLang="zh-CN" dirty="0" smtClean="0"/>
-              <a:t>index</a:t>
-            </a:r>
-          </a:p>
-          <a:p>
-            <a:pPr>
-              <a:buNone/>
-            </a:pPr>
-            <a:r>
-              <a:rPr lang="en-US" altLang="zh-CN" sz="2000" dirty="0" smtClean="0">
-                <a:solidFill>
-                  <a:srgbClr val="C00000"/>
-                </a:solidFill>
-                <a:latin typeface="Consolas" pitchFamily="49" charset="0"/>
-                <a:cs typeface="Consolas" pitchFamily="49" charset="0"/>
-              </a:rPr>
-              <a:t>$ </a:t>
-            </a:r>
-            <a:r>
-              <a:rPr lang="en-US" altLang="zh-CN" sz="2000" dirty="0" err="1" smtClean="0">
-                <a:solidFill>
-                  <a:srgbClr val="C00000"/>
-                </a:solidFill>
-                <a:latin typeface="Consolas" pitchFamily="49" charset="0"/>
-                <a:cs typeface="Consolas" pitchFamily="49" charset="0"/>
-              </a:rPr>
-              <a:t>git</a:t>
-            </a:r>
-            <a:r>
-              <a:rPr lang="en-US" altLang="zh-CN" sz="2000" dirty="0" smtClean="0">
-                <a:solidFill>
-                  <a:srgbClr val="C00000"/>
-                </a:solidFill>
-                <a:latin typeface="Consolas" pitchFamily="49" charset="0"/>
-                <a:cs typeface="Consolas" pitchFamily="49" charset="0"/>
-              </a:rPr>
-              <a:t> read-tree --prefix=</a:t>
-            </a:r>
-            <a:r>
-              <a:rPr lang="en-US" altLang="zh-CN" sz="2000" dirty="0" err="1" smtClean="0">
-                <a:solidFill>
-                  <a:srgbClr val="C00000"/>
-                </a:solidFill>
-                <a:latin typeface="Consolas" pitchFamily="49" charset="0"/>
-                <a:cs typeface="Consolas" pitchFamily="49" charset="0"/>
-              </a:rPr>
-              <a:t>bak</a:t>
-            </a:r>
-            <a:r>
-              <a:rPr lang="en-US" altLang="zh-CN" sz="2000" dirty="0" smtClean="0">
-                <a:solidFill>
-                  <a:srgbClr val="C00000"/>
-                </a:solidFill>
-                <a:latin typeface="Consolas" pitchFamily="49" charset="0"/>
-                <a:cs typeface="Consolas" pitchFamily="49" charset="0"/>
-              </a:rPr>
-              <a:t> d8329fc1cc938780ffdd9f94e0d364e0ea74f579 </a:t>
-            </a:r>
-          </a:p>
-          <a:p>
-            <a:pPr>
-              <a:buNone/>
-            </a:pPr>
-            <a:r>
-              <a:rPr lang="en-US" altLang="zh-CN" sz="2000" dirty="0" smtClean="0">
-                <a:solidFill>
-                  <a:srgbClr val="C00000"/>
-                </a:solidFill>
-                <a:latin typeface="Consolas" pitchFamily="49" charset="0"/>
-                <a:cs typeface="Consolas" pitchFamily="49" charset="0"/>
-              </a:rPr>
-              <a:t>$ </a:t>
-            </a:r>
-            <a:r>
-              <a:rPr lang="en-US" altLang="zh-CN" sz="2000" dirty="0" err="1" smtClean="0">
-                <a:solidFill>
-                  <a:srgbClr val="C00000"/>
-                </a:solidFill>
-                <a:latin typeface="Consolas" pitchFamily="49" charset="0"/>
-                <a:cs typeface="Consolas" pitchFamily="49" charset="0"/>
-              </a:rPr>
-              <a:t>git</a:t>
-            </a:r>
-            <a:r>
-              <a:rPr lang="en-US" altLang="zh-CN" sz="2000" dirty="0" smtClean="0">
-                <a:solidFill>
-                  <a:srgbClr val="C00000"/>
-                </a:solidFill>
-                <a:latin typeface="Consolas" pitchFamily="49" charset="0"/>
-                <a:cs typeface="Consolas" pitchFamily="49" charset="0"/>
-              </a:rPr>
-              <a:t> write-tree</a:t>
-            </a:r>
-            <a:endParaRPr lang="zh-CN" altLang="en-US" sz="2000" dirty="0" smtClean="0">
+              <a:rPr lang="en-US" altLang="zh-CN" sz="1900" dirty="0" smtClean="0">
+                <a:solidFill>
+                  <a:srgbClr val="C00000"/>
+                </a:solidFill>
+                <a:latin typeface="Consolas" pitchFamily="49" charset="0"/>
+                <a:cs typeface="Consolas" pitchFamily="49" charset="0"/>
+              </a:rPr>
+              <a:t> checkout b1</a:t>
+            </a:r>
+            <a:endParaRPr lang="en-US" altLang="zh-CN" sz="1900" dirty="0">
               <a:solidFill>
                 <a:srgbClr val="C00000"/>
               </a:solidFill>
@@ -9560,32 +11980,31 @@
         </p:nvSpPr>
         <p:spPr/>
         <p:txBody>
-          <a:bodyPr>
-            <a:normAutofit fontScale="90000"/>
-          </a:bodyPr>
+          <a:bodyPr/>
           <a:lstStyle/>
           <a:p>
             <a:r>
               <a:rPr lang="zh-CN" altLang="en-US" dirty="0" smtClean="0"/>
-              <a:t>在暂存区</a:t>
-            </a:r>
-            <a:r>
-              <a:rPr lang="en-US" altLang="zh-CN" dirty="0" smtClean="0"/>
-              <a:t>(index)</a:t>
-            </a:r>
-            <a:r>
-              <a:rPr lang="zh-CN" altLang="en-US" dirty="0" smtClean="0"/>
-              <a:t>上创建</a:t>
-            </a:r>
-            <a:r>
-              <a:rPr lang="en-US" altLang="zh-CN" dirty="0" smtClean="0"/>
-              <a:t>Tree Object</a:t>
+              <a:t>获取</a:t>
+            </a:r>
+            <a:r>
+              <a:rPr lang="en-US" altLang="zh-CN" dirty="0" err="1" smtClean="0"/>
+              <a:t>svn</a:t>
+            </a:r>
+            <a:r>
+              <a:rPr lang="zh-CN" altLang="en-US" dirty="0" smtClean="0"/>
+              <a:t>分支</a:t>
             </a:r>
             <a:endParaRPr lang="zh-CN" altLang="en-US" dirty="0"/>
           </a:p>
         </p:txBody>
       </p:sp>
     </p:spTree>
+    <p:extLst>
+      <p:ext uri="{BB962C8B-B14F-4D97-AF65-F5344CB8AC3E}">
+        <p14:creationId xmlns:p14="http://schemas.microsoft.com/office/powerpoint/2010/main" val="2536312887"/>
+      </p:ext>
+    </p:extLst>
   </p:cSld>
   <p:clrMapOvr>
     <a:masterClrMapping/>
@@ -9617,29 +12036,152 @@
           <a:chExt cx="0" cy="0"/>
         </a:xfrm>
       </p:grpSpPr>
-      <p:pic>
-        <p:nvPicPr>
-          <p:cNvPr id="4" name="内容占位符 3" descr="tree-2.png"/>
-          <p:cNvPicPr>
-            <a:picLocks noGrp="1" noChangeAspect="1"/>
-          </p:cNvPicPr>
+      <p:sp>
+        <p:nvSpPr>
+          <p:cNvPr id="2" name="内容占位符 1"/>
+          <p:cNvSpPr>
+            <a:spLocks noGrp="1"/>
+          </p:cNvSpPr>
           <p:nvPr>
             <p:ph idx="1"/>
           </p:nvPr>
-        </p:nvPicPr>
-        <p:blipFill>
-          <a:blip r:embed="rId2" cstate="print"/>
-          <a:stretch>
-            <a:fillRect/>
-          </a:stretch>
-        </p:blipFill>
-        <p:spPr>
-          <a:xfrm>
-            <a:off x="1187624" y="1628800"/>
-            <a:ext cx="6696744" cy="4540392"/>
-          </a:xfrm>
-        </p:spPr>
-      </p:pic>
+        </p:nvSpPr>
+        <p:spPr/>
+        <p:txBody>
+          <a:bodyPr/>
+          <a:lstStyle/>
+          <a:p>
+            <a:r>
+              <a:rPr lang="en-US" altLang="zh-CN" dirty="0" err="1" smtClean="0"/>
+              <a:t>RBTools</a:t>
+            </a:r>
+            <a:r>
+              <a:rPr lang="zh-CN" altLang="en-US" dirty="0" smtClean="0"/>
+              <a:t>支持</a:t>
+            </a:r>
+            <a:r>
+              <a:rPr lang="en-US" altLang="zh-CN" dirty="0" err="1" smtClean="0"/>
+              <a:t>git</a:t>
+            </a:r>
+            <a:r>
+              <a:rPr lang="en-US" altLang="zh-CN" dirty="0" smtClean="0"/>
+              <a:t> </a:t>
+            </a:r>
+            <a:r>
+              <a:rPr lang="en-US" altLang="zh-CN" dirty="0" err="1" smtClean="0"/>
+              <a:t>svn</a:t>
+            </a:r>
+            <a:endParaRPr lang="en-US" altLang="zh-CN" dirty="0" smtClean="0"/>
+          </a:p>
+          <a:p>
+            <a:r>
+              <a:rPr lang="zh-CN" altLang="en-US" dirty="0" smtClean="0"/>
+              <a:t>编辑 </a:t>
+            </a:r>
+            <a:r>
+              <a:rPr lang="en-US" altLang="zh-CN" dirty="0" smtClean="0"/>
+              <a:t>.</a:t>
+            </a:r>
+            <a:r>
+              <a:rPr lang="en-US" altLang="zh-CN" dirty="0" err="1" smtClean="0"/>
+              <a:t>git</a:t>
+            </a:r>
+            <a:r>
+              <a:rPr lang="en-US" altLang="zh-CN" dirty="0" smtClean="0"/>
+              <a:t>/</a:t>
+            </a:r>
+            <a:r>
+              <a:rPr lang="en-US" altLang="zh-CN" dirty="0" err="1" smtClean="0"/>
+              <a:t>config</a:t>
+            </a:r>
+            <a:r>
+              <a:rPr lang="en-US" altLang="zh-CN" dirty="0" smtClean="0"/>
+              <a:t>, </a:t>
+            </a:r>
+            <a:r>
+              <a:rPr lang="zh-CN" altLang="en-US" dirty="0" smtClean="0"/>
+              <a:t>添加如下内容</a:t>
+            </a:r>
+            <a:endParaRPr lang="en-US" altLang="zh-CN" dirty="0" smtClean="0"/>
+          </a:p>
+          <a:p>
+            <a:pPr marL="109728" indent="0">
+              <a:lnSpc>
+                <a:spcPct val="90000"/>
+              </a:lnSpc>
+              <a:buNone/>
+            </a:pPr>
+            <a:r>
+              <a:rPr lang="en-US" altLang="zh-CN" sz="1900" dirty="0">
+                <a:solidFill>
+                  <a:srgbClr val="C00000"/>
+                </a:solidFill>
+                <a:latin typeface="Consolas" pitchFamily="49" charset="0"/>
+                <a:cs typeface="Consolas" pitchFamily="49" charset="0"/>
+              </a:rPr>
+              <a:t>[</a:t>
+            </a:r>
+            <a:r>
+              <a:rPr lang="en-US" altLang="zh-CN" sz="1900" dirty="0" err="1">
+                <a:solidFill>
+                  <a:srgbClr val="C00000"/>
+                </a:solidFill>
+                <a:latin typeface="Consolas" pitchFamily="49" charset="0"/>
+                <a:cs typeface="Consolas" pitchFamily="49" charset="0"/>
+              </a:rPr>
+              <a:t>reviewboard</a:t>
+            </a:r>
+            <a:r>
+              <a:rPr lang="en-US" altLang="zh-CN" sz="1900" dirty="0">
+                <a:solidFill>
+                  <a:srgbClr val="C00000"/>
+                </a:solidFill>
+                <a:latin typeface="Consolas" pitchFamily="49" charset="0"/>
+                <a:cs typeface="Consolas" pitchFamily="49" charset="0"/>
+              </a:rPr>
+              <a:t>]</a:t>
+            </a:r>
+          </a:p>
+          <a:p>
+            <a:pPr marL="109728" indent="0">
+              <a:lnSpc>
+                <a:spcPct val="90000"/>
+              </a:lnSpc>
+              <a:buNone/>
+            </a:pPr>
+            <a:r>
+              <a:rPr lang="en-US" altLang="zh-CN" sz="1900" dirty="0">
+                <a:solidFill>
+                  <a:srgbClr val="C00000"/>
+                </a:solidFill>
+                <a:latin typeface="Consolas" pitchFamily="49" charset="0"/>
+                <a:cs typeface="Consolas" pitchFamily="49" charset="0"/>
+              </a:rPr>
+              <a:t>    </a:t>
+            </a:r>
+            <a:r>
+              <a:rPr lang="en-US" altLang="zh-CN" sz="1900" dirty="0" err="1">
+                <a:solidFill>
+                  <a:srgbClr val="C00000"/>
+                </a:solidFill>
+                <a:latin typeface="Consolas" pitchFamily="49" charset="0"/>
+                <a:cs typeface="Consolas" pitchFamily="49" charset="0"/>
+              </a:rPr>
+              <a:t>url</a:t>
+            </a:r>
+            <a:r>
+              <a:rPr lang="en-US" altLang="zh-CN" sz="1900" dirty="0">
+                <a:solidFill>
+                  <a:srgbClr val="C00000"/>
+                </a:solidFill>
+                <a:latin typeface="Consolas" pitchFamily="49" charset="0"/>
+                <a:cs typeface="Consolas" pitchFamily="49" charset="0"/>
+              </a:rPr>
+              <a:t> = http://reviews.corp.mediav.com</a:t>
+            </a:r>
+          </a:p>
+        </p:txBody>
+      </p:sp>
       <p:sp>
         <p:nvSpPr>
           <p:cNvPr id="3" name="标题 2"/>
@@ -9656,22 +12198,39 @@
           <a:lstStyle/>
           <a:p>
             <a:r>
-              <a:rPr lang="zh-CN" altLang="en-US" dirty="0" smtClean="0"/>
-              <a:t>两个</a:t>
-            </a:r>
-            <a:r>
-              <a:rPr lang="en-US" altLang="zh-CN" dirty="0" smtClean="0"/>
-              <a:t>Tree Object</a:t>
-            </a:r>
-            <a:r>
-              <a:rPr lang="zh-CN" altLang="en-US" dirty="0" smtClean="0"/>
-              <a:t>的最终结构</a:t>
+              <a:rPr lang="en-US" altLang="zh-CN" dirty="0" err="1" smtClean="0"/>
+              <a:t>Git</a:t>
+            </a:r>
+            <a:r>
+              <a:rPr lang="en-US" altLang="zh-CN" dirty="0" smtClean="0"/>
+              <a:t> </a:t>
+            </a:r>
+            <a:r>
+              <a:rPr lang="en-US" altLang="zh-CN" dirty="0" err="1" smtClean="0"/>
+              <a:t>svn</a:t>
+            </a:r>
+            <a:r>
+              <a:rPr lang="en-US" altLang="zh-CN" dirty="0" smtClean="0"/>
+              <a:t> </a:t>
+            </a:r>
+            <a:r>
+              <a:rPr lang="zh-CN" altLang="en-US" dirty="0" smtClean="0"/>
+              <a:t>与 </a:t>
+            </a:r>
+            <a:r>
+              <a:rPr lang="en-US" altLang="zh-CN" dirty="0" err="1" smtClean="0"/>
+              <a:t>reviewboard</a:t>
             </a:r>
             <a:endParaRPr lang="zh-CN" altLang="en-US" dirty="0"/>
           </a:p>
         </p:txBody>
       </p:sp>
     </p:spTree>
+    <p:extLst>
+      <p:ext uri="{BB962C8B-B14F-4D97-AF65-F5344CB8AC3E}">
+        <p14:creationId xmlns:p14="http://schemas.microsoft.com/office/powerpoint/2010/main" val="501251388"/>
+      </p:ext>
+    </p:extLst>
   </p:cSld>
   <p:clrMapOvr>
     <a:masterClrMapping/>
@@ -9705,7 +12264,7 @@
       </p:grpSpPr>
       <p:sp>
         <p:nvSpPr>
-          <p:cNvPr id="3" name="内容占位符 2"/>
+          <p:cNvPr id="2" name="内容占位符 1"/>
           <p:cNvSpPr>
             <a:spLocks noGrp="1"/>
           </p:cNvSpPr>
@@ -9719,76 +12278,37 @@
           <a:lstStyle/>
           <a:p>
             <a:r>
-              <a:rPr lang="en-US" altLang="zh-CN" dirty="0" smtClean="0"/>
-              <a:t>Commit Object</a:t>
-            </a:r>
-            <a:r>
-              <a:rPr lang="zh-CN" altLang="en-US" dirty="0" smtClean="0"/>
-              <a:t>是</a:t>
-            </a:r>
-            <a:r>
-              <a:rPr lang="en-US" altLang="zh-CN" dirty="0" err="1" smtClean="0"/>
-              <a:t>Git</a:t>
-            </a:r>
-            <a:r>
-              <a:rPr lang="zh-CN" altLang="en-US" dirty="0" smtClean="0"/>
-              <a:t>库某个</a:t>
-            </a:r>
-            <a:r>
-              <a:rPr lang="zh-CN" altLang="en-US" dirty="0" smtClean="0">
-                <a:solidFill>
-                  <a:srgbClr val="FF0000"/>
-                </a:solidFill>
-              </a:rPr>
-              <a:t>原子</a:t>
-            </a:r>
-            <a:r>
-              <a:rPr lang="en-US" altLang="zh-CN" dirty="0" smtClean="0"/>
-              <a:t>(atomic)</a:t>
-            </a:r>
-            <a:r>
-              <a:rPr lang="zh-CN" altLang="en-US" dirty="0" smtClean="0"/>
-              <a:t>状态的快照</a:t>
-            </a:r>
-            <a:r>
-              <a:rPr lang="en-US" altLang="zh-CN" dirty="0" smtClean="0"/>
-              <a:t>(Snapshot)</a:t>
-            </a:r>
-          </a:p>
-          <a:p>
-            <a:r>
-              <a:rPr lang="zh-CN" altLang="en-US" dirty="0" smtClean="0"/>
-              <a:t>通过</a:t>
-            </a:r>
-            <a:r>
-              <a:rPr lang="en-US" altLang="zh-CN" dirty="0" smtClean="0"/>
-              <a:t>Tree Object</a:t>
-            </a:r>
-            <a:r>
-              <a:rPr lang="zh-CN" altLang="en-US" dirty="0" smtClean="0"/>
-              <a:t>创建一个</a:t>
-            </a:r>
-            <a:r>
-              <a:rPr lang="en-US" altLang="zh-CN" dirty="0" smtClean="0"/>
-              <a:t>commit</a:t>
-            </a:r>
-          </a:p>
-          <a:p>
-            <a:pPr>
+              <a:rPr lang="zh-CN" altLang="en-US" dirty="0" smtClean="0"/>
+              <a:t>工作进行到一半，突然有一个紧急的任务要优先处理</a:t>
+            </a:r>
+            <a:endParaRPr lang="en-US" altLang="zh-CN" dirty="0" smtClean="0"/>
+          </a:p>
+          <a:p>
+            <a:r>
+              <a:rPr lang="zh-CN" altLang="en-US" dirty="0" smtClean="0"/>
+              <a:t>没完成一个完整的功能，不能</a:t>
+            </a:r>
+            <a:r>
+              <a:rPr lang="en-US" altLang="zh-CN" dirty="0" smtClean="0"/>
+              <a:t>Commit</a:t>
+            </a:r>
+          </a:p>
+          <a:p>
+            <a:pPr marL="109728" indent="0">
               <a:buNone/>
             </a:pPr>
             <a:r>
-              <a:rPr lang="en-US" altLang="zh-CN" sz="2000" dirty="0" smtClean="0">
-                <a:solidFill>
-                  <a:srgbClr val="C00000"/>
-                </a:solidFill>
-                <a:latin typeface="Consolas" pitchFamily="49" charset="0"/>
-                <a:cs typeface="Consolas" pitchFamily="49" charset="0"/>
-              </a:rPr>
-              <a:t>$ echo 'first commit' | </a:t>
-            </a:r>
-            <a:r>
-              <a:rPr lang="en-US" altLang="zh-CN" sz="2000" dirty="0" err="1" smtClean="0">
+              <a:rPr lang="en-US" altLang="zh-CN" sz="2000" dirty="0">
+                <a:solidFill>
+                  <a:srgbClr val="C00000"/>
+                </a:solidFill>
+                <a:latin typeface="Consolas" pitchFamily="49" charset="0"/>
+                <a:cs typeface="Consolas" pitchFamily="49" charset="0"/>
+              </a:rPr>
+              <a:t>$ </a:t>
+            </a:r>
+            <a:r>
+              <a:rPr lang="en-US" altLang="zh-CN" sz="2000" dirty="0" err="1">
                 <a:solidFill>
                   <a:srgbClr val="C00000"/>
                 </a:solidFill>
@@ -9798,58 +12318,32 @@
               <a:t>git</a:t>
             </a:r>
             <a:r>
-              <a:rPr lang="en-US" altLang="zh-CN" sz="2000" dirty="0" smtClean="0">
-                <a:solidFill>
-                  <a:srgbClr val="C00000"/>
-                </a:solidFill>
-                <a:latin typeface="Consolas" pitchFamily="49" charset="0"/>
-                <a:cs typeface="Consolas" pitchFamily="49" charset="0"/>
-              </a:rPr>
-              <a:t> commit-tree d8329f</a:t>
-            </a:r>
-          </a:p>
-          <a:p>
-            <a:r>
-              <a:rPr lang="zh-CN" altLang="en-US" dirty="0" smtClean="0"/>
-              <a:t>再创建两个</a:t>
-            </a:r>
-            <a:r>
-              <a:rPr lang="en-US" altLang="zh-CN" dirty="0" smtClean="0"/>
-              <a:t>commit</a:t>
-            </a:r>
-            <a:r>
-              <a:rPr lang="zh-CN" altLang="en-US" dirty="0" smtClean="0"/>
-              <a:t>，分别指向前一个</a:t>
-            </a:r>
-            <a:r>
-              <a:rPr lang="en-US" altLang="zh-CN" dirty="0" smtClean="0"/>
-              <a:t>commit</a:t>
-            </a:r>
-            <a:r>
-              <a:rPr lang="zh-CN" altLang="en-US" dirty="0" smtClean="0"/>
-              <a:t>作为</a:t>
-            </a:r>
-            <a:r>
-              <a:rPr lang="en-US" altLang="zh-CN" dirty="0" smtClean="0"/>
-              <a:t>parent</a:t>
-            </a:r>
-          </a:p>
-          <a:p>
-            <a:pPr>
+              <a:rPr lang="en-US" altLang="zh-CN" sz="2000" dirty="0">
+                <a:solidFill>
+                  <a:srgbClr val="C00000"/>
+                </a:solidFill>
+                <a:latin typeface="Consolas" pitchFamily="49" charset="0"/>
+                <a:cs typeface="Consolas" pitchFamily="49" charset="0"/>
+              </a:rPr>
+              <a:t> stash save xxx</a:t>
+            </a:r>
+          </a:p>
+          <a:p>
+            <a:pPr marL="109728" indent="0">
               <a:buNone/>
             </a:pPr>
             <a:r>
-              <a:rPr lang="en-US" altLang="zh-CN" sz="2000" dirty="0" smtClean="0">
-                <a:solidFill>
-                  <a:srgbClr val="C00000"/>
-                </a:solidFill>
-                <a:latin typeface="Consolas" pitchFamily="49" charset="0"/>
-                <a:cs typeface="Consolas" pitchFamily="49" charset="0"/>
-              </a:rPr>
-              <a:t>$ echo 'second commit' | </a:t>
-            </a:r>
-            <a:r>
-              <a:rPr lang="en-US" altLang="zh-CN" sz="2000" dirty="0" err="1" smtClean="0">
+              <a:rPr lang="en-US" altLang="zh-CN" sz="2000" dirty="0">
+                <a:solidFill>
+                  <a:srgbClr val="C00000"/>
+                </a:solidFill>
+                <a:latin typeface="Consolas" pitchFamily="49" charset="0"/>
+                <a:cs typeface="Consolas" pitchFamily="49" charset="0"/>
+              </a:rPr>
+              <a:t>$ </a:t>
+            </a:r>
+            <a:r>
+              <a:rPr lang="en-US" altLang="zh-CN" sz="2000" dirty="0" err="1">
                 <a:solidFill>
                   <a:srgbClr val="C00000"/>
                 </a:solidFill>
@@ -9859,32 +12353,32 @@
               <a:t>git</a:t>
             </a:r>
             <a:r>
-              <a:rPr lang="en-US" altLang="zh-CN" sz="2000" dirty="0" smtClean="0">
-                <a:solidFill>
-                  <a:srgbClr val="C00000"/>
-                </a:solidFill>
-                <a:latin typeface="Consolas" pitchFamily="49" charset="0"/>
-                <a:cs typeface="Consolas" pitchFamily="49" charset="0"/>
-              </a:rPr>
-              <a:t> commit-tree 0155eb -p fdf4fc3 </a:t>
-            </a:r>
-          </a:p>
-          <a:p>
-            <a:pPr>
+              <a:rPr lang="en-US" altLang="zh-CN" sz="2000" dirty="0">
+                <a:solidFill>
+                  <a:srgbClr val="C00000"/>
+                </a:solidFill>
+                <a:latin typeface="Consolas" pitchFamily="49" charset="0"/>
+                <a:cs typeface="Consolas" pitchFamily="49" charset="0"/>
+              </a:rPr>
+              <a:t> stash list</a:t>
+            </a:r>
+          </a:p>
+          <a:p>
+            <a:pPr marL="109728" indent="0">
               <a:buNone/>
             </a:pPr>
             <a:r>
-              <a:rPr lang="en-US" altLang="zh-CN" sz="2000" dirty="0" smtClean="0">
-                <a:solidFill>
-                  <a:srgbClr val="C00000"/>
-                </a:solidFill>
-                <a:latin typeface="Consolas" pitchFamily="49" charset="0"/>
-                <a:cs typeface="Consolas" pitchFamily="49" charset="0"/>
-              </a:rPr>
-              <a:t>$ echo 'third commit' | </a:t>
-            </a:r>
-            <a:r>
-              <a:rPr lang="en-US" altLang="zh-CN" sz="2000" dirty="0" err="1" smtClean="0">
+              <a:rPr lang="en-US" altLang="zh-CN" sz="2000" dirty="0">
+                <a:solidFill>
+                  <a:srgbClr val="C00000"/>
+                </a:solidFill>
+                <a:latin typeface="Consolas" pitchFamily="49" charset="0"/>
+                <a:cs typeface="Consolas" pitchFamily="49" charset="0"/>
+              </a:rPr>
+              <a:t>$ </a:t>
+            </a:r>
+            <a:r>
+              <a:rPr lang="en-US" altLang="zh-CN" sz="2000" dirty="0" err="1">
                 <a:solidFill>
                   <a:srgbClr val="C00000"/>
                 </a:solidFill>
@@ -9894,22 +12388,22 @@
               <a:t>git</a:t>
             </a:r>
             <a:r>
-              <a:rPr lang="en-US" altLang="zh-CN" sz="2000" dirty="0" smtClean="0">
-                <a:solidFill>
-                  <a:srgbClr val="C00000"/>
-                </a:solidFill>
-                <a:latin typeface="Consolas" pitchFamily="49" charset="0"/>
-                <a:cs typeface="Consolas" pitchFamily="49" charset="0"/>
-              </a:rPr>
-              <a:t> commit-tree 3c4e9c -p cac0cab</a:t>
-            </a:r>
-          </a:p>
-          <a:p>
-            <a:pPr>
+              <a:rPr lang="en-US" altLang="zh-CN" sz="2000" dirty="0">
+                <a:solidFill>
+                  <a:srgbClr val="C00000"/>
+                </a:solidFill>
+                <a:latin typeface="Consolas" pitchFamily="49" charset="0"/>
+                <a:cs typeface="Consolas" pitchFamily="49" charset="0"/>
+              </a:rPr>
+              <a:t> stash apply xxx</a:t>
+            </a:r>
+          </a:p>
+          <a:p>
+            <a:pPr marL="109728" indent="0">
               <a:buNone/>
             </a:pPr>
             <a:r>
-              <a:rPr lang="en-US" altLang="zh-CN" sz="2000" dirty="0" smtClean="0">
+              <a:rPr lang="en-US" altLang="zh-CN" sz="2000" dirty="0">
                 <a:solidFill>
                   <a:srgbClr val="C00000"/>
                 </a:solidFill>
@@ -9919,7 +12413,7 @@
               <a:t>$ </a:t>
             </a:r>
             <a:r>
-              <a:rPr lang="en-US" altLang="zh-CN" sz="2000" dirty="0" err="1" smtClean="0">
+              <a:rPr lang="en-US" altLang="zh-CN" sz="2000" dirty="0" err="1">
                 <a:solidFill>
                   <a:srgbClr val="C00000"/>
                 </a:solidFill>
@@ -9929,41 +12423,98 @@
               <a:t>git</a:t>
             </a:r>
             <a:r>
-              <a:rPr lang="en-US" altLang="zh-CN" sz="2000" dirty="0" smtClean="0">
-                <a:solidFill>
-                  <a:srgbClr val="C00000"/>
-                </a:solidFill>
-                <a:latin typeface="Consolas" pitchFamily="49" charset="0"/>
-                <a:cs typeface="Consolas" pitchFamily="49" charset="0"/>
-              </a:rPr>
-              <a:t> log –stat &lt;</a:t>
-            </a:r>
-            <a:r>
-              <a:rPr lang="en-US" altLang="zh-CN" sz="2000" dirty="0" err="1" smtClean="0">
-                <a:solidFill>
-                  <a:srgbClr val="C00000"/>
-                </a:solidFill>
-                <a:latin typeface="Consolas" pitchFamily="49" charset="0"/>
-                <a:cs typeface="Consolas" pitchFamily="49" charset="0"/>
-              </a:rPr>
-              <a:t>last_commit_id</a:t>
-            </a:r>
-            <a:r>
-              <a:rPr lang="en-US" altLang="zh-CN" sz="2000" dirty="0" smtClean="0">
-                <a:solidFill>
-                  <a:srgbClr val="C00000"/>
-                </a:solidFill>
-                <a:latin typeface="Consolas" pitchFamily="49" charset="0"/>
-                <a:cs typeface="Consolas" pitchFamily="49" charset="0"/>
-              </a:rPr>
-              <a:t>&gt;</a:t>
-            </a:r>
+              <a:rPr lang="en-US" altLang="zh-CN" sz="2000" dirty="0">
+                <a:solidFill>
+                  <a:srgbClr val="C00000"/>
+                </a:solidFill>
+                <a:latin typeface="Consolas" pitchFamily="49" charset="0"/>
+                <a:cs typeface="Consolas" pitchFamily="49" charset="0"/>
+              </a:rPr>
+              <a:t> stash drop xxx</a:t>
+            </a:r>
+          </a:p>
+          <a:p>
+            <a:pPr marL="109728" indent="0">
+              <a:buNone/>
+            </a:pPr>
+            <a:r>
+              <a:rPr lang="en-US" altLang="zh-CN" sz="2000" dirty="0">
+                <a:solidFill>
+                  <a:srgbClr val="C00000"/>
+                </a:solidFill>
+                <a:latin typeface="Consolas" pitchFamily="49" charset="0"/>
+                <a:cs typeface="Consolas" pitchFamily="49" charset="0"/>
+              </a:rPr>
+              <a:t>$ </a:t>
+            </a:r>
+            <a:r>
+              <a:rPr lang="en-US" altLang="zh-CN" sz="2000" dirty="0" err="1">
+                <a:solidFill>
+                  <a:srgbClr val="C00000"/>
+                </a:solidFill>
+                <a:latin typeface="Consolas" pitchFamily="49" charset="0"/>
+                <a:cs typeface="Consolas" pitchFamily="49" charset="0"/>
+              </a:rPr>
+              <a:t>git</a:t>
+            </a:r>
+            <a:r>
+              <a:rPr lang="en-US" altLang="zh-CN" sz="2000" dirty="0">
+                <a:solidFill>
+                  <a:srgbClr val="C00000"/>
+                </a:solidFill>
+                <a:latin typeface="Consolas" pitchFamily="49" charset="0"/>
+                <a:cs typeface="Consolas" pitchFamily="49" charset="0"/>
+              </a:rPr>
+              <a:t> stash pop</a:t>
+            </a:r>
+          </a:p>
+          <a:p>
+            <a:pPr marL="109728" indent="0">
+              <a:buNone/>
+            </a:pPr>
+            <a:r>
+              <a:rPr lang="en-US" altLang="zh-CN" sz="2000" dirty="0">
+                <a:solidFill>
+                  <a:srgbClr val="C00000"/>
+                </a:solidFill>
+                <a:latin typeface="Consolas" pitchFamily="49" charset="0"/>
+                <a:cs typeface="Consolas" pitchFamily="49" charset="0"/>
+              </a:rPr>
+              <a:t>$ </a:t>
+            </a:r>
+            <a:r>
+              <a:rPr lang="en-US" altLang="zh-CN" sz="2000" dirty="0" err="1">
+                <a:solidFill>
+                  <a:srgbClr val="C00000"/>
+                </a:solidFill>
+                <a:latin typeface="Consolas" pitchFamily="49" charset="0"/>
+                <a:cs typeface="Consolas" pitchFamily="49" charset="0"/>
+              </a:rPr>
+              <a:t>git</a:t>
+            </a:r>
+            <a:r>
+              <a:rPr lang="en-US" altLang="zh-CN" sz="2000" dirty="0">
+                <a:solidFill>
+                  <a:srgbClr val="C00000"/>
+                </a:solidFill>
+                <a:latin typeface="Consolas" pitchFamily="49" charset="0"/>
+                <a:cs typeface="Consolas" pitchFamily="49" charset="0"/>
+              </a:rPr>
+              <a:t> stash clear</a:t>
+            </a:r>
+            <a:endParaRPr lang="zh-CN" altLang="en-US" sz="2000" dirty="0">
+              <a:solidFill>
+                <a:srgbClr val="C00000"/>
+              </a:solidFill>
+              <a:latin typeface="Consolas" pitchFamily="49" charset="0"/>
+              <a:cs typeface="Consolas" pitchFamily="49" charset="0"/>
+            </a:endParaRPr>
           </a:p>
         </p:txBody>
       </p:sp>
       <p:sp>
         <p:nvSpPr>
-          <p:cNvPr id="2" name="标题 1"/>
+          <p:cNvPr id="3" name="标题 2"/>
           <p:cNvSpPr>
             <a:spLocks noGrp="1"/>
           </p:cNvSpPr>
@@ -9977,14 +12528,31 @@
           <a:lstStyle/>
           <a:p>
             <a:r>
-              <a:rPr lang="en-US" altLang="zh-CN" dirty="0" smtClean="0"/>
-              <a:t>Commit Object</a:t>
+              <a:rPr lang="zh-CN" altLang="en-US" dirty="0" smtClean="0"/>
+              <a:t>场景：保存临时工作（</a:t>
+            </a:r>
+            <a:r>
+              <a:rPr lang="en-US" altLang="zh-CN" dirty="0" err="1" smtClean="0"/>
+              <a:t>git</a:t>
+            </a:r>
+            <a:r>
+              <a:rPr lang="en-US" altLang="zh-CN" dirty="0" smtClean="0"/>
+              <a:t> stash</a:t>
+            </a:r>
+            <a:r>
+              <a:rPr lang="zh-CN" altLang="en-US" dirty="0" smtClean="0"/>
+              <a:t>）</a:t>
             </a:r>
             <a:endParaRPr lang="zh-CN" altLang="en-US" dirty="0"/>
           </a:p>
         </p:txBody>
       </p:sp>
     </p:spTree>
+    <p:extLst>
+      <p:ext uri="{BB962C8B-B14F-4D97-AF65-F5344CB8AC3E}">
+        <p14:creationId xmlns:p14="http://schemas.microsoft.com/office/powerpoint/2010/main" val="2107903339"/>
+      </p:ext>
+    </p:extLst>
   </p:cSld>
   <p:clrMapOvr>
     <a:masterClrMapping/>
@@ -10298,4 +12866,90 @@
   </a:objectDefaults>
   <a:extraClrSchemeLst/>
 </a:theme>
+</file>
+
+<file path=ppt/theme/themeOverride1.xml><?xml version="1.0" encoding="utf-8"?>
+<a:themeOverride xmlns:a="http://schemas.openxmlformats.org/drawingml/2006/main">
+  <a:clrScheme name="聚合">
+    <a:dk1>
+      <a:sysClr val="windowText" lastClr="000000"/>
+    </a:dk1>
+    <a:lt1>
+      <a:sysClr val="window" lastClr="FFFFFF"/>
+    </a:lt1>
+    <a:dk2>
+      <a:srgbClr val="464646"/>
+    </a:dk2>
+    <a:lt2>
+      <a:srgbClr val="DEF5FA"/>
+    </a:lt2>
+    <a:accent1>
+      <a:srgbClr val="2DA2BF"/>
+    </a:accent1>
+    <a:accent2>
+      <a:srgbClr val="DA1F28"/>
+    </a:accent2>
+    <a:accent3>
+      <a:srgbClr val="EB641B"/>
+    </a:accent3>
+    <a:accent4>
+      <a:srgbClr val="39639D"/>
+    </a:accent4>
+    <a:accent5>
+      <a:srgbClr val="474B78"/>
+    </a:accent5>
+    <a:accent6>
+      <a:srgbClr val="7D3C4A"/>
+    </a:accent6>
+    <a:hlink>
+      <a:srgbClr val="FF8119"/>
+    </a:hlink>
+    <a:folHlink>
+      <a:srgbClr val="44B9E8"/>
+    </a:folHlink>
+  </a:clrScheme>
+</a:themeOverride>
+</file>
+
+<file path=ppt/theme/themeOverride2.xml><?xml version="1.0" encoding="utf-8"?>
+<a:themeOverride xmlns:a="http://schemas.openxmlformats.org/drawingml/2006/main">
+  <a:clrScheme name="聚合">
+    <a:dk1>
+      <a:sysClr val="windowText" lastClr="000000"/>
+    </a:dk1>
+    <a:lt1>
+      <a:sysClr val="window" lastClr="FFFFFF"/>
+    </a:lt1>
+    <a:dk2>
+      <a:srgbClr val="464646"/>
+    </a:dk2>
+    <a:lt2>
+      <a:srgbClr val="DEF5FA"/>
+    </a:lt2>
+    <a:accent1>
+      <a:srgbClr val="2DA2BF"/>
+    </a:accent1>
+    <a:accent2>
+      <a:srgbClr val="DA1F28"/>
+    </a:accent2>
+    <a:accent3>
+      <a:srgbClr val="EB641B"/>
+    </a:accent3>
+    <a:accent4>
+      <a:srgbClr val="39639D"/>
+    </a:accent4>
+    <a:accent5>
+      <a:srgbClr val="474B78"/>
+    </a:accent5>
+    <a:accent6>
+      <a:srgbClr val="7D3C4A"/>
+    </a:accent6>
+    <a:hlink>
+      <a:srgbClr val="FF8119"/>
+    </a:hlink>
+    <a:folHlink>
+      <a:srgbClr val="44B9E8"/>
+    </a:folHlink>
+  </a:clrScheme>
+</a:themeOverride>
 </file>